--- a/ProjetMaquettagePollBox.pptx
+++ b/ProjetMaquettagePollBox.pptx
@@ -146,6 +146,10 @@
     </p:extLst>
   </p:cmAuthor>
 </p:cmAuthorLst>
+</file>
+
+<file path=ppt/revisionInfo.xml><?xml version="1.0" encoding="utf-8"?>
+<p1510:revInfo xmlns:a="http://schemas.openxmlformats.org/drawingml/2006/main" xmlns:r="http://schemas.openxmlformats.org/officeDocument/2006/relationships" xmlns:p1510="http://schemas.microsoft.com/office/powerpoint/2015/10/main"/>
 </file>
 
 <file path=ppt/charts/chart1.xml><?xml version="1.0" encoding="utf-8"?>
@@ -4694,7 +4698,7 @@
           <a:p>
             <a:fld id="{4AAD347D-5ACD-4C99-B74B-A9C85AD731AF}" type="datetimeFigureOut">
               <a:rPr lang="en-US" smtClean="0"/>
-              <a:t>12/20/2017</a:t>
+              <a:t>12/21/2017</a:t>
             </a:fld>
             <a:endParaRPr lang="en-US" dirty="0"/>
           </a:p>
@@ -4999,7 +5003,7 @@
           <a:p>
             <a:fld id="{B0B5E32C-FA02-49D2-B77F-13FF1665287F}" type="datetimeFigureOut">
               <a:rPr lang="fr-FR" smtClean="0"/>
-              <a:t>20/12/2017</a:t>
+              <a:t>21/12/2017</a:t>
             </a:fld>
             <a:endParaRPr lang="fr-FR"/>
           </a:p>
@@ -5223,7 +5227,7 @@
           <a:p>
             <a:fld id="{B0B5E32C-FA02-49D2-B77F-13FF1665287F}" type="datetimeFigureOut">
               <a:rPr lang="fr-FR" smtClean="0"/>
-              <a:t>20/12/2017</a:t>
+              <a:t>21/12/2017</a:t>
             </a:fld>
             <a:endParaRPr lang="fr-FR"/>
           </a:p>
@@ -5529,7 +5533,7 @@
           <a:p>
             <a:fld id="{B0B5E32C-FA02-49D2-B77F-13FF1665287F}" type="datetimeFigureOut">
               <a:rPr lang="fr-FR" smtClean="0"/>
-              <a:t>20/12/2017</a:t>
+              <a:t>21/12/2017</a:t>
             </a:fld>
             <a:endParaRPr lang="fr-FR"/>
           </a:p>
@@ -5900,7 +5904,7 @@
           <a:p>
             <a:fld id="{B0B5E32C-FA02-49D2-B77F-13FF1665287F}" type="datetimeFigureOut">
               <a:rPr lang="fr-FR" smtClean="0"/>
-              <a:t>20/12/2017</a:t>
+              <a:t>21/12/2017</a:t>
             </a:fld>
             <a:endParaRPr lang="fr-FR"/>
           </a:p>
@@ -6573,7 +6577,7 @@
           <a:p>
             <a:fld id="{B0B5E32C-FA02-49D2-B77F-13FF1665287F}" type="datetimeFigureOut">
               <a:rPr lang="fr-FR" smtClean="0"/>
-              <a:t>20/12/2017</a:t>
+              <a:t>21/12/2017</a:t>
             </a:fld>
             <a:endParaRPr lang="fr-FR"/>
           </a:p>
@@ -7483,7 +7487,7 @@
           <a:p>
             <a:fld id="{B0B5E32C-FA02-49D2-B77F-13FF1665287F}" type="datetimeFigureOut">
               <a:rPr lang="fr-FR" smtClean="0"/>
-              <a:t>20/12/2017</a:t>
+              <a:t>21/12/2017</a:t>
             </a:fld>
             <a:endParaRPr lang="fr-FR"/>
           </a:p>
@@ -7693,7 +7697,7 @@
           <a:p>
             <a:fld id="{4509A250-FF31-4206-8172-F9D3106AACB1}" type="datetimeFigureOut">
               <a:rPr lang="en-US" smtClean="0"/>
-              <a:t>12/20/2017</a:t>
+              <a:t>12/21/2017</a:t>
             </a:fld>
             <a:endParaRPr lang="en-US" dirty="0"/>
           </a:p>
@@ -7903,7 +7907,7 @@
           <a:p>
             <a:fld id="{4509A250-FF31-4206-8172-F9D3106AACB1}" type="datetimeFigureOut">
               <a:rPr lang="en-US" smtClean="0"/>
-              <a:t>12/20/2017</a:t>
+              <a:t>12/21/2017</a:t>
             </a:fld>
             <a:endParaRPr lang="en-US" dirty="0"/>
           </a:p>
@@ -8173,7 +8177,7 @@
           <a:p>
             <a:fld id="{4509A250-FF31-4206-8172-F9D3106AACB1}" type="datetimeFigureOut">
               <a:rPr lang="en-US" smtClean="0"/>
-              <a:t>12/20/2017</a:t>
+              <a:t>12/21/2017</a:t>
             </a:fld>
             <a:endParaRPr lang="en-US" dirty="0"/>
           </a:p>
@@ -8510,7 +8514,7 @@
           <a:p>
             <a:fld id="{9796027F-7875-4030-9381-8BD8C4F21935}" type="datetimeFigureOut">
               <a:rPr lang="en-US" smtClean="0"/>
-              <a:t>12/20/2017</a:t>
+              <a:t>12/21/2017</a:t>
             </a:fld>
             <a:endParaRPr lang="en-US" dirty="0"/>
           </a:p>
@@ -8840,7 +8844,7 @@
           <a:p>
             <a:fld id="{9796027F-7875-4030-9381-8BD8C4F21935}" type="datetimeFigureOut">
               <a:rPr lang="en-US" smtClean="0"/>
-              <a:t>12/20/2017</a:t>
+              <a:t>12/21/2017</a:t>
             </a:fld>
             <a:endParaRPr lang="en-US" dirty="0"/>
           </a:p>
@@ -9328,7 +9332,7 @@
           <a:p>
             <a:fld id="{9796027F-7875-4030-9381-8BD8C4F21935}" type="datetimeFigureOut">
               <a:rPr lang="en-US" smtClean="0"/>
-              <a:t>12/20/2017</a:t>
+              <a:t>12/21/2017</a:t>
             </a:fld>
             <a:endParaRPr lang="en-US" dirty="0"/>
           </a:p>
@@ -9478,7 +9482,7 @@
           <a:p>
             <a:fld id="{4509A250-FF31-4206-8172-F9D3106AACB1}" type="datetimeFigureOut">
               <a:rPr lang="en-US" smtClean="0"/>
-              <a:t>12/20/2017</a:t>
+              <a:t>12/21/2017</a:t>
             </a:fld>
             <a:endParaRPr lang="en-US" dirty="0"/>
           </a:p>
@@ -9597,7 +9601,7 @@
           <a:p>
             <a:fld id="{4509A250-FF31-4206-8172-F9D3106AACB1}" type="datetimeFigureOut">
               <a:rPr lang="en-US" smtClean="0"/>
-              <a:t>12/20/2017</a:t>
+              <a:t>12/21/2017</a:t>
             </a:fld>
             <a:endParaRPr lang="en-US" dirty="0"/>
           </a:p>
@@ -9909,7 +9913,7 @@
           <a:p>
             <a:fld id="{4509A250-FF31-4206-8172-F9D3106AACB1}" type="datetimeFigureOut">
               <a:rPr lang="en-US" smtClean="0"/>
-              <a:t>12/20/2017</a:t>
+              <a:t>12/21/2017</a:t>
             </a:fld>
             <a:endParaRPr lang="en-US" dirty="0"/>
           </a:p>
@@ -10214,7 +10218,7 @@
           <a:p>
             <a:fld id="{4509A250-FF31-4206-8172-F9D3106AACB1}" type="datetimeFigureOut">
               <a:rPr lang="en-US" smtClean="0"/>
-              <a:t>12/20/2017</a:t>
+              <a:t>12/21/2017</a:t>
             </a:fld>
             <a:endParaRPr lang="en-US" dirty="0"/>
           </a:p>
@@ -15343,6 +15347,11 @@
           <a:prstGeom prst="rect">
             <a:avLst/>
           </a:prstGeom>
+          <a:ln w="76200">
+            <a:solidFill>
+              <a:srgbClr val="B01513"/>
+            </a:solidFill>
+          </a:ln>
         </p:spPr>
       </p:pic>
       <p:graphicFrame>
@@ -17003,6 +17012,11 @@
           <a:prstGeom prst="rect">
             <a:avLst/>
           </a:prstGeom>
+          <a:ln w="76200">
+            <a:solidFill>
+              <a:srgbClr val="B01513"/>
+            </a:solidFill>
+          </a:ln>
         </p:spPr>
       </p:pic>
       <p:graphicFrame>
@@ -35053,6 +35067,11 @@
           <a:prstGeom prst="rect">
             <a:avLst/>
           </a:prstGeom>
+          <a:ln w="76200">
+            <a:solidFill>
+              <a:schemeClr val="accent1"/>
+            </a:solidFill>
+          </a:ln>
         </p:spPr>
       </p:pic>
     </p:spTree>
@@ -36689,6 +36708,11 @@
           <a:prstGeom prst="rect">
             <a:avLst/>
           </a:prstGeom>
+          <a:ln w="76200">
+            <a:solidFill>
+              <a:srgbClr val="B01513"/>
+            </a:solidFill>
+          </a:ln>
         </p:spPr>
       </p:pic>
     </p:spTree>
@@ -39286,11 +39310,9 @@
             <a:solidFill>
               <a:srgbClr val="FFFFFF"/>
             </a:solidFill>
-            <a:ln w="3175">
+            <a:ln w="76200">
               <a:solidFill>
-                <a:srgbClr val="FFFFFF">
-                  <a:lumMod val="65000"/>
-                </a:srgbClr>
+                <a:srgbClr val="B01513"/>
               </a:solidFill>
             </a:ln>
             <a:effectLst>
@@ -49207,13 +49229,13 @@
 
 <file path=customXml/item1.xml><?xml version="1.0" encoding="utf-8"?>
 <Control xmlns="http://schemas.microsoft.com/VisualStudio/2011/storyboarding/control">
-  <Id Name="System.Storyboarding.Common.Button" Revision="1" Stencil="System.Storyboarding.Common" StencilVersion="0.1"/>
+  <Id Name="System.Storyboarding.Common.TextInput" Revision="1" Stencil="System.Storyboarding.Common" StencilVersion="0.1"/>
 </Control>
 </file>
 
 <file path=customXml/item10.xml><?xml version="1.0" encoding="utf-8"?>
 <Control xmlns="http://schemas.microsoft.com/VisualStudio/2011/storyboarding/control">
-  <Id Name="System.Storyboarding.Common.TextInput" Revision="1" Stencil="System.Storyboarding.Common" StencilVersion="0.1"/>
+  <Id Name="System.Storyboarding.Common.Button" Revision="1" Stencil="System.Storyboarding.Common" StencilVersion="0.1"/>
 </Control>
 </file>
 
@@ -49237,7 +49259,7 @@
 
 <file path=customXml/item103.xml><?xml version="1.0" encoding="utf-8"?>
 <Control xmlns="http://schemas.microsoft.com/VisualStudio/2011/storyboarding/control">
-  <Id Name="System.Storyboarding.Common.TextInput" Revision="1" Stencil="System.Storyboarding.Common" StencilVersion="0.1"/>
+  <Id Name="System.Storyboarding.Common.Button" Revision="1" Stencil="System.Storyboarding.Common" StencilVersion="0.1"/>
 </Control>
 </file>
 
@@ -49249,7 +49271,7 @@
 
 <file path=customXml/item105.xml><?xml version="1.0" encoding="utf-8"?>
 <Control xmlns="http://schemas.microsoft.com/VisualStudio/2011/storyboarding/control">
-  <Id Name="System.Storyboarding.Common.Button" Revision="1" Stencil="System.Storyboarding.Common" StencilVersion="0.1"/>
+  <Id Name="System.Storyboarding.Common.TextInput" Revision="1" Stencil="System.Storyboarding.Common" StencilVersion="0.1"/>
 </Control>
 </file>
 
@@ -49267,25 +49289,25 @@
 
 <file path=customXml/item108.xml><?xml version="1.0" encoding="utf-8"?>
 <Control xmlns="http://schemas.microsoft.com/VisualStudio/2011/storyboarding/control">
-  <Id Name="System.Storyboarding.Common.Button" Revision="1" Stencil="System.Storyboarding.Common" StencilVersion="0.1"/>
+  <Id Name="System.Storyboarding.Common.TextInput" Revision="1" Stencil="System.Storyboarding.Common" StencilVersion="0.1"/>
 </Control>
 </file>
 
 <file path=customXml/item109.xml><?xml version="1.0" encoding="utf-8"?>
 <Control xmlns="http://schemas.microsoft.com/VisualStudio/2011/storyboarding/control">
-  <Id Name="System.Storyboarding.Common.Button" Revision="1" Stencil="System.Storyboarding.Common" StencilVersion="0.1"/>
+  <Id Name="System.Storyboarding.Common.TextInput" Revision="1" Stencil="System.Storyboarding.Common" StencilVersion="0.1"/>
 </Control>
 </file>
 
 <file path=customXml/item11.xml><?xml version="1.0" encoding="utf-8"?>
 <Control xmlns="http://schemas.microsoft.com/VisualStudio/2011/storyboarding/control">
-  <Id Name="System.Storyboarding.Common.Button" Revision="1" Stencil="System.Storyboarding.Common" StencilVersion="0.1"/>
+  <Id Name="System.Storyboarding.Common.TextInput" Revision="1" Stencil="System.Storyboarding.Common" StencilVersion="0.1"/>
 </Control>
 </file>
 
 <file path=customXml/item110.xml><?xml version="1.0" encoding="utf-8"?>
 <Control xmlns="http://schemas.microsoft.com/VisualStudio/2011/storyboarding/control">
-  <Id Name="System.Storyboarding.Common.Button" Revision="1" Stencil="System.Storyboarding.Common" StencilVersion="0.1"/>
+  <Id Name="System.Storyboarding.Common.TextInput" Revision="1" Stencil="System.Storyboarding.Common" StencilVersion="0.1"/>
 </Control>
 </file>
 
@@ -49297,7 +49319,7 @@
 
 <file path=customXml/item112.xml><?xml version="1.0" encoding="utf-8"?>
 <Control xmlns="http://schemas.microsoft.com/VisualStudio/2011/storyboarding/control">
-  <Id Name="System.Storyboarding.Common.Button" Revision="1" Stencil="System.Storyboarding.Common" StencilVersion="0.1"/>
+  <Id Name="System.Storyboarding.Common.TextInput" Revision="1" Stencil="System.Storyboarding.Common" StencilVersion="0.1"/>
 </Control>
 </file>
 
@@ -49327,7 +49349,7 @@
 
 <file path=customXml/item117.xml><?xml version="1.0" encoding="utf-8"?>
 <Control xmlns="http://schemas.microsoft.com/VisualStudio/2011/storyboarding/control">
-  <Id Name="System.Storyboarding.Common.Button" Revision="1" Stencil="System.Storyboarding.Common" StencilVersion="0.1"/>
+  <Id Name="System.Storyboarding.Common.TextInput" Revision="1" Stencil="System.Storyboarding.Common" StencilVersion="0.1"/>
 </Control>
 </file>
 
@@ -49345,7 +49367,7 @@
 
 <file path=customXml/item12.xml><?xml version="1.0" encoding="utf-8"?>
 <Control xmlns="http://schemas.microsoft.com/VisualStudio/2011/storyboarding/control">
-  <Id Name="System.Storyboarding.Common.Button" Revision="1" Stencil="System.Storyboarding.Common" StencilVersion="0.1"/>
+  <Id Name="System.Storyboarding.Common.TextInput" Revision="1" Stencil="System.Storyboarding.Common" StencilVersion="0.1"/>
 </Control>
 </file>
 
@@ -49363,7 +49385,7 @@
 
 <file path=customXml/item122.xml><?xml version="1.0" encoding="utf-8"?>
 <Control xmlns="http://schemas.microsoft.com/VisualStudio/2011/storyboarding/control">
-  <Id Name="System.Storyboarding.Common.TextInput" Revision="1" Stencil="System.Storyboarding.Common" StencilVersion="0.1"/>
+  <Id Name="System.Storyboarding.Common.Button" Revision="1" Stencil="System.Storyboarding.Common" StencilVersion="0.1"/>
 </Control>
 </file>
 
@@ -49375,7 +49397,7 @@
 
 <file path=customXml/item124.xml><?xml version="1.0" encoding="utf-8"?>
 <Control xmlns="http://schemas.microsoft.com/VisualStudio/2011/storyboarding/control">
-  <Id Name="System.Storyboarding.Common.Button" Revision="1" Stencil="System.Storyboarding.Common" StencilVersion="0.1"/>
+  <Id Name="System.Storyboarding.Common.TextInput" Revision="1" Stencil="System.Storyboarding.Common" StencilVersion="0.1"/>
 </Control>
 </file>
 
@@ -49387,25 +49409,25 @@
 
 <file path=customXml/item126.xml><?xml version="1.0" encoding="utf-8"?>
 <Control xmlns="http://schemas.microsoft.com/VisualStudio/2011/storyboarding/control">
-  <Id Name="System.Storyboarding.Common.Button" Revision="1" Stencil="System.Storyboarding.Common" StencilVersion="0.1"/>
+  <Id Name="System.Storyboarding.Common.TextInput" Revision="1" Stencil="System.Storyboarding.Common" StencilVersion="0.1"/>
 </Control>
 </file>
 
 <file path=customXml/item127.xml><?xml version="1.0" encoding="utf-8"?>
+<Control xmlns="http://schemas.microsoft.com/VisualStudio/2011/storyboarding/control">
+  <Id Name="System.Storyboarding.Common.TextInput" Revision="1" Stencil="System.Storyboarding.Common" StencilVersion="0.1"/>
+</Control>
+</file>
+
+<file path=customXml/item128.xml><?xml version="1.0" encoding="utf-8"?>
 <Control xmlns="http://schemas.microsoft.com/VisualStudio/2011/storyboarding/control">
   <Id Name="System.Storyboarding.Common.Button" Revision="1" Stencil="System.Storyboarding.Common" StencilVersion="0.1"/>
 </Control>
 </file>
 
-<file path=customXml/item128.xml><?xml version="1.0" encoding="utf-8"?>
-<Control xmlns="http://schemas.microsoft.com/VisualStudio/2011/storyboarding/control">
-  <Id Name="System.Storyboarding.Common.TextInput" Revision="1" Stencil="System.Storyboarding.Common" StencilVersion="0.1"/>
-</Control>
-</file>
-
 <file path=customXml/item129.xml><?xml version="1.0" encoding="utf-8"?>
 <Control xmlns="http://schemas.microsoft.com/VisualStudio/2011/storyboarding/control">
-  <Id Name="System.Storyboarding.Common.TextInput" Revision="1" Stencil="System.Storyboarding.Common" StencilVersion="0.1"/>
+  <Id Name="System.Storyboarding.Common.Button" Revision="1" Stencil="System.Storyboarding.Common" StencilVersion="0.1"/>
 </Control>
 </file>
 
@@ -49423,7 +49445,7 @@
 
 <file path=customXml/item131.xml><?xml version="1.0" encoding="utf-8"?>
 <Control xmlns="http://schemas.microsoft.com/VisualStudio/2011/storyboarding/control">
-  <Id Name="System.Storyboarding.Common.CheckBoxUnchecked" Revision="1" Stencil="System.Storyboarding.Common" StencilVersion="0.1"/>
+  <Id Name="System.Storyboarding.Common.Button" Revision="1" Stencil="System.Storyboarding.Common" StencilVersion="0.1"/>
 </Control>
 </file>
 
@@ -49441,7 +49463,7 @@
 
 <file path=customXml/item134.xml><?xml version="1.0" encoding="utf-8"?>
 <Control xmlns="http://schemas.microsoft.com/VisualStudio/2011/storyboarding/control">
-  <Id Name="System.Storyboarding.Common.Button" Revision="1" Stencil="System.Storyboarding.Common" StencilVersion="0.1"/>
+  <Id Name="System.Storyboarding.Common.TextInput" Revision="1" Stencil="System.Storyboarding.Common" StencilVersion="0.1"/>
 </Control>
 </file>
 
@@ -49453,7 +49475,7 @@
 
 <file path=customXml/item136.xml><?xml version="1.0" encoding="utf-8"?>
 <Control xmlns="http://schemas.microsoft.com/VisualStudio/2011/storyboarding/control">
-  <Id Name="System.Storyboarding.Common.TextInput" Revision="1" Stencil="System.Storyboarding.Common" StencilVersion="0.1"/>
+  <Id Name="System.Storyboarding.Common.Button" Revision="1" Stencil="System.Storyboarding.Common" StencilVersion="0.1"/>
 </Control>
 </file>
 
@@ -49465,7 +49487,7 @@
 
 <file path=customXml/item138.xml><?xml version="1.0" encoding="utf-8"?>
 <Control xmlns="http://schemas.microsoft.com/VisualStudio/2011/storyboarding/control">
-  <Id Name="System.Storyboarding.Common.TextInput" Revision="1" Stencil="System.Storyboarding.Common" StencilVersion="0.1"/>
+  <Id Name="System.Storyboarding.Common.Button" Revision="1" Stencil="System.Storyboarding.Common" StencilVersion="0.1"/>
 </Control>
 </file>
 
@@ -49483,19 +49505,19 @@
 
 <file path=customXml/item140.xml><?xml version="1.0" encoding="utf-8"?>
 <Control xmlns="http://schemas.microsoft.com/VisualStudio/2011/storyboarding/control">
-  <Id Name="System.Storyboarding.Common.Button" Revision="1" Stencil="System.Storyboarding.Common" StencilVersion="0.1"/>
+  <Id Name="System.Storyboarding.Common.TextInput" Revision="1" Stencil="System.Storyboarding.Common" StencilVersion="0.1"/>
 </Control>
 </file>
 
 <file path=customXml/item141.xml><?xml version="1.0" encoding="utf-8"?>
 <Control xmlns="http://schemas.microsoft.com/VisualStudio/2011/storyboarding/control">
-  <Id Name="System.Storyboarding.Common.Button" Revision="1" Stencil="System.Storyboarding.Common" StencilVersion="0.1"/>
+  <Id Name="System.Storyboarding.Common.TextInput" Revision="1" Stencil="System.Storyboarding.Common" StencilVersion="0.1"/>
 </Control>
 </file>
 
 <file path=customXml/item142.xml><?xml version="1.0" encoding="utf-8"?>
 <Control xmlns="http://schemas.microsoft.com/VisualStudio/2011/storyboarding/control">
-  <Id Name="System.Storyboarding.Common.Button" Revision="1" Stencil="System.Storyboarding.Common" StencilVersion="0.1"/>
+  <Id Name="System.Storyboarding.Common.TextInput" Revision="1" Stencil="System.Storyboarding.Common" StencilVersion="0.1"/>
 </Control>
 </file>
 
@@ -49513,25 +49535,25 @@
 
 <file path=customXml/item145.xml><?xml version="1.0" encoding="utf-8"?>
 <Control xmlns="http://schemas.microsoft.com/VisualStudio/2011/storyboarding/control">
+  <Id Name="System.Storyboarding.Common.TextInput" Revision="1" Stencil="System.Storyboarding.Common" StencilVersion="0.1"/>
+</Control>
+</file>
+
+<file path=customXml/item146.xml><?xml version="1.0" encoding="utf-8"?>
+<Control xmlns="http://schemas.microsoft.com/VisualStudio/2011/storyboarding/control">
   <Id Name="System.Storyboarding.Common.Button" Revision="1" Stencil="System.Storyboarding.Common" StencilVersion="0.1"/>
 </Control>
 </file>
 
-<file path=customXml/item146.xml><?xml version="1.0" encoding="utf-8"?>
+<file path=customXml/item147.xml><?xml version="1.0" encoding="utf-8"?>
+<Control xmlns="http://schemas.microsoft.com/VisualStudio/2011/storyboarding/control">
+  <Id Name="System.Storyboarding.Common.Button" Revision="1" Stencil="System.Storyboarding.Common" StencilVersion="0.1"/>
+</Control>
+</file>
+
+<file path=customXml/item148.xml><?xml version="1.0" encoding="utf-8"?>
 <Control xmlns="http://schemas.microsoft.com/VisualStudio/2011/storyboarding/control">
   <Id Name="System.Storyboarding.Common.TextInput" Revision="1" Stencil="System.Storyboarding.Common" StencilVersion="0.1"/>
-</Control>
-</file>
-
-<file path=customXml/item147.xml><?xml version="1.0" encoding="utf-8"?>
-<Control xmlns="http://schemas.microsoft.com/VisualStudio/2011/storyboarding/control">
-  <Id Name="System.Storyboarding.Common.TextInput" Revision="1" Stencil="System.Storyboarding.Common" StencilVersion="0.1"/>
-</Control>
-</file>
-
-<file path=customXml/item148.xml><?xml version="1.0" encoding="utf-8"?>
-<Control xmlns="http://schemas.microsoft.com/VisualStudio/2011/storyboarding/control">
-  <Id Name="System.Storyboarding.Common.Button" Revision="1" Stencil="System.Storyboarding.Common" StencilVersion="0.1"/>
 </Control>
 </file>
 
@@ -49543,7 +49565,7 @@
 
 <file path=customXml/item15.xml><?xml version="1.0" encoding="utf-8"?>
 <Control xmlns="http://schemas.microsoft.com/VisualStudio/2011/storyboarding/control">
-  <Id Name="System.Storyboarding.Common.TextInput" Revision="1" Stencil="System.Storyboarding.Common" StencilVersion="0.1"/>
+  <Id Name="System.Storyboarding.Common.Button" Revision="1" Stencil="System.Storyboarding.Common" StencilVersion="0.1"/>
 </Control>
 </file>
 
@@ -49561,7 +49583,7 @@
 
 <file path=customXml/item152.xml><?xml version="1.0" encoding="utf-8"?>
 <Control xmlns="http://schemas.microsoft.com/VisualStudio/2011/storyboarding/control">
-  <Id Name="System.Storyboarding.Common.Button" Revision="1" Stencil="System.Storyboarding.Common" StencilVersion="0.1"/>
+  <Id Name="System.Storyboarding.Common.TextInput" Revision="1" Stencil="System.Storyboarding.Common" StencilVersion="0.1"/>
 </Control>
 </file>
 
@@ -49579,7 +49601,7 @@
 
 <file path=customXml/item155.xml><?xml version="1.0" encoding="utf-8"?>
 <Control xmlns="http://schemas.microsoft.com/VisualStudio/2011/storyboarding/control">
-  <Id Name="System.Storyboarding.Common.TextInput" Revision="1" Stencil="System.Storyboarding.Common" StencilVersion="0.1"/>
+  <Id Name="System.Storyboarding.WindowsDesktop.DialogBox" Revision="1" Stencil="System.Storyboarding.WindowsDesktop" StencilVersion="0.1"/>
 </Control>
 </file>
 
@@ -49591,13 +49613,13 @@
 
 <file path=customXml/item157.xml><?xml version="1.0" encoding="utf-8"?>
 <Control xmlns="http://schemas.microsoft.com/VisualStudio/2011/storyboarding/control">
-  <Id Name="System.Storyboarding.Common.Button" Revision="1" Stencil="System.Storyboarding.Common" StencilVersion="0.1"/>
+  <Id Name="System.Storyboarding.Icons.Warning" Revision="1" Stencil="System.Storyboarding.Icons" StencilVersion="0.1"/>
 </Control>
 </file>
 
 <file path=customXml/item158.xml><?xml version="1.0" encoding="utf-8"?>
 <Control xmlns="http://schemas.microsoft.com/VisualStudio/2011/storyboarding/control">
-  <Id Name="System.Storyboarding.Common.Button" Revision="1" Stencil="System.Storyboarding.Common" StencilVersion="0.1"/>
+  <Id Name="System.Storyboarding.Common.TextInput" Revision="1" Stencil="System.Storyboarding.Common" StencilVersion="0.1"/>
 </Control>
 </file>
 
@@ -49609,13 +49631,13 @@
 
 <file path=customXml/item16.xml><?xml version="1.0" encoding="utf-8"?>
 <Control xmlns="http://schemas.microsoft.com/VisualStudio/2011/storyboarding/control">
-  <Id Name="System.Storyboarding.Common.Button" Revision="1" Stencil="System.Storyboarding.Common" StencilVersion="0.1"/>
+  <Id Name="System.Storyboarding.Common.TextInput" Revision="1" Stencil="System.Storyboarding.Common" StencilVersion="0.1"/>
 </Control>
 </file>
 
 <file path=customXml/item160.xml><?xml version="1.0" encoding="utf-8"?>
 <Control xmlns="http://schemas.microsoft.com/VisualStudio/2011/storyboarding/control">
-  <Id Name="System.Storyboarding.Common.TextInput" Revision="1" Stencil="System.Storyboarding.Common" StencilVersion="0.1"/>
+  <Id Name="System.Storyboarding.Common.Button" Revision="1" Stencil="System.Storyboarding.Common" StencilVersion="0.1"/>
 </Control>
 </file>
 
@@ -49627,7 +49649,7 @@
 
 <file path=customXml/item162.xml><?xml version="1.0" encoding="utf-8"?>
 <Control xmlns="http://schemas.microsoft.com/VisualStudio/2011/storyboarding/control">
-  <Id Name="System.Storyboarding.Common.Button" Revision="1" Stencil="System.Storyboarding.Common" StencilVersion="0.1"/>
+  <Id Name="System.Storyboarding.Common.TextInput" Revision="1" Stencil="System.Storyboarding.Common" StencilVersion="0.1"/>
 </Control>
 </file>
 
@@ -49639,25 +49661,25 @@
 
 <file path=customXml/item164.xml><?xml version="1.0" encoding="utf-8"?>
 <Control xmlns="http://schemas.microsoft.com/VisualStudio/2011/storyboarding/control">
-  <Id Name="System.Storyboarding.Common.Button" Revision="1" Stencil="System.Storyboarding.Common" StencilVersion="0.1"/>
+  <Id Name="System.Storyboarding.Common.TextInput" Revision="1" Stencil="System.Storyboarding.Common" StencilVersion="0.1"/>
 </Control>
 </file>
 
 <file path=customXml/item165.xml><?xml version="1.0" encoding="utf-8"?>
 <Control xmlns="http://schemas.microsoft.com/VisualStudio/2011/storyboarding/control">
-  <Id Name="System.Storyboarding.Common.CheckBoxChecked" Revision="1" Stencil="System.Storyboarding.Common" StencilVersion="0.1"/>
+  <Id Name="System.Storyboarding.Common.TextInput" Revision="1" Stencil="System.Storyboarding.Common" StencilVersion="0.1"/>
 </Control>
 </file>
 
 <file path=customXml/item166.xml><?xml version="1.0" encoding="utf-8"?>
 <Control xmlns="http://schemas.microsoft.com/VisualStudio/2011/storyboarding/control">
-  <Id Name="System.Storyboarding.Common.Button" Revision="1" Stencil="System.Storyboarding.Common" StencilVersion="0.1"/>
+  <Id Name="System.Storyboarding.Common.TextInput" Revision="1" Stencil="System.Storyboarding.Common" StencilVersion="0.1"/>
 </Control>
 </file>
 
 <file path=customXml/item167.xml><?xml version="1.0" encoding="utf-8"?>
 <Control xmlns="http://schemas.microsoft.com/VisualStudio/2011/storyboarding/control">
-  <Id Name="System.Storyboarding.Common.Button" Revision="1" Stencil="System.Storyboarding.Common" StencilVersion="0.1"/>
+  <Id Name="System.Storyboarding.Common.TextInput" Revision="1" Stencil="System.Storyboarding.Common" StencilVersion="0.1"/>
 </Control>
 </file>
 
@@ -49669,7 +49691,7 @@
 
 <file path=customXml/item169.xml><?xml version="1.0" encoding="utf-8"?>
 <Control xmlns="http://schemas.microsoft.com/VisualStudio/2011/storyboarding/control">
-  <Id Name="System.Storyboarding.Common.Button" Revision="1" Stencil="System.Storyboarding.Common" StencilVersion="0.1"/>
+  <Id Name="System.Storyboarding.Common.TextInput" Revision="1" Stencil="System.Storyboarding.Common" StencilVersion="0.1"/>
 </Control>
 </file>
 
@@ -49681,7 +49703,7 @@
 
 <file path=customXml/item170.xml><?xml version="1.0" encoding="utf-8"?>
 <Control xmlns="http://schemas.microsoft.com/VisualStudio/2011/storyboarding/control">
-  <Id Name="System.Storyboarding.Common.Button" Revision="1" Stencil="System.Storyboarding.Common" StencilVersion="0.1"/>
+  <Id Name="System.Storyboarding.Common.TextInput" Revision="1" Stencil="System.Storyboarding.Common" StencilVersion="0.1"/>
 </Control>
 </file>
 
@@ -49699,13 +49721,13 @@
 
 <file path=customXml/item173.xml><?xml version="1.0" encoding="utf-8"?>
 <Control xmlns="http://schemas.microsoft.com/VisualStudio/2011/storyboarding/control">
-  <Id Name="System.Storyboarding.Common.TextInput" Revision="1" Stencil="System.Storyboarding.Common" StencilVersion="0.1"/>
+  <Id Name="System.Storyboarding.Common.Button" Revision="1" Stencil="System.Storyboarding.Common" StencilVersion="0.1"/>
 </Control>
 </file>
 
 <file path=customXml/item174.xml><?xml version="1.0" encoding="utf-8"?>
 <Control xmlns="http://schemas.microsoft.com/VisualStudio/2011/storyboarding/control">
-  <Id Name="System.Storyboarding.Common.TextInput" Revision="1" Stencil="System.Storyboarding.Common" StencilVersion="0.1"/>
+  <Id Name="System.Storyboarding.Common.Button" Revision="1" Stencil="System.Storyboarding.Common" StencilVersion="0.1"/>
 </Control>
 </file>
 
@@ -49717,19 +49739,19 @@
 
 <file path=customXml/item176.xml><?xml version="1.0" encoding="utf-8"?>
 <Control xmlns="http://schemas.microsoft.com/VisualStudio/2011/storyboarding/control">
+  <Id Name="System.Storyboarding.Icons.Warning" Revision="1" Stencil="System.Storyboarding.Icons" StencilVersion="0.1"/>
+</Control>
+</file>
+
+<file path=customXml/item177.xml><?xml version="1.0" encoding="utf-8"?>
+<Control xmlns="http://schemas.microsoft.com/VisualStudio/2011/storyboarding/control">
   <Id Name="System.Storyboarding.Common.Button" Revision="1" Stencil="System.Storyboarding.Common" StencilVersion="0.1"/>
 </Control>
 </file>
 
-<file path=customXml/item177.xml><?xml version="1.0" encoding="utf-8"?>
+<file path=customXml/item178.xml><?xml version="1.0" encoding="utf-8"?>
 <Control xmlns="http://schemas.microsoft.com/VisualStudio/2011/storyboarding/control">
   <Id Name="System.Storyboarding.Common.TextInput" Revision="1" Stencil="System.Storyboarding.Common" StencilVersion="0.1"/>
-</Control>
-</file>
-
-<file path=customXml/item178.xml><?xml version="1.0" encoding="utf-8"?>
-<Control xmlns="http://schemas.microsoft.com/VisualStudio/2011/storyboarding/control">
-  <Id Name="System.Storyboarding.Common.Button" Revision="1" Stencil="System.Storyboarding.Common" StencilVersion="0.1"/>
 </Control>
 </file>
 
@@ -49741,7 +49763,7 @@
 
 <file path=customXml/item18.xml><?xml version="1.0" encoding="utf-8"?>
 <Control xmlns="http://schemas.microsoft.com/VisualStudio/2011/storyboarding/control">
-  <Id Name="System.Storyboarding.Common.Button" Revision="1" Stencil="System.Storyboarding.Common" StencilVersion="0.1"/>
+  <Id Name="System.Storyboarding.Common.TextInput" Revision="1" Stencil="System.Storyboarding.Common" StencilVersion="0.1"/>
 </Control>
 </file>
 
@@ -49753,7 +49775,7 @@
 
 <file path=customXml/item181.xml><?xml version="1.0" encoding="utf-8"?>
 <Control xmlns="http://schemas.microsoft.com/VisualStudio/2011/storyboarding/control">
-  <Id Name="System.Storyboarding.Common.TextInput" Revision="1" Stencil="System.Storyboarding.Common" StencilVersion="0.1"/>
+  <Id Name="System.Storyboarding.Common.Button" Revision="1" Stencil="System.Storyboarding.Common" StencilVersion="0.1"/>
 </Control>
 </file>
 
@@ -49771,37 +49793,37 @@
 
 <file path=customXml/item184.xml><?xml version="1.0" encoding="utf-8"?>
 <Control xmlns="http://schemas.microsoft.com/VisualStudio/2011/storyboarding/control">
-  <Id Name="System.Storyboarding.Common.Button" Revision="1" Stencil="System.Storyboarding.Common" StencilVersion="0.1"/>
+  <Id Name="System.Storyboarding.Common.TextInput" Revision="1" Stencil="System.Storyboarding.Common" StencilVersion="0.1"/>
 </Control>
 </file>
 
 <file path=customXml/item185.xml><?xml version="1.0" encoding="utf-8"?>
-<Control xmlns="http://schemas.microsoft.com/VisualStudio/2011/storyboarding/control">
-  <Id Name="System.Storyboarding.WindowsDesktop.DialogBox" Revision="1" Stencil="System.Storyboarding.WindowsDesktop" StencilVersion="0.1"/>
-</Control>
-</file>
-
-<file path=customXml/item186.xml><?xml version="1.0" encoding="utf-8"?>
 <Control xmlns="http://schemas.microsoft.com/VisualStudio/2011/storyboarding/control">
   <Id Name="System.Storyboarding.Common.TextInput" Revision="1" Stencil="System.Storyboarding.Common" StencilVersion="0.1"/>
 </Control>
 </file>
 
+<file path=customXml/item186.xml><?xml version="1.0" encoding="utf-8"?>
+<Control xmlns="http://schemas.microsoft.com/VisualStudio/2011/storyboarding/control">
+  <Id Name="System.Storyboarding.Common.Button" Revision="1" Stencil="System.Storyboarding.Common" StencilVersion="0.1"/>
+</Control>
+</file>
+
 <file path=customXml/item187.xml><?xml version="1.0" encoding="utf-8"?>
 <Control xmlns="http://schemas.microsoft.com/VisualStudio/2011/storyboarding/control">
-  <Id Name="System.Storyboarding.Common.TextInput" Revision="1" Stencil="System.Storyboarding.Common" StencilVersion="0.1"/>
+  <Id Name="System.Storyboarding.Common.Button" Revision="1" Stencil="System.Storyboarding.Common" StencilVersion="0.1"/>
 </Control>
 </file>
 
 <file path=customXml/item188.xml><?xml version="1.0" encoding="utf-8"?>
 <Control xmlns="http://schemas.microsoft.com/VisualStudio/2011/storyboarding/control">
-  <Id Name="System.Storyboarding.Common.TextInput" Revision="1" Stencil="System.Storyboarding.Common" StencilVersion="0.1"/>
+  <Id Name="System.Storyboarding.Common.Button" Revision="1" Stencil="System.Storyboarding.Common" StencilVersion="0.1"/>
 </Control>
 </file>
 
 <file path=customXml/item189.xml><?xml version="1.0" encoding="utf-8"?>
 <Control xmlns="http://schemas.microsoft.com/VisualStudio/2011/storyboarding/control">
-  <Id Name="System.Storyboarding.Common.TextInput" Revision="1" Stencil="System.Storyboarding.Common" StencilVersion="0.1"/>
+  <Id Name="System.Storyboarding.Common.Button" Revision="1" Stencil="System.Storyboarding.Common" StencilVersion="0.1"/>
 </Control>
 </file>
 
@@ -49813,43 +49835,43 @@
 
 <file path=customXml/item190.xml><?xml version="1.0" encoding="utf-8"?>
 <Control xmlns="http://schemas.microsoft.com/VisualStudio/2011/storyboarding/control">
-  <Id Name="System.Storyboarding.Common.TextInput" Revision="1" Stencil="System.Storyboarding.Common" StencilVersion="0.1"/>
+  <Id Name="System.Storyboarding.Common.Button" Revision="1" Stencil="System.Storyboarding.Common" StencilVersion="0.1"/>
 </Control>
 </file>
 
 <file path=customXml/item191.xml><?xml version="1.0" encoding="utf-8"?>
 <Control xmlns="http://schemas.microsoft.com/VisualStudio/2011/storyboarding/control">
-  <Id Name="System.Storyboarding.Common.TextInput" Revision="1" Stencil="System.Storyboarding.Common" StencilVersion="0.1"/>
+  <Id Name="System.Storyboarding.Common.Button" Revision="1" Stencil="System.Storyboarding.Common" StencilVersion="0.1"/>
 </Control>
 </file>
 
 <file path=customXml/item192.xml><?xml version="1.0" encoding="utf-8"?>
 <Control xmlns="http://schemas.microsoft.com/VisualStudio/2011/storyboarding/control">
-  <Id Name="System.Storyboarding.Common.TextInput" Revision="1" Stencil="System.Storyboarding.Common" StencilVersion="0.1"/>
+  <Id Name="System.Storyboarding.Common.Hyperlink" Revision="1" Stencil="System.Storyboarding.Common" StencilVersion="0.1"/>
 </Control>
 </file>
 
 <file path=customXml/item193.xml><?xml version="1.0" encoding="utf-8"?>
 <Control xmlns="http://schemas.microsoft.com/VisualStudio/2011/storyboarding/control">
-  <Id Name="System.Storyboarding.Common.TextInput" Revision="1" Stencil="System.Storyboarding.Common" StencilVersion="0.1"/>
+  <Id Name="System.Storyboarding.Common.Button" Revision="1" Stencil="System.Storyboarding.Common" StencilVersion="0.1"/>
 </Control>
 </file>
 
 <file path=customXml/item194.xml><?xml version="1.0" encoding="utf-8"?>
 <Control xmlns="http://schemas.microsoft.com/VisualStudio/2011/storyboarding/control">
-  <Id Name="System.Storyboarding.Common.TextInput" Revision="1" Stencil="System.Storyboarding.Common" StencilVersion="0.1"/>
+  <Id Name="System.Storyboarding.Common.Button" Revision="1" Stencil="System.Storyboarding.Common" StencilVersion="0.1"/>
 </Control>
 </file>
 
 <file path=customXml/item195.xml><?xml version="1.0" encoding="utf-8"?>
 <Control xmlns="http://schemas.microsoft.com/VisualStudio/2011/storyboarding/control">
-  <Id Name="System.Storyboarding.Common.TextInput" Revision="1" Stencil="System.Storyboarding.Common" StencilVersion="0.1"/>
+  <Id Name="System.Storyboarding.Backgrounds.WebBrowser" Revision="1" Stencil="System.Storyboarding.Backgrounds" StencilVersion="0.1"/>
 </Control>
 </file>
 
 <file path=customXml/item196.xml><?xml version="1.0" encoding="utf-8"?>
 <Control xmlns="http://schemas.microsoft.com/VisualStudio/2011/storyboarding/control">
-  <Id Name="System.Storyboarding.Common.TextInput" Revision="1" Stencil="System.Storyboarding.Common" StencilVersion="0.1"/>
+  <Id Name="System.Storyboarding.Common.CheckBoxChecked" Revision="1" Stencil="System.Storyboarding.Common" StencilVersion="0.1"/>
 </Control>
 </file>
 
@@ -49867,13 +49889,13 @@
 
 <file path=customXml/item199.xml><?xml version="1.0" encoding="utf-8"?>
 <Control xmlns="http://schemas.microsoft.com/VisualStudio/2011/storyboarding/control">
-  <Id Name="System.Storyboarding.Common.Button" Revision="1" Stencil="System.Storyboarding.Common" StencilVersion="0.1"/>
+  <Id Name="System.Storyboarding.Common.TextInput" Revision="1" Stencil="System.Storyboarding.Common" StencilVersion="0.1"/>
 </Control>
 </file>
 
 <file path=customXml/item2.xml><?xml version="1.0" encoding="utf-8"?>
 <Control xmlns="http://schemas.microsoft.com/VisualStudio/2011/storyboarding/control">
-  <Id Name="System.Storyboarding.Common.CheckBoxUnchecked" Revision="1" Stencil="System.Storyboarding.Common" StencilVersion="0.1"/>
+  <Id Name="System.Storyboarding.Common.Button" Revision="1" Stencil="System.Storyboarding.Common" StencilVersion="0.1"/>
 </Control>
 </file>
 
@@ -49885,13 +49907,13 @@
 
 <file path=customXml/item200.xml><?xml version="1.0" encoding="utf-8"?>
 <Control xmlns="http://schemas.microsoft.com/VisualStudio/2011/storyboarding/control">
-  <Id Name="System.Storyboarding.Common.Button" Revision="1" Stencil="System.Storyboarding.Common" StencilVersion="0.1"/>
+  <Id Name="System.Storyboarding.Common.TextInput" Revision="1" Stencil="System.Storyboarding.Common" StencilVersion="0.1"/>
 </Control>
 </file>
 
 <file path=customXml/item201.xml><?xml version="1.0" encoding="utf-8"?>
 <Control xmlns="http://schemas.microsoft.com/VisualStudio/2011/storyboarding/control">
-  <Id Name="System.Storyboarding.Common.Button" Revision="1" Stencil="System.Storyboarding.Common" StencilVersion="0.1"/>
+  <Id Name="System.Storyboarding.Common.TextInput" Revision="1" Stencil="System.Storyboarding.Common" StencilVersion="0.1"/>
 </Control>
 </file>
 
@@ -49903,7 +49925,7 @@
 
 <file path=customXml/item203.xml><?xml version="1.0" encoding="utf-8"?>
 <Control xmlns="http://schemas.microsoft.com/VisualStudio/2011/storyboarding/control">
-  <Id Name="System.Storyboarding.Common.TextInput" Revision="1" Stencil="System.Storyboarding.Common" StencilVersion="0.1"/>
+  <Id Name="System.Storyboarding.Common.Button" Revision="1" Stencil="System.Storyboarding.Common" StencilVersion="0.1"/>
 </Control>
 </file>
 
@@ -49927,7 +49949,7 @@
 
 <file path=customXml/item207.xml><?xml version="1.0" encoding="utf-8"?>
 <Control xmlns="http://schemas.microsoft.com/VisualStudio/2011/storyboarding/control">
-  <Id Name="System.Storyboarding.Common.TextInput" Revision="1" Stencil="System.Storyboarding.Common" StencilVersion="0.1"/>
+  <Id Name="System.Storyboarding.Common.Button" Revision="1" Stencil="System.Storyboarding.Common" StencilVersion="0.1"/>
 </Control>
 </file>
 
@@ -49951,7 +49973,7 @@
 
 <file path=customXml/item210.xml><?xml version="1.0" encoding="utf-8"?>
 <Control xmlns="http://schemas.microsoft.com/VisualStudio/2011/storyboarding/control">
-  <Id Name="System.Storyboarding.Common.Button" Revision="1" Stencil="System.Storyboarding.Common" StencilVersion="0.1"/>
+  <Id Name="System.Storyboarding.Common.Hyperlink" Revision="1" Stencil="System.Storyboarding.Common" StencilVersion="0.1"/>
 </Control>
 </file>
 
@@ -49969,13 +49991,13 @@
 
 <file path=customXml/item213.xml><?xml version="1.0" encoding="utf-8"?>
 <Control xmlns="http://schemas.microsoft.com/VisualStudio/2011/storyboarding/control">
-  <Id Name="System.Storyboarding.Common.TextInput" Revision="1" Stencil="System.Storyboarding.Common" StencilVersion="0.1"/>
+  <Id Name="System.Storyboarding.Icons.Warning" Revision="1" Stencil="System.Storyboarding.Icons" StencilVersion="0.1"/>
 </Control>
 </file>
 
 <file path=customXml/item214.xml><?xml version="1.0" encoding="utf-8"?>
 <Control xmlns="http://schemas.microsoft.com/VisualStudio/2011/storyboarding/control">
-  <Id Name="System.Storyboarding.Common.TextInput" Revision="1" Stencil="System.Storyboarding.Common" StencilVersion="0.1"/>
+  <Id Name="System.Storyboarding.Common.Button" Revision="1" Stencil="System.Storyboarding.Common" StencilVersion="0.1"/>
 </Control>
 </file>
 
@@ -49987,7 +50009,7 @@
 
 <file path=customXml/item216.xml><?xml version="1.0" encoding="utf-8"?>
 <Control xmlns="http://schemas.microsoft.com/VisualStudio/2011/storyboarding/control">
-  <Id Name="System.Storyboarding.Common.TextInput" Revision="1" Stencil="System.Storyboarding.Common" StencilVersion="0.1"/>
+  <Id Name="System.Storyboarding.Common.Button" Revision="1" Stencil="System.Storyboarding.Common" StencilVersion="0.1"/>
 </Control>
 </file>
 
@@ -50005,7 +50027,7 @@
 
 <file path=customXml/item219.xml><?xml version="1.0" encoding="utf-8"?>
 <Control xmlns="http://schemas.microsoft.com/VisualStudio/2011/storyboarding/control">
-  <Id Name="System.Storyboarding.Common.TextInput" Revision="1" Stencil="System.Storyboarding.Common" StencilVersion="0.1"/>
+  <Id Name="System.Storyboarding.Common.Button" Revision="1" Stencil="System.Storyboarding.Common" StencilVersion="0.1"/>
 </Control>
 </file>
 
@@ -50041,7 +50063,7 @@
 
 <file path=customXml/item224.xml><?xml version="1.0" encoding="utf-8"?>
 <Control xmlns="http://schemas.microsoft.com/VisualStudio/2011/storyboarding/control">
-  <Id Name="System.Storyboarding.Common.Button" Revision="1" Stencil="System.Storyboarding.Common" StencilVersion="0.1"/>
+  <Id Name="System.Storyboarding.Common.TextInput" Revision="1" Stencil="System.Storyboarding.Common" StencilVersion="0.1"/>
 </Control>
 </file>
 
@@ -50053,7 +50075,7 @@
 
 <file path=customXml/item226.xml><?xml version="1.0" encoding="utf-8"?>
 <Control xmlns="http://schemas.microsoft.com/VisualStudio/2011/storyboarding/control">
-  <Id Name="System.Storyboarding.Common.TextInput" Revision="1" Stencil="System.Storyboarding.Common" StencilVersion="0.1"/>
+  <Id Name="System.Storyboarding.Common.Button" Revision="1" Stencil="System.Storyboarding.Common" StencilVersion="0.1"/>
 </Control>
 </file>
 
@@ -50065,7 +50087,7 @@
 
 <file path=customXml/item228.xml><?xml version="1.0" encoding="utf-8"?>
 <Control xmlns="http://schemas.microsoft.com/VisualStudio/2011/storyboarding/control">
-  <Id Name="System.Storyboarding.Common.TextInput" Revision="1" Stencil="System.Storyboarding.Common" StencilVersion="0.1"/>
+  <Id Name="System.Storyboarding.Common.CheckBoxUnchecked" Revision="1" Stencil="System.Storyboarding.Common" StencilVersion="0.1"/>
 </Control>
 </file>
 
@@ -50077,13 +50099,13 @@
 
 <file path=customXml/item23.xml><?xml version="1.0" encoding="utf-8"?>
 <Control xmlns="http://schemas.microsoft.com/VisualStudio/2011/storyboarding/control">
-  <Id Name="System.Storyboarding.Common.TextInput" Revision="1" Stencil="System.Storyboarding.Common" StencilVersion="0.1"/>
+  <Id Name="System.Storyboarding.Common.Button" Revision="1" Stencil="System.Storyboarding.Common" StencilVersion="0.1"/>
 </Control>
 </file>
 
 <file path=customXml/item230.xml><?xml version="1.0" encoding="utf-8"?>
 <Control xmlns="http://schemas.microsoft.com/VisualStudio/2011/storyboarding/control">
-  <Id Name="System.Storyboarding.Common.Button" Revision="1" Stencil="System.Storyboarding.Common" StencilVersion="0.1"/>
+  <Id Name="System.Storyboarding.Common.TextInput" Revision="1" Stencil="System.Storyboarding.Common" StencilVersion="0.1"/>
 </Control>
 </file>
 
@@ -50095,19 +50117,19 @@
 
 <file path=customXml/item232.xml><?xml version="1.0" encoding="utf-8"?>
 <Control xmlns="http://schemas.microsoft.com/VisualStudio/2011/storyboarding/control">
+  <Id Name="System.Storyboarding.Common.TextInput" Revision="1" Stencil="System.Storyboarding.Common" StencilVersion="0.1"/>
+</Control>
+</file>
+
+<file path=customXml/item233.xml><?xml version="1.0" encoding="utf-8"?>
+<Control xmlns="http://schemas.microsoft.com/VisualStudio/2011/storyboarding/control">
   <Id Name="System.Storyboarding.Common.Button" Revision="1" Stencil="System.Storyboarding.Common" StencilVersion="0.1"/>
 </Control>
 </file>
 
-<file path=customXml/item233.xml><?xml version="1.0" encoding="utf-8"?>
-<Control xmlns="http://schemas.microsoft.com/VisualStudio/2011/storyboarding/control">
-  <Id Name="System.Storyboarding.Common.TextInput" Revision="1" Stencil="System.Storyboarding.Common" StencilVersion="0.1"/>
-</Control>
-</file>
-
 <file path=customXml/item234.xml><?xml version="1.0" encoding="utf-8"?>
 <Control xmlns="http://schemas.microsoft.com/VisualStudio/2011/storyboarding/control">
-  <Id Name="System.Storyboarding.Common.Button" Revision="1" Stencil="System.Storyboarding.Common" StencilVersion="0.1"/>
+  <Id Name="System.Storyboarding.Common.CheckBoxUnchecked" Revision="1" Stencil="System.Storyboarding.Common" StencilVersion="0.1"/>
 </Control>
 </file>
 
@@ -50125,7 +50147,7 @@
 
 <file path=customXml/item237.xml><?xml version="1.0" encoding="utf-8"?>
 <Control xmlns="http://schemas.microsoft.com/VisualStudio/2011/storyboarding/control">
-  <Id Name="System.Storyboarding.Common.Button" Revision="1" Stencil="System.Storyboarding.Common" StencilVersion="0.1"/>
+  <Id Name="System.Storyboarding.Common.TextInput" Revision="1" Stencil="System.Storyboarding.Common" StencilVersion="0.1"/>
 </Control>
 </file>
 
@@ -50143,7 +50165,7 @@
 
 <file path=customXml/item24.xml><?xml version="1.0" encoding="utf-8"?>
 <Control xmlns="http://schemas.microsoft.com/VisualStudio/2011/storyboarding/control">
-  <Id Name="System.Storyboarding.Common.Button" Revision="1" Stencil="System.Storyboarding.Common" StencilVersion="0.1"/>
+  <Id Name="System.Storyboarding.Common.TextInput" Revision="1" Stencil="System.Storyboarding.Common" StencilVersion="0.1"/>
 </Control>
 </file>
 
@@ -50155,19 +50177,19 @@
 
 <file path=customXml/item241.xml><?xml version="1.0" encoding="utf-8"?>
 <Control xmlns="http://schemas.microsoft.com/VisualStudio/2011/storyboarding/control">
-  <Id Name="System.Storyboarding.Common.TextInput" Revision="1" Stencil="System.Storyboarding.Common" StencilVersion="0.1"/>
+  <Id Name="System.Storyboarding.Common.Button" Revision="1" Stencil="System.Storyboarding.Common" StencilVersion="0.1"/>
 </Control>
 </file>
 
 <file path=customXml/item242.xml><?xml version="1.0" encoding="utf-8"?>
 <Control xmlns="http://schemas.microsoft.com/VisualStudio/2011/storyboarding/control">
-  <Id Name="System.Storyboarding.Common.TextInput" Revision="1" Stencil="System.Storyboarding.Common" StencilVersion="0.1"/>
+  <Id Name="System.Storyboarding.Common.CheckBoxUnchecked" Revision="1" Stencil="System.Storyboarding.Common" StencilVersion="0.1"/>
 </Control>
 </file>
 
 <file path=customXml/item243.xml><?xml version="1.0" encoding="utf-8"?>
 <Control xmlns="http://schemas.microsoft.com/VisualStudio/2011/storyboarding/control">
-  <Id Name="System.Storyboarding.Common.TextInput" Revision="1" Stencil="System.Storyboarding.Common" StencilVersion="0.1"/>
+  <Id Name="System.Storyboarding.Common.Button" Revision="1" Stencil="System.Storyboarding.Common" StencilVersion="0.1"/>
 </Control>
 </file>
 
@@ -50179,13 +50201,13 @@
 
 <file path=customXml/item245.xml><?xml version="1.0" encoding="utf-8"?>
 <Control xmlns="http://schemas.microsoft.com/VisualStudio/2011/storyboarding/control">
-  <Id Name="System.Storyboarding.Common.Button" Revision="1" Stencil="System.Storyboarding.Common" StencilVersion="0.1"/>
+  <Id Name="System.Storyboarding.Common.TextInput" Revision="1" Stencil="System.Storyboarding.Common" StencilVersion="0.1"/>
 </Control>
 </file>
 
 <file path=customXml/item246.xml><?xml version="1.0" encoding="utf-8"?>
 <Control xmlns="http://schemas.microsoft.com/VisualStudio/2011/storyboarding/control">
-  <Id Name="System.Storyboarding.Common.Button" Revision="1" Stencil="System.Storyboarding.Common" StencilVersion="0.1"/>
+  <Id Name="System.Storyboarding.Common.TextInput" Revision="1" Stencil="System.Storyboarding.Common" StencilVersion="0.1"/>
 </Control>
 </file>
 
@@ -50203,19 +50225,19 @@
 
 <file path=customXml/item249.xml><?xml version="1.0" encoding="utf-8"?>
 <Control xmlns="http://schemas.microsoft.com/VisualStudio/2011/storyboarding/control">
+  <Id Name="System.Storyboarding.Common.Button" Revision="1" Stencil="System.Storyboarding.Common" StencilVersion="0.1"/>
+</Control>
+</file>
+
+<file path=customXml/item25.xml><?xml version="1.0" encoding="utf-8"?>
+<Control xmlns="http://schemas.microsoft.com/VisualStudio/2011/storyboarding/control">
   <Id Name="System.Storyboarding.Common.TextInput" Revision="1" Stencil="System.Storyboarding.Common" StencilVersion="0.1"/>
 </Control>
 </file>
 
-<file path=customXml/item25.xml><?xml version="1.0" encoding="utf-8"?>
+<file path=customXml/item250.xml><?xml version="1.0" encoding="utf-8"?>
 <Control xmlns="http://schemas.microsoft.com/VisualStudio/2011/storyboarding/control">
   <Id Name="System.Storyboarding.Common.Button" Revision="1" Stencil="System.Storyboarding.Common" StencilVersion="0.1"/>
-</Control>
-</file>
-
-<file path=customXml/item250.xml><?xml version="1.0" encoding="utf-8"?>
-<Control xmlns="http://schemas.microsoft.com/VisualStudio/2011/storyboarding/control">
-  <Id Name="System.Storyboarding.Common.TextInput" Revision="1" Stencil="System.Storyboarding.Common" StencilVersion="0.1"/>
 </Control>
 </file>
 
@@ -50227,19 +50249,19 @@
 
 <file path=customXml/item252.xml><?xml version="1.0" encoding="utf-8"?>
 <Control xmlns="http://schemas.microsoft.com/VisualStudio/2011/storyboarding/control">
-  <Id Name="System.Storyboarding.Common.TextInput" Revision="1" Stencil="System.Storyboarding.Common" StencilVersion="0.1"/>
+  <Id Name="System.Storyboarding.Common.Button" Revision="1" Stencil="System.Storyboarding.Common" StencilVersion="0.1"/>
 </Control>
 </file>
 
 <file path=customXml/item253.xml><?xml version="1.0" encoding="utf-8"?>
 <Control xmlns="http://schemas.microsoft.com/VisualStudio/2011/storyboarding/control">
-  <Id Name="System.Storyboarding.Common.TextInput" Revision="1" Stencil="System.Storyboarding.Common" StencilVersion="0.1"/>
+  <Id Name="System.Storyboarding.Common.Button" Revision="1" Stencil="System.Storyboarding.Common" StencilVersion="0.1"/>
 </Control>
 </file>
 
 <file path=customXml/item254.xml><?xml version="1.0" encoding="utf-8"?>
 <Control xmlns="http://schemas.microsoft.com/VisualStudio/2011/storyboarding/control">
-  <Id Name="System.Storyboarding.Common.TextInput" Revision="1" Stencil="System.Storyboarding.Common" StencilVersion="0.1"/>
+  <Id Name="System.Storyboarding.Common.Button" Revision="1" Stencil="System.Storyboarding.Common" StencilVersion="0.1"/>
 </Control>
 </file>
 
@@ -50251,13 +50273,13 @@
 
 <file path=customXml/item256.xml><?xml version="1.0" encoding="utf-8"?>
 <Control xmlns="http://schemas.microsoft.com/VisualStudio/2011/storyboarding/control">
-  <Id Name="System.Storyboarding.Common.TextInput" Revision="1" Stencil="System.Storyboarding.Common" StencilVersion="0.1"/>
+  <Id Name="System.Storyboarding.Common.Button" Revision="1" Stencil="System.Storyboarding.Common" StencilVersion="0.1"/>
 </Control>
 </file>
 
 <file path=customXml/item257.xml><?xml version="1.0" encoding="utf-8"?>
 <Control xmlns="http://schemas.microsoft.com/VisualStudio/2011/storyboarding/control">
-  <Id Name="System.Storyboarding.Common.Button" Revision="1" Stencil="System.Storyboarding.Common" StencilVersion="0.1"/>
+  <Id Name="System.Storyboarding.Common.TextInput" Revision="1" Stencil="System.Storyboarding.Common" StencilVersion="0.1"/>
 </Control>
 </file>
 
@@ -50269,25 +50291,25 @@
 
 <file path=customXml/item259.xml><?xml version="1.0" encoding="utf-8"?>
 <Control xmlns="http://schemas.microsoft.com/VisualStudio/2011/storyboarding/control">
+  <Id Name="System.Storyboarding.Common.TextInput" Revision="1" Stencil="System.Storyboarding.Common" StencilVersion="0.1"/>
+</Control>
+</file>
+
+<file path=customXml/item26.xml><?xml version="1.0" encoding="utf-8"?>
+<Control xmlns="http://schemas.microsoft.com/VisualStudio/2011/storyboarding/control">
   <Id Name="System.Storyboarding.Common.Button" Revision="1" Stencil="System.Storyboarding.Common" StencilVersion="0.1"/>
 </Control>
 </file>
 
-<file path=customXml/item26.xml><?xml version="1.0" encoding="utf-8"?>
+<file path=customXml/item260.xml><?xml version="1.0" encoding="utf-8"?>
 <Control xmlns="http://schemas.microsoft.com/VisualStudio/2011/storyboarding/control">
   <Id Name="System.Storyboarding.Common.TextInput" Revision="1" Stencil="System.Storyboarding.Common" StencilVersion="0.1"/>
 </Control>
 </file>
 
-<file path=customXml/item260.xml><?xml version="1.0" encoding="utf-8"?>
+<file path=customXml/item261.xml><?xml version="1.0" encoding="utf-8"?>
 <Control xmlns="http://schemas.microsoft.com/VisualStudio/2011/storyboarding/control">
   <Id Name="System.Storyboarding.Common.Button" Revision="1" Stencil="System.Storyboarding.Common" StencilVersion="0.1"/>
-</Control>
-</file>
-
-<file path=customXml/item261.xml><?xml version="1.0" encoding="utf-8"?>
-<Control xmlns="http://schemas.microsoft.com/VisualStudio/2011/storyboarding/control">
-  <Id Name="System.Storyboarding.Common.TextInput" Revision="1" Stencil="System.Storyboarding.Common" StencilVersion="0.1"/>
 </Control>
 </file>
 
@@ -50299,13 +50321,13 @@
 
 <file path=customXml/item263.xml><?xml version="1.0" encoding="utf-8"?>
 <Control xmlns="http://schemas.microsoft.com/VisualStudio/2011/storyboarding/control">
-  <Id Name="System.Storyboarding.Common.TextInput" Revision="1" Stencil="System.Storyboarding.Common" StencilVersion="0.1"/>
+  <Id Name="System.Storyboarding.Common.Button" Revision="1" Stencil="System.Storyboarding.Common" StencilVersion="0.1"/>
 </Control>
 </file>
 
 <file path=customXml/item264.xml><?xml version="1.0" encoding="utf-8"?>
 <Control xmlns="http://schemas.microsoft.com/VisualStudio/2011/storyboarding/control">
-  <Id Name="System.Storyboarding.Common.TextInput" Revision="1" Stencil="System.Storyboarding.Common" StencilVersion="0.1"/>
+  <Id Name="System.Storyboarding.Common.Button" Revision="1" Stencil="System.Storyboarding.Common" StencilVersion="0.1"/>
 </Control>
 </file>
 
@@ -50323,7 +50345,7 @@
 
 <file path=customXml/item267.xml><?xml version="1.0" encoding="utf-8"?>
 <Control xmlns="http://schemas.microsoft.com/VisualStudio/2011/storyboarding/control">
-  <Id Name="System.Storyboarding.Common.Button" Revision="1" Stencil="System.Storyboarding.Common" StencilVersion="0.1"/>
+  <Id Name="System.Storyboarding.Common.TextInput" Revision="1" Stencil="System.Storyboarding.Common" StencilVersion="0.1"/>
 </Control>
 </file>
 
@@ -50347,7 +50369,7 @@
 
 <file path=customXml/item270.xml><?xml version="1.0" encoding="utf-8"?>
 <Control xmlns="http://schemas.microsoft.com/VisualStudio/2011/storyboarding/control">
-  <Id Name="System.Storyboarding.Common.TextInput" Revision="1" Stencil="System.Storyboarding.Common" StencilVersion="0.1"/>
+  <Id Name="System.Storyboarding.Common.Button" Revision="1" Stencil="System.Storyboarding.Common" StencilVersion="0.1"/>
 </Control>
 </file>
 
@@ -50371,13 +50393,13 @@
 
 <file path=customXml/item274.xml><?xml version="1.0" encoding="utf-8"?>
 <Control xmlns="http://schemas.microsoft.com/VisualStudio/2011/storyboarding/control">
-  <Id Name="System.Storyboarding.Common.TextInput" Revision="1" Stencil="System.Storyboarding.Common" StencilVersion="0.1"/>
+  <Id Name="System.Storyboarding.Common.Button" Revision="1" Stencil="System.Storyboarding.Common" StencilVersion="0.1"/>
 </Control>
 </file>
 
 <file path=customXml/item275.xml><?xml version="1.0" encoding="utf-8"?>
 <Control xmlns="http://schemas.microsoft.com/VisualStudio/2011/storyboarding/control">
-  <Id Name="System.Storyboarding.Common.Button" Revision="1" Stencil="System.Storyboarding.Common" StencilVersion="0.1"/>
+  <Id Name="System.Storyboarding.Common.TextInput" Revision="1" Stencil="System.Storyboarding.Common" StencilVersion="0.1"/>
 </Control>
 </file>
 
@@ -50389,7 +50411,7 @@
 
 <file path=customXml/item277.xml><?xml version="1.0" encoding="utf-8"?>
 <Control xmlns="http://schemas.microsoft.com/VisualStudio/2011/storyboarding/control">
-  <Id Name="System.Storyboarding.Common.TextInput" Revision="1" Stencil="System.Storyboarding.Common" StencilVersion="0.1"/>
+  <Id Name="System.Storyboarding.Common.Button" Revision="1" Stencil="System.Storyboarding.Common" StencilVersion="0.1"/>
 </Control>
 </file>
 
@@ -50437,7 +50459,7 @@
 
 <file path=customXml/item284.xml><?xml version="1.0" encoding="utf-8"?>
 <Control xmlns="http://schemas.microsoft.com/VisualStudio/2011/storyboarding/control">
-  <Id Name="System.Storyboarding.Common.Button" Revision="1" Stencil="System.Storyboarding.Common" StencilVersion="0.1"/>
+  <Id Name="System.Storyboarding.Common.TextInput" Revision="1" Stencil="System.Storyboarding.Common" StencilVersion="0.1"/>
 </Control>
 </file>
 
@@ -50449,25 +50471,25 @@
 
 <file path=customXml/item286.xml><?xml version="1.0" encoding="utf-8"?>
 <Control xmlns="http://schemas.microsoft.com/VisualStudio/2011/storyboarding/control">
-  <Id Name="System.Storyboarding.Icons.Warning" Revision="1" Stencil="System.Storyboarding.Icons" StencilVersion="0.1"/>
+  <Id Name="System.Storyboarding.Common.CheckBoxUnchecked" Revision="1" Stencil="System.Storyboarding.Common" StencilVersion="0.1"/>
 </Control>
 </file>
 
 <file path=customXml/item287.xml><?xml version="1.0" encoding="utf-8"?>
+<Control xmlns="http://schemas.microsoft.com/VisualStudio/2011/storyboarding/control">
+  <Id Name="System.Storyboarding.Common.Button" Revision="1" Stencil="System.Storyboarding.Common" StencilVersion="0.1"/>
+</Control>
+</file>
+
+<file path=customXml/item288.xml><?xml version="1.0" encoding="utf-8"?>
 <Control xmlns="http://schemas.microsoft.com/VisualStudio/2011/storyboarding/control">
   <Id Name="System.Storyboarding.Common.TextInput" Revision="1" Stencil="System.Storyboarding.Common" StencilVersion="0.1"/>
 </Control>
 </file>
 
-<file path=customXml/item288.xml><?xml version="1.0" encoding="utf-8"?>
-<Control xmlns="http://schemas.microsoft.com/VisualStudio/2011/storyboarding/control">
-  <Id Name="System.Storyboarding.Common.Button" Revision="1" Stencil="System.Storyboarding.Common" StencilVersion="0.1"/>
-</Control>
-</file>
-
 <file path=customXml/item289.xml><?xml version="1.0" encoding="utf-8"?>
 <Control xmlns="http://schemas.microsoft.com/VisualStudio/2011/storyboarding/control">
-  <Id Name="System.Storyboarding.Common.Button" Revision="1" Stencil="System.Storyboarding.Common" StencilVersion="0.1"/>
+  <Id Name="System.Storyboarding.Common.TextInput" Revision="1" Stencil="System.Storyboarding.Common" StencilVersion="0.1"/>
 </Control>
 </file>
 
@@ -50479,13 +50501,13 @@
 
 <file path=customXml/item290.xml><?xml version="1.0" encoding="utf-8"?>
 <Control xmlns="http://schemas.microsoft.com/VisualStudio/2011/storyboarding/control">
-  <Id Name="System.Storyboarding.Common.TextInput" Revision="1" Stencil="System.Storyboarding.Common" StencilVersion="0.1"/>
+  <Id Name="System.Storyboarding.Common.Button" Revision="1" Stencil="System.Storyboarding.Common" StencilVersion="0.1"/>
 </Control>
 </file>
 
 <file path=customXml/item291.xml><?xml version="1.0" encoding="utf-8"?>
 <Control xmlns="http://schemas.microsoft.com/VisualStudio/2011/storyboarding/control">
-  <Id Name="System.Storyboarding.Common.TextInput" Revision="1" Stencil="System.Storyboarding.Common" StencilVersion="0.1"/>
+  <Id Name="System.Storyboarding.Common.Button" Revision="1" Stencil="System.Storyboarding.Common" StencilVersion="0.1"/>
 </Control>
 </file>
 
@@ -50503,19 +50525,19 @@
 
 <file path=customXml/item294.xml><?xml version="1.0" encoding="utf-8"?>
 <Control xmlns="http://schemas.microsoft.com/VisualStudio/2011/storyboarding/control">
-  <Id Name="System.Storyboarding.Common.TextInput" Revision="1" Stencil="System.Storyboarding.Common" StencilVersion="0.1"/>
+  <Id Name="System.Storyboarding.Common.Button" Revision="1" Stencil="System.Storyboarding.Common" StencilVersion="0.1"/>
 </Control>
 </file>
 
 <file path=customXml/item295.xml><?xml version="1.0" encoding="utf-8"?>
 <Control xmlns="http://schemas.microsoft.com/VisualStudio/2011/storyboarding/control">
-  <Id Name="System.Storyboarding.Common.TextInput" Revision="1" Stencil="System.Storyboarding.Common" StencilVersion="0.1"/>
+  <Id Name="System.Storyboarding.Common.Button" Revision="1" Stencil="System.Storyboarding.Common" StencilVersion="0.1"/>
 </Control>
 </file>
 
 <file path=customXml/item296.xml><?xml version="1.0" encoding="utf-8"?>
 <Control xmlns="http://schemas.microsoft.com/VisualStudio/2011/storyboarding/control">
-  <Id Name="System.Storyboarding.Common.TextInput" Revision="1" Stencil="System.Storyboarding.Common" StencilVersion="0.1"/>
+  <Id Name="System.Storyboarding.Common.Button" Revision="1" Stencil="System.Storyboarding.Common" StencilVersion="0.1"/>
 </Control>
 </file>
 
@@ -50527,7 +50549,7 @@
 
 <file path=customXml/item298.xml><?xml version="1.0" encoding="utf-8"?>
 <Control xmlns="http://schemas.microsoft.com/VisualStudio/2011/storyboarding/control">
-  <Id Name="System.Storyboarding.Common.Button" Revision="1" Stencil="System.Storyboarding.Common" StencilVersion="0.1"/>
+  <Id Name="System.Storyboarding.Common.TextInput" Revision="1" Stencil="System.Storyboarding.Common" StencilVersion="0.1"/>
 </Control>
 </file>
 
@@ -50539,19 +50561,19 @@
 
 <file path=customXml/item3.xml><?xml version="1.0" encoding="utf-8"?>
 <Control xmlns="http://schemas.microsoft.com/VisualStudio/2011/storyboarding/control">
-  <Id Name="System.Storyboarding.Common.TextInput" Revision="1" Stencil="System.Storyboarding.Common" StencilVersion="0.1"/>
+  <Id Name="System.Storyboarding.Common.Button" Revision="1" Stencil="System.Storyboarding.Common" StencilVersion="0.1"/>
 </Control>
 </file>
 
 <file path=customXml/item30.xml><?xml version="1.0" encoding="utf-8"?>
 <Control xmlns="http://schemas.microsoft.com/VisualStudio/2011/storyboarding/control">
-  <Id Name="System.Storyboarding.Common.TextInput" Revision="1" Stencil="System.Storyboarding.Common" StencilVersion="0.1"/>
+  <Id Name="System.Storyboarding.Common.Button" Revision="1" Stencil="System.Storyboarding.Common" StencilVersion="0.1"/>
 </Control>
 </file>
 
 <file path=customXml/item300.xml><?xml version="1.0" encoding="utf-8"?>
 <Control xmlns="http://schemas.microsoft.com/VisualStudio/2011/storyboarding/control">
-  <Id Name="System.Storyboarding.Common.Button" Revision="1" Stencil="System.Storyboarding.Common" StencilVersion="0.1"/>
+  <Id Name="System.Storyboarding.Common.TextInput" Revision="1" Stencil="System.Storyboarding.Common" StencilVersion="0.1"/>
 </Control>
 </file>
 
@@ -50569,7 +50591,7 @@
 
 <file path=customXml/item303.xml><?xml version="1.0" encoding="utf-8"?>
 <Control xmlns="http://schemas.microsoft.com/VisualStudio/2011/storyboarding/control">
-  <Id Name="System.Storyboarding.Icons.Warning" Revision="1" Stencil="System.Storyboarding.Icons" StencilVersion="0.1"/>
+  <Id Name="System.Storyboarding.Common.TextInput" Revision="1" Stencil="System.Storyboarding.Common" StencilVersion="0.1"/>
 </Control>
 </file>
 
@@ -50593,25 +50615,25 @@
 
 <file path=customXml/item307.xml><?xml version="1.0" encoding="utf-8"?>
 <Control xmlns="http://schemas.microsoft.com/VisualStudio/2011/storyboarding/control">
-  <Id Name="System.Storyboarding.Common.TextInput" Revision="1" Stencil="System.Storyboarding.Common" StencilVersion="0.1"/>
+  <Id Name="System.Storyboarding.Common.Button" Revision="1" Stencil="System.Storyboarding.Common" StencilVersion="0.1"/>
 </Control>
 </file>
 
 <file path=customXml/item308.xml><?xml version="1.0" encoding="utf-8"?>
+<Control xmlns="http://schemas.microsoft.com/VisualStudio/2011/storyboarding/control">
+  <Id Name="System.Storyboarding.Common.Button" Revision="1" Stencil="System.Storyboarding.Common" StencilVersion="0.1"/>
+</Control>
+</file>
+
+<file path=customXml/item309.xml><?xml version="1.0" encoding="utf-8"?>
 <Control xmlns="http://schemas.microsoft.com/VisualStudio/2011/storyboarding/control">
   <Id Name="System.Storyboarding.Common.TextInput" Revision="1" Stencil="System.Storyboarding.Common" StencilVersion="0.1"/>
 </Control>
 </file>
 
-<file path=customXml/item309.xml><?xml version="1.0" encoding="utf-8"?>
-<Control xmlns="http://schemas.microsoft.com/VisualStudio/2011/storyboarding/control">
-  <Id Name="System.Storyboarding.Common.Button" Revision="1" Stencil="System.Storyboarding.Common" StencilVersion="0.1"/>
-</Control>
-</file>
-
 <file path=customXml/item31.xml><?xml version="1.0" encoding="utf-8"?>
 <Control xmlns="http://schemas.microsoft.com/VisualStudio/2011/storyboarding/control">
-  <Id Name="System.Storyboarding.Common.TextArea" Revision="1" Stencil="System.Storyboarding.Common" StencilVersion="0.1"/>
+  <Id Name="System.Storyboarding.Common.TextInput" Revision="1" Stencil="System.Storyboarding.Common" StencilVersion="0.1"/>
 </Control>
 </file>
 
@@ -50629,19 +50651,19 @@
 
 <file path=customXml/item312.xml><?xml version="1.0" encoding="utf-8"?>
 <Control xmlns="http://schemas.microsoft.com/VisualStudio/2011/storyboarding/control">
-  <Id Name="System.Storyboarding.Common.TextInput" Revision="1" Stencil="System.Storyboarding.Common" StencilVersion="0.1"/>
+  <Id Name="System.Storyboarding.Common.Button" Revision="1" Stencil="System.Storyboarding.Common" StencilVersion="0.1"/>
 </Control>
 </file>
 
 <file path=customXml/item313.xml><?xml version="1.0" encoding="utf-8"?>
 <Control xmlns="http://schemas.microsoft.com/VisualStudio/2011/storyboarding/control">
-  <Id Name="System.Storyboarding.Common.TextInput" Revision="1" Stencil="System.Storyboarding.Common" StencilVersion="0.1"/>
+  <Id Name="System.Storyboarding.Common.Button" Revision="1" Stencil="System.Storyboarding.Common" StencilVersion="0.1"/>
 </Control>
 </file>
 
 <file path=customXml/item314.xml><?xml version="1.0" encoding="utf-8"?>
 <Control xmlns="http://schemas.microsoft.com/VisualStudio/2011/storyboarding/control">
-  <Id Name="System.Storyboarding.Common.Button" Revision="1" Stencil="System.Storyboarding.Common" StencilVersion="0.1"/>
+  <Id Name="System.Storyboarding.Common.TextInput" Revision="1" Stencil="System.Storyboarding.Common" StencilVersion="0.1"/>
 </Control>
 </file>
 
@@ -50653,7 +50675,7 @@
 
 <file path=customXml/item316.xml><?xml version="1.0" encoding="utf-8"?>
 <Control xmlns="http://schemas.microsoft.com/VisualStudio/2011/storyboarding/control">
-  <Id Name="System.Storyboarding.Common.Button" Revision="1" Stencil="System.Storyboarding.Common" StencilVersion="0.1"/>
+  <Id Name="System.Storyboarding.Common.TextInput" Revision="1" Stencil="System.Storyboarding.Common" StencilVersion="0.1"/>
 </Control>
 </file>
 
@@ -50665,49 +50687,49 @@
 
 <file path=customXml/item318.xml><?xml version="1.0" encoding="utf-8"?>
 <Control xmlns="http://schemas.microsoft.com/VisualStudio/2011/storyboarding/control">
-  <Id Name="System.Storyboarding.Common.Button" Revision="1" Stencil="System.Storyboarding.Common" StencilVersion="0.1"/>
+  <Id Name="System.Storyboarding.Common.TextInput" Revision="1" Stencil="System.Storyboarding.Common" StencilVersion="0.1"/>
 </Control>
 </file>
 
 <file path=customXml/item319.xml><?xml version="1.0" encoding="utf-8"?>
+<Control xmlns="http://schemas.microsoft.com/VisualStudio/2011/storyboarding/control">
+  <Id Name="System.Storyboarding.Common.TextInput" Revision="1" Stencil="System.Storyboarding.Common" StencilVersion="0.1"/>
+</Control>
+</file>
+
+<file path=customXml/item32.xml><?xml version="1.0" encoding="utf-8"?>
 <Control xmlns="http://schemas.microsoft.com/VisualStudio/2011/storyboarding/control">
   <Id Name="System.Storyboarding.Common.Button" Revision="1" Stencil="System.Storyboarding.Common" StencilVersion="0.1"/>
 </Control>
 </file>
 
-<file path=customXml/item32.xml><?xml version="1.0" encoding="utf-8"?>
+<file path=customXml/item320.xml><?xml version="1.0" encoding="utf-8"?>
 <Control xmlns="http://schemas.microsoft.com/VisualStudio/2011/storyboarding/control">
   <Id Name="System.Storyboarding.Common.TextInput" Revision="1" Stencil="System.Storyboarding.Common" StencilVersion="0.1"/>
 </Control>
 </file>
 
-<file path=customXml/item320.xml><?xml version="1.0" encoding="utf-8"?>
+<file path=customXml/item321.xml><?xml version="1.0" encoding="utf-8"?>
 <Control xmlns="http://schemas.microsoft.com/VisualStudio/2011/storyboarding/control">
-  <Id Name="System.Storyboarding.Icons.Warning" Revision="1" Stencil="System.Storyboarding.Icons" StencilVersion="0.1"/>
+  <Id Name="System.Storyboarding.Common.Button" Revision="1" Stencil="System.Storyboarding.Common" StencilVersion="0.1"/>
 </Control>
 </file>
 
-<file path=customXml/item321.xml><?xml version="1.0" encoding="utf-8"?>
+<file path=customXml/item322.xml><?xml version="1.0" encoding="utf-8"?>
 <Control xmlns="http://schemas.microsoft.com/VisualStudio/2011/storyboarding/control">
   <Id Name="System.Storyboarding.Common.TextInput" Revision="1" Stencil="System.Storyboarding.Common" StencilVersion="0.1"/>
 </Control>
 </file>
 
-<file path=customXml/item322.xml><?xml version="1.0" encoding="utf-8"?>
+<file path=customXml/item323.xml><?xml version="1.0" encoding="utf-8"?>
+<Control xmlns="http://schemas.microsoft.com/VisualStudio/2011/storyboarding/control">
+  <Id Name="System.Storyboarding.Common.TextInput" Revision="1" Stencil="System.Storyboarding.Common" StencilVersion="0.1"/>
+</Control>
+</file>
+
+<file path=customXml/item324.xml><?xml version="1.0" encoding="utf-8"?>
 <Control xmlns="http://schemas.microsoft.com/VisualStudio/2011/storyboarding/control">
   <Id Name="System.Storyboarding.Common.Button" Revision="1" Stencil="System.Storyboarding.Common" StencilVersion="0.1"/>
-</Control>
-</file>
-
-<file path=customXml/item323.xml><?xml version="1.0" encoding="utf-8"?>
-<Control xmlns="http://schemas.microsoft.com/VisualStudio/2011/storyboarding/control">
-  <Id Name="System.Storyboarding.Common.Button" Revision="1" Stencil="System.Storyboarding.Common" StencilVersion="0.1"/>
-</Control>
-</file>
-
-<file path=customXml/item324.xml><?xml version="1.0" encoding="utf-8"?>
-<Control xmlns="http://schemas.microsoft.com/VisualStudio/2011/storyboarding/control">
-  <Id Name="System.Storyboarding.Common.TextInput" Revision="1" Stencil="System.Storyboarding.Common" StencilVersion="0.1"/>
 </Control>
 </file>
 
@@ -50725,25 +50747,25 @@
 
 <file path=customXml/item327.xml><?xml version="1.0" encoding="utf-8"?>
 <Control xmlns="http://schemas.microsoft.com/VisualStudio/2011/storyboarding/control">
+  <Id Name="System.Storyboarding.Common.Button" Revision="1" Stencil="System.Storyboarding.Common" StencilVersion="0.1"/>
+</Control>
+</file>
+
+<file path=customXml/item328.xml><?xml version="1.0" encoding="utf-8"?>
+<Control xmlns="http://schemas.microsoft.com/VisualStudio/2011/storyboarding/control">
   <Id Name="System.Storyboarding.Common.TextInput" Revision="1" Stencil="System.Storyboarding.Common" StencilVersion="0.1"/>
 </Control>
 </file>
 
-<file path=customXml/item328.xml><?xml version="1.0" encoding="utf-8"?>
-<Control xmlns="http://schemas.microsoft.com/VisualStudio/2011/storyboarding/control">
-  <Id Name="System.Storyboarding.Common.Button" Revision="1" Stencil="System.Storyboarding.Common" StencilVersion="0.1"/>
-</Control>
-</file>
-
 <file path=customXml/item329.xml><?xml version="1.0" encoding="utf-8"?>
 <Control xmlns="http://schemas.microsoft.com/VisualStudio/2011/storyboarding/control">
-  <Id Name="System.Storyboarding.Common.Button" Revision="1" Stencil="System.Storyboarding.Common" StencilVersion="0.1"/>
+  <Id Name="System.Storyboarding.Common.TextInput" Revision="1" Stencil="System.Storyboarding.Common" StencilVersion="0.1"/>
 </Control>
 </file>
 
 <file path=customXml/item33.xml><?xml version="1.0" encoding="utf-8"?>
 <Control xmlns="http://schemas.microsoft.com/VisualStudio/2011/storyboarding/control">
-  <Id Name="System.Storyboarding.Common.Button" Revision="1" Stencil="System.Storyboarding.Common" StencilVersion="0.1"/>
+  <Id Name="System.Storyboarding.Common.TextInput" Revision="1" Stencil="System.Storyboarding.Common" StencilVersion="0.1"/>
 </Control>
 </file>
 
@@ -50755,13 +50777,13 @@
 
 <file path=customXml/item331.xml><?xml version="1.0" encoding="utf-8"?>
 <Control xmlns="http://schemas.microsoft.com/VisualStudio/2011/storyboarding/control">
-  <Id Name="System.Storyboarding.Common.Button" Revision="1" Stencil="System.Storyboarding.Common" StencilVersion="0.1"/>
+  <Id Name="System.Storyboarding.Common.TextInput" Revision="1" Stencil="System.Storyboarding.Common" StencilVersion="0.1"/>
 </Control>
 </file>
 
 <file path=customXml/item332.xml><?xml version="1.0" encoding="utf-8"?>
 <Control xmlns="http://schemas.microsoft.com/VisualStudio/2011/storyboarding/control">
-  <Id Name="System.Storyboarding.Common.Button" Revision="1" Stencil="System.Storyboarding.Common" StencilVersion="0.1"/>
+  <Id Name="System.Storyboarding.Common.TextInput" Revision="1" Stencil="System.Storyboarding.Common" StencilVersion="0.1"/>
 </Control>
 </file>
 
@@ -50797,67 +50819,67 @@
 
 <file path=customXml/item338.xml><?xml version="1.0" encoding="utf-8"?>
 <Control xmlns="http://schemas.microsoft.com/VisualStudio/2011/storyboarding/control">
-  <Id Name="System.Storyboarding.Common.TextInput" Revision="1" Stencil="System.Storyboarding.Common" StencilVersion="0.1"/>
+  <Id Name="System.Storyboarding.Common.Button" Revision="1" Stencil="System.Storyboarding.Common" StencilVersion="0.1"/>
 </Control>
 </file>
 
 <file path=customXml/item339.xml><?xml version="1.0" encoding="utf-8"?>
+<Control xmlns="http://schemas.microsoft.com/VisualStudio/2011/storyboarding/control">
+  <Id Name="System.Storyboarding.Common.Button" Revision="1" Stencil="System.Storyboarding.Common" StencilVersion="0.1"/>
+</Control>
+</file>
+
+<file path=customXml/item34.xml><?xml version="1.0" encoding="utf-8"?>
 <Control xmlns="http://schemas.microsoft.com/VisualStudio/2011/storyboarding/control">
   <Id Name="System.Storyboarding.Common.TextInput" Revision="1" Stencil="System.Storyboarding.Common" StencilVersion="0.1"/>
 </Control>
 </file>
 
-<file path=customXml/item34.xml><?xml version="1.0" encoding="utf-8"?>
+<file path=customXml/item340.xml><?xml version="1.0" encoding="utf-8"?>
+<Control xmlns="http://schemas.microsoft.com/VisualStudio/2011/storyboarding/control">
+  <Id Name="System.Storyboarding.Common.TextInput" Revision="1" Stencil="System.Storyboarding.Common" StencilVersion="0.1"/>
+</Control>
+</file>
+
+<file path=customXml/item341.xml><?xml version="1.0" encoding="utf-8"?>
 <Control xmlns="http://schemas.microsoft.com/VisualStudio/2011/storyboarding/control">
   <Id Name="System.Storyboarding.Common.Button" Revision="1" Stencil="System.Storyboarding.Common" StencilVersion="0.1"/>
 </Control>
 </file>
 
-<file path=customXml/item340.xml><?xml version="1.0" encoding="utf-8"?>
+<file path=customXml/item342.xml><?xml version="1.0" encoding="utf-8"?>
+<Control xmlns="http://schemas.microsoft.com/VisualStudio/2011/storyboarding/control">
+  <Id Name="System.Storyboarding.Common.Button" Revision="1" Stencil="System.Storyboarding.Common" StencilVersion="0.1"/>
+</Control>
+</file>
+
+<file path=customXml/item343.xml><?xml version="1.0" encoding="utf-8"?>
+<Control xmlns="http://schemas.microsoft.com/VisualStudio/2011/storyboarding/control">
+  <Id Name="System.Storyboarding.Common.Button" Revision="1" Stencil="System.Storyboarding.Common" StencilVersion="0.1"/>
+</Control>
+</file>
+
+<file path=customXml/item344.xml><?xml version="1.0" encoding="utf-8"?>
 <Control xmlns="http://schemas.microsoft.com/VisualStudio/2011/storyboarding/control">
   <Id Name="System.Storyboarding.Icons.Warning" Revision="1" Stencil="System.Storyboarding.Icons" StencilVersion="0.1"/>
 </Control>
 </file>
 
-<file path=customXml/item341.xml><?xml version="1.0" encoding="utf-8"?>
+<file path=customXml/item345.xml><?xml version="1.0" encoding="utf-8"?>
 <Control xmlns="http://schemas.microsoft.com/VisualStudio/2011/storyboarding/control">
   <Id Name="System.Storyboarding.Common.TextInput" Revision="1" Stencil="System.Storyboarding.Common" StencilVersion="0.1"/>
 </Control>
 </file>
 
-<file path=customXml/item342.xml><?xml version="1.0" encoding="utf-8"?>
+<file path=customXml/item346.xml><?xml version="1.0" encoding="utf-8"?>
 <Control xmlns="http://schemas.microsoft.com/VisualStudio/2011/storyboarding/control">
   <Id Name="System.Storyboarding.Common.TextInput" Revision="1" Stencil="System.Storyboarding.Common" StencilVersion="0.1"/>
 </Control>
 </file>
 
-<file path=customXml/item343.xml><?xml version="1.0" encoding="utf-8"?>
+<file path=customXml/item347.xml><?xml version="1.0" encoding="utf-8"?>
 <Control xmlns="http://schemas.microsoft.com/VisualStudio/2011/storyboarding/control">
   <Id Name="System.Storyboarding.Common.TextInput" Revision="1" Stencil="System.Storyboarding.Common" StencilVersion="0.1"/>
-</Control>
-</file>
-
-<file path=customXml/item344.xml><?xml version="1.0" encoding="utf-8"?>
-<Control xmlns="http://schemas.microsoft.com/VisualStudio/2011/storyboarding/control">
-  <Id Name="System.Storyboarding.Common.TextInput" Revision="1" Stencil="System.Storyboarding.Common" StencilVersion="0.1"/>
-</Control>
-</file>
-
-<file path=customXml/item345.xml><?xml version="1.0" encoding="utf-8"?>
-<Control xmlns="http://schemas.microsoft.com/VisualStudio/2011/storyboarding/control">
-  <Id Name="System.Storyboarding.Common.Button" Revision="1" Stencil="System.Storyboarding.Common" StencilVersion="0.1"/>
-</Control>
-</file>
-
-<file path=customXml/item346.xml><?xml version="1.0" encoding="utf-8"?>
-<Control xmlns="http://schemas.microsoft.com/VisualStudio/2011/storyboarding/control">
-  <Id Name="System.Storyboarding.Common.Button" Revision="1" Stencil="System.Storyboarding.Common" StencilVersion="0.1"/>
-</Control>
-</file>
-
-<file path=customXml/item347.xml><?xml version="1.0" encoding="utf-8"?>
-<Control xmlns="http://schemas.microsoft.com/VisualStudio/2011/storyboarding/control">
-  <Id Name="System.Storyboarding.Common.Button" Revision="1" Stencil="System.Storyboarding.Common" StencilVersion="0.1"/>
 </Control>
 </file>
 
@@ -50875,7 +50897,7 @@
 
 <file path=customXml/item35.xml><?xml version="1.0" encoding="utf-8"?>
 <Control xmlns="http://schemas.microsoft.com/VisualStudio/2011/storyboarding/control">
-  <Id Name="System.Storyboarding.Common.Button" Revision="1" Stencil="System.Storyboarding.Common" StencilVersion="0.1"/>
+  <Id Name="System.Storyboarding.Common.TextInput" Revision="1" Stencil="System.Storyboarding.Common" StencilVersion="0.1"/>
 </Control>
 </file>
 
@@ -50893,13 +50915,13 @@
 
 <file path=customXml/item352.xml><?xml version="1.0" encoding="utf-8"?>
 <Control xmlns="http://schemas.microsoft.com/VisualStudio/2011/storyboarding/control">
-  <Id Name="System.Storyboarding.Common.TextInput" Revision="1" Stencil="System.Storyboarding.Common" StencilVersion="0.1"/>
+  <Id Name="System.Storyboarding.Common.Button" Revision="1" Stencil="System.Storyboarding.Common" StencilVersion="0.1"/>
 </Control>
 </file>
 
 <file path=customXml/item353.xml><?xml version="1.0" encoding="utf-8"?>
 <Control xmlns="http://schemas.microsoft.com/VisualStudio/2011/storyboarding/control">
-  <Id Name="System.Storyboarding.Common.TextInput" Revision="1" Stencil="System.Storyboarding.Common" StencilVersion="0.1"/>
+  <Id Name="System.Storyboarding.Common.Button" Revision="1" Stencil="System.Storyboarding.Common" StencilVersion="0.1"/>
 </Control>
 </file>
 
@@ -50911,31 +50933,31 @@
 
 <file path=customXml/item355.xml><?xml version="1.0" encoding="utf-8"?>
 <Control xmlns="http://schemas.microsoft.com/VisualStudio/2011/storyboarding/control">
-  <Id Name="System.Storyboarding.Icons.Warning" Revision="1" Stencil="System.Storyboarding.Icons" StencilVersion="0.1"/>
+  <Id Name="System.Storyboarding.Common.TextInput" Revision="1" Stencil="System.Storyboarding.Common" StencilVersion="0.1"/>
 </Control>
 </file>
 
 <file path=customXml/item356.xml><?xml version="1.0" encoding="utf-8"?>
 <Control xmlns="http://schemas.microsoft.com/VisualStudio/2011/storyboarding/control">
-  <Id Name="System.Storyboarding.Common.TextInput" Revision="1" Stencil="System.Storyboarding.Common" StencilVersion="0.1"/>
+  <Id Name="System.Storyboarding.Common.TextArea" Revision="1" Stencil="System.Storyboarding.Common" StencilVersion="0.1"/>
 </Control>
 </file>
 
 <file path=customXml/item357.xml><?xml version="1.0" encoding="utf-8"?>
 <Control xmlns="http://schemas.microsoft.com/VisualStudio/2011/storyboarding/control">
-  <Id Name="System.Storyboarding.Common.TextInput" Revision="1" Stencil="System.Storyboarding.Common" StencilVersion="0.1"/>
+  <Id Name="System.Storyboarding.Common.Button" Revision="1" Stencil="System.Storyboarding.Common" StencilVersion="0.1"/>
 </Control>
 </file>
 
 <file path=customXml/item358.xml><?xml version="1.0" encoding="utf-8"?>
 <Control xmlns="http://schemas.microsoft.com/VisualStudio/2011/storyboarding/control">
-  <Id Name="System.Storyboarding.Common.TextInput" Revision="1" Stencil="System.Storyboarding.Common" StencilVersion="0.1"/>
+  <Id Name="System.Storyboarding.Common.Button" Revision="1" Stencil="System.Storyboarding.Common" StencilVersion="0.1"/>
 </Control>
 </file>
 
 <file path=customXml/item359.xml><?xml version="1.0" encoding="utf-8"?>
 <Control xmlns="http://schemas.microsoft.com/VisualStudio/2011/storyboarding/control">
-  <Id Name="System.Storyboarding.Common.TextInput" Revision="1" Stencil="System.Storyboarding.Common" StencilVersion="0.1"/>
+  <Id Name="System.Storyboarding.Common.Button" Revision="1" Stencil="System.Storyboarding.Common" StencilVersion="0.1"/>
 </Control>
 </file>
 
@@ -50965,7 +50987,7 @@
 
 <file path=customXml/item363.xml><?xml version="1.0" encoding="utf-8"?>
 <Control xmlns="http://schemas.microsoft.com/VisualStudio/2011/storyboarding/control">
-  <Id Name="System.Storyboarding.Common.Button" Revision="1" Stencil="System.Storyboarding.Common" StencilVersion="0.1"/>
+  <Id Name="System.Storyboarding.Icons.Warning" Revision="1" Stencil="System.Storyboarding.Icons" StencilVersion="0.1"/>
 </Control>
 </file>
 
@@ -51001,7 +51023,7 @@
 
 <file path=customXml/item369.xml><?xml version="1.0" encoding="utf-8"?>
 <Control xmlns="http://schemas.microsoft.com/VisualStudio/2011/storyboarding/control">
-  <Id Name="System.Storyboarding.Common.TextInput" Revision="1" Stencil="System.Storyboarding.Common" StencilVersion="0.1"/>
+  <Id Name="System.Storyboarding.Common.Button" Revision="1" Stencil="System.Storyboarding.Common" StencilVersion="0.1"/>
 </Control>
 </file>
 
@@ -51013,13 +51035,13 @@
 
 <file path=customXml/item370.xml><?xml version="1.0" encoding="utf-8"?>
 <Control xmlns="http://schemas.microsoft.com/VisualStudio/2011/storyboarding/control">
-  <Id Name="System.Storyboarding.Common.TextInput" Revision="1" Stencil="System.Storyboarding.Common" StencilVersion="0.1"/>
+  <Id Name="System.Storyboarding.Common.Button" Revision="1" Stencil="System.Storyboarding.Common" StencilVersion="0.1"/>
 </Control>
 </file>
 
 <file path=customXml/item371.xml><?xml version="1.0" encoding="utf-8"?>
 <Control xmlns="http://schemas.microsoft.com/VisualStudio/2011/storyboarding/control">
-  <Id Name="System.Storyboarding.Icons.Warning" Revision="1" Stencil="System.Storyboarding.Icons" StencilVersion="0.1"/>
+  <Id Name="System.Storyboarding.Common.TextInput" Revision="1" Stencil="System.Storyboarding.Common" StencilVersion="0.1"/>
 </Control>
 </file>
 
@@ -51031,25 +51053,25 @@
 
 <file path=customXml/item373.xml><?xml version="1.0" encoding="utf-8"?>
 <Control xmlns="http://schemas.microsoft.com/VisualStudio/2011/storyboarding/control">
-  <Id Name="System.Storyboarding.Common.TextInput" Revision="1" Stencil="System.Storyboarding.Common" StencilVersion="0.1"/>
+  <Id Name="System.Storyboarding.Icons.Warning" Revision="1" Stencil="System.Storyboarding.Icons" StencilVersion="0.1"/>
 </Control>
 </file>
 
 <file path=customXml/item374.xml><?xml version="1.0" encoding="utf-8"?>
 <Control xmlns="http://schemas.microsoft.com/VisualStudio/2011/storyboarding/control">
-  <Id Name="System.Storyboarding.Common.TextInput" Revision="1" Stencil="System.Storyboarding.Common" StencilVersion="0.1"/>
+  <Id Name="System.Storyboarding.Common.Button" Revision="1" Stencil="System.Storyboarding.Common" StencilVersion="0.1"/>
 </Control>
 </file>
 
 <file path=customXml/item375.xml><?xml version="1.0" encoding="utf-8"?>
 <Control xmlns="http://schemas.microsoft.com/VisualStudio/2011/storyboarding/control">
-  <Id Name="System.Storyboarding.Common.TextInput" Revision="1" Stencil="System.Storyboarding.Common" StencilVersion="0.1"/>
+  <Id Name="System.Storyboarding.Common.Button" Revision="1" Stencil="System.Storyboarding.Common" StencilVersion="0.1"/>
 </Control>
 </file>
 
 <file path=customXml/item376.xml><?xml version="1.0" encoding="utf-8"?>
 <Control xmlns="http://schemas.microsoft.com/VisualStudio/2011/storyboarding/control">
-  <Id Name="System.Storyboarding.Common.Button" Revision="1" Stencil="System.Storyboarding.Common" StencilVersion="0.1"/>
+  <Id Name="System.Storyboarding.Common.TextInput" Revision="1" Stencil="System.Storyboarding.Common" StencilVersion="0.1"/>
 </Control>
 </file>
 
@@ -51067,19 +51089,19 @@
 
 <file path=customXml/item379.xml><?xml version="1.0" encoding="utf-8"?>
 <Control xmlns="http://schemas.microsoft.com/VisualStudio/2011/storyboarding/control">
-  <Id Name="System.Storyboarding.Common.Button" Revision="1" Stencil="System.Storyboarding.Common" StencilVersion="0.1"/>
+  <Id Name="System.Storyboarding.Common.TextInput" Revision="1" Stencil="System.Storyboarding.Common" StencilVersion="0.1"/>
 </Control>
 </file>
 
 <file path=customXml/item38.xml><?xml version="1.0" encoding="utf-8"?>
 <Control xmlns="http://schemas.microsoft.com/VisualStudio/2011/storyboarding/control">
-  <Id Name="System.Storyboarding.Common.CheckBoxUnchecked" Revision="1" Stencil="System.Storyboarding.Common" StencilVersion="0.1"/>
+  <Id Name="System.Storyboarding.Common.TextInput" Revision="1" Stencil="System.Storyboarding.Common" StencilVersion="0.1"/>
 </Control>
 </file>
 
 <file path=customXml/item380.xml><?xml version="1.0" encoding="utf-8"?>
 <Control xmlns="http://schemas.microsoft.com/VisualStudio/2011/storyboarding/control">
-  <Id Name="System.Storyboarding.Common.Button" Revision="1" Stencil="System.Storyboarding.Common" StencilVersion="0.1"/>
+  <Id Name="System.Storyboarding.Common.TextInput" Revision="1" Stencil="System.Storyboarding.Common" StencilVersion="0.1"/>
 </Control>
 </file>
 
@@ -51097,25 +51119,25 @@
 
 <file path=customXml/item383.xml><?xml version="1.0" encoding="utf-8"?>
 <Control xmlns="http://schemas.microsoft.com/VisualStudio/2011/storyboarding/control">
-  <Id Name="System.Storyboarding.Common.TextInput" Revision="1" Stencil="System.Storyboarding.Common" StencilVersion="0.1"/>
+  <Id Name="System.Storyboarding.Common.Button" Revision="1" Stencil="System.Storyboarding.Common" StencilVersion="0.1"/>
 </Control>
 </file>
 
 <file path=customXml/item384.xml><?xml version="1.0" encoding="utf-8"?>
 <Control xmlns="http://schemas.microsoft.com/VisualStudio/2011/storyboarding/control">
-  <Id Name="System.Storyboarding.Common.TextInput" Revision="1" Stencil="System.Storyboarding.Common" StencilVersion="0.1"/>
+  <Id Name="System.Storyboarding.Common.Button" Revision="1" Stencil="System.Storyboarding.Common" StencilVersion="0.1"/>
 </Control>
 </file>
 
 <file path=customXml/item385.xml><?xml version="1.0" encoding="utf-8"?>
 <Control xmlns="http://schemas.microsoft.com/VisualStudio/2011/storyboarding/control">
-  <Id Name="System.Storyboarding.Common.TextInput" Revision="1" Stencil="System.Storyboarding.Common" StencilVersion="0.1"/>
+  <Id Name="System.Storyboarding.Common.Button" Revision="1" Stencil="System.Storyboarding.Common" StencilVersion="0.1"/>
 </Control>
 </file>
 
 <file path=customXml/item386.xml><?xml version="1.0" encoding="utf-8"?>
 <Control xmlns="http://schemas.microsoft.com/VisualStudio/2011/storyboarding/control">
-  <Id Name="System.Storyboarding.Icons.Warning" Revision="1" Stencil="System.Storyboarding.Icons" StencilVersion="0.1"/>
+  <Id Name="System.Storyboarding.Common.Button" Revision="1" Stencil="System.Storyboarding.Common" StencilVersion="0.1"/>
 </Control>
 </file>
 
@@ -51133,7 +51155,7 @@
 
 <file path=customXml/item389.xml><?xml version="1.0" encoding="utf-8"?>
 <Control xmlns="http://schemas.microsoft.com/VisualStudio/2011/storyboarding/control">
-  <Id Name="System.Storyboarding.Common.Button" Revision="1" Stencil="System.Storyboarding.Common" StencilVersion="0.1"/>
+  <Id Name="System.Storyboarding.Common.TextInput" Revision="1" Stencil="System.Storyboarding.Common" StencilVersion="0.1"/>
 </Control>
 </file>
 
@@ -51151,13 +51173,13 @@
 
 <file path=customXml/item391.xml><?xml version="1.0" encoding="utf-8"?>
 <Control xmlns="http://schemas.microsoft.com/VisualStudio/2011/storyboarding/control">
-  <Id Name="System.Storyboarding.Common.Button" Revision="1" Stencil="System.Storyboarding.Common" StencilVersion="0.1"/>
+  <Id Name="System.Storyboarding.Common.TextInput" Revision="1" Stencil="System.Storyboarding.Common" StencilVersion="0.1"/>
 </Control>
 </file>
 
 <file path=customXml/item392.xml><?xml version="1.0" encoding="utf-8"?>
 <Control xmlns="http://schemas.microsoft.com/VisualStudio/2011/storyboarding/control">
-  <Id Name="System.Storyboarding.Common.Button" Revision="1" Stencil="System.Storyboarding.Common" StencilVersion="0.1"/>
+  <Id Name="System.Storyboarding.Common.TextInput" Revision="1" Stencil="System.Storyboarding.Common" StencilVersion="0.1"/>
 </Control>
 </file>
 
@@ -51193,25 +51215,25 @@
 
 <file path=customXml/item398.xml><?xml version="1.0" encoding="utf-8"?>
 <Control xmlns="http://schemas.microsoft.com/VisualStudio/2011/storyboarding/control">
+  <Id Name="System.Storyboarding.Common.TextInput" Revision="1" Stencil="System.Storyboarding.Common" StencilVersion="0.1"/>
+</Control>
+</file>
+
+<file path=customXml/item399.xml><?xml version="1.0" encoding="utf-8"?>
+<Control xmlns="http://schemas.microsoft.com/VisualStudio/2011/storyboarding/control">
   <Id Name="System.Storyboarding.Common.Button" Revision="1" Stencil="System.Storyboarding.Common" StencilVersion="0.1"/>
 </Control>
 </file>
 
-<file path=customXml/item399.xml><?xml version="1.0" encoding="utf-8"?>
+<file path=customXml/item4.xml><?xml version="1.0" encoding="utf-8"?>
 <Control xmlns="http://schemas.microsoft.com/VisualStudio/2011/storyboarding/control">
   <Id Name="System.Storyboarding.Common.TextInput" Revision="1" Stencil="System.Storyboarding.Common" StencilVersion="0.1"/>
 </Control>
 </file>
 
-<file path=customXml/item4.xml><?xml version="1.0" encoding="utf-8"?>
-<Control xmlns="http://schemas.microsoft.com/VisualStudio/2011/storyboarding/control">
-  <Id Name="System.Storyboarding.Common.Button" Revision="1" Stencil="System.Storyboarding.Common" StencilVersion="0.1"/>
-</Control>
-</file>
-
 <file path=customXml/item40.xml><?xml version="1.0" encoding="utf-8"?>
 <Control xmlns="http://schemas.microsoft.com/VisualStudio/2011/storyboarding/control">
-  <Id Name="System.Storyboarding.Common.Button" Revision="1" Stencil="System.Storyboarding.Common" StencilVersion="0.1"/>
+  <Id Name="System.Storyboarding.Common.TextInput" Revision="1" Stencil="System.Storyboarding.Common" StencilVersion="0.1"/>
 </Control>
 </file>
 
@@ -51229,13 +51251,13 @@
 
 <file path=customXml/item402.xml><?xml version="1.0" encoding="utf-8"?>
 <Control xmlns="http://schemas.microsoft.com/VisualStudio/2011/storyboarding/control">
-  <Id Name="System.Storyboarding.Common.TextInput" Revision="1" Stencil="System.Storyboarding.Common" StencilVersion="0.1"/>
+  <Id Name="System.Storyboarding.Icons.Warning" Revision="1" Stencil="System.Storyboarding.Icons" StencilVersion="0.1"/>
 </Control>
 </file>
 
 <file path=customXml/item403.xml><?xml version="1.0" encoding="utf-8"?>
 <Control xmlns="http://schemas.microsoft.com/VisualStudio/2011/storyboarding/control">
-  <Id Name="System.Storyboarding.Common.TextInput" Revision="1" Stencil="System.Storyboarding.Common" StencilVersion="0.1"/>
+  <Id Name="System.Storyboarding.Common.Button" Revision="1" Stencil="System.Storyboarding.Common" StencilVersion="0.1"/>
 </Control>
 </file>
 
@@ -51247,25 +51269,25 @@
 
 <file path=customXml/item405.xml><?xml version="1.0" encoding="utf-8"?>
 <Control xmlns="http://schemas.microsoft.com/VisualStudio/2011/storyboarding/control">
-  <Id Name="System.Storyboarding.Common.TextInput" Revision="1" Stencil="System.Storyboarding.Common" StencilVersion="0.1"/>
+  <Id Name="System.Storyboarding.Common.Button" Revision="1" Stencil="System.Storyboarding.Common" StencilVersion="0.1"/>
 </Control>
 </file>
 
 <file path=customXml/item406.xml><?xml version="1.0" encoding="utf-8"?>
 <Control xmlns="http://schemas.microsoft.com/VisualStudio/2011/storyboarding/control">
-  <Id Name="System.Storyboarding.Common.TextInput" Revision="1" Stencil="System.Storyboarding.Common" StencilVersion="0.1"/>
+  <Id Name="System.Storyboarding.Common.Button" Revision="1" Stencil="System.Storyboarding.Common" StencilVersion="0.1"/>
 </Control>
 </file>
 
 <file path=customXml/item407.xml><?xml version="1.0" encoding="utf-8"?>
 <Control xmlns="http://schemas.microsoft.com/VisualStudio/2011/storyboarding/control">
-  <Id Name="System.Storyboarding.Common.TextInput" Revision="1" Stencil="System.Storyboarding.Common" StencilVersion="0.1"/>
+  <Id Name="System.Storyboarding.Common.Button" Revision="1" Stencil="System.Storyboarding.Common" StencilVersion="0.1"/>
 </Control>
 </file>
 
 <file path=customXml/item408.xml><?xml version="1.0" encoding="utf-8"?>
 <Control xmlns="http://schemas.microsoft.com/VisualStudio/2011/storyboarding/control">
-  <Id Name="System.Storyboarding.Common.CheckBoxUnchecked" Revision="1" Stencil="System.Storyboarding.Common" StencilVersion="0.1"/>
+  <Id Name="System.Storyboarding.Common.Button" Revision="1" Stencil="System.Storyboarding.Common" StencilVersion="0.1"/>
 </Control>
 </file>
 
@@ -51277,13 +51299,13 @@
 
 <file path=customXml/item41.xml><?xml version="1.0" encoding="utf-8"?>
 <Control xmlns="http://schemas.microsoft.com/VisualStudio/2011/storyboarding/control">
-  <Id Name="System.Storyboarding.Common.Button" Revision="1" Stencil="System.Storyboarding.Common" StencilVersion="0.1"/>
+  <Id Name="System.Storyboarding.Common.TextInput" Revision="1" Stencil="System.Storyboarding.Common" StencilVersion="0.1"/>
 </Control>
 </file>
 
 <file path=customXml/item410.xml><?xml version="1.0" encoding="utf-8"?>
 <Control xmlns="http://schemas.microsoft.com/VisualStudio/2011/storyboarding/control">
-  <Id Name="System.Storyboarding.Common.TextInput" Revision="1" Stencil="System.Storyboarding.Common" StencilVersion="0.1"/>
+  <Id Name="System.Storyboarding.Common.Button" Revision="1" Stencil="System.Storyboarding.Common" StencilVersion="0.1"/>
 </Control>
 </file>
 
@@ -51295,7 +51317,7 @@
 
 <file path=customXml/item412.xml><?xml version="1.0" encoding="utf-8"?>
 <Control xmlns="http://schemas.microsoft.com/VisualStudio/2011/storyboarding/control">
-  <Id Name="System.Storyboarding.Common.Button" Revision="1" Stencil="System.Storyboarding.Common" StencilVersion="0.1"/>
+  <Id Name="System.Storyboarding.Common.TextInput" Revision="1" Stencil="System.Storyboarding.Common" StencilVersion="0.1"/>
 </Control>
 </file>
 
@@ -51313,7 +51335,7 @@
 
 <file path=customXml/item415.xml><?xml version="1.0" encoding="utf-8"?>
 <Control xmlns="http://schemas.microsoft.com/VisualStudio/2011/storyboarding/control">
-  <Id Name="System.Storyboarding.Common.Button" Revision="1" Stencil="System.Storyboarding.Common" StencilVersion="0.1"/>
+  <Id Name="System.Storyboarding.Common.TextInput" Revision="1" Stencil="System.Storyboarding.Common" StencilVersion="0.1"/>
 </Control>
 </file>
 
@@ -51325,7 +51347,7 @@
 
 <file path=customXml/item417.xml><?xml version="1.0" encoding="utf-8"?>
 <Control xmlns="http://schemas.microsoft.com/VisualStudio/2011/storyboarding/control">
-  <Id Name="System.Storyboarding.Common.Button" Revision="1" Stencil="System.Storyboarding.Common" StencilVersion="0.1"/>
+  <Id Name="System.Storyboarding.Common.TextInput" Revision="1" Stencil="System.Storyboarding.Common" StencilVersion="0.1"/>
 </Control>
 </file>
 
@@ -51361,19 +51383,19 @@
 
 <file path=customXml/item46.xml><?xml version="1.0" encoding="utf-8"?>
 <Control xmlns="http://schemas.microsoft.com/VisualStudio/2011/storyboarding/control">
-  <Id Name="System.Storyboarding.Common.Hyperlink" Revision="1" Stencil="System.Storyboarding.Common" StencilVersion="0.1"/>
+  <Id Name="System.Storyboarding.Common.Button" Revision="1" Stencil="System.Storyboarding.Common" StencilVersion="0.1"/>
 </Control>
 </file>
 
 <file path=customXml/item47.xml><?xml version="1.0" encoding="utf-8"?>
 <Control xmlns="http://schemas.microsoft.com/VisualStudio/2011/storyboarding/control">
-  <Id Name="System.Storyboarding.Common.TextInput" Revision="1" Stencil="System.Storyboarding.Common" StencilVersion="0.1"/>
+  <Id Name="System.Storyboarding.Common.Button" Revision="1" Stencil="System.Storyboarding.Common" StencilVersion="0.1"/>
 </Control>
 </file>
 
 <file path=customXml/item48.xml><?xml version="1.0" encoding="utf-8"?>
 <Control xmlns="http://schemas.microsoft.com/VisualStudio/2011/storyboarding/control">
-  <Id Name="System.Storyboarding.Common.Button" Revision="1" Stencil="System.Storyboarding.Common" StencilVersion="0.1"/>
+  <Id Name="System.Storyboarding.Common.TextInput" Revision="1" Stencil="System.Storyboarding.Common" StencilVersion="0.1"/>
 </Control>
 </file>
 
@@ -51391,13 +51413,13 @@
 
 <file path=customXml/item50.xml><?xml version="1.0" encoding="utf-8"?>
 <Control xmlns="http://schemas.microsoft.com/VisualStudio/2011/storyboarding/control">
-  <Id Name="System.Storyboarding.Common.Button" Revision="1" Stencil="System.Storyboarding.Common" StencilVersion="0.1"/>
+  <Id Name="System.Storyboarding.Common.TextInput" Revision="1" Stencil="System.Storyboarding.Common" StencilVersion="0.1"/>
 </Control>
 </file>
 
 <file path=customXml/item51.xml><?xml version="1.0" encoding="utf-8"?>
 <Control xmlns="http://schemas.microsoft.com/VisualStudio/2011/storyboarding/control">
-  <Id Name="System.Storyboarding.Common.TextInput" Revision="1" Stencil="System.Storyboarding.Common" StencilVersion="0.1"/>
+  <Id Name="System.Storyboarding.Common.Button" Revision="1" Stencil="System.Storyboarding.Common" StencilVersion="0.1"/>
 </Control>
 </file>
 
@@ -51409,7 +51431,7 @@
 
 <file path=customXml/item53.xml><?xml version="1.0" encoding="utf-8"?>
 <Control xmlns="http://schemas.microsoft.com/VisualStudio/2011/storyboarding/control">
-  <Id Name="System.Storyboarding.Common.Button" Revision="1" Stencil="System.Storyboarding.Common" StencilVersion="0.1"/>
+  <Id Name="System.Storyboarding.Common.TextInput" Revision="1" Stencil="System.Storyboarding.Common" StencilVersion="0.1"/>
 </Control>
 </file>
 
@@ -51427,7 +51449,7 @@
 
 <file path=customXml/item56.xml><?xml version="1.0" encoding="utf-8"?>
 <Control xmlns="http://schemas.microsoft.com/VisualStudio/2011/storyboarding/control">
-  <Id Name="System.Storyboarding.Common.Button" Revision="1" Stencil="System.Storyboarding.Common" StencilVersion="0.1"/>
+  <Id Name="System.Storyboarding.Common.TextInput" Revision="1" Stencil="System.Storyboarding.Common" StencilVersion="0.1"/>
 </Control>
 </file>
 
@@ -51451,7 +51473,7 @@
 
 <file path=customXml/item6.xml><?xml version="1.0" encoding="utf-8"?>
 <Control xmlns="http://schemas.microsoft.com/VisualStudio/2011/storyboarding/control">
-  <Id Name="System.Storyboarding.Common.TextInput" Revision="1" Stencil="System.Storyboarding.Common" StencilVersion="0.1"/>
+  <Id Name="System.Storyboarding.Common.Button" Revision="1" Stencil="System.Storyboarding.Common" StencilVersion="0.1"/>
 </Control>
 </file>
 
@@ -51463,19 +51485,19 @@
 
 <file path=customXml/item61.xml><?xml version="1.0" encoding="utf-8"?>
 <Control xmlns="http://schemas.microsoft.com/VisualStudio/2011/storyboarding/control">
-  <Id Name="System.Storyboarding.Common.TextInput" Revision="1" Stencil="System.Storyboarding.Common" StencilVersion="0.1"/>
+  <Id Name="System.Storyboarding.Common.Button" Revision="1" Stencil="System.Storyboarding.Common" StencilVersion="0.1"/>
 </Control>
 </file>
 
 <file path=customXml/item62.xml><?xml version="1.0" encoding="utf-8"?>
 <Control xmlns="http://schemas.microsoft.com/VisualStudio/2011/storyboarding/control">
-  <Id Name="System.Storyboarding.Common.TextInput" Revision="1" Stencil="System.Storyboarding.Common" StencilVersion="0.1"/>
+  <Id Name="System.Storyboarding.Common.Button" Revision="1" Stencil="System.Storyboarding.Common" StencilVersion="0.1"/>
 </Control>
 </file>
 
 <file path=customXml/item63.xml><?xml version="1.0" encoding="utf-8"?>
 <Control xmlns="http://schemas.microsoft.com/VisualStudio/2011/storyboarding/control">
-  <Id Name="System.Storyboarding.Common.Button" Revision="1" Stencil="System.Storyboarding.Common" StencilVersion="0.1"/>
+  <Id Name="System.Storyboarding.Common.TextInput" Revision="1" Stencil="System.Storyboarding.Common" StencilVersion="0.1"/>
 </Control>
 </file>
 
@@ -51487,13 +51509,13 @@
 
 <file path=customXml/item65.xml><?xml version="1.0" encoding="utf-8"?>
 <Control xmlns="http://schemas.microsoft.com/VisualStudio/2011/storyboarding/control">
-  <Id Name="System.Storyboarding.Common.Button" Revision="1" Stencil="System.Storyboarding.Common" StencilVersion="0.1"/>
+  <Id Name="System.Storyboarding.Common.TextInput" Revision="1" Stencil="System.Storyboarding.Common" StencilVersion="0.1"/>
 </Control>
 </file>
 
 <file path=customXml/item66.xml><?xml version="1.0" encoding="utf-8"?>
 <Control xmlns="http://schemas.microsoft.com/VisualStudio/2011/storyboarding/control">
-  <Id Name="System.Storyboarding.Common.TextInput" Revision="1" Stencil="System.Storyboarding.Common" StencilVersion="0.1"/>
+  <Id Name="System.Storyboarding.Common.Button" Revision="1" Stencil="System.Storyboarding.Common" StencilVersion="0.1"/>
 </Control>
 </file>
 
@@ -51505,25 +51527,25 @@
 
 <file path=customXml/item68.xml><?xml version="1.0" encoding="utf-8"?>
 <Control xmlns="http://schemas.microsoft.com/VisualStudio/2011/storyboarding/control">
-  <Id Name="System.Storyboarding.Common.TextInput" Revision="1" Stencil="System.Storyboarding.Common" StencilVersion="0.1"/>
+  <Id Name="System.Storyboarding.Common.Button" Revision="1" Stencil="System.Storyboarding.Common" StencilVersion="0.1"/>
 </Control>
 </file>
 
 <file path=customXml/item69.xml><?xml version="1.0" encoding="utf-8"?>
-<Control xmlns="http://schemas.microsoft.com/VisualStudio/2011/storyboarding/control">
-  <Id Name="System.Storyboarding.Common.Hyperlink" Revision="1" Stencil="System.Storyboarding.Common" StencilVersion="0.1"/>
-</Control>
-</file>
-
-<file path=customXml/item7.xml><?xml version="1.0" encoding="utf-8"?>
 <Control xmlns="http://schemas.microsoft.com/VisualStudio/2011/storyboarding/control">
   <Id Name="System.Storyboarding.Common.Button" Revision="1" Stencil="System.Storyboarding.Common" StencilVersion="0.1"/>
 </Control>
 </file>
 
+<file path=customXml/item7.xml><?xml version="1.0" encoding="utf-8"?>
+<Control xmlns="http://schemas.microsoft.com/VisualStudio/2011/storyboarding/control">
+  <Id Name="System.Storyboarding.Common.TextInput" Revision="1" Stencil="System.Storyboarding.Common" StencilVersion="0.1"/>
+</Control>
+</file>
+
 <file path=customXml/item70.xml><?xml version="1.0" encoding="utf-8"?>
 <Control xmlns="http://schemas.microsoft.com/VisualStudio/2011/storyboarding/control">
-  <Id Name="System.Storyboarding.Common.Button" Revision="1" Stencil="System.Storyboarding.Common" StencilVersion="0.1"/>
+  <Id Name="System.Storyboarding.Common.TextInput" Revision="1" Stencil="System.Storyboarding.Common" StencilVersion="0.1"/>
 </Control>
 </file>
 
@@ -51535,7 +51557,7 @@
 
 <file path=customXml/item72.xml><?xml version="1.0" encoding="utf-8"?>
 <Control xmlns="http://schemas.microsoft.com/VisualStudio/2011/storyboarding/control">
-  <Id Name="System.Storyboarding.Common.TextInput" Revision="1" Stencil="System.Storyboarding.Common" StencilVersion="0.1"/>
+  <Id Name="System.Storyboarding.Common.Button" Revision="1" Stencil="System.Storyboarding.Common" StencilVersion="0.1"/>
 </Control>
 </file>
 
@@ -51553,13 +51575,13 @@
 
 <file path=customXml/item75.xml><?xml version="1.0" encoding="utf-8"?>
 <Control xmlns="http://schemas.microsoft.com/VisualStudio/2011/storyboarding/control">
-  <Id Name="System.Storyboarding.Common.Button" Revision="1" Stencil="System.Storyboarding.Common" StencilVersion="0.1"/>
+  <Id Name="System.Storyboarding.Common.TextInput" Revision="1" Stencil="System.Storyboarding.Common" StencilVersion="0.1"/>
 </Control>
 </file>
 
 <file path=customXml/item76.xml><?xml version="1.0" encoding="utf-8"?>
 <Control xmlns="http://schemas.microsoft.com/VisualStudio/2011/storyboarding/control">
-  <Id Name="System.Storyboarding.Common.Button" Revision="1" Stencil="System.Storyboarding.Common" StencilVersion="0.1"/>
+  <Id Name="System.Storyboarding.Common.TextInput" Revision="1" Stencil="System.Storyboarding.Common" StencilVersion="0.1"/>
 </Control>
 </file>
 
@@ -51571,13 +51593,13 @@
 
 <file path=customXml/item78.xml><?xml version="1.0" encoding="utf-8"?>
 <Control xmlns="http://schemas.microsoft.com/VisualStudio/2011/storyboarding/control">
-  <Id Name="System.Storyboarding.Common.Button" Revision="1" Stencil="System.Storyboarding.Common" StencilVersion="0.1"/>
+  <Id Name="System.Storyboarding.Common.TextInput" Revision="1" Stencil="System.Storyboarding.Common" StencilVersion="0.1"/>
 </Control>
 </file>
 
 <file path=customXml/item79.xml><?xml version="1.0" encoding="utf-8"?>
 <Control xmlns="http://schemas.microsoft.com/VisualStudio/2011/storyboarding/control">
-  <Id Name="System.Storyboarding.Common.Button" Revision="1" Stencil="System.Storyboarding.Common" StencilVersion="0.1"/>
+  <Id Name="System.Storyboarding.Common.TextInput" Revision="1" Stencil="System.Storyboarding.Common" StencilVersion="0.1"/>
 </Control>
 </file>
 
@@ -51619,7 +51641,7 @@
 
 <file path=customXml/item85.xml><?xml version="1.0" encoding="utf-8"?>
 <Control xmlns="http://schemas.microsoft.com/VisualStudio/2011/storyboarding/control">
-  <Id Name="System.Storyboarding.Common.Button" Revision="1" Stencil="System.Storyboarding.Common" StencilVersion="0.1"/>
+  <Id Name="System.Storyboarding.Common.TextInput" Revision="1" Stencil="System.Storyboarding.Common" StencilVersion="0.1"/>
 </Control>
 </file>
 
@@ -51637,7 +51659,7 @@
 
 <file path=customXml/item88.xml><?xml version="1.0" encoding="utf-8"?>
 <Control xmlns="http://schemas.microsoft.com/VisualStudio/2011/storyboarding/control">
-  <Id Name="System.Storyboarding.Common.TextInput" Revision="1" Stencil="System.Storyboarding.Common" StencilVersion="0.1"/>
+  <Id Name="System.Storyboarding.Common.CheckBoxUnchecked" Revision="1" Stencil="System.Storyboarding.Common" StencilVersion="0.1"/>
 </Control>
 </file>
 
@@ -51649,19 +51671,19 @@
 
 <file path=customXml/item9.xml><?xml version="1.0" encoding="utf-8"?>
 <Control xmlns="http://schemas.microsoft.com/VisualStudio/2011/storyboarding/control">
+  <Id Name="System.Storyboarding.Common.TextInput" Revision="1" Stencil="System.Storyboarding.Common" StencilVersion="0.1"/>
+</Control>
+</file>
+
+<file path=customXml/item90.xml><?xml version="1.0" encoding="utf-8"?>
+<Control xmlns="http://schemas.microsoft.com/VisualStudio/2011/storyboarding/control">
   <Id Name="System.Storyboarding.Common.Button" Revision="1" Stencil="System.Storyboarding.Common" StencilVersion="0.1"/>
 </Control>
 </file>
 
-<file path=customXml/item90.xml><?xml version="1.0" encoding="utf-8"?>
-<Control xmlns="http://schemas.microsoft.com/VisualStudio/2011/storyboarding/control">
-  <Id Name="System.Storyboarding.Backgrounds.WebBrowser" Revision="1" Stencil="System.Storyboarding.Backgrounds" StencilVersion="0.1"/>
-</Control>
-</file>
-
 <file path=customXml/item91.xml><?xml version="1.0" encoding="utf-8"?>
 <Control xmlns="http://schemas.microsoft.com/VisualStudio/2011/storyboarding/control">
-  <Id Name="System.Storyboarding.Common.CheckBoxUnchecked" Revision="1" Stencil="System.Storyboarding.Common" StencilVersion="0.1"/>
+  <Id Name="System.Storyboarding.Common.TextInput" Revision="1" Stencil="System.Storyboarding.Common" StencilVersion="0.1"/>
 </Control>
 </file>
 
@@ -51673,19 +51695,19 @@
 
 <file path=customXml/item93.xml><?xml version="1.0" encoding="utf-8"?>
 <Control xmlns="http://schemas.microsoft.com/VisualStudio/2011/storyboarding/control">
-  <Id Name="System.Storyboarding.Common.Button" Revision="1" Stencil="System.Storyboarding.Common" StencilVersion="0.1"/>
+  <Id Name="System.Storyboarding.Common.TextInput" Revision="1" Stencil="System.Storyboarding.Common" StencilVersion="0.1"/>
 </Control>
 </file>
 
 <file path=customXml/item94.xml><?xml version="1.0" encoding="utf-8"?>
 <Control xmlns="http://schemas.microsoft.com/VisualStudio/2011/storyboarding/control">
-  <Id Name="System.Storyboarding.Common.Button" Revision="1" Stencil="System.Storyboarding.Common" StencilVersion="0.1"/>
+  <Id Name="System.Storyboarding.Common.TextInput" Revision="1" Stencil="System.Storyboarding.Common" StencilVersion="0.1"/>
 </Control>
 </file>
 
 <file path=customXml/item95.xml><?xml version="1.0" encoding="utf-8"?>
 <Control xmlns="http://schemas.microsoft.com/VisualStudio/2011/storyboarding/control">
-  <Id Name="System.Storyboarding.Common.TextInput" Revision="1" Stencil="System.Storyboarding.Common" StencilVersion="0.1"/>
+  <Id Name="System.Storyboarding.Common.Button" Revision="1" Stencil="System.Storyboarding.Common" StencilVersion="0.1"/>
 </Control>
 </file>
 
@@ -51697,7 +51719,7 @@
 
 <file path=customXml/item97.xml><?xml version="1.0" encoding="utf-8"?>
 <Control xmlns="http://schemas.microsoft.com/VisualStudio/2011/storyboarding/control">
-  <Id Name="System.Storyboarding.Common.TextInput" Revision="1" Stencil="System.Storyboarding.Common" StencilVersion="0.1"/>
+  <Id Name="System.Storyboarding.Common.Button" Revision="1" Stencil="System.Storyboarding.Common" StencilVersion="0.1"/>
 </Control>
 </file>
 
@@ -51714,7 +51736,7 @@
 </file>
 
 <file path=customXml/itemProps1.xml><?xml version="1.0" encoding="utf-8"?>
-<ds:datastoreItem xmlns:ds="http://schemas.openxmlformats.org/officeDocument/2006/customXml" ds:itemID="{7FF91253-6D0C-4811-B4EB-99B1BADA74F1}">
+<ds:datastoreItem xmlns:ds="http://schemas.openxmlformats.org/officeDocument/2006/customXml" ds:itemID="{6CBBEBEE-8FE2-464F-A807-63ABD5DF1B65}">
   <ds:schemaRefs>
     <ds:schemaRef ds:uri="http://schemas.microsoft.com/VisualStudio/2011/storyboarding/control"/>
   </ds:schemaRefs>
@@ -51722,7 +51744,7 @@
 </file>
 
 <file path=customXml/itemProps10.xml><?xml version="1.0" encoding="utf-8"?>
-<ds:datastoreItem xmlns:ds="http://schemas.openxmlformats.org/officeDocument/2006/customXml" ds:itemID="{45C4B72E-3C3A-4CDB-8A3A-826BBA769048}">
+<ds:datastoreItem xmlns:ds="http://schemas.openxmlformats.org/officeDocument/2006/customXml" ds:itemID="{CD6634DE-230E-40BB-80A1-D5194032F61F}">
   <ds:schemaRefs>
     <ds:schemaRef ds:uri="http://schemas.microsoft.com/VisualStudio/2011/storyboarding/control"/>
   </ds:schemaRefs>
@@ -51730,6 +51752,46 @@
 </file>
 
 <file path=customXml/itemProps100.xml><?xml version="1.0" encoding="utf-8"?>
+<ds:datastoreItem xmlns:ds="http://schemas.openxmlformats.org/officeDocument/2006/customXml" ds:itemID="{FF486511-5BF6-4E14-BC12-9AB64A939366}">
+  <ds:schemaRefs>
+    <ds:schemaRef ds:uri="http://schemas.microsoft.com/VisualStudio/2011/storyboarding/control"/>
+  </ds:schemaRefs>
+</ds:datastoreItem>
+</file>
+
+<file path=customXml/itemProps101.xml><?xml version="1.0" encoding="utf-8"?>
+<ds:datastoreItem xmlns:ds="http://schemas.openxmlformats.org/officeDocument/2006/customXml" ds:itemID="{FE38110B-75C1-4526-B407-10088BE5AA45}">
+  <ds:schemaRefs>
+    <ds:schemaRef ds:uri="http://schemas.microsoft.com/VisualStudio/2011/storyboarding/control"/>
+  </ds:schemaRefs>
+</ds:datastoreItem>
+</file>
+
+<file path=customXml/itemProps102.xml><?xml version="1.0" encoding="utf-8"?>
+<ds:datastoreItem xmlns:ds="http://schemas.openxmlformats.org/officeDocument/2006/customXml" ds:itemID="{2AC86A44-86DE-437C-AC10-E334DC919211}">
+  <ds:schemaRefs>
+    <ds:schemaRef ds:uri="http://schemas.microsoft.com/VisualStudio/2011/storyboarding/control"/>
+  </ds:schemaRefs>
+</ds:datastoreItem>
+</file>
+
+<file path=customXml/itemProps103.xml><?xml version="1.0" encoding="utf-8"?>
+<ds:datastoreItem xmlns:ds="http://schemas.openxmlformats.org/officeDocument/2006/customXml" ds:itemID="{C800B568-4C6F-4D10-AD7A-100A4336547B}">
+  <ds:schemaRefs>
+    <ds:schemaRef ds:uri="http://schemas.microsoft.com/VisualStudio/2011/storyboarding/control"/>
+  </ds:schemaRefs>
+</ds:datastoreItem>
+</file>
+
+<file path=customXml/itemProps104.xml><?xml version="1.0" encoding="utf-8"?>
+<ds:datastoreItem xmlns:ds="http://schemas.openxmlformats.org/officeDocument/2006/customXml" ds:itemID="{DF2EA208-98A8-45AB-95A1-95B7D29D18AA}">
+  <ds:schemaRefs>
+    <ds:schemaRef ds:uri="http://schemas.microsoft.com/VisualStudio/2011/storyboarding/control"/>
+  </ds:schemaRefs>
+</ds:datastoreItem>
+</file>
+
+<file path=customXml/itemProps105.xml><?xml version="1.0" encoding="utf-8"?>
 <ds:datastoreItem xmlns:ds="http://schemas.openxmlformats.org/officeDocument/2006/customXml" ds:itemID="{5805AF6F-28D1-42A0-9075-14FCB49758BF}">
   <ds:schemaRefs>
     <ds:schemaRef ds:uri="http://schemas.microsoft.com/VisualStudio/2011/storyboarding/control"/>
@@ -51737,183 +51799,63 @@
 </ds:datastoreItem>
 </file>
 
-<file path=customXml/itemProps101.xml><?xml version="1.0" encoding="utf-8"?>
-<ds:datastoreItem xmlns:ds="http://schemas.openxmlformats.org/officeDocument/2006/customXml" ds:itemID="{B0E5354C-A49C-4922-86D1-4AEAB0AB2035}">
+<file path=customXml/itemProps106.xml><?xml version="1.0" encoding="utf-8"?>
+<ds:datastoreItem xmlns:ds="http://schemas.openxmlformats.org/officeDocument/2006/customXml" ds:itemID="{AB19B258-FD6E-4FDD-A6F2-14607A5CC818}">
   <ds:schemaRefs>
     <ds:schemaRef ds:uri="http://schemas.microsoft.com/VisualStudio/2011/storyboarding/control"/>
   </ds:schemaRefs>
 </ds:datastoreItem>
 </file>
 
-<file path=customXml/itemProps102.xml><?xml version="1.0" encoding="utf-8"?>
-<ds:datastoreItem xmlns:ds="http://schemas.openxmlformats.org/officeDocument/2006/customXml" ds:itemID="{BDE8F8A8-1904-4B0E-8744-036C974BB0D3}">
+<file path=customXml/itemProps107.xml><?xml version="1.0" encoding="utf-8"?>
+<ds:datastoreItem xmlns:ds="http://schemas.openxmlformats.org/officeDocument/2006/customXml" ds:itemID="{9117D3D4-A08A-4E78-8FE7-742A64EE8216}">
   <ds:schemaRefs>
     <ds:schemaRef ds:uri="http://schemas.microsoft.com/VisualStudio/2011/storyboarding/control"/>
   </ds:schemaRefs>
 </ds:datastoreItem>
 </file>
 
-<file path=customXml/itemProps103.xml><?xml version="1.0" encoding="utf-8"?>
-<ds:datastoreItem xmlns:ds="http://schemas.openxmlformats.org/officeDocument/2006/customXml" ds:itemID="{E591C048-0E07-4085-ACB8-B2AA40ED6281}">
+<file path=customXml/itemProps108.xml><?xml version="1.0" encoding="utf-8"?>
+<ds:datastoreItem xmlns:ds="http://schemas.openxmlformats.org/officeDocument/2006/customXml" ds:itemID="{72415AEB-F98D-422C-8C79-713DC542C351}">
   <ds:schemaRefs>
     <ds:schemaRef ds:uri="http://schemas.microsoft.com/VisualStudio/2011/storyboarding/control"/>
   </ds:schemaRefs>
 </ds:datastoreItem>
 </file>
 
-<file path=customXml/itemProps104.xml><?xml version="1.0" encoding="utf-8"?>
-<ds:datastoreItem xmlns:ds="http://schemas.openxmlformats.org/officeDocument/2006/customXml" ds:itemID="{64EC0383-9E6B-45A0-94E8-38FA095CA4EA}">
+<file path=customXml/itemProps109.xml><?xml version="1.0" encoding="utf-8"?>
+<ds:datastoreItem xmlns:ds="http://schemas.openxmlformats.org/officeDocument/2006/customXml" ds:itemID="{21CB815E-7124-4A3B-99AB-1DAEE578DA1E}">
   <ds:schemaRefs>
     <ds:schemaRef ds:uri="http://schemas.microsoft.com/VisualStudio/2011/storyboarding/control"/>
   </ds:schemaRefs>
 </ds:datastoreItem>
 </file>
 
-<file path=customXml/itemProps105.xml><?xml version="1.0" encoding="utf-8"?>
-<ds:datastoreItem xmlns:ds="http://schemas.openxmlformats.org/officeDocument/2006/customXml" ds:itemID="{B4942043-A538-454C-BD77-9CAD6710E195}">
+<file path=customXml/itemProps11.xml><?xml version="1.0" encoding="utf-8"?>
+<ds:datastoreItem xmlns:ds="http://schemas.openxmlformats.org/officeDocument/2006/customXml" ds:itemID="{04512026-5CE2-44C7-892F-C238A9AC8AB3}">
   <ds:schemaRefs>
     <ds:schemaRef ds:uri="http://schemas.microsoft.com/VisualStudio/2011/storyboarding/control"/>
   </ds:schemaRefs>
 </ds:datastoreItem>
 </file>
 
-<file path=customXml/itemProps106.xml><?xml version="1.0" encoding="utf-8"?>
-<ds:datastoreItem xmlns:ds="http://schemas.openxmlformats.org/officeDocument/2006/customXml" ds:itemID="{EFFB93B5-B0D0-477D-8AE8-DE814E5FD371}">
+<file path=customXml/itemProps110.xml><?xml version="1.0" encoding="utf-8"?>
+<ds:datastoreItem xmlns:ds="http://schemas.openxmlformats.org/officeDocument/2006/customXml" ds:itemID="{8EEB2059-6AA6-43B3-A531-158E0BB40274}">
   <ds:schemaRefs>
     <ds:schemaRef ds:uri="http://schemas.microsoft.com/VisualStudio/2011/storyboarding/control"/>
   </ds:schemaRefs>
 </ds:datastoreItem>
 </file>
 
-<file path=customXml/itemProps107.xml><?xml version="1.0" encoding="utf-8"?>
-<ds:datastoreItem xmlns:ds="http://schemas.openxmlformats.org/officeDocument/2006/customXml" ds:itemID="{999F4DDD-AF4B-4571-BC01-A685F937498E}">
+<file path=customXml/itemProps111.xml><?xml version="1.0" encoding="utf-8"?>
+<ds:datastoreItem xmlns:ds="http://schemas.openxmlformats.org/officeDocument/2006/customXml" ds:itemID="{A4A084FE-200F-4432-B959-208AE0B5A953}">
   <ds:schemaRefs>
     <ds:schemaRef ds:uri="http://schemas.microsoft.com/VisualStudio/2011/storyboarding/control"/>
   </ds:schemaRefs>
 </ds:datastoreItem>
 </file>
 
-<file path=customXml/itemProps108.xml><?xml version="1.0" encoding="utf-8"?>
-<ds:datastoreItem xmlns:ds="http://schemas.openxmlformats.org/officeDocument/2006/customXml" ds:itemID="{6060C689-D6DA-4ED0-9505-C2A1B1A2CDA3}">
-  <ds:schemaRefs>
-    <ds:schemaRef ds:uri="http://schemas.microsoft.com/VisualStudio/2011/storyboarding/control"/>
-  </ds:schemaRefs>
-</ds:datastoreItem>
-</file>
-
-<file path=customXml/itemProps109.xml><?xml version="1.0" encoding="utf-8"?>
-<ds:datastoreItem xmlns:ds="http://schemas.openxmlformats.org/officeDocument/2006/customXml" ds:itemID="{F108CEF5-F86C-4329-BCC8-A365BCF806C5}">
-  <ds:schemaRefs>
-    <ds:schemaRef ds:uri="http://schemas.microsoft.com/VisualStudio/2011/storyboarding/control"/>
-  </ds:schemaRefs>
-</ds:datastoreItem>
-</file>
-
-<file path=customXml/itemProps11.xml><?xml version="1.0" encoding="utf-8"?>
-<ds:datastoreItem xmlns:ds="http://schemas.openxmlformats.org/officeDocument/2006/customXml" ds:itemID="{F742BCF6-665E-4062-A261-C16C9A1DB854}">
-  <ds:schemaRefs>
-    <ds:schemaRef ds:uri="http://schemas.microsoft.com/VisualStudio/2011/storyboarding/control"/>
-  </ds:schemaRefs>
-</ds:datastoreItem>
-</file>
-
-<file path=customXml/itemProps110.xml><?xml version="1.0" encoding="utf-8"?>
-<ds:datastoreItem xmlns:ds="http://schemas.openxmlformats.org/officeDocument/2006/customXml" ds:itemID="{2E12C7FD-ADB9-4E02-88AD-8997CE61C2D4}">
-  <ds:schemaRefs>
-    <ds:schemaRef ds:uri="http://schemas.microsoft.com/VisualStudio/2011/storyboarding/control"/>
-  </ds:schemaRefs>
-</ds:datastoreItem>
-</file>
-
-<file path=customXml/itemProps111.xml><?xml version="1.0" encoding="utf-8"?>
-<ds:datastoreItem xmlns:ds="http://schemas.openxmlformats.org/officeDocument/2006/customXml" ds:itemID="{595E8778-D3AF-40BF-B92E-8A7A7200877C}">
-  <ds:schemaRefs>
-    <ds:schemaRef ds:uri="http://schemas.microsoft.com/VisualStudio/2011/storyboarding/control"/>
-  </ds:schemaRefs>
-</ds:datastoreItem>
-</file>
-
 <file path=customXml/itemProps112.xml><?xml version="1.0" encoding="utf-8"?>
-<ds:datastoreItem xmlns:ds="http://schemas.openxmlformats.org/officeDocument/2006/customXml" ds:itemID="{F03E6151-DFC5-424F-B7C7-7EE059820854}">
-  <ds:schemaRefs>
-    <ds:schemaRef ds:uri="http://schemas.microsoft.com/VisualStudio/2011/storyboarding/control"/>
-  </ds:schemaRefs>
-</ds:datastoreItem>
-</file>
-
-<file path=customXml/itemProps113.xml><?xml version="1.0" encoding="utf-8"?>
-<ds:datastoreItem xmlns:ds="http://schemas.openxmlformats.org/officeDocument/2006/customXml" ds:itemID="{9776D11D-1935-4F96-BDED-3EC4CB27B12D}">
-  <ds:schemaRefs>
-    <ds:schemaRef ds:uri="http://schemas.microsoft.com/VisualStudio/2011/storyboarding/control"/>
-  </ds:schemaRefs>
-</ds:datastoreItem>
-</file>
-
-<file path=customXml/itemProps114.xml><?xml version="1.0" encoding="utf-8"?>
-<ds:datastoreItem xmlns:ds="http://schemas.openxmlformats.org/officeDocument/2006/customXml" ds:itemID="{4005C7AB-FD00-4948-A862-EE198884C46B}">
-  <ds:schemaRefs>
-    <ds:schemaRef ds:uri="http://schemas.microsoft.com/VisualStudio/2011/storyboarding/control"/>
-  </ds:schemaRefs>
-</ds:datastoreItem>
-</file>
-
-<file path=customXml/itemProps115.xml><?xml version="1.0" encoding="utf-8"?>
-<ds:datastoreItem xmlns:ds="http://schemas.openxmlformats.org/officeDocument/2006/customXml" ds:itemID="{5D2143CA-34F9-4969-9FE0-572B1C1A3C44}">
-  <ds:schemaRefs>
-    <ds:schemaRef ds:uri="http://schemas.microsoft.com/VisualStudio/2011/storyboarding/control"/>
-  </ds:schemaRefs>
-</ds:datastoreItem>
-</file>
-
-<file path=customXml/itemProps116.xml><?xml version="1.0" encoding="utf-8"?>
-<ds:datastoreItem xmlns:ds="http://schemas.openxmlformats.org/officeDocument/2006/customXml" ds:itemID="{52A63756-CF17-41B8-A031-BAA923C95F8F}">
-  <ds:schemaRefs>
-    <ds:schemaRef ds:uri="http://schemas.microsoft.com/VisualStudio/2011/storyboarding/control"/>
-  </ds:schemaRefs>
-</ds:datastoreItem>
-</file>
-
-<file path=customXml/itemProps117.xml><?xml version="1.0" encoding="utf-8"?>
-<ds:datastoreItem xmlns:ds="http://schemas.openxmlformats.org/officeDocument/2006/customXml" ds:itemID="{E4701A60-2A9D-4752-9866-0062466F370C}">
-  <ds:schemaRefs>
-    <ds:schemaRef ds:uri="http://schemas.microsoft.com/VisualStudio/2011/storyboarding/control"/>
-  </ds:schemaRefs>
-</ds:datastoreItem>
-</file>
-
-<file path=customXml/itemProps118.xml><?xml version="1.0" encoding="utf-8"?>
-<ds:datastoreItem xmlns:ds="http://schemas.openxmlformats.org/officeDocument/2006/customXml" ds:itemID="{9275AEDA-72AE-4A4E-9EB6-579F20517407}">
-  <ds:schemaRefs>
-    <ds:schemaRef ds:uri="http://schemas.microsoft.com/VisualStudio/2011/storyboarding/control"/>
-  </ds:schemaRefs>
-</ds:datastoreItem>
-</file>
-
-<file path=customXml/itemProps119.xml><?xml version="1.0" encoding="utf-8"?>
-<ds:datastoreItem xmlns:ds="http://schemas.openxmlformats.org/officeDocument/2006/customXml" ds:itemID="{403C0D24-4ADF-4995-AE62-B57504569F7B}">
-  <ds:schemaRefs>
-    <ds:schemaRef ds:uri="http://schemas.microsoft.com/VisualStudio/2011/storyboarding/control"/>
-  </ds:schemaRefs>
-</ds:datastoreItem>
-</file>
-
-<file path=customXml/itemProps12.xml><?xml version="1.0" encoding="utf-8"?>
-<ds:datastoreItem xmlns:ds="http://schemas.openxmlformats.org/officeDocument/2006/customXml" ds:itemID="{57170B4E-9583-4966-9469-6481EBAB8126}">
-  <ds:schemaRefs>
-    <ds:schemaRef ds:uri="http://schemas.microsoft.com/VisualStudio/2011/storyboarding/control"/>
-  </ds:schemaRefs>
-</ds:datastoreItem>
-</file>
-
-<file path=customXml/itemProps120.xml><?xml version="1.0" encoding="utf-8"?>
-<ds:datastoreItem xmlns:ds="http://schemas.openxmlformats.org/officeDocument/2006/customXml" ds:itemID="{D3BE89F4-E0C7-4D85-85D3-23022A5254BE}">
-  <ds:schemaRefs>
-    <ds:schemaRef ds:uri="http://schemas.microsoft.com/VisualStudio/2011/storyboarding/control"/>
-  </ds:schemaRefs>
-</ds:datastoreItem>
-</file>
-
-<file path=customXml/itemProps121.xml><?xml version="1.0" encoding="utf-8"?>
 <ds:datastoreItem xmlns:ds="http://schemas.openxmlformats.org/officeDocument/2006/customXml" ds:itemID="{426A4743-E70C-4953-AEAD-F53DDB87C3BF}">
   <ds:schemaRefs>
     <ds:schemaRef ds:uri="http://schemas.microsoft.com/VisualStudio/2011/storyboarding/control"/>
@@ -51921,88 +51863,168 @@
 </ds:datastoreItem>
 </file>
 
-<file path=customXml/itemProps122.xml><?xml version="1.0" encoding="utf-8"?>
-<ds:datastoreItem xmlns:ds="http://schemas.openxmlformats.org/officeDocument/2006/customXml" ds:itemID="{BC8B6607-4705-4D34-89B0-6B167C78D3EE}">
+<file path=customXml/itemProps113.xml><?xml version="1.0" encoding="utf-8"?>
+<ds:datastoreItem xmlns:ds="http://schemas.openxmlformats.org/officeDocument/2006/customXml" ds:itemID="{C904A63E-B4F8-4F66-AAA5-D77CB9D7C19B}">
   <ds:schemaRefs>
     <ds:schemaRef ds:uri="http://schemas.microsoft.com/VisualStudio/2011/storyboarding/control"/>
   </ds:schemaRefs>
 </ds:datastoreItem>
 </file>
 
-<file path=customXml/itemProps123.xml><?xml version="1.0" encoding="utf-8"?>
-<ds:datastoreItem xmlns:ds="http://schemas.openxmlformats.org/officeDocument/2006/customXml" ds:itemID="{3B07C21B-B896-4441-A0BB-886607473D80}">
+<file path=customXml/itemProps114.xml><?xml version="1.0" encoding="utf-8"?>
+<ds:datastoreItem xmlns:ds="http://schemas.openxmlformats.org/officeDocument/2006/customXml" ds:itemID="{67E3185C-0A09-41B8-B3E1-C164556F673F}">
   <ds:schemaRefs>
     <ds:schemaRef ds:uri="http://schemas.microsoft.com/VisualStudio/2011/storyboarding/control"/>
   </ds:schemaRefs>
 </ds:datastoreItem>
 </file>
 
-<file path=customXml/itemProps124.xml><?xml version="1.0" encoding="utf-8"?>
-<ds:datastoreItem xmlns:ds="http://schemas.openxmlformats.org/officeDocument/2006/customXml" ds:itemID="{8198DF2F-BA14-418D-BE50-56C57A195466}">
+<file path=customXml/itemProps115.xml><?xml version="1.0" encoding="utf-8"?>
+<ds:datastoreItem xmlns:ds="http://schemas.openxmlformats.org/officeDocument/2006/customXml" ds:itemID="{CB55EF8A-E797-485E-BD8D-F4D9DDDD5F46}">
   <ds:schemaRefs>
     <ds:schemaRef ds:uri="http://schemas.microsoft.com/VisualStudio/2011/storyboarding/control"/>
   </ds:schemaRefs>
 </ds:datastoreItem>
 </file>
 
-<file path=customXml/itemProps125.xml><?xml version="1.0" encoding="utf-8"?>
-<ds:datastoreItem xmlns:ds="http://schemas.openxmlformats.org/officeDocument/2006/customXml" ds:itemID="{22298047-2860-4124-9ABE-0B6EAD3B2EE5}">
+<file path=customXml/itemProps116.xml><?xml version="1.0" encoding="utf-8"?>
+<ds:datastoreItem xmlns:ds="http://schemas.openxmlformats.org/officeDocument/2006/customXml" ds:itemID="{ABFF9767-43A0-4973-8588-41724C56A0CE}">
   <ds:schemaRefs>
     <ds:schemaRef ds:uri="http://schemas.microsoft.com/VisualStudio/2011/storyboarding/control"/>
   </ds:schemaRefs>
 </ds:datastoreItem>
 </file>
 
-<file path=customXml/itemProps126.xml><?xml version="1.0" encoding="utf-8"?>
-<ds:datastoreItem xmlns:ds="http://schemas.openxmlformats.org/officeDocument/2006/customXml" ds:itemID="{5FFF9015-846B-44AB-BE62-1ABB7B095C16}">
+<file path=customXml/itemProps117.xml><?xml version="1.0" encoding="utf-8"?>
+<ds:datastoreItem xmlns:ds="http://schemas.openxmlformats.org/officeDocument/2006/customXml" ds:itemID="{76F94818-85D5-4449-B635-10FE912BBD39}">
   <ds:schemaRefs>
     <ds:schemaRef ds:uri="http://schemas.microsoft.com/VisualStudio/2011/storyboarding/control"/>
   </ds:schemaRefs>
 </ds:datastoreItem>
 </file>
 
-<file path=customXml/itemProps127.xml><?xml version="1.0" encoding="utf-8"?>
-<ds:datastoreItem xmlns:ds="http://schemas.openxmlformats.org/officeDocument/2006/customXml" ds:itemID="{3B670321-FF43-42C8-9B46-9CBEDCF3DC7D}">
+<file path=customXml/itemProps118.xml><?xml version="1.0" encoding="utf-8"?>
+<ds:datastoreItem xmlns:ds="http://schemas.openxmlformats.org/officeDocument/2006/customXml" ds:itemID="{B485D22B-2566-4D7E-BB28-6E30163C20B3}">
   <ds:schemaRefs>
     <ds:schemaRef ds:uri="http://schemas.microsoft.com/VisualStudio/2011/storyboarding/control"/>
   </ds:schemaRefs>
 </ds:datastoreItem>
 </file>
 
-<file path=customXml/itemProps128.xml><?xml version="1.0" encoding="utf-8"?>
-<ds:datastoreItem xmlns:ds="http://schemas.openxmlformats.org/officeDocument/2006/customXml" ds:itemID="{6CBBEBEE-8FE2-464F-A807-63ABD5DF1B65}">
+<file path=customXml/itemProps119.xml><?xml version="1.0" encoding="utf-8"?>
+<ds:datastoreItem xmlns:ds="http://schemas.openxmlformats.org/officeDocument/2006/customXml" ds:itemID="{7335903A-55F5-4CB7-9C2D-1E5B9D1BBD02}">
   <ds:schemaRefs>
     <ds:schemaRef ds:uri="http://schemas.microsoft.com/VisualStudio/2011/storyboarding/control"/>
   </ds:schemaRefs>
 </ds:datastoreItem>
 </file>
 
-<file path=customXml/itemProps129.xml><?xml version="1.0" encoding="utf-8"?>
-<ds:datastoreItem xmlns:ds="http://schemas.openxmlformats.org/officeDocument/2006/customXml" ds:itemID="{74AFC24B-C7D7-48F6-96FB-A3CC80EDD2EA}">
+<file path=customXml/itemProps12.xml><?xml version="1.0" encoding="utf-8"?>
+<ds:datastoreItem xmlns:ds="http://schemas.openxmlformats.org/officeDocument/2006/customXml" ds:itemID="{F90C152D-3CAA-46C5-B86F-62096595E648}">
   <ds:schemaRefs>
     <ds:schemaRef ds:uri="http://schemas.microsoft.com/VisualStudio/2011/storyboarding/control"/>
   </ds:schemaRefs>
 </ds:datastoreItem>
 </file>
 
-<file path=customXml/itemProps13.xml><?xml version="1.0" encoding="utf-8"?>
-<ds:datastoreItem xmlns:ds="http://schemas.openxmlformats.org/officeDocument/2006/customXml" ds:itemID="{EBE21AF8-D789-4FA2-BB2A-9182E7DD0EDF}">
+<file path=customXml/itemProps120.xml><?xml version="1.0" encoding="utf-8"?>
+<ds:datastoreItem xmlns:ds="http://schemas.openxmlformats.org/officeDocument/2006/customXml" ds:itemID="{587246EE-B1EB-4D8A-AA57-6F634C7F9AA8}">
   <ds:schemaRefs>
     <ds:schemaRef ds:uri="http://schemas.microsoft.com/VisualStudio/2011/storyboarding/control"/>
   </ds:schemaRefs>
 </ds:datastoreItem>
 </file>
 
-<file path=customXml/itemProps130.xml><?xml version="1.0" encoding="utf-8"?>
-<ds:datastoreItem xmlns:ds="http://schemas.openxmlformats.org/officeDocument/2006/customXml" ds:itemID="{1B687C08-E08C-4CAB-9785-B89C7C9939B3}">
+<file path=customXml/itemProps121.xml><?xml version="1.0" encoding="utf-8"?>
+<ds:datastoreItem xmlns:ds="http://schemas.openxmlformats.org/officeDocument/2006/customXml" ds:itemID="{99D8C946-98CC-47CF-8213-D88C7F8BDD42}">
   <ds:schemaRefs>
     <ds:schemaRef ds:uri="http://schemas.microsoft.com/VisualStudio/2011/storyboarding/control"/>
   </ds:schemaRefs>
 </ds:datastoreItem>
 </file>
 
+<file path=customXml/itemProps122.xml><?xml version="1.0" encoding="utf-8"?>
+<ds:datastoreItem xmlns:ds="http://schemas.openxmlformats.org/officeDocument/2006/customXml" ds:itemID="{B1084A88-2E95-49D1-8BE0-399B2641C01F}">
+  <ds:schemaRefs>
+    <ds:schemaRef ds:uri="http://schemas.microsoft.com/VisualStudio/2011/storyboarding/control"/>
+  </ds:schemaRefs>
+</ds:datastoreItem>
+</file>
+
+<file path=customXml/itemProps123.xml><?xml version="1.0" encoding="utf-8"?>
+<ds:datastoreItem xmlns:ds="http://schemas.openxmlformats.org/officeDocument/2006/customXml" ds:itemID="{CD65E51E-616C-494D-AFDC-C440B93A86EC}">
+  <ds:schemaRefs>
+    <ds:schemaRef ds:uri="http://schemas.microsoft.com/VisualStudio/2011/storyboarding/control"/>
+  </ds:schemaRefs>
+</ds:datastoreItem>
+</file>
+
+<file path=customXml/itemProps124.xml><?xml version="1.0" encoding="utf-8"?>
+<ds:datastoreItem xmlns:ds="http://schemas.openxmlformats.org/officeDocument/2006/customXml" ds:itemID="{D8FC25D1-9E29-4ABF-802B-E0E3FDD0D25E}">
+  <ds:schemaRefs>
+    <ds:schemaRef ds:uri="http://schemas.microsoft.com/VisualStudio/2011/storyboarding/control"/>
+  </ds:schemaRefs>
+</ds:datastoreItem>
+</file>
+
+<file path=customXml/itemProps125.xml><?xml version="1.0" encoding="utf-8"?>
+<ds:datastoreItem xmlns:ds="http://schemas.openxmlformats.org/officeDocument/2006/customXml" ds:itemID="{C0F76D57-1A50-48D3-9D0C-8A76E643D004}">
+  <ds:schemaRefs>
+    <ds:schemaRef ds:uri="http://schemas.microsoft.com/VisualStudio/2011/storyboarding/control"/>
+  </ds:schemaRefs>
+</ds:datastoreItem>
+</file>
+
+<file path=customXml/itemProps126.xml><?xml version="1.0" encoding="utf-8"?>
+<ds:datastoreItem xmlns:ds="http://schemas.openxmlformats.org/officeDocument/2006/customXml" ds:itemID="{D4F5461E-0C05-4D87-A41F-5658373F644E}">
+  <ds:schemaRefs>
+    <ds:schemaRef ds:uri="http://schemas.microsoft.com/VisualStudio/2011/storyboarding/control"/>
+  </ds:schemaRefs>
+</ds:datastoreItem>
+</file>
+
+<file path=customXml/itemProps127.xml><?xml version="1.0" encoding="utf-8"?>
+<ds:datastoreItem xmlns:ds="http://schemas.openxmlformats.org/officeDocument/2006/customXml" ds:itemID="{9FC6ABBD-61AF-438B-BF23-C0892232075D}">
+  <ds:schemaRefs>
+    <ds:schemaRef ds:uri="http://schemas.microsoft.com/VisualStudio/2011/storyboarding/control"/>
+  </ds:schemaRefs>
+</ds:datastoreItem>
+</file>
+
+<file path=customXml/itemProps128.xml><?xml version="1.0" encoding="utf-8"?>
+<ds:datastoreItem xmlns:ds="http://schemas.openxmlformats.org/officeDocument/2006/customXml" ds:itemID="{53E93DA6-4726-432A-BA8C-D27BFB19AC3B}">
+  <ds:schemaRefs>
+    <ds:schemaRef ds:uri="http://schemas.microsoft.com/VisualStudio/2011/storyboarding/control"/>
+  </ds:schemaRefs>
+</ds:datastoreItem>
+</file>
+
+<file path=customXml/itemProps129.xml><?xml version="1.0" encoding="utf-8"?>
+<ds:datastoreItem xmlns:ds="http://schemas.openxmlformats.org/officeDocument/2006/customXml" ds:itemID="{723CA5A4-F50C-449F-B692-264A87FE2637}">
+  <ds:schemaRefs>
+    <ds:schemaRef ds:uri="http://schemas.microsoft.com/VisualStudio/2011/storyboarding/control"/>
+  </ds:schemaRefs>
+</ds:datastoreItem>
+</file>
+
+<file path=customXml/itemProps13.xml><?xml version="1.0" encoding="utf-8"?>
+<ds:datastoreItem xmlns:ds="http://schemas.openxmlformats.org/officeDocument/2006/customXml" ds:itemID="{C5117839-F4A7-4B82-A856-D0521B8F12E0}">
+  <ds:schemaRefs>
+    <ds:schemaRef ds:uri="http://schemas.microsoft.com/VisualStudio/2011/storyboarding/control"/>
+  </ds:schemaRefs>
+</ds:datastoreItem>
+</file>
+
+<file path=customXml/itemProps130.xml><?xml version="1.0" encoding="utf-8"?>
+<ds:datastoreItem xmlns:ds="http://schemas.openxmlformats.org/officeDocument/2006/customXml" ds:itemID="{3B662B4F-B2FC-4E6D-8431-BEA711EB6822}">
+  <ds:schemaRefs>
+    <ds:schemaRef ds:uri="http://schemas.microsoft.com/VisualStudio/2011/storyboarding/control"/>
+  </ds:schemaRefs>
+</ds:datastoreItem>
+</file>
+
 <file path=customXml/itemProps131.xml><?xml version="1.0" encoding="utf-8"?>
-<ds:datastoreItem xmlns:ds="http://schemas.openxmlformats.org/officeDocument/2006/customXml" ds:itemID="{7FB06168-5510-4F1E-A95A-0BC019A40066}">
+<ds:datastoreItem xmlns:ds="http://schemas.openxmlformats.org/officeDocument/2006/customXml" ds:itemID="{595E8778-D3AF-40BF-B92E-8A7A7200877C}">
   <ds:schemaRefs>
     <ds:schemaRef ds:uri="http://schemas.microsoft.com/VisualStudio/2011/storyboarding/control"/>
   </ds:schemaRefs>
@@ -52018,6 +52040,358 @@
 </file>
 
 <file path=customXml/itemProps133.xml><?xml version="1.0" encoding="utf-8"?>
+<ds:datastoreItem xmlns:ds="http://schemas.openxmlformats.org/officeDocument/2006/customXml" ds:itemID="{7AADA535-DF55-4FC4-8642-B7AFB22C838D}">
+  <ds:schemaRefs>
+    <ds:schemaRef ds:uri="http://schemas.microsoft.com/VisualStudio/2011/storyboarding/control"/>
+  </ds:schemaRefs>
+</ds:datastoreItem>
+</file>
+
+<file path=customXml/itemProps134.xml><?xml version="1.0" encoding="utf-8"?>
+<ds:datastoreItem xmlns:ds="http://schemas.openxmlformats.org/officeDocument/2006/customXml" ds:itemID="{890DEF80-FFA1-43E9-8719-E41CB579575B}">
+  <ds:schemaRefs>
+    <ds:schemaRef ds:uri="http://schemas.microsoft.com/VisualStudio/2011/storyboarding/control"/>
+  </ds:schemaRefs>
+</ds:datastoreItem>
+</file>
+
+<file path=customXml/itemProps135.xml><?xml version="1.0" encoding="utf-8"?>
+<ds:datastoreItem xmlns:ds="http://schemas.openxmlformats.org/officeDocument/2006/customXml" ds:itemID="{72890A5B-CB5B-4F90-8F7B-4606BE9BD67D}">
+  <ds:schemaRefs>
+    <ds:schemaRef ds:uri="http://schemas.microsoft.com/VisualStudio/2011/storyboarding/control"/>
+  </ds:schemaRefs>
+</ds:datastoreItem>
+</file>
+
+<file path=customXml/itemProps136.xml><?xml version="1.0" encoding="utf-8"?>
+<ds:datastoreItem xmlns:ds="http://schemas.openxmlformats.org/officeDocument/2006/customXml" ds:itemID="{1EFFFE18-CDC2-4555-8551-DFE0773DD365}">
+  <ds:schemaRefs>
+    <ds:schemaRef ds:uri="http://schemas.microsoft.com/VisualStudio/2011/storyboarding/control"/>
+  </ds:schemaRefs>
+</ds:datastoreItem>
+</file>
+
+<file path=customXml/itemProps137.xml><?xml version="1.0" encoding="utf-8"?>
+<ds:datastoreItem xmlns:ds="http://schemas.openxmlformats.org/officeDocument/2006/customXml" ds:itemID="{EABB9B20-7E23-4F69-8ED5-EFF65F622C70}">
+  <ds:schemaRefs>
+    <ds:schemaRef ds:uri="http://schemas.microsoft.com/VisualStudio/2011/storyboarding/control"/>
+  </ds:schemaRefs>
+</ds:datastoreItem>
+</file>
+
+<file path=customXml/itemProps138.xml><?xml version="1.0" encoding="utf-8"?>
+<ds:datastoreItem xmlns:ds="http://schemas.openxmlformats.org/officeDocument/2006/customXml" ds:itemID="{A7EE2A77-BAEB-49E0-9EFD-6E89E7BF81F3}">
+  <ds:schemaRefs>
+    <ds:schemaRef ds:uri="http://schemas.microsoft.com/VisualStudio/2011/storyboarding/control"/>
+  </ds:schemaRefs>
+</ds:datastoreItem>
+</file>
+
+<file path=customXml/itemProps139.xml><?xml version="1.0" encoding="utf-8"?>
+<ds:datastoreItem xmlns:ds="http://schemas.openxmlformats.org/officeDocument/2006/customXml" ds:itemID="{685244DA-C368-418D-A32C-F9A453A7D4FE}">
+  <ds:schemaRefs>
+    <ds:schemaRef ds:uri="http://schemas.microsoft.com/VisualStudio/2011/storyboarding/control"/>
+  </ds:schemaRefs>
+</ds:datastoreItem>
+</file>
+
+<file path=customXml/itemProps14.xml><?xml version="1.0" encoding="utf-8"?>
+<ds:datastoreItem xmlns:ds="http://schemas.openxmlformats.org/officeDocument/2006/customXml" ds:itemID="{427ED9FC-5CA7-4AB4-8B46-85D17C0344D8}">
+  <ds:schemaRefs>
+    <ds:schemaRef ds:uri="http://schemas.microsoft.com/VisualStudio/2011/storyboarding/control"/>
+  </ds:schemaRefs>
+</ds:datastoreItem>
+</file>
+
+<file path=customXml/itemProps140.xml><?xml version="1.0" encoding="utf-8"?>
+<ds:datastoreItem xmlns:ds="http://schemas.openxmlformats.org/officeDocument/2006/customXml" ds:itemID="{8E138269-CA7A-4937-9FB2-0BC225AA59B4}">
+  <ds:schemaRefs>
+    <ds:schemaRef ds:uri="http://schemas.microsoft.com/VisualStudio/2011/storyboarding/control"/>
+  </ds:schemaRefs>
+</ds:datastoreItem>
+</file>
+
+<file path=customXml/itemProps141.xml><?xml version="1.0" encoding="utf-8"?>
+<ds:datastoreItem xmlns:ds="http://schemas.openxmlformats.org/officeDocument/2006/customXml" ds:itemID="{747F2B94-BD0E-4A90-8769-1D673480235D}">
+  <ds:schemaRefs>
+    <ds:schemaRef ds:uri="http://schemas.microsoft.com/VisualStudio/2011/storyboarding/control"/>
+  </ds:schemaRefs>
+</ds:datastoreItem>
+</file>
+
+<file path=customXml/itemProps142.xml><?xml version="1.0" encoding="utf-8"?>
+<ds:datastoreItem xmlns:ds="http://schemas.openxmlformats.org/officeDocument/2006/customXml" ds:itemID="{69BFF86F-06A7-4D48-8771-1DAE4A03E31B}">
+  <ds:schemaRefs>
+    <ds:schemaRef ds:uri="http://schemas.microsoft.com/VisualStudio/2011/storyboarding/control"/>
+  </ds:schemaRefs>
+</ds:datastoreItem>
+</file>
+
+<file path=customXml/itemProps143.xml><?xml version="1.0" encoding="utf-8"?>
+<ds:datastoreItem xmlns:ds="http://schemas.openxmlformats.org/officeDocument/2006/customXml" ds:itemID="{0AB873FC-AD1A-4205-9A0B-AAA1E4E7C39C}">
+  <ds:schemaRefs>
+    <ds:schemaRef ds:uri="http://schemas.microsoft.com/VisualStudio/2011/storyboarding/control"/>
+  </ds:schemaRefs>
+</ds:datastoreItem>
+</file>
+
+<file path=customXml/itemProps144.xml><?xml version="1.0" encoding="utf-8"?>
+<ds:datastoreItem xmlns:ds="http://schemas.openxmlformats.org/officeDocument/2006/customXml" ds:itemID="{ACB067FF-DDF3-4872-9681-101A6334ED46}">
+  <ds:schemaRefs>
+    <ds:schemaRef ds:uri="http://schemas.microsoft.com/VisualStudio/2011/storyboarding/control"/>
+  </ds:schemaRefs>
+</ds:datastoreItem>
+</file>
+
+<file path=customXml/itemProps145.xml><?xml version="1.0" encoding="utf-8"?>
+<ds:datastoreItem xmlns:ds="http://schemas.openxmlformats.org/officeDocument/2006/customXml" ds:itemID="{F8E37B11-D718-4A09-9C63-9146C6580532}">
+  <ds:schemaRefs>
+    <ds:schemaRef ds:uri="http://schemas.microsoft.com/VisualStudio/2011/storyboarding/control"/>
+  </ds:schemaRefs>
+</ds:datastoreItem>
+</file>
+
+<file path=customXml/itemProps146.xml><?xml version="1.0" encoding="utf-8"?>
+<ds:datastoreItem xmlns:ds="http://schemas.openxmlformats.org/officeDocument/2006/customXml" ds:itemID="{DBD59AB3-A581-480E-AC75-78A50BD8D635}">
+  <ds:schemaRefs>
+    <ds:schemaRef ds:uri="http://schemas.microsoft.com/VisualStudio/2011/storyboarding/control"/>
+  </ds:schemaRefs>
+</ds:datastoreItem>
+</file>
+
+<file path=customXml/itemProps147.xml><?xml version="1.0" encoding="utf-8"?>
+<ds:datastoreItem xmlns:ds="http://schemas.openxmlformats.org/officeDocument/2006/customXml" ds:itemID="{7B7B41A2-0EFC-49A6-9B0C-0A4A02550E75}">
+  <ds:schemaRefs>
+    <ds:schemaRef ds:uri="http://schemas.microsoft.com/VisualStudio/2011/storyboarding/control"/>
+  </ds:schemaRefs>
+</ds:datastoreItem>
+</file>
+
+<file path=customXml/itemProps148.xml><?xml version="1.0" encoding="utf-8"?>
+<ds:datastoreItem xmlns:ds="http://schemas.openxmlformats.org/officeDocument/2006/customXml" ds:itemID="{05D254E5-C733-4F26-B7D0-3470DDF138B2}">
+  <ds:schemaRefs>
+    <ds:schemaRef ds:uri="http://schemas.microsoft.com/VisualStudio/2011/storyboarding/control"/>
+  </ds:schemaRefs>
+</ds:datastoreItem>
+</file>
+
+<file path=customXml/itemProps149.xml><?xml version="1.0" encoding="utf-8"?>
+<ds:datastoreItem xmlns:ds="http://schemas.openxmlformats.org/officeDocument/2006/customXml" ds:itemID="{7C878703-4097-4DF2-9C1B-901EACC2FEA7}">
+  <ds:schemaRefs>
+    <ds:schemaRef ds:uri="http://schemas.microsoft.com/VisualStudio/2011/storyboarding/control"/>
+  </ds:schemaRefs>
+</ds:datastoreItem>
+</file>
+
+<file path=customXml/itemProps15.xml><?xml version="1.0" encoding="utf-8"?>
+<ds:datastoreItem xmlns:ds="http://schemas.openxmlformats.org/officeDocument/2006/customXml" ds:itemID="{130B0D62-A038-42FA-9EC7-A683DBD51592}">
+  <ds:schemaRefs>
+    <ds:schemaRef ds:uri="http://schemas.microsoft.com/VisualStudio/2011/storyboarding/control"/>
+  </ds:schemaRefs>
+</ds:datastoreItem>
+</file>
+
+<file path=customXml/itemProps150.xml><?xml version="1.0" encoding="utf-8"?>
+<ds:datastoreItem xmlns:ds="http://schemas.openxmlformats.org/officeDocument/2006/customXml" ds:itemID="{9BE44C23-4C8D-48E8-9A5B-EB6D7F66928E}">
+  <ds:schemaRefs>
+    <ds:schemaRef ds:uri="http://schemas.microsoft.com/VisualStudio/2011/storyboarding/control"/>
+  </ds:schemaRefs>
+</ds:datastoreItem>
+</file>
+
+<file path=customXml/itemProps151.xml><?xml version="1.0" encoding="utf-8"?>
+<ds:datastoreItem xmlns:ds="http://schemas.openxmlformats.org/officeDocument/2006/customXml" ds:itemID="{B0E5354C-A49C-4922-86D1-4AEAB0AB2035}">
+  <ds:schemaRefs>
+    <ds:schemaRef ds:uri="http://schemas.microsoft.com/VisualStudio/2011/storyboarding/control"/>
+  </ds:schemaRefs>
+</ds:datastoreItem>
+</file>
+
+<file path=customXml/itemProps152.xml><?xml version="1.0" encoding="utf-8"?>
+<ds:datastoreItem xmlns:ds="http://schemas.openxmlformats.org/officeDocument/2006/customXml" ds:itemID="{BC8B6607-4705-4D34-89B0-6B167C78D3EE}">
+  <ds:schemaRefs>
+    <ds:schemaRef ds:uri="http://schemas.microsoft.com/VisualStudio/2011/storyboarding/control"/>
+  </ds:schemaRefs>
+</ds:datastoreItem>
+</file>
+
+<file path=customXml/itemProps153.xml><?xml version="1.0" encoding="utf-8"?>
+<ds:datastoreItem xmlns:ds="http://schemas.openxmlformats.org/officeDocument/2006/customXml" ds:itemID="{A2A45F7D-E94E-4416-805D-F9FE9026D0C1}">
+  <ds:schemaRefs>
+    <ds:schemaRef ds:uri="http://schemas.microsoft.com/VisualStudio/2011/storyboarding/control"/>
+  </ds:schemaRefs>
+</ds:datastoreItem>
+</file>
+
+<file path=customXml/itemProps154.xml><?xml version="1.0" encoding="utf-8"?>
+<ds:datastoreItem xmlns:ds="http://schemas.openxmlformats.org/officeDocument/2006/customXml" ds:itemID="{610B635F-8480-423C-AA0A-1992CCE886DC}">
+  <ds:schemaRefs>
+    <ds:schemaRef ds:uri="http://schemas.microsoft.com/VisualStudio/2011/storyboarding/control"/>
+  </ds:schemaRefs>
+</ds:datastoreItem>
+</file>
+
+<file path=customXml/itemProps155.xml><?xml version="1.0" encoding="utf-8"?>
+<ds:datastoreItem xmlns:ds="http://schemas.openxmlformats.org/officeDocument/2006/customXml" ds:itemID="{036A8109-61D9-4038-A0A5-52AECAB01D5B}">
+  <ds:schemaRefs>
+    <ds:schemaRef ds:uri="http://schemas.microsoft.com/VisualStudio/2011/storyboarding/control"/>
+  </ds:schemaRefs>
+</ds:datastoreItem>
+</file>
+
+<file path=customXml/itemProps156.xml><?xml version="1.0" encoding="utf-8"?>
+<ds:datastoreItem xmlns:ds="http://schemas.openxmlformats.org/officeDocument/2006/customXml" ds:itemID="{9E1A3BE5-5171-4489-BCAE-D50E4242518F}">
+  <ds:schemaRefs>
+    <ds:schemaRef ds:uri="http://schemas.microsoft.com/VisualStudio/2011/storyboarding/control"/>
+  </ds:schemaRefs>
+</ds:datastoreItem>
+</file>
+
+<file path=customXml/itemProps157.xml><?xml version="1.0" encoding="utf-8"?>
+<ds:datastoreItem xmlns:ds="http://schemas.openxmlformats.org/officeDocument/2006/customXml" ds:itemID="{5BB68A2C-F94D-41D8-A0F2-E69D9D86C058}">
+  <ds:schemaRefs>
+    <ds:schemaRef ds:uri="http://schemas.microsoft.com/VisualStudio/2011/storyboarding/control"/>
+  </ds:schemaRefs>
+</ds:datastoreItem>
+</file>
+
+<file path=customXml/itemProps158.xml><?xml version="1.0" encoding="utf-8"?>
+<ds:datastoreItem xmlns:ds="http://schemas.openxmlformats.org/officeDocument/2006/customXml" ds:itemID="{84384FBA-7E29-41FC-B430-1BB08FE5D226}">
+  <ds:schemaRefs>
+    <ds:schemaRef ds:uri="http://schemas.microsoft.com/VisualStudio/2011/storyboarding/control"/>
+  </ds:schemaRefs>
+</ds:datastoreItem>
+</file>
+
+<file path=customXml/itemProps159.xml><?xml version="1.0" encoding="utf-8"?>
+<ds:datastoreItem xmlns:ds="http://schemas.openxmlformats.org/officeDocument/2006/customXml" ds:itemID="{D245BE53-4D17-4313-9C28-1F775C81FB78}">
+  <ds:schemaRefs>
+    <ds:schemaRef ds:uri="http://schemas.microsoft.com/VisualStudio/2011/storyboarding/control"/>
+  </ds:schemaRefs>
+</ds:datastoreItem>
+</file>
+
+<file path=customXml/itemProps16.xml><?xml version="1.0" encoding="utf-8"?>
+<ds:datastoreItem xmlns:ds="http://schemas.openxmlformats.org/officeDocument/2006/customXml" ds:itemID="{000F894D-E16E-4805-9F87-22AD59B8ABD4}">
+  <ds:schemaRefs>
+    <ds:schemaRef ds:uri="http://schemas.microsoft.com/VisualStudio/2011/storyboarding/control"/>
+  </ds:schemaRefs>
+</ds:datastoreItem>
+</file>
+
+<file path=customXml/itemProps160.xml><?xml version="1.0" encoding="utf-8"?>
+<ds:datastoreItem xmlns:ds="http://schemas.openxmlformats.org/officeDocument/2006/customXml" ds:itemID="{1D374821-B26D-474F-AAAC-8B2753C3C543}">
+  <ds:schemaRefs>
+    <ds:schemaRef ds:uri="http://schemas.microsoft.com/VisualStudio/2011/storyboarding/control"/>
+  </ds:schemaRefs>
+</ds:datastoreItem>
+</file>
+
+<file path=customXml/itemProps161.xml><?xml version="1.0" encoding="utf-8"?>
+<ds:datastoreItem xmlns:ds="http://schemas.openxmlformats.org/officeDocument/2006/customXml" ds:itemID="{CC857A17-0BE5-4DD7-9114-92BA1AD28C99}">
+  <ds:schemaRefs>
+    <ds:schemaRef ds:uri="http://schemas.microsoft.com/VisualStudio/2011/storyboarding/control"/>
+  </ds:schemaRefs>
+</ds:datastoreItem>
+</file>
+
+<file path=customXml/itemProps162.xml><?xml version="1.0" encoding="utf-8"?>
+<ds:datastoreItem xmlns:ds="http://schemas.openxmlformats.org/officeDocument/2006/customXml" ds:itemID="{36019CF9-0543-44E1-8B18-E31FF66414A5}">
+  <ds:schemaRefs>
+    <ds:schemaRef ds:uri="http://schemas.microsoft.com/VisualStudio/2011/storyboarding/control"/>
+  </ds:schemaRefs>
+</ds:datastoreItem>
+</file>
+
+<file path=customXml/itemProps163.xml><?xml version="1.0" encoding="utf-8"?>
+<ds:datastoreItem xmlns:ds="http://schemas.openxmlformats.org/officeDocument/2006/customXml" ds:itemID="{941802C7-C3BA-4624-AFA0-971FBF103A94}">
+  <ds:schemaRefs>
+    <ds:schemaRef ds:uri="http://schemas.microsoft.com/VisualStudio/2011/storyboarding/control"/>
+  </ds:schemaRefs>
+</ds:datastoreItem>
+</file>
+
+<file path=customXml/itemProps164.xml><?xml version="1.0" encoding="utf-8"?>
+<ds:datastoreItem xmlns:ds="http://schemas.openxmlformats.org/officeDocument/2006/customXml" ds:itemID="{0A4B8756-51F0-4FE1-9825-67DD5C08C03B}">
+  <ds:schemaRefs>
+    <ds:schemaRef ds:uri="http://schemas.microsoft.com/VisualStudio/2011/storyboarding/control"/>
+  </ds:schemaRefs>
+</ds:datastoreItem>
+</file>
+
+<file path=customXml/itemProps165.xml><?xml version="1.0" encoding="utf-8"?>
+<ds:datastoreItem xmlns:ds="http://schemas.openxmlformats.org/officeDocument/2006/customXml" ds:itemID="{D1E1932A-A453-4E26-A6D2-CC36EEC91325}">
+  <ds:schemaRefs>
+    <ds:schemaRef ds:uri="http://schemas.microsoft.com/VisualStudio/2011/storyboarding/control"/>
+  </ds:schemaRefs>
+</ds:datastoreItem>
+</file>
+
+<file path=customXml/itemProps166.xml><?xml version="1.0" encoding="utf-8"?>
+<ds:datastoreItem xmlns:ds="http://schemas.openxmlformats.org/officeDocument/2006/customXml" ds:itemID="{7B12DBBD-A17E-4491-989E-5B0EA56962FD}">
+  <ds:schemaRefs>
+    <ds:schemaRef ds:uri="http://schemas.microsoft.com/VisualStudio/2011/storyboarding/control"/>
+  </ds:schemaRefs>
+</ds:datastoreItem>
+</file>
+
+<file path=customXml/itemProps167.xml><?xml version="1.0" encoding="utf-8"?>
+<ds:datastoreItem xmlns:ds="http://schemas.openxmlformats.org/officeDocument/2006/customXml" ds:itemID="{429C143E-6D80-45C3-8D80-5B5F552A727F}">
+  <ds:schemaRefs>
+    <ds:schemaRef ds:uri="http://schemas.microsoft.com/VisualStudio/2011/storyboarding/control"/>
+  </ds:schemaRefs>
+</ds:datastoreItem>
+</file>
+
+<file path=customXml/itemProps168.xml><?xml version="1.0" encoding="utf-8"?>
+<ds:datastoreItem xmlns:ds="http://schemas.openxmlformats.org/officeDocument/2006/customXml" ds:itemID="{ACC69CC3-ECDE-45B0-9C4D-9D41099E10AB}">
+  <ds:schemaRefs>
+    <ds:schemaRef ds:uri="http://schemas.microsoft.com/VisualStudio/2011/storyboarding/control"/>
+  </ds:schemaRefs>
+</ds:datastoreItem>
+</file>
+
+<file path=customXml/itemProps169.xml><?xml version="1.0" encoding="utf-8"?>
+<ds:datastoreItem xmlns:ds="http://schemas.openxmlformats.org/officeDocument/2006/customXml" ds:itemID="{C4D9031B-8825-425E-990A-D7D6281027CA}">
+  <ds:schemaRefs>
+    <ds:schemaRef ds:uri="http://schemas.microsoft.com/VisualStudio/2011/storyboarding/control"/>
+  </ds:schemaRefs>
+</ds:datastoreItem>
+</file>
+
+<file path=customXml/itemProps17.xml><?xml version="1.0" encoding="utf-8"?>
+<ds:datastoreItem xmlns:ds="http://schemas.openxmlformats.org/officeDocument/2006/customXml" ds:itemID="{53091692-30A5-4A55-BED0-76183EA12C30}">
+  <ds:schemaRefs>
+    <ds:schemaRef ds:uri="http://schemas.microsoft.com/VisualStudio/2011/storyboarding/control"/>
+  </ds:schemaRefs>
+</ds:datastoreItem>
+</file>
+
+<file path=customXml/itemProps170.xml><?xml version="1.0" encoding="utf-8"?>
+<ds:datastoreItem xmlns:ds="http://schemas.openxmlformats.org/officeDocument/2006/customXml" ds:itemID="{067DF90F-FC50-447F-B7A2-972F6FB2AA3D}">
+  <ds:schemaRefs>
+    <ds:schemaRef ds:uri="http://schemas.microsoft.com/VisualStudio/2011/storyboarding/control"/>
+  </ds:schemaRefs>
+</ds:datastoreItem>
+</file>
+
+<file path=customXml/itemProps171.xml><?xml version="1.0" encoding="utf-8"?>
+<ds:datastoreItem xmlns:ds="http://schemas.openxmlformats.org/officeDocument/2006/customXml" ds:itemID="{60CD00D4-06F4-4726-B57E-7BCF272D766B}">
+  <ds:schemaRefs>
+    <ds:schemaRef ds:uri="http://schemas.microsoft.com/VisualStudio/2011/storyboarding/control"/>
+  </ds:schemaRefs>
+</ds:datastoreItem>
+</file>
+
+<file path=customXml/itemProps172.xml><?xml version="1.0" encoding="utf-8"?>
+<ds:datastoreItem xmlns:ds="http://schemas.openxmlformats.org/officeDocument/2006/customXml" ds:itemID="{F03E6151-DFC5-424F-B7C7-7EE059820854}">
+  <ds:schemaRefs>
+    <ds:schemaRef ds:uri="http://schemas.microsoft.com/VisualStudio/2011/storyboarding/control"/>
+  </ds:schemaRefs>
+</ds:datastoreItem>
+</file>
+
+<file path=customXml/itemProps173.xml><?xml version="1.0" encoding="utf-8"?>
 <ds:datastoreItem xmlns:ds="http://schemas.openxmlformats.org/officeDocument/2006/customXml" ds:itemID="{0B5C82AE-F11F-4A8B-937E-571E25B77282}">
   <ds:schemaRefs>
     <ds:schemaRef ds:uri="http://schemas.microsoft.com/VisualStudio/2011/storyboarding/control"/>
@@ -52025,360 +52399,8 @@
 </ds:datastoreItem>
 </file>
 
-<file path=customXml/itemProps134.xml><?xml version="1.0" encoding="utf-8"?>
-<ds:datastoreItem xmlns:ds="http://schemas.openxmlformats.org/officeDocument/2006/customXml" ds:itemID="{0BA93A88-FD9D-4409-98F6-AB9884772835}">
-  <ds:schemaRefs>
-    <ds:schemaRef ds:uri="http://schemas.microsoft.com/VisualStudio/2011/storyboarding/control"/>
-  </ds:schemaRefs>
-</ds:datastoreItem>
-</file>
-
-<file path=customXml/itemProps135.xml><?xml version="1.0" encoding="utf-8"?>
-<ds:datastoreItem xmlns:ds="http://schemas.openxmlformats.org/officeDocument/2006/customXml" ds:itemID="{F9339B3B-2530-471C-B406-992C70D9BD34}">
-  <ds:schemaRefs>
-    <ds:schemaRef ds:uri="http://schemas.microsoft.com/VisualStudio/2011/storyboarding/control"/>
-  </ds:schemaRefs>
-</ds:datastoreItem>
-</file>
-
-<file path=customXml/itemProps136.xml><?xml version="1.0" encoding="utf-8"?>
-<ds:datastoreItem xmlns:ds="http://schemas.openxmlformats.org/officeDocument/2006/customXml" ds:itemID="{E122DFB9-543A-4200-A2BA-1912699A7065}">
-  <ds:schemaRefs>
-    <ds:schemaRef ds:uri="http://schemas.microsoft.com/VisualStudio/2011/storyboarding/control"/>
-  </ds:schemaRefs>
-</ds:datastoreItem>
-</file>
-
-<file path=customXml/itemProps137.xml><?xml version="1.0" encoding="utf-8"?>
-<ds:datastoreItem xmlns:ds="http://schemas.openxmlformats.org/officeDocument/2006/customXml" ds:itemID="{EF0E9FE0-6566-49BC-A80B-F3C0C6151F37}">
-  <ds:schemaRefs>
-    <ds:schemaRef ds:uri="http://schemas.microsoft.com/VisualStudio/2011/storyboarding/control"/>
-  </ds:schemaRefs>
-</ds:datastoreItem>
-</file>
-
-<file path=customXml/itemProps138.xml><?xml version="1.0" encoding="utf-8"?>
-<ds:datastoreItem xmlns:ds="http://schemas.openxmlformats.org/officeDocument/2006/customXml" ds:itemID="{869663FB-CA04-4AEA-AF91-E2F1F2552613}">
-  <ds:schemaRefs>
-    <ds:schemaRef ds:uri="http://schemas.microsoft.com/VisualStudio/2011/storyboarding/control"/>
-  </ds:schemaRefs>
-</ds:datastoreItem>
-</file>
-
-<file path=customXml/itemProps139.xml><?xml version="1.0" encoding="utf-8"?>
-<ds:datastoreItem xmlns:ds="http://schemas.openxmlformats.org/officeDocument/2006/customXml" ds:itemID="{CD6634DE-230E-40BB-80A1-D5194032F61F}">
-  <ds:schemaRefs>
-    <ds:schemaRef ds:uri="http://schemas.microsoft.com/VisualStudio/2011/storyboarding/control"/>
-  </ds:schemaRefs>
-</ds:datastoreItem>
-</file>
-
-<file path=customXml/itemProps14.xml><?xml version="1.0" encoding="utf-8"?>
-<ds:datastoreItem xmlns:ds="http://schemas.openxmlformats.org/officeDocument/2006/customXml" ds:itemID="{FE38110B-75C1-4526-B407-10088BE5AA45}">
-  <ds:schemaRefs>
-    <ds:schemaRef ds:uri="http://schemas.microsoft.com/VisualStudio/2011/storyboarding/control"/>
-  </ds:schemaRefs>
-</ds:datastoreItem>
-</file>
-
-<file path=customXml/itemProps140.xml><?xml version="1.0" encoding="utf-8"?>
-<ds:datastoreItem xmlns:ds="http://schemas.openxmlformats.org/officeDocument/2006/customXml" ds:itemID="{C525BE8E-83E6-45C6-AFBC-894F7F4709C9}">
-  <ds:schemaRefs>
-    <ds:schemaRef ds:uri="http://schemas.microsoft.com/VisualStudio/2011/storyboarding/control"/>
-  </ds:schemaRefs>
-</ds:datastoreItem>
-</file>
-
-<file path=customXml/itemProps141.xml><?xml version="1.0" encoding="utf-8"?>
-<ds:datastoreItem xmlns:ds="http://schemas.openxmlformats.org/officeDocument/2006/customXml" ds:itemID="{4AF09C12-A1A4-4428-8CE4-3008874B209D}">
-  <ds:schemaRefs>
-    <ds:schemaRef ds:uri="http://schemas.microsoft.com/VisualStudio/2011/storyboarding/control"/>
-  </ds:schemaRefs>
-</ds:datastoreItem>
-</file>
-
-<file path=customXml/itemProps142.xml><?xml version="1.0" encoding="utf-8"?>
-<ds:datastoreItem xmlns:ds="http://schemas.openxmlformats.org/officeDocument/2006/customXml" ds:itemID="{C904A63E-B4F8-4F66-AAA5-D77CB9D7C19B}">
-  <ds:schemaRefs>
-    <ds:schemaRef ds:uri="http://schemas.microsoft.com/VisualStudio/2011/storyboarding/control"/>
-  </ds:schemaRefs>
-</ds:datastoreItem>
-</file>
-
-<file path=customXml/itemProps143.xml><?xml version="1.0" encoding="utf-8"?>
-<ds:datastoreItem xmlns:ds="http://schemas.openxmlformats.org/officeDocument/2006/customXml" ds:itemID="{A2A45F7D-E94E-4416-805D-F9FE9026D0C1}">
-  <ds:schemaRefs>
-    <ds:schemaRef ds:uri="http://schemas.microsoft.com/VisualStudio/2011/storyboarding/control"/>
-  </ds:schemaRefs>
-</ds:datastoreItem>
-</file>
-
-<file path=customXml/itemProps144.xml><?xml version="1.0" encoding="utf-8"?>
-<ds:datastoreItem xmlns:ds="http://schemas.openxmlformats.org/officeDocument/2006/customXml" ds:itemID="{7CECF6CE-60F8-4CD3-A042-C3FBF6B1CD82}">
-  <ds:schemaRefs>
-    <ds:schemaRef ds:uri="http://schemas.microsoft.com/VisualStudio/2011/storyboarding/control"/>
-  </ds:schemaRefs>
-</ds:datastoreItem>
-</file>
-
-<file path=customXml/itemProps145.xml><?xml version="1.0" encoding="utf-8"?>
-<ds:datastoreItem xmlns:ds="http://schemas.openxmlformats.org/officeDocument/2006/customXml" ds:itemID="{96CF5F03-DBCA-4C9E-BD76-BE444136E2F8}">
-  <ds:schemaRefs>
-    <ds:schemaRef ds:uri="http://schemas.microsoft.com/VisualStudio/2011/storyboarding/control"/>
-  </ds:schemaRefs>
-</ds:datastoreItem>
-</file>
-
-<file path=customXml/itemProps146.xml><?xml version="1.0" encoding="utf-8"?>
-<ds:datastoreItem xmlns:ds="http://schemas.openxmlformats.org/officeDocument/2006/customXml" ds:itemID="{DACF65FA-EFDA-4966-84D3-E77BB6011A0E}">
-  <ds:schemaRefs>
-    <ds:schemaRef ds:uri="http://schemas.microsoft.com/VisualStudio/2011/storyboarding/control"/>
-  </ds:schemaRefs>
-</ds:datastoreItem>
-</file>
-
-<file path=customXml/itemProps147.xml><?xml version="1.0" encoding="utf-8"?>
-<ds:datastoreItem xmlns:ds="http://schemas.openxmlformats.org/officeDocument/2006/customXml" ds:itemID="{8657ADC1-E960-48DC-919F-B8C8C0DE04B6}">
-  <ds:schemaRefs>
-    <ds:schemaRef ds:uri="http://schemas.microsoft.com/VisualStudio/2011/storyboarding/control"/>
-  </ds:schemaRefs>
-</ds:datastoreItem>
-</file>
-
-<file path=customXml/itemProps148.xml><?xml version="1.0" encoding="utf-8"?>
-<ds:datastoreItem xmlns:ds="http://schemas.openxmlformats.org/officeDocument/2006/customXml" ds:itemID="{451BA158-56CC-46C7-A9AB-D749552AC8EA}">
-  <ds:schemaRefs>
-    <ds:schemaRef ds:uri="http://schemas.microsoft.com/VisualStudio/2011/storyboarding/control"/>
-  </ds:schemaRefs>
-</ds:datastoreItem>
-</file>
-
-<file path=customXml/itemProps149.xml><?xml version="1.0" encoding="utf-8"?>
-<ds:datastoreItem xmlns:ds="http://schemas.openxmlformats.org/officeDocument/2006/customXml" ds:itemID="{2ABA8A7A-A184-4293-9C51-794EA370955F}">
-  <ds:schemaRefs>
-    <ds:schemaRef ds:uri="http://schemas.microsoft.com/VisualStudio/2011/storyboarding/control"/>
-  </ds:schemaRefs>
-</ds:datastoreItem>
-</file>
-
-<file path=customXml/itemProps15.xml><?xml version="1.0" encoding="utf-8"?>
-<ds:datastoreItem xmlns:ds="http://schemas.openxmlformats.org/officeDocument/2006/customXml" ds:itemID="{69BFF86F-06A7-4D48-8771-1DAE4A03E31B}">
-  <ds:schemaRefs>
-    <ds:schemaRef ds:uri="http://schemas.microsoft.com/VisualStudio/2011/storyboarding/control"/>
-  </ds:schemaRefs>
-</ds:datastoreItem>
-</file>
-
-<file path=customXml/itemProps150.xml><?xml version="1.0" encoding="utf-8"?>
-<ds:datastoreItem xmlns:ds="http://schemas.openxmlformats.org/officeDocument/2006/customXml" ds:itemID="{000F894D-E16E-4805-9F87-22AD59B8ABD4}">
-  <ds:schemaRefs>
-    <ds:schemaRef ds:uri="http://schemas.microsoft.com/VisualStudio/2011/storyboarding/control"/>
-  </ds:schemaRefs>
-</ds:datastoreItem>
-</file>
-
-<file path=customXml/itemProps151.xml><?xml version="1.0" encoding="utf-8"?>
-<ds:datastoreItem xmlns:ds="http://schemas.openxmlformats.org/officeDocument/2006/customXml" ds:itemID="{2D56DA33-76AB-4E77-8ADC-569F2EF7D484}">
-  <ds:schemaRefs>
-    <ds:schemaRef ds:uri="http://schemas.microsoft.com/VisualStudio/2011/storyboarding/control"/>
-  </ds:schemaRefs>
-</ds:datastoreItem>
-</file>
-
-<file path=customXml/itemProps152.xml><?xml version="1.0" encoding="utf-8"?>
-<ds:datastoreItem xmlns:ds="http://schemas.openxmlformats.org/officeDocument/2006/customXml" ds:itemID="{570D2175-1F71-485A-B816-2BE874FDACEB}">
-  <ds:schemaRefs>
-    <ds:schemaRef ds:uri="http://schemas.microsoft.com/VisualStudio/2011/storyboarding/control"/>
-  </ds:schemaRefs>
-</ds:datastoreItem>
-</file>
-
-<file path=customXml/itemProps153.xml><?xml version="1.0" encoding="utf-8"?>
-<ds:datastoreItem xmlns:ds="http://schemas.openxmlformats.org/officeDocument/2006/customXml" ds:itemID="{7AADA535-DF55-4FC4-8642-B7AFB22C838D}">
-  <ds:schemaRefs>
-    <ds:schemaRef ds:uri="http://schemas.microsoft.com/VisualStudio/2011/storyboarding/control"/>
-  </ds:schemaRefs>
-</ds:datastoreItem>
-</file>
-
-<file path=customXml/itemProps154.xml><?xml version="1.0" encoding="utf-8"?>
+<file path=customXml/itemProps174.xml><?xml version="1.0" encoding="utf-8"?>
 <ds:datastoreItem xmlns:ds="http://schemas.openxmlformats.org/officeDocument/2006/customXml" ds:itemID="{695CA034-6E0A-4179-8E5E-5D940F76B689}">
-  <ds:schemaRefs>
-    <ds:schemaRef ds:uri="http://schemas.microsoft.com/VisualStudio/2011/storyboarding/control"/>
-  </ds:schemaRefs>
-</ds:datastoreItem>
-</file>
-
-<file path=customXml/itemProps155.xml><?xml version="1.0" encoding="utf-8"?>
-<ds:datastoreItem xmlns:ds="http://schemas.openxmlformats.org/officeDocument/2006/customXml" ds:itemID="{37A16EBE-AACB-481D-9E94-9F2642B15CAD}">
-  <ds:schemaRefs>
-    <ds:schemaRef ds:uri="http://schemas.microsoft.com/VisualStudio/2011/storyboarding/control"/>
-  </ds:schemaRefs>
-</ds:datastoreItem>
-</file>
-
-<file path=customXml/itemProps156.xml><?xml version="1.0" encoding="utf-8"?>
-<ds:datastoreItem xmlns:ds="http://schemas.openxmlformats.org/officeDocument/2006/customXml" ds:itemID="{B9ACC237-3BC2-4960-A01D-293ACA3FE023}">
-  <ds:schemaRefs>
-    <ds:schemaRef ds:uri="http://schemas.microsoft.com/VisualStudio/2011/storyboarding/control"/>
-  </ds:schemaRefs>
-</ds:datastoreItem>
-</file>
-
-<file path=customXml/itemProps157.xml><?xml version="1.0" encoding="utf-8"?>
-<ds:datastoreItem xmlns:ds="http://schemas.openxmlformats.org/officeDocument/2006/customXml" ds:itemID="{DFC4BA27-EE3A-4A28-A4A7-7B1E76E7DBB3}">
-  <ds:schemaRefs>
-    <ds:schemaRef ds:uri="http://schemas.microsoft.com/VisualStudio/2011/storyboarding/control"/>
-  </ds:schemaRefs>
-</ds:datastoreItem>
-</file>
-
-<file path=customXml/itemProps158.xml><?xml version="1.0" encoding="utf-8"?>
-<ds:datastoreItem xmlns:ds="http://schemas.openxmlformats.org/officeDocument/2006/customXml" ds:itemID="{ACAC4340-9ABF-4D69-B98A-AE03B48E083A}">
-  <ds:schemaRefs>
-    <ds:schemaRef ds:uri="http://schemas.microsoft.com/VisualStudio/2011/storyboarding/control"/>
-  </ds:schemaRefs>
-</ds:datastoreItem>
-</file>
-
-<file path=customXml/itemProps159.xml><?xml version="1.0" encoding="utf-8"?>
-<ds:datastoreItem xmlns:ds="http://schemas.openxmlformats.org/officeDocument/2006/customXml" ds:itemID="{8A59CCF0-E160-4F82-8A0B-2DF6BFC64177}">
-  <ds:schemaRefs>
-    <ds:schemaRef ds:uri="http://schemas.microsoft.com/VisualStudio/2011/storyboarding/control"/>
-  </ds:schemaRefs>
-</ds:datastoreItem>
-</file>
-
-<file path=customXml/itemProps16.xml><?xml version="1.0" encoding="utf-8"?>
-<ds:datastoreItem xmlns:ds="http://schemas.openxmlformats.org/officeDocument/2006/customXml" ds:itemID="{88126D4B-13D1-4C6C-9BFD-97F950142FCF}">
-  <ds:schemaRefs>
-    <ds:schemaRef ds:uri="http://schemas.microsoft.com/VisualStudio/2011/storyboarding/control"/>
-  </ds:schemaRefs>
-</ds:datastoreItem>
-</file>
-
-<file path=customXml/itemProps160.xml><?xml version="1.0" encoding="utf-8"?>
-<ds:datastoreItem xmlns:ds="http://schemas.openxmlformats.org/officeDocument/2006/customXml" ds:itemID="{55399AF1-A6FB-4AD6-BFBD-3CAB1D44C75B}">
-  <ds:schemaRefs>
-    <ds:schemaRef ds:uri="http://schemas.microsoft.com/VisualStudio/2011/storyboarding/control"/>
-  </ds:schemaRefs>
-</ds:datastoreItem>
-</file>
-
-<file path=customXml/itemProps161.xml><?xml version="1.0" encoding="utf-8"?>
-<ds:datastoreItem xmlns:ds="http://schemas.openxmlformats.org/officeDocument/2006/customXml" ds:itemID="{90EAA474-3AB7-487A-9079-9B0AE873626F}">
-  <ds:schemaRefs>
-    <ds:schemaRef ds:uri="http://schemas.microsoft.com/VisualStudio/2011/storyboarding/control"/>
-  </ds:schemaRefs>
-</ds:datastoreItem>
-</file>
-
-<file path=customXml/itemProps162.xml><?xml version="1.0" encoding="utf-8"?>
-<ds:datastoreItem xmlns:ds="http://schemas.openxmlformats.org/officeDocument/2006/customXml" ds:itemID="{2BFF45F9-38F3-46D7-AE6B-1A4D08A6B0E5}">
-  <ds:schemaRefs>
-    <ds:schemaRef ds:uri="http://schemas.microsoft.com/VisualStudio/2011/storyboarding/control"/>
-  </ds:schemaRefs>
-</ds:datastoreItem>
-</file>
-
-<file path=customXml/itemProps163.xml><?xml version="1.0" encoding="utf-8"?>
-<ds:datastoreItem xmlns:ds="http://schemas.openxmlformats.org/officeDocument/2006/customXml" ds:itemID="{67E3185C-0A09-41B8-B3E1-C164556F673F}">
-  <ds:schemaRefs>
-    <ds:schemaRef ds:uri="http://schemas.microsoft.com/VisualStudio/2011/storyboarding/control"/>
-  </ds:schemaRefs>
-</ds:datastoreItem>
-</file>
-
-<file path=customXml/itemProps164.xml><?xml version="1.0" encoding="utf-8"?>
-<ds:datastoreItem xmlns:ds="http://schemas.openxmlformats.org/officeDocument/2006/customXml" ds:itemID="{610B635F-8480-423C-AA0A-1992CCE886DC}">
-  <ds:schemaRefs>
-    <ds:schemaRef ds:uri="http://schemas.microsoft.com/VisualStudio/2011/storyboarding/control"/>
-  </ds:schemaRefs>
-</ds:datastoreItem>
-</file>
-
-<file path=customXml/itemProps165.xml><?xml version="1.0" encoding="utf-8"?>
-<ds:datastoreItem xmlns:ds="http://schemas.openxmlformats.org/officeDocument/2006/customXml" ds:itemID="{BCBB37D8-FBA9-4E37-824E-007AD64F96EA}">
-  <ds:schemaRefs>
-    <ds:schemaRef ds:uri="http://schemas.microsoft.com/VisualStudio/2011/storyboarding/control"/>
-  </ds:schemaRefs>
-</ds:datastoreItem>
-</file>
-
-<file path=customXml/itemProps166.xml><?xml version="1.0" encoding="utf-8"?>
-<ds:datastoreItem xmlns:ds="http://schemas.openxmlformats.org/officeDocument/2006/customXml" ds:itemID="{3B61FE01-3F67-4162-AE59-1E0D35F4D1FA}">
-  <ds:schemaRefs>
-    <ds:schemaRef ds:uri="http://schemas.microsoft.com/VisualStudio/2011/storyboarding/control"/>
-  </ds:schemaRefs>
-</ds:datastoreItem>
-</file>
-
-<file path=customXml/itemProps167.xml><?xml version="1.0" encoding="utf-8"?>
-<ds:datastoreItem xmlns:ds="http://schemas.openxmlformats.org/officeDocument/2006/customXml" ds:itemID="{D69CFD16-B2BA-45BF-B7EE-A6D183D6613E}">
-  <ds:schemaRefs>
-    <ds:schemaRef ds:uri="http://schemas.microsoft.com/VisualStudio/2011/storyboarding/control"/>
-  </ds:schemaRefs>
-</ds:datastoreItem>
-</file>
-
-<file path=customXml/itemProps168.xml><?xml version="1.0" encoding="utf-8"?>
-<ds:datastoreItem xmlns:ds="http://schemas.openxmlformats.org/officeDocument/2006/customXml" ds:itemID="{45DD395C-B308-4B96-87E1-914FD6E40852}">
-  <ds:schemaRefs>
-    <ds:schemaRef ds:uri="http://schemas.microsoft.com/VisualStudio/2011/storyboarding/control"/>
-  </ds:schemaRefs>
-</ds:datastoreItem>
-</file>
-
-<file path=customXml/itemProps169.xml><?xml version="1.0" encoding="utf-8"?>
-<ds:datastoreItem xmlns:ds="http://schemas.openxmlformats.org/officeDocument/2006/customXml" ds:itemID="{BC888C1F-21BB-41B1-A05C-9A9E8EB5C798}">
-  <ds:schemaRefs>
-    <ds:schemaRef ds:uri="http://schemas.microsoft.com/VisualStudio/2011/storyboarding/control"/>
-  </ds:schemaRefs>
-</ds:datastoreItem>
-</file>
-
-<file path=customXml/itemProps17.xml><?xml version="1.0" encoding="utf-8"?>
-<ds:datastoreItem xmlns:ds="http://schemas.openxmlformats.org/officeDocument/2006/customXml" ds:itemID="{5EEDCA40-D052-47B3-8EE2-4B54E4C90F0C}">
-  <ds:schemaRefs>
-    <ds:schemaRef ds:uri="http://schemas.microsoft.com/VisualStudio/2011/storyboarding/control"/>
-  </ds:schemaRefs>
-</ds:datastoreItem>
-</file>
-
-<file path=customXml/itemProps170.xml><?xml version="1.0" encoding="utf-8"?>
-<ds:datastoreItem xmlns:ds="http://schemas.openxmlformats.org/officeDocument/2006/customXml" ds:itemID="{EF2782F1-8DA9-457B-9282-CA44A5EC7893}">
-  <ds:schemaRefs>
-    <ds:schemaRef ds:uri="http://schemas.microsoft.com/VisualStudio/2011/storyboarding/control"/>
-  </ds:schemaRefs>
-</ds:datastoreItem>
-</file>
-
-<file path=customXml/itemProps171.xml><?xml version="1.0" encoding="utf-8"?>
-<ds:datastoreItem xmlns:ds="http://schemas.openxmlformats.org/officeDocument/2006/customXml" ds:itemID="{F24CD4CB-4377-413A-B218-C3FA90968990}">
-  <ds:schemaRefs>
-    <ds:schemaRef ds:uri="http://schemas.microsoft.com/VisualStudio/2011/storyboarding/control"/>
-  </ds:schemaRefs>
-</ds:datastoreItem>
-</file>
-
-<file path=customXml/itemProps172.xml><?xml version="1.0" encoding="utf-8"?>
-<ds:datastoreItem xmlns:ds="http://schemas.openxmlformats.org/officeDocument/2006/customXml" ds:itemID="{E49F3E23-75BF-41A9-9FE9-F2E48E23F0AA}">
-  <ds:schemaRefs>
-    <ds:schemaRef ds:uri="http://schemas.microsoft.com/VisualStudio/2011/storyboarding/control"/>
-  </ds:schemaRefs>
-</ds:datastoreItem>
-</file>
-
-<file path=customXml/itemProps173.xml><?xml version="1.0" encoding="utf-8"?>
-<ds:datastoreItem xmlns:ds="http://schemas.openxmlformats.org/officeDocument/2006/customXml" ds:itemID="{CDDFBF7F-A654-4DF2-8FEA-7444B97DE8ED}">
-  <ds:schemaRefs>
-    <ds:schemaRef ds:uri="http://schemas.microsoft.com/VisualStudio/2011/storyboarding/control"/>
-  </ds:schemaRefs>
-</ds:datastoreItem>
-</file>
-
-<file path=customXml/itemProps174.xml><?xml version="1.0" encoding="utf-8"?>
-<ds:datastoreItem xmlns:ds="http://schemas.openxmlformats.org/officeDocument/2006/customXml" ds:itemID="{890DEF80-FFA1-43E9-8719-E41CB579575B}">
   <ds:schemaRefs>
     <ds:schemaRef ds:uri="http://schemas.microsoft.com/VisualStudio/2011/storyboarding/control"/>
   </ds:schemaRefs>
@@ -52394,6 +52416,366 @@
 </file>
 
 <file path=customXml/itemProps176.xml><?xml version="1.0" encoding="utf-8"?>
+<ds:datastoreItem xmlns:ds="http://schemas.openxmlformats.org/officeDocument/2006/customXml" ds:itemID="{D7733675-9C66-4C42-AB09-9C406E41D2B8}">
+  <ds:schemaRefs>
+    <ds:schemaRef ds:uri="http://schemas.microsoft.com/VisualStudio/2011/storyboarding/control"/>
+  </ds:schemaRefs>
+</ds:datastoreItem>
+</file>
+
+<file path=customXml/itemProps177.xml><?xml version="1.0" encoding="utf-8"?>
+<ds:datastoreItem xmlns:ds="http://schemas.openxmlformats.org/officeDocument/2006/customXml" ds:itemID="{679EFB83-5280-41EB-8DEE-A59AC012CD33}">
+  <ds:schemaRefs>
+    <ds:schemaRef ds:uri="http://schemas.microsoft.com/VisualStudio/2011/storyboarding/control"/>
+  </ds:schemaRefs>
+</ds:datastoreItem>
+</file>
+
+<file path=customXml/itemProps178.xml><?xml version="1.0" encoding="utf-8"?>
+<ds:datastoreItem xmlns:ds="http://schemas.openxmlformats.org/officeDocument/2006/customXml" ds:itemID="{D4F8C631-0D70-488F-BA4D-5FE212D67E7D}">
+  <ds:schemaRefs>
+    <ds:schemaRef ds:uri="http://schemas.microsoft.com/VisualStudio/2011/storyboarding/control"/>
+  </ds:schemaRefs>
+</ds:datastoreItem>
+</file>
+
+<file path=customXml/itemProps179.xml><?xml version="1.0" encoding="utf-8"?>
+<ds:datastoreItem xmlns:ds="http://schemas.openxmlformats.org/officeDocument/2006/customXml" ds:itemID="{419E774B-6B87-416F-B97C-FA251F0271C6}">
+  <ds:schemaRefs>
+    <ds:schemaRef ds:uri="http://schemas.microsoft.com/VisualStudio/2011/storyboarding/control"/>
+  </ds:schemaRefs>
+</ds:datastoreItem>
+</file>
+
+<file path=customXml/itemProps18.xml><?xml version="1.0" encoding="utf-8"?>
+<ds:datastoreItem xmlns:ds="http://schemas.openxmlformats.org/officeDocument/2006/customXml" ds:itemID="{229B418C-5028-4B48-880C-106578AB489C}">
+  <ds:schemaRefs>
+    <ds:schemaRef ds:uri="http://schemas.microsoft.com/VisualStudio/2011/storyboarding/control"/>
+  </ds:schemaRefs>
+</ds:datastoreItem>
+</file>
+
+<file path=customXml/itemProps180.xml><?xml version="1.0" encoding="utf-8"?>
+<ds:datastoreItem xmlns:ds="http://schemas.openxmlformats.org/officeDocument/2006/customXml" ds:itemID="{FB443102-2E29-40D2-97E0-AB9A9726587D}">
+  <ds:schemaRefs>
+    <ds:schemaRef ds:uri="http://schemas.microsoft.com/VisualStudio/2011/storyboarding/control"/>
+  </ds:schemaRefs>
+</ds:datastoreItem>
+</file>
+
+<file path=customXml/itemProps181.xml><?xml version="1.0" encoding="utf-8"?>
+<ds:datastoreItem xmlns:ds="http://schemas.openxmlformats.org/officeDocument/2006/customXml" ds:itemID="{38708E37-23DD-4A44-8BA9-F39AE97429E0}">
+  <ds:schemaRefs>
+    <ds:schemaRef ds:uri="http://schemas.microsoft.com/VisualStudio/2011/storyboarding/control"/>
+  </ds:schemaRefs>
+</ds:datastoreItem>
+</file>
+
+<file path=customXml/itemProps182.xml><?xml version="1.0" encoding="utf-8"?>
+<ds:datastoreItem xmlns:ds="http://schemas.openxmlformats.org/officeDocument/2006/customXml" ds:itemID="{88126D4B-13D1-4C6C-9BFD-97F950142FCF}">
+  <ds:schemaRefs>
+    <ds:schemaRef ds:uri="http://schemas.microsoft.com/VisualStudio/2011/storyboarding/control"/>
+  </ds:schemaRefs>
+</ds:datastoreItem>
+</file>
+
+<file path=customXml/itemProps183.xml><?xml version="1.0" encoding="utf-8"?>
+<ds:datastoreItem xmlns:ds="http://schemas.openxmlformats.org/officeDocument/2006/customXml" ds:itemID="{16B492A5-FE3D-43FE-9CF8-E46854E4176F}">
+  <ds:schemaRefs>
+    <ds:schemaRef ds:uri="http://schemas.microsoft.com/VisualStudio/2011/storyboarding/control"/>
+  </ds:schemaRefs>
+</ds:datastoreItem>
+</file>
+
+<file path=customXml/itemProps184.xml><?xml version="1.0" encoding="utf-8"?>
+<ds:datastoreItem xmlns:ds="http://schemas.openxmlformats.org/officeDocument/2006/customXml" ds:itemID="{DBF401CB-7280-4B4A-8251-BC51EE155C54}">
+  <ds:schemaRefs>
+    <ds:schemaRef ds:uri="http://schemas.microsoft.com/VisualStudio/2011/storyboarding/control"/>
+  </ds:schemaRefs>
+</ds:datastoreItem>
+</file>
+
+<file path=customXml/itemProps185.xml><?xml version="1.0" encoding="utf-8"?>
+<ds:datastoreItem xmlns:ds="http://schemas.openxmlformats.org/officeDocument/2006/customXml" ds:itemID="{35B708DB-DBE3-4181-956B-FDF64CB3A734}">
+  <ds:schemaRefs>
+    <ds:schemaRef ds:uri="http://schemas.microsoft.com/VisualStudio/2011/storyboarding/control"/>
+  </ds:schemaRefs>
+</ds:datastoreItem>
+</file>
+
+<file path=customXml/itemProps186.xml><?xml version="1.0" encoding="utf-8"?>
+<ds:datastoreItem xmlns:ds="http://schemas.openxmlformats.org/officeDocument/2006/customXml" ds:itemID="{B45CE39A-A97E-4581-BA41-14D5858B243F}">
+  <ds:schemaRefs>
+    <ds:schemaRef ds:uri="http://schemas.microsoft.com/VisualStudio/2011/storyboarding/control"/>
+  </ds:schemaRefs>
+</ds:datastoreItem>
+</file>
+
+<file path=customXml/itemProps187.xml><?xml version="1.0" encoding="utf-8"?>
+<ds:datastoreItem xmlns:ds="http://schemas.openxmlformats.org/officeDocument/2006/customXml" ds:itemID="{91B55C73-E3F8-4143-AF80-9B73A068DF7E}">
+  <ds:schemaRefs>
+    <ds:schemaRef ds:uri="http://schemas.microsoft.com/VisualStudio/2011/storyboarding/control"/>
+  </ds:schemaRefs>
+</ds:datastoreItem>
+</file>
+
+<file path=customXml/itemProps188.xml><?xml version="1.0" encoding="utf-8"?>
+<ds:datastoreItem xmlns:ds="http://schemas.openxmlformats.org/officeDocument/2006/customXml" ds:itemID="{0F924959-0FC0-4A8B-9D3A-C19CD3F22766}">
+  <ds:schemaRefs>
+    <ds:schemaRef ds:uri="http://schemas.microsoft.com/VisualStudio/2011/storyboarding/control"/>
+  </ds:schemaRefs>
+</ds:datastoreItem>
+</file>
+
+<file path=customXml/itemProps189.xml><?xml version="1.0" encoding="utf-8"?>
+<ds:datastoreItem xmlns:ds="http://schemas.openxmlformats.org/officeDocument/2006/customXml" ds:itemID="{65D13D13-096C-403A-8B23-6DD4FFF0FDC2}">
+  <ds:schemaRefs>
+    <ds:schemaRef ds:uri="http://schemas.microsoft.com/VisualStudio/2011/storyboarding/control"/>
+  </ds:schemaRefs>
+</ds:datastoreItem>
+</file>
+
+<file path=customXml/itemProps19.xml><?xml version="1.0" encoding="utf-8"?>
+<ds:datastoreItem xmlns:ds="http://schemas.openxmlformats.org/officeDocument/2006/customXml" ds:itemID="{BB425446-B172-4B88-8FAF-AFD97B30FC45}">
+  <ds:schemaRefs>
+    <ds:schemaRef ds:uri="http://schemas.microsoft.com/VisualStudio/2011/storyboarding/control"/>
+  </ds:schemaRefs>
+</ds:datastoreItem>
+</file>
+
+<file path=customXml/itemProps190.xml><?xml version="1.0" encoding="utf-8"?>
+<ds:datastoreItem xmlns:ds="http://schemas.openxmlformats.org/officeDocument/2006/customXml" ds:itemID="{C51E87C8-D293-4769-B466-FFDAE873EA55}">
+  <ds:schemaRefs>
+    <ds:schemaRef ds:uri="http://schemas.microsoft.com/VisualStudio/2011/storyboarding/control"/>
+  </ds:schemaRefs>
+</ds:datastoreItem>
+</file>
+
+<file path=customXml/itemProps191.xml><?xml version="1.0" encoding="utf-8"?>
+<ds:datastoreItem xmlns:ds="http://schemas.openxmlformats.org/officeDocument/2006/customXml" ds:itemID="{BDE8F8A8-1904-4B0E-8744-036C974BB0D3}">
+  <ds:schemaRefs>
+    <ds:schemaRef ds:uri="http://schemas.microsoft.com/VisualStudio/2011/storyboarding/control"/>
+  </ds:schemaRefs>
+</ds:datastoreItem>
+</file>
+
+<file path=customXml/itemProps192.xml><?xml version="1.0" encoding="utf-8"?>
+<ds:datastoreItem xmlns:ds="http://schemas.openxmlformats.org/officeDocument/2006/customXml" ds:itemID="{3B07C21B-B896-4441-A0BB-886607473D80}">
+  <ds:schemaRefs>
+    <ds:schemaRef ds:uri="http://schemas.microsoft.com/VisualStudio/2011/storyboarding/control"/>
+  </ds:schemaRefs>
+</ds:datastoreItem>
+</file>
+
+<file path=customXml/itemProps193.xml><?xml version="1.0" encoding="utf-8"?>
+<ds:datastoreItem xmlns:ds="http://schemas.openxmlformats.org/officeDocument/2006/customXml" ds:itemID="{7CECF6CE-60F8-4CD3-A042-C3FBF6B1CD82}">
+  <ds:schemaRefs>
+    <ds:schemaRef ds:uri="http://schemas.microsoft.com/VisualStudio/2011/storyboarding/control"/>
+  </ds:schemaRefs>
+</ds:datastoreItem>
+</file>
+
+<file path=customXml/itemProps194.xml><?xml version="1.0" encoding="utf-8"?>
+<ds:datastoreItem xmlns:ds="http://schemas.openxmlformats.org/officeDocument/2006/customXml" ds:itemID="{B903C70D-7337-4EBE-AD86-153A945508E2}">
+  <ds:schemaRefs>
+    <ds:schemaRef ds:uri="http://schemas.microsoft.com/VisualStudio/2011/storyboarding/control"/>
+  </ds:schemaRefs>
+</ds:datastoreItem>
+</file>
+
+<file path=customXml/itemProps195.xml><?xml version="1.0" encoding="utf-8"?>
+<ds:datastoreItem xmlns:ds="http://schemas.openxmlformats.org/officeDocument/2006/customXml" ds:itemID="{0BCD61E9-5120-4E54-9BD8-022EF3C58F3B}">
+  <ds:schemaRefs>
+    <ds:schemaRef ds:uri="http://schemas.microsoft.com/VisualStudio/2011/storyboarding/control"/>
+  </ds:schemaRefs>
+</ds:datastoreItem>
+</file>
+
+<file path=customXml/itemProps196.xml><?xml version="1.0" encoding="utf-8"?>
+<ds:datastoreItem xmlns:ds="http://schemas.openxmlformats.org/officeDocument/2006/customXml" ds:itemID="{BCBB37D8-FBA9-4E37-824E-007AD64F96EA}">
+  <ds:schemaRefs>
+    <ds:schemaRef ds:uri="http://schemas.microsoft.com/VisualStudio/2011/storyboarding/control"/>
+  </ds:schemaRefs>
+</ds:datastoreItem>
+</file>
+
+<file path=customXml/itemProps197.xml><?xml version="1.0" encoding="utf-8"?>
+<ds:datastoreItem xmlns:ds="http://schemas.openxmlformats.org/officeDocument/2006/customXml" ds:itemID="{F6871986-158F-4AFD-8563-24EEC93B23F2}">
+  <ds:schemaRefs>
+    <ds:schemaRef ds:uri="http://schemas.microsoft.com/VisualStudio/2011/storyboarding/control"/>
+  </ds:schemaRefs>
+</ds:datastoreItem>
+</file>
+
+<file path=customXml/itemProps198.xml><?xml version="1.0" encoding="utf-8"?>
+<ds:datastoreItem xmlns:ds="http://schemas.openxmlformats.org/officeDocument/2006/customXml" ds:itemID="{F3260EEF-3ED9-40A9-88F8-60D4DB295524}">
+  <ds:schemaRefs>
+    <ds:schemaRef ds:uri="http://schemas.microsoft.com/VisualStudio/2011/storyboarding/control"/>
+  </ds:schemaRefs>
+</ds:datastoreItem>
+</file>
+
+<file path=customXml/itemProps199.xml><?xml version="1.0" encoding="utf-8"?>
+<ds:datastoreItem xmlns:ds="http://schemas.openxmlformats.org/officeDocument/2006/customXml" ds:itemID="{F4F9D414-AE4E-4BA2-BDC2-6F33F5D21536}">
+  <ds:schemaRefs>
+    <ds:schemaRef ds:uri="http://schemas.microsoft.com/VisualStudio/2011/storyboarding/control"/>
+  </ds:schemaRefs>
+</ds:datastoreItem>
+</file>
+
+<file path=customXml/itemProps2.xml><?xml version="1.0" encoding="utf-8"?>
+<ds:datastoreItem xmlns:ds="http://schemas.openxmlformats.org/officeDocument/2006/customXml" ds:itemID="{0A56BFE2-87DA-446C-BA1F-F6FEDB88F0F6}">
+  <ds:schemaRefs>
+    <ds:schemaRef ds:uri="http://schemas.microsoft.com/VisualStudio/2011/storyboarding/control"/>
+  </ds:schemaRefs>
+</ds:datastoreItem>
+</file>
+
+<file path=customXml/itemProps20.xml><?xml version="1.0" encoding="utf-8"?>
+<ds:datastoreItem xmlns:ds="http://schemas.openxmlformats.org/officeDocument/2006/customXml" ds:itemID="{66D5FD27-6B21-48CC-84DF-CD8F56ED9577}">
+  <ds:schemaRefs>
+    <ds:schemaRef ds:uri="http://schemas.microsoft.com/VisualStudio/2011/storyboarding/control"/>
+  </ds:schemaRefs>
+</ds:datastoreItem>
+</file>
+
+<file path=customXml/itemProps200.xml><?xml version="1.0" encoding="utf-8"?>
+<ds:datastoreItem xmlns:ds="http://schemas.openxmlformats.org/officeDocument/2006/customXml" ds:itemID="{5D5EA1DB-182D-4A67-8487-E9AD9DFFACC5}">
+  <ds:schemaRefs>
+    <ds:schemaRef ds:uri="http://schemas.microsoft.com/VisualStudio/2011/storyboarding/control"/>
+  </ds:schemaRefs>
+</ds:datastoreItem>
+</file>
+
+<file path=customXml/itemProps201.xml><?xml version="1.0" encoding="utf-8"?>
+<ds:datastoreItem xmlns:ds="http://schemas.openxmlformats.org/officeDocument/2006/customXml" ds:itemID="{1AA638C0-9380-47E6-AADE-5B2C40250DA2}">
+  <ds:schemaRefs>
+    <ds:schemaRef ds:uri="http://schemas.microsoft.com/VisualStudio/2011/storyboarding/control"/>
+  </ds:schemaRefs>
+</ds:datastoreItem>
+</file>
+
+<file path=customXml/itemProps202.xml><?xml version="1.0" encoding="utf-8"?>
+<ds:datastoreItem xmlns:ds="http://schemas.openxmlformats.org/officeDocument/2006/customXml" ds:itemID="{CD2C207E-92A2-4AAD-AA93-EC90C37B5A00}">
+  <ds:schemaRefs>
+    <ds:schemaRef ds:uri="http://schemas.microsoft.com/VisualStudio/2011/storyboarding/control"/>
+  </ds:schemaRefs>
+</ds:datastoreItem>
+</file>
+
+<file path=customXml/itemProps203.xml><?xml version="1.0" encoding="utf-8"?>
+<ds:datastoreItem xmlns:ds="http://schemas.openxmlformats.org/officeDocument/2006/customXml" ds:itemID="{CFF9CF07-44DB-477F-837F-E71E1AB13222}">
+  <ds:schemaRefs>
+    <ds:schemaRef ds:uri="http://schemas.microsoft.com/VisualStudio/2011/storyboarding/control"/>
+  </ds:schemaRefs>
+</ds:datastoreItem>
+</file>
+
+<file path=customXml/itemProps204.xml><?xml version="1.0" encoding="utf-8"?>
+<ds:datastoreItem xmlns:ds="http://schemas.openxmlformats.org/officeDocument/2006/customXml" ds:itemID="{C90FBB37-6B62-4DF6-A3FB-014796F79DBD}">
+  <ds:schemaRefs>
+    <ds:schemaRef ds:uri="http://schemas.microsoft.com/VisualStudio/2011/storyboarding/control"/>
+  </ds:schemaRefs>
+</ds:datastoreItem>
+</file>
+
+<file path=customXml/itemProps205.xml><?xml version="1.0" encoding="utf-8"?>
+<ds:datastoreItem xmlns:ds="http://schemas.openxmlformats.org/officeDocument/2006/customXml" ds:itemID="{BF08D3AC-2433-49A2-A7C1-0C91775D70BA}">
+  <ds:schemaRefs>
+    <ds:schemaRef ds:uri="http://schemas.microsoft.com/VisualStudio/2011/storyboarding/control"/>
+  </ds:schemaRefs>
+</ds:datastoreItem>
+</file>
+
+<file path=customXml/itemProps206.xml><?xml version="1.0" encoding="utf-8"?>
+<ds:datastoreItem xmlns:ds="http://schemas.openxmlformats.org/officeDocument/2006/customXml" ds:itemID="{907CE7C4-B00C-4941-8E91-087C727CD618}">
+  <ds:schemaRefs>
+    <ds:schemaRef ds:uri="http://schemas.microsoft.com/VisualStudio/2011/storyboarding/control"/>
+  </ds:schemaRefs>
+</ds:datastoreItem>
+</file>
+
+<file path=customXml/itemProps207.xml><?xml version="1.0" encoding="utf-8"?>
+<ds:datastoreItem xmlns:ds="http://schemas.openxmlformats.org/officeDocument/2006/customXml" ds:itemID="{C5C2071C-38B3-4E05-B279-361E52B7C892}">
+  <ds:schemaRefs>
+    <ds:schemaRef ds:uri="http://schemas.microsoft.com/VisualStudio/2011/storyboarding/control"/>
+  </ds:schemaRefs>
+</ds:datastoreItem>
+</file>
+
+<file path=customXml/itemProps208.xml><?xml version="1.0" encoding="utf-8"?>
+<ds:datastoreItem xmlns:ds="http://schemas.openxmlformats.org/officeDocument/2006/customXml" ds:itemID="{81F2B4AF-DFBE-4441-8E0F-0DF4B88AB785}">
+  <ds:schemaRefs>
+    <ds:schemaRef ds:uri="http://schemas.microsoft.com/VisualStudio/2011/storyboarding/control"/>
+  </ds:schemaRefs>
+</ds:datastoreItem>
+</file>
+
+<file path=customXml/itemProps209.xml><?xml version="1.0" encoding="utf-8"?>
+<ds:datastoreItem xmlns:ds="http://schemas.openxmlformats.org/officeDocument/2006/customXml" ds:itemID="{657EAD29-4F6F-4638-BAD8-5DFE7421E00C}">
+  <ds:schemaRefs>
+    <ds:schemaRef ds:uri="http://schemas.microsoft.com/VisualStudio/2011/storyboarding/control"/>
+  </ds:schemaRefs>
+</ds:datastoreItem>
+</file>
+
+<file path=customXml/itemProps21.xml><?xml version="1.0" encoding="utf-8"?>
+<ds:datastoreItem xmlns:ds="http://schemas.openxmlformats.org/officeDocument/2006/customXml" ds:itemID="{57170B4E-9583-4966-9469-6481EBAB8126}">
+  <ds:schemaRefs>
+    <ds:schemaRef ds:uri="http://schemas.microsoft.com/VisualStudio/2011/storyboarding/control"/>
+  </ds:schemaRefs>
+</ds:datastoreItem>
+</file>
+
+<file path=customXml/itemProps210.xml><?xml version="1.0" encoding="utf-8"?>
+<ds:datastoreItem xmlns:ds="http://schemas.openxmlformats.org/officeDocument/2006/customXml" ds:itemID="{A0FD5420-DDFF-4FB8-9077-E7F3FC176A89}">
+  <ds:schemaRefs>
+    <ds:schemaRef ds:uri="http://schemas.microsoft.com/VisualStudio/2011/storyboarding/control"/>
+  </ds:schemaRefs>
+</ds:datastoreItem>
+</file>
+
+<file path=customXml/itemProps211.xml><?xml version="1.0" encoding="utf-8"?>
+<ds:datastoreItem xmlns:ds="http://schemas.openxmlformats.org/officeDocument/2006/customXml" ds:itemID="{9776D11D-1935-4F96-BDED-3EC4CB27B12D}">
+  <ds:schemaRefs>
+    <ds:schemaRef ds:uri="http://schemas.microsoft.com/VisualStudio/2011/storyboarding/control"/>
+  </ds:schemaRefs>
+</ds:datastoreItem>
+</file>
+
+<file path=customXml/itemProps212.xml><?xml version="1.0" encoding="utf-8"?>
+<ds:datastoreItem xmlns:ds="http://schemas.openxmlformats.org/officeDocument/2006/customXml" ds:itemID="{0BA93A88-FD9D-4409-98F6-AB9884772835}">
+  <ds:schemaRefs>
+    <ds:schemaRef ds:uri="http://schemas.microsoft.com/VisualStudio/2011/storyboarding/control"/>
+  </ds:schemaRefs>
+</ds:datastoreItem>
+</file>
+
+<file path=customXml/itemProps213.xml><?xml version="1.0" encoding="utf-8"?>
+<ds:datastoreItem xmlns:ds="http://schemas.openxmlformats.org/officeDocument/2006/customXml" ds:itemID="{4BC4DEEB-1EC0-4E4A-B2D1-73CBA7826D17}">
+  <ds:schemaRefs>
+    <ds:schemaRef ds:uri="http://schemas.microsoft.com/VisualStudio/2011/storyboarding/control"/>
+  </ds:schemaRefs>
+</ds:datastoreItem>
+</file>
+
+<file path=customXml/itemProps214.xml><?xml version="1.0" encoding="utf-8"?>
+<ds:datastoreItem xmlns:ds="http://schemas.openxmlformats.org/officeDocument/2006/customXml" ds:itemID="{1C2BC509-D0F4-4258-A32C-94CD1A9F09CD}">
+  <ds:schemaRefs>
+    <ds:schemaRef ds:uri="http://schemas.microsoft.com/VisualStudio/2011/storyboarding/control"/>
+  </ds:schemaRefs>
+</ds:datastoreItem>
+</file>
+
+<file path=customXml/itemProps215.xml><?xml version="1.0" encoding="utf-8"?>
+<ds:datastoreItem xmlns:ds="http://schemas.openxmlformats.org/officeDocument/2006/customXml" ds:itemID="{37A16EBE-AACB-481D-9E94-9F2642B15CAD}">
+  <ds:schemaRefs>
+    <ds:schemaRef ds:uri="http://schemas.microsoft.com/VisualStudio/2011/storyboarding/control"/>
+  </ds:schemaRefs>
+</ds:datastoreItem>
+</file>
+
+<file path=customXml/itemProps216.xml><?xml version="1.0" encoding="utf-8"?>
 <ds:datastoreItem xmlns:ds="http://schemas.openxmlformats.org/officeDocument/2006/customXml" ds:itemID="{553BCA97-92F8-4379-AE8D-22AE007D3AD9}">
   <ds:schemaRefs>
     <ds:schemaRef ds:uri="http://schemas.microsoft.com/VisualStudio/2011/storyboarding/control"/>
@@ -52401,7 +52783,359 @@
 </ds:datastoreItem>
 </file>
 
-<file path=customXml/itemProps177.xml><?xml version="1.0" encoding="utf-8"?>
+<file path=customXml/itemProps217.xml><?xml version="1.0" encoding="utf-8"?>
+<ds:datastoreItem xmlns:ds="http://schemas.openxmlformats.org/officeDocument/2006/customXml" ds:itemID="{2236CDEC-0756-4174-834C-35150FF5ED1F}">
+  <ds:schemaRefs>
+    <ds:schemaRef ds:uri="http://schemas.microsoft.com/VisualStudio/2011/storyboarding/control"/>
+  </ds:schemaRefs>
+</ds:datastoreItem>
+</file>
+
+<file path=customXml/itemProps218.xml><?xml version="1.0" encoding="utf-8"?>
+<ds:datastoreItem xmlns:ds="http://schemas.openxmlformats.org/officeDocument/2006/customXml" ds:itemID="{38358E66-4F64-4B41-931B-EB4D7544ABA8}">
+  <ds:schemaRefs>
+    <ds:schemaRef ds:uri="http://schemas.microsoft.com/VisualStudio/2011/storyboarding/control"/>
+  </ds:schemaRefs>
+</ds:datastoreItem>
+</file>
+
+<file path=customXml/itemProps219.xml><?xml version="1.0" encoding="utf-8"?>
+<ds:datastoreItem xmlns:ds="http://schemas.openxmlformats.org/officeDocument/2006/customXml" ds:itemID="{5E418C61-86CC-4F3B-A0A1-8359375420BB}">
+  <ds:schemaRefs>
+    <ds:schemaRef ds:uri="http://schemas.microsoft.com/VisualStudio/2011/storyboarding/control"/>
+  </ds:schemaRefs>
+</ds:datastoreItem>
+</file>
+
+<file path=customXml/itemProps22.xml><?xml version="1.0" encoding="utf-8"?>
+<ds:datastoreItem xmlns:ds="http://schemas.openxmlformats.org/officeDocument/2006/customXml" ds:itemID="{6060C689-D6DA-4ED0-9505-C2A1B1A2CDA3}">
+  <ds:schemaRefs>
+    <ds:schemaRef ds:uri="http://schemas.microsoft.com/VisualStudio/2011/storyboarding/control"/>
+  </ds:schemaRefs>
+</ds:datastoreItem>
+</file>
+
+<file path=customXml/itemProps220.xml><?xml version="1.0" encoding="utf-8"?>
+<ds:datastoreItem xmlns:ds="http://schemas.openxmlformats.org/officeDocument/2006/customXml" ds:itemID="{DA46D564-7D5C-4E8B-AF27-67C8B8FB20FA}">
+  <ds:schemaRefs>
+    <ds:schemaRef ds:uri="http://schemas.microsoft.com/VisualStudio/2011/storyboarding/control"/>
+  </ds:schemaRefs>
+</ds:datastoreItem>
+</file>
+
+<file path=customXml/itemProps221.xml><?xml version="1.0" encoding="utf-8"?>
+<ds:datastoreItem xmlns:ds="http://schemas.openxmlformats.org/officeDocument/2006/customXml" ds:itemID="{81690581-EDFD-49BF-86DB-DE01BB18B210}">
+  <ds:schemaRefs>
+    <ds:schemaRef ds:uri="http://schemas.microsoft.com/VisualStudio/2011/storyboarding/control"/>
+  </ds:schemaRefs>
+</ds:datastoreItem>
+</file>
+
+<file path=customXml/itemProps222.xml><?xml version="1.0" encoding="utf-8"?>
+<ds:datastoreItem xmlns:ds="http://schemas.openxmlformats.org/officeDocument/2006/customXml" ds:itemID="{8D5E1E51-E066-4DA4-984C-86E4E7BEEB04}">
+  <ds:schemaRefs>
+    <ds:schemaRef ds:uri="http://schemas.microsoft.com/VisualStudio/2011/storyboarding/control"/>
+  </ds:schemaRefs>
+</ds:datastoreItem>
+</file>
+
+<file path=customXml/itemProps223.xml><?xml version="1.0" encoding="utf-8"?>
+<ds:datastoreItem xmlns:ds="http://schemas.openxmlformats.org/officeDocument/2006/customXml" ds:itemID="{53F66FDE-6582-4A7F-9E61-EF3EA60145BA}">
+  <ds:schemaRefs>
+    <ds:schemaRef ds:uri="http://schemas.microsoft.com/VisualStudio/2011/storyboarding/control"/>
+  </ds:schemaRefs>
+</ds:datastoreItem>
+</file>
+
+<file path=customXml/itemProps224.xml><?xml version="1.0" encoding="utf-8"?>
+<ds:datastoreItem xmlns:ds="http://schemas.openxmlformats.org/officeDocument/2006/customXml" ds:itemID="{11A56B87-83AA-4F88-84AB-A004E3CAE6C1}">
+  <ds:schemaRefs>
+    <ds:schemaRef ds:uri="http://schemas.microsoft.com/VisualStudio/2011/storyboarding/control"/>
+  </ds:schemaRefs>
+</ds:datastoreItem>
+</file>
+
+<file path=customXml/itemProps225.xml><?xml version="1.0" encoding="utf-8"?>
+<ds:datastoreItem xmlns:ds="http://schemas.openxmlformats.org/officeDocument/2006/customXml" ds:itemID="{861B10E4-50DF-4116-B64C-775770A90466}">
+  <ds:schemaRefs>
+    <ds:schemaRef ds:uri="http://schemas.microsoft.com/VisualStudio/2011/storyboarding/control"/>
+  </ds:schemaRefs>
+</ds:datastoreItem>
+</file>
+
+<file path=customXml/itemProps226.xml><?xml version="1.0" encoding="utf-8"?>
+<ds:datastoreItem xmlns:ds="http://schemas.openxmlformats.org/officeDocument/2006/customXml" ds:itemID="{D4486BB5-2756-4168-9CCC-6231B98B7B4E}">
+  <ds:schemaRefs>
+    <ds:schemaRef ds:uri="http://schemas.microsoft.com/VisualStudio/2011/storyboarding/control"/>
+  </ds:schemaRefs>
+</ds:datastoreItem>
+</file>
+
+<file path=customXml/itemProps227.xml><?xml version="1.0" encoding="utf-8"?>
+<ds:datastoreItem xmlns:ds="http://schemas.openxmlformats.org/officeDocument/2006/customXml" ds:itemID="{5EEDCA40-D052-47B3-8EE2-4B54E4C90F0C}">
+  <ds:schemaRefs>
+    <ds:schemaRef ds:uri="http://schemas.microsoft.com/VisualStudio/2011/storyboarding/control"/>
+  </ds:schemaRefs>
+</ds:datastoreItem>
+</file>
+
+<file path=customXml/itemProps228.xml><?xml version="1.0" encoding="utf-8"?>
+<ds:datastoreItem xmlns:ds="http://schemas.openxmlformats.org/officeDocument/2006/customXml" ds:itemID="{DA651C0F-EF7C-4E40-B970-0ED847B261CD}">
+  <ds:schemaRefs>
+    <ds:schemaRef ds:uri="http://schemas.microsoft.com/VisualStudio/2011/storyboarding/control"/>
+  </ds:schemaRefs>
+</ds:datastoreItem>
+</file>
+
+<file path=customXml/itemProps229.xml><?xml version="1.0" encoding="utf-8"?>
+<ds:datastoreItem xmlns:ds="http://schemas.openxmlformats.org/officeDocument/2006/customXml" ds:itemID="{FE106B9D-ED11-49A6-8F85-2A077687FAB6}">
+  <ds:schemaRefs>
+    <ds:schemaRef ds:uri="http://schemas.microsoft.com/VisualStudio/2011/storyboarding/control"/>
+  </ds:schemaRefs>
+</ds:datastoreItem>
+</file>
+
+<file path=customXml/itemProps23.xml><?xml version="1.0" encoding="utf-8"?>
+<ds:datastoreItem xmlns:ds="http://schemas.openxmlformats.org/officeDocument/2006/customXml" ds:itemID="{D9778692-B57D-4B05-BB3D-D41AD33BB70E}">
+  <ds:schemaRefs>
+    <ds:schemaRef ds:uri="http://schemas.microsoft.com/VisualStudio/2011/storyboarding/control"/>
+  </ds:schemaRefs>
+</ds:datastoreItem>
+</file>
+
+<file path=customXml/itemProps230.xml><?xml version="1.0" encoding="utf-8"?>
+<ds:datastoreItem xmlns:ds="http://schemas.openxmlformats.org/officeDocument/2006/customXml" ds:itemID="{E591C048-0E07-4085-ACB8-B2AA40ED6281}">
+  <ds:schemaRefs>
+    <ds:schemaRef ds:uri="http://schemas.microsoft.com/VisualStudio/2011/storyboarding/control"/>
+  </ds:schemaRefs>
+</ds:datastoreItem>
+</file>
+
+<file path=customXml/itemProps231.xml><?xml version="1.0" encoding="utf-8"?>
+<ds:datastoreItem xmlns:ds="http://schemas.openxmlformats.org/officeDocument/2006/customXml" ds:itemID="{8198DF2F-BA14-418D-BE50-56C57A195466}">
+  <ds:schemaRefs>
+    <ds:schemaRef ds:uri="http://schemas.microsoft.com/VisualStudio/2011/storyboarding/control"/>
+  </ds:schemaRefs>
+</ds:datastoreItem>
+</file>
+
+<file path=customXml/itemProps232.xml><?xml version="1.0" encoding="utf-8"?>
+<ds:datastoreItem xmlns:ds="http://schemas.openxmlformats.org/officeDocument/2006/customXml" ds:itemID="{9B397375-C9A0-47C4-A9E7-D5AC8693798A}">
+  <ds:schemaRefs>
+    <ds:schemaRef ds:uri="http://schemas.microsoft.com/VisualStudio/2011/storyboarding/control"/>
+  </ds:schemaRefs>
+</ds:datastoreItem>
+</file>
+
+<file path=customXml/itemProps233.xml><?xml version="1.0" encoding="utf-8"?>
+<ds:datastoreItem xmlns:ds="http://schemas.openxmlformats.org/officeDocument/2006/customXml" ds:itemID="{8745EA7D-AC2F-4F27-89BC-9F24B3534029}">
+  <ds:schemaRefs>
+    <ds:schemaRef ds:uri="http://schemas.microsoft.com/VisualStudio/2011/storyboarding/control"/>
+  </ds:schemaRefs>
+</ds:datastoreItem>
+</file>
+
+<file path=customXml/itemProps234.xml><?xml version="1.0" encoding="utf-8"?>
+<ds:datastoreItem xmlns:ds="http://schemas.openxmlformats.org/officeDocument/2006/customXml" ds:itemID="{937FB4FC-C9EB-4D9C-9F32-E96E7F3B1C4B}">
+  <ds:schemaRefs>
+    <ds:schemaRef ds:uri="http://schemas.microsoft.com/VisualStudio/2011/storyboarding/control"/>
+  </ds:schemaRefs>
+</ds:datastoreItem>
+</file>
+
+<file path=customXml/itemProps235.xml><?xml version="1.0" encoding="utf-8"?>
+<ds:datastoreItem xmlns:ds="http://schemas.openxmlformats.org/officeDocument/2006/customXml" ds:itemID="{96CF5F03-DBCA-4C9E-BD76-BE444136E2F8}">
+  <ds:schemaRefs>
+    <ds:schemaRef ds:uri="http://schemas.microsoft.com/VisualStudio/2011/storyboarding/control"/>
+  </ds:schemaRefs>
+</ds:datastoreItem>
+</file>
+
+<file path=customXml/itemProps236.xml><?xml version="1.0" encoding="utf-8"?>
+<ds:datastoreItem xmlns:ds="http://schemas.openxmlformats.org/officeDocument/2006/customXml" ds:itemID="{3B61FE01-3F67-4162-AE59-1E0D35F4D1FA}">
+  <ds:schemaRefs>
+    <ds:schemaRef ds:uri="http://schemas.microsoft.com/VisualStudio/2011/storyboarding/control"/>
+  </ds:schemaRefs>
+</ds:datastoreItem>
+</file>
+
+<file path=customXml/itemProps237.xml><?xml version="1.0" encoding="utf-8"?>
+<ds:datastoreItem xmlns:ds="http://schemas.openxmlformats.org/officeDocument/2006/customXml" ds:itemID="{C0218BAC-4DA3-4EEB-9E69-50B84364552B}">
+  <ds:schemaRefs>
+    <ds:schemaRef ds:uri="http://schemas.microsoft.com/VisualStudio/2011/storyboarding/control"/>
+  </ds:schemaRefs>
+</ds:datastoreItem>
+</file>
+
+<file path=customXml/itemProps238.xml><?xml version="1.0" encoding="utf-8"?>
+<ds:datastoreItem xmlns:ds="http://schemas.openxmlformats.org/officeDocument/2006/customXml" ds:itemID="{8CAD66DC-DE24-4162-8149-30A85BCD2403}">
+  <ds:schemaRefs>
+    <ds:schemaRef ds:uri="http://schemas.microsoft.com/VisualStudio/2011/storyboarding/control"/>
+  </ds:schemaRefs>
+</ds:datastoreItem>
+</file>
+
+<file path=customXml/itemProps239.xml><?xml version="1.0" encoding="utf-8"?>
+<ds:datastoreItem xmlns:ds="http://schemas.openxmlformats.org/officeDocument/2006/customXml" ds:itemID="{9BFE7170-92E1-43AA-BFB8-FB20A5E2DB38}">
+  <ds:schemaRefs>
+    <ds:schemaRef ds:uri="http://schemas.microsoft.com/VisualStudio/2011/storyboarding/control"/>
+  </ds:schemaRefs>
+</ds:datastoreItem>
+</file>
+
+<file path=customXml/itemProps24.xml><?xml version="1.0" encoding="utf-8"?>
+<ds:datastoreItem xmlns:ds="http://schemas.openxmlformats.org/officeDocument/2006/customXml" ds:itemID="{12892A08-F8BF-4D81-8105-A8150CA9AFCA}">
+  <ds:schemaRefs>
+    <ds:schemaRef ds:uri="http://schemas.microsoft.com/VisualStudio/2011/storyboarding/control"/>
+  </ds:schemaRefs>
+</ds:datastoreItem>
+</file>
+
+<file path=customXml/itemProps240.xml><?xml version="1.0" encoding="utf-8"?>
+<ds:datastoreItem xmlns:ds="http://schemas.openxmlformats.org/officeDocument/2006/customXml" ds:itemID="{3F03EE14-3DE1-476F-8F91-DAAB435FD4DE}">
+  <ds:schemaRefs>
+    <ds:schemaRef ds:uri="http://schemas.microsoft.com/VisualStudio/2011/storyboarding/control"/>
+  </ds:schemaRefs>
+</ds:datastoreItem>
+</file>
+
+<file path=customXml/itemProps241.xml><?xml version="1.0" encoding="utf-8"?>
+<ds:datastoreItem xmlns:ds="http://schemas.openxmlformats.org/officeDocument/2006/customXml" ds:itemID="{EC8E0E27-E550-4261-A865-DBA6BEAD946B}">
+  <ds:schemaRefs>
+    <ds:schemaRef ds:uri="http://schemas.microsoft.com/VisualStudio/2011/storyboarding/control"/>
+  </ds:schemaRefs>
+</ds:datastoreItem>
+</file>
+
+<file path=customXml/itemProps242.xml><?xml version="1.0" encoding="utf-8"?>
+<ds:datastoreItem xmlns:ds="http://schemas.openxmlformats.org/officeDocument/2006/customXml" ds:itemID="{7BD1F015-0356-4A9A-BC1B-B374010395E1}">
+  <ds:schemaRefs>
+    <ds:schemaRef ds:uri="http://schemas.microsoft.com/VisualStudio/2011/storyboarding/control"/>
+  </ds:schemaRefs>
+</ds:datastoreItem>
+</file>
+
+<file path=customXml/itemProps243.xml><?xml version="1.0" encoding="utf-8"?>
+<ds:datastoreItem xmlns:ds="http://schemas.openxmlformats.org/officeDocument/2006/customXml" ds:itemID="{7FF91253-6D0C-4811-B4EB-99B1BADA74F1}">
+  <ds:schemaRefs>
+    <ds:schemaRef ds:uri="http://schemas.microsoft.com/VisualStudio/2011/storyboarding/control"/>
+  </ds:schemaRefs>
+</ds:datastoreItem>
+</file>
+
+<file path=customXml/itemProps244.xml><?xml version="1.0" encoding="utf-8"?>
+<ds:datastoreItem xmlns:ds="http://schemas.openxmlformats.org/officeDocument/2006/customXml" ds:itemID="{C2283421-3CF6-41B5-9FAC-261D44009E6E}">
+  <ds:schemaRefs>
+    <ds:schemaRef ds:uri="http://schemas.microsoft.com/VisualStudio/2011/storyboarding/control"/>
+  </ds:schemaRefs>
+</ds:datastoreItem>
+</file>
+
+<file path=customXml/itemProps245.xml><?xml version="1.0" encoding="utf-8"?>
+<ds:datastoreItem xmlns:ds="http://schemas.openxmlformats.org/officeDocument/2006/customXml" ds:itemID="{9CEE4515-A009-4D94-A230-7B8AAF5028D4}">
+  <ds:schemaRefs>
+    <ds:schemaRef ds:uri="http://schemas.microsoft.com/VisualStudio/2011/storyboarding/control"/>
+  </ds:schemaRefs>
+</ds:datastoreItem>
+</file>
+
+<file path=customXml/itemProps246.xml><?xml version="1.0" encoding="utf-8"?>
+<ds:datastoreItem xmlns:ds="http://schemas.openxmlformats.org/officeDocument/2006/customXml" ds:itemID="{58D168B7-D5D8-4D4E-A6F5-79173EB8E842}">
+  <ds:schemaRefs>
+    <ds:schemaRef ds:uri="http://schemas.microsoft.com/VisualStudio/2011/storyboarding/control"/>
+  </ds:schemaRefs>
+</ds:datastoreItem>
+</file>
+
+<file path=customXml/itemProps247.xml><?xml version="1.0" encoding="utf-8"?>
+<ds:datastoreItem xmlns:ds="http://schemas.openxmlformats.org/officeDocument/2006/customXml" ds:itemID="{63D62BCE-C907-4E34-8F90-9023B1F22D67}">
+  <ds:schemaRefs>
+    <ds:schemaRef ds:uri="http://schemas.microsoft.com/VisualStudio/2011/storyboarding/control"/>
+  </ds:schemaRefs>
+</ds:datastoreItem>
+</file>
+
+<file path=customXml/itemProps248.xml><?xml version="1.0" encoding="utf-8"?>
+<ds:datastoreItem xmlns:ds="http://schemas.openxmlformats.org/officeDocument/2006/customXml" ds:itemID="{F17CEBBA-724F-44A3-9AB2-67A69A938E9E}">
+  <ds:schemaRefs>
+    <ds:schemaRef ds:uri="http://schemas.microsoft.com/VisualStudio/2011/storyboarding/control"/>
+  </ds:schemaRefs>
+</ds:datastoreItem>
+</file>
+
+<file path=customXml/itemProps249.xml><?xml version="1.0" encoding="utf-8"?>
+<ds:datastoreItem xmlns:ds="http://schemas.openxmlformats.org/officeDocument/2006/customXml" ds:itemID="{4005C7AB-FD00-4948-A862-EE198884C46B}">
+  <ds:schemaRefs>
+    <ds:schemaRef ds:uri="http://schemas.microsoft.com/VisualStudio/2011/storyboarding/control"/>
+  </ds:schemaRefs>
+</ds:datastoreItem>
+</file>
+
+<file path=customXml/itemProps25.xml><?xml version="1.0" encoding="utf-8"?>
+<ds:datastoreItem xmlns:ds="http://schemas.openxmlformats.org/officeDocument/2006/customXml" ds:itemID="{F63EC60C-A662-4ABD-8414-1A4F84A316F0}">
+  <ds:schemaRefs>
+    <ds:schemaRef ds:uri="http://schemas.microsoft.com/VisualStudio/2011/storyboarding/control"/>
+  </ds:schemaRefs>
+</ds:datastoreItem>
+</file>
+
+<file path=customXml/itemProps250.xml><?xml version="1.0" encoding="utf-8"?>
+<ds:datastoreItem xmlns:ds="http://schemas.openxmlformats.org/officeDocument/2006/customXml" ds:itemID="{3549025A-6CD1-40A9-92D8-3BBBF3AA295A}">
+  <ds:schemaRefs>
+    <ds:schemaRef ds:uri="http://schemas.microsoft.com/VisualStudio/2011/storyboarding/control"/>
+  </ds:schemaRefs>
+</ds:datastoreItem>
+</file>
+
+<file path=customXml/itemProps251.xml><?xml version="1.0" encoding="utf-8"?>
+<ds:datastoreItem xmlns:ds="http://schemas.openxmlformats.org/officeDocument/2006/customXml" ds:itemID="{52F4F04A-DEFF-4D7E-9A07-AF2F824ECCAC}">
+  <ds:schemaRefs>
+    <ds:schemaRef ds:uri="http://schemas.microsoft.com/VisualStudio/2011/storyboarding/control"/>
+  </ds:schemaRefs>
+</ds:datastoreItem>
+</file>
+
+<file path=customXml/itemProps252.xml><?xml version="1.0" encoding="utf-8"?>
+<ds:datastoreItem xmlns:ds="http://schemas.openxmlformats.org/officeDocument/2006/customXml" ds:itemID="{BFA47375-8608-44ED-BCCB-8CB81C7A9D52}">
+  <ds:schemaRefs>
+    <ds:schemaRef ds:uri="http://schemas.microsoft.com/VisualStudio/2011/storyboarding/control"/>
+  </ds:schemaRefs>
+</ds:datastoreItem>
+</file>
+
+<file path=customXml/itemProps253.xml><?xml version="1.0" encoding="utf-8"?>
+<ds:datastoreItem xmlns:ds="http://schemas.openxmlformats.org/officeDocument/2006/customXml" ds:itemID="{28D1A277-7982-45B6-81B3-65B63D8EE9CD}">
+  <ds:schemaRefs>
+    <ds:schemaRef ds:uri="http://schemas.microsoft.com/VisualStudio/2011/storyboarding/control"/>
+  </ds:schemaRefs>
+</ds:datastoreItem>
+</file>
+
+<file path=customXml/itemProps254.xml><?xml version="1.0" encoding="utf-8"?>
+<ds:datastoreItem xmlns:ds="http://schemas.openxmlformats.org/officeDocument/2006/customXml" ds:itemID="{2FCAF674-159C-4149-8B61-9EFD16DB2D60}">
+  <ds:schemaRefs>
+    <ds:schemaRef ds:uri="http://schemas.microsoft.com/VisualStudio/2011/storyboarding/control"/>
+  </ds:schemaRefs>
+</ds:datastoreItem>
+</file>
+
+<file path=customXml/itemProps255.xml><?xml version="1.0" encoding="utf-8"?>
+<ds:datastoreItem xmlns:ds="http://schemas.openxmlformats.org/officeDocument/2006/customXml" ds:itemID="{F9339B3B-2530-471C-B406-992C70D9BD34}">
+  <ds:schemaRefs>
+    <ds:schemaRef ds:uri="http://schemas.microsoft.com/VisualStudio/2011/storyboarding/control"/>
+  </ds:schemaRefs>
+</ds:datastoreItem>
+</file>
+
+<file path=customXml/itemProps256.xml><?xml version="1.0" encoding="utf-8"?>
+<ds:datastoreItem xmlns:ds="http://schemas.openxmlformats.org/officeDocument/2006/customXml" ds:itemID="{B9ACC237-3BC2-4960-A01D-293ACA3FE023}">
+  <ds:schemaRefs>
+    <ds:schemaRef ds:uri="http://schemas.microsoft.com/VisualStudio/2011/storyboarding/control"/>
+  </ds:schemaRefs>
+</ds:datastoreItem>
+</file>
+
+<file path=customXml/itemProps257.xml><?xml version="1.0" encoding="utf-8"?>
 <ds:datastoreItem xmlns:ds="http://schemas.openxmlformats.org/officeDocument/2006/customXml" ds:itemID="{C22DC2B0-5A56-4A11-9D56-C685DE29915C}">
   <ds:schemaRefs>
     <ds:schemaRef ds:uri="http://schemas.microsoft.com/VisualStudio/2011/storyboarding/control"/>
@@ -52409,7 +53143,335 @@
 </ds:datastoreItem>
 </file>
 
-<file path=customXml/itemProps178.xml><?xml version="1.0" encoding="utf-8"?>
+<file path=customXml/itemProps258.xml><?xml version="1.0" encoding="utf-8"?>
+<ds:datastoreItem xmlns:ds="http://schemas.openxmlformats.org/officeDocument/2006/customXml" ds:itemID="{3BDC9059-48A0-4806-8BEB-23814E7D3566}">
+  <ds:schemaRefs>
+    <ds:schemaRef ds:uri="http://schemas.microsoft.com/VisualStudio/2011/storyboarding/control"/>
+  </ds:schemaRefs>
+</ds:datastoreItem>
+</file>
+
+<file path=customXml/itemProps259.xml><?xml version="1.0" encoding="utf-8"?>
+<ds:datastoreItem xmlns:ds="http://schemas.openxmlformats.org/officeDocument/2006/customXml" ds:itemID="{194EFFBD-7D54-4DE8-89F9-D3627AECCA6D}">
+  <ds:schemaRefs>
+    <ds:schemaRef ds:uri="http://schemas.microsoft.com/VisualStudio/2011/storyboarding/control"/>
+  </ds:schemaRefs>
+</ds:datastoreItem>
+</file>
+
+<file path=customXml/itemProps26.xml><?xml version="1.0" encoding="utf-8"?>
+<ds:datastoreItem xmlns:ds="http://schemas.openxmlformats.org/officeDocument/2006/customXml" ds:itemID="{72DABB7C-7EA3-49D3-968A-F1001C125308}">
+  <ds:schemaRefs>
+    <ds:schemaRef ds:uri="http://schemas.microsoft.com/VisualStudio/2011/storyboarding/control"/>
+  </ds:schemaRefs>
+</ds:datastoreItem>
+</file>
+
+<file path=customXml/itemProps260.xml><?xml version="1.0" encoding="utf-8"?>
+<ds:datastoreItem xmlns:ds="http://schemas.openxmlformats.org/officeDocument/2006/customXml" ds:itemID="{1BAA46D1-81FF-47AD-8391-15DD1941445D}">
+  <ds:schemaRefs>
+    <ds:schemaRef ds:uri="http://schemas.microsoft.com/VisualStudio/2011/storyboarding/control"/>
+  </ds:schemaRefs>
+</ds:datastoreItem>
+</file>
+
+<file path=customXml/itemProps261.xml><?xml version="1.0" encoding="utf-8"?>
+<ds:datastoreItem xmlns:ds="http://schemas.openxmlformats.org/officeDocument/2006/customXml" ds:itemID="{CDC052B0-D896-49DC-B064-C88B5A07046B}">
+  <ds:schemaRefs>
+    <ds:schemaRef ds:uri="http://schemas.microsoft.com/VisualStudio/2011/storyboarding/control"/>
+  </ds:schemaRefs>
+</ds:datastoreItem>
+</file>
+
+<file path=customXml/itemProps262.xml><?xml version="1.0" encoding="utf-8"?>
+<ds:datastoreItem xmlns:ds="http://schemas.openxmlformats.org/officeDocument/2006/customXml" ds:itemID="{03E30F20-F868-4C32-B991-CDCD8323EB0C}">
+  <ds:schemaRefs>
+    <ds:schemaRef ds:uri="http://schemas.microsoft.com/VisualStudio/2011/storyboarding/control"/>
+  </ds:schemaRefs>
+</ds:datastoreItem>
+</file>
+
+<file path=customXml/itemProps263.xml><?xml version="1.0" encoding="utf-8"?>
+<ds:datastoreItem xmlns:ds="http://schemas.openxmlformats.org/officeDocument/2006/customXml" ds:itemID="{9450BFFB-AEAE-49FD-87A6-34E338CFE526}">
+  <ds:schemaRefs>
+    <ds:schemaRef ds:uri="http://schemas.microsoft.com/VisualStudio/2011/storyboarding/control"/>
+  </ds:schemaRefs>
+</ds:datastoreItem>
+</file>
+
+<file path=customXml/itemProps264.xml><?xml version="1.0" encoding="utf-8"?>
+<ds:datastoreItem xmlns:ds="http://schemas.openxmlformats.org/officeDocument/2006/customXml" ds:itemID="{AD6C7A00-DCA8-46C5-A458-17FE22EFEE37}">
+  <ds:schemaRefs>
+    <ds:schemaRef ds:uri="http://schemas.microsoft.com/VisualStudio/2011/storyboarding/control"/>
+  </ds:schemaRefs>
+</ds:datastoreItem>
+</file>
+
+<file path=customXml/itemProps265.xml><?xml version="1.0" encoding="utf-8"?>
+<ds:datastoreItem xmlns:ds="http://schemas.openxmlformats.org/officeDocument/2006/customXml" ds:itemID="{2417F5AB-8E36-4910-8200-16B9DF9D2259}">
+  <ds:schemaRefs>
+    <ds:schemaRef ds:uri="http://schemas.microsoft.com/VisualStudio/2011/storyboarding/control"/>
+  </ds:schemaRefs>
+</ds:datastoreItem>
+</file>
+
+<file path=customXml/itemProps266.xml><?xml version="1.0" encoding="utf-8"?>
+<ds:datastoreItem xmlns:ds="http://schemas.openxmlformats.org/officeDocument/2006/customXml" ds:itemID="{66B7EE03-8EE2-4E09-8BB6-1055479AD8B1}">
+  <ds:schemaRefs>
+    <ds:schemaRef ds:uri="http://schemas.microsoft.com/VisualStudio/2011/storyboarding/control"/>
+  </ds:schemaRefs>
+</ds:datastoreItem>
+</file>
+
+<file path=customXml/itemProps267.xml><?xml version="1.0" encoding="utf-8"?>
+<ds:datastoreItem xmlns:ds="http://schemas.openxmlformats.org/officeDocument/2006/customXml" ds:itemID="{908A9238-C4BB-415A-8362-2CB84E7C1448}">
+  <ds:schemaRefs>
+    <ds:schemaRef ds:uri="http://schemas.microsoft.com/VisualStudio/2011/storyboarding/control"/>
+  </ds:schemaRefs>
+</ds:datastoreItem>
+</file>
+
+<file path=customXml/itemProps268.xml><?xml version="1.0" encoding="utf-8"?>
+<ds:datastoreItem xmlns:ds="http://schemas.openxmlformats.org/officeDocument/2006/customXml" ds:itemID="{BF5EF936-99A9-4C7F-AD7C-B4BBA5EDAAB3}">
+  <ds:schemaRefs>
+    <ds:schemaRef ds:uri="http://schemas.microsoft.com/VisualStudio/2011/storyboarding/control"/>
+  </ds:schemaRefs>
+</ds:datastoreItem>
+</file>
+
+<file path=customXml/itemProps269.xml><?xml version="1.0" encoding="utf-8"?>
+<ds:datastoreItem xmlns:ds="http://schemas.openxmlformats.org/officeDocument/2006/customXml" ds:itemID="{220DCEE2-6B38-480F-B53D-84C6A51947D4}">
+  <ds:schemaRefs>
+    <ds:schemaRef ds:uri="http://schemas.microsoft.com/VisualStudio/2011/storyboarding/control"/>
+  </ds:schemaRefs>
+</ds:datastoreItem>
+</file>
+
+<file path=customXml/itemProps27.xml><?xml version="1.0" encoding="utf-8"?>
+<ds:datastoreItem xmlns:ds="http://schemas.openxmlformats.org/officeDocument/2006/customXml" ds:itemID="{5B4DEEEF-56CD-4567-970F-294D256A0B52}">
+  <ds:schemaRefs>
+    <ds:schemaRef ds:uri="http://schemas.microsoft.com/VisualStudio/2011/storyboarding/control"/>
+  </ds:schemaRefs>
+</ds:datastoreItem>
+</file>
+
+<file path=customXml/itemProps270.xml><?xml version="1.0" encoding="utf-8"?>
+<ds:datastoreItem xmlns:ds="http://schemas.openxmlformats.org/officeDocument/2006/customXml" ds:itemID="{A861CB65-74F7-4C03-A4CB-038D1D5EACBA}">
+  <ds:schemaRefs>
+    <ds:schemaRef ds:uri="http://schemas.microsoft.com/VisualStudio/2011/storyboarding/control"/>
+  </ds:schemaRefs>
+</ds:datastoreItem>
+</file>
+
+<file path=customXml/itemProps271.xml><?xml version="1.0" encoding="utf-8"?>
+<ds:datastoreItem xmlns:ds="http://schemas.openxmlformats.org/officeDocument/2006/customXml" ds:itemID="{64EC0383-9E6B-45A0-94E8-38FA095CA4EA}">
+  <ds:schemaRefs>
+    <ds:schemaRef ds:uri="http://schemas.microsoft.com/VisualStudio/2011/storyboarding/control"/>
+  </ds:schemaRefs>
+</ds:datastoreItem>
+</file>
+
+<file path=customXml/itemProps272.xml><?xml version="1.0" encoding="utf-8"?>
+<ds:datastoreItem xmlns:ds="http://schemas.openxmlformats.org/officeDocument/2006/customXml" ds:itemID="{22298047-2860-4124-9ABE-0B6EAD3B2EE5}">
+  <ds:schemaRefs>
+    <ds:schemaRef ds:uri="http://schemas.microsoft.com/VisualStudio/2011/storyboarding/control"/>
+  </ds:schemaRefs>
+</ds:datastoreItem>
+</file>
+
+<file path=customXml/itemProps273.xml><?xml version="1.0" encoding="utf-8"?>
+<ds:datastoreItem xmlns:ds="http://schemas.openxmlformats.org/officeDocument/2006/customXml" ds:itemID="{DACF65FA-EFDA-4966-84D3-E77BB6011A0E}">
+  <ds:schemaRefs>
+    <ds:schemaRef ds:uri="http://schemas.microsoft.com/VisualStudio/2011/storyboarding/control"/>
+  </ds:schemaRefs>
+</ds:datastoreItem>
+</file>
+
+<file path=customXml/itemProps274.xml><?xml version="1.0" encoding="utf-8"?>
+<ds:datastoreItem xmlns:ds="http://schemas.openxmlformats.org/officeDocument/2006/customXml" ds:itemID="{D69CFD16-B2BA-45BF-B7EE-A6D183D6613E}">
+  <ds:schemaRefs>
+    <ds:schemaRef ds:uri="http://schemas.microsoft.com/VisualStudio/2011/storyboarding/control"/>
+  </ds:schemaRefs>
+</ds:datastoreItem>
+</file>
+
+<file path=customXml/itemProps275.xml><?xml version="1.0" encoding="utf-8"?>
+<ds:datastoreItem xmlns:ds="http://schemas.openxmlformats.org/officeDocument/2006/customXml" ds:itemID="{FE02890D-64A9-4CF8-A33A-28C5FBDDBA8F}">
+  <ds:schemaRefs>
+    <ds:schemaRef ds:uri="http://schemas.microsoft.com/VisualStudio/2011/storyboarding/control"/>
+  </ds:schemaRefs>
+</ds:datastoreItem>
+</file>
+
+<file path=customXml/itemProps276.xml><?xml version="1.0" encoding="utf-8"?>
+<ds:datastoreItem xmlns:ds="http://schemas.openxmlformats.org/officeDocument/2006/customXml" ds:itemID="{F8F939D1-6E97-4AA6-8C60-E62D52C6A98E}">
+  <ds:schemaRefs>
+    <ds:schemaRef ds:uri="http://schemas.microsoft.com/VisualStudio/2011/storyboarding/control"/>
+  </ds:schemaRefs>
+</ds:datastoreItem>
+</file>
+
+<file path=customXml/itemProps277.xml><?xml version="1.0" encoding="utf-8"?>
+<ds:datastoreItem xmlns:ds="http://schemas.openxmlformats.org/officeDocument/2006/customXml" ds:itemID="{72885D4F-C623-4A99-A153-5085063EB054}">
+  <ds:schemaRefs>
+    <ds:schemaRef ds:uri="http://schemas.microsoft.com/VisualStudio/2011/storyboarding/control"/>
+  </ds:schemaRefs>
+</ds:datastoreItem>
+</file>
+
+<file path=customXml/itemProps278.xml><?xml version="1.0" encoding="utf-8"?>
+<ds:datastoreItem xmlns:ds="http://schemas.openxmlformats.org/officeDocument/2006/customXml" ds:itemID="{DC463221-36EF-45FA-B905-473D557D5CB2}">
+  <ds:schemaRefs>
+    <ds:schemaRef ds:uri="http://schemas.microsoft.com/VisualStudio/2011/storyboarding/control"/>
+  </ds:schemaRefs>
+</ds:datastoreItem>
+</file>
+
+<file path=customXml/itemProps279.xml><?xml version="1.0" encoding="utf-8"?>
+<ds:datastoreItem xmlns:ds="http://schemas.openxmlformats.org/officeDocument/2006/customXml" ds:itemID="{E68A883A-BE53-4126-A917-6A8773322FC1}">
+  <ds:schemaRefs>
+    <ds:schemaRef ds:uri="http://schemas.microsoft.com/VisualStudio/2011/storyboarding/control"/>
+  </ds:schemaRefs>
+</ds:datastoreItem>
+</file>
+
+<file path=customXml/itemProps28.xml><?xml version="1.0" encoding="utf-8"?>
+<ds:datastoreItem xmlns:ds="http://schemas.openxmlformats.org/officeDocument/2006/customXml" ds:itemID="{C525BE8E-83E6-45C6-AFBC-894F7F4709C9}">
+  <ds:schemaRefs>
+    <ds:schemaRef ds:uri="http://schemas.microsoft.com/VisualStudio/2011/storyboarding/control"/>
+  </ds:schemaRefs>
+</ds:datastoreItem>
+</file>
+
+<file path=customXml/itemProps280.xml><?xml version="1.0" encoding="utf-8"?>
+<ds:datastoreItem xmlns:ds="http://schemas.openxmlformats.org/officeDocument/2006/customXml" ds:itemID="{E865EDF1-3988-4CC1-989C-8004E81819F1}">
+  <ds:schemaRefs>
+    <ds:schemaRef ds:uri="http://schemas.microsoft.com/VisualStudio/2011/storyboarding/control"/>
+  </ds:schemaRefs>
+</ds:datastoreItem>
+</file>
+
+<file path=customXml/itemProps281.xml><?xml version="1.0" encoding="utf-8"?>
+<ds:datastoreItem xmlns:ds="http://schemas.openxmlformats.org/officeDocument/2006/customXml" ds:itemID="{5B72F3A7-2F70-4317-B3BA-28245E6D839E}">
+  <ds:schemaRefs>
+    <ds:schemaRef ds:uri="http://schemas.microsoft.com/VisualStudio/2011/storyboarding/control"/>
+  </ds:schemaRefs>
+</ds:datastoreItem>
+</file>
+
+<file path=customXml/itemProps282.xml><?xml version="1.0" encoding="utf-8"?>
+<ds:datastoreItem xmlns:ds="http://schemas.openxmlformats.org/officeDocument/2006/customXml" ds:itemID="{F93B8E6E-30BF-4283-9D90-B34AD2F7E9B8}">
+  <ds:schemaRefs>
+    <ds:schemaRef ds:uri="http://schemas.microsoft.com/VisualStudio/2011/storyboarding/control"/>
+  </ds:schemaRefs>
+</ds:datastoreItem>
+</file>
+
+<file path=customXml/itemProps283.xml><?xml version="1.0" encoding="utf-8"?>
+<ds:datastoreItem xmlns:ds="http://schemas.openxmlformats.org/officeDocument/2006/customXml" ds:itemID="{02E01893-8D39-4111-A2D3-E0F163968A1D}">
+  <ds:schemaRefs>
+    <ds:schemaRef ds:uri="http://schemas.microsoft.com/VisualStudio/2011/storyboarding/control"/>
+  </ds:schemaRefs>
+</ds:datastoreItem>
+</file>
+
+<file path=customXml/itemProps284.xml><?xml version="1.0" encoding="utf-8"?>
+<ds:datastoreItem xmlns:ds="http://schemas.openxmlformats.org/officeDocument/2006/customXml" ds:itemID="{8FAA362E-168D-4E9C-A7A3-3697BCAC82F9}">
+  <ds:schemaRefs>
+    <ds:schemaRef ds:uri="http://schemas.microsoft.com/VisualStudio/2011/storyboarding/control"/>
+  </ds:schemaRefs>
+</ds:datastoreItem>
+</file>
+
+<file path=customXml/itemProps285.xml><?xml version="1.0" encoding="utf-8"?>
+<ds:datastoreItem xmlns:ds="http://schemas.openxmlformats.org/officeDocument/2006/customXml" ds:itemID="{8A82294C-5C1E-4DB4-9A53-E8A0F1373D33}">
+  <ds:schemaRefs>
+    <ds:schemaRef ds:uri="http://schemas.microsoft.com/VisualStudio/2011/storyboarding/control"/>
+  </ds:schemaRefs>
+</ds:datastoreItem>
+</file>
+
+<file path=customXml/itemProps286.xml><?xml version="1.0" encoding="utf-8"?>
+<ds:datastoreItem xmlns:ds="http://schemas.openxmlformats.org/officeDocument/2006/customXml" ds:itemID="{E98BB9AA-0D65-484B-9086-12797246EAA1}">
+  <ds:schemaRefs>
+    <ds:schemaRef ds:uri="http://schemas.microsoft.com/VisualStudio/2011/storyboarding/control"/>
+  </ds:schemaRefs>
+</ds:datastoreItem>
+</file>
+
+<file path=customXml/itemProps287.xml><?xml version="1.0" encoding="utf-8"?>
+<ds:datastoreItem xmlns:ds="http://schemas.openxmlformats.org/officeDocument/2006/customXml" ds:itemID="{0F3775A4-7680-414F-9B44-53B991F3AA41}">
+  <ds:schemaRefs>
+    <ds:schemaRef ds:uri="http://schemas.microsoft.com/VisualStudio/2011/storyboarding/control"/>
+  </ds:schemaRefs>
+</ds:datastoreItem>
+</file>
+
+<file path=customXml/itemProps288.xml><?xml version="1.0" encoding="utf-8"?>
+<ds:datastoreItem xmlns:ds="http://schemas.openxmlformats.org/officeDocument/2006/customXml" ds:itemID="{11B5B85D-5047-4624-8DFA-E3DDF7583D1C}">
+  <ds:schemaRefs>
+    <ds:schemaRef ds:uri="http://schemas.microsoft.com/VisualStudio/2011/storyboarding/control"/>
+  </ds:schemaRefs>
+</ds:datastoreItem>
+</file>
+
+<file path=customXml/itemProps289.xml><?xml version="1.0" encoding="utf-8"?>
+<ds:datastoreItem xmlns:ds="http://schemas.openxmlformats.org/officeDocument/2006/customXml" ds:itemID="{FE86B839-7668-43C5-82C0-CC854DC0472B}">
+  <ds:schemaRefs>
+    <ds:schemaRef ds:uri="http://schemas.microsoft.com/VisualStudio/2011/storyboarding/control"/>
+  </ds:schemaRefs>
+</ds:datastoreItem>
+</file>
+
+<file path=customXml/itemProps29.xml><?xml version="1.0" encoding="utf-8"?>
+<ds:datastoreItem xmlns:ds="http://schemas.openxmlformats.org/officeDocument/2006/customXml" ds:itemID="{90EAA474-3AB7-487A-9079-9B0AE873626F}">
+  <ds:schemaRefs>
+    <ds:schemaRef ds:uri="http://schemas.microsoft.com/VisualStudio/2011/storyboarding/control"/>
+  </ds:schemaRefs>
+</ds:datastoreItem>
+</file>
+
+<file path=customXml/itemProps290.xml><?xml version="1.0" encoding="utf-8"?>
+<ds:datastoreItem xmlns:ds="http://schemas.openxmlformats.org/officeDocument/2006/customXml" ds:itemID="{A846728F-361C-42B5-A68F-6243A03724F7}">
+  <ds:schemaRefs>
+    <ds:schemaRef ds:uri="http://schemas.microsoft.com/VisualStudio/2011/storyboarding/control"/>
+  </ds:schemaRefs>
+</ds:datastoreItem>
+</file>
+
+<file path=customXml/itemProps291.xml><?xml version="1.0" encoding="utf-8"?>
+<ds:datastoreItem xmlns:ds="http://schemas.openxmlformats.org/officeDocument/2006/customXml" ds:itemID="{5802AE79-1D4B-481F-AE9F-031D546FD7CE}">
+  <ds:schemaRefs>
+    <ds:schemaRef ds:uri="http://schemas.microsoft.com/VisualStudio/2011/storyboarding/control"/>
+  </ds:schemaRefs>
+</ds:datastoreItem>
+</file>
+
+<file path=customXml/itemProps292.xml><?xml version="1.0" encoding="utf-8"?>
+<ds:datastoreItem xmlns:ds="http://schemas.openxmlformats.org/officeDocument/2006/customXml" ds:itemID="{5D2143CA-34F9-4969-9FE0-572B1C1A3C44}">
+  <ds:schemaRefs>
+    <ds:schemaRef ds:uri="http://schemas.microsoft.com/VisualStudio/2011/storyboarding/control"/>
+  </ds:schemaRefs>
+</ds:datastoreItem>
+</file>
+
+<file path=customXml/itemProps293.xml><?xml version="1.0" encoding="utf-8"?>
+<ds:datastoreItem xmlns:ds="http://schemas.openxmlformats.org/officeDocument/2006/customXml" ds:itemID="{E122DFB9-543A-4200-A2BA-1912699A7065}">
+  <ds:schemaRefs>
+    <ds:schemaRef ds:uri="http://schemas.microsoft.com/VisualStudio/2011/storyboarding/control"/>
+  </ds:schemaRefs>
+</ds:datastoreItem>
+</file>
+
+<file path=customXml/itemProps294.xml><?xml version="1.0" encoding="utf-8"?>
+<ds:datastoreItem xmlns:ds="http://schemas.openxmlformats.org/officeDocument/2006/customXml" ds:itemID="{DFC4BA27-EE3A-4A28-A4A7-7B1E76E7DBB3}">
+  <ds:schemaRefs>
+    <ds:schemaRef ds:uri="http://schemas.microsoft.com/VisualStudio/2011/storyboarding/control"/>
+  </ds:schemaRefs>
+</ds:datastoreItem>
+</file>
+
+<file path=customXml/itemProps295.xml><?xml version="1.0" encoding="utf-8"?>
 <ds:datastoreItem xmlns:ds="http://schemas.openxmlformats.org/officeDocument/2006/customXml" ds:itemID="{8D3B4A51-C576-49D2-A996-985DC68FA7D2}">
   <ds:schemaRefs>
     <ds:schemaRef ds:uri="http://schemas.microsoft.com/VisualStudio/2011/storyboarding/control"/>
@@ -52417,7 +53479,423 @@
 </ds:datastoreItem>
 </file>
 
-<file path=customXml/itemProps179.xml><?xml version="1.0" encoding="utf-8"?>
+<file path=customXml/itemProps296.xml><?xml version="1.0" encoding="utf-8"?>
+<ds:datastoreItem xmlns:ds="http://schemas.openxmlformats.org/officeDocument/2006/customXml" ds:itemID="{11E4110D-CF95-4EEA-8FFB-9C414F62C357}">
+  <ds:schemaRefs>
+    <ds:schemaRef ds:uri="http://schemas.microsoft.com/VisualStudio/2011/storyboarding/control"/>
+  </ds:schemaRefs>
+</ds:datastoreItem>
+</file>
+
+<file path=customXml/itemProps297.xml><?xml version="1.0" encoding="utf-8"?>
+<ds:datastoreItem xmlns:ds="http://schemas.openxmlformats.org/officeDocument/2006/customXml" ds:itemID="{CBFD31DF-E513-42F0-BFDE-A451DB4DBA4C}">
+  <ds:schemaRefs>
+    <ds:schemaRef ds:uri="http://schemas.microsoft.com/VisualStudio/2011/storyboarding/control"/>
+  </ds:schemaRefs>
+</ds:datastoreItem>
+</file>
+
+<file path=customXml/itemProps298.xml><?xml version="1.0" encoding="utf-8"?>
+<ds:datastoreItem xmlns:ds="http://schemas.openxmlformats.org/officeDocument/2006/customXml" ds:itemID="{B6677859-B177-4B7B-AC70-C6080008691A}">
+  <ds:schemaRefs>
+    <ds:schemaRef ds:uri="http://schemas.microsoft.com/VisualStudio/2011/storyboarding/control"/>
+  </ds:schemaRefs>
+</ds:datastoreItem>
+</file>
+
+<file path=customXml/itemProps299.xml><?xml version="1.0" encoding="utf-8"?>
+<ds:datastoreItem xmlns:ds="http://schemas.openxmlformats.org/officeDocument/2006/customXml" ds:itemID="{643CC93A-F61B-4C55-9BA1-1D0256240388}">
+  <ds:schemaRefs>
+    <ds:schemaRef ds:uri="http://schemas.microsoft.com/VisualStudio/2011/storyboarding/control"/>
+  </ds:schemaRefs>
+</ds:datastoreItem>
+</file>
+
+<file path=customXml/itemProps3.xml><?xml version="1.0" encoding="utf-8"?>
+<ds:datastoreItem xmlns:ds="http://schemas.openxmlformats.org/officeDocument/2006/customXml" ds:itemID="{78E3DC21-8D2E-45DA-8933-EA7651D2BD80}">
+  <ds:schemaRefs>
+    <ds:schemaRef ds:uri="http://schemas.microsoft.com/VisualStudio/2011/storyboarding/control"/>
+  </ds:schemaRefs>
+</ds:datastoreItem>
+</file>
+
+<file path=customXml/itemProps30.xml><?xml version="1.0" encoding="utf-8"?>
+<ds:datastoreItem xmlns:ds="http://schemas.openxmlformats.org/officeDocument/2006/customXml" ds:itemID="{996D0C3E-9689-4071-989C-AE850CF7FDD0}">
+  <ds:schemaRefs>
+    <ds:schemaRef ds:uri="http://schemas.microsoft.com/VisualStudio/2011/storyboarding/control"/>
+  </ds:schemaRefs>
+</ds:datastoreItem>
+</file>
+
+<file path=customXml/itemProps300.xml><?xml version="1.0" encoding="utf-8"?>
+<ds:datastoreItem xmlns:ds="http://schemas.openxmlformats.org/officeDocument/2006/customXml" ds:itemID="{1E0749F9-F6FF-42FB-A9D7-C3E5ECDEE0F1}">
+  <ds:schemaRefs>
+    <ds:schemaRef ds:uri="http://schemas.microsoft.com/VisualStudio/2011/storyboarding/control"/>
+  </ds:schemaRefs>
+</ds:datastoreItem>
+</file>
+
+<file path=customXml/itemProps301.xml><?xml version="1.0" encoding="utf-8"?>
+<ds:datastoreItem xmlns:ds="http://schemas.openxmlformats.org/officeDocument/2006/customXml" ds:itemID="{CB095636-C5CB-4BEF-A40F-C5E8671592D1}">
+  <ds:schemaRefs>
+    <ds:schemaRef ds:uri="http://schemas.microsoft.com/VisualStudio/2011/storyboarding/control"/>
+  </ds:schemaRefs>
+</ds:datastoreItem>
+</file>
+
+<file path=customXml/itemProps302.xml><?xml version="1.0" encoding="utf-8"?>
+<ds:datastoreItem xmlns:ds="http://schemas.openxmlformats.org/officeDocument/2006/customXml" ds:itemID="{8AF431A9-BF08-4BD0-A780-EC38485A3187}">
+  <ds:schemaRefs>
+    <ds:schemaRef ds:uri="http://schemas.microsoft.com/VisualStudio/2011/storyboarding/control"/>
+  </ds:schemaRefs>
+</ds:datastoreItem>
+</file>
+
+<file path=customXml/itemProps303.xml><?xml version="1.0" encoding="utf-8"?>
+<ds:datastoreItem xmlns:ds="http://schemas.openxmlformats.org/officeDocument/2006/customXml" ds:itemID="{C69B6E2F-C3BC-461E-B8E6-DCFFBFA5EBE0}">
+  <ds:schemaRefs>
+    <ds:schemaRef ds:uri="http://schemas.microsoft.com/VisualStudio/2011/storyboarding/control"/>
+  </ds:schemaRefs>
+</ds:datastoreItem>
+</file>
+
+<file path=customXml/itemProps304.xml><?xml version="1.0" encoding="utf-8"?>
+<ds:datastoreItem xmlns:ds="http://schemas.openxmlformats.org/officeDocument/2006/customXml" ds:itemID="{BF2BF6A4-4EC3-4DB6-B461-51BD5F86F3E4}">
+  <ds:schemaRefs>
+    <ds:schemaRef ds:uri="http://schemas.microsoft.com/VisualStudio/2011/storyboarding/control"/>
+  </ds:schemaRefs>
+</ds:datastoreItem>
+</file>
+
+<file path=customXml/itemProps305.xml><?xml version="1.0" encoding="utf-8"?>
+<ds:datastoreItem xmlns:ds="http://schemas.openxmlformats.org/officeDocument/2006/customXml" ds:itemID="{0512EDEA-3EA1-4527-9B17-E618A3C1B5E2}">
+  <ds:schemaRefs>
+    <ds:schemaRef ds:uri="http://schemas.microsoft.com/VisualStudio/2011/storyboarding/control"/>
+  </ds:schemaRefs>
+</ds:datastoreItem>
+</file>
+
+<file path=customXml/itemProps306.xml><?xml version="1.0" encoding="utf-8"?>
+<ds:datastoreItem xmlns:ds="http://schemas.openxmlformats.org/officeDocument/2006/customXml" ds:itemID="{0B3DDA0A-E490-4707-A3B7-C61C97D6EB56}">
+  <ds:schemaRefs>
+    <ds:schemaRef ds:uri="http://schemas.microsoft.com/VisualStudio/2011/storyboarding/control"/>
+  </ds:schemaRefs>
+</ds:datastoreItem>
+</file>
+
+<file path=customXml/itemProps307.xml><?xml version="1.0" encoding="utf-8"?>
+<ds:datastoreItem xmlns:ds="http://schemas.openxmlformats.org/officeDocument/2006/customXml" ds:itemID="{3DF2B7D0-7790-4931-856C-0052A3987677}">
+  <ds:schemaRefs>
+    <ds:schemaRef ds:uri="http://schemas.microsoft.com/VisualStudio/2011/storyboarding/control"/>
+  </ds:schemaRefs>
+</ds:datastoreItem>
+</file>
+
+<file path=customXml/itemProps308.xml><?xml version="1.0" encoding="utf-8"?>
+<ds:datastoreItem xmlns:ds="http://schemas.openxmlformats.org/officeDocument/2006/customXml" ds:itemID="{D2F41456-B3D8-454F-B1D9-7549C0A00CD6}">
+  <ds:schemaRefs>
+    <ds:schemaRef ds:uri="http://schemas.microsoft.com/VisualStudio/2011/storyboarding/control"/>
+  </ds:schemaRefs>
+</ds:datastoreItem>
+</file>
+
+<file path=customXml/itemProps309.xml><?xml version="1.0" encoding="utf-8"?>
+<ds:datastoreItem xmlns:ds="http://schemas.openxmlformats.org/officeDocument/2006/customXml" ds:itemID="{7463D96E-2ECA-410B-91BB-BA2264EF8B9B}">
+  <ds:schemaRefs>
+    <ds:schemaRef ds:uri="http://schemas.microsoft.com/VisualStudio/2011/storyboarding/control"/>
+  </ds:schemaRefs>
+</ds:datastoreItem>
+</file>
+
+<file path=customXml/itemProps31.xml><?xml version="1.0" encoding="utf-8"?>
+<ds:datastoreItem xmlns:ds="http://schemas.openxmlformats.org/officeDocument/2006/customXml" ds:itemID="{A312B8E6-1370-44D7-BD1F-51828CABC0C4}">
+  <ds:schemaRefs>
+    <ds:schemaRef ds:uri="http://schemas.microsoft.com/VisualStudio/2011/storyboarding/control"/>
+  </ds:schemaRefs>
+</ds:datastoreItem>
+</file>
+
+<file path=customXml/itemProps310.xml><?xml version="1.0" encoding="utf-8"?>
+<ds:datastoreItem xmlns:ds="http://schemas.openxmlformats.org/officeDocument/2006/customXml" ds:itemID="{258917D9-A883-4696-8858-4D509FD5F52B}">
+  <ds:schemaRefs>
+    <ds:schemaRef ds:uri="http://schemas.microsoft.com/VisualStudio/2011/storyboarding/control"/>
+  </ds:schemaRefs>
+</ds:datastoreItem>
+</file>
+
+<file path=customXml/itemProps311.xml><?xml version="1.0" encoding="utf-8"?>
+<ds:datastoreItem xmlns:ds="http://schemas.openxmlformats.org/officeDocument/2006/customXml" ds:itemID="{FFDC57D8-70E8-4A78-A544-39E269362B77}">
+  <ds:schemaRefs>
+    <ds:schemaRef ds:uri="http://schemas.microsoft.com/VisualStudio/2011/storyboarding/control"/>
+  </ds:schemaRefs>
+</ds:datastoreItem>
+</file>
+
+<file path=customXml/itemProps312.xml><?xml version="1.0" encoding="utf-8"?>
+<ds:datastoreItem xmlns:ds="http://schemas.openxmlformats.org/officeDocument/2006/customXml" ds:itemID="{B4942043-A538-454C-BD77-9CAD6710E195}">
+  <ds:schemaRefs>
+    <ds:schemaRef ds:uri="http://schemas.microsoft.com/VisualStudio/2011/storyboarding/control"/>
+  </ds:schemaRefs>
+</ds:datastoreItem>
+</file>
+
+<file path=customXml/itemProps313.xml><?xml version="1.0" encoding="utf-8"?>
+<ds:datastoreItem xmlns:ds="http://schemas.openxmlformats.org/officeDocument/2006/customXml" ds:itemID="{5FFF9015-846B-44AB-BE62-1ABB7B095C16}">
+  <ds:schemaRefs>
+    <ds:schemaRef ds:uri="http://schemas.microsoft.com/VisualStudio/2011/storyboarding/control"/>
+  </ds:schemaRefs>
+</ds:datastoreItem>
+</file>
+
+<file path=customXml/itemProps314.xml><?xml version="1.0" encoding="utf-8"?>
+<ds:datastoreItem xmlns:ds="http://schemas.openxmlformats.org/officeDocument/2006/customXml" ds:itemID="{8657ADC1-E960-48DC-919F-B8C8C0DE04B6}">
+  <ds:schemaRefs>
+    <ds:schemaRef ds:uri="http://schemas.microsoft.com/VisualStudio/2011/storyboarding/control"/>
+  </ds:schemaRefs>
+</ds:datastoreItem>
+</file>
+
+<file path=customXml/itemProps315.xml><?xml version="1.0" encoding="utf-8"?>
+<ds:datastoreItem xmlns:ds="http://schemas.openxmlformats.org/officeDocument/2006/customXml" ds:itemID="{45DD395C-B308-4B96-87E1-914FD6E40852}">
+  <ds:schemaRefs>
+    <ds:schemaRef ds:uri="http://schemas.microsoft.com/VisualStudio/2011/storyboarding/control"/>
+  </ds:schemaRefs>
+</ds:datastoreItem>
+</file>
+
+<file path=customXml/itemProps316.xml><?xml version="1.0" encoding="utf-8"?>
+<ds:datastoreItem xmlns:ds="http://schemas.openxmlformats.org/officeDocument/2006/customXml" ds:itemID="{65614E93-2C50-42A4-9EB7-366D9C102A55}">
+  <ds:schemaRefs>
+    <ds:schemaRef ds:uri="http://schemas.microsoft.com/VisualStudio/2011/storyboarding/control"/>
+  </ds:schemaRefs>
+</ds:datastoreItem>
+</file>
+
+<file path=customXml/itemProps317.xml><?xml version="1.0" encoding="utf-8"?>
+<ds:datastoreItem xmlns:ds="http://schemas.openxmlformats.org/officeDocument/2006/customXml" ds:itemID="{8FACE5F0-B168-405F-AF8C-70D181584E79}">
+  <ds:schemaRefs>
+    <ds:schemaRef ds:uri="http://schemas.microsoft.com/VisualStudio/2011/storyboarding/control"/>
+  </ds:schemaRefs>
+</ds:datastoreItem>
+</file>
+
+<file path=customXml/itemProps318.xml><?xml version="1.0" encoding="utf-8"?>
+<ds:datastoreItem xmlns:ds="http://schemas.openxmlformats.org/officeDocument/2006/customXml" ds:itemID="{3C0EEA6E-C87B-4447-BE3E-43DAC0D0FCD4}">
+  <ds:schemaRefs>
+    <ds:schemaRef ds:uri="http://schemas.microsoft.com/VisualStudio/2011/storyboarding/control"/>
+  </ds:schemaRefs>
+</ds:datastoreItem>
+</file>
+
+<file path=customXml/itemProps319.xml><?xml version="1.0" encoding="utf-8"?>
+<ds:datastoreItem xmlns:ds="http://schemas.openxmlformats.org/officeDocument/2006/customXml" ds:itemID="{122AF3B9-9E19-47E8-BB26-5FC85688BA5A}">
+  <ds:schemaRefs>
+    <ds:schemaRef ds:uri="http://schemas.microsoft.com/VisualStudio/2011/storyboarding/control"/>
+  </ds:schemaRefs>
+</ds:datastoreItem>
+</file>
+
+<file path=customXml/itemProps32.xml><?xml version="1.0" encoding="utf-8"?>
+<ds:datastoreItem xmlns:ds="http://schemas.openxmlformats.org/officeDocument/2006/customXml" ds:itemID="{83C93A91-E87D-4C18-B0C5-D1ADC1FF6218}">
+  <ds:schemaRefs>
+    <ds:schemaRef ds:uri="http://schemas.microsoft.com/VisualStudio/2011/storyboarding/control"/>
+  </ds:schemaRefs>
+</ds:datastoreItem>
+</file>
+
+<file path=customXml/itemProps320.xml><?xml version="1.0" encoding="utf-8"?>
+<ds:datastoreItem xmlns:ds="http://schemas.openxmlformats.org/officeDocument/2006/customXml" ds:itemID="{1A5396DD-9080-4B99-95D8-64D9A83F183E}">
+  <ds:schemaRefs>
+    <ds:schemaRef ds:uri="http://schemas.microsoft.com/VisualStudio/2011/storyboarding/control"/>
+  </ds:schemaRefs>
+</ds:datastoreItem>
+</file>
+
+<file path=customXml/itemProps321.xml><?xml version="1.0" encoding="utf-8"?>
+<ds:datastoreItem xmlns:ds="http://schemas.openxmlformats.org/officeDocument/2006/customXml" ds:itemID="{D6494453-72AC-4CA0-8B11-435228DCD29A}">
+  <ds:schemaRefs>
+    <ds:schemaRef ds:uri="http://schemas.microsoft.com/VisualStudio/2011/storyboarding/control"/>
+  </ds:schemaRefs>
+</ds:datastoreItem>
+</file>
+
+<file path=customXml/itemProps322.xml><?xml version="1.0" encoding="utf-8"?>
+<ds:datastoreItem xmlns:ds="http://schemas.openxmlformats.org/officeDocument/2006/customXml" ds:itemID="{C7E374A0-5595-4F3D-A445-F45CA2D87AE7}">
+  <ds:schemaRefs>
+    <ds:schemaRef ds:uri="http://schemas.microsoft.com/VisualStudio/2011/storyboarding/control"/>
+  </ds:schemaRefs>
+</ds:datastoreItem>
+</file>
+
+<file path=customXml/itemProps323.xml><?xml version="1.0" encoding="utf-8"?>
+<ds:datastoreItem xmlns:ds="http://schemas.openxmlformats.org/officeDocument/2006/customXml" ds:itemID="{8B83EB0A-FD15-4E1B-98B9-271FD78B4A8D}">
+  <ds:schemaRefs>
+    <ds:schemaRef ds:uri="http://schemas.microsoft.com/VisualStudio/2011/storyboarding/control"/>
+  </ds:schemaRefs>
+</ds:datastoreItem>
+</file>
+
+<file path=customXml/itemProps324.xml><?xml version="1.0" encoding="utf-8"?>
+<ds:datastoreItem xmlns:ds="http://schemas.openxmlformats.org/officeDocument/2006/customXml" ds:itemID="{87B3B4CD-0E68-44A0-9D24-6E79DEC855D9}">
+  <ds:schemaRefs>
+    <ds:schemaRef ds:uri="http://schemas.microsoft.com/VisualStudio/2011/storyboarding/control"/>
+  </ds:schemaRefs>
+</ds:datastoreItem>
+</file>
+
+<file path=customXml/itemProps325.xml><?xml version="1.0" encoding="utf-8"?>
+<ds:datastoreItem xmlns:ds="http://schemas.openxmlformats.org/officeDocument/2006/customXml" ds:itemID="{A436C3F9-C01E-421A-AA53-0686B1804868}">
+  <ds:schemaRefs>
+    <ds:schemaRef ds:uri="http://schemas.microsoft.com/VisualStudio/2011/storyboarding/control"/>
+  </ds:schemaRefs>
+</ds:datastoreItem>
+</file>
+
+<file path=customXml/itemProps326.xml><?xml version="1.0" encoding="utf-8"?>
+<ds:datastoreItem xmlns:ds="http://schemas.openxmlformats.org/officeDocument/2006/customXml" ds:itemID="{A34CB06E-319F-4F5D-84F2-B6726A106FF1}">
+  <ds:schemaRefs>
+    <ds:schemaRef ds:uri="http://schemas.microsoft.com/VisualStudio/2011/storyboarding/control"/>
+  </ds:schemaRefs>
+</ds:datastoreItem>
+</file>
+
+<file path=customXml/itemProps327.xml><?xml version="1.0" encoding="utf-8"?>
+<ds:datastoreItem xmlns:ds="http://schemas.openxmlformats.org/officeDocument/2006/customXml" ds:itemID="{6A810CBD-B6A2-401B-A9BC-DABB4BC4F334}">
+  <ds:schemaRefs>
+    <ds:schemaRef ds:uri="http://schemas.microsoft.com/VisualStudio/2011/storyboarding/control"/>
+  </ds:schemaRefs>
+</ds:datastoreItem>
+</file>
+
+<file path=customXml/itemProps328.xml><?xml version="1.0" encoding="utf-8"?>
+<ds:datastoreItem xmlns:ds="http://schemas.openxmlformats.org/officeDocument/2006/customXml" ds:itemID="{0A248982-2D27-415F-82A9-7D157D116772}">
+  <ds:schemaRefs>
+    <ds:schemaRef ds:uri="http://schemas.microsoft.com/VisualStudio/2011/storyboarding/control"/>
+  </ds:schemaRefs>
+</ds:datastoreItem>
+</file>
+
+<file path=customXml/itemProps329.xml><?xml version="1.0" encoding="utf-8"?>
+<ds:datastoreItem xmlns:ds="http://schemas.openxmlformats.org/officeDocument/2006/customXml" ds:itemID="{53106773-D6F2-41AD-9860-407045754501}">
+  <ds:schemaRefs>
+    <ds:schemaRef ds:uri="http://schemas.microsoft.com/VisualStudio/2011/storyboarding/control"/>
+  </ds:schemaRefs>
+</ds:datastoreItem>
+</file>
+
+<file path=customXml/itemProps33.xml><?xml version="1.0" encoding="utf-8"?>
+<ds:datastoreItem xmlns:ds="http://schemas.openxmlformats.org/officeDocument/2006/customXml" ds:itemID="{009DA1A9-4EDC-4475-A44D-605F6441F2B4}">
+  <ds:schemaRefs>
+    <ds:schemaRef ds:uri="http://schemas.microsoft.com/VisualStudio/2011/storyboarding/control"/>
+  </ds:schemaRefs>
+</ds:datastoreItem>
+</file>
+
+<file path=customXml/itemProps330.xml><?xml version="1.0" encoding="utf-8"?>
+<ds:datastoreItem xmlns:ds="http://schemas.openxmlformats.org/officeDocument/2006/customXml" ds:itemID="{F1ECC984-C114-4A79-B5B6-12711CAF99BF}">
+  <ds:schemaRefs>
+    <ds:schemaRef ds:uri="http://schemas.microsoft.com/VisualStudio/2011/storyboarding/control"/>
+  </ds:schemaRefs>
+</ds:datastoreItem>
+</file>
+
+<file path=customXml/itemProps331.xml><?xml version="1.0" encoding="utf-8"?>
+<ds:datastoreItem xmlns:ds="http://schemas.openxmlformats.org/officeDocument/2006/customXml" ds:itemID="{4F214AE2-92D0-4CA1-90F2-CFEEEDA42A43}">
+  <ds:schemaRefs>
+    <ds:schemaRef ds:uri="http://schemas.microsoft.com/VisualStudio/2011/storyboarding/control"/>
+  </ds:schemaRefs>
+</ds:datastoreItem>
+</file>
+
+<file path=customXml/itemProps332.xml><?xml version="1.0" encoding="utf-8"?>
+<ds:datastoreItem xmlns:ds="http://schemas.openxmlformats.org/officeDocument/2006/customXml" ds:itemID="{52A63756-CF17-41B8-A031-BAA923C95F8F}">
+  <ds:schemaRefs>
+    <ds:schemaRef ds:uri="http://schemas.microsoft.com/VisualStudio/2011/storyboarding/control"/>
+  </ds:schemaRefs>
+</ds:datastoreItem>
+</file>
+
+<file path=customXml/itemProps333.xml><?xml version="1.0" encoding="utf-8"?>
+<ds:datastoreItem xmlns:ds="http://schemas.openxmlformats.org/officeDocument/2006/customXml" ds:itemID="{EF0E9FE0-6566-49BC-A80B-F3C0C6151F37}">
+  <ds:schemaRefs>
+    <ds:schemaRef ds:uri="http://schemas.microsoft.com/VisualStudio/2011/storyboarding/control"/>
+  </ds:schemaRefs>
+</ds:datastoreItem>
+</file>
+
+<file path=customXml/itemProps334.xml><?xml version="1.0" encoding="utf-8"?>
+<ds:datastoreItem xmlns:ds="http://schemas.openxmlformats.org/officeDocument/2006/customXml" ds:itemID="{ACAC4340-9ABF-4D69-B98A-AE03B48E083A}">
+  <ds:schemaRefs>
+    <ds:schemaRef ds:uri="http://schemas.microsoft.com/VisualStudio/2011/storyboarding/control"/>
+  </ds:schemaRefs>
+</ds:datastoreItem>
+</file>
+
+<file path=customXml/itemProps335.xml><?xml version="1.0" encoding="utf-8"?>
+<ds:datastoreItem xmlns:ds="http://schemas.openxmlformats.org/officeDocument/2006/customXml" ds:itemID="{EAB4794E-8C10-4B92-ACA3-FB387A84B934}">
+  <ds:schemaRefs>
+    <ds:schemaRef ds:uri="http://schemas.microsoft.com/VisualStudio/2011/storyboarding/control"/>
+  </ds:schemaRefs>
+</ds:datastoreItem>
+</file>
+
+<file path=customXml/itemProps336.xml><?xml version="1.0" encoding="utf-8"?>
+<ds:datastoreItem xmlns:ds="http://schemas.openxmlformats.org/officeDocument/2006/customXml" ds:itemID="{640C65F3-119C-4E3B-91A4-28D3D9CB3363}">
+  <ds:schemaRefs>
+    <ds:schemaRef ds:uri="http://schemas.microsoft.com/VisualStudio/2011/storyboarding/control"/>
+  </ds:schemaRefs>
+</ds:datastoreItem>
+</file>
+
+<file path=customXml/itemProps337.xml><?xml version="1.0" encoding="utf-8"?>
+<ds:datastoreItem xmlns:ds="http://schemas.openxmlformats.org/officeDocument/2006/customXml" ds:itemID="{A7FB4AC3-2841-4AA1-9049-865B37478516}">
+  <ds:schemaRefs>
+    <ds:schemaRef ds:uri="http://schemas.microsoft.com/VisualStudio/2011/storyboarding/control"/>
+  </ds:schemaRefs>
+</ds:datastoreItem>
+</file>
+
+<file path=customXml/itemProps338.xml><?xml version="1.0" encoding="utf-8"?>
+<ds:datastoreItem xmlns:ds="http://schemas.openxmlformats.org/officeDocument/2006/customXml" ds:itemID="{907F2140-DE32-46B5-9821-19C5D20389DC}">
+  <ds:schemaRefs>
+    <ds:schemaRef ds:uri="http://schemas.microsoft.com/VisualStudio/2011/storyboarding/control"/>
+  </ds:schemaRefs>
+</ds:datastoreItem>
+</file>
+
+<file path=customXml/itemProps339.xml><?xml version="1.0" encoding="utf-8"?>
+<ds:datastoreItem xmlns:ds="http://schemas.openxmlformats.org/officeDocument/2006/customXml" ds:itemID="{05863F5F-9837-4646-90D1-D287455017FC}">
+  <ds:schemaRefs>
+    <ds:schemaRef ds:uri="http://schemas.microsoft.com/VisualStudio/2011/storyboarding/control"/>
+  </ds:schemaRefs>
+</ds:datastoreItem>
+</file>
+
+<file path=customXml/itemProps34.xml><?xml version="1.0" encoding="utf-8"?>
+<ds:datastoreItem xmlns:ds="http://schemas.openxmlformats.org/officeDocument/2006/customXml" ds:itemID="{8DC627A3-C11E-481E-90BC-D2158B5B3F88}">
+  <ds:schemaRefs>
+    <ds:schemaRef ds:uri="http://schemas.microsoft.com/VisualStudio/2011/storyboarding/control"/>
+  </ds:schemaRefs>
+</ds:datastoreItem>
+</file>
+
+<file path=customXml/itemProps340.xml><?xml version="1.0" encoding="utf-8"?>
+<ds:datastoreItem xmlns:ds="http://schemas.openxmlformats.org/officeDocument/2006/customXml" ds:itemID="{56C8B13E-4F0E-47AE-B6E1-90A2DD7D6C49}">
+  <ds:schemaRefs>
+    <ds:schemaRef ds:uri="http://schemas.microsoft.com/VisualStudio/2011/storyboarding/control"/>
+  </ds:schemaRefs>
+</ds:datastoreItem>
+</file>
+
+<file path=customXml/itemProps341.xml><?xml version="1.0" encoding="utf-8"?>
+<ds:datastoreItem xmlns:ds="http://schemas.openxmlformats.org/officeDocument/2006/customXml" ds:itemID="{2CB7863B-20F4-462E-98FA-2839183EF78E}">
+  <ds:schemaRefs>
+    <ds:schemaRef ds:uri="http://schemas.microsoft.com/VisualStudio/2011/storyboarding/control"/>
+  </ds:schemaRefs>
+</ds:datastoreItem>
+</file>
+
+<file path=customXml/itemProps342.xml><?xml version="1.0" encoding="utf-8"?>
 <ds:datastoreItem xmlns:ds="http://schemas.openxmlformats.org/officeDocument/2006/customXml" ds:itemID="{4C39ED51-B84D-419E-8011-AAC229344880}">
   <ds:schemaRefs>
     <ds:schemaRef ds:uri="http://schemas.microsoft.com/VisualStudio/2011/storyboarding/control"/>
@@ -52425,15 +53903,215 @@
 </ds:datastoreItem>
 </file>
 
-<file path=customXml/itemProps18.xml><?xml version="1.0" encoding="utf-8"?>
-<ds:datastoreItem xmlns:ds="http://schemas.openxmlformats.org/officeDocument/2006/customXml" ds:itemID="{66B7EE03-8EE2-4E09-8BB6-1055479AD8B1}">
+<file path=customXml/itemProps343.xml><?xml version="1.0" encoding="utf-8"?>
+<ds:datastoreItem xmlns:ds="http://schemas.openxmlformats.org/officeDocument/2006/customXml" ds:itemID="{010BDB96-5D8F-41E4-AC2C-9C9F3A2E3BFC}">
   <ds:schemaRefs>
     <ds:schemaRef ds:uri="http://schemas.microsoft.com/VisualStudio/2011/storyboarding/control"/>
   </ds:schemaRefs>
 </ds:datastoreItem>
 </file>
 
-<file path=customXml/itemProps180.xml><?xml version="1.0" encoding="utf-8"?>
+<file path=customXml/itemProps344.xml><?xml version="1.0" encoding="utf-8"?>
+<ds:datastoreItem xmlns:ds="http://schemas.openxmlformats.org/officeDocument/2006/customXml" ds:itemID="{31D05E97-816A-4979-8EA8-34B6BB18A5F9}">
+  <ds:schemaRefs>
+    <ds:schemaRef ds:uri="http://schemas.microsoft.com/VisualStudio/2011/storyboarding/control"/>
+  </ds:schemaRefs>
+</ds:datastoreItem>
+</file>
+
+<file path=customXml/itemProps345.xml><?xml version="1.0" encoding="utf-8"?>
+<ds:datastoreItem xmlns:ds="http://schemas.openxmlformats.org/officeDocument/2006/customXml" ds:itemID="{7EFB7A73-F17F-426F-BDF1-964909CB2213}">
+  <ds:schemaRefs>
+    <ds:schemaRef ds:uri="http://schemas.microsoft.com/VisualStudio/2011/storyboarding/control"/>
+  </ds:schemaRefs>
+</ds:datastoreItem>
+</file>
+
+<file path=customXml/itemProps346.xml><?xml version="1.0" encoding="utf-8"?>
+<ds:datastoreItem xmlns:ds="http://schemas.openxmlformats.org/officeDocument/2006/customXml" ds:itemID="{5D814732-67D5-4A14-A5D6-326249B978DE}">
+  <ds:schemaRefs>
+    <ds:schemaRef ds:uri="http://schemas.microsoft.com/VisualStudio/2011/storyboarding/control"/>
+  </ds:schemaRefs>
+</ds:datastoreItem>
+</file>
+
+<file path=customXml/itemProps347.xml><?xml version="1.0" encoding="utf-8"?>
+<ds:datastoreItem xmlns:ds="http://schemas.openxmlformats.org/officeDocument/2006/customXml" ds:itemID="{6A6DEB17-F166-42A7-ACE5-734B9AF98B31}">
+  <ds:schemaRefs>
+    <ds:schemaRef ds:uri="http://schemas.microsoft.com/VisualStudio/2011/storyboarding/control"/>
+  </ds:schemaRefs>
+</ds:datastoreItem>
+</file>
+
+<file path=customXml/itemProps348.xml><?xml version="1.0" encoding="utf-8"?>
+<ds:datastoreItem xmlns:ds="http://schemas.openxmlformats.org/officeDocument/2006/customXml" ds:itemID="{85E99725-0099-485A-A834-071AD18207F2}">
+  <ds:schemaRefs>
+    <ds:schemaRef ds:uri="http://schemas.microsoft.com/VisualStudio/2011/storyboarding/control"/>
+  </ds:schemaRefs>
+</ds:datastoreItem>
+</file>
+
+<file path=customXml/itemProps349.xml><?xml version="1.0" encoding="utf-8"?>
+<ds:datastoreItem xmlns:ds="http://schemas.openxmlformats.org/officeDocument/2006/customXml" ds:itemID="{BFFBFCF5-31FB-417E-87BB-79121180283E}">
+  <ds:schemaRefs>
+    <ds:schemaRef ds:uri="http://schemas.microsoft.com/VisualStudio/2011/storyboarding/control"/>
+  </ds:schemaRefs>
+</ds:datastoreItem>
+</file>
+
+<file path=customXml/itemProps35.xml><?xml version="1.0" encoding="utf-8"?>
+<ds:datastoreItem xmlns:ds="http://schemas.openxmlformats.org/officeDocument/2006/customXml" ds:itemID="{AFC8C9F0-6377-4C9A-B6DD-944F29A4793F}">
+  <ds:schemaRefs>
+    <ds:schemaRef ds:uri="http://schemas.microsoft.com/VisualStudio/2011/storyboarding/control"/>
+  </ds:schemaRefs>
+</ds:datastoreItem>
+</file>
+
+<file path=customXml/itemProps350.xml><?xml version="1.0" encoding="utf-8"?>
+<ds:datastoreItem xmlns:ds="http://schemas.openxmlformats.org/officeDocument/2006/customXml" ds:itemID="{3D8B9A4A-447D-43BA-A01C-CC7B373F7666}">
+  <ds:schemaRefs>
+    <ds:schemaRef ds:uri="http://schemas.microsoft.com/VisualStudio/2011/storyboarding/control"/>
+  </ds:schemaRefs>
+</ds:datastoreItem>
+</file>
+
+<file path=customXml/itemProps351.xml><?xml version="1.0" encoding="utf-8"?>
+<ds:datastoreItem xmlns:ds="http://schemas.openxmlformats.org/officeDocument/2006/customXml" ds:itemID="{9732FB50-344B-4D86-86A2-5027AFEA0420}">
+  <ds:schemaRefs>
+    <ds:schemaRef ds:uri="http://schemas.microsoft.com/VisualStudio/2011/storyboarding/control"/>
+  </ds:schemaRefs>
+</ds:datastoreItem>
+</file>
+
+<file path=customXml/itemProps352.xml><?xml version="1.0" encoding="utf-8"?>
+<ds:datastoreItem xmlns:ds="http://schemas.openxmlformats.org/officeDocument/2006/customXml" ds:itemID="{EFFB93B5-B0D0-477D-8AE8-DE814E5FD371}">
+  <ds:schemaRefs>
+    <ds:schemaRef ds:uri="http://schemas.microsoft.com/VisualStudio/2011/storyboarding/control"/>
+  </ds:schemaRefs>
+</ds:datastoreItem>
+</file>
+
+<file path=customXml/itemProps353.xml><?xml version="1.0" encoding="utf-8"?>
+<ds:datastoreItem xmlns:ds="http://schemas.openxmlformats.org/officeDocument/2006/customXml" ds:itemID="{3B670321-FF43-42C8-9B46-9CBEDCF3DC7D}">
+  <ds:schemaRefs>
+    <ds:schemaRef ds:uri="http://schemas.microsoft.com/VisualStudio/2011/storyboarding/control"/>
+  </ds:schemaRefs>
+</ds:datastoreItem>
+</file>
+
+<file path=customXml/itemProps354.xml><?xml version="1.0" encoding="utf-8"?>
+<ds:datastoreItem xmlns:ds="http://schemas.openxmlformats.org/officeDocument/2006/customXml" ds:itemID="{F8D831ED-3961-452C-9368-626AEA884430}">
+  <ds:schemaRefs>
+    <ds:schemaRef ds:uri="http://schemas.microsoft.com/VisualStudio/2011/storyboarding/control"/>
+  </ds:schemaRefs>
+</ds:datastoreItem>
+</file>
+
+<file path=customXml/itemProps355.xml><?xml version="1.0" encoding="utf-8"?>
+<ds:datastoreItem xmlns:ds="http://schemas.openxmlformats.org/officeDocument/2006/customXml" ds:itemID="{45C4B72E-3C3A-4CDB-8A3A-826BBA769048}">
+  <ds:schemaRefs>
+    <ds:schemaRef ds:uri="http://schemas.microsoft.com/VisualStudio/2011/storyboarding/control"/>
+  </ds:schemaRefs>
+</ds:datastoreItem>
+</file>
+
+<file path=customXml/itemProps356.xml><?xml version="1.0" encoding="utf-8"?>
+<ds:datastoreItem xmlns:ds="http://schemas.openxmlformats.org/officeDocument/2006/customXml" ds:itemID="{D572D03A-A07D-4798-B4DF-E8D874619C3A}">
+  <ds:schemaRefs>
+    <ds:schemaRef ds:uri="http://schemas.microsoft.com/VisualStudio/2011/storyboarding/control"/>
+  </ds:schemaRefs>
+</ds:datastoreItem>
+</file>
+
+<file path=customXml/itemProps357.xml><?xml version="1.0" encoding="utf-8"?>
+<ds:datastoreItem xmlns:ds="http://schemas.openxmlformats.org/officeDocument/2006/customXml" ds:itemID="{5470FCF2-255A-44B5-B4A3-BD5FA830FF06}">
+  <ds:schemaRefs>
+    <ds:schemaRef ds:uri="http://schemas.microsoft.com/VisualStudio/2011/storyboarding/control"/>
+  </ds:schemaRefs>
+</ds:datastoreItem>
+</file>
+
+<file path=customXml/itemProps358.xml><?xml version="1.0" encoding="utf-8"?>
+<ds:datastoreItem xmlns:ds="http://schemas.openxmlformats.org/officeDocument/2006/customXml" ds:itemID="{4E3E6D78-285E-4369-914E-55538596C674}">
+  <ds:schemaRefs>
+    <ds:schemaRef ds:uri="http://schemas.microsoft.com/VisualStudio/2011/storyboarding/control"/>
+  </ds:schemaRefs>
+</ds:datastoreItem>
+</file>
+
+<file path=customXml/itemProps359.xml><?xml version="1.0" encoding="utf-8"?>
+<ds:datastoreItem xmlns:ds="http://schemas.openxmlformats.org/officeDocument/2006/customXml" ds:itemID="{72940E18-39D5-4C2E-836B-6CC314289351}">
+  <ds:schemaRefs>
+    <ds:schemaRef ds:uri="http://schemas.microsoft.com/VisualStudio/2011/storyboarding/control"/>
+  </ds:schemaRefs>
+</ds:datastoreItem>
+</file>
+
+<file path=customXml/itemProps36.xml><?xml version="1.0" encoding="utf-8"?>
+<ds:datastoreItem xmlns:ds="http://schemas.openxmlformats.org/officeDocument/2006/customXml" ds:itemID="{A87ABC7A-6C65-4575-BD30-A7693FA18B1E}">
+  <ds:schemaRefs>
+    <ds:schemaRef ds:uri="http://schemas.microsoft.com/VisualStudio/2011/storyboarding/control"/>
+  </ds:schemaRefs>
+</ds:datastoreItem>
+</file>
+
+<file path=customXml/itemProps360.xml><?xml version="1.0" encoding="utf-8"?>
+<ds:datastoreItem xmlns:ds="http://schemas.openxmlformats.org/officeDocument/2006/customXml" ds:itemID="{451BA158-56CC-46C7-A9AB-D749552AC8EA}">
+  <ds:schemaRefs>
+    <ds:schemaRef ds:uri="http://schemas.microsoft.com/VisualStudio/2011/storyboarding/control"/>
+  </ds:schemaRefs>
+</ds:datastoreItem>
+</file>
+
+<file path=customXml/itemProps361.xml><?xml version="1.0" encoding="utf-8"?>
+<ds:datastoreItem xmlns:ds="http://schemas.openxmlformats.org/officeDocument/2006/customXml" ds:itemID="{BC888C1F-21BB-41B1-A05C-9A9E8EB5C798}">
+  <ds:schemaRefs>
+    <ds:schemaRef ds:uri="http://schemas.microsoft.com/VisualStudio/2011/storyboarding/control"/>
+  </ds:schemaRefs>
+</ds:datastoreItem>
+</file>
+
+<file path=customXml/itemProps362.xml><?xml version="1.0" encoding="utf-8"?>
+<ds:datastoreItem xmlns:ds="http://schemas.openxmlformats.org/officeDocument/2006/customXml" ds:itemID="{DDEB8723-48E7-42AD-ADEC-364D9C531975}">
+  <ds:schemaRefs>
+    <ds:schemaRef ds:uri="http://schemas.microsoft.com/VisualStudio/2011/storyboarding/control"/>
+  </ds:schemaRefs>
+</ds:datastoreItem>
+</file>
+
+<file path=customXml/itemProps363.xml><?xml version="1.0" encoding="utf-8"?>
+<ds:datastoreItem xmlns:ds="http://schemas.openxmlformats.org/officeDocument/2006/customXml" ds:itemID="{744D2C46-D497-4128-9A9E-62AEF32F8697}">
+  <ds:schemaRefs>
+    <ds:schemaRef ds:uri="http://schemas.microsoft.com/VisualStudio/2011/storyboarding/control"/>
+  </ds:schemaRefs>
+</ds:datastoreItem>
+</file>
+
+<file path=customXml/itemProps364.xml><?xml version="1.0" encoding="utf-8"?>
+<ds:datastoreItem xmlns:ds="http://schemas.openxmlformats.org/officeDocument/2006/customXml" ds:itemID="{024E8FD5-3E04-490F-AA3E-8D2180355BD3}">
+  <ds:schemaRefs>
+    <ds:schemaRef ds:uri="http://schemas.microsoft.com/VisualStudio/2011/storyboarding/control"/>
+  </ds:schemaRefs>
+</ds:datastoreItem>
+</file>
+
+<file path=customXml/itemProps365.xml><?xml version="1.0" encoding="utf-8"?>
+<ds:datastoreItem xmlns:ds="http://schemas.openxmlformats.org/officeDocument/2006/customXml" ds:itemID="{837B0389-256A-41AA-858A-09C137ADF190}">
+  <ds:schemaRefs>
+    <ds:schemaRef ds:uri="http://schemas.microsoft.com/VisualStudio/2011/storyboarding/control"/>
+  </ds:schemaRefs>
+</ds:datastoreItem>
+</file>
+
+<file path=customXml/itemProps366.xml><?xml version="1.0" encoding="utf-8"?>
+<ds:datastoreItem xmlns:ds="http://schemas.openxmlformats.org/officeDocument/2006/customXml" ds:itemID="{94C2D345-A1A3-41D1-8252-D91A2709EDBB}">
+  <ds:schemaRefs>
+    <ds:schemaRef ds:uri="http://schemas.microsoft.com/VisualStudio/2011/storyboarding/control"/>
+  </ds:schemaRefs>
+</ds:datastoreItem>
+</file>
+
+<file path=customXml/itemProps367.xml><?xml version="1.0" encoding="utf-8"?>
 <ds:datastoreItem xmlns:ds="http://schemas.openxmlformats.org/officeDocument/2006/customXml" ds:itemID="{AB573194-FA79-4A13-8B09-548B6F0FC5A5}">
   <ds:schemaRefs>
     <ds:schemaRef ds:uri="http://schemas.microsoft.com/VisualStudio/2011/storyboarding/control"/>
@@ -52441,7 +54119,527 @@
 </ds:datastoreItem>
 </file>
 
-<file path=customXml/itemProps181.xml><?xml version="1.0" encoding="utf-8"?>
+<file path=customXml/itemProps368.xml><?xml version="1.0" encoding="utf-8"?>
+<ds:datastoreItem xmlns:ds="http://schemas.openxmlformats.org/officeDocument/2006/customXml" ds:itemID="{17050325-C71D-472B-95DC-A77A3F745B9E}">
+  <ds:schemaRefs>
+    <ds:schemaRef ds:uri="http://schemas.microsoft.com/VisualStudio/2011/storyboarding/control"/>
+  </ds:schemaRefs>
+</ds:datastoreItem>
+</file>
+
+<file path=customXml/itemProps369.xml><?xml version="1.0" encoding="utf-8"?>
+<ds:datastoreItem xmlns:ds="http://schemas.openxmlformats.org/officeDocument/2006/customXml" ds:itemID="{77BD90F5-F028-4B75-9BD9-6C76C3F72E12}">
+  <ds:schemaRefs>
+    <ds:schemaRef ds:uri="http://schemas.microsoft.com/VisualStudio/2011/storyboarding/control"/>
+  </ds:schemaRefs>
+</ds:datastoreItem>
+</file>
+
+<file path=customXml/itemProps37.xml><?xml version="1.0" encoding="utf-8"?>
+<ds:datastoreItem xmlns:ds="http://schemas.openxmlformats.org/officeDocument/2006/customXml" ds:itemID="{3090B25A-B777-4B83-BF30-0498ED3E4774}">
+  <ds:schemaRefs>
+    <ds:schemaRef ds:uri="http://schemas.microsoft.com/VisualStudio/2011/storyboarding/control"/>
+  </ds:schemaRefs>
+</ds:datastoreItem>
+</file>
+
+<file path=customXml/itemProps370.xml><?xml version="1.0" encoding="utf-8"?>
+<ds:datastoreItem xmlns:ds="http://schemas.openxmlformats.org/officeDocument/2006/customXml" ds:itemID="{CAD20111-EE59-4EEA-8980-08D21606CC23}">
+  <ds:schemaRefs>
+    <ds:schemaRef ds:uri="http://schemas.microsoft.com/VisualStudio/2011/storyboarding/control"/>
+  </ds:schemaRefs>
+</ds:datastoreItem>
+</file>
+
+<file path=customXml/itemProps371.xml><?xml version="1.0" encoding="utf-8"?>
+<ds:datastoreItem xmlns:ds="http://schemas.openxmlformats.org/officeDocument/2006/customXml" ds:itemID="{CD643074-7DC0-4B56-B3AC-E9E8A2DE7352}">
+  <ds:schemaRefs>
+    <ds:schemaRef ds:uri="http://schemas.microsoft.com/VisualStudio/2011/storyboarding/control"/>
+  </ds:schemaRefs>
+</ds:datastoreItem>
+</file>
+
+<file path=customXml/itemProps372.xml><?xml version="1.0" encoding="utf-8"?>
+<ds:datastoreItem xmlns:ds="http://schemas.openxmlformats.org/officeDocument/2006/customXml" ds:itemID="{46265094-0D36-46EF-92A3-629D19F3DFE8}">
+  <ds:schemaRefs>
+    <ds:schemaRef ds:uri="http://schemas.microsoft.com/VisualStudio/2011/storyboarding/control"/>
+  </ds:schemaRefs>
+</ds:datastoreItem>
+</file>
+
+<file path=customXml/itemProps373.xml><?xml version="1.0" encoding="utf-8"?>
+<ds:datastoreItem xmlns:ds="http://schemas.openxmlformats.org/officeDocument/2006/customXml" ds:itemID="{61EAF057-07FE-41B4-B311-8AF2CF527713}">
+  <ds:schemaRefs>
+    <ds:schemaRef ds:uri="http://schemas.microsoft.com/VisualStudio/2011/storyboarding/control"/>
+  </ds:schemaRefs>
+</ds:datastoreItem>
+</file>
+
+<file path=customXml/itemProps374.xml><?xml version="1.0" encoding="utf-8"?>
+<ds:datastoreItem xmlns:ds="http://schemas.openxmlformats.org/officeDocument/2006/customXml" ds:itemID="{BB33B489-F6A0-4837-B5B7-B51CB973ADDA}">
+  <ds:schemaRefs>
+    <ds:schemaRef ds:uri="http://schemas.microsoft.com/VisualStudio/2011/storyboarding/control"/>
+  </ds:schemaRefs>
+</ds:datastoreItem>
+</file>
+
+<file path=customXml/itemProps375.xml><?xml version="1.0" encoding="utf-8"?>
+<ds:datastoreItem xmlns:ds="http://schemas.openxmlformats.org/officeDocument/2006/customXml" ds:itemID="{9DA90A84-6B8B-4DBB-8E6D-6BF082493584}">
+  <ds:schemaRefs>
+    <ds:schemaRef ds:uri="http://schemas.microsoft.com/VisualStudio/2011/storyboarding/control"/>
+  </ds:schemaRefs>
+</ds:datastoreItem>
+</file>
+
+<file path=customXml/itemProps376.xml><?xml version="1.0" encoding="utf-8"?>
+<ds:datastoreItem xmlns:ds="http://schemas.openxmlformats.org/officeDocument/2006/customXml" ds:itemID="{869663FB-CA04-4AEA-AF91-E2F1F2552613}">
+  <ds:schemaRefs>
+    <ds:schemaRef ds:uri="http://schemas.microsoft.com/VisualStudio/2011/storyboarding/control"/>
+  </ds:schemaRefs>
+</ds:datastoreItem>
+</file>
+
+<file path=customXml/itemProps377.xml><?xml version="1.0" encoding="utf-8"?>
+<ds:datastoreItem xmlns:ds="http://schemas.openxmlformats.org/officeDocument/2006/customXml" ds:itemID="{6465B1AA-E3DA-4CEF-8793-C9B7F8F93352}">
+  <ds:schemaRefs>
+    <ds:schemaRef ds:uri="http://schemas.microsoft.com/VisualStudio/2011/storyboarding/control"/>
+  </ds:schemaRefs>
+</ds:datastoreItem>
+</file>
+
+<file path=customXml/itemProps378.xml><?xml version="1.0" encoding="utf-8"?>
+<ds:datastoreItem xmlns:ds="http://schemas.openxmlformats.org/officeDocument/2006/customXml" ds:itemID="{ACB79B4E-0861-4279-80D3-7A316F66F48B}">
+  <ds:schemaRefs>
+    <ds:schemaRef ds:uri="http://schemas.microsoft.com/VisualStudio/2011/storyboarding/control"/>
+  </ds:schemaRefs>
+</ds:datastoreItem>
+</file>
+
+<file path=customXml/itemProps379.xml><?xml version="1.0" encoding="utf-8"?>
+<ds:datastoreItem xmlns:ds="http://schemas.openxmlformats.org/officeDocument/2006/customXml" ds:itemID="{77AFBE6A-D80B-4EC6-8D4C-D874F3C53CA7}">
+  <ds:schemaRefs>
+    <ds:schemaRef ds:uri="http://schemas.microsoft.com/VisualStudio/2011/storyboarding/control"/>
+  </ds:schemaRefs>
+</ds:datastoreItem>
+</file>
+
+<file path=customXml/itemProps38.xml><?xml version="1.0" encoding="utf-8"?>
+<ds:datastoreItem xmlns:ds="http://schemas.openxmlformats.org/officeDocument/2006/customXml" ds:itemID="{FDF52D47-7467-43F5-AC96-EFB9057C92A3}">
+  <ds:schemaRefs>
+    <ds:schemaRef ds:uri="http://schemas.microsoft.com/VisualStudio/2011/storyboarding/control"/>
+  </ds:schemaRefs>
+</ds:datastoreItem>
+</file>
+
+<file path=customXml/itemProps380.xml><?xml version="1.0" encoding="utf-8"?>
+<ds:datastoreItem xmlns:ds="http://schemas.openxmlformats.org/officeDocument/2006/customXml" ds:itemID="{42953A3E-EA41-4CC7-AF57-A6F452D223BC}">
+  <ds:schemaRefs>
+    <ds:schemaRef ds:uri="http://schemas.microsoft.com/VisualStudio/2011/storyboarding/control"/>
+  </ds:schemaRefs>
+</ds:datastoreItem>
+</file>
+
+<file path=customXml/itemProps381.xml><?xml version="1.0" encoding="utf-8"?>
+<ds:datastoreItem xmlns:ds="http://schemas.openxmlformats.org/officeDocument/2006/customXml" ds:itemID="{0CC44683-A1C2-44FE-951F-245A953DDDD1}">
+  <ds:schemaRefs>
+    <ds:schemaRef ds:uri="http://schemas.microsoft.com/VisualStudio/2011/storyboarding/control"/>
+  </ds:schemaRefs>
+</ds:datastoreItem>
+</file>
+
+<file path=customXml/itemProps382.xml><?xml version="1.0" encoding="utf-8"?>
+<ds:datastoreItem xmlns:ds="http://schemas.openxmlformats.org/officeDocument/2006/customXml" ds:itemID="{5416930E-C32B-4786-8045-5CA4C058F078}">
+  <ds:schemaRefs>
+    <ds:schemaRef ds:uri="http://schemas.microsoft.com/VisualStudio/2011/storyboarding/control"/>
+  </ds:schemaRefs>
+</ds:datastoreItem>
+</file>
+
+<file path=customXml/itemProps383.xml><?xml version="1.0" encoding="utf-8"?>
+<ds:datastoreItem xmlns:ds="http://schemas.openxmlformats.org/officeDocument/2006/customXml" ds:itemID="{999F4DDD-AF4B-4571-BC01-A685F937498E}">
+  <ds:schemaRefs>
+    <ds:schemaRef ds:uri="http://schemas.microsoft.com/VisualStudio/2011/storyboarding/control"/>
+  </ds:schemaRefs>
+</ds:datastoreItem>
+</file>
+
+<file path=customXml/itemProps384.xml><?xml version="1.0" encoding="utf-8"?>
+<ds:datastoreItem xmlns:ds="http://schemas.openxmlformats.org/officeDocument/2006/customXml" ds:itemID="{D4FEFABD-7E83-4044-A675-0AD69B9B20D9}">
+  <ds:schemaRefs>
+    <ds:schemaRef ds:uri="http://schemas.microsoft.com/VisualStudio/2011/storyboarding/control"/>
+  </ds:schemaRefs>
+</ds:datastoreItem>
+</file>
+
+<file path=customXml/itemProps385.xml><?xml version="1.0" encoding="utf-8"?>
+<ds:datastoreItem xmlns:ds="http://schemas.openxmlformats.org/officeDocument/2006/customXml" ds:itemID="{F742BCF6-665E-4062-A261-C16C9A1DB854}">
+  <ds:schemaRefs>
+    <ds:schemaRef ds:uri="http://schemas.microsoft.com/VisualStudio/2011/storyboarding/control"/>
+  </ds:schemaRefs>
+</ds:datastoreItem>
+</file>
+
+<file path=customXml/itemProps386.xml><?xml version="1.0" encoding="utf-8"?>
+<ds:datastoreItem xmlns:ds="http://schemas.openxmlformats.org/officeDocument/2006/customXml" ds:itemID="{7E14DD76-D1A5-4BC7-AEDA-46E2A806FEA4}">
+  <ds:schemaRefs>
+    <ds:schemaRef ds:uri="http://schemas.microsoft.com/VisualStudio/2011/storyboarding/control"/>
+  </ds:schemaRefs>
+</ds:datastoreItem>
+</file>
+
+<file path=customXml/itemProps387.xml><?xml version="1.0" encoding="utf-8"?>
+<ds:datastoreItem xmlns:ds="http://schemas.openxmlformats.org/officeDocument/2006/customXml" ds:itemID="{2ABA8A7A-A184-4293-9C51-794EA370955F}">
+  <ds:schemaRefs>
+    <ds:schemaRef ds:uri="http://schemas.microsoft.com/VisualStudio/2011/storyboarding/control"/>
+  </ds:schemaRefs>
+</ds:datastoreItem>
+</file>
+
+<file path=customXml/itemProps388.xml><?xml version="1.0" encoding="utf-8"?>
+<ds:datastoreItem xmlns:ds="http://schemas.openxmlformats.org/officeDocument/2006/customXml" ds:itemID="{4C8D55FE-281B-4548-9875-3AFF51AE3F97}">
+  <ds:schemaRefs>
+    <ds:schemaRef ds:uri="http://schemas.microsoft.com/VisualStudio/2011/storyboarding/control"/>
+  </ds:schemaRefs>
+</ds:datastoreItem>
+</file>
+
+<file path=customXml/itemProps389.xml><?xml version="1.0" encoding="utf-8"?>
+<ds:datastoreItem xmlns:ds="http://schemas.openxmlformats.org/officeDocument/2006/customXml" ds:itemID="{27233982-8EA5-4E42-BEF4-342DEFC4F55C}">
+  <ds:schemaRefs>
+    <ds:schemaRef ds:uri="http://schemas.microsoft.com/VisualStudio/2011/storyboarding/control"/>
+  </ds:schemaRefs>
+</ds:datastoreItem>
+</file>
+
+<file path=customXml/itemProps39.xml><?xml version="1.0" encoding="utf-8"?>
+<ds:datastoreItem xmlns:ds="http://schemas.openxmlformats.org/officeDocument/2006/customXml" ds:itemID="{403C0D24-4ADF-4995-AE62-B57504569F7B}">
+  <ds:schemaRefs>
+    <ds:schemaRef ds:uri="http://schemas.microsoft.com/VisualStudio/2011/storyboarding/control"/>
+  </ds:schemaRefs>
+</ds:datastoreItem>
+</file>
+
+<file path=customXml/itemProps390.xml><?xml version="1.0" encoding="utf-8"?>
+<ds:datastoreItem xmlns:ds="http://schemas.openxmlformats.org/officeDocument/2006/customXml" ds:itemID="{82BAD687-6146-45CA-951B-F626FCAEDCAF}">
+  <ds:schemaRefs>
+    <ds:schemaRef ds:uri="http://schemas.microsoft.com/VisualStudio/2011/storyboarding/control"/>
+  </ds:schemaRefs>
+</ds:datastoreItem>
+</file>
+
+<file path=customXml/itemProps391.xml><?xml version="1.0" encoding="utf-8"?>
+<ds:datastoreItem xmlns:ds="http://schemas.openxmlformats.org/officeDocument/2006/customXml" ds:itemID="{A22EFC2A-528F-45A0-AA1F-DA1562892795}">
+  <ds:schemaRefs>
+    <ds:schemaRef ds:uri="http://schemas.microsoft.com/VisualStudio/2011/storyboarding/control"/>
+  </ds:schemaRefs>
+</ds:datastoreItem>
+</file>
+
+<file path=customXml/itemProps392.xml><?xml version="1.0" encoding="utf-8"?>
+<ds:datastoreItem xmlns:ds="http://schemas.openxmlformats.org/officeDocument/2006/customXml" ds:itemID="{55399AF1-A6FB-4AD6-BFBD-3CAB1D44C75B}">
+  <ds:schemaRefs>
+    <ds:schemaRef ds:uri="http://schemas.microsoft.com/VisualStudio/2011/storyboarding/control"/>
+  </ds:schemaRefs>
+</ds:datastoreItem>
+</file>
+
+<file path=customXml/itemProps393.xml><?xml version="1.0" encoding="utf-8"?>
+<ds:datastoreItem xmlns:ds="http://schemas.openxmlformats.org/officeDocument/2006/customXml" ds:itemID="{0B402B8B-5A56-4849-992D-9D3AB7C837D7}">
+  <ds:schemaRefs>
+    <ds:schemaRef ds:uri="http://schemas.microsoft.com/VisualStudio/2011/storyboarding/control"/>
+  </ds:schemaRefs>
+</ds:datastoreItem>
+</file>
+
+<file path=customXml/itemProps394.xml><?xml version="1.0" encoding="utf-8"?>
+<ds:datastoreItem xmlns:ds="http://schemas.openxmlformats.org/officeDocument/2006/customXml" ds:itemID="{ADB7817C-77F6-4E90-9D15-3C5E13FBE9EC}">
+  <ds:schemaRefs>
+    <ds:schemaRef ds:uri="http://schemas.microsoft.com/VisualStudio/2011/storyboarding/control"/>
+  </ds:schemaRefs>
+</ds:datastoreItem>
+</file>
+
+<file path=customXml/itemProps395.xml><?xml version="1.0" encoding="utf-8"?>
+<ds:datastoreItem xmlns:ds="http://schemas.openxmlformats.org/officeDocument/2006/customXml" ds:itemID="{E0F4F731-3697-42EC-ADC1-3746287E88BC}">
+  <ds:schemaRefs>
+    <ds:schemaRef ds:uri="http://schemas.microsoft.com/VisualStudio/2011/storyboarding/control"/>
+  </ds:schemaRefs>
+</ds:datastoreItem>
+</file>
+
+<file path=customXml/itemProps396.xml><?xml version="1.0" encoding="utf-8"?>
+<ds:datastoreItem xmlns:ds="http://schemas.openxmlformats.org/officeDocument/2006/customXml" ds:itemID="{BEC7945B-E51B-43D9-80C7-D9FF30A85421}">
+  <ds:schemaRefs>
+    <ds:schemaRef ds:uri="http://schemas.microsoft.com/VisualStudio/2011/storyboarding/control"/>
+  </ds:schemaRefs>
+</ds:datastoreItem>
+</file>
+
+<file path=customXml/itemProps397.xml><?xml version="1.0" encoding="utf-8"?>
+<ds:datastoreItem xmlns:ds="http://schemas.openxmlformats.org/officeDocument/2006/customXml" ds:itemID="{9275AEDA-72AE-4A4E-9EB6-579F20517407}">
+  <ds:schemaRefs>
+    <ds:schemaRef ds:uri="http://schemas.microsoft.com/VisualStudio/2011/storyboarding/control"/>
+  </ds:schemaRefs>
+</ds:datastoreItem>
+</file>
+
+<file path=customXml/itemProps398.xml><?xml version="1.0" encoding="utf-8"?>
+<ds:datastoreItem xmlns:ds="http://schemas.openxmlformats.org/officeDocument/2006/customXml" ds:itemID="{28E9737F-B639-4C11-ABA3-F3FB8DC85519}">
+  <ds:schemaRefs>
+    <ds:schemaRef ds:uri="http://schemas.microsoft.com/VisualStudio/2011/storyboarding/control"/>
+  </ds:schemaRefs>
+</ds:datastoreItem>
+</file>
+
+<file path=customXml/itemProps399.xml><?xml version="1.0" encoding="utf-8"?>
+<ds:datastoreItem xmlns:ds="http://schemas.openxmlformats.org/officeDocument/2006/customXml" ds:itemID="{0BDD3596-9D4A-4A76-975D-8B5039638C38}">
+  <ds:schemaRefs>
+    <ds:schemaRef ds:uri="http://schemas.microsoft.com/VisualStudio/2011/storyboarding/control"/>
+  </ds:schemaRefs>
+</ds:datastoreItem>
+</file>
+
+<file path=customXml/itemProps4.xml><?xml version="1.0" encoding="utf-8"?>
+<ds:datastoreItem xmlns:ds="http://schemas.openxmlformats.org/officeDocument/2006/customXml" ds:itemID="{DD973A4C-3C54-45F6-AD32-0AB5C970526B}">
+  <ds:schemaRefs>
+    <ds:schemaRef ds:uri="http://schemas.microsoft.com/VisualStudio/2011/storyboarding/control"/>
+  </ds:schemaRefs>
+</ds:datastoreItem>
+</file>
+
+<file path=customXml/itemProps40.xml><?xml version="1.0" encoding="utf-8"?>
+<ds:datastoreItem xmlns:ds="http://schemas.openxmlformats.org/officeDocument/2006/customXml" ds:itemID="{B3FF45D1-FD87-4308-BAF2-66389E394117}">
+  <ds:schemaRefs>
+    <ds:schemaRef ds:uri="http://schemas.microsoft.com/VisualStudio/2011/storyboarding/control"/>
+  </ds:schemaRefs>
+</ds:datastoreItem>
+</file>
+
+<file path=customXml/itemProps400.xml><?xml version="1.0" encoding="utf-8"?>
+<ds:datastoreItem xmlns:ds="http://schemas.openxmlformats.org/officeDocument/2006/customXml" ds:itemID="{F24CD4CB-4377-413A-B218-C3FA90968990}">
+  <ds:schemaRefs>
+    <ds:schemaRef ds:uri="http://schemas.microsoft.com/VisualStudio/2011/storyboarding/control"/>
+  </ds:schemaRefs>
+</ds:datastoreItem>
+</file>
+
+<file path=customXml/itemProps401.xml><?xml version="1.0" encoding="utf-8"?>
+<ds:datastoreItem xmlns:ds="http://schemas.openxmlformats.org/officeDocument/2006/customXml" ds:itemID="{0196C5EB-6400-4120-8E56-73F977C5C861}">
+  <ds:schemaRefs>
+    <ds:schemaRef ds:uri="http://schemas.microsoft.com/VisualStudio/2011/storyboarding/control"/>
+  </ds:schemaRefs>
+</ds:datastoreItem>
+</file>
+
+<file path=customXml/itemProps402.xml><?xml version="1.0" encoding="utf-8"?>
+<ds:datastoreItem xmlns:ds="http://schemas.openxmlformats.org/officeDocument/2006/customXml" ds:itemID="{4A8B204A-9CA8-416C-87C3-B62049FB2581}">
+  <ds:schemaRefs>
+    <ds:schemaRef ds:uri="http://schemas.microsoft.com/VisualStudio/2011/storyboarding/control"/>
+  </ds:schemaRefs>
+</ds:datastoreItem>
+</file>
+
+<file path=customXml/itemProps403.xml><?xml version="1.0" encoding="utf-8"?>
+<ds:datastoreItem xmlns:ds="http://schemas.openxmlformats.org/officeDocument/2006/customXml" ds:itemID="{3C766D46-D436-4EC1-9F5B-18C6D6FF644D}">
+  <ds:schemaRefs>
+    <ds:schemaRef ds:uri="http://schemas.microsoft.com/VisualStudio/2011/storyboarding/control"/>
+  </ds:schemaRefs>
+</ds:datastoreItem>
+</file>
+
+<file path=customXml/itemProps404.xml><?xml version="1.0" encoding="utf-8"?>
+<ds:datastoreItem xmlns:ds="http://schemas.openxmlformats.org/officeDocument/2006/customXml" ds:itemID="{74AFC24B-C7D7-48F6-96FB-A3CC80EDD2EA}">
+  <ds:schemaRefs>
+    <ds:schemaRef ds:uri="http://schemas.microsoft.com/VisualStudio/2011/storyboarding/control"/>
+  </ds:schemaRefs>
+</ds:datastoreItem>
+</file>
+
+<file path=customXml/itemProps405.xml><?xml version="1.0" encoding="utf-8"?>
+<ds:datastoreItem xmlns:ds="http://schemas.openxmlformats.org/officeDocument/2006/customXml" ds:itemID="{7EE96A55-E3FC-4A9A-B5FA-3900E5BA0AFC}">
+  <ds:schemaRefs>
+    <ds:schemaRef ds:uri="http://schemas.microsoft.com/VisualStudio/2011/storyboarding/control"/>
+  </ds:schemaRefs>
+</ds:datastoreItem>
+</file>
+
+<file path=customXml/itemProps406.xml><?xml version="1.0" encoding="utf-8"?>
+<ds:datastoreItem xmlns:ds="http://schemas.openxmlformats.org/officeDocument/2006/customXml" ds:itemID="{39041638-3627-44B4-B050-43013556DE97}">
+  <ds:schemaRefs>
+    <ds:schemaRef ds:uri="http://schemas.microsoft.com/VisualStudio/2011/storyboarding/control"/>
+  </ds:schemaRefs>
+</ds:datastoreItem>
+</file>
+
+<file path=customXml/itemProps407.xml><?xml version="1.0" encoding="utf-8"?>
+<ds:datastoreItem xmlns:ds="http://schemas.openxmlformats.org/officeDocument/2006/customXml" ds:itemID="{E4701A60-2A9D-4752-9866-0062466F370C}">
+  <ds:schemaRefs>
+    <ds:schemaRef ds:uri="http://schemas.microsoft.com/VisualStudio/2011/storyboarding/control"/>
+  </ds:schemaRefs>
+</ds:datastoreItem>
+</file>
+
+<file path=customXml/itemProps408.xml><?xml version="1.0" encoding="utf-8"?>
+<ds:datastoreItem xmlns:ds="http://schemas.openxmlformats.org/officeDocument/2006/customXml" ds:itemID="{10389AA7-5BC9-4B8F-916E-A3C9B45BA420}">
+  <ds:schemaRefs>
+    <ds:schemaRef ds:uri="http://schemas.microsoft.com/VisualStudio/2011/storyboarding/control"/>
+  </ds:schemaRefs>
+</ds:datastoreItem>
+</file>
+
+<file path=customXml/itemProps409.xml><?xml version="1.0" encoding="utf-8"?>
+<ds:datastoreItem xmlns:ds="http://schemas.openxmlformats.org/officeDocument/2006/customXml" ds:itemID="{072EB726-885C-43C4-A156-0DEDDD30F194}">
+  <ds:schemaRefs>
+    <ds:schemaRef ds:uri="http://schemas.microsoft.com/VisualStudio/2011/storyboarding/control"/>
+  </ds:schemaRefs>
+</ds:datastoreItem>
+</file>
+
+<file path=customXml/itemProps41.xml><?xml version="1.0" encoding="utf-8"?>
+<ds:datastoreItem xmlns:ds="http://schemas.openxmlformats.org/officeDocument/2006/customXml" ds:itemID="{C053DD15-18F9-4E55-968F-CA5FF4E301BA}">
+  <ds:schemaRefs>
+    <ds:schemaRef ds:uri="http://schemas.microsoft.com/VisualStudio/2011/storyboarding/control"/>
+  </ds:schemaRefs>
+</ds:datastoreItem>
+</file>
+
+<file path=customXml/itemProps410.xml><?xml version="1.0" encoding="utf-8"?>
+<ds:datastoreItem xmlns:ds="http://schemas.openxmlformats.org/officeDocument/2006/customXml" ds:itemID="{6E7891D5-59BF-412C-AF40-475723B049F7}">
+  <ds:schemaRefs>
+    <ds:schemaRef ds:uri="http://schemas.microsoft.com/VisualStudio/2011/storyboarding/control"/>
+  </ds:schemaRefs>
+</ds:datastoreItem>
+</file>
+
+<file path=customXml/itemProps411.xml><?xml version="1.0" encoding="utf-8"?>
+<ds:datastoreItem xmlns:ds="http://schemas.openxmlformats.org/officeDocument/2006/customXml" ds:itemID="{8A59CCF0-E160-4F82-8A0B-2DF6BFC64177}">
+  <ds:schemaRefs>
+    <ds:schemaRef ds:uri="http://schemas.microsoft.com/VisualStudio/2011/storyboarding/control"/>
+  </ds:schemaRefs>
+</ds:datastoreItem>
+</file>
+
+<file path=customXml/itemProps412.xml><?xml version="1.0" encoding="utf-8"?>
+<ds:datastoreItem xmlns:ds="http://schemas.openxmlformats.org/officeDocument/2006/customXml" ds:itemID="{5743B0D9-3E78-4D12-B905-5E233C2F9010}">
+  <ds:schemaRefs>
+    <ds:schemaRef ds:uri="http://schemas.microsoft.com/VisualStudio/2011/storyboarding/control"/>
+  </ds:schemaRefs>
+</ds:datastoreItem>
+</file>
+
+<file path=customXml/itemProps413.xml><?xml version="1.0" encoding="utf-8"?>
+<ds:datastoreItem xmlns:ds="http://schemas.openxmlformats.org/officeDocument/2006/customXml" ds:itemID="{8957563C-A84F-4BA7-AFEE-91A0901E3070}">
+  <ds:schemaRefs>
+    <ds:schemaRef ds:uri="http://schemas.microsoft.com/VisualStudio/2011/storyboarding/control"/>
+  </ds:schemaRefs>
+</ds:datastoreItem>
+</file>
+
+<file path=customXml/itemProps414.xml><?xml version="1.0" encoding="utf-8"?>
+<ds:datastoreItem xmlns:ds="http://schemas.openxmlformats.org/officeDocument/2006/customXml" ds:itemID="{EF2782F1-8DA9-457B-9282-CA44A5EC7893}">
+  <ds:schemaRefs>
+    <ds:schemaRef ds:uri="http://schemas.microsoft.com/VisualStudio/2011/storyboarding/control"/>
+  </ds:schemaRefs>
+</ds:datastoreItem>
+</file>
+
+<file path=customXml/itemProps415.xml><?xml version="1.0" encoding="utf-8"?>
+<ds:datastoreItem xmlns:ds="http://schemas.openxmlformats.org/officeDocument/2006/customXml" ds:itemID="{B9615B9B-0D88-4FE7-A8A1-23F69DC8043E}">
+  <ds:schemaRefs>
+    <ds:schemaRef ds:uri="http://schemas.microsoft.com/VisualStudio/2011/storyboarding/control"/>
+  </ds:schemaRefs>
+</ds:datastoreItem>
+</file>
+
+<file path=customXml/itemProps416.xml><?xml version="1.0" encoding="utf-8"?>
+<ds:datastoreItem xmlns:ds="http://schemas.openxmlformats.org/officeDocument/2006/customXml" ds:itemID="{00FD17D8-DCFB-4DA1-830A-305D393415B3}">
+  <ds:schemaRefs>
+    <ds:schemaRef ds:uri="http://schemas.microsoft.com/VisualStudio/2011/storyboarding/control"/>
+  </ds:schemaRefs>
+</ds:datastoreItem>
+</file>
+
+<file path=customXml/itemProps417.xml><?xml version="1.0" encoding="utf-8"?>
+<ds:datastoreItem xmlns:ds="http://schemas.openxmlformats.org/officeDocument/2006/customXml" ds:itemID="{07257D67-96B9-4E98-9931-7E719CD1E459}">
+  <ds:schemaRefs>
+    <ds:schemaRef ds:uri="http://schemas.microsoft.com/VisualStudio/2011/storyboarding/control"/>
+  </ds:schemaRefs>
+</ds:datastoreItem>
+</file>
+
+<file path=customXml/itemProps418.xml><?xml version="1.0" encoding="utf-8"?>
+<ds:datastoreItem xmlns:ds="http://schemas.openxmlformats.org/officeDocument/2006/customXml" ds:itemID="{4CC19E68-B883-48B9-8CA0-046516B7B59B}">
+  <ds:schemaRefs>
+    <ds:schemaRef ds:uri="http://schemas.microsoft.com/VisualStudio/2011/storyboarding/control"/>
+  </ds:schemaRefs>
+</ds:datastoreItem>
+</file>
+
+<file path=customXml/itemProps42.xml><?xml version="1.0" encoding="utf-8"?>
+<ds:datastoreItem xmlns:ds="http://schemas.openxmlformats.org/officeDocument/2006/customXml" ds:itemID="{64A2D392-7EA2-49D9-AF87-085C1CAB4BA4}">
+  <ds:schemaRefs>
+    <ds:schemaRef ds:uri="http://schemas.microsoft.com/VisualStudio/2011/storyboarding/control"/>
+  </ds:schemaRefs>
+</ds:datastoreItem>
+</file>
+
+<file path=customXml/itemProps43.xml><?xml version="1.0" encoding="utf-8"?>
+<ds:datastoreItem xmlns:ds="http://schemas.openxmlformats.org/officeDocument/2006/customXml" ds:itemID="{2EF3A3A9-3321-4802-8B5F-B519335129BA}">
+  <ds:schemaRefs>
+    <ds:schemaRef ds:uri="http://schemas.microsoft.com/VisualStudio/2011/storyboarding/control"/>
+  </ds:schemaRefs>
+</ds:datastoreItem>
+</file>
+
+<file path=customXml/itemProps44.xml><?xml version="1.0" encoding="utf-8"?>
+<ds:datastoreItem xmlns:ds="http://schemas.openxmlformats.org/officeDocument/2006/customXml" ds:itemID="{451EDEA7-6959-470B-933B-7A75D7CEAB07}">
+  <ds:schemaRefs>
+    <ds:schemaRef ds:uri="http://schemas.microsoft.com/VisualStudio/2011/storyboarding/control"/>
+  </ds:schemaRefs>
+</ds:datastoreItem>
+</file>
+
+<file path=customXml/itemProps45.xml><?xml version="1.0" encoding="utf-8"?>
+<ds:datastoreItem xmlns:ds="http://schemas.openxmlformats.org/officeDocument/2006/customXml" ds:itemID="{0D31A47D-A302-4589-8FE7-C4D3FFA46168}">
+  <ds:schemaRefs>
+    <ds:schemaRef ds:uri="http://schemas.microsoft.com/VisualStudio/2011/storyboarding/control"/>
+  </ds:schemaRefs>
+</ds:datastoreItem>
+</file>
+
+<file path=customXml/itemProps46.xml><?xml version="1.0" encoding="utf-8"?>
+<ds:datastoreItem xmlns:ds="http://schemas.openxmlformats.org/officeDocument/2006/customXml" ds:itemID="{F79E062F-B177-4A6F-8B46-21BC8B8FBA9E}">
+  <ds:schemaRefs>
+    <ds:schemaRef ds:uri="http://schemas.microsoft.com/VisualStudio/2011/storyboarding/control"/>
+  </ds:schemaRefs>
+</ds:datastoreItem>
+</file>
+
+<file path=customXml/itemProps47.xml><?xml version="1.0" encoding="utf-8"?>
+<ds:datastoreItem xmlns:ds="http://schemas.openxmlformats.org/officeDocument/2006/customXml" ds:itemID="{1385A12B-3268-439F-9072-3675960722A0}">
+  <ds:schemaRefs>
+    <ds:schemaRef ds:uri="http://schemas.microsoft.com/VisualStudio/2011/storyboarding/control"/>
+  </ds:schemaRefs>
+</ds:datastoreItem>
+</file>
+
+<file path=customXml/itemProps48.xml><?xml version="1.0" encoding="utf-8"?>
+<ds:datastoreItem xmlns:ds="http://schemas.openxmlformats.org/officeDocument/2006/customXml" ds:itemID="{1B687C08-E08C-4CAB-9785-B89C7C9939B3}">
+  <ds:schemaRefs>
+    <ds:schemaRef ds:uri="http://schemas.microsoft.com/VisualStudio/2011/storyboarding/control"/>
+  </ds:schemaRefs>
+</ds:datastoreItem>
+</file>
+
+<file path=customXml/itemProps49.xml><?xml version="1.0" encoding="utf-8"?>
+<ds:datastoreItem xmlns:ds="http://schemas.openxmlformats.org/officeDocument/2006/customXml" ds:itemID="{2D56DA33-76AB-4E77-8ADC-569F2EF7D484}">
+  <ds:schemaRefs>
+    <ds:schemaRef ds:uri="http://schemas.microsoft.com/VisualStudio/2011/storyboarding/control"/>
+  </ds:schemaRefs>
+</ds:datastoreItem>
+</file>
+
+<file path=customXml/itemProps5.xml><?xml version="1.0" encoding="utf-8"?>
 <ds:datastoreItem xmlns:ds="http://schemas.openxmlformats.org/officeDocument/2006/customXml" ds:itemID="{96288CD3-9C50-4B2F-A457-0271DBDAB309}">
   <ds:schemaRefs>
     <ds:schemaRef ds:uri="http://schemas.microsoft.com/VisualStudio/2011/storyboarding/control"/>
@@ -52449,15 +54647,215 @@
 </ds:datastoreItem>
 </file>
 
-<file path=customXml/itemProps182.xml><?xml version="1.0" encoding="utf-8"?>
-<ds:datastoreItem xmlns:ds="http://schemas.openxmlformats.org/officeDocument/2006/customXml" ds:itemID="{996D0C3E-9689-4071-989C-AE850CF7FDD0}">
+<file path=customXml/itemProps50.xml><?xml version="1.0" encoding="utf-8"?>
+<ds:datastoreItem xmlns:ds="http://schemas.openxmlformats.org/officeDocument/2006/customXml" ds:itemID="{B0E5A7BA-D627-4755-B41A-B26E079892DE}">
   <ds:schemaRefs>
     <ds:schemaRef ds:uri="http://schemas.microsoft.com/VisualStudio/2011/storyboarding/control"/>
   </ds:schemaRefs>
 </ds:datastoreItem>
 </file>
 
-<file path=customXml/itemProps183.xml><?xml version="1.0" encoding="utf-8"?>
+<file path=customXml/itemProps51.xml><?xml version="1.0" encoding="utf-8"?>
+<ds:datastoreItem xmlns:ds="http://schemas.openxmlformats.org/officeDocument/2006/customXml" ds:itemID="{562CCEA4-86D0-40CF-971B-E185833AF173}">
+  <ds:schemaRefs>
+    <ds:schemaRef ds:uri="http://schemas.microsoft.com/VisualStudio/2011/storyboarding/control"/>
+  </ds:schemaRefs>
+</ds:datastoreItem>
+</file>
+
+<file path=customXml/itemProps52.xml><?xml version="1.0" encoding="utf-8"?>
+<ds:datastoreItem xmlns:ds="http://schemas.openxmlformats.org/officeDocument/2006/customXml" ds:itemID="{E49F3E23-75BF-41A9-9FE9-F2E48E23F0AA}">
+  <ds:schemaRefs>
+    <ds:schemaRef ds:uri="http://schemas.microsoft.com/VisualStudio/2011/storyboarding/control"/>
+  </ds:schemaRefs>
+</ds:datastoreItem>
+</file>
+
+<file path=customXml/itemProps53.xml><?xml version="1.0" encoding="utf-8"?>
+<ds:datastoreItem xmlns:ds="http://schemas.openxmlformats.org/officeDocument/2006/customXml" ds:itemID="{DDDAD383-E3D8-47A5-852F-FBADCFF3238E}">
+  <ds:schemaRefs>
+    <ds:schemaRef ds:uri="http://schemas.microsoft.com/VisualStudio/2011/storyboarding/control"/>
+  </ds:schemaRefs>
+</ds:datastoreItem>
+</file>
+
+<file path=customXml/itemProps54.xml><?xml version="1.0" encoding="utf-8"?>
+<ds:datastoreItem xmlns:ds="http://schemas.openxmlformats.org/officeDocument/2006/customXml" ds:itemID="{D8722A0A-C00E-4E67-A932-E9DFCE0C5F5E}">
+  <ds:schemaRefs>
+    <ds:schemaRef ds:uri="http://schemas.microsoft.com/VisualStudio/2011/storyboarding/control"/>
+  </ds:schemaRefs>
+</ds:datastoreItem>
+</file>
+
+<file path=customXml/itemProps55.xml><?xml version="1.0" encoding="utf-8"?>
+<ds:datastoreItem xmlns:ds="http://schemas.openxmlformats.org/officeDocument/2006/customXml" ds:itemID="{24C64F7D-04D9-44E6-BCA7-F0DAAB072939}">
+  <ds:schemaRefs>
+    <ds:schemaRef ds:uri="http://schemas.microsoft.com/VisualStudio/2011/storyboarding/control"/>
+  </ds:schemaRefs>
+</ds:datastoreItem>
+</file>
+
+<file path=customXml/itemProps56.xml><?xml version="1.0" encoding="utf-8"?>
+<ds:datastoreItem xmlns:ds="http://schemas.openxmlformats.org/officeDocument/2006/customXml" ds:itemID="{B4A5F6B3-9783-4A02-A2A8-8A89BE7D1ED5}">
+  <ds:schemaRefs>
+    <ds:schemaRef ds:uri="http://schemas.microsoft.com/VisualStudio/2011/storyboarding/control"/>
+  </ds:schemaRefs>
+</ds:datastoreItem>
+</file>
+
+<file path=customXml/itemProps57.xml><?xml version="1.0" encoding="utf-8"?>
+<ds:datastoreItem xmlns:ds="http://schemas.openxmlformats.org/officeDocument/2006/customXml" ds:itemID="{2EDBFF63-93EC-4BCF-B5D0-4EFA2D6866A7}">
+  <ds:schemaRefs>
+    <ds:schemaRef ds:uri="http://schemas.microsoft.com/VisualStudio/2011/storyboarding/control"/>
+  </ds:schemaRefs>
+</ds:datastoreItem>
+</file>
+
+<file path=customXml/itemProps58.xml><?xml version="1.0" encoding="utf-8"?>
+<ds:datastoreItem xmlns:ds="http://schemas.openxmlformats.org/officeDocument/2006/customXml" ds:itemID="{EBE21AF8-D789-4FA2-BB2A-9182E7DD0EDF}">
+  <ds:schemaRefs>
+    <ds:schemaRef ds:uri="http://schemas.microsoft.com/VisualStudio/2011/storyboarding/control"/>
+  </ds:schemaRefs>
+</ds:datastoreItem>
+</file>
+
+<file path=customXml/itemProps59.xml><?xml version="1.0" encoding="utf-8"?>
+<ds:datastoreItem xmlns:ds="http://schemas.openxmlformats.org/officeDocument/2006/customXml" ds:itemID="{F108CEF5-F86C-4329-BCC8-A365BCF806C5}">
+  <ds:schemaRefs>
+    <ds:schemaRef ds:uri="http://schemas.microsoft.com/VisualStudio/2011/storyboarding/control"/>
+  </ds:schemaRefs>
+</ds:datastoreItem>
+</file>
+
+<file path=customXml/itemProps6.xml><?xml version="1.0" encoding="utf-8"?>
+<ds:datastoreItem xmlns:ds="http://schemas.openxmlformats.org/officeDocument/2006/customXml" ds:itemID="{19EE3147-B5A6-4BC2-9C63-6F3D880274C5}">
+  <ds:schemaRefs>
+    <ds:schemaRef ds:uri="http://schemas.microsoft.com/VisualStudio/2011/storyboarding/control"/>
+  </ds:schemaRefs>
+</ds:datastoreItem>
+</file>
+
+<file path=customXml/itemProps60.xml><?xml version="1.0" encoding="utf-8"?>
+<ds:datastoreItem xmlns:ds="http://schemas.openxmlformats.org/officeDocument/2006/customXml" ds:itemID="{CAEDEF08-E671-488C-AACA-77AF8F686CCE}">
+  <ds:schemaRefs>
+    <ds:schemaRef ds:uri="http://schemas.microsoft.com/VisualStudio/2011/storyboarding/control"/>
+  </ds:schemaRefs>
+</ds:datastoreItem>
+</file>
+
+<file path=customXml/itemProps61.xml><?xml version="1.0" encoding="utf-8"?>
+<ds:datastoreItem xmlns:ds="http://schemas.openxmlformats.org/officeDocument/2006/customXml" ds:itemID="{E8FC4FC7-63B4-45D7-8E10-182B7AD2B934}">
+  <ds:schemaRefs>
+    <ds:schemaRef ds:uri="http://schemas.microsoft.com/VisualStudio/2011/storyboarding/control"/>
+  </ds:schemaRefs>
+</ds:datastoreItem>
+</file>
+
+<file path=customXml/itemProps62.xml><?xml version="1.0" encoding="utf-8"?>
+<ds:datastoreItem xmlns:ds="http://schemas.openxmlformats.org/officeDocument/2006/customXml" ds:itemID="{00A68A96-B372-4228-ACF7-91F982E1AB5F}">
+  <ds:schemaRefs>
+    <ds:schemaRef ds:uri="http://schemas.microsoft.com/VisualStudio/2011/storyboarding/control"/>
+  </ds:schemaRefs>
+</ds:datastoreItem>
+</file>
+
+<file path=customXml/itemProps63.xml><?xml version="1.0" encoding="utf-8"?>
+<ds:datastoreItem xmlns:ds="http://schemas.openxmlformats.org/officeDocument/2006/customXml" ds:itemID="{AAD9A196-2A5D-42E5-82F2-268CB023F952}">
+  <ds:schemaRefs>
+    <ds:schemaRef ds:uri="http://schemas.microsoft.com/VisualStudio/2011/storyboarding/control"/>
+  </ds:schemaRefs>
+</ds:datastoreItem>
+</file>
+
+<file path=customXml/itemProps64.xml><?xml version="1.0" encoding="utf-8"?>
+<ds:datastoreItem xmlns:ds="http://schemas.openxmlformats.org/officeDocument/2006/customXml" ds:itemID="{3E386A23-59AC-45EA-8134-F61DB5C01BDA}">
+  <ds:schemaRefs>
+    <ds:schemaRef ds:uri="http://schemas.microsoft.com/VisualStudio/2011/storyboarding/control"/>
+  </ds:schemaRefs>
+</ds:datastoreItem>
+</file>
+
+<file path=customXml/itemProps65.xml><?xml version="1.0" encoding="utf-8"?>
+<ds:datastoreItem xmlns:ds="http://schemas.openxmlformats.org/officeDocument/2006/customXml" ds:itemID="{238E4091-6AA0-4D5F-A464-23255C220A2B}">
+  <ds:schemaRefs>
+    <ds:schemaRef ds:uri="http://schemas.microsoft.com/VisualStudio/2011/storyboarding/control"/>
+  </ds:schemaRefs>
+</ds:datastoreItem>
+</file>
+
+<file path=customXml/itemProps66.xml><?xml version="1.0" encoding="utf-8"?>
+<ds:datastoreItem xmlns:ds="http://schemas.openxmlformats.org/officeDocument/2006/customXml" ds:itemID="{059A00BC-7922-4E2D-8274-177A38C42E03}">
+  <ds:schemaRefs>
+    <ds:schemaRef ds:uri="http://schemas.microsoft.com/VisualStudio/2011/storyboarding/control"/>
+  </ds:schemaRefs>
+</ds:datastoreItem>
+</file>
+
+<file path=customXml/itemProps67.xml><?xml version="1.0" encoding="utf-8"?>
+<ds:datastoreItem xmlns:ds="http://schemas.openxmlformats.org/officeDocument/2006/customXml" ds:itemID="{8244B591-5D32-4A05-BA31-BC819616DFB7}">
+  <ds:schemaRefs>
+    <ds:schemaRef ds:uri="http://schemas.microsoft.com/VisualStudio/2011/storyboarding/control"/>
+  </ds:schemaRefs>
+</ds:datastoreItem>
+</file>
+
+<file path=customXml/itemProps68.xml><?xml version="1.0" encoding="utf-8"?>
+<ds:datastoreItem xmlns:ds="http://schemas.openxmlformats.org/officeDocument/2006/customXml" ds:itemID="{D3BE89F4-E0C7-4D85-85D3-23022A5254BE}">
+  <ds:schemaRefs>
+    <ds:schemaRef ds:uri="http://schemas.microsoft.com/VisualStudio/2011/storyboarding/control"/>
+  </ds:schemaRefs>
+</ds:datastoreItem>
+</file>
+
+<file path=customXml/itemProps69.xml><?xml version="1.0" encoding="utf-8"?>
+<ds:datastoreItem xmlns:ds="http://schemas.openxmlformats.org/officeDocument/2006/customXml" ds:itemID="{4AF09C12-A1A4-4428-8CE4-3008874B209D}">
+  <ds:schemaRefs>
+    <ds:schemaRef ds:uri="http://schemas.microsoft.com/VisualStudio/2011/storyboarding/control"/>
+  </ds:schemaRefs>
+</ds:datastoreItem>
+</file>
+
+<file path=customXml/itemProps7.xml><?xml version="1.0" encoding="utf-8"?>
+<ds:datastoreItem xmlns:ds="http://schemas.openxmlformats.org/officeDocument/2006/customXml" ds:itemID="{2FEAA353-AC29-4963-8C5E-B73D44C5881B}">
+  <ds:schemaRefs>
+    <ds:schemaRef ds:uri="http://schemas.microsoft.com/VisualStudio/2011/storyboarding/control"/>
+  </ds:schemaRefs>
+</ds:datastoreItem>
+</file>
+
+<file path=customXml/itemProps70.xml><?xml version="1.0" encoding="utf-8"?>
+<ds:datastoreItem xmlns:ds="http://schemas.openxmlformats.org/officeDocument/2006/customXml" ds:itemID="{4C5D9824-13D5-40B2-9C2C-5E7454B4313E}">
+  <ds:schemaRefs>
+    <ds:schemaRef ds:uri="http://schemas.microsoft.com/VisualStudio/2011/storyboarding/control"/>
+  </ds:schemaRefs>
+</ds:datastoreItem>
+</file>
+
+<file path=customXml/itemProps71.xml><?xml version="1.0" encoding="utf-8"?>
+<ds:datastoreItem xmlns:ds="http://schemas.openxmlformats.org/officeDocument/2006/customXml" ds:itemID="{F67EE1E4-BC28-4470-B24B-70B2735E9CC5}">
+  <ds:schemaRefs>
+    <ds:schemaRef ds:uri="http://schemas.microsoft.com/VisualStudio/2011/storyboarding/control"/>
+  </ds:schemaRefs>
+</ds:datastoreItem>
+</file>
+
+<file path=customXml/itemProps72.xml><?xml version="1.0" encoding="utf-8"?>
+<ds:datastoreItem xmlns:ds="http://schemas.openxmlformats.org/officeDocument/2006/customXml" ds:itemID="{E1788570-76EA-4BE9-BE13-E0A6126D67EC}">
+  <ds:schemaRefs>
+    <ds:schemaRef ds:uri="http://schemas.microsoft.com/VisualStudio/2011/storyboarding/control"/>
+  </ds:schemaRefs>
+</ds:datastoreItem>
+</file>
+
+<file path=customXml/itemProps73.xml><?xml version="1.0" encoding="utf-8"?>
+<ds:datastoreItem xmlns:ds="http://schemas.openxmlformats.org/officeDocument/2006/customXml" ds:itemID="{2BFF45F9-38F3-46D7-AE6B-1A4D08A6B0E5}">
+  <ds:schemaRefs>
+    <ds:schemaRef ds:uri="http://schemas.microsoft.com/VisualStudio/2011/storyboarding/control"/>
+  </ds:schemaRefs>
+</ds:datastoreItem>
+</file>
+
+<file path=customXml/itemProps74.xml><?xml version="1.0" encoding="utf-8"?>
 <ds:datastoreItem xmlns:ds="http://schemas.openxmlformats.org/officeDocument/2006/customXml" ds:itemID="{4562ED85-5F5B-4C80-9052-1F6BF16EED89}">
   <ds:schemaRefs>
     <ds:schemaRef ds:uri="http://schemas.microsoft.com/VisualStudio/2011/storyboarding/control"/>
@@ -52465,95 +54863,175 @@
 </ds:datastoreItem>
 </file>
 
-<file path=customXml/itemProps184.xml><?xml version="1.0" encoding="utf-8"?>
-<ds:datastoreItem xmlns:ds="http://schemas.openxmlformats.org/officeDocument/2006/customXml" ds:itemID="{CB55EF8A-E797-485E-BD8D-F4D9DDDD5F46}">
+<file path=customXml/itemProps75.xml><?xml version="1.0" encoding="utf-8"?>
+<ds:datastoreItem xmlns:ds="http://schemas.openxmlformats.org/officeDocument/2006/customXml" ds:itemID="{8CE92875-5137-4108-A885-ABA70713AECC}">
   <ds:schemaRefs>
     <ds:schemaRef ds:uri="http://schemas.microsoft.com/VisualStudio/2011/storyboarding/control"/>
   </ds:schemaRefs>
 </ds:datastoreItem>
 </file>
 
-<file path=customXml/itemProps185.xml><?xml version="1.0" encoding="utf-8"?>
-<ds:datastoreItem xmlns:ds="http://schemas.openxmlformats.org/officeDocument/2006/customXml" ds:itemID="{036A8109-61D9-4038-A0A5-52AECAB01D5B}">
+<file path=customXml/itemProps76.xml><?xml version="1.0" encoding="utf-8"?>
+<ds:datastoreItem xmlns:ds="http://schemas.openxmlformats.org/officeDocument/2006/customXml" ds:itemID="{2767950D-6E56-4D24-8265-C134BDA8FE55}">
   <ds:schemaRefs>
     <ds:schemaRef ds:uri="http://schemas.microsoft.com/VisualStudio/2011/storyboarding/control"/>
   </ds:schemaRefs>
 </ds:datastoreItem>
 </file>
 
-<file path=customXml/itemProps186.xml><?xml version="1.0" encoding="utf-8"?>
-<ds:datastoreItem xmlns:ds="http://schemas.openxmlformats.org/officeDocument/2006/customXml" ds:itemID="{F6871986-158F-4AFD-8563-24EEC93B23F2}">
+<file path=customXml/itemProps77.xml><?xml version="1.0" encoding="utf-8"?>
+<ds:datastoreItem xmlns:ds="http://schemas.openxmlformats.org/officeDocument/2006/customXml" ds:itemID="{46867D45-882A-43C4-B92B-CBE66A621901}">
   <ds:schemaRefs>
     <ds:schemaRef ds:uri="http://schemas.microsoft.com/VisualStudio/2011/storyboarding/control"/>
   </ds:schemaRefs>
 </ds:datastoreItem>
 </file>
 
-<file path=customXml/itemProps187.xml><?xml version="1.0" encoding="utf-8"?>
-<ds:datastoreItem xmlns:ds="http://schemas.openxmlformats.org/officeDocument/2006/customXml" ds:itemID="{C0218BAC-4DA3-4EEB-9E69-50B84364552B}">
+<file path=customXml/itemProps78.xml><?xml version="1.0" encoding="utf-8"?>
+<ds:datastoreItem xmlns:ds="http://schemas.openxmlformats.org/officeDocument/2006/customXml" ds:itemID="{D7877BD0-59F5-4FAD-B239-BDE864724FE0}">
   <ds:schemaRefs>
     <ds:schemaRef ds:uri="http://schemas.microsoft.com/VisualStudio/2011/storyboarding/control"/>
   </ds:schemaRefs>
 </ds:datastoreItem>
 </file>
 
-<file path=customXml/itemProps188.xml><?xml version="1.0" encoding="utf-8"?>
-<ds:datastoreItem xmlns:ds="http://schemas.openxmlformats.org/officeDocument/2006/customXml" ds:itemID="{FE02890D-64A9-4CF8-A33A-28C5FBDDBA8F}">
+<file path=customXml/itemProps79.xml><?xml version="1.0" encoding="utf-8"?>
+<ds:datastoreItem xmlns:ds="http://schemas.openxmlformats.org/officeDocument/2006/customXml" ds:itemID="{08A9803F-CFDA-42A3-9744-0E011C269932}">
   <ds:schemaRefs>
     <ds:schemaRef ds:uri="http://schemas.microsoft.com/VisualStudio/2011/storyboarding/control"/>
   </ds:schemaRefs>
 </ds:datastoreItem>
 </file>
 
-<file path=customXml/itemProps189.xml><?xml version="1.0" encoding="utf-8"?>
-<ds:datastoreItem xmlns:ds="http://schemas.openxmlformats.org/officeDocument/2006/customXml" ds:itemID="{C7E374A0-5595-4F3D-A445-F45CA2D87AE7}">
+<file path=customXml/itemProps8.xml><?xml version="1.0" encoding="utf-8"?>
+<ds:datastoreItem xmlns:ds="http://schemas.openxmlformats.org/officeDocument/2006/customXml" ds:itemID="{F3E27545-75AE-4129-B37B-DCEDA06FE3F5}">
   <ds:schemaRefs>
     <ds:schemaRef ds:uri="http://schemas.microsoft.com/VisualStudio/2011/storyboarding/control"/>
   </ds:schemaRefs>
 </ds:datastoreItem>
 </file>
 
-<file path=customXml/itemProps19.xml><?xml version="1.0" encoding="utf-8"?>
-<ds:datastoreItem xmlns:ds="http://schemas.openxmlformats.org/officeDocument/2006/customXml" ds:itemID="{0512EDEA-3EA1-4527-9B17-E618A3C1B5E2}">
+<file path=customXml/itemProps80.xml><?xml version="1.0" encoding="utf-8"?>
+<ds:datastoreItem xmlns:ds="http://schemas.openxmlformats.org/officeDocument/2006/customXml" ds:itemID="{EE54E899-0F8C-459F-AA25-691F8C5375AF}">
   <ds:schemaRefs>
     <ds:schemaRef ds:uri="http://schemas.microsoft.com/VisualStudio/2011/storyboarding/control"/>
   </ds:schemaRefs>
 </ds:datastoreItem>
 </file>
 
-<file path=customXml/itemProps190.xml><?xml version="1.0" encoding="utf-8"?>
-<ds:datastoreItem xmlns:ds="http://schemas.openxmlformats.org/officeDocument/2006/customXml" ds:itemID="{7EFB7A73-F17F-426F-BDF1-964909CB2213}">
+<file path=customXml/itemProps81.xml><?xml version="1.0" encoding="utf-8"?>
+<ds:datastoreItem xmlns:ds="http://schemas.openxmlformats.org/officeDocument/2006/customXml" ds:itemID="{61F08E8D-0E41-4EAA-A8D9-2F9318B9D11D}">
   <ds:schemaRefs>
     <ds:schemaRef ds:uri="http://schemas.microsoft.com/VisualStudio/2011/storyboarding/control"/>
   </ds:schemaRefs>
 </ds:datastoreItem>
 </file>
 
-<file path=customXml/itemProps191.xml><?xml version="1.0" encoding="utf-8"?>
-<ds:datastoreItem xmlns:ds="http://schemas.openxmlformats.org/officeDocument/2006/customXml" ds:itemID="{77AFBE6A-D80B-4EC6-8D4C-D874F3C53CA7}">
+<file path=customXml/itemProps82.xml><?xml version="1.0" encoding="utf-8"?>
+<ds:datastoreItem xmlns:ds="http://schemas.openxmlformats.org/officeDocument/2006/customXml" ds:itemID="{FD27E29D-B16F-4EF0-809F-0B6BCB63526B}">
   <ds:schemaRefs>
     <ds:schemaRef ds:uri="http://schemas.microsoft.com/VisualStudio/2011/storyboarding/control"/>
   </ds:schemaRefs>
 </ds:datastoreItem>
 </file>
 
-<file path=customXml/itemProps192.xml><?xml version="1.0" encoding="utf-8"?>
-<ds:datastoreItem xmlns:ds="http://schemas.openxmlformats.org/officeDocument/2006/customXml" ds:itemID="{53091692-30A5-4A55-BED0-76183EA12C30}">
+<file path=customXml/itemProps83.xml><?xml version="1.0" encoding="utf-8"?>
+<ds:datastoreItem xmlns:ds="http://schemas.openxmlformats.org/officeDocument/2006/customXml" ds:itemID="{97F37CC2-EB76-4D0B-986B-225F403279E8}">
   <ds:schemaRefs>
     <ds:schemaRef ds:uri="http://schemas.microsoft.com/VisualStudio/2011/storyboarding/control"/>
   </ds:schemaRefs>
 </ds:datastoreItem>
 </file>
 
-<file path=customXml/itemProps193.xml><?xml version="1.0" encoding="utf-8"?>
-<ds:datastoreItem xmlns:ds="http://schemas.openxmlformats.org/officeDocument/2006/customXml" ds:itemID="{DDDAD383-E3D8-47A5-852F-FBADCFF3238E}">
+<file path=customXml/itemProps84.xml><?xml version="1.0" encoding="utf-8"?>
+<ds:datastoreItem xmlns:ds="http://schemas.openxmlformats.org/officeDocument/2006/customXml" ds:itemID="{7D59CDC6-58DF-4A64-958A-225FD347A928}">
   <ds:schemaRefs>
     <ds:schemaRef ds:uri="http://schemas.microsoft.com/VisualStudio/2011/storyboarding/control"/>
   </ds:schemaRefs>
 </ds:datastoreItem>
 </file>
 
-<file path=customXml/itemProps194.xml><?xml version="1.0" encoding="utf-8"?>
+<file path=customXml/itemProps85.xml><?xml version="1.0" encoding="utf-8"?>
+<ds:datastoreItem xmlns:ds="http://schemas.openxmlformats.org/officeDocument/2006/customXml" ds:itemID="{BDA3FAF5-0FB5-4DF9-A72F-837BC34B2223}">
+  <ds:schemaRefs>
+    <ds:schemaRef ds:uri="http://schemas.microsoft.com/VisualStudio/2011/storyboarding/control"/>
+  </ds:schemaRefs>
+</ds:datastoreItem>
+</file>
+
+<file path=customXml/itemProps86.xml><?xml version="1.0" encoding="utf-8"?>
+<ds:datastoreItem xmlns:ds="http://schemas.openxmlformats.org/officeDocument/2006/customXml" ds:itemID="{27F36B52-6CF6-4397-BA43-A73A144A114D}">
+  <ds:schemaRefs>
+    <ds:schemaRef ds:uri="http://schemas.microsoft.com/VisualStudio/2011/storyboarding/control"/>
+  </ds:schemaRefs>
+</ds:datastoreItem>
+</file>
+
+<file path=customXml/itemProps87.xml><?xml version="1.0" encoding="utf-8"?>
+<ds:datastoreItem xmlns:ds="http://schemas.openxmlformats.org/officeDocument/2006/customXml" ds:itemID="{2E12C7FD-ADB9-4E02-88AD-8997CE61C2D4}">
+  <ds:schemaRefs>
+    <ds:schemaRef ds:uri="http://schemas.microsoft.com/VisualStudio/2011/storyboarding/control"/>
+  </ds:schemaRefs>
+</ds:datastoreItem>
+</file>
+
+<file path=customXml/itemProps88.xml><?xml version="1.0" encoding="utf-8"?>
+<ds:datastoreItem xmlns:ds="http://schemas.openxmlformats.org/officeDocument/2006/customXml" ds:itemID="{7FB06168-5510-4F1E-A95A-0BC019A40066}">
+  <ds:schemaRefs>
+    <ds:schemaRef ds:uri="http://schemas.microsoft.com/VisualStudio/2011/storyboarding/control"/>
+  </ds:schemaRefs>
+</ds:datastoreItem>
+</file>
+
+<file path=customXml/itemProps89.xml><?xml version="1.0" encoding="utf-8"?>
+<ds:datastoreItem xmlns:ds="http://schemas.openxmlformats.org/officeDocument/2006/customXml" ds:itemID="{7FF5E720-32FD-43B4-93F3-28521A9DC605}">
+  <ds:schemaRefs>
+    <ds:schemaRef ds:uri="http://schemas.microsoft.com/VisualStudio/2011/storyboarding/control"/>
+  </ds:schemaRefs>
+</ds:datastoreItem>
+</file>
+
+<file path=customXml/itemProps9.xml><?xml version="1.0" encoding="utf-8"?>
+<ds:datastoreItem xmlns:ds="http://schemas.openxmlformats.org/officeDocument/2006/customXml" ds:itemID="{3FBFA4EC-17C5-4248-A71C-7ADBE94391F0}">
+  <ds:schemaRefs>
+    <ds:schemaRef ds:uri="http://schemas.microsoft.com/VisualStudio/2011/storyboarding/control"/>
+  </ds:schemaRefs>
+</ds:datastoreItem>
+</file>
+
+<file path=customXml/itemProps90.xml><?xml version="1.0" encoding="utf-8"?>
+<ds:datastoreItem xmlns:ds="http://schemas.openxmlformats.org/officeDocument/2006/customXml" ds:itemID="{C43B4C94-3FEE-4641-AAEF-DDB851AEBDD6}">
+  <ds:schemaRefs>
+    <ds:schemaRef ds:uri="http://schemas.microsoft.com/VisualStudio/2011/storyboarding/control"/>
+  </ds:schemaRefs>
+</ds:datastoreItem>
+</file>
+
+<file path=customXml/itemProps91.xml><?xml version="1.0" encoding="utf-8"?>
+<ds:datastoreItem xmlns:ds="http://schemas.openxmlformats.org/officeDocument/2006/customXml" ds:itemID="{C47073DF-7B9E-4360-9DB2-AC4CED95D923}">
+  <ds:schemaRefs>
+    <ds:schemaRef ds:uri="http://schemas.microsoft.com/VisualStudio/2011/storyboarding/control"/>
+  </ds:schemaRefs>
+</ds:datastoreItem>
+</file>
+
+<file path=customXml/itemProps92.xml><?xml version="1.0" encoding="utf-8"?>
+<ds:datastoreItem xmlns:ds="http://schemas.openxmlformats.org/officeDocument/2006/customXml" ds:itemID="{570D2175-1F71-485A-B816-2BE874FDACEB}">
+  <ds:schemaRefs>
+    <ds:schemaRef ds:uri="http://schemas.microsoft.com/VisualStudio/2011/storyboarding/control"/>
+  </ds:schemaRefs>
+</ds:datastoreItem>
+</file>
+
+<file path=customXml/itemProps93.xml><?xml version="1.0" encoding="utf-8"?>
+<ds:datastoreItem xmlns:ds="http://schemas.openxmlformats.org/officeDocument/2006/customXml" ds:itemID="{CDDFBF7F-A654-4DF2-8FEA-7444B97DE8ED}">
+  <ds:schemaRefs>
+    <ds:schemaRef ds:uri="http://schemas.microsoft.com/VisualStudio/2011/storyboarding/control"/>
+  </ds:schemaRefs>
+</ds:datastoreItem>
+</file>
+
+<file path=customXml/itemProps94.xml><?xml version="1.0" encoding="utf-8"?>
 <ds:datastoreItem xmlns:ds="http://schemas.openxmlformats.org/officeDocument/2006/customXml" ds:itemID="{3B2B1BF2-846E-41FE-9CD7-2F1CC352791C}">
   <ds:schemaRefs>
     <ds:schemaRef ds:uri="http://schemas.microsoft.com/VisualStudio/2011/storyboarding/control"/>
@@ -52561,127 +55039,7 @@
 </ds:datastoreItem>
 </file>
 
-<file path=customXml/itemProps195.xml><?xml version="1.0" encoding="utf-8"?>
-<ds:datastoreItem xmlns:ds="http://schemas.openxmlformats.org/officeDocument/2006/customXml" ds:itemID="{72890A5B-CB5B-4F90-8F7B-4606BE9BD67D}">
-  <ds:schemaRefs>
-    <ds:schemaRef ds:uri="http://schemas.microsoft.com/VisualStudio/2011/storyboarding/control"/>
-  </ds:schemaRefs>
-</ds:datastoreItem>
-</file>
-
-<file path=customXml/itemProps196.xml><?xml version="1.0" encoding="utf-8"?>
-<ds:datastoreItem xmlns:ds="http://schemas.openxmlformats.org/officeDocument/2006/customXml" ds:itemID="{D4F8C631-0D70-488F-BA4D-5FE212D67E7D}">
-  <ds:schemaRefs>
-    <ds:schemaRef ds:uri="http://schemas.microsoft.com/VisualStudio/2011/storyboarding/control"/>
-  </ds:schemaRefs>
-</ds:datastoreItem>
-</file>
-
-<file path=customXml/itemProps197.xml><?xml version="1.0" encoding="utf-8"?>
-<ds:datastoreItem xmlns:ds="http://schemas.openxmlformats.org/officeDocument/2006/customXml" ds:itemID="{2236CDEC-0756-4174-834C-35150FF5ED1F}">
-  <ds:schemaRefs>
-    <ds:schemaRef ds:uri="http://schemas.microsoft.com/VisualStudio/2011/storyboarding/control"/>
-  </ds:schemaRefs>
-</ds:datastoreItem>
-</file>
-
-<file path=customXml/itemProps198.xml><?xml version="1.0" encoding="utf-8"?>
-<ds:datastoreItem xmlns:ds="http://schemas.openxmlformats.org/officeDocument/2006/customXml" ds:itemID="{3BDC9059-48A0-4806-8BEB-23814E7D3566}">
-  <ds:schemaRefs>
-    <ds:schemaRef ds:uri="http://schemas.microsoft.com/VisualStudio/2011/storyboarding/control"/>
-  </ds:schemaRefs>
-</ds:datastoreItem>
-</file>
-
-<file path=customXml/itemProps199.xml><?xml version="1.0" encoding="utf-8"?>
-<ds:datastoreItem xmlns:ds="http://schemas.openxmlformats.org/officeDocument/2006/customXml" ds:itemID="{8AF431A9-BF08-4BD0-A780-EC38485A3187}">
-  <ds:schemaRefs>
-    <ds:schemaRef ds:uri="http://schemas.microsoft.com/VisualStudio/2011/storyboarding/control"/>
-  </ds:schemaRefs>
-</ds:datastoreItem>
-</file>
-
-<file path=customXml/itemProps2.xml><?xml version="1.0" encoding="utf-8"?>
-<ds:datastoreItem xmlns:ds="http://schemas.openxmlformats.org/officeDocument/2006/customXml" ds:itemID="{E98BB9AA-0D65-484B-9086-12797246EAA1}">
-  <ds:schemaRefs>
-    <ds:schemaRef ds:uri="http://schemas.microsoft.com/VisualStudio/2011/storyboarding/control"/>
-  </ds:schemaRefs>
-</ds:datastoreItem>
-</file>
-
-<file path=customXml/itemProps20.xml><?xml version="1.0" encoding="utf-8"?>
-<ds:datastoreItem xmlns:ds="http://schemas.openxmlformats.org/officeDocument/2006/customXml" ds:itemID="{907F2140-DE32-46B5-9821-19C5D20389DC}">
-  <ds:schemaRefs>
-    <ds:schemaRef ds:uri="http://schemas.microsoft.com/VisualStudio/2011/storyboarding/control"/>
-  </ds:schemaRefs>
-</ds:datastoreItem>
-</file>
-
-<file path=customXml/itemProps200.xml><?xml version="1.0" encoding="utf-8"?>
-<ds:datastoreItem xmlns:ds="http://schemas.openxmlformats.org/officeDocument/2006/customXml" ds:itemID="{419E774B-6B87-416F-B97C-FA251F0271C6}">
-  <ds:schemaRefs>
-    <ds:schemaRef ds:uri="http://schemas.microsoft.com/VisualStudio/2011/storyboarding/control"/>
-  </ds:schemaRefs>
-</ds:datastoreItem>
-</file>
-
-<file path=customXml/itemProps201.xml><?xml version="1.0" encoding="utf-8"?>
-<ds:datastoreItem xmlns:ds="http://schemas.openxmlformats.org/officeDocument/2006/customXml" ds:itemID="{8D5E1E51-E066-4DA4-984C-86E4E7BEEB04}">
-  <ds:schemaRefs>
-    <ds:schemaRef ds:uri="http://schemas.microsoft.com/VisualStudio/2011/storyboarding/control"/>
-  </ds:schemaRefs>
-</ds:datastoreItem>
-</file>
-
-<file path=customXml/itemProps202.xml><?xml version="1.0" encoding="utf-8"?>
-<ds:datastoreItem xmlns:ds="http://schemas.openxmlformats.org/officeDocument/2006/customXml" ds:itemID="{9450BFFB-AEAE-49FD-87A6-34E338CFE526}">
-  <ds:schemaRefs>
-    <ds:schemaRef ds:uri="http://schemas.microsoft.com/VisualStudio/2011/storyboarding/control"/>
-  </ds:schemaRefs>
-</ds:datastoreItem>
-</file>
-
-<file path=customXml/itemProps203.xml><?xml version="1.0" encoding="utf-8"?>
-<ds:datastoreItem xmlns:ds="http://schemas.openxmlformats.org/officeDocument/2006/customXml" ds:itemID="{C69B6E2F-C3BC-461E-B8E6-DCFFBFA5EBE0}">
-  <ds:schemaRefs>
-    <ds:schemaRef ds:uri="http://schemas.microsoft.com/VisualStudio/2011/storyboarding/control"/>
-  </ds:schemaRefs>
-</ds:datastoreItem>
-</file>
-
-<file path=customXml/itemProps204.xml><?xml version="1.0" encoding="utf-8"?>
-<ds:datastoreItem xmlns:ds="http://schemas.openxmlformats.org/officeDocument/2006/customXml" ds:itemID="{5D814732-67D5-4A14-A5D6-326249B978DE}">
-  <ds:schemaRefs>
-    <ds:schemaRef ds:uri="http://schemas.microsoft.com/VisualStudio/2011/storyboarding/control"/>
-  </ds:schemaRefs>
-</ds:datastoreItem>
-</file>
-
-<file path=customXml/itemProps205.xml><?xml version="1.0" encoding="utf-8"?>
-<ds:datastoreItem xmlns:ds="http://schemas.openxmlformats.org/officeDocument/2006/customXml" ds:itemID="{42953A3E-EA41-4CC7-AF57-A6F452D223BC}">
-  <ds:schemaRefs>
-    <ds:schemaRef ds:uri="http://schemas.microsoft.com/VisualStudio/2011/storyboarding/control"/>
-  </ds:schemaRefs>
-</ds:datastoreItem>
-</file>
-
-<file path=customXml/itemProps206.xml><?xml version="1.0" encoding="utf-8"?>
-<ds:datastoreItem xmlns:ds="http://schemas.openxmlformats.org/officeDocument/2006/customXml" ds:itemID="{229B418C-5028-4B48-880C-106578AB489C}">
-  <ds:schemaRefs>
-    <ds:schemaRef ds:uri="http://schemas.microsoft.com/VisualStudio/2011/storyboarding/control"/>
-  </ds:schemaRefs>
-</ds:datastoreItem>
-</file>
-
-<file path=customXml/itemProps207.xml><?xml version="1.0" encoding="utf-8"?>
-<ds:datastoreItem xmlns:ds="http://schemas.openxmlformats.org/officeDocument/2006/customXml" ds:itemID="{D8722A0A-C00E-4E67-A932-E9DFCE0C5F5E}">
-  <ds:schemaRefs>
-    <ds:schemaRef ds:uri="http://schemas.microsoft.com/VisualStudio/2011/storyboarding/control"/>
-  </ds:schemaRefs>
-</ds:datastoreItem>
-</file>
-
-<file path=customXml/itemProps208.xml><?xml version="1.0" encoding="utf-8"?>
+<file path=customXml/itemProps95.xml><?xml version="1.0" encoding="utf-8"?>
 <ds:datastoreItem xmlns:ds="http://schemas.openxmlformats.org/officeDocument/2006/customXml" ds:itemID="{3FA2755B-750E-4415-86FD-A9A920B38FE2}">
   <ds:schemaRefs>
     <ds:schemaRef ds:uri="http://schemas.microsoft.com/VisualStudio/2011/storyboarding/control"/>
@@ -52689,183 +55047,7 @@
 </ds:datastoreItem>
 </file>
 
-<file path=customXml/itemProps209.xml><?xml version="1.0" encoding="utf-8"?>
-<ds:datastoreItem xmlns:ds="http://schemas.openxmlformats.org/officeDocument/2006/customXml" ds:itemID="{1EFFFE18-CDC2-4555-8551-DFE0773DD365}">
-  <ds:schemaRefs>
-    <ds:schemaRef ds:uri="http://schemas.microsoft.com/VisualStudio/2011/storyboarding/control"/>
-  </ds:schemaRefs>
-</ds:datastoreItem>
-</file>
-
-<file path=customXml/itemProps21.xml><?xml version="1.0" encoding="utf-8"?>
-<ds:datastoreItem xmlns:ds="http://schemas.openxmlformats.org/officeDocument/2006/customXml" ds:itemID="{072EB726-885C-43C4-A156-0DEDDD30F194}">
-  <ds:schemaRefs>
-    <ds:schemaRef ds:uri="http://schemas.microsoft.com/VisualStudio/2011/storyboarding/control"/>
-  </ds:schemaRefs>
-</ds:datastoreItem>
-</file>
-
-<file path=customXml/itemProps210.xml><?xml version="1.0" encoding="utf-8"?>
-<ds:datastoreItem xmlns:ds="http://schemas.openxmlformats.org/officeDocument/2006/customXml" ds:itemID="{1D374821-B26D-474F-AAAC-8B2753C3C543}">
-  <ds:schemaRefs>
-    <ds:schemaRef ds:uri="http://schemas.microsoft.com/VisualStudio/2011/storyboarding/control"/>
-  </ds:schemaRefs>
-</ds:datastoreItem>
-</file>
-
-<file path=customXml/itemProps211.xml><?xml version="1.0" encoding="utf-8"?>
-<ds:datastoreItem xmlns:ds="http://schemas.openxmlformats.org/officeDocument/2006/customXml" ds:itemID="{CD2C207E-92A2-4AAD-AA93-EC90C37B5A00}">
-  <ds:schemaRefs>
-    <ds:schemaRef ds:uri="http://schemas.microsoft.com/VisualStudio/2011/storyboarding/control"/>
-  </ds:schemaRefs>
-</ds:datastoreItem>
-</file>
-
-<file path=customXml/itemProps212.xml><?xml version="1.0" encoding="utf-8"?>
-<ds:datastoreItem xmlns:ds="http://schemas.openxmlformats.org/officeDocument/2006/customXml" ds:itemID="{C2283421-3CF6-41B5-9FAC-261D44009E6E}">
-  <ds:schemaRefs>
-    <ds:schemaRef ds:uri="http://schemas.microsoft.com/VisualStudio/2011/storyboarding/control"/>
-  </ds:schemaRefs>
-</ds:datastoreItem>
-</file>
-
-<file path=customXml/itemProps213.xml><?xml version="1.0" encoding="utf-8"?>
-<ds:datastoreItem xmlns:ds="http://schemas.openxmlformats.org/officeDocument/2006/customXml" ds:itemID="{8FAA362E-168D-4E9C-A7A3-3697BCAC82F9}">
-  <ds:schemaRefs>
-    <ds:schemaRef ds:uri="http://schemas.microsoft.com/VisualStudio/2011/storyboarding/control"/>
-  </ds:schemaRefs>
-</ds:datastoreItem>
-</file>
-
-<file path=customXml/itemProps214.xml><?xml version="1.0" encoding="utf-8"?>
-<ds:datastoreItem xmlns:ds="http://schemas.openxmlformats.org/officeDocument/2006/customXml" ds:itemID="{A34CB06E-319F-4F5D-84F2-B6726A106FF1}">
-  <ds:schemaRefs>
-    <ds:schemaRef ds:uri="http://schemas.microsoft.com/VisualStudio/2011/storyboarding/control"/>
-  </ds:schemaRefs>
-</ds:datastoreItem>
-</file>
-
-<file path=customXml/itemProps215.xml><?xml version="1.0" encoding="utf-8"?>
-<ds:datastoreItem xmlns:ds="http://schemas.openxmlformats.org/officeDocument/2006/customXml" ds:itemID="{17050325-C71D-472B-95DC-A77A3F745B9E}">
-  <ds:schemaRefs>
-    <ds:schemaRef ds:uri="http://schemas.microsoft.com/VisualStudio/2011/storyboarding/control"/>
-  </ds:schemaRefs>
-</ds:datastoreItem>
-</file>
-
-<file path=customXml/itemProps216.xml><?xml version="1.0" encoding="utf-8"?>
-<ds:datastoreItem xmlns:ds="http://schemas.openxmlformats.org/officeDocument/2006/customXml" ds:itemID="{0B402B8B-5A56-4849-992D-9D3AB7C837D7}">
-  <ds:schemaRefs>
-    <ds:schemaRef ds:uri="http://schemas.microsoft.com/VisualStudio/2011/storyboarding/control"/>
-  </ds:schemaRefs>
-</ds:datastoreItem>
-</file>
-
-<file path=customXml/itemProps217.xml><?xml version="1.0" encoding="utf-8"?>
-<ds:datastoreItem xmlns:ds="http://schemas.openxmlformats.org/officeDocument/2006/customXml" ds:itemID="{A312B8E6-1370-44D7-BD1F-51828CABC0C4}">
-  <ds:schemaRefs>
-    <ds:schemaRef ds:uri="http://schemas.microsoft.com/VisualStudio/2011/storyboarding/control"/>
-  </ds:schemaRefs>
-</ds:datastoreItem>
-</file>
-
-<file path=customXml/itemProps218.xml><?xml version="1.0" encoding="utf-8"?>
-<ds:datastoreItem xmlns:ds="http://schemas.openxmlformats.org/officeDocument/2006/customXml" ds:itemID="{8CE92875-5137-4108-A885-ABA70713AECC}">
-  <ds:schemaRefs>
-    <ds:schemaRef ds:uri="http://schemas.microsoft.com/VisualStudio/2011/storyboarding/control"/>
-  </ds:schemaRefs>
-</ds:datastoreItem>
-</file>
-
-<file path=customXml/itemProps219.xml><?xml version="1.0" encoding="utf-8"?>
-<ds:datastoreItem xmlns:ds="http://schemas.openxmlformats.org/officeDocument/2006/customXml" ds:itemID="{ABFF9767-43A0-4973-8588-41724C56A0CE}">
-  <ds:schemaRefs>
-    <ds:schemaRef ds:uri="http://schemas.microsoft.com/VisualStudio/2011/storyboarding/control"/>
-  </ds:schemaRefs>
-</ds:datastoreItem>
-</file>
-
-<file path=customXml/itemProps22.xml><?xml version="1.0" encoding="utf-8"?>
-<ds:datastoreItem xmlns:ds="http://schemas.openxmlformats.org/officeDocument/2006/customXml" ds:itemID="{E0F4F731-3697-42EC-ADC1-3746287E88BC}">
-  <ds:schemaRefs>
-    <ds:schemaRef ds:uri="http://schemas.microsoft.com/VisualStudio/2011/storyboarding/control"/>
-  </ds:schemaRefs>
-</ds:datastoreItem>
-</file>
-
-<file path=customXml/itemProps220.xml><?xml version="1.0" encoding="utf-8"?>
-<ds:datastoreItem xmlns:ds="http://schemas.openxmlformats.org/officeDocument/2006/customXml" ds:itemID="{8E138269-CA7A-4937-9FB2-0BC225AA59B4}">
-  <ds:schemaRefs>
-    <ds:schemaRef ds:uri="http://schemas.microsoft.com/VisualStudio/2011/storyboarding/control"/>
-  </ds:schemaRefs>
-</ds:datastoreItem>
-</file>
-
-<file path=customXml/itemProps221.xml><?xml version="1.0" encoding="utf-8"?>
-<ds:datastoreItem xmlns:ds="http://schemas.openxmlformats.org/officeDocument/2006/customXml" ds:itemID="{16B492A5-FE3D-43FE-9CF8-E46854E4176F}">
-  <ds:schemaRefs>
-    <ds:schemaRef ds:uri="http://schemas.microsoft.com/VisualStudio/2011/storyboarding/control"/>
-  </ds:schemaRefs>
-</ds:datastoreItem>
-</file>
-
-<file path=customXml/itemProps222.xml><?xml version="1.0" encoding="utf-8"?>
-<ds:datastoreItem xmlns:ds="http://schemas.openxmlformats.org/officeDocument/2006/customXml" ds:itemID="{53F66FDE-6582-4A7F-9E61-EF3EA60145BA}">
-  <ds:schemaRefs>
-    <ds:schemaRef ds:uri="http://schemas.microsoft.com/VisualStudio/2011/storyboarding/control"/>
-  </ds:schemaRefs>
-</ds:datastoreItem>
-</file>
-
-<file path=customXml/itemProps223.xml><?xml version="1.0" encoding="utf-8"?>
-<ds:datastoreItem xmlns:ds="http://schemas.openxmlformats.org/officeDocument/2006/customXml" ds:itemID="{AD6C7A00-DCA8-46C5-A458-17FE22EFEE37}">
-  <ds:schemaRefs>
-    <ds:schemaRef ds:uri="http://schemas.microsoft.com/VisualStudio/2011/storyboarding/control"/>
-  </ds:schemaRefs>
-</ds:datastoreItem>
-</file>
-
-<file path=customXml/itemProps224.xml><?xml version="1.0" encoding="utf-8"?>
-<ds:datastoreItem xmlns:ds="http://schemas.openxmlformats.org/officeDocument/2006/customXml" ds:itemID="{0B3DDA0A-E490-4707-A3B7-C61C97D6EB56}">
-  <ds:schemaRefs>
-    <ds:schemaRef ds:uri="http://schemas.microsoft.com/VisualStudio/2011/storyboarding/control"/>
-  </ds:schemaRefs>
-</ds:datastoreItem>
-</file>
-
-<file path=customXml/itemProps225.xml><?xml version="1.0" encoding="utf-8"?>
-<ds:datastoreItem xmlns:ds="http://schemas.openxmlformats.org/officeDocument/2006/customXml" ds:itemID="{6A6DEB17-F166-42A7-ACE5-734B9AF98B31}">
-  <ds:schemaRefs>
-    <ds:schemaRef ds:uri="http://schemas.microsoft.com/VisualStudio/2011/storyboarding/control"/>
-  </ds:schemaRefs>
-</ds:datastoreItem>
-</file>
-
-<file path=customXml/itemProps226.xml><?xml version="1.0" encoding="utf-8"?>
-<ds:datastoreItem xmlns:ds="http://schemas.openxmlformats.org/officeDocument/2006/customXml" ds:itemID="{B9615B9B-0D88-4FE7-A8A1-23F69DC8043E}">
-  <ds:schemaRefs>
-    <ds:schemaRef ds:uri="http://schemas.microsoft.com/VisualStudio/2011/storyboarding/control"/>
-  </ds:schemaRefs>
-</ds:datastoreItem>
-</file>
-
-<file path=customXml/itemProps227.xml><?xml version="1.0" encoding="utf-8"?>
-<ds:datastoreItem xmlns:ds="http://schemas.openxmlformats.org/officeDocument/2006/customXml" ds:itemID="{0196C5EB-6400-4120-8E56-73F977C5C861}">
-  <ds:schemaRefs>
-    <ds:schemaRef ds:uri="http://schemas.microsoft.com/VisualStudio/2011/storyboarding/control"/>
-  </ds:schemaRefs>
-</ds:datastoreItem>
-</file>
-
-<file path=customXml/itemProps228.xml><?xml version="1.0" encoding="utf-8"?>
-<ds:datastoreItem xmlns:ds="http://schemas.openxmlformats.org/officeDocument/2006/customXml" ds:itemID="{24C64F7D-04D9-44E6-BCA7-F0DAAB072939}">
-  <ds:schemaRefs>
-    <ds:schemaRef ds:uri="http://schemas.microsoft.com/VisualStudio/2011/storyboarding/control"/>
-  </ds:schemaRefs>
-</ds:datastoreItem>
-</file>
-
-<file path=customXml/itemProps229.xml><?xml version="1.0" encoding="utf-8"?>
+<file path=customXml/itemProps96.xml><?xml version="1.0" encoding="utf-8"?>
 <ds:datastoreItem xmlns:ds="http://schemas.openxmlformats.org/officeDocument/2006/customXml" ds:itemID="{9ABCD897-7CB0-4F79-845F-5CCBD48F3D7A}">
   <ds:schemaRefs>
     <ds:schemaRef ds:uri="http://schemas.microsoft.com/VisualStudio/2011/storyboarding/control"/>
@@ -52873,2186 +55055,26 @@
 </ds:datastoreItem>
 </file>
 
-<file path=customXml/itemProps23.xml><?xml version="1.0" encoding="utf-8"?>
-<ds:datastoreItem xmlns:ds="http://schemas.openxmlformats.org/officeDocument/2006/customXml" ds:itemID="{FDF52D47-7467-43F5-AC96-EFB9057C92A3}">
+<file path=customXml/itemProps97.xml><?xml version="1.0" encoding="utf-8"?>
+<ds:datastoreItem xmlns:ds="http://schemas.openxmlformats.org/officeDocument/2006/customXml" ds:itemID="{F1DD14E0-424F-4FF5-B74E-19AA22245CA2}">
   <ds:schemaRefs>
     <ds:schemaRef ds:uri="http://schemas.microsoft.com/VisualStudio/2011/storyboarding/control"/>
   </ds:schemaRefs>
 </ds:datastoreItem>
 </file>
 
-<file path=customXml/itemProps230.xml><?xml version="1.0" encoding="utf-8"?>
-<ds:datastoreItem xmlns:ds="http://schemas.openxmlformats.org/officeDocument/2006/customXml" ds:itemID="{587246EE-B1EB-4D8A-AA57-6F634C7F9AA8}">
+<file path=customXml/itemProps98.xml><?xml version="1.0" encoding="utf-8"?>
+<ds:datastoreItem xmlns:ds="http://schemas.openxmlformats.org/officeDocument/2006/customXml" ds:itemID="{18B78A2F-285D-46A4-AEAB-2D6B42FFEC57}">
   <ds:schemaRefs>
     <ds:schemaRef ds:uri="http://schemas.microsoft.com/VisualStudio/2011/storyboarding/control"/>
   </ds:schemaRefs>
 </ds:datastoreItem>
 </file>
 
-<file path=customXml/itemProps231.xml><?xml version="1.0" encoding="utf-8"?>
-<ds:datastoreItem xmlns:ds="http://schemas.openxmlformats.org/officeDocument/2006/customXml" ds:itemID="{941802C7-C3BA-4624-AFA0-971FBF103A94}">
-  <ds:schemaRefs>
-    <ds:schemaRef ds:uri="http://schemas.microsoft.com/VisualStudio/2011/storyboarding/control"/>
-  </ds:schemaRefs>
-</ds:datastoreItem>
-</file>
-
-<file path=customXml/itemProps232.xml><?xml version="1.0" encoding="utf-8"?>
-<ds:datastoreItem xmlns:ds="http://schemas.openxmlformats.org/officeDocument/2006/customXml" ds:itemID="{CFF9CF07-44DB-477F-837F-E71E1AB13222}">
-  <ds:schemaRefs>
-    <ds:schemaRef ds:uri="http://schemas.microsoft.com/VisualStudio/2011/storyboarding/control"/>
-  </ds:schemaRefs>
-</ds:datastoreItem>
-</file>
-
-<file path=customXml/itemProps233.xml><?xml version="1.0" encoding="utf-8"?>
-<ds:datastoreItem xmlns:ds="http://schemas.openxmlformats.org/officeDocument/2006/customXml" ds:itemID="{9CEE4515-A009-4D94-A230-7B8AAF5028D4}">
-  <ds:schemaRefs>
-    <ds:schemaRef ds:uri="http://schemas.microsoft.com/VisualStudio/2011/storyboarding/control"/>
-  </ds:schemaRefs>
-</ds:datastoreItem>
-</file>
-
-<file path=customXml/itemProps234.xml><?xml version="1.0" encoding="utf-8"?>
-<ds:datastoreItem xmlns:ds="http://schemas.openxmlformats.org/officeDocument/2006/customXml" ds:itemID="{8A82294C-5C1E-4DB4-9A53-E8A0F1373D33}">
-  <ds:schemaRefs>
-    <ds:schemaRef ds:uri="http://schemas.microsoft.com/VisualStudio/2011/storyboarding/control"/>
-  </ds:schemaRefs>
-</ds:datastoreItem>
-</file>
-
-<file path=customXml/itemProps235.xml><?xml version="1.0" encoding="utf-8"?>
-<ds:datastoreItem xmlns:ds="http://schemas.openxmlformats.org/officeDocument/2006/customXml" ds:itemID="{6A810CBD-B6A2-401B-A9BC-DABB4BC4F334}">
-  <ds:schemaRefs>
-    <ds:schemaRef ds:uri="http://schemas.microsoft.com/VisualStudio/2011/storyboarding/control"/>
-  </ds:schemaRefs>
-</ds:datastoreItem>
-</file>
-
-<file path=customXml/itemProps236.xml><?xml version="1.0" encoding="utf-8"?>
-<ds:datastoreItem xmlns:ds="http://schemas.openxmlformats.org/officeDocument/2006/customXml" ds:itemID="{77BD90F5-F028-4B75-9BD9-6C76C3F72E12}">
-  <ds:schemaRefs>
-    <ds:schemaRef ds:uri="http://schemas.microsoft.com/VisualStudio/2011/storyboarding/control"/>
-  </ds:schemaRefs>
-</ds:datastoreItem>
-</file>
-
-<file path=customXml/itemProps237.xml><?xml version="1.0" encoding="utf-8"?>
-<ds:datastoreItem xmlns:ds="http://schemas.openxmlformats.org/officeDocument/2006/customXml" ds:itemID="{19EE3147-B5A6-4BC2-9C63-6F3D880274C5}">
-  <ds:schemaRefs>
-    <ds:schemaRef ds:uri="http://schemas.microsoft.com/VisualStudio/2011/storyboarding/control"/>
-  </ds:schemaRefs>
-</ds:datastoreItem>
-</file>
-
-<file path=customXml/itemProps238.xml><?xml version="1.0" encoding="utf-8"?>
-<ds:datastoreItem xmlns:ds="http://schemas.openxmlformats.org/officeDocument/2006/customXml" ds:itemID="{A87ABC7A-6C65-4575-BD30-A7693FA18B1E}">
-  <ds:schemaRefs>
-    <ds:schemaRef ds:uri="http://schemas.microsoft.com/VisualStudio/2011/storyboarding/control"/>
-  </ds:schemaRefs>
-</ds:datastoreItem>
-</file>
-
-<file path=customXml/itemProps239.xml><?xml version="1.0" encoding="utf-8"?>
-<ds:datastoreItem xmlns:ds="http://schemas.openxmlformats.org/officeDocument/2006/customXml" ds:itemID="{2767950D-6E56-4D24-8265-C134BDA8FE55}">
-  <ds:schemaRefs>
-    <ds:schemaRef ds:uri="http://schemas.microsoft.com/VisualStudio/2011/storyboarding/control"/>
-  </ds:schemaRefs>
-</ds:datastoreItem>
-</file>
-
-<file path=customXml/itemProps24.xml><?xml version="1.0" encoding="utf-8"?>
-<ds:datastoreItem xmlns:ds="http://schemas.openxmlformats.org/officeDocument/2006/customXml" ds:itemID="{97F37CC2-EB76-4D0B-986B-225F403279E8}">
-  <ds:schemaRefs>
-    <ds:schemaRef ds:uri="http://schemas.microsoft.com/VisualStudio/2011/storyboarding/control"/>
-  </ds:schemaRefs>
-</ds:datastoreItem>
-</file>
-
-<file path=customXml/itemProps240.xml><?xml version="1.0" encoding="utf-8"?>
+<file path=customXml/itemProps99.xml><?xml version="1.0" encoding="utf-8"?>
 <ds:datastoreItem xmlns:ds="http://schemas.openxmlformats.org/officeDocument/2006/customXml" ds:itemID="{A6A46914-DB08-472D-B8E5-F4163E582125}">
   <ds:schemaRefs>
     <ds:schemaRef ds:uri="http://schemas.microsoft.com/VisualStudio/2011/storyboarding/control"/>
   </ds:schemaRefs>
 </ds:datastoreItem>
-</file>
-
-<file path=customXml/itemProps241.xml><?xml version="1.0" encoding="utf-8"?>
-<ds:datastoreItem xmlns:ds="http://schemas.openxmlformats.org/officeDocument/2006/customXml" ds:itemID="{747F2B94-BD0E-4A90-8769-1D673480235D}">
-  <ds:schemaRefs>
-    <ds:schemaRef ds:uri="http://schemas.microsoft.com/VisualStudio/2011/storyboarding/control"/>
-  </ds:schemaRefs>
-</ds:datastoreItem>
-</file>
-
-<file path=customXml/itemProps242.xml><?xml version="1.0" encoding="utf-8"?>
-<ds:datastoreItem xmlns:ds="http://schemas.openxmlformats.org/officeDocument/2006/customXml" ds:itemID="{DBF401CB-7280-4B4A-8251-BC51EE155C54}">
-  <ds:schemaRefs>
-    <ds:schemaRef ds:uri="http://schemas.microsoft.com/VisualStudio/2011/storyboarding/control"/>
-  </ds:schemaRefs>
-</ds:datastoreItem>
-</file>
-
-<file path=customXml/itemProps243.xml><?xml version="1.0" encoding="utf-8"?>
-<ds:datastoreItem xmlns:ds="http://schemas.openxmlformats.org/officeDocument/2006/customXml" ds:itemID="{11A56B87-83AA-4F88-84AB-A004E3CAE6C1}">
-  <ds:schemaRefs>
-    <ds:schemaRef ds:uri="http://schemas.microsoft.com/VisualStudio/2011/storyboarding/control"/>
-  </ds:schemaRefs>
-</ds:datastoreItem>
-</file>
-
-<file path=customXml/itemProps244.xml><?xml version="1.0" encoding="utf-8"?>
-<ds:datastoreItem xmlns:ds="http://schemas.openxmlformats.org/officeDocument/2006/customXml" ds:itemID="{2417F5AB-8E36-4910-8200-16B9DF9D2259}">
-  <ds:schemaRefs>
-    <ds:schemaRef ds:uri="http://schemas.microsoft.com/VisualStudio/2011/storyboarding/control"/>
-  </ds:schemaRefs>
-</ds:datastoreItem>
-</file>
-
-<file path=customXml/itemProps245.xml><?xml version="1.0" encoding="utf-8"?>
-<ds:datastoreItem xmlns:ds="http://schemas.openxmlformats.org/officeDocument/2006/customXml" ds:itemID="{3DF2B7D0-7790-4931-856C-0052A3987677}">
-  <ds:schemaRefs>
-    <ds:schemaRef ds:uri="http://schemas.microsoft.com/VisualStudio/2011/storyboarding/control"/>
-  </ds:schemaRefs>
-</ds:datastoreItem>
-</file>
-
-<file path=customXml/itemProps246.xml><?xml version="1.0" encoding="utf-8"?>
-<ds:datastoreItem xmlns:ds="http://schemas.openxmlformats.org/officeDocument/2006/customXml" ds:itemID="{85E99725-0099-485A-A834-071AD18207F2}">
-  <ds:schemaRefs>
-    <ds:schemaRef ds:uri="http://schemas.microsoft.com/VisualStudio/2011/storyboarding/control"/>
-  </ds:schemaRefs>
-</ds:datastoreItem>
-</file>
-
-<file path=customXml/itemProps247.xml><?xml version="1.0" encoding="utf-8"?>
-<ds:datastoreItem xmlns:ds="http://schemas.openxmlformats.org/officeDocument/2006/customXml" ds:itemID="{0CC44683-A1C2-44FE-951F-245A953DDDD1}">
-  <ds:schemaRefs>
-    <ds:schemaRef ds:uri="http://schemas.microsoft.com/VisualStudio/2011/storyboarding/control"/>
-  </ds:schemaRefs>
-</ds:datastoreItem>
-</file>
-
-<file path=customXml/itemProps248.xml><?xml version="1.0" encoding="utf-8"?>
-<ds:datastoreItem xmlns:ds="http://schemas.openxmlformats.org/officeDocument/2006/customXml" ds:itemID="{66D5FD27-6B21-48CC-84DF-CD8F56ED9577}">
-  <ds:schemaRefs>
-    <ds:schemaRef ds:uri="http://schemas.microsoft.com/VisualStudio/2011/storyboarding/control"/>
-  </ds:schemaRefs>
-</ds:datastoreItem>
-</file>
-
-<file path=customXml/itemProps249.xml><?xml version="1.0" encoding="utf-8"?>
-<ds:datastoreItem xmlns:ds="http://schemas.openxmlformats.org/officeDocument/2006/customXml" ds:itemID="{B4A5F6B3-9783-4A02-A2A8-8A89BE7D1ED5}">
-  <ds:schemaRefs>
-    <ds:schemaRef ds:uri="http://schemas.microsoft.com/VisualStudio/2011/storyboarding/control"/>
-  </ds:schemaRefs>
-</ds:datastoreItem>
-</file>
-
-<file path=customXml/itemProps25.xml><?xml version="1.0" encoding="utf-8"?>
-<ds:datastoreItem xmlns:ds="http://schemas.openxmlformats.org/officeDocument/2006/customXml" ds:itemID="{B1084A88-2E95-49D1-8BE0-399B2641C01F}">
-  <ds:schemaRefs>
-    <ds:schemaRef ds:uri="http://schemas.microsoft.com/VisualStudio/2011/storyboarding/control"/>
-  </ds:schemaRefs>
-</ds:datastoreItem>
-</file>
-
-<file path=customXml/itemProps250.xml><?xml version="1.0" encoding="utf-8"?>
-<ds:datastoreItem xmlns:ds="http://schemas.openxmlformats.org/officeDocument/2006/customXml" ds:itemID="{08A9803F-CFDA-42A3-9744-0E011C269932}">
-  <ds:schemaRefs>
-    <ds:schemaRef ds:uri="http://schemas.microsoft.com/VisualStudio/2011/storyboarding/control"/>
-  </ds:schemaRefs>
-</ds:datastoreItem>
-</file>
-
-<file path=customXml/itemProps251.xml><?xml version="1.0" encoding="utf-8"?>
-<ds:datastoreItem xmlns:ds="http://schemas.openxmlformats.org/officeDocument/2006/customXml" ds:itemID="{99D8C946-98CC-47CF-8213-D88C7F8BDD42}">
-  <ds:schemaRefs>
-    <ds:schemaRef ds:uri="http://schemas.microsoft.com/VisualStudio/2011/storyboarding/control"/>
-  </ds:schemaRefs>
-</ds:datastoreItem>
-</file>
-
-<file path=customXml/itemProps252.xml><?xml version="1.0" encoding="utf-8"?>
-<ds:datastoreItem xmlns:ds="http://schemas.openxmlformats.org/officeDocument/2006/customXml" ds:itemID="{0A4B8756-51F0-4FE1-9825-67DD5C08C03B}">
-  <ds:schemaRefs>
-    <ds:schemaRef ds:uri="http://schemas.microsoft.com/VisualStudio/2011/storyboarding/control"/>
-  </ds:schemaRefs>
-</ds:datastoreItem>
-</file>
-
-<file path=customXml/itemProps253.xml><?xml version="1.0" encoding="utf-8"?>
-<ds:datastoreItem xmlns:ds="http://schemas.openxmlformats.org/officeDocument/2006/customXml" ds:itemID="{C90FBB37-6B62-4DF6-A3FB-014796F79DBD}">
-  <ds:schemaRefs>
-    <ds:schemaRef ds:uri="http://schemas.microsoft.com/VisualStudio/2011/storyboarding/control"/>
-  </ds:schemaRefs>
-</ds:datastoreItem>
-</file>
-
-<file path=customXml/itemProps254.xml><?xml version="1.0" encoding="utf-8"?>
-<ds:datastoreItem xmlns:ds="http://schemas.openxmlformats.org/officeDocument/2006/customXml" ds:itemID="{58D168B7-D5D8-4D4E-A6F5-79173EB8E842}">
-  <ds:schemaRefs>
-    <ds:schemaRef ds:uri="http://schemas.microsoft.com/VisualStudio/2011/storyboarding/control"/>
-  </ds:schemaRefs>
-</ds:datastoreItem>
-</file>
-
-<file path=customXml/itemProps255.xml><?xml version="1.0" encoding="utf-8"?>
-<ds:datastoreItem xmlns:ds="http://schemas.openxmlformats.org/officeDocument/2006/customXml" ds:itemID="{11B5B85D-5047-4624-8DFA-E3DDF7583D1C}">
-  <ds:schemaRefs>
-    <ds:schemaRef ds:uri="http://schemas.microsoft.com/VisualStudio/2011/storyboarding/control"/>
-  </ds:schemaRefs>
-</ds:datastoreItem>
-</file>
-
-<file path=customXml/itemProps256.xml><?xml version="1.0" encoding="utf-8"?>
-<ds:datastoreItem xmlns:ds="http://schemas.openxmlformats.org/officeDocument/2006/customXml" ds:itemID="{0A248982-2D27-415F-82A9-7D157D116772}">
-  <ds:schemaRefs>
-    <ds:schemaRef ds:uri="http://schemas.microsoft.com/VisualStudio/2011/storyboarding/control"/>
-  </ds:schemaRefs>
-</ds:datastoreItem>
-</file>
-
-<file path=customXml/itemProps257.xml><?xml version="1.0" encoding="utf-8"?>
-<ds:datastoreItem xmlns:ds="http://schemas.openxmlformats.org/officeDocument/2006/customXml" ds:itemID="{CAD20111-EE59-4EEA-8980-08D21606CC23}">
-  <ds:schemaRefs>
-    <ds:schemaRef ds:uri="http://schemas.microsoft.com/VisualStudio/2011/storyboarding/control"/>
-  </ds:schemaRefs>
-</ds:datastoreItem>
-</file>
-
-<file path=customXml/itemProps258.xml><?xml version="1.0" encoding="utf-8"?>
-<ds:datastoreItem xmlns:ds="http://schemas.openxmlformats.org/officeDocument/2006/customXml" ds:itemID="{ADB7817C-77F6-4E90-9D15-3C5E13FBE9EC}">
-  <ds:schemaRefs>
-    <ds:schemaRef ds:uri="http://schemas.microsoft.com/VisualStudio/2011/storyboarding/control"/>
-  </ds:schemaRefs>
-</ds:datastoreItem>
-</file>
-
-<file path=customXml/itemProps259.xml><?xml version="1.0" encoding="utf-8"?>
-<ds:datastoreItem xmlns:ds="http://schemas.openxmlformats.org/officeDocument/2006/customXml" ds:itemID="{3090B25A-B777-4B83-BF30-0498ED3E4774}">
-  <ds:schemaRefs>
-    <ds:schemaRef ds:uri="http://schemas.microsoft.com/VisualStudio/2011/storyboarding/control"/>
-  </ds:schemaRefs>
-</ds:datastoreItem>
-</file>
-
-<file path=customXml/itemProps26.xml><?xml version="1.0" encoding="utf-8"?>
-<ds:datastoreItem xmlns:ds="http://schemas.openxmlformats.org/officeDocument/2006/customXml" ds:itemID="{36019CF9-0543-44E1-8B18-E31FF66414A5}">
-  <ds:schemaRefs>
-    <ds:schemaRef ds:uri="http://schemas.microsoft.com/VisualStudio/2011/storyboarding/control"/>
-  </ds:schemaRefs>
-</ds:datastoreItem>
-</file>
-
-<file path=customXml/itemProps260.xml><?xml version="1.0" encoding="utf-8"?>
-<ds:datastoreItem xmlns:ds="http://schemas.openxmlformats.org/officeDocument/2006/customXml" ds:itemID="{CAEDEF08-E671-488C-AACA-77AF8F686CCE}">
-  <ds:schemaRefs>
-    <ds:schemaRef ds:uri="http://schemas.microsoft.com/VisualStudio/2011/storyboarding/control"/>
-  </ds:schemaRefs>
-</ds:datastoreItem>
-</file>
-
-<file path=customXml/itemProps261.xml><?xml version="1.0" encoding="utf-8"?>
-<ds:datastoreItem xmlns:ds="http://schemas.openxmlformats.org/officeDocument/2006/customXml" ds:itemID="{FF486511-5BF6-4E14-BC12-9AB64A939366}">
-  <ds:schemaRefs>
-    <ds:schemaRef ds:uri="http://schemas.microsoft.com/VisualStudio/2011/storyboarding/control"/>
-  </ds:schemaRefs>
-</ds:datastoreItem>
-</file>
-
-<file path=customXml/itemProps262.xml><?xml version="1.0" encoding="utf-8"?>
-<ds:datastoreItem xmlns:ds="http://schemas.openxmlformats.org/officeDocument/2006/customXml" ds:itemID="{F8E37B11-D718-4A09-9C63-9146C6580532}">
-  <ds:schemaRefs>
-    <ds:schemaRef ds:uri="http://schemas.microsoft.com/VisualStudio/2011/storyboarding/control"/>
-  </ds:schemaRefs>
-</ds:datastoreItem>
-</file>
-
-<file path=customXml/itemProps263.xml><?xml version="1.0" encoding="utf-8"?>
-<ds:datastoreItem xmlns:ds="http://schemas.openxmlformats.org/officeDocument/2006/customXml" ds:itemID="{35B708DB-DBE3-4181-956B-FDF64CB3A734}">
-  <ds:schemaRefs>
-    <ds:schemaRef ds:uri="http://schemas.microsoft.com/VisualStudio/2011/storyboarding/control"/>
-  </ds:schemaRefs>
-</ds:datastoreItem>
-</file>
-
-<file path=customXml/itemProps264.xml><?xml version="1.0" encoding="utf-8"?>
-<ds:datastoreItem xmlns:ds="http://schemas.openxmlformats.org/officeDocument/2006/customXml" ds:itemID="{861B10E4-50DF-4116-B64C-775770A90466}">
-  <ds:schemaRefs>
-    <ds:schemaRef ds:uri="http://schemas.microsoft.com/VisualStudio/2011/storyboarding/control"/>
-  </ds:schemaRefs>
-</ds:datastoreItem>
-</file>
-
-<file path=customXml/itemProps265.xml><?xml version="1.0" encoding="utf-8"?>
-<ds:datastoreItem xmlns:ds="http://schemas.openxmlformats.org/officeDocument/2006/customXml" ds:itemID="{BF5EF936-99A9-4C7F-AD7C-B4BBA5EDAAB3}">
-  <ds:schemaRefs>
-    <ds:schemaRef ds:uri="http://schemas.microsoft.com/VisualStudio/2011/storyboarding/control"/>
-  </ds:schemaRefs>
-</ds:datastoreItem>
-</file>
-
-<file path=customXml/itemProps266.xml><?xml version="1.0" encoding="utf-8"?>
-<ds:datastoreItem xmlns:ds="http://schemas.openxmlformats.org/officeDocument/2006/customXml" ds:itemID="{D2F41456-B3D8-454F-B1D9-7549C0A00CD6}">
-  <ds:schemaRefs>
-    <ds:schemaRef ds:uri="http://schemas.microsoft.com/VisualStudio/2011/storyboarding/control"/>
-  </ds:schemaRefs>
-</ds:datastoreItem>
-</file>
-
-<file path=customXml/itemProps267.xml><?xml version="1.0" encoding="utf-8"?>
-<ds:datastoreItem xmlns:ds="http://schemas.openxmlformats.org/officeDocument/2006/customXml" ds:itemID="{BFFBFCF5-31FB-417E-87BB-79121180283E}">
-  <ds:schemaRefs>
-    <ds:schemaRef ds:uri="http://schemas.microsoft.com/VisualStudio/2011/storyboarding/control"/>
-  </ds:schemaRefs>
-</ds:datastoreItem>
-</file>
-
-<file path=customXml/itemProps268.xml><?xml version="1.0" encoding="utf-8"?>
-<ds:datastoreItem xmlns:ds="http://schemas.openxmlformats.org/officeDocument/2006/customXml" ds:itemID="{00FD17D8-DCFB-4DA1-830A-305D393415B3}">
-  <ds:schemaRefs>
-    <ds:schemaRef ds:uri="http://schemas.microsoft.com/VisualStudio/2011/storyboarding/control"/>
-  </ds:schemaRefs>
-</ds:datastoreItem>
-</file>
-
-<file path=customXml/itemProps269.xml><?xml version="1.0" encoding="utf-8"?>
-<ds:datastoreItem xmlns:ds="http://schemas.openxmlformats.org/officeDocument/2006/customXml" ds:itemID="{4A8B204A-9CA8-416C-87C3-B62049FB2581}">
-  <ds:schemaRefs>
-    <ds:schemaRef ds:uri="http://schemas.microsoft.com/VisualStudio/2011/storyboarding/control"/>
-  </ds:schemaRefs>
-</ds:datastoreItem>
-</file>
-
-<file path=customXml/itemProps27.xml><?xml version="1.0" encoding="utf-8"?>
-<ds:datastoreItem xmlns:ds="http://schemas.openxmlformats.org/officeDocument/2006/customXml" ds:itemID="{81F2B4AF-DFBE-4441-8E0F-0DF4B88AB785}">
-  <ds:schemaRefs>
-    <ds:schemaRef ds:uri="http://schemas.microsoft.com/VisualStudio/2011/storyboarding/control"/>
-  </ds:schemaRefs>
-</ds:datastoreItem>
-</file>
-
-<file path=customXml/itemProps270.xml><?xml version="1.0" encoding="utf-8"?>
-<ds:datastoreItem xmlns:ds="http://schemas.openxmlformats.org/officeDocument/2006/customXml" ds:itemID="{B3FF45D1-FD87-4308-BAF2-66389E394117}">
-  <ds:schemaRefs>
-    <ds:schemaRef ds:uri="http://schemas.microsoft.com/VisualStudio/2011/storyboarding/control"/>
-  </ds:schemaRefs>
-</ds:datastoreItem>
-</file>
-
-<file path=customXml/itemProps271.xml><?xml version="1.0" encoding="utf-8"?>
-<ds:datastoreItem xmlns:ds="http://schemas.openxmlformats.org/officeDocument/2006/customXml" ds:itemID="{EE54E899-0F8C-459F-AA25-691F8C5375AF}">
-  <ds:schemaRefs>
-    <ds:schemaRef ds:uri="http://schemas.microsoft.com/VisualStudio/2011/storyboarding/control"/>
-  </ds:schemaRefs>
-</ds:datastoreItem>
-</file>
-
-<file path=customXml/itemProps272.xml><?xml version="1.0" encoding="utf-8"?>
-<ds:datastoreItem xmlns:ds="http://schemas.openxmlformats.org/officeDocument/2006/customXml" ds:itemID="{C0F76D57-1A50-48D3-9D0C-8A76E643D004}">
-  <ds:schemaRefs>
-    <ds:schemaRef ds:uri="http://schemas.microsoft.com/VisualStudio/2011/storyboarding/control"/>
-  </ds:schemaRefs>
-</ds:datastoreItem>
-</file>
-
-<file path=customXml/itemProps273.xml><?xml version="1.0" encoding="utf-8"?>
-<ds:datastoreItem xmlns:ds="http://schemas.openxmlformats.org/officeDocument/2006/customXml" ds:itemID="{D1E1932A-A453-4E26-A6D2-CC36EEC91325}">
-  <ds:schemaRefs>
-    <ds:schemaRef ds:uri="http://schemas.microsoft.com/VisualStudio/2011/storyboarding/control"/>
-  </ds:schemaRefs>
-</ds:datastoreItem>
-</file>
-
-<file path=customXml/itemProps274.xml><?xml version="1.0" encoding="utf-8"?>
-<ds:datastoreItem xmlns:ds="http://schemas.openxmlformats.org/officeDocument/2006/customXml" ds:itemID="{BF08D3AC-2433-49A2-A7C1-0C91775D70BA}">
-  <ds:schemaRefs>
-    <ds:schemaRef ds:uri="http://schemas.microsoft.com/VisualStudio/2011/storyboarding/control"/>
-  </ds:schemaRefs>
-</ds:datastoreItem>
-</file>
-
-<file path=customXml/itemProps275.xml><?xml version="1.0" encoding="utf-8"?>
-<ds:datastoreItem xmlns:ds="http://schemas.openxmlformats.org/officeDocument/2006/customXml" ds:itemID="{3549025A-6CD1-40A9-92D8-3BBBF3AA295A}">
-  <ds:schemaRefs>
-    <ds:schemaRef ds:uri="http://schemas.microsoft.com/VisualStudio/2011/storyboarding/control"/>
-  </ds:schemaRefs>
-</ds:datastoreItem>
-</file>
-
-<file path=customXml/itemProps276.xml><?xml version="1.0" encoding="utf-8"?>
-<ds:datastoreItem xmlns:ds="http://schemas.openxmlformats.org/officeDocument/2006/customXml" ds:itemID="{FE86B839-7668-43C5-82C0-CC854DC0472B}">
-  <ds:schemaRefs>
-    <ds:schemaRef ds:uri="http://schemas.microsoft.com/VisualStudio/2011/storyboarding/control"/>
-  </ds:schemaRefs>
-</ds:datastoreItem>
-</file>
-
-<file path=customXml/itemProps277.xml><?xml version="1.0" encoding="utf-8"?>
-<ds:datastoreItem xmlns:ds="http://schemas.openxmlformats.org/officeDocument/2006/customXml" ds:itemID="{53106773-D6F2-41AD-9860-407045754501}">
-  <ds:schemaRefs>
-    <ds:schemaRef ds:uri="http://schemas.microsoft.com/VisualStudio/2011/storyboarding/control"/>
-  </ds:schemaRefs>
-</ds:datastoreItem>
-</file>
-
-<file path=customXml/itemProps278.xml><?xml version="1.0" encoding="utf-8"?>
-<ds:datastoreItem xmlns:ds="http://schemas.openxmlformats.org/officeDocument/2006/customXml" ds:itemID="{CD643074-7DC0-4B56-B3AC-E9E8A2DE7352}">
-  <ds:schemaRefs>
-    <ds:schemaRef ds:uri="http://schemas.microsoft.com/VisualStudio/2011/storyboarding/control"/>
-  </ds:schemaRefs>
-</ds:datastoreItem>
-</file>
-
-<file path=customXml/itemProps279.xml><?xml version="1.0" encoding="utf-8"?>
-<ds:datastoreItem xmlns:ds="http://schemas.openxmlformats.org/officeDocument/2006/customXml" ds:itemID="{F3E27545-75AE-4129-B37B-DCEDA06FE3F5}">
-  <ds:schemaRefs>
-    <ds:schemaRef ds:uri="http://schemas.microsoft.com/VisualStudio/2011/storyboarding/control"/>
-  </ds:schemaRefs>
-</ds:datastoreItem>
-</file>
-
-<file path=customXml/itemProps28.xml><?xml version="1.0" encoding="utf-8"?>
-<ds:datastoreItem xmlns:ds="http://schemas.openxmlformats.org/officeDocument/2006/customXml" ds:itemID="{63D62BCE-C907-4E34-8F90-9023B1F22D67}">
-  <ds:schemaRefs>
-    <ds:schemaRef ds:uri="http://schemas.microsoft.com/VisualStudio/2011/storyboarding/control"/>
-  </ds:schemaRefs>
-</ds:datastoreItem>
-</file>
-
-<file path=customXml/itemProps280.xml><?xml version="1.0" encoding="utf-8"?>
-<ds:datastoreItem xmlns:ds="http://schemas.openxmlformats.org/officeDocument/2006/customXml" ds:itemID="{7EE96A55-E3FC-4A9A-B5FA-3900E5BA0AFC}">
-  <ds:schemaRefs>
-    <ds:schemaRef ds:uri="http://schemas.microsoft.com/VisualStudio/2011/storyboarding/control"/>
-  </ds:schemaRefs>
-</ds:datastoreItem>
-</file>
-
-<file path=customXml/itemProps281.xml><?xml version="1.0" encoding="utf-8"?>
-<ds:datastoreItem xmlns:ds="http://schemas.openxmlformats.org/officeDocument/2006/customXml" ds:itemID="{E8FC4FC7-63B4-45D7-8E10-182B7AD2B934}">
-  <ds:schemaRefs>
-    <ds:schemaRef ds:uri="http://schemas.microsoft.com/VisualStudio/2011/storyboarding/control"/>
-  </ds:schemaRefs>
-</ds:datastoreItem>
-</file>
-
-<file path=customXml/itemProps282.xml><?xml version="1.0" encoding="utf-8"?>
-<ds:datastoreItem xmlns:ds="http://schemas.openxmlformats.org/officeDocument/2006/customXml" ds:itemID="{AB19B258-FD6E-4FDD-A6F2-14607A5CC818}">
-  <ds:schemaRefs>
-    <ds:schemaRef ds:uri="http://schemas.microsoft.com/VisualStudio/2011/storyboarding/control"/>
-  </ds:schemaRefs>
-</ds:datastoreItem>
-</file>
-
-<file path=customXml/itemProps283.xml><?xml version="1.0" encoding="utf-8"?>
-<ds:datastoreItem xmlns:ds="http://schemas.openxmlformats.org/officeDocument/2006/customXml" ds:itemID="{DBD59AB3-A581-480E-AC75-78A50BD8D635}">
-  <ds:schemaRefs>
-    <ds:schemaRef ds:uri="http://schemas.microsoft.com/VisualStudio/2011/storyboarding/control"/>
-  </ds:schemaRefs>
-</ds:datastoreItem>
-</file>
-
-<file path=customXml/itemProps284.xml><?xml version="1.0" encoding="utf-8"?>
-<ds:datastoreItem xmlns:ds="http://schemas.openxmlformats.org/officeDocument/2006/customXml" ds:itemID="{B45CE39A-A97E-4581-BA41-14D5858B243F}">
-  <ds:schemaRefs>
-    <ds:schemaRef ds:uri="http://schemas.microsoft.com/VisualStudio/2011/storyboarding/control"/>
-  </ds:schemaRefs>
-</ds:datastoreItem>
-</file>
-
-<file path=customXml/itemProps285.xml><?xml version="1.0" encoding="utf-8"?>
-<ds:datastoreItem xmlns:ds="http://schemas.openxmlformats.org/officeDocument/2006/customXml" ds:itemID="{D4486BB5-2756-4168-9CCC-6231B98B7B4E}">
-  <ds:schemaRefs>
-    <ds:schemaRef ds:uri="http://schemas.microsoft.com/VisualStudio/2011/storyboarding/control"/>
-  </ds:schemaRefs>
-</ds:datastoreItem>
-</file>
-
-<file path=customXml/itemProps286.xml><?xml version="1.0" encoding="utf-8"?>
-<ds:datastoreItem xmlns:ds="http://schemas.openxmlformats.org/officeDocument/2006/customXml" ds:itemID="{220DCEE2-6B38-480F-B53D-84C6A51947D4}">
-  <ds:schemaRefs>
-    <ds:schemaRef ds:uri="http://schemas.microsoft.com/VisualStudio/2011/storyboarding/control"/>
-  </ds:schemaRefs>
-</ds:datastoreItem>
-</file>
-
-<file path=customXml/itemProps287.xml><?xml version="1.0" encoding="utf-8"?>
-<ds:datastoreItem xmlns:ds="http://schemas.openxmlformats.org/officeDocument/2006/customXml" ds:itemID="{7463D96E-2ECA-410B-91BB-BA2264EF8B9B}">
-  <ds:schemaRefs>
-    <ds:schemaRef ds:uri="http://schemas.microsoft.com/VisualStudio/2011/storyboarding/control"/>
-  </ds:schemaRefs>
-</ds:datastoreItem>
-</file>
-
-<file path=customXml/itemProps288.xml><?xml version="1.0" encoding="utf-8"?>
-<ds:datastoreItem xmlns:ds="http://schemas.openxmlformats.org/officeDocument/2006/customXml" ds:itemID="{3D8B9A4A-447D-43BA-A01C-CC7B373F7666}">
-  <ds:schemaRefs>
-    <ds:schemaRef ds:uri="http://schemas.microsoft.com/VisualStudio/2011/storyboarding/control"/>
-  </ds:schemaRefs>
-</ds:datastoreItem>
-</file>
-
-<file path=customXml/itemProps289.xml><?xml version="1.0" encoding="utf-8"?>
-<ds:datastoreItem xmlns:ds="http://schemas.openxmlformats.org/officeDocument/2006/customXml" ds:itemID="{D4FEFABD-7E83-4044-A675-0AD69B9B20D9}">
-  <ds:schemaRefs>
-    <ds:schemaRef ds:uri="http://schemas.microsoft.com/VisualStudio/2011/storyboarding/control"/>
-  </ds:schemaRefs>
-</ds:datastoreItem>
-</file>
-
-<file path=customXml/itemProps29.xml><?xml version="1.0" encoding="utf-8"?>
-<ds:datastoreItem xmlns:ds="http://schemas.openxmlformats.org/officeDocument/2006/customXml" ds:itemID="{0F3775A4-7680-414F-9B44-53B991F3AA41}">
-  <ds:schemaRefs>
-    <ds:schemaRef ds:uri="http://schemas.microsoft.com/VisualStudio/2011/storyboarding/control"/>
-  </ds:schemaRefs>
-</ds:datastoreItem>
-</file>
-
-<file path=customXml/itemProps290.xml><?xml version="1.0" encoding="utf-8"?>
-<ds:datastoreItem xmlns:ds="http://schemas.openxmlformats.org/officeDocument/2006/customXml" ds:itemID="{04512026-5CE2-44C7-892F-C238A9AC8AB3}">
-  <ds:schemaRefs>
-    <ds:schemaRef ds:uri="http://schemas.microsoft.com/VisualStudio/2011/storyboarding/control"/>
-  </ds:schemaRefs>
-</ds:datastoreItem>
-</file>
-
-<file path=customXml/itemProps291.xml><?xml version="1.0" encoding="utf-8"?>
-<ds:datastoreItem xmlns:ds="http://schemas.openxmlformats.org/officeDocument/2006/customXml" ds:itemID="{C053DD15-18F9-4E55-968F-CA5FF4E301BA}">
-  <ds:schemaRefs>
-    <ds:schemaRef ds:uri="http://schemas.microsoft.com/VisualStudio/2011/storyboarding/control"/>
-  </ds:schemaRefs>
-</ds:datastoreItem>
-</file>
-
-<file path=customXml/itemProps292.xml><?xml version="1.0" encoding="utf-8"?>
-<ds:datastoreItem xmlns:ds="http://schemas.openxmlformats.org/officeDocument/2006/customXml" ds:itemID="{61F08E8D-0E41-4EAA-A8D9-2F9318B9D11D}">
-  <ds:schemaRefs>
-    <ds:schemaRef ds:uri="http://schemas.microsoft.com/VisualStudio/2011/storyboarding/control"/>
-  </ds:schemaRefs>
-</ds:datastoreItem>
-</file>
-
-<file path=customXml/itemProps293.xml><?xml version="1.0" encoding="utf-8"?>
-<ds:datastoreItem xmlns:ds="http://schemas.openxmlformats.org/officeDocument/2006/customXml" ds:itemID="{D4F5461E-0C05-4D87-A41F-5658373F644E}">
-  <ds:schemaRefs>
-    <ds:schemaRef ds:uri="http://schemas.microsoft.com/VisualStudio/2011/storyboarding/control"/>
-  </ds:schemaRefs>
-</ds:datastoreItem>
-</file>
-
-<file path=customXml/itemProps294.xml><?xml version="1.0" encoding="utf-8"?>
-<ds:datastoreItem xmlns:ds="http://schemas.openxmlformats.org/officeDocument/2006/customXml" ds:itemID="{7B12DBBD-A17E-4491-989E-5B0EA56962FD}">
-  <ds:schemaRefs>
-    <ds:schemaRef ds:uri="http://schemas.microsoft.com/VisualStudio/2011/storyboarding/control"/>
-  </ds:schemaRefs>
-</ds:datastoreItem>
-</file>
-
-<file path=customXml/itemProps295.xml><?xml version="1.0" encoding="utf-8"?>
-<ds:datastoreItem xmlns:ds="http://schemas.openxmlformats.org/officeDocument/2006/customXml" ds:itemID="{907CE7C4-B00C-4941-8E91-087C727CD618}">
-  <ds:schemaRefs>
-    <ds:schemaRef ds:uri="http://schemas.microsoft.com/VisualStudio/2011/storyboarding/control"/>
-  </ds:schemaRefs>
-</ds:datastoreItem>
-</file>
-
-<file path=customXml/itemProps296.xml><?xml version="1.0" encoding="utf-8"?>
-<ds:datastoreItem xmlns:ds="http://schemas.openxmlformats.org/officeDocument/2006/customXml" ds:itemID="{52F4F04A-DEFF-4D7E-9A07-AF2F824ECCAC}">
-  <ds:schemaRefs>
-    <ds:schemaRef ds:uri="http://schemas.microsoft.com/VisualStudio/2011/storyboarding/control"/>
-  </ds:schemaRefs>
-</ds:datastoreItem>
-</file>
-
-<file path=customXml/itemProps297.xml><?xml version="1.0" encoding="utf-8"?>
-<ds:datastoreItem xmlns:ds="http://schemas.openxmlformats.org/officeDocument/2006/customXml" ds:itemID="{A846728F-361C-42B5-A68F-6243A03724F7}">
-  <ds:schemaRefs>
-    <ds:schemaRef ds:uri="http://schemas.microsoft.com/VisualStudio/2011/storyboarding/control"/>
-  </ds:schemaRefs>
-</ds:datastoreItem>
-</file>
-
-<file path=customXml/itemProps298.xml><?xml version="1.0" encoding="utf-8"?>
-<ds:datastoreItem xmlns:ds="http://schemas.openxmlformats.org/officeDocument/2006/customXml" ds:itemID="{F1ECC984-C114-4A79-B5B6-12711CAF99BF}">
-  <ds:schemaRefs>
-    <ds:schemaRef ds:uri="http://schemas.microsoft.com/VisualStudio/2011/storyboarding/control"/>
-  </ds:schemaRefs>
-</ds:datastoreItem>
-</file>
-
-<file path=customXml/itemProps299.xml><?xml version="1.0" encoding="utf-8"?>
-<ds:datastoreItem xmlns:ds="http://schemas.openxmlformats.org/officeDocument/2006/customXml" ds:itemID="{10389AA7-5BC9-4B8F-916E-A3C9B45BA420}">
-  <ds:schemaRefs>
-    <ds:schemaRef ds:uri="http://schemas.microsoft.com/VisualStudio/2011/storyboarding/control"/>
-  </ds:schemaRefs>
-</ds:datastoreItem>
-</file>
-
-<file path=customXml/itemProps3.xml><?xml version="1.0" encoding="utf-8"?>
-<ds:datastoreItem xmlns:ds="http://schemas.openxmlformats.org/officeDocument/2006/customXml" ds:itemID="{A436C3F9-C01E-421A-AA53-0686B1804868}">
-  <ds:schemaRefs>
-    <ds:schemaRef ds:uri="http://schemas.microsoft.com/VisualStudio/2011/storyboarding/control"/>
-  </ds:schemaRefs>
-</ds:datastoreItem>
-</file>
-
-<file path=customXml/itemProps30.xml><?xml version="1.0" encoding="utf-8"?>
-<ds:datastoreItem xmlns:ds="http://schemas.openxmlformats.org/officeDocument/2006/customXml" ds:itemID="{FFDC57D8-70E8-4A78-A544-39E269362B77}">
-  <ds:schemaRefs>
-    <ds:schemaRef ds:uri="http://schemas.microsoft.com/VisualStudio/2011/storyboarding/control"/>
-  </ds:schemaRefs>
-</ds:datastoreItem>
-</file>
-
-<file path=customXml/itemProps300.xml><?xml version="1.0" encoding="utf-8"?>
-<ds:datastoreItem xmlns:ds="http://schemas.openxmlformats.org/officeDocument/2006/customXml" ds:itemID="{BFA47375-8608-44ED-BCCB-8CB81C7A9D52}">
-  <ds:schemaRefs>
-    <ds:schemaRef ds:uri="http://schemas.microsoft.com/VisualStudio/2011/storyboarding/control"/>
-  </ds:schemaRefs>
-</ds:datastoreItem>
-</file>
-
-<file path=customXml/itemProps301.xml><?xml version="1.0" encoding="utf-8"?>
-<ds:datastoreItem xmlns:ds="http://schemas.openxmlformats.org/officeDocument/2006/customXml" ds:itemID="{11E4110D-CF95-4EEA-8FFB-9C414F62C357}">
-  <ds:schemaRefs>
-    <ds:schemaRef ds:uri="http://schemas.microsoft.com/VisualStudio/2011/storyboarding/control"/>
-  </ds:schemaRefs>
-</ds:datastoreItem>
-</file>
-
-<file path=customXml/itemProps302.xml><?xml version="1.0" encoding="utf-8"?>
-<ds:datastoreItem xmlns:ds="http://schemas.openxmlformats.org/officeDocument/2006/customXml" ds:itemID="{EAB4794E-8C10-4B92-ACA3-FB387A84B934}">
-  <ds:schemaRefs>
-    <ds:schemaRef ds:uri="http://schemas.microsoft.com/VisualStudio/2011/storyboarding/control"/>
-  </ds:schemaRefs>
-</ds:datastoreItem>
-</file>
-
-<file path=customXml/itemProps303.xml><?xml version="1.0" encoding="utf-8"?>
-<ds:datastoreItem xmlns:ds="http://schemas.openxmlformats.org/officeDocument/2006/customXml" ds:itemID="{61EAF057-07FE-41B4-B311-8AF2CF527713}">
-  <ds:schemaRefs>
-    <ds:schemaRef ds:uri="http://schemas.microsoft.com/VisualStudio/2011/storyboarding/control"/>
-  </ds:schemaRefs>
-</ds:datastoreItem>
-</file>
-
-<file path=customXml/itemProps304.xml><?xml version="1.0" encoding="utf-8"?>
-<ds:datastoreItem xmlns:ds="http://schemas.openxmlformats.org/officeDocument/2006/customXml" ds:itemID="{F90C152D-3CAA-46C5-B86F-62096595E648}">
-  <ds:schemaRefs>
-    <ds:schemaRef ds:uri="http://schemas.microsoft.com/VisualStudio/2011/storyboarding/control"/>
-  </ds:schemaRefs>
-</ds:datastoreItem>
-</file>
-
-<file path=customXml/itemProps305.xml><?xml version="1.0" encoding="utf-8"?>
-<ds:datastoreItem xmlns:ds="http://schemas.openxmlformats.org/officeDocument/2006/customXml" ds:itemID="{64A2D392-7EA2-49D9-AF87-085C1CAB4BA4}">
-  <ds:schemaRefs>
-    <ds:schemaRef ds:uri="http://schemas.microsoft.com/VisualStudio/2011/storyboarding/control"/>
-  </ds:schemaRefs>
-</ds:datastoreItem>
-</file>
-
-<file path=customXml/itemProps306.xml><?xml version="1.0" encoding="utf-8"?>
-<ds:datastoreItem xmlns:ds="http://schemas.openxmlformats.org/officeDocument/2006/customXml" ds:itemID="{FD27E29D-B16F-4EF0-809F-0B6BCB63526B}">
-  <ds:schemaRefs>
-    <ds:schemaRef ds:uri="http://schemas.microsoft.com/VisualStudio/2011/storyboarding/control"/>
-  </ds:schemaRefs>
-</ds:datastoreItem>
-</file>
-
-<file path=customXml/itemProps307.xml><?xml version="1.0" encoding="utf-8"?>
-<ds:datastoreItem xmlns:ds="http://schemas.openxmlformats.org/officeDocument/2006/customXml" ds:itemID="{9FC6ABBD-61AF-438B-BF23-C0892232075D}">
-  <ds:schemaRefs>
-    <ds:schemaRef ds:uri="http://schemas.microsoft.com/VisualStudio/2011/storyboarding/control"/>
-  </ds:schemaRefs>
-</ds:datastoreItem>
-</file>
-
-<file path=customXml/itemProps308.xml><?xml version="1.0" encoding="utf-8"?>
-<ds:datastoreItem xmlns:ds="http://schemas.openxmlformats.org/officeDocument/2006/customXml" ds:itemID="{429C143E-6D80-45C3-8D80-5B5F552A727F}">
-  <ds:schemaRefs>
-    <ds:schemaRef ds:uri="http://schemas.microsoft.com/VisualStudio/2011/storyboarding/control"/>
-  </ds:schemaRefs>
-</ds:datastoreItem>
-</file>
-
-<file path=customXml/itemProps309.xml><?xml version="1.0" encoding="utf-8"?>
-<ds:datastoreItem xmlns:ds="http://schemas.openxmlformats.org/officeDocument/2006/customXml" ds:itemID="{C5C2071C-38B3-4E05-B279-361E52B7C892}">
-  <ds:schemaRefs>
-    <ds:schemaRef ds:uri="http://schemas.microsoft.com/VisualStudio/2011/storyboarding/control"/>
-  </ds:schemaRefs>
-</ds:datastoreItem>
-</file>
-
-<file path=customXml/itemProps31.xml><?xml version="1.0" encoding="utf-8"?>
-<ds:datastoreItem xmlns:ds="http://schemas.openxmlformats.org/officeDocument/2006/customXml" ds:itemID="{D572D03A-A07D-4798-B4DF-E8D874619C3A}">
-  <ds:schemaRefs>
-    <ds:schemaRef ds:uri="http://schemas.microsoft.com/VisualStudio/2011/storyboarding/control"/>
-  </ds:schemaRefs>
-</ds:datastoreItem>
-</file>
-
-<file path=customXml/itemProps310.xml><?xml version="1.0" encoding="utf-8"?>
-<ds:datastoreItem xmlns:ds="http://schemas.openxmlformats.org/officeDocument/2006/customXml" ds:itemID="{9B397375-C9A0-47C4-A9E7-D5AC8693798A}">
-  <ds:schemaRefs>
-    <ds:schemaRef ds:uri="http://schemas.microsoft.com/VisualStudio/2011/storyboarding/control"/>
-  </ds:schemaRefs>
-</ds:datastoreItem>
-</file>
-
-<file path=customXml/itemProps311.xml><?xml version="1.0" encoding="utf-8"?>
-<ds:datastoreItem xmlns:ds="http://schemas.openxmlformats.org/officeDocument/2006/customXml" ds:itemID="{F8F939D1-6E97-4AA6-8C60-E62D52C6A98E}">
-  <ds:schemaRefs>
-    <ds:schemaRef ds:uri="http://schemas.microsoft.com/VisualStudio/2011/storyboarding/control"/>
-  </ds:schemaRefs>
-</ds:datastoreItem>
-</file>
-
-<file path=customXml/itemProps312.xml><?xml version="1.0" encoding="utf-8"?>
-<ds:datastoreItem xmlns:ds="http://schemas.openxmlformats.org/officeDocument/2006/customXml" ds:itemID="{65614E93-2C50-42A4-9EB7-366D9C102A55}">
-  <ds:schemaRefs>
-    <ds:schemaRef ds:uri="http://schemas.microsoft.com/VisualStudio/2011/storyboarding/control"/>
-  </ds:schemaRefs>
-</ds:datastoreItem>
-</file>
-
-<file path=customXml/itemProps313.xml><?xml version="1.0" encoding="utf-8"?>
-<ds:datastoreItem xmlns:ds="http://schemas.openxmlformats.org/officeDocument/2006/customXml" ds:itemID="{F8D831ED-3961-452C-9368-626AEA884430}">
-  <ds:schemaRefs>
-    <ds:schemaRef ds:uri="http://schemas.microsoft.com/VisualStudio/2011/storyboarding/control"/>
-  </ds:schemaRefs>
-</ds:datastoreItem>
-</file>
-
-<file path=customXml/itemProps314.xml><?xml version="1.0" encoding="utf-8"?>
-<ds:datastoreItem xmlns:ds="http://schemas.openxmlformats.org/officeDocument/2006/customXml" ds:itemID="{4C8D55FE-281B-4548-9875-3AFF51AE3F97}">
-  <ds:schemaRefs>
-    <ds:schemaRef ds:uri="http://schemas.microsoft.com/VisualStudio/2011/storyboarding/control"/>
-  </ds:schemaRefs>
-</ds:datastoreItem>
-</file>
-
-<file path=customXml/itemProps315.xml><?xml version="1.0" encoding="utf-8"?>
-<ds:datastoreItem xmlns:ds="http://schemas.openxmlformats.org/officeDocument/2006/customXml" ds:itemID="{D9778692-B57D-4B05-BB3D-D41AD33BB70E}">
-  <ds:schemaRefs>
-    <ds:schemaRef ds:uri="http://schemas.microsoft.com/VisualStudio/2011/storyboarding/control"/>
-  </ds:schemaRefs>
-</ds:datastoreItem>
-</file>
-
-<file path=customXml/itemProps316.xml><?xml version="1.0" encoding="utf-8"?>
-<ds:datastoreItem xmlns:ds="http://schemas.openxmlformats.org/officeDocument/2006/customXml" ds:itemID="{00A68A96-B372-4228-ACF7-91F982E1AB5F}">
-  <ds:schemaRefs>
-    <ds:schemaRef ds:uri="http://schemas.microsoft.com/VisualStudio/2011/storyboarding/control"/>
-  </ds:schemaRefs>
-</ds:datastoreItem>
-</file>
-
-<file path=customXml/itemProps317.xml><?xml version="1.0" encoding="utf-8"?>
-<ds:datastoreItem xmlns:ds="http://schemas.openxmlformats.org/officeDocument/2006/customXml" ds:itemID="{9117D3D4-A08A-4E78-8FE7-742A64EE8216}">
-  <ds:schemaRefs>
-    <ds:schemaRef ds:uri="http://schemas.microsoft.com/VisualStudio/2011/storyboarding/control"/>
-  </ds:schemaRefs>
-</ds:datastoreItem>
-</file>
-
-<file path=customXml/itemProps318.xml><?xml version="1.0" encoding="utf-8"?>
-<ds:datastoreItem xmlns:ds="http://schemas.openxmlformats.org/officeDocument/2006/customXml" ds:itemID="{7B7B41A2-0EFC-49A6-9B0C-0A4A02550E75}">
-  <ds:schemaRefs>
-    <ds:schemaRef ds:uri="http://schemas.microsoft.com/VisualStudio/2011/storyboarding/control"/>
-  </ds:schemaRefs>
-</ds:datastoreItem>
-</file>
-
-<file path=customXml/itemProps319.xml><?xml version="1.0" encoding="utf-8"?>
-<ds:datastoreItem xmlns:ds="http://schemas.openxmlformats.org/officeDocument/2006/customXml" ds:itemID="{91B55C73-E3F8-4143-AF80-9B73A068DF7E}">
-  <ds:schemaRefs>
-    <ds:schemaRef ds:uri="http://schemas.microsoft.com/VisualStudio/2011/storyboarding/control"/>
-  </ds:schemaRefs>
-</ds:datastoreItem>
-</file>
-
-<file path=customXml/itemProps32.xml><?xml version="1.0" encoding="utf-8"?>
-<ds:datastoreItem xmlns:ds="http://schemas.openxmlformats.org/officeDocument/2006/customXml" ds:itemID="{07257D67-96B9-4E98-9931-7E719CD1E459}">
-  <ds:schemaRefs>
-    <ds:schemaRef ds:uri="http://schemas.microsoft.com/VisualStudio/2011/storyboarding/control"/>
-  </ds:schemaRefs>
-</ds:datastoreItem>
-</file>
-
-<file path=customXml/itemProps320.xml><?xml version="1.0" encoding="utf-8"?>
-<ds:datastoreItem xmlns:ds="http://schemas.openxmlformats.org/officeDocument/2006/customXml" ds:itemID="{4BC4DEEB-1EC0-4E4A-B2D1-73CBA7826D17}">
-  <ds:schemaRefs>
-    <ds:schemaRef ds:uri="http://schemas.microsoft.com/VisualStudio/2011/storyboarding/control"/>
-  </ds:schemaRefs>
-</ds:datastoreItem>
-</file>
-
-<file path=customXml/itemProps321.xml><?xml version="1.0" encoding="utf-8"?>
-<ds:datastoreItem xmlns:ds="http://schemas.openxmlformats.org/officeDocument/2006/customXml" ds:itemID="{194EFFBD-7D54-4DE8-89F9-D3627AECCA6D}">
-  <ds:schemaRefs>
-    <ds:schemaRef ds:uri="http://schemas.microsoft.com/VisualStudio/2011/storyboarding/control"/>
-  </ds:schemaRefs>
-</ds:datastoreItem>
-</file>
-
-<file path=customXml/itemProps322.xml><?xml version="1.0" encoding="utf-8"?>
-<ds:datastoreItem xmlns:ds="http://schemas.openxmlformats.org/officeDocument/2006/customXml" ds:itemID="{CBFD31DF-E513-42F0-BFDE-A451DB4DBA4C}">
-  <ds:schemaRefs>
-    <ds:schemaRef ds:uri="http://schemas.microsoft.com/VisualStudio/2011/storyboarding/control"/>
-  </ds:schemaRefs>
-</ds:datastoreItem>
-</file>
-
-<file path=customXml/itemProps323.xml><?xml version="1.0" encoding="utf-8"?>
-<ds:datastoreItem xmlns:ds="http://schemas.openxmlformats.org/officeDocument/2006/customXml" ds:itemID="{640C65F3-119C-4E3B-91A4-28D3D9CB3363}">
-  <ds:schemaRefs>
-    <ds:schemaRef ds:uri="http://schemas.microsoft.com/VisualStudio/2011/storyboarding/control"/>
-  </ds:schemaRefs>
-</ds:datastoreItem>
-</file>
-
-<file path=customXml/itemProps324.xml><?xml version="1.0" encoding="utf-8"?>
-<ds:datastoreItem xmlns:ds="http://schemas.openxmlformats.org/officeDocument/2006/customXml" ds:itemID="{5743B0D9-3E78-4D12-B905-5E233C2F9010}">
-  <ds:schemaRefs>
-    <ds:schemaRef ds:uri="http://schemas.microsoft.com/VisualStudio/2011/storyboarding/control"/>
-  </ds:schemaRefs>
-</ds:datastoreItem>
-</file>
-
-<file path=customXml/itemProps325.xml><?xml version="1.0" encoding="utf-8"?>
-<ds:datastoreItem xmlns:ds="http://schemas.openxmlformats.org/officeDocument/2006/customXml" ds:itemID="{28E9737F-B639-4C11-ABA3-F3FB8DC85519}">
-  <ds:schemaRefs>
-    <ds:schemaRef ds:uri="http://schemas.microsoft.com/VisualStudio/2011/storyboarding/control"/>
-  </ds:schemaRefs>
-</ds:datastoreItem>
-</file>
-
-<file path=customXml/itemProps326.xml><?xml version="1.0" encoding="utf-8"?>
-<ds:datastoreItem xmlns:ds="http://schemas.openxmlformats.org/officeDocument/2006/customXml" ds:itemID="{2EF3A3A9-3321-4802-8B5F-B519335129BA}">
-  <ds:schemaRefs>
-    <ds:schemaRef ds:uri="http://schemas.microsoft.com/VisualStudio/2011/storyboarding/control"/>
-  </ds:schemaRefs>
-</ds:datastoreItem>
-</file>
-
-<file path=customXml/itemProps327.xml><?xml version="1.0" encoding="utf-8"?>
-<ds:datastoreItem xmlns:ds="http://schemas.openxmlformats.org/officeDocument/2006/customXml" ds:itemID="{7FF5E720-32FD-43B4-93F3-28521A9DC605}">
-  <ds:schemaRefs>
-    <ds:schemaRef ds:uri="http://schemas.microsoft.com/VisualStudio/2011/storyboarding/control"/>
-  </ds:schemaRefs>
-</ds:datastoreItem>
-</file>
-
-<file path=customXml/itemProps328.xml><?xml version="1.0" encoding="utf-8"?>
-<ds:datastoreItem xmlns:ds="http://schemas.openxmlformats.org/officeDocument/2006/customXml" ds:itemID="{53E93DA6-4726-432A-BA8C-D27BFB19AC3B}">
-  <ds:schemaRefs>
-    <ds:schemaRef ds:uri="http://schemas.microsoft.com/VisualStudio/2011/storyboarding/control"/>
-  </ds:schemaRefs>
-</ds:datastoreItem>
-</file>
-
-<file path=customXml/itemProps329.xml><?xml version="1.0" encoding="utf-8"?>
-<ds:datastoreItem xmlns:ds="http://schemas.openxmlformats.org/officeDocument/2006/customXml" ds:itemID="{ACC69CC3-ECDE-45B0-9C4D-9D41099E10AB}">
-  <ds:schemaRefs>
-    <ds:schemaRef ds:uri="http://schemas.microsoft.com/VisualStudio/2011/storyboarding/control"/>
-  </ds:schemaRefs>
-</ds:datastoreItem>
-</file>
-
-<file path=customXml/itemProps33.xml><?xml version="1.0" encoding="utf-8"?>
-<ds:datastoreItem xmlns:ds="http://schemas.openxmlformats.org/officeDocument/2006/customXml" ds:itemID="{3C766D46-D436-4EC1-9F5B-18C6D6FF644D}">
-  <ds:schemaRefs>
-    <ds:schemaRef ds:uri="http://schemas.microsoft.com/VisualStudio/2011/storyboarding/control"/>
-  </ds:schemaRefs>
-</ds:datastoreItem>
-</file>
-
-<file path=customXml/itemProps330.xml><?xml version="1.0" encoding="utf-8"?>
-<ds:datastoreItem xmlns:ds="http://schemas.openxmlformats.org/officeDocument/2006/customXml" ds:itemID="{B903C70D-7337-4EBE-AD86-153A945508E2}">
-  <ds:schemaRefs>
-    <ds:schemaRef ds:uri="http://schemas.microsoft.com/VisualStudio/2011/storyboarding/control"/>
-  </ds:schemaRefs>
-</ds:datastoreItem>
-</file>
-
-<file path=customXml/itemProps331.xml><?xml version="1.0" encoding="utf-8"?>
-<ds:datastoreItem xmlns:ds="http://schemas.openxmlformats.org/officeDocument/2006/customXml" ds:itemID="{8CAD66DC-DE24-4162-8149-30A85BCD2403}">
-  <ds:schemaRefs>
-    <ds:schemaRef ds:uri="http://schemas.microsoft.com/VisualStudio/2011/storyboarding/control"/>
-  </ds:schemaRefs>
-</ds:datastoreItem>
-</file>
-
-<file path=customXml/itemProps332.xml><?xml version="1.0" encoding="utf-8"?>
-<ds:datastoreItem xmlns:ds="http://schemas.openxmlformats.org/officeDocument/2006/customXml" ds:itemID="{72885D4F-C623-4A99-A153-5085063EB054}">
-  <ds:schemaRefs>
-    <ds:schemaRef ds:uri="http://schemas.microsoft.com/VisualStudio/2011/storyboarding/control"/>
-  </ds:schemaRefs>
-</ds:datastoreItem>
-</file>
-
-<file path=customXml/itemProps333.xml><?xml version="1.0" encoding="utf-8"?>
-<ds:datastoreItem xmlns:ds="http://schemas.openxmlformats.org/officeDocument/2006/customXml" ds:itemID="{8FACE5F0-B168-405F-AF8C-70D181584E79}">
-  <ds:schemaRefs>
-    <ds:schemaRef ds:uri="http://schemas.microsoft.com/VisualStudio/2011/storyboarding/control"/>
-  </ds:schemaRefs>
-</ds:datastoreItem>
-</file>
-
-<file path=customXml/itemProps334.xml><?xml version="1.0" encoding="utf-8"?>
-<ds:datastoreItem xmlns:ds="http://schemas.openxmlformats.org/officeDocument/2006/customXml" ds:itemID="{DDEB8723-48E7-42AD-ADEC-364D9C531975}">
-  <ds:schemaRefs>
-    <ds:schemaRef ds:uri="http://schemas.microsoft.com/VisualStudio/2011/storyboarding/control"/>
-  </ds:schemaRefs>
-</ds:datastoreItem>
-</file>
-
-<file path=customXml/itemProps335.xml><?xml version="1.0" encoding="utf-8"?>
-<ds:datastoreItem xmlns:ds="http://schemas.openxmlformats.org/officeDocument/2006/customXml" ds:itemID="{0A56BFE2-87DA-446C-BA1F-F6FEDB88F0F6}">
-  <ds:schemaRefs>
-    <ds:schemaRef ds:uri="http://schemas.microsoft.com/VisualStudio/2011/storyboarding/control"/>
-  </ds:schemaRefs>
-</ds:datastoreItem>
-</file>
-
-<file path=customXml/itemProps336.xml><?xml version="1.0" encoding="utf-8"?>
-<ds:datastoreItem xmlns:ds="http://schemas.openxmlformats.org/officeDocument/2006/customXml" ds:itemID="{39041638-3627-44B4-B050-43013556DE97}">
-  <ds:schemaRefs>
-    <ds:schemaRef ds:uri="http://schemas.microsoft.com/VisualStudio/2011/storyboarding/control"/>
-  </ds:schemaRefs>
-</ds:datastoreItem>
-</file>
-
-<file path=customXml/itemProps337.xml><?xml version="1.0" encoding="utf-8"?>
-<ds:datastoreItem xmlns:ds="http://schemas.openxmlformats.org/officeDocument/2006/customXml" ds:itemID="{AAD9A196-2A5D-42E5-82F2-268CB023F952}">
-  <ds:schemaRefs>
-    <ds:schemaRef ds:uri="http://schemas.microsoft.com/VisualStudio/2011/storyboarding/control"/>
-  </ds:schemaRefs>
-</ds:datastoreItem>
-</file>
-
-<file path=customXml/itemProps338.xml><?xml version="1.0" encoding="utf-8"?>
-<ds:datastoreItem xmlns:ds="http://schemas.openxmlformats.org/officeDocument/2006/customXml" ds:itemID="{72415AEB-F98D-422C-8C79-713DC542C351}">
-  <ds:schemaRefs>
-    <ds:schemaRef ds:uri="http://schemas.microsoft.com/VisualStudio/2011/storyboarding/control"/>
-  </ds:schemaRefs>
-</ds:datastoreItem>
-</file>
-
-<file path=customXml/itemProps339.xml><?xml version="1.0" encoding="utf-8"?>
-<ds:datastoreItem xmlns:ds="http://schemas.openxmlformats.org/officeDocument/2006/customXml" ds:itemID="{05D254E5-C733-4F26-B7D0-3470DDF138B2}">
-  <ds:schemaRefs>
-    <ds:schemaRef ds:uri="http://schemas.microsoft.com/VisualStudio/2011/storyboarding/control"/>
-  </ds:schemaRefs>
-</ds:datastoreItem>
-</file>
-
-<file path=customXml/itemProps34.xml><?xml version="1.0" encoding="utf-8"?>
-<ds:datastoreItem xmlns:ds="http://schemas.openxmlformats.org/officeDocument/2006/customXml" ds:itemID="{3E386A23-59AC-45EA-8134-F61DB5C01BDA}">
-  <ds:schemaRefs>
-    <ds:schemaRef ds:uri="http://schemas.microsoft.com/VisualStudio/2011/storyboarding/control"/>
-  </ds:schemaRefs>
-</ds:datastoreItem>
-</file>
-
-<file path=customXml/itemProps340.xml><?xml version="1.0" encoding="utf-8"?>
-<ds:datastoreItem xmlns:ds="http://schemas.openxmlformats.org/officeDocument/2006/customXml" ds:itemID="{D7733675-9C66-4C42-AB09-9C406E41D2B8}">
-  <ds:schemaRefs>
-    <ds:schemaRef ds:uri="http://schemas.microsoft.com/VisualStudio/2011/storyboarding/control"/>
-  </ds:schemaRefs>
-</ds:datastoreItem>
-</file>
-
-<file path=customXml/itemProps341.xml><?xml version="1.0" encoding="utf-8"?>
-<ds:datastoreItem xmlns:ds="http://schemas.openxmlformats.org/officeDocument/2006/customXml" ds:itemID="{38358E66-4F64-4B41-931B-EB4D7544ABA8}">
-  <ds:schemaRefs>
-    <ds:schemaRef ds:uri="http://schemas.microsoft.com/VisualStudio/2011/storyboarding/control"/>
-  </ds:schemaRefs>
-</ds:datastoreItem>
-</file>
-
-<file path=customXml/itemProps342.xml><?xml version="1.0" encoding="utf-8"?>
-<ds:datastoreItem xmlns:ds="http://schemas.openxmlformats.org/officeDocument/2006/customXml" ds:itemID="{1BAA46D1-81FF-47AD-8391-15DD1941445D}">
-  <ds:schemaRefs>
-    <ds:schemaRef ds:uri="http://schemas.microsoft.com/VisualStudio/2011/storyboarding/control"/>
-  </ds:schemaRefs>
-</ds:datastoreItem>
-</file>
-
-<file path=customXml/itemProps343.xml><?xml version="1.0" encoding="utf-8"?>
-<ds:datastoreItem xmlns:ds="http://schemas.openxmlformats.org/officeDocument/2006/customXml" ds:itemID="{B6677859-B177-4B7B-AC70-C6080008691A}">
-  <ds:schemaRefs>
-    <ds:schemaRef ds:uri="http://schemas.microsoft.com/VisualStudio/2011/storyboarding/control"/>
-  </ds:schemaRefs>
-</ds:datastoreItem>
-</file>
-
-<file path=customXml/itemProps344.xml><?xml version="1.0" encoding="utf-8"?>
-<ds:datastoreItem xmlns:ds="http://schemas.openxmlformats.org/officeDocument/2006/customXml" ds:itemID="{A7FB4AC3-2841-4AA1-9049-865B37478516}">
-  <ds:schemaRefs>
-    <ds:schemaRef ds:uri="http://schemas.microsoft.com/VisualStudio/2011/storyboarding/control"/>
-  </ds:schemaRefs>
-</ds:datastoreItem>
-</file>
-
-<file path=customXml/itemProps345.xml><?xml version="1.0" encoding="utf-8"?>
-<ds:datastoreItem xmlns:ds="http://schemas.openxmlformats.org/officeDocument/2006/customXml" ds:itemID="{6465B1AA-E3DA-4CEF-8793-C9B7F8F93352}">
-  <ds:schemaRefs>
-    <ds:schemaRef ds:uri="http://schemas.microsoft.com/VisualStudio/2011/storyboarding/control"/>
-  </ds:schemaRefs>
-</ds:datastoreItem>
-</file>
-
-<file path=customXml/itemProps346.xml><?xml version="1.0" encoding="utf-8"?>
-<ds:datastoreItem xmlns:ds="http://schemas.openxmlformats.org/officeDocument/2006/customXml" ds:itemID="{C5117839-F4A7-4B82-A856-D0521B8F12E0}">
-  <ds:schemaRefs>
-    <ds:schemaRef ds:uri="http://schemas.microsoft.com/VisualStudio/2011/storyboarding/control"/>
-  </ds:schemaRefs>
-</ds:datastoreItem>
-</file>
-
-<file path=customXml/itemProps347.xml><?xml version="1.0" encoding="utf-8"?>
-<ds:datastoreItem xmlns:ds="http://schemas.openxmlformats.org/officeDocument/2006/customXml" ds:itemID="{451EDEA7-6959-470B-933B-7A75D7CEAB07}">
-  <ds:schemaRefs>
-    <ds:schemaRef ds:uri="http://schemas.microsoft.com/VisualStudio/2011/storyboarding/control"/>
-  </ds:schemaRefs>
-</ds:datastoreItem>
-</file>
-
-<file path=customXml/itemProps348.xml><?xml version="1.0" encoding="utf-8"?>
-<ds:datastoreItem xmlns:ds="http://schemas.openxmlformats.org/officeDocument/2006/customXml" ds:itemID="{C43B4C94-3FEE-4641-AAEF-DDB851AEBDD6}">
-  <ds:schemaRefs>
-    <ds:schemaRef ds:uri="http://schemas.microsoft.com/VisualStudio/2011/storyboarding/control"/>
-  </ds:schemaRefs>
-</ds:datastoreItem>
-</file>
-
-<file path=customXml/itemProps349.xml><?xml version="1.0" encoding="utf-8"?>
-<ds:datastoreItem xmlns:ds="http://schemas.openxmlformats.org/officeDocument/2006/customXml" ds:itemID="{723CA5A4-F50C-449F-B692-264A87FE2637}">
-  <ds:schemaRefs>
-    <ds:schemaRef ds:uri="http://schemas.microsoft.com/VisualStudio/2011/storyboarding/control"/>
-  </ds:schemaRefs>
-</ds:datastoreItem>
-</file>
-
-<file path=customXml/itemProps35.xml><?xml version="1.0" encoding="utf-8"?>
-<ds:datastoreItem xmlns:ds="http://schemas.openxmlformats.org/officeDocument/2006/customXml" ds:itemID="{2AC86A44-86DE-437C-AC10-E334DC919211}">
-  <ds:schemaRefs>
-    <ds:schemaRef ds:uri="http://schemas.microsoft.com/VisualStudio/2011/storyboarding/control"/>
-  </ds:schemaRefs>
-</ds:datastoreItem>
-</file>
-
-<file path=customXml/itemProps350.xml><?xml version="1.0" encoding="utf-8"?>
-<ds:datastoreItem xmlns:ds="http://schemas.openxmlformats.org/officeDocument/2006/customXml" ds:itemID="{9E1A3BE5-5171-4489-BCAE-D50E4242518F}">
-  <ds:schemaRefs>
-    <ds:schemaRef ds:uri="http://schemas.microsoft.com/VisualStudio/2011/storyboarding/control"/>
-  </ds:schemaRefs>
-</ds:datastoreItem>
-</file>
-
-<file path=customXml/itemProps351.xml><?xml version="1.0" encoding="utf-8"?>
-<ds:datastoreItem xmlns:ds="http://schemas.openxmlformats.org/officeDocument/2006/customXml" ds:itemID="{F3260EEF-3ED9-40A9-88F8-60D4DB295524}">
-  <ds:schemaRefs>
-    <ds:schemaRef ds:uri="http://schemas.microsoft.com/VisualStudio/2011/storyboarding/control"/>
-  </ds:schemaRefs>
-</ds:datastoreItem>
-</file>
-
-<file path=customXml/itemProps352.xml><?xml version="1.0" encoding="utf-8"?>
-<ds:datastoreItem xmlns:ds="http://schemas.openxmlformats.org/officeDocument/2006/customXml" ds:itemID="{9BFE7170-92E1-43AA-BFB8-FB20A5E2DB38}">
-  <ds:schemaRefs>
-    <ds:schemaRef ds:uri="http://schemas.microsoft.com/VisualStudio/2011/storyboarding/control"/>
-  </ds:schemaRefs>
-</ds:datastoreItem>
-</file>
-
-<file path=customXml/itemProps353.xml><?xml version="1.0" encoding="utf-8"?>
-<ds:datastoreItem xmlns:ds="http://schemas.openxmlformats.org/officeDocument/2006/customXml" ds:itemID="{DC463221-36EF-45FA-B905-473D557D5CB2}">
-  <ds:schemaRefs>
-    <ds:schemaRef ds:uri="http://schemas.microsoft.com/VisualStudio/2011/storyboarding/control"/>
-  </ds:schemaRefs>
-</ds:datastoreItem>
-</file>
-
-<file path=customXml/itemProps354.xml><?xml version="1.0" encoding="utf-8"?>
-<ds:datastoreItem xmlns:ds="http://schemas.openxmlformats.org/officeDocument/2006/customXml" ds:itemID="{3C0EEA6E-C87B-4447-BE3E-43DAC0D0FCD4}">
-  <ds:schemaRefs>
-    <ds:schemaRef ds:uri="http://schemas.microsoft.com/VisualStudio/2011/storyboarding/control"/>
-  </ds:schemaRefs>
-</ds:datastoreItem>
-</file>
-
-<file path=customXml/itemProps355.xml><?xml version="1.0" encoding="utf-8"?>
-<ds:datastoreItem xmlns:ds="http://schemas.openxmlformats.org/officeDocument/2006/customXml" ds:itemID="{744D2C46-D497-4128-9A9E-62AEF32F8697}">
-  <ds:schemaRefs>
-    <ds:schemaRef ds:uri="http://schemas.microsoft.com/VisualStudio/2011/storyboarding/control"/>
-  </ds:schemaRefs>
-</ds:datastoreItem>
-</file>
-
-<file path=customXml/itemProps356.xml><?xml version="1.0" encoding="utf-8"?>
-<ds:datastoreItem xmlns:ds="http://schemas.openxmlformats.org/officeDocument/2006/customXml" ds:itemID="{27233982-8EA5-4E42-BEF4-342DEFC4F55C}">
-  <ds:schemaRefs>
-    <ds:schemaRef ds:uri="http://schemas.microsoft.com/VisualStudio/2011/storyboarding/control"/>
-  </ds:schemaRefs>
-</ds:datastoreItem>
-</file>
-
-<file path=customXml/itemProps357.xml><?xml version="1.0" encoding="utf-8"?>
-<ds:datastoreItem xmlns:ds="http://schemas.openxmlformats.org/officeDocument/2006/customXml" ds:itemID="{12892A08-F8BF-4D81-8105-A8150CA9AFCA}">
-  <ds:schemaRefs>
-    <ds:schemaRef ds:uri="http://schemas.microsoft.com/VisualStudio/2011/storyboarding/control"/>
-  </ds:schemaRefs>
-</ds:datastoreItem>
-</file>
-
-<file path=customXml/itemProps358.xml><?xml version="1.0" encoding="utf-8"?>
-<ds:datastoreItem xmlns:ds="http://schemas.openxmlformats.org/officeDocument/2006/customXml" ds:itemID="{4C5D9824-13D5-40B2-9C2C-5E7454B4313E}">
-  <ds:schemaRefs>
-    <ds:schemaRef ds:uri="http://schemas.microsoft.com/VisualStudio/2011/storyboarding/control"/>
-  </ds:schemaRefs>
-</ds:datastoreItem>
-</file>
-
-<file path=customXml/itemProps359.xml><?xml version="1.0" encoding="utf-8"?>
-<ds:datastoreItem xmlns:ds="http://schemas.openxmlformats.org/officeDocument/2006/customXml" ds:itemID="{21CB815E-7124-4A3B-99AB-1DAEE578DA1E}">
-  <ds:schemaRefs>
-    <ds:schemaRef ds:uri="http://schemas.microsoft.com/VisualStudio/2011/storyboarding/control"/>
-  </ds:schemaRefs>
-</ds:datastoreItem>
-</file>
-
-<file path=customXml/itemProps36.xml><?xml version="1.0" encoding="utf-8"?>
-<ds:datastoreItem xmlns:ds="http://schemas.openxmlformats.org/officeDocument/2006/customXml" ds:itemID="{0AB873FC-AD1A-4205-9A0B-AAA1E4E7C39C}">
-  <ds:schemaRefs>
-    <ds:schemaRef ds:uri="http://schemas.microsoft.com/VisualStudio/2011/storyboarding/control"/>
-  </ds:schemaRefs>
-</ds:datastoreItem>
-</file>
-
-<file path=customXml/itemProps360.xml><?xml version="1.0" encoding="utf-8"?>
-<ds:datastoreItem xmlns:ds="http://schemas.openxmlformats.org/officeDocument/2006/customXml" ds:itemID="{EABB9B20-7E23-4F69-8ED5-EFF65F622C70}">
-  <ds:schemaRefs>
-    <ds:schemaRef ds:uri="http://schemas.microsoft.com/VisualStudio/2011/storyboarding/control"/>
-  </ds:schemaRefs>
-</ds:datastoreItem>
-</file>
-
-<file path=customXml/itemProps361.xml><?xml version="1.0" encoding="utf-8"?>
-<ds:datastoreItem xmlns:ds="http://schemas.openxmlformats.org/officeDocument/2006/customXml" ds:itemID="{679EFB83-5280-41EB-8DEE-A59AC012CD33}">
-  <ds:schemaRefs>
-    <ds:schemaRef ds:uri="http://schemas.microsoft.com/VisualStudio/2011/storyboarding/control"/>
-  </ds:schemaRefs>
-</ds:datastoreItem>
-</file>
-
-<file path=customXml/itemProps362.xml><?xml version="1.0" encoding="utf-8"?>
-<ds:datastoreItem xmlns:ds="http://schemas.openxmlformats.org/officeDocument/2006/customXml" ds:itemID="{5E418C61-86CC-4F3B-A0A1-8359375420BB}">
-  <ds:schemaRefs>
-    <ds:schemaRef ds:uri="http://schemas.microsoft.com/VisualStudio/2011/storyboarding/control"/>
-  </ds:schemaRefs>
-</ds:datastoreItem>
-</file>
-
-<file path=customXml/itemProps363.xml><?xml version="1.0" encoding="utf-8"?>
-<ds:datastoreItem xmlns:ds="http://schemas.openxmlformats.org/officeDocument/2006/customXml" ds:itemID="{CDC052B0-D896-49DC-B064-C88B5A07046B}">
-  <ds:schemaRefs>
-    <ds:schemaRef ds:uri="http://schemas.microsoft.com/VisualStudio/2011/storyboarding/control"/>
-  </ds:schemaRefs>
-</ds:datastoreItem>
-</file>
-
-<file path=customXml/itemProps364.xml><?xml version="1.0" encoding="utf-8"?>
-<ds:datastoreItem xmlns:ds="http://schemas.openxmlformats.org/officeDocument/2006/customXml" ds:itemID="{643CC93A-F61B-4C55-9BA1-1D0256240388}">
-  <ds:schemaRefs>
-    <ds:schemaRef ds:uri="http://schemas.microsoft.com/VisualStudio/2011/storyboarding/control"/>
-  </ds:schemaRefs>
-</ds:datastoreItem>
-</file>
-
-<file path=customXml/itemProps365.xml><?xml version="1.0" encoding="utf-8"?>
-<ds:datastoreItem xmlns:ds="http://schemas.openxmlformats.org/officeDocument/2006/customXml" ds:itemID="{010BDB96-5D8F-41E4-AC2C-9C9F3A2E3BFC}">
-  <ds:schemaRefs>
-    <ds:schemaRef ds:uri="http://schemas.microsoft.com/VisualStudio/2011/storyboarding/control"/>
-  </ds:schemaRefs>
-</ds:datastoreItem>
-</file>
-
-<file path=customXml/itemProps366.xml><?xml version="1.0" encoding="utf-8"?>
-<ds:datastoreItem xmlns:ds="http://schemas.openxmlformats.org/officeDocument/2006/customXml" ds:itemID="{8957563C-A84F-4BA7-AFEE-91A0901E3070}">
-  <ds:schemaRefs>
-    <ds:schemaRef ds:uri="http://schemas.microsoft.com/VisualStudio/2011/storyboarding/control"/>
-  </ds:schemaRefs>
-</ds:datastoreItem>
-</file>
-
-<file path=customXml/itemProps367.xml><?xml version="1.0" encoding="utf-8"?>
-<ds:datastoreItem xmlns:ds="http://schemas.openxmlformats.org/officeDocument/2006/customXml" ds:itemID="{0BDD3596-9D4A-4A76-975D-8B5039638C38}">
-  <ds:schemaRefs>
-    <ds:schemaRef ds:uri="http://schemas.microsoft.com/VisualStudio/2011/storyboarding/control"/>
-  </ds:schemaRefs>
-</ds:datastoreItem>
-</file>
-
-<file path=customXml/itemProps368.xml><?xml version="1.0" encoding="utf-8"?>
-<ds:datastoreItem xmlns:ds="http://schemas.openxmlformats.org/officeDocument/2006/customXml" ds:itemID="{B0E5A7BA-D627-4755-B41A-B26E079892DE}">
-  <ds:schemaRefs>
-    <ds:schemaRef ds:uri="http://schemas.microsoft.com/VisualStudio/2011/storyboarding/control"/>
-  </ds:schemaRefs>
-</ds:datastoreItem>
-</file>
-
-<file path=customXml/itemProps369.xml><?xml version="1.0" encoding="utf-8"?>
-<ds:datastoreItem xmlns:ds="http://schemas.openxmlformats.org/officeDocument/2006/customXml" ds:itemID="{C47073DF-7B9E-4360-9DB2-AC4CED95D923}">
-  <ds:schemaRefs>
-    <ds:schemaRef ds:uri="http://schemas.microsoft.com/VisualStudio/2011/storyboarding/control"/>
-  </ds:schemaRefs>
-</ds:datastoreItem>
-</file>
-
-<file path=customXml/itemProps37.xml><?xml version="1.0" encoding="utf-8"?>
-<ds:datastoreItem xmlns:ds="http://schemas.openxmlformats.org/officeDocument/2006/customXml" ds:itemID="{0F924959-0FC0-4A8B-9D3A-C19CD3F22766}">
-  <ds:schemaRefs>
-    <ds:schemaRef ds:uri="http://schemas.microsoft.com/VisualStudio/2011/storyboarding/control"/>
-  </ds:schemaRefs>
-</ds:datastoreItem>
-</file>
-
-<file path=customXml/itemProps370.xml><?xml version="1.0" encoding="utf-8"?>
-<ds:datastoreItem xmlns:ds="http://schemas.openxmlformats.org/officeDocument/2006/customXml" ds:itemID="{76F94818-85D5-4449-B635-10FE912BBD39}">
-  <ds:schemaRefs>
-    <ds:schemaRef ds:uri="http://schemas.microsoft.com/VisualStudio/2011/storyboarding/control"/>
-  </ds:schemaRefs>
-</ds:datastoreItem>
-</file>
-
-<file path=customXml/itemProps371.xml><?xml version="1.0" encoding="utf-8"?>
-<ds:datastoreItem xmlns:ds="http://schemas.openxmlformats.org/officeDocument/2006/customXml" ds:itemID="{5BB68A2C-F94D-41D8-A0F2-E69D9D86C058}">
-  <ds:schemaRefs>
-    <ds:schemaRef ds:uri="http://schemas.microsoft.com/VisualStudio/2011/storyboarding/control"/>
-  </ds:schemaRefs>
-</ds:datastoreItem>
-</file>
-
-<file path=customXml/itemProps372.xml><?xml version="1.0" encoding="utf-8"?>
-<ds:datastoreItem xmlns:ds="http://schemas.openxmlformats.org/officeDocument/2006/customXml" ds:itemID="{F4F9D414-AE4E-4BA2-BDC2-6F33F5D21536}">
-  <ds:schemaRefs>
-    <ds:schemaRef ds:uri="http://schemas.microsoft.com/VisualStudio/2011/storyboarding/control"/>
-  </ds:schemaRefs>
-</ds:datastoreItem>
-</file>
-
-<file path=customXml/itemProps373.xml><?xml version="1.0" encoding="utf-8"?>
-<ds:datastoreItem xmlns:ds="http://schemas.openxmlformats.org/officeDocument/2006/customXml" ds:itemID="{3F03EE14-3DE1-476F-8F91-DAAB435FD4DE}">
-  <ds:schemaRefs>
-    <ds:schemaRef ds:uri="http://schemas.microsoft.com/VisualStudio/2011/storyboarding/control"/>
-  </ds:schemaRefs>
-</ds:datastoreItem>
-</file>
-
-<file path=customXml/itemProps374.xml><?xml version="1.0" encoding="utf-8"?>
-<ds:datastoreItem xmlns:ds="http://schemas.openxmlformats.org/officeDocument/2006/customXml" ds:itemID="{E68A883A-BE53-4126-A917-6A8773322FC1}">
-  <ds:schemaRefs>
-    <ds:schemaRef ds:uri="http://schemas.microsoft.com/VisualStudio/2011/storyboarding/control"/>
-  </ds:schemaRefs>
-</ds:datastoreItem>
-</file>
-
-<file path=customXml/itemProps375.xml><?xml version="1.0" encoding="utf-8"?>
-<ds:datastoreItem xmlns:ds="http://schemas.openxmlformats.org/officeDocument/2006/customXml" ds:itemID="{8B83EB0A-FD15-4E1B-98B9-271FD78B4A8D}">
-  <ds:schemaRefs>
-    <ds:schemaRef ds:uri="http://schemas.microsoft.com/VisualStudio/2011/storyboarding/control"/>
-  </ds:schemaRefs>
-</ds:datastoreItem>
-</file>
-
-<file path=customXml/itemProps376.xml><?xml version="1.0" encoding="utf-8"?>
-<ds:datastoreItem xmlns:ds="http://schemas.openxmlformats.org/officeDocument/2006/customXml" ds:itemID="{024E8FD5-3E04-490F-AA3E-8D2180355BD3}">
-  <ds:schemaRefs>
-    <ds:schemaRef ds:uri="http://schemas.microsoft.com/VisualStudio/2011/storyboarding/control"/>
-  </ds:schemaRefs>
-</ds:datastoreItem>
-</file>
-
-<file path=customXml/itemProps377.xml><?xml version="1.0" encoding="utf-8"?>
-<ds:datastoreItem xmlns:ds="http://schemas.openxmlformats.org/officeDocument/2006/customXml" ds:itemID="{78E3DC21-8D2E-45DA-8933-EA7651D2BD80}">
-  <ds:schemaRefs>
-    <ds:schemaRef ds:uri="http://schemas.microsoft.com/VisualStudio/2011/storyboarding/control"/>
-  </ds:schemaRefs>
-</ds:datastoreItem>
-</file>
-
-<file path=customXml/itemProps378.xml><?xml version="1.0" encoding="utf-8"?>
-<ds:datastoreItem xmlns:ds="http://schemas.openxmlformats.org/officeDocument/2006/customXml" ds:itemID="{83C93A91-E87D-4C18-B0C5-D1ADC1FF6218}">
-  <ds:schemaRefs>
-    <ds:schemaRef ds:uri="http://schemas.microsoft.com/VisualStudio/2011/storyboarding/control"/>
-  </ds:schemaRefs>
-</ds:datastoreItem>
-</file>
-
-<file path=customXml/itemProps379.xml><?xml version="1.0" encoding="utf-8"?>
-<ds:datastoreItem xmlns:ds="http://schemas.openxmlformats.org/officeDocument/2006/customXml" ds:itemID="{F67EE1E4-BC28-4470-B24B-70B2735E9CC5}">
-  <ds:schemaRefs>
-    <ds:schemaRef ds:uri="http://schemas.microsoft.com/VisualStudio/2011/storyboarding/control"/>
-  </ds:schemaRefs>
-</ds:datastoreItem>
-</file>
-
-<file path=customXml/itemProps38.xml><?xml version="1.0" encoding="utf-8"?>
-<ds:datastoreItem xmlns:ds="http://schemas.openxmlformats.org/officeDocument/2006/customXml" ds:itemID="{DA651C0F-EF7C-4E40-B970-0ED847B261CD}">
-  <ds:schemaRefs>
-    <ds:schemaRef ds:uri="http://schemas.microsoft.com/VisualStudio/2011/storyboarding/control"/>
-  </ds:schemaRefs>
-</ds:datastoreItem>
-</file>
-
-<file path=customXml/itemProps380.xml><?xml version="1.0" encoding="utf-8"?>
-<ds:datastoreItem xmlns:ds="http://schemas.openxmlformats.org/officeDocument/2006/customXml" ds:itemID="{F1DD14E0-424F-4FF5-B74E-19AA22245CA2}">
-  <ds:schemaRefs>
-    <ds:schemaRef ds:uri="http://schemas.microsoft.com/VisualStudio/2011/storyboarding/control"/>
-  </ds:schemaRefs>
-</ds:datastoreItem>
-</file>
-
-<file path=customXml/itemProps381.xml><?xml version="1.0" encoding="utf-8"?>
-<ds:datastoreItem xmlns:ds="http://schemas.openxmlformats.org/officeDocument/2006/customXml" ds:itemID="{A7EE2A77-BAEB-49E0-9EFD-6E89E7BF81F3}">
-  <ds:schemaRefs>
-    <ds:schemaRef ds:uri="http://schemas.microsoft.com/VisualStudio/2011/storyboarding/control"/>
-  </ds:schemaRefs>
-</ds:datastoreItem>
-</file>
-
-<file path=customXml/itemProps382.xml><?xml version="1.0" encoding="utf-8"?>
-<ds:datastoreItem xmlns:ds="http://schemas.openxmlformats.org/officeDocument/2006/customXml" ds:itemID="{FB443102-2E29-40D2-97E0-AB9A9726587D}">
-  <ds:schemaRefs>
-    <ds:schemaRef ds:uri="http://schemas.microsoft.com/VisualStudio/2011/storyboarding/control"/>
-  </ds:schemaRefs>
-</ds:datastoreItem>
-</file>
-
-<file path=customXml/itemProps383.xml><?xml version="1.0" encoding="utf-8"?>
-<ds:datastoreItem xmlns:ds="http://schemas.openxmlformats.org/officeDocument/2006/customXml" ds:itemID="{DA46D564-7D5C-4E8B-AF27-67C8B8FB20FA}">
-  <ds:schemaRefs>
-    <ds:schemaRef ds:uri="http://schemas.microsoft.com/VisualStudio/2011/storyboarding/control"/>
-  </ds:schemaRefs>
-</ds:datastoreItem>
-</file>
-
-<file path=customXml/itemProps384.xml><?xml version="1.0" encoding="utf-8"?>
-<ds:datastoreItem xmlns:ds="http://schemas.openxmlformats.org/officeDocument/2006/customXml" ds:itemID="{03E30F20-F868-4C32-B991-CDCD8323EB0C}">
-  <ds:schemaRefs>
-    <ds:schemaRef ds:uri="http://schemas.microsoft.com/VisualStudio/2011/storyboarding/control"/>
-  </ds:schemaRefs>
-</ds:datastoreItem>
-</file>
-
-<file path=customXml/itemProps385.xml><?xml version="1.0" encoding="utf-8"?>
-<ds:datastoreItem xmlns:ds="http://schemas.openxmlformats.org/officeDocument/2006/customXml" ds:itemID="{BF2BF6A4-4EC3-4DB6-B461-51BD5F86F3E4}">
-  <ds:schemaRefs>
-    <ds:schemaRef ds:uri="http://schemas.microsoft.com/VisualStudio/2011/storyboarding/control"/>
-  </ds:schemaRefs>
-</ds:datastoreItem>
-</file>
-
-<file path=customXml/itemProps386.xml><?xml version="1.0" encoding="utf-8"?>
-<ds:datastoreItem xmlns:ds="http://schemas.openxmlformats.org/officeDocument/2006/customXml" ds:itemID="{31D05E97-816A-4979-8EA8-34B6BB18A5F9}">
-  <ds:schemaRefs>
-    <ds:schemaRef ds:uri="http://schemas.microsoft.com/VisualStudio/2011/storyboarding/control"/>
-  </ds:schemaRefs>
-</ds:datastoreItem>
-</file>
-
-<file path=customXml/itemProps387.xml><?xml version="1.0" encoding="utf-8"?>
-<ds:datastoreItem xmlns:ds="http://schemas.openxmlformats.org/officeDocument/2006/customXml" ds:itemID="{ACB79B4E-0861-4279-80D3-7A316F66F48B}">
-  <ds:schemaRefs>
-    <ds:schemaRef ds:uri="http://schemas.microsoft.com/VisualStudio/2011/storyboarding/control"/>
-  </ds:schemaRefs>
-</ds:datastoreItem>
-</file>
-
-<file path=customXml/itemProps388.xml><?xml version="1.0" encoding="utf-8"?>
-<ds:datastoreItem xmlns:ds="http://schemas.openxmlformats.org/officeDocument/2006/customXml" ds:itemID="{427ED9FC-5CA7-4AB4-8B46-85D17C0344D8}">
-  <ds:schemaRefs>
-    <ds:schemaRef ds:uri="http://schemas.microsoft.com/VisualStudio/2011/storyboarding/control"/>
-  </ds:schemaRefs>
-</ds:datastoreItem>
-</file>
-
-<file path=customXml/itemProps389.xml><?xml version="1.0" encoding="utf-8"?>
-<ds:datastoreItem xmlns:ds="http://schemas.openxmlformats.org/officeDocument/2006/customXml" ds:itemID="{562CCEA4-86D0-40CF-971B-E185833AF173}">
-  <ds:schemaRefs>
-    <ds:schemaRef ds:uri="http://schemas.microsoft.com/VisualStudio/2011/storyboarding/control"/>
-  </ds:schemaRefs>
-</ds:datastoreItem>
-</file>
-
-<file path=customXml/itemProps39.xml><?xml version="1.0" encoding="utf-8"?>
-<ds:datastoreItem xmlns:ds="http://schemas.openxmlformats.org/officeDocument/2006/customXml" ds:itemID="{908A9238-C4BB-415A-8362-2CB84E7C1448}">
-  <ds:schemaRefs>
-    <ds:schemaRef ds:uri="http://schemas.microsoft.com/VisualStudio/2011/storyboarding/control"/>
-  </ds:schemaRefs>
-</ds:datastoreItem>
-</file>
-
-<file path=customXml/itemProps390.xml><?xml version="1.0" encoding="utf-8"?>
-<ds:datastoreItem xmlns:ds="http://schemas.openxmlformats.org/officeDocument/2006/customXml" ds:itemID="{46867D45-882A-43C4-B92B-CBE66A621901}">
-  <ds:schemaRefs>
-    <ds:schemaRef ds:uri="http://schemas.microsoft.com/VisualStudio/2011/storyboarding/control"/>
-  </ds:schemaRefs>
-</ds:datastoreItem>
-</file>
-
-<file path=customXml/itemProps391.xml><?xml version="1.0" encoding="utf-8"?>
-<ds:datastoreItem xmlns:ds="http://schemas.openxmlformats.org/officeDocument/2006/customXml" ds:itemID="{B485D22B-2566-4D7E-BB28-6E30163C20B3}">
-  <ds:schemaRefs>
-    <ds:schemaRef ds:uri="http://schemas.microsoft.com/VisualStudio/2011/storyboarding/control"/>
-  </ds:schemaRefs>
-</ds:datastoreItem>
-</file>
-
-<file path=customXml/itemProps392.xml><?xml version="1.0" encoding="utf-8"?>
-<ds:datastoreItem xmlns:ds="http://schemas.openxmlformats.org/officeDocument/2006/customXml" ds:itemID="{CC857A17-0BE5-4DD7-9114-92BA1AD28C99}">
-  <ds:schemaRefs>
-    <ds:schemaRef ds:uri="http://schemas.microsoft.com/VisualStudio/2011/storyboarding/control"/>
-  </ds:schemaRefs>
-</ds:datastoreItem>
-</file>
-
-<file path=customXml/itemProps393.xml><?xml version="1.0" encoding="utf-8"?>
-<ds:datastoreItem xmlns:ds="http://schemas.openxmlformats.org/officeDocument/2006/customXml" ds:itemID="{5D5EA1DB-182D-4A67-8487-E9AD9DFFACC5}">
-  <ds:schemaRefs>
-    <ds:schemaRef ds:uri="http://schemas.microsoft.com/VisualStudio/2011/storyboarding/control"/>
-  </ds:schemaRefs>
-</ds:datastoreItem>
-</file>
-
-<file path=customXml/itemProps394.xml><?xml version="1.0" encoding="utf-8"?>
-<ds:datastoreItem xmlns:ds="http://schemas.openxmlformats.org/officeDocument/2006/customXml" ds:itemID="{EC8E0E27-E550-4261-A865-DBA6BEAD946B}">
-  <ds:schemaRefs>
-    <ds:schemaRef ds:uri="http://schemas.microsoft.com/VisualStudio/2011/storyboarding/control"/>
-  </ds:schemaRefs>
-</ds:datastoreItem>
-</file>
-
-<file path=customXml/itemProps395.xml><?xml version="1.0" encoding="utf-8"?>
-<ds:datastoreItem xmlns:ds="http://schemas.openxmlformats.org/officeDocument/2006/customXml" ds:itemID="{E865EDF1-3988-4CC1-989C-8004E81819F1}">
-  <ds:schemaRefs>
-    <ds:schemaRef ds:uri="http://schemas.microsoft.com/VisualStudio/2011/storyboarding/control"/>
-  </ds:schemaRefs>
-</ds:datastoreItem>
-</file>
-
-<file path=customXml/itemProps396.xml><?xml version="1.0" encoding="utf-8"?>
-<ds:datastoreItem xmlns:ds="http://schemas.openxmlformats.org/officeDocument/2006/customXml" ds:itemID="{87B3B4CD-0E68-44A0-9D24-6E79DEC855D9}">
-  <ds:schemaRefs>
-    <ds:schemaRef ds:uri="http://schemas.microsoft.com/VisualStudio/2011/storyboarding/control"/>
-  </ds:schemaRefs>
-</ds:datastoreItem>
-</file>
-
-<file path=customXml/itemProps397.xml><?xml version="1.0" encoding="utf-8"?>
-<ds:datastoreItem xmlns:ds="http://schemas.openxmlformats.org/officeDocument/2006/customXml" ds:itemID="{837B0389-256A-41AA-858A-09C137ADF190}">
-  <ds:schemaRefs>
-    <ds:schemaRef ds:uri="http://schemas.microsoft.com/VisualStudio/2011/storyboarding/control"/>
-  </ds:schemaRefs>
-</ds:datastoreItem>
-</file>
-
-<file path=customXml/itemProps398.xml><?xml version="1.0" encoding="utf-8"?>
-<ds:datastoreItem xmlns:ds="http://schemas.openxmlformats.org/officeDocument/2006/customXml" ds:itemID="{82BAD687-6146-45CA-951B-F626FCAEDCAF}">
-  <ds:schemaRefs>
-    <ds:schemaRef ds:uri="http://schemas.microsoft.com/VisualStudio/2011/storyboarding/control"/>
-  </ds:schemaRefs>
-</ds:datastoreItem>
-</file>
-
-<file path=customXml/itemProps399.xml><?xml version="1.0" encoding="utf-8"?>
-<ds:datastoreItem xmlns:ds="http://schemas.openxmlformats.org/officeDocument/2006/customXml" ds:itemID="{009DA1A9-4EDC-4475-A44D-605F6441F2B4}">
-  <ds:schemaRefs>
-    <ds:schemaRef ds:uri="http://schemas.microsoft.com/VisualStudio/2011/storyboarding/control"/>
-  </ds:schemaRefs>
-</ds:datastoreItem>
-</file>
-
-<file path=customXml/itemProps4.xml><?xml version="1.0" encoding="utf-8"?>
-<ds:datastoreItem xmlns:ds="http://schemas.openxmlformats.org/officeDocument/2006/customXml" ds:itemID="{94C2D345-A1A3-41D1-8252-D91A2709EDBB}">
-  <ds:schemaRefs>
-    <ds:schemaRef ds:uri="http://schemas.microsoft.com/VisualStudio/2011/storyboarding/control"/>
-  </ds:schemaRefs>
-</ds:datastoreItem>
-</file>
-
-<file path=customXml/itemProps40.xml><?xml version="1.0" encoding="utf-8"?>
-<ds:datastoreItem xmlns:ds="http://schemas.openxmlformats.org/officeDocument/2006/customXml" ds:itemID="{5802AE79-1D4B-481F-AE9F-031D546FD7CE}">
-  <ds:schemaRefs>
-    <ds:schemaRef ds:uri="http://schemas.microsoft.com/VisualStudio/2011/storyboarding/control"/>
-  </ds:schemaRefs>
-</ds:datastoreItem>
-</file>
-
-<file path=customXml/itemProps400.xml><?xml version="1.0" encoding="utf-8"?>
-<ds:datastoreItem xmlns:ds="http://schemas.openxmlformats.org/officeDocument/2006/customXml" ds:itemID="{4F214AE2-92D0-4CA1-90F2-CFEEEDA42A43}">
-  <ds:schemaRefs>
-    <ds:schemaRef ds:uri="http://schemas.microsoft.com/VisualStudio/2011/storyboarding/control"/>
-  </ds:schemaRefs>
-</ds:datastoreItem>
-</file>
-
-<file path=customXml/itemProps401.xml><?xml version="1.0" encoding="utf-8"?>
-<ds:datastoreItem xmlns:ds="http://schemas.openxmlformats.org/officeDocument/2006/customXml" ds:itemID="{46265094-0D36-46EF-92A3-629D19F3DFE8}">
-  <ds:schemaRefs>
-    <ds:schemaRef ds:uri="http://schemas.microsoft.com/VisualStudio/2011/storyboarding/control"/>
-  </ds:schemaRefs>
-</ds:datastoreItem>
-</file>
-
-<file path=customXml/itemProps402.xml><?xml version="1.0" encoding="utf-8"?>
-<ds:datastoreItem xmlns:ds="http://schemas.openxmlformats.org/officeDocument/2006/customXml" ds:itemID="{2FEAA353-AC29-4963-8C5E-B73D44C5881B}">
-  <ds:schemaRefs>
-    <ds:schemaRef ds:uri="http://schemas.microsoft.com/VisualStudio/2011/storyboarding/control"/>
-  </ds:schemaRefs>
-</ds:datastoreItem>
-</file>
-
-<file path=customXml/itemProps403.xml><?xml version="1.0" encoding="utf-8"?>
-<ds:datastoreItem xmlns:ds="http://schemas.openxmlformats.org/officeDocument/2006/customXml" ds:itemID="{8DC627A3-C11E-481E-90BC-D2158B5B3F88}">
-  <ds:schemaRefs>
-    <ds:schemaRef ds:uri="http://schemas.microsoft.com/VisualStudio/2011/storyboarding/control"/>
-  </ds:schemaRefs>
-</ds:datastoreItem>
-</file>
-
-<file path=customXml/itemProps404.xml><?xml version="1.0" encoding="utf-8"?>
-<ds:datastoreItem xmlns:ds="http://schemas.openxmlformats.org/officeDocument/2006/customXml" ds:itemID="{D7877BD0-59F5-4FAD-B239-BDE864724FE0}">
-  <ds:schemaRefs>
-    <ds:schemaRef ds:uri="http://schemas.microsoft.com/VisualStudio/2011/storyboarding/control"/>
-  </ds:schemaRefs>
-</ds:datastoreItem>
-</file>
-
-<file path=customXml/itemProps405.xml><?xml version="1.0" encoding="utf-8"?>
-<ds:datastoreItem xmlns:ds="http://schemas.openxmlformats.org/officeDocument/2006/customXml" ds:itemID="{7335903A-55F5-4CB7-9C2D-1E5B9D1BBD02}">
-  <ds:schemaRefs>
-    <ds:schemaRef ds:uri="http://schemas.microsoft.com/VisualStudio/2011/storyboarding/control"/>
-  </ds:schemaRefs>
-</ds:datastoreItem>
-</file>
-
-<file path=customXml/itemProps406.xml><?xml version="1.0" encoding="utf-8"?>
-<ds:datastoreItem xmlns:ds="http://schemas.openxmlformats.org/officeDocument/2006/customXml" ds:itemID="{84384FBA-7E29-41FC-B430-1BB08FE5D226}">
-  <ds:schemaRefs>
-    <ds:schemaRef ds:uri="http://schemas.microsoft.com/VisualStudio/2011/storyboarding/control"/>
-  </ds:schemaRefs>
-</ds:datastoreItem>
-</file>
-
-<file path=customXml/itemProps407.xml><?xml version="1.0" encoding="utf-8"?>
-<ds:datastoreItem xmlns:ds="http://schemas.openxmlformats.org/officeDocument/2006/customXml" ds:itemID="{1AA638C0-9380-47E6-AADE-5B2C40250DA2}">
-  <ds:schemaRefs>
-    <ds:schemaRef ds:uri="http://schemas.microsoft.com/VisualStudio/2011/storyboarding/control"/>
-  </ds:schemaRefs>
-</ds:datastoreItem>
-</file>
-
-<file path=customXml/itemProps408.xml><?xml version="1.0" encoding="utf-8"?>
-<ds:datastoreItem xmlns:ds="http://schemas.openxmlformats.org/officeDocument/2006/customXml" ds:itemID="{7BD1F015-0356-4A9A-BC1B-B374010395E1}">
-  <ds:schemaRefs>
-    <ds:schemaRef ds:uri="http://schemas.microsoft.com/VisualStudio/2011/storyboarding/control"/>
-  </ds:schemaRefs>
-</ds:datastoreItem>
-</file>
-
-<file path=customXml/itemProps409.xml><?xml version="1.0" encoding="utf-8"?>
-<ds:datastoreItem xmlns:ds="http://schemas.openxmlformats.org/officeDocument/2006/customXml" ds:itemID="{5B72F3A7-2F70-4317-B3BA-28245E6D839E}">
-  <ds:schemaRefs>
-    <ds:schemaRef ds:uri="http://schemas.microsoft.com/VisualStudio/2011/storyboarding/control"/>
-  </ds:schemaRefs>
-</ds:datastoreItem>
-</file>
-
-<file path=customXml/itemProps41.xml><?xml version="1.0" encoding="utf-8"?>
-<ds:datastoreItem xmlns:ds="http://schemas.openxmlformats.org/officeDocument/2006/customXml" ds:itemID="{05863F5F-9837-4646-90D1-D287455017FC}">
-  <ds:schemaRefs>
-    <ds:schemaRef ds:uri="http://schemas.microsoft.com/VisualStudio/2011/storyboarding/control"/>
-  </ds:schemaRefs>
-</ds:datastoreItem>
-</file>
-
-<file path=customXml/itemProps410.xml><?xml version="1.0" encoding="utf-8"?>
-<ds:datastoreItem xmlns:ds="http://schemas.openxmlformats.org/officeDocument/2006/customXml" ds:itemID="{258917D9-A883-4696-8858-4D509FD5F52B}">
-  <ds:schemaRefs>
-    <ds:schemaRef ds:uri="http://schemas.microsoft.com/VisualStudio/2011/storyboarding/control"/>
-  </ds:schemaRefs>
-</ds:datastoreItem>
-</file>
-
-<file path=customXml/itemProps411.xml><?xml version="1.0" encoding="utf-8"?>
-<ds:datastoreItem xmlns:ds="http://schemas.openxmlformats.org/officeDocument/2006/customXml" ds:itemID="{9732FB50-344B-4D86-86A2-5027AFEA0420}">
-  <ds:schemaRefs>
-    <ds:schemaRef ds:uri="http://schemas.microsoft.com/VisualStudio/2011/storyboarding/control"/>
-  </ds:schemaRefs>
-</ds:datastoreItem>
-</file>
-
-<file path=customXml/itemProps412.xml><?xml version="1.0" encoding="utf-8"?>
-<ds:datastoreItem xmlns:ds="http://schemas.openxmlformats.org/officeDocument/2006/customXml" ds:itemID="{5416930E-C32B-4786-8045-5CA4C058F078}">
-  <ds:schemaRefs>
-    <ds:schemaRef ds:uri="http://schemas.microsoft.com/VisualStudio/2011/storyboarding/control"/>
-  </ds:schemaRefs>
-</ds:datastoreItem>
-</file>
-
-<file path=customXml/itemProps413.xml><?xml version="1.0" encoding="utf-8"?>
-<ds:datastoreItem xmlns:ds="http://schemas.openxmlformats.org/officeDocument/2006/customXml" ds:itemID="{BB425446-B172-4B88-8FAF-AFD97B30FC45}">
-  <ds:schemaRefs>
-    <ds:schemaRef ds:uri="http://schemas.microsoft.com/VisualStudio/2011/storyboarding/control"/>
-  </ds:schemaRefs>
-</ds:datastoreItem>
-</file>
-
-<file path=customXml/itemProps414.xml><?xml version="1.0" encoding="utf-8"?>
-<ds:datastoreItem xmlns:ds="http://schemas.openxmlformats.org/officeDocument/2006/customXml" ds:itemID="{2EDBFF63-93EC-4BCF-B5D0-4EFA2D6866A7}">
-  <ds:schemaRefs>
-    <ds:schemaRef ds:uri="http://schemas.microsoft.com/VisualStudio/2011/storyboarding/control"/>
-  </ds:schemaRefs>
-</ds:datastoreItem>
-</file>
-
-<file path=customXml/itemProps415.xml><?xml version="1.0" encoding="utf-8"?>
-<ds:datastoreItem xmlns:ds="http://schemas.openxmlformats.org/officeDocument/2006/customXml" ds:itemID="{18B78A2F-285D-46A4-AEAB-2D6B42FFEC57}">
-  <ds:schemaRefs>
-    <ds:schemaRef ds:uri="http://schemas.microsoft.com/VisualStudio/2011/storyboarding/control"/>
-  </ds:schemaRefs>
-</ds:datastoreItem>
-</file>
-
-<file path=customXml/itemProps416.xml><?xml version="1.0" encoding="utf-8"?>
-<ds:datastoreItem xmlns:ds="http://schemas.openxmlformats.org/officeDocument/2006/customXml" ds:itemID="{685244DA-C368-418D-A32C-F9A453A7D4FE}">
-  <ds:schemaRefs>
-    <ds:schemaRef ds:uri="http://schemas.microsoft.com/VisualStudio/2011/storyboarding/control"/>
-  </ds:schemaRefs>
-</ds:datastoreItem>
-</file>
-
-<file path=customXml/itemProps417.xml><?xml version="1.0" encoding="utf-8"?>
-<ds:datastoreItem xmlns:ds="http://schemas.openxmlformats.org/officeDocument/2006/customXml" ds:itemID="{38708E37-23DD-4A44-8BA9-F39AE97429E0}">
-  <ds:schemaRefs>
-    <ds:schemaRef ds:uri="http://schemas.microsoft.com/VisualStudio/2011/storyboarding/control"/>
-  </ds:schemaRefs>
-</ds:datastoreItem>
-</file>
-
-<file path=customXml/itemProps418.xml><?xml version="1.0" encoding="utf-8"?>
-<ds:datastoreItem xmlns:ds="http://schemas.openxmlformats.org/officeDocument/2006/customXml" ds:itemID="{81690581-EDFD-49BF-86DB-DE01BB18B210}">
-  <ds:schemaRefs>
-    <ds:schemaRef ds:uri="http://schemas.microsoft.com/VisualStudio/2011/storyboarding/control"/>
-  </ds:schemaRefs>
-</ds:datastoreItem>
-</file>
-
-<file path=customXml/itemProps42.xml><?xml version="1.0" encoding="utf-8"?>
-<ds:datastoreItem xmlns:ds="http://schemas.openxmlformats.org/officeDocument/2006/customXml" ds:itemID="{BB33B489-F6A0-4837-B5B7-B51CB973ADDA}">
-  <ds:schemaRefs>
-    <ds:schemaRef ds:uri="http://schemas.microsoft.com/VisualStudio/2011/storyboarding/control"/>
-  </ds:schemaRefs>
-</ds:datastoreItem>
-</file>
-
-<file path=customXml/itemProps43.xml><?xml version="1.0" encoding="utf-8"?>
-<ds:datastoreItem xmlns:ds="http://schemas.openxmlformats.org/officeDocument/2006/customXml" ds:itemID="{3FBFA4EC-17C5-4248-A71C-7ADBE94391F0}">
-  <ds:schemaRefs>
-    <ds:schemaRef ds:uri="http://schemas.microsoft.com/VisualStudio/2011/storyboarding/control"/>
-  </ds:schemaRefs>
-</ds:datastoreItem>
-</file>
-
-<file path=customXml/itemProps44.xml><?xml version="1.0" encoding="utf-8"?>
-<ds:datastoreItem xmlns:ds="http://schemas.openxmlformats.org/officeDocument/2006/customXml" ds:itemID="{0D31A47D-A302-4589-8FE7-C4D3FFA46168}">
-  <ds:schemaRefs>
-    <ds:schemaRef ds:uri="http://schemas.microsoft.com/VisualStudio/2011/storyboarding/control"/>
-  </ds:schemaRefs>
-</ds:datastoreItem>
-</file>
-
-<file path=customXml/itemProps45.xml><?xml version="1.0" encoding="utf-8"?>
-<ds:datastoreItem xmlns:ds="http://schemas.openxmlformats.org/officeDocument/2006/customXml" ds:itemID="{7D59CDC6-58DF-4A64-958A-225FD347A928}">
-  <ds:schemaRefs>
-    <ds:schemaRef ds:uri="http://schemas.microsoft.com/VisualStudio/2011/storyboarding/control"/>
-  </ds:schemaRefs>
-</ds:datastoreItem>
-</file>
-
-<file path=customXml/itemProps46.xml><?xml version="1.0" encoding="utf-8"?>
-<ds:datastoreItem xmlns:ds="http://schemas.openxmlformats.org/officeDocument/2006/customXml" ds:itemID="{CD65E51E-616C-494D-AFDC-C440B93A86EC}">
-  <ds:schemaRefs>
-    <ds:schemaRef ds:uri="http://schemas.microsoft.com/VisualStudio/2011/storyboarding/control"/>
-  </ds:schemaRefs>
-</ds:datastoreItem>
-</file>
-
-<file path=customXml/itemProps47.xml><?xml version="1.0" encoding="utf-8"?>
-<ds:datastoreItem xmlns:ds="http://schemas.openxmlformats.org/officeDocument/2006/customXml" ds:itemID="{C4D9031B-8825-425E-990A-D7D6281027CA}">
-  <ds:schemaRefs>
-    <ds:schemaRef ds:uri="http://schemas.microsoft.com/VisualStudio/2011/storyboarding/control"/>
-  </ds:schemaRefs>
-</ds:datastoreItem>
-</file>
-
-<file path=customXml/itemProps48.xml><?xml version="1.0" encoding="utf-8"?>
-<ds:datastoreItem xmlns:ds="http://schemas.openxmlformats.org/officeDocument/2006/customXml" ds:itemID="{657EAD29-4F6F-4638-BAD8-5DFE7421E00C}">
-  <ds:schemaRefs>
-    <ds:schemaRef ds:uri="http://schemas.microsoft.com/VisualStudio/2011/storyboarding/control"/>
-  </ds:schemaRefs>
-</ds:datastoreItem>
-</file>
-
-<file path=customXml/itemProps49.xml><?xml version="1.0" encoding="utf-8"?>
-<ds:datastoreItem xmlns:ds="http://schemas.openxmlformats.org/officeDocument/2006/customXml" ds:itemID="{F17CEBBA-724F-44A3-9AB2-67A69A938E9E}">
-  <ds:schemaRefs>
-    <ds:schemaRef ds:uri="http://schemas.microsoft.com/VisualStudio/2011/storyboarding/control"/>
-  </ds:schemaRefs>
-</ds:datastoreItem>
-</file>
-
-<file path=customXml/itemProps5.xml><?xml version="1.0" encoding="utf-8"?>
-<ds:datastoreItem xmlns:ds="http://schemas.openxmlformats.org/officeDocument/2006/customXml" ds:itemID="{DD973A4C-3C54-45F6-AD32-0AB5C970526B}">
-  <ds:schemaRefs>
-    <ds:schemaRef ds:uri="http://schemas.microsoft.com/VisualStudio/2011/storyboarding/control"/>
-  </ds:schemaRefs>
-</ds:datastoreItem>
-</file>
-
-<file path=customXml/itemProps50.xml><?xml version="1.0" encoding="utf-8"?>
-<ds:datastoreItem xmlns:ds="http://schemas.openxmlformats.org/officeDocument/2006/customXml" ds:itemID="{A861CB65-74F7-4C03-A4CB-038D1D5EACBA}">
-  <ds:schemaRefs>
-    <ds:schemaRef ds:uri="http://schemas.microsoft.com/VisualStudio/2011/storyboarding/control"/>
-  </ds:schemaRefs>
-</ds:datastoreItem>
-</file>
-
-<file path=customXml/itemProps51.xml><?xml version="1.0" encoding="utf-8"?>
-<ds:datastoreItem xmlns:ds="http://schemas.openxmlformats.org/officeDocument/2006/customXml" ds:itemID="{122AF3B9-9E19-47E8-BB26-5FC85688BA5A}">
-  <ds:schemaRefs>
-    <ds:schemaRef ds:uri="http://schemas.microsoft.com/VisualStudio/2011/storyboarding/control"/>
-  </ds:schemaRefs>
-</ds:datastoreItem>
-</file>
-
-<file path=customXml/itemProps52.xml><?xml version="1.0" encoding="utf-8"?>
-<ds:datastoreItem xmlns:ds="http://schemas.openxmlformats.org/officeDocument/2006/customXml" ds:itemID="{5470FCF2-255A-44B5-B4A3-BD5FA830FF06}">
-  <ds:schemaRefs>
-    <ds:schemaRef ds:uri="http://schemas.microsoft.com/VisualStudio/2011/storyboarding/control"/>
-  </ds:schemaRefs>
-</ds:datastoreItem>
-</file>
-
-<file path=customXml/itemProps53.xml><?xml version="1.0" encoding="utf-8"?>
-<ds:datastoreItem xmlns:ds="http://schemas.openxmlformats.org/officeDocument/2006/customXml" ds:itemID="{7E14DD76-D1A5-4BC7-AEDA-46E2A806FEA4}">
-  <ds:schemaRefs>
-    <ds:schemaRef ds:uri="http://schemas.microsoft.com/VisualStudio/2011/storyboarding/control"/>
-  </ds:schemaRefs>
-</ds:datastoreItem>
-</file>
-
-<file path=customXml/itemProps54.xml><?xml version="1.0" encoding="utf-8"?>
-<ds:datastoreItem xmlns:ds="http://schemas.openxmlformats.org/officeDocument/2006/customXml" ds:itemID="{F63EC60C-A662-4ABD-8414-1A4F84A316F0}">
-  <ds:schemaRefs>
-    <ds:schemaRef ds:uri="http://schemas.microsoft.com/VisualStudio/2011/storyboarding/control"/>
-  </ds:schemaRefs>
-</ds:datastoreItem>
-</file>
-
-<file path=customXml/itemProps55.xml><?xml version="1.0" encoding="utf-8"?>
-<ds:datastoreItem xmlns:ds="http://schemas.openxmlformats.org/officeDocument/2006/customXml" ds:itemID="{238E4091-6AA0-4D5F-A464-23255C220A2B}">
-  <ds:schemaRefs>
-    <ds:schemaRef ds:uri="http://schemas.microsoft.com/VisualStudio/2011/storyboarding/control"/>
-  </ds:schemaRefs>
-</ds:datastoreItem>
-</file>
-
-<file path=customXml/itemProps56.xml><?xml version="1.0" encoding="utf-8"?>
-<ds:datastoreItem xmlns:ds="http://schemas.openxmlformats.org/officeDocument/2006/customXml" ds:itemID="{C800B568-4C6F-4D10-AD7A-100A4336547B}">
-  <ds:schemaRefs>
-    <ds:schemaRef ds:uri="http://schemas.microsoft.com/VisualStudio/2011/storyboarding/control"/>
-  </ds:schemaRefs>
-</ds:datastoreItem>
-</file>
-
-<file path=customXml/itemProps57.xml><?xml version="1.0" encoding="utf-8"?>
-<ds:datastoreItem xmlns:ds="http://schemas.openxmlformats.org/officeDocument/2006/customXml" ds:itemID="{ACB067FF-DDF3-4872-9681-101A6334ED46}">
-  <ds:schemaRefs>
-    <ds:schemaRef ds:uri="http://schemas.microsoft.com/VisualStudio/2011/storyboarding/control"/>
-  </ds:schemaRefs>
-</ds:datastoreItem>
-</file>
-
-<file path=customXml/itemProps58.xml><?xml version="1.0" encoding="utf-8"?>
-<ds:datastoreItem xmlns:ds="http://schemas.openxmlformats.org/officeDocument/2006/customXml" ds:itemID="{65D13D13-096C-403A-8B23-6DD4FFF0FDC2}">
-  <ds:schemaRefs>
-    <ds:schemaRef ds:uri="http://schemas.microsoft.com/VisualStudio/2011/storyboarding/control"/>
-  </ds:schemaRefs>
-</ds:datastoreItem>
-</file>
-
-<file path=customXml/itemProps59.xml><?xml version="1.0" encoding="utf-8"?>
-<ds:datastoreItem xmlns:ds="http://schemas.openxmlformats.org/officeDocument/2006/customXml" ds:itemID="{FE106B9D-ED11-49A6-8F85-2A077687FAB6}">
-  <ds:schemaRefs>
-    <ds:schemaRef ds:uri="http://schemas.microsoft.com/VisualStudio/2011/storyboarding/control"/>
-  </ds:schemaRefs>
-</ds:datastoreItem>
-</file>
-
-<file path=customXml/itemProps6.xml><?xml version="1.0" encoding="utf-8"?>
-<ds:datastoreItem xmlns:ds="http://schemas.openxmlformats.org/officeDocument/2006/customXml" ds:itemID="{AFC8C9F0-6377-4C9A-B6DD-944F29A4793F}">
-  <ds:schemaRefs>
-    <ds:schemaRef ds:uri="http://schemas.microsoft.com/VisualStudio/2011/storyboarding/control"/>
-  </ds:schemaRefs>
-</ds:datastoreItem>
-</file>
-
-<file path=customXml/itemProps60.xml><?xml version="1.0" encoding="utf-8"?>
-<ds:datastoreItem xmlns:ds="http://schemas.openxmlformats.org/officeDocument/2006/customXml" ds:itemID="{28D1A277-7982-45B6-81B3-65B63D8EE9CD}">
-  <ds:schemaRefs>
-    <ds:schemaRef ds:uri="http://schemas.microsoft.com/VisualStudio/2011/storyboarding/control"/>
-  </ds:schemaRefs>
-</ds:datastoreItem>
-</file>
-
-<file path=customXml/itemProps61.xml><?xml version="1.0" encoding="utf-8"?>
-<ds:datastoreItem xmlns:ds="http://schemas.openxmlformats.org/officeDocument/2006/customXml" ds:itemID="{1E0749F9-F6FF-42FB-A9D7-C3E5ECDEE0F1}">
-  <ds:schemaRefs>
-    <ds:schemaRef ds:uri="http://schemas.microsoft.com/VisualStudio/2011/storyboarding/control"/>
-  </ds:schemaRefs>
-</ds:datastoreItem>
-</file>
-
-<file path=customXml/itemProps62.xml><?xml version="1.0" encoding="utf-8"?>
-<ds:datastoreItem xmlns:ds="http://schemas.openxmlformats.org/officeDocument/2006/customXml" ds:itemID="{56C8B13E-4F0E-47AE-B6E1-90A2DD7D6C49}">
-  <ds:schemaRefs>
-    <ds:schemaRef ds:uri="http://schemas.microsoft.com/VisualStudio/2011/storyboarding/control"/>
-  </ds:schemaRefs>
-</ds:datastoreItem>
-</file>
-
-<file path=customXml/itemProps63.xml><?xml version="1.0" encoding="utf-8"?>
-<ds:datastoreItem xmlns:ds="http://schemas.openxmlformats.org/officeDocument/2006/customXml" ds:itemID="{6E7891D5-59BF-412C-AF40-475723B049F7}">
-  <ds:schemaRefs>
-    <ds:schemaRef ds:uri="http://schemas.microsoft.com/VisualStudio/2011/storyboarding/control"/>
-  </ds:schemaRefs>
-</ds:datastoreItem>
-</file>
-
-<file path=customXml/itemProps64.xml><?xml version="1.0" encoding="utf-8"?>
-<ds:datastoreItem xmlns:ds="http://schemas.openxmlformats.org/officeDocument/2006/customXml" ds:itemID="{BEC7945B-E51B-43D9-80C7-D9FF30A85421}">
-  <ds:schemaRefs>
-    <ds:schemaRef ds:uri="http://schemas.microsoft.com/VisualStudio/2011/storyboarding/control"/>
-  </ds:schemaRefs>
-</ds:datastoreItem>
-</file>
-
-<file path=customXml/itemProps65.xml><?xml version="1.0" encoding="utf-8"?>
-<ds:datastoreItem xmlns:ds="http://schemas.openxmlformats.org/officeDocument/2006/customXml" ds:itemID="{F79E062F-B177-4A6F-8B46-21BC8B8FBA9E}">
-  <ds:schemaRefs>
-    <ds:schemaRef ds:uri="http://schemas.microsoft.com/VisualStudio/2011/storyboarding/control"/>
-  </ds:schemaRefs>
-</ds:datastoreItem>
-</file>
-
-<file path=customXml/itemProps66.xml><?xml version="1.0" encoding="utf-8"?>
-<ds:datastoreItem xmlns:ds="http://schemas.openxmlformats.org/officeDocument/2006/customXml" ds:itemID="{BDA3FAF5-0FB5-4DF9-A72F-837BC34B2223}">
-  <ds:schemaRefs>
-    <ds:schemaRef ds:uri="http://schemas.microsoft.com/VisualStudio/2011/storyboarding/control"/>
-  </ds:schemaRefs>
-</ds:datastoreItem>
-</file>
-
-<file path=customXml/itemProps67.xml><?xml version="1.0" encoding="utf-8"?>
-<ds:datastoreItem xmlns:ds="http://schemas.openxmlformats.org/officeDocument/2006/customXml" ds:itemID="{D8FC25D1-9E29-4ABF-802B-E0E3FDD0D25E}">
-  <ds:schemaRefs>
-    <ds:schemaRef ds:uri="http://schemas.microsoft.com/VisualStudio/2011/storyboarding/control"/>
-  </ds:schemaRefs>
-</ds:datastoreItem>
-</file>
-
-<file path=customXml/itemProps68.xml><?xml version="1.0" encoding="utf-8"?>
-<ds:datastoreItem xmlns:ds="http://schemas.openxmlformats.org/officeDocument/2006/customXml" ds:itemID="{067DF90F-FC50-447F-B7A2-972F6FB2AA3D}">
-  <ds:schemaRefs>
-    <ds:schemaRef ds:uri="http://schemas.microsoft.com/VisualStudio/2011/storyboarding/control"/>
-  </ds:schemaRefs>
-</ds:datastoreItem>
-</file>
-
-<file path=customXml/itemProps69.xml><?xml version="1.0" encoding="utf-8"?>
-<ds:datastoreItem xmlns:ds="http://schemas.openxmlformats.org/officeDocument/2006/customXml" ds:itemID="{A0FD5420-DDFF-4FB8-9077-E7F3FC176A89}">
-  <ds:schemaRefs>
-    <ds:schemaRef ds:uri="http://schemas.microsoft.com/VisualStudio/2011/storyboarding/control"/>
-  </ds:schemaRefs>
-</ds:datastoreItem>
-</file>
-
-<file path=customXml/itemProps7.xml><?xml version="1.0" encoding="utf-8"?>
-<ds:datastoreItem xmlns:ds="http://schemas.openxmlformats.org/officeDocument/2006/customXml" ds:itemID="{E1788570-76EA-4BE9-BE13-E0A6126D67EC}">
-  <ds:schemaRefs>
-    <ds:schemaRef ds:uri="http://schemas.microsoft.com/VisualStudio/2011/storyboarding/control"/>
-  </ds:schemaRefs>
-</ds:datastoreItem>
-</file>
-
-<file path=customXml/itemProps70.xml><?xml version="1.0" encoding="utf-8"?>
-<ds:datastoreItem xmlns:ds="http://schemas.openxmlformats.org/officeDocument/2006/customXml" ds:itemID="{8745EA7D-AC2F-4F27-89BC-9F24B3534029}">
-  <ds:schemaRefs>
-    <ds:schemaRef ds:uri="http://schemas.microsoft.com/VisualStudio/2011/storyboarding/control"/>
-  </ds:schemaRefs>
-</ds:datastoreItem>
-</file>
-
-<file path=customXml/itemProps71.xml><?xml version="1.0" encoding="utf-8"?>
-<ds:datastoreItem xmlns:ds="http://schemas.openxmlformats.org/officeDocument/2006/customXml" ds:itemID="{F93B8E6E-30BF-4283-9D90-B34AD2F7E9B8}">
-  <ds:schemaRefs>
-    <ds:schemaRef ds:uri="http://schemas.microsoft.com/VisualStudio/2011/storyboarding/control"/>
-  </ds:schemaRefs>
-</ds:datastoreItem>
-</file>
-
-<file path=customXml/itemProps72.xml><?xml version="1.0" encoding="utf-8"?>
-<ds:datastoreItem xmlns:ds="http://schemas.openxmlformats.org/officeDocument/2006/customXml" ds:itemID="{1A5396DD-9080-4B99-95D8-64D9A83F183E}">
-  <ds:schemaRefs>
-    <ds:schemaRef ds:uri="http://schemas.microsoft.com/VisualStudio/2011/storyboarding/control"/>
-  </ds:schemaRefs>
-</ds:datastoreItem>
-</file>
-
-<file path=customXml/itemProps73.xml><?xml version="1.0" encoding="utf-8"?>
-<ds:datastoreItem xmlns:ds="http://schemas.openxmlformats.org/officeDocument/2006/customXml" ds:itemID="{4E3E6D78-285E-4369-914E-55538596C674}">
-  <ds:schemaRefs>
-    <ds:schemaRef ds:uri="http://schemas.microsoft.com/VisualStudio/2011/storyboarding/control"/>
-  </ds:schemaRefs>
-</ds:datastoreItem>
-</file>
-
-<file path=customXml/itemProps74.xml><?xml version="1.0" encoding="utf-8"?>
-<ds:datastoreItem xmlns:ds="http://schemas.openxmlformats.org/officeDocument/2006/customXml" ds:itemID="{4CC19E68-B883-48B9-8CA0-046516B7B59B}">
-  <ds:schemaRefs>
-    <ds:schemaRef ds:uri="http://schemas.microsoft.com/VisualStudio/2011/storyboarding/control"/>
-  </ds:schemaRefs>
-</ds:datastoreItem>
-</file>
-
-<file path=customXml/itemProps75.xml><?xml version="1.0" encoding="utf-8"?>
-<ds:datastoreItem xmlns:ds="http://schemas.openxmlformats.org/officeDocument/2006/customXml" ds:itemID="{72DABB7C-7EA3-49D3-968A-F1001C125308}">
-  <ds:schemaRefs>
-    <ds:schemaRef ds:uri="http://schemas.microsoft.com/VisualStudio/2011/storyboarding/control"/>
-  </ds:schemaRefs>
-</ds:datastoreItem>
-</file>
-
-<file path=customXml/itemProps76.xml><?xml version="1.0" encoding="utf-8"?>
-<ds:datastoreItem xmlns:ds="http://schemas.openxmlformats.org/officeDocument/2006/customXml" ds:itemID="{059A00BC-7922-4E2D-8274-177A38C42E03}">
-  <ds:schemaRefs>
-    <ds:schemaRef ds:uri="http://schemas.microsoft.com/VisualStudio/2011/storyboarding/control"/>
-  </ds:schemaRefs>
-</ds:datastoreItem>
-</file>
-
-<file path=customXml/itemProps77.xml><?xml version="1.0" encoding="utf-8"?>
-<ds:datastoreItem xmlns:ds="http://schemas.openxmlformats.org/officeDocument/2006/customXml" ds:itemID="{DF2EA208-98A8-45AB-95A1-95B7D29D18AA}">
-  <ds:schemaRefs>
-    <ds:schemaRef ds:uri="http://schemas.microsoft.com/VisualStudio/2011/storyboarding/control"/>
-  </ds:schemaRefs>
-</ds:datastoreItem>
-</file>
-
-<file path=customXml/itemProps78.xml><?xml version="1.0" encoding="utf-8"?>
-<ds:datastoreItem xmlns:ds="http://schemas.openxmlformats.org/officeDocument/2006/customXml" ds:itemID="{7C878703-4097-4DF2-9C1B-901EACC2FEA7}">
-  <ds:schemaRefs>
-    <ds:schemaRef ds:uri="http://schemas.microsoft.com/VisualStudio/2011/storyboarding/control"/>
-  </ds:schemaRefs>
-</ds:datastoreItem>
-</file>
-
-<file path=customXml/itemProps79.xml><?xml version="1.0" encoding="utf-8"?>
-<ds:datastoreItem xmlns:ds="http://schemas.openxmlformats.org/officeDocument/2006/customXml" ds:itemID="{C51E87C8-D293-4769-B466-FFDAE873EA55}">
-  <ds:schemaRefs>
-    <ds:schemaRef ds:uri="http://schemas.microsoft.com/VisualStudio/2011/storyboarding/control"/>
-  </ds:schemaRefs>
-</ds:datastoreItem>
-</file>
-
-<file path=customXml/itemProps8.xml><?xml version="1.0" encoding="utf-8"?>
-<ds:datastoreItem xmlns:ds="http://schemas.openxmlformats.org/officeDocument/2006/customXml" ds:itemID="{8EEB2059-6AA6-43B3-A531-158E0BB40274}">
-  <ds:schemaRefs>
-    <ds:schemaRef ds:uri="http://schemas.microsoft.com/VisualStudio/2011/storyboarding/control"/>
-  </ds:schemaRefs>
-</ds:datastoreItem>
-</file>
-
-<file path=customXml/itemProps80.xml><?xml version="1.0" encoding="utf-8"?>
-<ds:datastoreItem xmlns:ds="http://schemas.openxmlformats.org/officeDocument/2006/customXml" ds:itemID="{1C2BC509-D0F4-4258-A32C-94CD1A9F09CD}">
-  <ds:schemaRefs>
-    <ds:schemaRef ds:uri="http://schemas.microsoft.com/VisualStudio/2011/storyboarding/control"/>
-  </ds:schemaRefs>
-</ds:datastoreItem>
-</file>
-
-<file path=customXml/itemProps81.xml><?xml version="1.0" encoding="utf-8"?>
-<ds:datastoreItem xmlns:ds="http://schemas.openxmlformats.org/officeDocument/2006/customXml" ds:itemID="{2FCAF674-159C-4149-8B61-9EFD16DB2D60}">
-  <ds:schemaRefs>
-    <ds:schemaRef ds:uri="http://schemas.microsoft.com/VisualStudio/2011/storyboarding/control"/>
-  </ds:schemaRefs>
-</ds:datastoreItem>
-</file>
-
-<file path=customXml/itemProps82.xml><?xml version="1.0" encoding="utf-8"?>
-<ds:datastoreItem xmlns:ds="http://schemas.openxmlformats.org/officeDocument/2006/customXml" ds:itemID="{CB095636-C5CB-4BEF-A40F-C5E8671592D1}">
-  <ds:schemaRefs>
-    <ds:schemaRef ds:uri="http://schemas.microsoft.com/VisualStudio/2011/storyboarding/control"/>
-  </ds:schemaRefs>
-</ds:datastoreItem>
-</file>
-
-<file path=customXml/itemProps83.xml><?xml version="1.0" encoding="utf-8"?>
-<ds:datastoreItem xmlns:ds="http://schemas.openxmlformats.org/officeDocument/2006/customXml" ds:itemID="{2CB7863B-20F4-462E-98FA-2839183EF78E}">
-  <ds:schemaRefs>
-    <ds:schemaRef ds:uri="http://schemas.microsoft.com/VisualStudio/2011/storyboarding/control"/>
-  </ds:schemaRefs>
-</ds:datastoreItem>
-</file>
-
-<file path=customXml/itemProps84.xml><?xml version="1.0" encoding="utf-8"?>
-<ds:datastoreItem xmlns:ds="http://schemas.openxmlformats.org/officeDocument/2006/customXml" ds:itemID="{9DA90A84-6B8B-4DBB-8E6D-6BF082493584}">
-  <ds:schemaRefs>
-    <ds:schemaRef ds:uri="http://schemas.microsoft.com/VisualStudio/2011/storyboarding/control"/>
-  </ds:schemaRefs>
-</ds:datastoreItem>
-</file>
-
-<file path=customXml/itemProps85.xml><?xml version="1.0" encoding="utf-8"?>
-<ds:datastoreItem xmlns:ds="http://schemas.openxmlformats.org/officeDocument/2006/customXml" ds:itemID="{130B0D62-A038-42FA-9EC7-A683DBD51592}">
-  <ds:schemaRefs>
-    <ds:schemaRef ds:uri="http://schemas.microsoft.com/VisualStudio/2011/storyboarding/control"/>
-  </ds:schemaRefs>
-</ds:datastoreItem>
-</file>
-
-<file path=customXml/itemProps86.xml><?xml version="1.0" encoding="utf-8"?>
-<ds:datastoreItem xmlns:ds="http://schemas.openxmlformats.org/officeDocument/2006/customXml" ds:itemID="{1385A12B-3268-439F-9072-3675960722A0}">
-  <ds:schemaRefs>
-    <ds:schemaRef ds:uri="http://schemas.microsoft.com/VisualStudio/2011/storyboarding/control"/>
-  </ds:schemaRefs>
-</ds:datastoreItem>
-</file>
-
-<file path=customXml/itemProps87.xml><?xml version="1.0" encoding="utf-8"?>
-<ds:datastoreItem xmlns:ds="http://schemas.openxmlformats.org/officeDocument/2006/customXml" ds:itemID="{27F36B52-6CF6-4397-BA43-A73A144A114D}">
-  <ds:schemaRefs>
-    <ds:schemaRef ds:uri="http://schemas.microsoft.com/VisualStudio/2011/storyboarding/control"/>
-  </ds:schemaRefs>
-</ds:datastoreItem>
-</file>
-
-<file path=customXml/itemProps88.xml><?xml version="1.0" encoding="utf-8"?>
-<ds:datastoreItem xmlns:ds="http://schemas.openxmlformats.org/officeDocument/2006/customXml" ds:itemID="{3B662B4F-B2FC-4E6D-8431-BEA711EB6822}">
-  <ds:schemaRefs>
-    <ds:schemaRef ds:uri="http://schemas.microsoft.com/VisualStudio/2011/storyboarding/control"/>
-  </ds:schemaRefs>
-</ds:datastoreItem>
-</file>
-
-<file path=customXml/itemProps89.xml><?xml version="1.0" encoding="utf-8"?>
-<ds:datastoreItem xmlns:ds="http://schemas.openxmlformats.org/officeDocument/2006/customXml" ds:itemID="{60CD00D4-06F4-4726-B57E-7BCF272D766B}">
-  <ds:schemaRefs>
-    <ds:schemaRef ds:uri="http://schemas.microsoft.com/VisualStudio/2011/storyboarding/control"/>
-  </ds:schemaRefs>
-</ds:datastoreItem>
-</file>
-
-<file path=customXml/itemProps9.xml><?xml version="1.0" encoding="utf-8"?>
-<ds:datastoreItem xmlns:ds="http://schemas.openxmlformats.org/officeDocument/2006/customXml" ds:itemID="{D245BE53-4D17-4313-9C28-1F775C81FB78}">
-  <ds:schemaRefs>
-    <ds:schemaRef ds:uri="http://schemas.microsoft.com/VisualStudio/2011/storyboarding/control"/>
-  </ds:schemaRefs>
-</ds:datastoreItem>
-</file>
-
-<file path=customXml/itemProps90.xml><?xml version="1.0" encoding="utf-8"?>
-<ds:datastoreItem xmlns:ds="http://schemas.openxmlformats.org/officeDocument/2006/customXml" ds:itemID="{0BCD61E9-5120-4E54-9BD8-022EF3C58F3B}">
-  <ds:schemaRefs>
-    <ds:schemaRef ds:uri="http://schemas.microsoft.com/VisualStudio/2011/storyboarding/control"/>
-  </ds:schemaRefs>
-</ds:datastoreItem>
-</file>
-
-<file path=customXml/itemProps91.xml><?xml version="1.0" encoding="utf-8"?>
-<ds:datastoreItem xmlns:ds="http://schemas.openxmlformats.org/officeDocument/2006/customXml" ds:itemID="{937FB4FC-C9EB-4D9C-9F32-E96E7F3B1C4B}">
-  <ds:schemaRefs>
-    <ds:schemaRef ds:uri="http://schemas.microsoft.com/VisualStudio/2011/storyboarding/control"/>
-  </ds:schemaRefs>
-</ds:datastoreItem>
-</file>
-
-<file path=customXml/itemProps92.xml><?xml version="1.0" encoding="utf-8"?>
-<ds:datastoreItem xmlns:ds="http://schemas.openxmlformats.org/officeDocument/2006/customXml" ds:itemID="{02E01893-8D39-4111-A2D3-E0F163968A1D}">
-  <ds:schemaRefs>
-    <ds:schemaRef ds:uri="http://schemas.microsoft.com/VisualStudio/2011/storyboarding/control"/>
-  </ds:schemaRefs>
-</ds:datastoreItem>
-</file>
-
-<file path=customXml/itemProps93.xml><?xml version="1.0" encoding="utf-8"?>
-<ds:datastoreItem xmlns:ds="http://schemas.openxmlformats.org/officeDocument/2006/customXml" ds:itemID="{D6494453-72AC-4CA0-8B11-435228DCD29A}">
-  <ds:schemaRefs>
-    <ds:schemaRef ds:uri="http://schemas.microsoft.com/VisualStudio/2011/storyboarding/control"/>
-  </ds:schemaRefs>
-</ds:datastoreItem>
-</file>
-
-<file path=customXml/itemProps94.xml><?xml version="1.0" encoding="utf-8"?>
-<ds:datastoreItem xmlns:ds="http://schemas.openxmlformats.org/officeDocument/2006/customXml" ds:itemID="{72940E18-39D5-4C2E-836B-6CC314289351}">
-  <ds:schemaRefs>
-    <ds:schemaRef ds:uri="http://schemas.microsoft.com/VisualStudio/2011/storyboarding/control"/>
-  </ds:schemaRefs>
-</ds:datastoreItem>
-</file>
-
-<file path=customXml/itemProps95.xml><?xml version="1.0" encoding="utf-8"?>
-<ds:datastoreItem xmlns:ds="http://schemas.openxmlformats.org/officeDocument/2006/customXml" ds:itemID="{A22EFC2A-528F-45A0-AA1F-DA1562892795}">
-  <ds:schemaRefs>
-    <ds:schemaRef ds:uri="http://schemas.microsoft.com/VisualStudio/2011/storyboarding/control"/>
-  </ds:schemaRefs>
-</ds:datastoreItem>
-</file>
-
-<file path=customXml/itemProps96.xml><?xml version="1.0" encoding="utf-8"?>
-<ds:datastoreItem xmlns:ds="http://schemas.openxmlformats.org/officeDocument/2006/customXml" ds:itemID="{5B4DEEEF-56CD-4567-970F-294D256A0B52}">
-  <ds:schemaRefs>
-    <ds:schemaRef ds:uri="http://schemas.microsoft.com/VisualStudio/2011/storyboarding/control"/>
-  </ds:schemaRefs>
-</ds:datastoreItem>
-</file>
-
-<file path=customXml/itemProps97.xml><?xml version="1.0" encoding="utf-8"?>
-<ds:datastoreItem xmlns:ds="http://schemas.openxmlformats.org/officeDocument/2006/customXml" ds:itemID="{8244B591-5D32-4A05-BA31-BC819616DFB7}">
-  <ds:schemaRefs>
-    <ds:schemaRef ds:uri="http://schemas.microsoft.com/VisualStudio/2011/storyboarding/control"/>
-  </ds:schemaRefs>
-</ds:datastoreItem>
-</file>
-
-<file path=customXml/itemProps98.xml><?xml version="1.0" encoding="utf-8"?>
-<ds:datastoreItem xmlns:ds="http://schemas.openxmlformats.org/officeDocument/2006/customXml" ds:itemID="{A4A084FE-200F-4432-B959-208AE0B5A953}">
-  <ds:schemaRefs>
-    <ds:schemaRef ds:uri="http://schemas.microsoft.com/VisualStudio/2011/storyboarding/control"/>
-  </ds:schemaRefs>
-</ds:datastoreItem>
-</file>
-
-<file path=customXml/itemProps99.xml><?xml version="1.0" encoding="utf-8"?>
-<ds:datastoreItem xmlns:ds="http://schemas.openxmlformats.org/officeDocument/2006/customXml" ds:itemID="{9BE44C23-4C8D-48E8-9A5B-EB6D7F66928E}">
-  <ds:schemaRefs>
-    <ds:schemaRef ds:uri="http://schemas.microsoft.com/VisualStudio/2011/storyboarding/control"/>
-  </ds:schemaRefs>
-</ds:datastoreItem>
 </file>
--- a/ProjetMaquettagePollBox.pptx
+++ b/ProjetMaquettagePollBox.pptx
@@ -4698,7 +4698,7 @@
           <a:p>
             <a:fld id="{4AAD347D-5ACD-4C99-B74B-A9C85AD731AF}" type="datetimeFigureOut">
               <a:rPr lang="en-US" smtClean="0"/>
-              <a:t>12/21/2017</a:t>
+              <a:t>12/22/2017</a:t>
             </a:fld>
             <a:endParaRPr lang="en-US" dirty="0"/>
           </a:p>
@@ -5003,7 +5003,7 @@
           <a:p>
             <a:fld id="{B0B5E32C-FA02-49D2-B77F-13FF1665287F}" type="datetimeFigureOut">
               <a:rPr lang="fr-FR" smtClean="0"/>
-              <a:t>21/12/2017</a:t>
+              <a:t>22/12/2017</a:t>
             </a:fld>
             <a:endParaRPr lang="fr-FR"/>
           </a:p>
@@ -5227,7 +5227,7 @@
           <a:p>
             <a:fld id="{B0B5E32C-FA02-49D2-B77F-13FF1665287F}" type="datetimeFigureOut">
               <a:rPr lang="fr-FR" smtClean="0"/>
-              <a:t>21/12/2017</a:t>
+              <a:t>22/12/2017</a:t>
             </a:fld>
             <a:endParaRPr lang="fr-FR"/>
           </a:p>
@@ -5533,7 +5533,7 @@
           <a:p>
             <a:fld id="{B0B5E32C-FA02-49D2-B77F-13FF1665287F}" type="datetimeFigureOut">
               <a:rPr lang="fr-FR" smtClean="0"/>
-              <a:t>21/12/2017</a:t>
+              <a:t>22/12/2017</a:t>
             </a:fld>
             <a:endParaRPr lang="fr-FR"/>
           </a:p>
@@ -5904,7 +5904,7 @@
           <a:p>
             <a:fld id="{B0B5E32C-FA02-49D2-B77F-13FF1665287F}" type="datetimeFigureOut">
               <a:rPr lang="fr-FR" smtClean="0"/>
-              <a:t>21/12/2017</a:t>
+              <a:t>22/12/2017</a:t>
             </a:fld>
             <a:endParaRPr lang="fr-FR"/>
           </a:p>
@@ -6577,7 +6577,7 @@
           <a:p>
             <a:fld id="{B0B5E32C-FA02-49D2-B77F-13FF1665287F}" type="datetimeFigureOut">
               <a:rPr lang="fr-FR" smtClean="0"/>
-              <a:t>21/12/2017</a:t>
+              <a:t>22/12/2017</a:t>
             </a:fld>
             <a:endParaRPr lang="fr-FR"/>
           </a:p>
@@ -7487,7 +7487,7 @@
           <a:p>
             <a:fld id="{B0B5E32C-FA02-49D2-B77F-13FF1665287F}" type="datetimeFigureOut">
               <a:rPr lang="fr-FR" smtClean="0"/>
-              <a:t>21/12/2017</a:t>
+              <a:t>22/12/2017</a:t>
             </a:fld>
             <a:endParaRPr lang="fr-FR"/>
           </a:p>
@@ -7697,7 +7697,7 @@
           <a:p>
             <a:fld id="{4509A250-FF31-4206-8172-F9D3106AACB1}" type="datetimeFigureOut">
               <a:rPr lang="en-US" smtClean="0"/>
-              <a:t>12/21/2017</a:t>
+              <a:t>12/22/2017</a:t>
             </a:fld>
             <a:endParaRPr lang="en-US" dirty="0"/>
           </a:p>
@@ -7907,7 +7907,7 @@
           <a:p>
             <a:fld id="{4509A250-FF31-4206-8172-F9D3106AACB1}" type="datetimeFigureOut">
               <a:rPr lang="en-US" smtClean="0"/>
-              <a:t>12/21/2017</a:t>
+              <a:t>12/22/2017</a:t>
             </a:fld>
             <a:endParaRPr lang="en-US" dirty="0"/>
           </a:p>
@@ -8177,7 +8177,7 @@
           <a:p>
             <a:fld id="{4509A250-FF31-4206-8172-F9D3106AACB1}" type="datetimeFigureOut">
               <a:rPr lang="en-US" smtClean="0"/>
-              <a:t>12/21/2017</a:t>
+              <a:t>12/22/2017</a:t>
             </a:fld>
             <a:endParaRPr lang="en-US" dirty="0"/>
           </a:p>
@@ -8514,7 +8514,7 @@
           <a:p>
             <a:fld id="{9796027F-7875-4030-9381-8BD8C4F21935}" type="datetimeFigureOut">
               <a:rPr lang="en-US" smtClean="0"/>
-              <a:t>12/21/2017</a:t>
+              <a:t>12/22/2017</a:t>
             </a:fld>
             <a:endParaRPr lang="en-US" dirty="0"/>
           </a:p>
@@ -8844,7 +8844,7 @@
           <a:p>
             <a:fld id="{9796027F-7875-4030-9381-8BD8C4F21935}" type="datetimeFigureOut">
               <a:rPr lang="en-US" smtClean="0"/>
-              <a:t>12/21/2017</a:t>
+              <a:t>12/22/2017</a:t>
             </a:fld>
             <a:endParaRPr lang="en-US" dirty="0"/>
           </a:p>
@@ -9332,7 +9332,7 @@
           <a:p>
             <a:fld id="{9796027F-7875-4030-9381-8BD8C4F21935}" type="datetimeFigureOut">
               <a:rPr lang="en-US" smtClean="0"/>
-              <a:t>12/21/2017</a:t>
+              <a:t>12/22/2017</a:t>
             </a:fld>
             <a:endParaRPr lang="en-US" dirty="0"/>
           </a:p>
@@ -9482,7 +9482,7 @@
           <a:p>
             <a:fld id="{4509A250-FF31-4206-8172-F9D3106AACB1}" type="datetimeFigureOut">
               <a:rPr lang="en-US" smtClean="0"/>
-              <a:t>12/21/2017</a:t>
+              <a:t>12/22/2017</a:t>
             </a:fld>
             <a:endParaRPr lang="en-US" dirty="0"/>
           </a:p>
@@ -9601,7 +9601,7 @@
           <a:p>
             <a:fld id="{4509A250-FF31-4206-8172-F9D3106AACB1}" type="datetimeFigureOut">
               <a:rPr lang="en-US" smtClean="0"/>
-              <a:t>12/21/2017</a:t>
+              <a:t>12/22/2017</a:t>
             </a:fld>
             <a:endParaRPr lang="en-US" dirty="0"/>
           </a:p>
@@ -9913,7 +9913,7 @@
           <a:p>
             <a:fld id="{4509A250-FF31-4206-8172-F9D3106AACB1}" type="datetimeFigureOut">
               <a:rPr lang="en-US" smtClean="0"/>
-              <a:t>12/21/2017</a:t>
+              <a:t>12/22/2017</a:t>
             </a:fld>
             <a:endParaRPr lang="en-US" dirty="0"/>
           </a:p>
@@ -10218,7 +10218,7 @@
           <a:p>
             <a:fld id="{4509A250-FF31-4206-8172-F9D3106AACB1}" type="datetimeFigureOut">
               <a:rPr lang="en-US" smtClean="0"/>
-              <a:t>12/21/2017</a:t>
+              <a:t>12/22/2017</a:t>
             </a:fld>
             <a:endParaRPr lang="en-US" dirty="0"/>
           </a:p>
@@ -15349,7 +15349,7 @@
           </a:prstGeom>
           <a:ln w="76200">
             <a:solidFill>
-              <a:srgbClr val="B01513"/>
+              <a:srgbClr val="FFC000"/>
             </a:solidFill>
           </a:ln>
         </p:spPr>
@@ -17014,7 +17014,7 @@
           </a:prstGeom>
           <a:ln w="76200">
             <a:solidFill>
-              <a:srgbClr val="B01513"/>
+              <a:srgbClr val="FFC000"/>
             </a:solidFill>
           </a:ln>
         </p:spPr>
@@ -30847,12 +30847,9 @@
             <a:avLst/>
           </a:prstGeom>
           <a:noFill/>
-          <a:ln w="3175">
+          <a:ln w="38100">
             <a:solidFill>
-              <a:schemeClr val="accent3">
-                <a:lumMod val="40000"/>
-                <a:lumOff val="60000"/>
-              </a:schemeClr>
+              <a:srgbClr val="FFC000"/>
             </a:solidFill>
           </a:ln>
           <a:effectLst/>
@@ -35069,7 +35066,7 @@
           </a:prstGeom>
           <a:ln w="76200">
             <a:solidFill>
-              <a:schemeClr val="accent1"/>
+              <a:srgbClr val="FFC000"/>
             </a:solidFill>
           </a:ln>
         </p:spPr>
@@ -36710,7 +36707,7 @@
           </a:prstGeom>
           <a:ln w="76200">
             <a:solidFill>
-              <a:srgbClr val="B01513"/>
+              <a:srgbClr val="FFC000"/>
             </a:solidFill>
           </a:ln>
         </p:spPr>
@@ -39310,9 +39307,9 @@
             <a:solidFill>
               <a:srgbClr val="FFFFFF"/>
             </a:solidFill>
-            <a:ln w="76200">
+            <a:ln w="28575">
               <a:solidFill>
-                <a:srgbClr val="B01513"/>
+                <a:srgbClr val="FFC000"/>
               </a:solidFill>
             </a:ln>
             <a:effectLst>
@@ -49229,13 +49226,13 @@
 
 <file path=customXml/item1.xml><?xml version="1.0" encoding="utf-8"?>
 <Control xmlns="http://schemas.microsoft.com/VisualStudio/2011/storyboarding/control">
-  <Id Name="System.Storyboarding.Common.TextInput" Revision="1" Stencil="System.Storyboarding.Common" StencilVersion="0.1"/>
+  <Id Name="System.Storyboarding.Common.Button" Revision="1" Stencil="System.Storyboarding.Common" StencilVersion="0.1"/>
 </Control>
 </file>
 
 <file path=customXml/item10.xml><?xml version="1.0" encoding="utf-8"?>
 <Control xmlns="http://schemas.microsoft.com/VisualStudio/2011/storyboarding/control">
-  <Id Name="System.Storyboarding.Common.Button" Revision="1" Stencil="System.Storyboarding.Common" StencilVersion="0.1"/>
+  <Id Name="System.Storyboarding.Icons.Warning" Revision="1" Stencil="System.Storyboarding.Icons" StencilVersion="0.1"/>
 </Control>
 </file>
 
@@ -49247,13 +49244,13 @@
 
 <file path=customXml/item101.xml><?xml version="1.0" encoding="utf-8"?>
 <Control xmlns="http://schemas.microsoft.com/VisualStudio/2011/storyboarding/control">
-  <Id Name="System.Storyboarding.Common.Button" Revision="1" Stencil="System.Storyboarding.Common" StencilVersion="0.1"/>
+  <Id Name="System.Storyboarding.Common.TextInput" Revision="1" Stencil="System.Storyboarding.Common" StencilVersion="0.1"/>
 </Control>
 </file>
 
 <file path=customXml/item102.xml><?xml version="1.0" encoding="utf-8"?>
 <Control xmlns="http://schemas.microsoft.com/VisualStudio/2011/storyboarding/control">
-  <Id Name="System.Storyboarding.Common.Button" Revision="1" Stencil="System.Storyboarding.Common" StencilVersion="0.1"/>
+  <Id Name="System.Storyboarding.Common.TextInput" Revision="1" Stencil="System.Storyboarding.Common" StencilVersion="0.1"/>
 </Control>
 </file>
 
@@ -49277,7 +49274,7 @@
 
 <file path=customXml/item106.xml><?xml version="1.0" encoding="utf-8"?>
 <Control xmlns="http://schemas.microsoft.com/VisualStudio/2011/storyboarding/control">
-  <Id Name="System.Storyboarding.Common.Button" Revision="1" Stencil="System.Storyboarding.Common" StencilVersion="0.1"/>
+  <Id Name="System.Storyboarding.Common.TextInput" Revision="1" Stencil="System.Storyboarding.Common" StencilVersion="0.1"/>
 </Control>
 </file>
 
@@ -49295,7 +49292,7 @@
 
 <file path=customXml/item109.xml><?xml version="1.0" encoding="utf-8"?>
 <Control xmlns="http://schemas.microsoft.com/VisualStudio/2011/storyboarding/control">
-  <Id Name="System.Storyboarding.Common.TextInput" Revision="1" Stencil="System.Storyboarding.Common" StencilVersion="0.1"/>
+  <Id Name="System.Storyboarding.Common.Button" Revision="1" Stencil="System.Storyboarding.Common" StencilVersion="0.1"/>
 </Control>
 </file>
 
@@ -49307,7 +49304,7 @@
 
 <file path=customXml/item110.xml><?xml version="1.0" encoding="utf-8"?>
 <Control xmlns="http://schemas.microsoft.com/VisualStudio/2011/storyboarding/control">
-  <Id Name="System.Storyboarding.Common.TextInput" Revision="1" Stencil="System.Storyboarding.Common" StencilVersion="0.1"/>
+  <Id Name="System.Storyboarding.Common.Button" Revision="1" Stencil="System.Storyboarding.Common" StencilVersion="0.1"/>
 </Control>
 </file>
 
@@ -49319,13 +49316,13 @@
 
 <file path=customXml/item112.xml><?xml version="1.0" encoding="utf-8"?>
 <Control xmlns="http://schemas.microsoft.com/VisualStudio/2011/storyboarding/control">
-  <Id Name="System.Storyboarding.Common.TextInput" Revision="1" Stencil="System.Storyboarding.Common" StencilVersion="0.1"/>
+  <Id Name="System.Storyboarding.Common.Button" Revision="1" Stencil="System.Storyboarding.Common" StencilVersion="0.1"/>
 </Control>
 </file>
 
 <file path=customXml/item113.xml><?xml version="1.0" encoding="utf-8"?>
 <Control xmlns="http://schemas.microsoft.com/VisualStudio/2011/storyboarding/control">
-  <Id Name="System.Storyboarding.Common.Button" Revision="1" Stencil="System.Storyboarding.Common" StencilVersion="0.1"/>
+  <Id Name="System.Storyboarding.Common.TextInput" Revision="1" Stencil="System.Storyboarding.Common" StencilVersion="0.1"/>
 </Control>
 </file>
 
@@ -49337,7 +49334,7 @@
 
 <file path=customXml/item115.xml><?xml version="1.0" encoding="utf-8"?>
 <Control xmlns="http://schemas.microsoft.com/VisualStudio/2011/storyboarding/control">
-  <Id Name="System.Storyboarding.Common.Button" Revision="1" Stencil="System.Storyboarding.Common" StencilVersion="0.1"/>
+  <Id Name="System.Storyboarding.Common.TextInput" Revision="1" Stencil="System.Storyboarding.Common" StencilVersion="0.1"/>
 </Control>
 </file>
 
@@ -49349,19 +49346,19 @@
 
 <file path=customXml/item117.xml><?xml version="1.0" encoding="utf-8"?>
 <Control xmlns="http://schemas.microsoft.com/VisualStudio/2011/storyboarding/control">
+  <Id Name="System.Storyboarding.Common.Button" Revision="1" Stencil="System.Storyboarding.Common" StencilVersion="0.1"/>
+</Control>
+</file>
+
+<file path=customXml/item118.xml><?xml version="1.0" encoding="utf-8"?>
+<Control xmlns="http://schemas.microsoft.com/VisualStudio/2011/storyboarding/control">
   <Id Name="System.Storyboarding.Common.TextInput" Revision="1" Stencil="System.Storyboarding.Common" StencilVersion="0.1"/>
 </Control>
 </file>
 
-<file path=customXml/item118.xml><?xml version="1.0" encoding="utf-8"?>
+<file path=customXml/item119.xml><?xml version="1.0" encoding="utf-8"?>
 <Control xmlns="http://schemas.microsoft.com/VisualStudio/2011/storyboarding/control">
   <Id Name="System.Storyboarding.Common.Button" Revision="1" Stencil="System.Storyboarding.Common" StencilVersion="0.1"/>
-</Control>
-</file>
-
-<file path=customXml/item119.xml><?xml version="1.0" encoding="utf-8"?>
-<Control xmlns="http://schemas.microsoft.com/VisualStudio/2011/storyboarding/control">
-  <Id Name="System.Storyboarding.Common.TextInput" Revision="1" Stencil="System.Storyboarding.Common" StencilVersion="0.1"/>
 </Control>
 </file>
 
@@ -49391,7 +49388,7 @@
 
 <file path=customXml/item123.xml><?xml version="1.0" encoding="utf-8"?>
 <Control xmlns="http://schemas.microsoft.com/VisualStudio/2011/storyboarding/control">
-  <Id Name="System.Storyboarding.Common.Hyperlink" Revision="1" Stencil="System.Storyboarding.Common" StencilVersion="0.1"/>
+  <Id Name="System.Storyboarding.Common.TextInput" Revision="1" Stencil="System.Storyboarding.Common" StencilVersion="0.1"/>
 </Control>
 </file>
 
@@ -49403,13 +49400,13 @@
 
 <file path=customXml/item125.xml><?xml version="1.0" encoding="utf-8"?>
 <Control xmlns="http://schemas.microsoft.com/VisualStudio/2011/storyboarding/control">
-  <Id Name="System.Storyboarding.Common.Button" Revision="1" Stencil="System.Storyboarding.Common" StencilVersion="0.1"/>
+  <Id Name="System.Storyboarding.Common.TextInput" Revision="1" Stencil="System.Storyboarding.Common" StencilVersion="0.1"/>
 </Control>
 </file>
 
 <file path=customXml/item126.xml><?xml version="1.0" encoding="utf-8"?>
 <Control xmlns="http://schemas.microsoft.com/VisualStudio/2011/storyboarding/control">
-  <Id Name="System.Storyboarding.Common.TextInput" Revision="1" Stencil="System.Storyboarding.Common" StencilVersion="0.1"/>
+  <Id Name="System.Storyboarding.Common.Button" Revision="1" Stencil="System.Storyboarding.Common" StencilVersion="0.1"/>
 </Control>
 </file>
 
@@ -49427,7 +49424,7 @@
 
 <file path=customXml/item129.xml><?xml version="1.0" encoding="utf-8"?>
 <Control xmlns="http://schemas.microsoft.com/VisualStudio/2011/storyboarding/control">
-  <Id Name="System.Storyboarding.Common.Button" Revision="1" Stencil="System.Storyboarding.Common" StencilVersion="0.1"/>
+  <Id Name="System.Storyboarding.Common.TextInput" Revision="1" Stencil="System.Storyboarding.Common" StencilVersion="0.1"/>
 </Control>
 </file>
 
@@ -49439,13 +49436,13 @@
 
 <file path=customXml/item130.xml><?xml version="1.0" encoding="utf-8"?>
 <Control xmlns="http://schemas.microsoft.com/VisualStudio/2011/storyboarding/control">
-  <Id Name="System.Storyboarding.Common.TextInput" Revision="1" Stencil="System.Storyboarding.Common" StencilVersion="0.1"/>
+  <Id Name="System.Storyboarding.Common.Button" Revision="1" Stencil="System.Storyboarding.Common" StencilVersion="0.1"/>
 </Control>
 </file>
 
 <file path=customXml/item131.xml><?xml version="1.0" encoding="utf-8"?>
 <Control xmlns="http://schemas.microsoft.com/VisualStudio/2011/storyboarding/control">
-  <Id Name="System.Storyboarding.Common.Button" Revision="1" Stencil="System.Storyboarding.Common" StencilVersion="0.1"/>
+  <Id Name="System.Storyboarding.Common.TextInput" Revision="1" Stencil="System.Storyboarding.Common" StencilVersion="0.1"/>
 </Control>
 </file>
 
@@ -49457,19 +49454,19 @@
 
 <file path=customXml/item133.xml><?xml version="1.0" encoding="utf-8"?>
 <Control xmlns="http://schemas.microsoft.com/VisualStudio/2011/storyboarding/control">
+  <Id Name="System.Storyboarding.Common.CheckBoxUnchecked" Revision="1" Stencil="System.Storyboarding.Common" StencilVersion="0.1"/>
+</Control>
+</file>
+
+<file path=customXml/item134.xml><?xml version="1.0" encoding="utf-8"?>
+<Control xmlns="http://schemas.microsoft.com/VisualStudio/2011/storyboarding/control">
   <Id Name="System.Storyboarding.Common.Button" Revision="1" Stencil="System.Storyboarding.Common" StencilVersion="0.1"/>
 </Control>
 </file>
 
-<file path=customXml/item134.xml><?xml version="1.0" encoding="utf-8"?>
-<Control xmlns="http://schemas.microsoft.com/VisualStudio/2011/storyboarding/control">
-  <Id Name="System.Storyboarding.Common.TextInput" Revision="1" Stencil="System.Storyboarding.Common" StencilVersion="0.1"/>
-</Control>
-</file>
-
 <file path=customXml/item135.xml><?xml version="1.0" encoding="utf-8"?>
 <Control xmlns="http://schemas.microsoft.com/VisualStudio/2011/storyboarding/control">
-  <Id Name="System.Storyboarding.Common.TextInput" Revision="1" Stencil="System.Storyboarding.Common" StencilVersion="0.1"/>
+  <Id Name="System.Storyboarding.Common.Button" Revision="1" Stencil="System.Storyboarding.Common" StencilVersion="0.1"/>
 </Control>
 </file>
 
@@ -49487,7 +49484,7 @@
 
 <file path=customXml/item138.xml><?xml version="1.0" encoding="utf-8"?>
 <Control xmlns="http://schemas.microsoft.com/VisualStudio/2011/storyboarding/control">
-  <Id Name="System.Storyboarding.Common.Button" Revision="1" Stencil="System.Storyboarding.Common" StencilVersion="0.1"/>
+  <Id Name="System.Storyboarding.Backgrounds.WebBrowser" Revision="1" Stencil="System.Storyboarding.Backgrounds" StencilVersion="0.1"/>
 </Control>
 </file>
 
@@ -49505,25 +49502,25 @@
 
 <file path=customXml/item140.xml><?xml version="1.0" encoding="utf-8"?>
 <Control xmlns="http://schemas.microsoft.com/VisualStudio/2011/storyboarding/control">
-  <Id Name="System.Storyboarding.Common.TextInput" Revision="1" Stencil="System.Storyboarding.Common" StencilVersion="0.1"/>
+  <Id Name="System.Storyboarding.Common.Button" Revision="1" Stencil="System.Storyboarding.Common" StencilVersion="0.1"/>
 </Control>
 </file>
 
 <file path=customXml/item141.xml><?xml version="1.0" encoding="utf-8"?>
 <Control xmlns="http://schemas.microsoft.com/VisualStudio/2011/storyboarding/control">
-  <Id Name="System.Storyboarding.Common.TextInput" Revision="1" Stencil="System.Storyboarding.Common" StencilVersion="0.1"/>
+  <Id Name="System.Storyboarding.Common.Button" Revision="1" Stencil="System.Storyboarding.Common" StencilVersion="0.1"/>
 </Control>
 </file>
 
 <file path=customXml/item142.xml><?xml version="1.0" encoding="utf-8"?>
 <Control xmlns="http://schemas.microsoft.com/VisualStudio/2011/storyboarding/control">
-  <Id Name="System.Storyboarding.Common.TextInput" Revision="1" Stencil="System.Storyboarding.Common" StencilVersion="0.1"/>
+  <Id Name="System.Storyboarding.Common.Button" Revision="1" Stencil="System.Storyboarding.Common" StencilVersion="0.1"/>
 </Control>
 </file>
 
 <file path=customXml/item143.xml><?xml version="1.0" encoding="utf-8"?>
 <Control xmlns="http://schemas.microsoft.com/VisualStudio/2011/storyboarding/control">
-  <Id Name="System.Storyboarding.Common.Button" Revision="1" Stencil="System.Storyboarding.Common" StencilVersion="0.1"/>
+  <Id Name="System.Storyboarding.Common.TextInput" Revision="1" Stencil="System.Storyboarding.Common" StencilVersion="0.1"/>
 </Control>
 </file>
 
@@ -49535,7 +49532,7 @@
 
 <file path=customXml/item145.xml><?xml version="1.0" encoding="utf-8"?>
 <Control xmlns="http://schemas.microsoft.com/VisualStudio/2011/storyboarding/control">
-  <Id Name="System.Storyboarding.Common.TextInput" Revision="1" Stencil="System.Storyboarding.Common" StencilVersion="0.1"/>
+  <Id Name="System.Storyboarding.Common.Button" Revision="1" Stencil="System.Storyboarding.Common" StencilVersion="0.1"/>
 </Control>
 </file>
 
@@ -49565,7 +49562,7 @@
 
 <file path=customXml/item15.xml><?xml version="1.0" encoding="utf-8"?>
 <Control xmlns="http://schemas.microsoft.com/VisualStudio/2011/storyboarding/control">
-  <Id Name="System.Storyboarding.Common.Button" Revision="1" Stencil="System.Storyboarding.Common" StencilVersion="0.1"/>
+  <Id Name="System.Storyboarding.Common.TextInput" Revision="1" Stencil="System.Storyboarding.Common" StencilVersion="0.1"/>
 </Control>
 </file>
 
@@ -49589,7 +49586,7 @@
 
 <file path=customXml/item153.xml><?xml version="1.0" encoding="utf-8"?>
 <Control xmlns="http://schemas.microsoft.com/VisualStudio/2011/storyboarding/control">
-  <Id Name="System.Storyboarding.Common.Button" Revision="1" Stencil="System.Storyboarding.Common" StencilVersion="0.1"/>
+  <Id Name="System.Storyboarding.Common.TextInput" Revision="1" Stencil="System.Storyboarding.Common" StencilVersion="0.1"/>
 </Control>
 </file>
 
@@ -49601,7 +49598,7 @@
 
 <file path=customXml/item155.xml><?xml version="1.0" encoding="utf-8"?>
 <Control xmlns="http://schemas.microsoft.com/VisualStudio/2011/storyboarding/control">
-  <Id Name="System.Storyboarding.WindowsDesktop.DialogBox" Revision="1" Stencil="System.Storyboarding.WindowsDesktop" StencilVersion="0.1"/>
+  <Id Name="System.Storyboarding.Common.Button" Revision="1" Stencil="System.Storyboarding.Common" StencilVersion="0.1"/>
 </Control>
 </file>
 
@@ -49613,7 +49610,7 @@
 
 <file path=customXml/item157.xml><?xml version="1.0" encoding="utf-8"?>
 <Control xmlns="http://schemas.microsoft.com/VisualStudio/2011/storyboarding/control">
-  <Id Name="System.Storyboarding.Icons.Warning" Revision="1" Stencil="System.Storyboarding.Icons" StencilVersion="0.1"/>
+  <Id Name="System.Storyboarding.Common.TextInput" Revision="1" Stencil="System.Storyboarding.Common" StencilVersion="0.1"/>
 </Control>
 </file>
 
@@ -49637,7 +49634,7 @@
 
 <file path=customXml/item160.xml><?xml version="1.0" encoding="utf-8"?>
 <Control xmlns="http://schemas.microsoft.com/VisualStudio/2011/storyboarding/control">
-  <Id Name="System.Storyboarding.Common.Button" Revision="1" Stencil="System.Storyboarding.Common" StencilVersion="0.1"/>
+  <Id Name="System.Storyboarding.Common.TextInput" Revision="1" Stencil="System.Storyboarding.Common" StencilVersion="0.1"/>
 </Control>
 </file>
 
@@ -49655,7 +49652,7 @@
 
 <file path=customXml/item163.xml><?xml version="1.0" encoding="utf-8"?>
 <Control xmlns="http://schemas.microsoft.com/VisualStudio/2011/storyboarding/control">
-  <Id Name="System.Storyboarding.Common.Button" Revision="1" Stencil="System.Storyboarding.Common" StencilVersion="0.1"/>
+  <Id Name="System.Storyboarding.Common.Hyperlink" Revision="1" Stencil="System.Storyboarding.Common" StencilVersion="0.1"/>
 </Control>
 </file>
 
@@ -49667,43 +49664,43 @@
 
 <file path=customXml/item165.xml><?xml version="1.0" encoding="utf-8"?>
 <Control xmlns="http://schemas.microsoft.com/VisualStudio/2011/storyboarding/control">
-  <Id Name="System.Storyboarding.Common.TextInput" Revision="1" Stencil="System.Storyboarding.Common" StencilVersion="0.1"/>
+  <Id Name="System.Storyboarding.Common.Button" Revision="1" Stencil="System.Storyboarding.Common" StencilVersion="0.1"/>
 </Control>
 </file>
 
 <file path=customXml/item166.xml><?xml version="1.0" encoding="utf-8"?>
+<Control xmlns="http://schemas.microsoft.com/VisualStudio/2011/storyboarding/control">
+  <Id Name="System.Storyboarding.Common.Button" Revision="1" Stencil="System.Storyboarding.Common" StencilVersion="0.1"/>
+</Control>
+</file>
+
+<file path=customXml/item167.xml><?xml version="1.0" encoding="utf-8"?>
+<Control xmlns="http://schemas.microsoft.com/VisualStudio/2011/storyboarding/control">
+  <Id Name="System.Storyboarding.Common.Button" Revision="1" Stencil="System.Storyboarding.Common" StencilVersion="0.1"/>
+</Control>
+</file>
+
+<file path=customXml/item168.xml><?xml version="1.0" encoding="utf-8"?>
 <Control xmlns="http://schemas.microsoft.com/VisualStudio/2011/storyboarding/control">
   <Id Name="System.Storyboarding.Common.TextInput" Revision="1" Stencil="System.Storyboarding.Common" StencilVersion="0.1"/>
 </Control>
 </file>
 
-<file path=customXml/item167.xml><?xml version="1.0" encoding="utf-8"?>
-<Control xmlns="http://schemas.microsoft.com/VisualStudio/2011/storyboarding/control">
-  <Id Name="System.Storyboarding.Common.TextInput" Revision="1" Stencil="System.Storyboarding.Common" StencilVersion="0.1"/>
-</Control>
-</file>
-
-<file path=customXml/item168.xml><?xml version="1.0" encoding="utf-8"?>
+<file path=customXml/item169.xml><?xml version="1.0" encoding="utf-8"?>
 <Control xmlns="http://schemas.microsoft.com/VisualStudio/2011/storyboarding/control">
   <Id Name="System.Storyboarding.Common.Button" Revision="1" Stencil="System.Storyboarding.Common" StencilVersion="0.1"/>
 </Control>
 </file>
 
-<file path=customXml/item169.xml><?xml version="1.0" encoding="utf-8"?>
-<Control xmlns="http://schemas.microsoft.com/VisualStudio/2011/storyboarding/control">
-  <Id Name="System.Storyboarding.Common.TextInput" Revision="1" Stencil="System.Storyboarding.Common" StencilVersion="0.1"/>
-</Control>
-</file>
-
 <file path=customXml/item17.xml><?xml version="1.0" encoding="utf-8"?>
 <Control xmlns="http://schemas.microsoft.com/VisualStudio/2011/storyboarding/control">
-  <Id Name="System.Storyboarding.Common.TextInput" Revision="1" Stencil="System.Storyboarding.Common" StencilVersion="0.1"/>
+  <Id Name="System.Storyboarding.Common.Button" Revision="1" Stencil="System.Storyboarding.Common" StencilVersion="0.1"/>
 </Control>
 </file>
 
 <file path=customXml/item170.xml><?xml version="1.0" encoding="utf-8"?>
 <Control xmlns="http://schemas.microsoft.com/VisualStudio/2011/storyboarding/control">
-  <Id Name="System.Storyboarding.Common.TextInput" Revision="1" Stencil="System.Storyboarding.Common" StencilVersion="0.1"/>
+  <Id Name="System.Storyboarding.Common.Button" Revision="1" Stencil="System.Storyboarding.Common" StencilVersion="0.1"/>
 </Control>
 </file>
 
@@ -49727,19 +49724,19 @@
 
 <file path=customXml/item174.xml><?xml version="1.0" encoding="utf-8"?>
 <Control xmlns="http://schemas.microsoft.com/VisualStudio/2011/storyboarding/control">
-  <Id Name="System.Storyboarding.Common.Button" Revision="1" Stencil="System.Storyboarding.Common" StencilVersion="0.1"/>
+  <Id Name="System.Storyboarding.Common.TextInput" Revision="1" Stencil="System.Storyboarding.Common" StencilVersion="0.1"/>
 </Control>
 </file>
 
 <file path=customXml/item175.xml><?xml version="1.0" encoding="utf-8"?>
 <Control xmlns="http://schemas.microsoft.com/VisualStudio/2011/storyboarding/control">
-  <Id Name="System.Storyboarding.Common.Button" Revision="1" Stencil="System.Storyboarding.Common" StencilVersion="0.1"/>
+  <Id Name="System.Storyboarding.Common.TextInput" Revision="1" Stencil="System.Storyboarding.Common" StencilVersion="0.1"/>
 </Control>
 </file>
 
 <file path=customXml/item176.xml><?xml version="1.0" encoding="utf-8"?>
 <Control xmlns="http://schemas.microsoft.com/VisualStudio/2011/storyboarding/control">
-  <Id Name="System.Storyboarding.Icons.Warning" Revision="1" Stencil="System.Storyboarding.Icons" StencilVersion="0.1"/>
+  <Id Name="System.Storyboarding.Common.Button" Revision="1" Stencil="System.Storyboarding.Common" StencilVersion="0.1"/>
 </Control>
 </file>
 
@@ -49751,13 +49748,13 @@
 
 <file path=customXml/item178.xml><?xml version="1.0" encoding="utf-8"?>
 <Control xmlns="http://schemas.microsoft.com/VisualStudio/2011/storyboarding/control">
-  <Id Name="System.Storyboarding.Common.TextInput" Revision="1" Stencil="System.Storyboarding.Common" StencilVersion="0.1"/>
+  <Id Name="System.Storyboarding.Common.Button" Revision="1" Stencil="System.Storyboarding.Common" StencilVersion="0.1"/>
 </Control>
 </file>
 
 <file path=customXml/item179.xml><?xml version="1.0" encoding="utf-8"?>
 <Control xmlns="http://schemas.microsoft.com/VisualStudio/2011/storyboarding/control">
-  <Id Name="System.Storyboarding.Common.Button" Revision="1" Stencil="System.Storyboarding.Common" StencilVersion="0.1"/>
+  <Id Name="System.Storyboarding.Common.TextInput" Revision="1" Stencil="System.Storyboarding.Common" StencilVersion="0.1"/>
 </Control>
 </file>
 
@@ -49775,13 +49772,13 @@
 
 <file path=customXml/item181.xml><?xml version="1.0" encoding="utf-8"?>
 <Control xmlns="http://schemas.microsoft.com/VisualStudio/2011/storyboarding/control">
-  <Id Name="System.Storyboarding.Common.Button" Revision="1" Stencil="System.Storyboarding.Common" StencilVersion="0.1"/>
+  <Id Name="System.Storyboarding.Common.CheckBoxChecked" Revision="1" Stencil="System.Storyboarding.Common" StencilVersion="0.1"/>
 </Control>
 </file>
 
 <file path=customXml/item182.xml><?xml version="1.0" encoding="utf-8"?>
 <Control xmlns="http://schemas.microsoft.com/VisualStudio/2011/storyboarding/control">
-  <Id Name="System.Storyboarding.Common.Button" Revision="1" Stencil="System.Storyboarding.Common" StencilVersion="0.1"/>
+  <Id Name="System.Storyboarding.Common.TextInput" Revision="1" Stencil="System.Storyboarding.Common" StencilVersion="0.1"/>
 </Control>
 </file>
 
@@ -49811,7 +49808,7 @@
 
 <file path=customXml/item187.xml><?xml version="1.0" encoding="utf-8"?>
 <Control xmlns="http://schemas.microsoft.com/VisualStudio/2011/storyboarding/control">
-  <Id Name="System.Storyboarding.Common.Button" Revision="1" Stencil="System.Storyboarding.Common" StencilVersion="0.1"/>
+  <Id Name="System.Storyboarding.Common.CheckBoxUnchecked" Revision="1" Stencil="System.Storyboarding.Common" StencilVersion="0.1"/>
 </Control>
 </file>
 
@@ -49823,19 +49820,19 @@
 
 <file path=customXml/item189.xml><?xml version="1.0" encoding="utf-8"?>
 <Control xmlns="http://schemas.microsoft.com/VisualStudio/2011/storyboarding/control">
-  <Id Name="System.Storyboarding.Common.Button" Revision="1" Stencil="System.Storyboarding.Common" StencilVersion="0.1"/>
+  <Id Name="System.Storyboarding.Common.TextInput" Revision="1" Stencil="System.Storyboarding.Common" StencilVersion="0.1"/>
 </Control>
 </file>
 
 <file path=customXml/item19.xml><?xml version="1.0" encoding="utf-8"?>
 <Control xmlns="http://schemas.microsoft.com/VisualStudio/2011/storyboarding/control">
-  <Id Name="System.Storyboarding.Common.Button" Revision="1" Stencil="System.Storyboarding.Common" StencilVersion="0.1"/>
+  <Id Name="System.Storyboarding.Common.TextInput" Revision="1" Stencil="System.Storyboarding.Common" StencilVersion="0.1"/>
 </Control>
 </file>
 
 <file path=customXml/item190.xml><?xml version="1.0" encoding="utf-8"?>
 <Control xmlns="http://schemas.microsoft.com/VisualStudio/2011/storyboarding/control">
-  <Id Name="System.Storyboarding.Common.Button" Revision="1" Stencil="System.Storyboarding.Common" StencilVersion="0.1"/>
+  <Id Name="System.Storyboarding.Common.TextInput" Revision="1" Stencil="System.Storyboarding.Common" StencilVersion="0.1"/>
 </Control>
 </file>
 
@@ -49847,13 +49844,13 @@
 
 <file path=customXml/item192.xml><?xml version="1.0" encoding="utf-8"?>
 <Control xmlns="http://schemas.microsoft.com/VisualStudio/2011/storyboarding/control">
-  <Id Name="System.Storyboarding.Common.Hyperlink" Revision="1" Stencil="System.Storyboarding.Common" StencilVersion="0.1"/>
+  <Id Name="System.Storyboarding.Common.Button" Revision="1" Stencil="System.Storyboarding.Common" StencilVersion="0.1"/>
 </Control>
 </file>
 
 <file path=customXml/item193.xml><?xml version="1.0" encoding="utf-8"?>
 <Control xmlns="http://schemas.microsoft.com/VisualStudio/2011/storyboarding/control">
-  <Id Name="System.Storyboarding.Common.Button" Revision="1" Stencil="System.Storyboarding.Common" StencilVersion="0.1"/>
+  <Id Name="System.Storyboarding.Common.TextInput" Revision="1" Stencil="System.Storyboarding.Common" StencilVersion="0.1"/>
 </Control>
 </file>
 
@@ -49865,19 +49862,19 @@
 
 <file path=customXml/item195.xml><?xml version="1.0" encoding="utf-8"?>
 <Control xmlns="http://schemas.microsoft.com/VisualStudio/2011/storyboarding/control">
-  <Id Name="System.Storyboarding.Backgrounds.WebBrowser" Revision="1" Stencil="System.Storyboarding.Backgrounds" StencilVersion="0.1"/>
+  <Id Name="System.Storyboarding.Common.Hyperlink" Revision="1" Stencil="System.Storyboarding.Common" StencilVersion="0.1"/>
 </Control>
 </file>
 
 <file path=customXml/item196.xml><?xml version="1.0" encoding="utf-8"?>
 <Control xmlns="http://schemas.microsoft.com/VisualStudio/2011/storyboarding/control">
-  <Id Name="System.Storyboarding.Common.CheckBoxChecked" Revision="1" Stencil="System.Storyboarding.Common" StencilVersion="0.1"/>
+  <Id Name="System.Storyboarding.Common.Button" Revision="1" Stencil="System.Storyboarding.Common" StencilVersion="0.1"/>
 </Control>
 </file>
 
 <file path=customXml/item197.xml><?xml version="1.0" encoding="utf-8"?>
 <Control xmlns="http://schemas.microsoft.com/VisualStudio/2011/storyboarding/control">
-  <Id Name="System.Storyboarding.Common.TextInput" Revision="1" Stencil="System.Storyboarding.Common" StencilVersion="0.1"/>
+  <Id Name="System.Storyboarding.Common.Button" Revision="1" Stencil="System.Storyboarding.Common" StencilVersion="0.1"/>
 </Control>
 </file>
 
@@ -49901,43 +49898,43 @@
 
 <file path=customXml/item20.xml><?xml version="1.0" encoding="utf-8"?>
 <Control xmlns="http://schemas.microsoft.com/VisualStudio/2011/storyboarding/control">
+  <Id Name="System.Storyboarding.Common.Hyperlink" Revision="1" Stencil="System.Storyboarding.Common" StencilVersion="0.1"/>
+</Control>
+</file>
+
+<file path=customXml/item200.xml><?xml version="1.0" encoding="utf-8"?>
+<Control xmlns="http://schemas.microsoft.com/VisualStudio/2011/storyboarding/control">
   <Id Name="System.Storyboarding.Common.Button" Revision="1" Stencil="System.Storyboarding.Common" StencilVersion="0.1"/>
 </Control>
 </file>
 
-<file path=customXml/item200.xml><?xml version="1.0" encoding="utf-8"?>
+<file path=customXml/item201.xml><?xml version="1.0" encoding="utf-8"?>
+<Control xmlns="http://schemas.microsoft.com/VisualStudio/2011/storyboarding/control">
+  <Id Name="System.Storyboarding.Common.Button" Revision="1" Stencil="System.Storyboarding.Common" StencilVersion="0.1"/>
+</Control>
+</file>
+
+<file path=customXml/item202.xml><?xml version="1.0" encoding="utf-8"?>
 <Control xmlns="http://schemas.microsoft.com/VisualStudio/2011/storyboarding/control">
   <Id Name="System.Storyboarding.Common.TextInput" Revision="1" Stencil="System.Storyboarding.Common" StencilVersion="0.1"/>
 </Control>
 </file>
 
-<file path=customXml/item201.xml><?xml version="1.0" encoding="utf-8"?>
+<file path=customXml/item203.xml><?xml version="1.0" encoding="utf-8"?>
 <Control xmlns="http://schemas.microsoft.com/VisualStudio/2011/storyboarding/control">
   <Id Name="System.Storyboarding.Common.TextInput" Revision="1" Stencil="System.Storyboarding.Common" StencilVersion="0.1"/>
 </Control>
 </file>
 
-<file path=customXml/item202.xml><?xml version="1.0" encoding="utf-8"?>
+<file path=customXml/item204.xml><?xml version="1.0" encoding="utf-8"?>
 <Control xmlns="http://schemas.microsoft.com/VisualStudio/2011/storyboarding/control">
   <Id Name="System.Storyboarding.Common.Button" Revision="1" Stencil="System.Storyboarding.Common" StencilVersion="0.1"/>
 </Control>
 </file>
 
-<file path=customXml/item203.xml><?xml version="1.0" encoding="utf-8"?>
+<file path=customXml/item205.xml><?xml version="1.0" encoding="utf-8"?>
 <Control xmlns="http://schemas.microsoft.com/VisualStudio/2011/storyboarding/control">
   <Id Name="System.Storyboarding.Common.Button" Revision="1" Stencil="System.Storyboarding.Common" StencilVersion="0.1"/>
-</Control>
-</file>
-
-<file path=customXml/item204.xml><?xml version="1.0" encoding="utf-8"?>
-<Control xmlns="http://schemas.microsoft.com/VisualStudio/2011/storyboarding/control">
-  <Id Name="System.Storyboarding.Common.TextInput" Revision="1" Stencil="System.Storyboarding.Common" StencilVersion="0.1"/>
-</Control>
-</file>
-
-<file path=customXml/item205.xml><?xml version="1.0" encoding="utf-8"?>
-<Control xmlns="http://schemas.microsoft.com/VisualStudio/2011/storyboarding/control">
-  <Id Name="System.Storyboarding.Common.TextInput" Revision="1" Stencil="System.Storyboarding.Common" StencilVersion="0.1"/>
 </Control>
 </file>
 
@@ -49967,13 +49964,13 @@
 
 <file path=customXml/item21.xml><?xml version="1.0" encoding="utf-8"?>
 <Control xmlns="http://schemas.microsoft.com/VisualStudio/2011/storyboarding/control">
-  <Id Name="System.Storyboarding.Common.Button" Revision="1" Stencil="System.Storyboarding.Common" StencilVersion="0.1"/>
+  <Id Name="System.Storyboarding.Common.TextInput" Revision="1" Stencil="System.Storyboarding.Common" StencilVersion="0.1"/>
 </Control>
 </file>
 
 <file path=customXml/item210.xml><?xml version="1.0" encoding="utf-8"?>
 <Control xmlns="http://schemas.microsoft.com/VisualStudio/2011/storyboarding/control">
-  <Id Name="System.Storyboarding.Common.Hyperlink" Revision="1" Stencil="System.Storyboarding.Common" StencilVersion="0.1"/>
+  <Id Name="System.Storyboarding.Common.TextInput" Revision="1" Stencil="System.Storyboarding.Common" StencilVersion="0.1"/>
 </Control>
 </file>
 
@@ -49985,13 +49982,13 @@
 
 <file path=customXml/item212.xml><?xml version="1.0" encoding="utf-8"?>
 <Control xmlns="http://schemas.microsoft.com/VisualStudio/2011/storyboarding/control">
-  <Id Name="System.Storyboarding.Common.Button" Revision="1" Stencil="System.Storyboarding.Common" StencilVersion="0.1"/>
+  <Id Name="System.Storyboarding.Common.TextInput" Revision="1" Stencil="System.Storyboarding.Common" StencilVersion="0.1"/>
 </Control>
 </file>
 
 <file path=customXml/item213.xml><?xml version="1.0" encoding="utf-8"?>
 <Control xmlns="http://schemas.microsoft.com/VisualStudio/2011/storyboarding/control">
-  <Id Name="System.Storyboarding.Icons.Warning" Revision="1" Stencil="System.Storyboarding.Icons" StencilVersion="0.1"/>
+  <Id Name="System.Storyboarding.Common.Button" Revision="1" Stencil="System.Storyboarding.Common" StencilVersion="0.1"/>
 </Control>
 </file>
 
@@ -50009,25 +50006,25 @@
 
 <file path=customXml/item216.xml><?xml version="1.0" encoding="utf-8"?>
 <Control xmlns="http://schemas.microsoft.com/VisualStudio/2011/storyboarding/control">
+  <Id Name="System.Storyboarding.Common.TextInput" Revision="1" Stencil="System.Storyboarding.Common" StencilVersion="0.1"/>
+</Control>
+</file>
+
+<file path=customXml/item217.xml><?xml version="1.0" encoding="utf-8"?>
+<Control xmlns="http://schemas.microsoft.com/VisualStudio/2011/storyboarding/control">
   <Id Name="System.Storyboarding.Common.Button" Revision="1" Stencil="System.Storyboarding.Common" StencilVersion="0.1"/>
 </Control>
 </file>
 
-<file path=customXml/item217.xml><?xml version="1.0" encoding="utf-8"?>
-<Control xmlns="http://schemas.microsoft.com/VisualStudio/2011/storyboarding/control">
-  <Id Name="System.Storyboarding.Common.TextInput" Revision="1" Stencil="System.Storyboarding.Common" StencilVersion="0.1"/>
-</Control>
-</file>
-
 <file path=customXml/item218.xml><?xml version="1.0" encoding="utf-8"?>
 <Control xmlns="http://schemas.microsoft.com/VisualStudio/2011/storyboarding/control">
-  <Id Name="System.Storyboarding.Common.TextInput" Revision="1" Stencil="System.Storyboarding.Common" StencilVersion="0.1"/>
+  <Id Name="System.Storyboarding.WindowsDesktop.DialogBox" Revision="1" Stencil="System.Storyboarding.WindowsDesktop" StencilVersion="0.1"/>
 </Control>
 </file>
 
 <file path=customXml/item219.xml><?xml version="1.0" encoding="utf-8"?>
 <Control xmlns="http://schemas.microsoft.com/VisualStudio/2011/storyboarding/control">
-  <Id Name="System.Storyboarding.Common.Button" Revision="1" Stencil="System.Storyboarding.Common" StencilVersion="0.1"/>
+  <Id Name="System.Storyboarding.Icons.Warning" Revision="1" Stencil="System.Storyboarding.Icons" StencilVersion="0.1"/>
 </Control>
 </file>
 
@@ -50063,7 +50060,7 @@
 
 <file path=customXml/item224.xml><?xml version="1.0" encoding="utf-8"?>
 <Control xmlns="http://schemas.microsoft.com/VisualStudio/2011/storyboarding/control">
-  <Id Name="System.Storyboarding.Common.TextInput" Revision="1" Stencil="System.Storyboarding.Common" StencilVersion="0.1"/>
+  <Id Name="System.Storyboarding.Common.Button" Revision="1" Stencil="System.Storyboarding.Common" StencilVersion="0.1"/>
 </Control>
 </file>
 
@@ -50081,13 +50078,13 @@
 
 <file path=customXml/item227.xml><?xml version="1.0" encoding="utf-8"?>
 <Control xmlns="http://schemas.microsoft.com/VisualStudio/2011/storyboarding/control">
-  <Id Name="System.Storyboarding.Common.TextInput" Revision="1" Stencil="System.Storyboarding.Common" StencilVersion="0.1"/>
+  <Id Name="System.Storyboarding.Common.Button" Revision="1" Stencil="System.Storyboarding.Common" StencilVersion="0.1"/>
 </Control>
 </file>
 
 <file path=customXml/item228.xml><?xml version="1.0" encoding="utf-8"?>
 <Control xmlns="http://schemas.microsoft.com/VisualStudio/2011/storyboarding/control">
-  <Id Name="System.Storyboarding.Common.CheckBoxUnchecked" Revision="1" Stencil="System.Storyboarding.Common" StencilVersion="0.1"/>
+  <Id Name="System.Storyboarding.Common.Button" Revision="1" Stencil="System.Storyboarding.Common" StencilVersion="0.1"/>
 </Control>
 </file>
 
@@ -50111,13 +50108,13 @@
 
 <file path=customXml/item231.xml><?xml version="1.0" encoding="utf-8"?>
 <Control xmlns="http://schemas.microsoft.com/VisualStudio/2011/storyboarding/control">
-  <Id Name="System.Storyboarding.Common.Button" Revision="1" Stencil="System.Storyboarding.Common" StencilVersion="0.1"/>
+  <Id Name="System.Storyboarding.Common.TextInput" Revision="1" Stencil="System.Storyboarding.Common" StencilVersion="0.1"/>
 </Control>
 </file>
 
 <file path=customXml/item232.xml><?xml version="1.0" encoding="utf-8"?>
 <Control xmlns="http://schemas.microsoft.com/VisualStudio/2011/storyboarding/control">
-  <Id Name="System.Storyboarding.Common.TextInput" Revision="1" Stencil="System.Storyboarding.Common" StencilVersion="0.1"/>
+  <Id Name="System.Storyboarding.Common.Button" Revision="1" Stencil="System.Storyboarding.Common" StencilVersion="0.1"/>
 </Control>
 </file>
 
@@ -50129,19 +50126,19 @@
 
 <file path=customXml/item234.xml><?xml version="1.0" encoding="utf-8"?>
 <Control xmlns="http://schemas.microsoft.com/VisualStudio/2011/storyboarding/control">
-  <Id Name="System.Storyboarding.Common.CheckBoxUnchecked" Revision="1" Stencil="System.Storyboarding.Common" StencilVersion="0.1"/>
+  <Id Name="System.Storyboarding.Common.TextInput" Revision="1" Stencil="System.Storyboarding.Common" StencilVersion="0.1"/>
 </Control>
 </file>
 
 <file path=customXml/item235.xml><?xml version="1.0" encoding="utf-8"?>
 <Control xmlns="http://schemas.microsoft.com/VisualStudio/2011/storyboarding/control">
-  <Id Name="System.Storyboarding.Common.Button" Revision="1" Stencil="System.Storyboarding.Common" StencilVersion="0.1"/>
+  <Id Name="System.Storyboarding.Common.TextInput" Revision="1" Stencil="System.Storyboarding.Common" StencilVersion="0.1"/>
 </Control>
 </file>
 
 <file path=customXml/item236.xml><?xml version="1.0" encoding="utf-8"?>
 <Control xmlns="http://schemas.microsoft.com/VisualStudio/2011/storyboarding/control">
-  <Id Name="System.Storyboarding.Common.Button" Revision="1" Stencil="System.Storyboarding.Common" StencilVersion="0.1"/>
+  <Id Name="System.Storyboarding.Common.TextInput" Revision="1" Stencil="System.Storyboarding.Common" StencilVersion="0.1"/>
 </Control>
 </file>
 
@@ -50153,7 +50150,7 @@
 
 <file path=customXml/item238.xml><?xml version="1.0" encoding="utf-8"?>
 <Control xmlns="http://schemas.microsoft.com/VisualStudio/2011/storyboarding/control">
-  <Id Name="System.Storyboarding.Common.Button" Revision="1" Stencil="System.Storyboarding.Common" StencilVersion="0.1"/>
+  <Id Name="System.Storyboarding.Common.TextInput" Revision="1" Stencil="System.Storyboarding.Common" StencilVersion="0.1"/>
 </Control>
 </file>
 
@@ -50171,25 +50168,25 @@
 
 <file path=customXml/item240.xml><?xml version="1.0" encoding="utf-8"?>
 <Control xmlns="http://schemas.microsoft.com/VisualStudio/2011/storyboarding/control">
+  <Id Name="System.Storyboarding.Common.Button" Revision="1" Stencil="System.Storyboarding.Common" StencilVersion="0.1"/>
+</Control>
+</file>
+
+<file path=customXml/item241.xml><?xml version="1.0" encoding="utf-8"?>
+<Control xmlns="http://schemas.microsoft.com/VisualStudio/2011/storyboarding/control">
   <Id Name="System.Storyboarding.Common.TextInput" Revision="1" Stencil="System.Storyboarding.Common" StencilVersion="0.1"/>
 </Control>
 </file>
 
-<file path=customXml/item241.xml><?xml version="1.0" encoding="utf-8"?>
+<file path=customXml/item242.xml><?xml version="1.0" encoding="utf-8"?>
 <Control xmlns="http://schemas.microsoft.com/VisualStudio/2011/storyboarding/control">
   <Id Name="System.Storyboarding.Common.Button" Revision="1" Stencil="System.Storyboarding.Common" StencilVersion="0.1"/>
 </Control>
 </file>
 
-<file path=customXml/item242.xml><?xml version="1.0" encoding="utf-8"?>
-<Control xmlns="http://schemas.microsoft.com/VisualStudio/2011/storyboarding/control">
-  <Id Name="System.Storyboarding.Common.CheckBoxUnchecked" Revision="1" Stencil="System.Storyboarding.Common" StencilVersion="0.1"/>
-</Control>
-</file>
-
 <file path=customXml/item243.xml><?xml version="1.0" encoding="utf-8"?>
 <Control xmlns="http://schemas.microsoft.com/VisualStudio/2011/storyboarding/control">
-  <Id Name="System.Storyboarding.Common.Button" Revision="1" Stencil="System.Storyboarding.Common" StencilVersion="0.1"/>
+  <Id Name="System.Storyboarding.Icons.Warning" Revision="1" Stencil="System.Storyboarding.Icons" StencilVersion="0.1"/>
 </Control>
 </file>
 
@@ -50201,7 +50198,7 @@
 
 <file path=customXml/item245.xml><?xml version="1.0" encoding="utf-8"?>
 <Control xmlns="http://schemas.microsoft.com/VisualStudio/2011/storyboarding/control">
-  <Id Name="System.Storyboarding.Common.TextInput" Revision="1" Stencil="System.Storyboarding.Common" StencilVersion="0.1"/>
+  <Id Name="System.Storyboarding.Common.Button" Revision="1" Stencil="System.Storyboarding.Common" StencilVersion="0.1"/>
 </Control>
 </file>
 
@@ -50243,7 +50240,7 @@
 
 <file path=customXml/item251.xml><?xml version="1.0" encoding="utf-8"?>
 <Control xmlns="http://schemas.microsoft.com/VisualStudio/2011/storyboarding/control">
-  <Id Name="System.Storyboarding.Common.TextInput" Revision="1" Stencil="System.Storyboarding.Common" StencilVersion="0.1"/>
+  <Id Name="System.Storyboarding.Common.Button" Revision="1" Stencil="System.Storyboarding.Common" StencilVersion="0.1"/>
 </Control>
 </file>
 
@@ -50255,7 +50252,7 @@
 
 <file path=customXml/item253.xml><?xml version="1.0" encoding="utf-8"?>
 <Control xmlns="http://schemas.microsoft.com/VisualStudio/2011/storyboarding/control">
-  <Id Name="System.Storyboarding.Common.Button" Revision="1" Stencil="System.Storyboarding.Common" StencilVersion="0.1"/>
+  <Id Name="System.Storyboarding.Common.TextInput" Revision="1" Stencil="System.Storyboarding.Common" StencilVersion="0.1"/>
 </Control>
 </file>
 
@@ -50279,19 +50276,19 @@
 
 <file path=customXml/item257.xml><?xml version="1.0" encoding="utf-8"?>
 <Control xmlns="http://schemas.microsoft.com/VisualStudio/2011/storyboarding/control">
+  <Id Name="System.Storyboarding.Common.Button" Revision="1" Stencil="System.Storyboarding.Common" StencilVersion="0.1"/>
+</Control>
+</file>
+
+<file path=customXml/item258.xml><?xml version="1.0" encoding="utf-8"?>
+<Control xmlns="http://schemas.microsoft.com/VisualStudio/2011/storyboarding/control">
   <Id Name="System.Storyboarding.Common.TextInput" Revision="1" Stencil="System.Storyboarding.Common" StencilVersion="0.1"/>
 </Control>
 </file>
 
-<file path=customXml/item258.xml><?xml version="1.0" encoding="utf-8"?>
+<file path=customXml/item259.xml><?xml version="1.0" encoding="utf-8"?>
 <Control xmlns="http://schemas.microsoft.com/VisualStudio/2011/storyboarding/control">
   <Id Name="System.Storyboarding.Common.Button" Revision="1" Stencil="System.Storyboarding.Common" StencilVersion="0.1"/>
-</Control>
-</file>
-
-<file path=customXml/item259.xml><?xml version="1.0" encoding="utf-8"?>
-<Control xmlns="http://schemas.microsoft.com/VisualStudio/2011/storyboarding/control">
-  <Id Name="System.Storyboarding.Common.TextInput" Revision="1" Stencil="System.Storyboarding.Common" StencilVersion="0.1"/>
 </Control>
 </file>
 
@@ -50303,7 +50300,7 @@
 
 <file path=customXml/item260.xml><?xml version="1.0" encoding="utf-8"?>
 <Control xmlns="http://schemas.microsoft.com/VisualStudio/2011/storyboarding/control">
-  <Id Name="System.Storyboarding.Common.TextInput" Revision="1" Stencil="System.Storyboarding.Common" StencilVersion="0.1"/>
+  <Id Name="System.Storyboarding.Common.Button" Revision="1" Stencil="System.Storyboarding.Common" StencilVersion="0.1"/>
 </Control>
 </file>
 
@@ -50315,7 +50312,7 @@
 
 <file path=customXml/item262.xml><?xml version="1.0" encoding="utf-8"?>
 <Control xmlns="http://schemas.microsoft.com/VisualStudio/2011/storyboarding/control">
-  <Id Name="System.Storyboarding.Common.TextInput" Revision="1" Stencil="System.Storyboarding.Common" StencilVersion="0.1"/>
+  <Id Name="System.Storyboarding.Common.Button" Revision="1" Stencil="System.Storyboarding.Common" StencilVersion="0.1"/>
 </Control>
 </file>
 
@@ -50327,7 +50324,7 @@
 
 <file path=customXml/item264.xml><?xml version="1.0" encoding="utf-8"?>
 <Control xmlns="http://schemas.microsoft.com/VisualStudio/2011/storyboarding/control">
-  <Id Name="System.Storyboarding.Common.Button" Revision="1" Stencil="System.Storyboarding.Common" StencilVersion="0.1"/>
+  <Id Name="System.Storyboarding.Icons.Warning" Revision="1" Stencil="System.Storyboarding.Icons" StencilVersion="0.1"/>
 </Control>
 </file>
 
@@ -50345,7 +50342,7 @@
 
 <file path=customXml/item267.xml><?xml version="1.0" encoding="utf-8"?>
 <Control xmlns="http://schemas.microsoft.com/VisualStudio/2011/storyboarding/control">
-  <Id Name="System.Storyboarding.Common.TextInput" Revision="1" Stencil="System.Storyboarding.Common" StencilVersion="0.1"/>
+  <Id Name="System.Storyboarding.Common.Button" Revision="1" Stencil="System.Storyboarding.Common" StencilVersion="0.1"/>
 </Control>
 </file>
 
@@ -50357,7 +50354,7 @@
 
 <file path=customXml/item269.xml><?xml version="1.0" encoding="utf-8"?>
 <Control xmlns="http://schemas.microsoft.com/VisualStudio/2011/storyboarding/control">
-  <Id Name="System.Storyboarding.Icons.Warning" Revision="1" Stencil="System.Storyboarding.Icons" StencilVersion="0.1"/>
+  <Id Name="System.Storyboarding.Common.TextInput" Revision="1" Stencil="System.Storyboarding.Common" StencilVersion="0.1"/>
 </Control>
 </file>
 
@@ -50369,7 +50366,7 @@
 
 <file path=customXml/item270.xml><?xml version="1.0" encoding="utf-8"?>
 <Control xmlns="http://schemas.microsoft.com/VisualStudio/2011/storyboarding/control">
-  <Id Name="System.Storyboarding.Common.Button" Revision="1" Stencil="System.Storyboarding.Common" StencilVersion="0.1"/>
+  <Id Name="System.Storyboarding.Common.TextInput" Revision="1" Stencil="System.Storyboarding.Common" StencilVersion="0.1"/>
 </Control>
 </file>
 
@@ -50381,7 +50378,7 @@
 
 <file path=customXml/item272.xml><?xml version="1.0" encoding="utf-8"?>
 <Control xmlns="http://schemas.microsoft.com/VisualStudio/2011/storyboarding/control">
-  <Id Name="System.Storyboarding.Common.Button" Revision="1" Stencil="System.Storyboarding.Common" StencilVersion="0.1"/>
+  <Id Name="System.Storyboarding.Common.CheckBoxUnchecked" Revision="1" Stencil="System.Storyboarding.Common" StencilVersion="0.1"/>
 </Control>
 </file>
 
@@ -50399,25 +50396,25 @@
 
 <file path=customXml/item275.xml><?xml version="1.0" encoding="utf-8"?>
 <Control xmlns="http://schemas.microsoft.com/VisualStudio/2011/storyboarding/control">
-  <Id Name="System.Storyboarding.Common.TextInput" Revision="1" Stencil="System.Storyboarding.Common" StencilVersion="0.1"/>
+  <Id Name="System.Storyboarding.Common.Button" Revision="1" Stencil="System.Storyboarding.Common" StencilVersion="0.1"/>
 </Control>
 </file>
 
 <file path=customXml/item276.xml><?xml version="1.0" encoding="utf-8"?>
+<Control xmlns="http://schemas.microsoft.com/VisualStudio/2011/storyboarding/control">
+  <Id Name="System.Storyboarding.Common.Button" Revision="1" Stencil="System.Storyboarding.Common" StencilVersion="0.1"/>
+</Control>
+</file>
+
+<file path=customXml/item277.xml><?xml version="1.0" encoding="utf-8"?>
 <Control xmlns="http://schemas.microsoft.com/VisualStudio/2011/storyboarding/control">
   <Id Name="System.Storyboarding.Common.TextInput" Revision="1" Stencil="System.Storyboarding.Common" StencilVersion="0.1"/>
 </Control>
 </file>
 
-<file path=customXml/item277.xml><?xml version="1.0" encoding="utf-8"?>
+<file path=customXml/item278.xml><?xml version="1.0" encoding="utf-8"?>
 <Control xmlns="http://schemas.microsoft.com/VisualStudio/2011/storyboarding/control">
   <Id Name="System.Storyboarding.Common.Button" Revision="1" Stencil="System.Storyboarding.Common" StencilVersion="0.1"/>
-</Control>
-</file>
-
-<file path=customXml/item278.xml><?xml version="1.0" encoding="utf-8"?>
-<Control xmlns="http://schemas.microsoft.com/VisualStudio/2011/storyboarding/control">
-  <Id Name="System.Storyboarding.Common.TextInput" Revision="1" Stencil="System.Storyboarding.Common" StencilVersion="0.1"/>
 </Control>
 </file>
 
@@ -50429,13 +50426,13 @@
 
 <file path=customXml/item28.xml><?xml version="1.0" encoding="utf-8"?>
 <Control xmlns="http://schemas.microsoft.com/VisualStudio/2011/storyboarding/control">
-  <Id Name="System.Storyboarding.Common.Button" Revision="1" Stencil="System.Storyboarding.Common" StencilVersion="0.1"/>
+  <Id Name="System.Storyboarding.Common.TextInput" Revision="1" Stencil="System.Storyboarding.Common" StencilVersion="0.1"/>
 </Control>
 </file>
 
 <file path=customXml/item280.xml><?xml version="1.0" encoding="utf-8"?>
 <Control xmlns="http://schemas.microsoft.com/VisualStudio/2011/storyboarding/control">
-  <Id Name="System.Storyboarding.Common.Button" Revision="1" Stencil="System.Storyboarding.Common" StencilVersion="0.1"/>
+  <Id Name="System.Storyboarding.Common.TextInput" Revision="1" Stencil="System.Storyboarding.Common" StencilVersion="0.1"/>
 </Control>
 </file>
 
@@ -50459,7 +50456,7 @@
 
 <file path=customXml/item284.xml><?xml version="1.0" encoding="utf-8"?>
 <Control xmlns="http://schemas.microsoft.com/VisualStudio/2011/storyboarding/control">
-  <Id Name="System.Storyboarding.Common.TextInput" Revision="1" Stencil="System.Storyboarding.Common" StencilVersion="0.1"/>
+  <Id Name="System.Storyboarding.Common.Button" Revision="1" Stencil="System.Storyboarding.Common" StencilVersion="0.1"/>
 </Control>
 </file>
 
@@ -50471,31 +50468,31 @@
 
 <file path=customXml/item286.xml><?xml version="1.0" encoding="utf-8"?>
 <Control xmlns="http://schemas.microsoft.com/VisualStudio/2011/storyboarding/control">
+  <Id Name="System.Storyboarding.Common.Button" Revision="1" Stencil="System.Storyboarding.Common" StencilVersion="0.1"/>
+</Control>
+</file>
+
+<file path=customXml/item287.xml><?xml version="1.0" encoding="utf-8"?>
+<Control xmlns="http://schemas.microsoft.com/VisualStudio/2011/storyboarding/control">
+  <Id Name="System.Storyboarding.Icons.Warning" Revision="1" Stencil="System.Storyboarding.Icons" StencilVersion="0.1"/>
+</Control>
+</file>
+
+<file path=customXml/item288.xml><?xml version="1.0" encoding="utf-8"?>
+<Control xmlns="http://schemas.microsoft.com/VisualStudio/2011/storyboarding/control">
   <Id Name="System.Storyboarding.Common.CheckBoxUnchecked" Revision="1" Stencil="System.Storyboarding.Common" StencilVersion="0.1"/>
 </Control>
 </file>
 
-<file path=customXml/item287.xml><?xml version="1.0" encoding="utf-8"?>
+<file path=customXml/item289.xml><?xml version="1.0" encoding="utf-8"?>
 <Control xmlns="http://schemas.microsoft.com/VisualStudio/2011/storyboarding/control">
   <Id Name="System.Storyboarding.Common.Button" Revision="1" Stencil="System.Storyboarding.Common" StencilVersion="0.1"/>
 </Control>
 </file>
 
-<file path=customXml/item288.xml><?xml version="1.0" encoding="utf-8"?>
+<file path=customXml/item29.xml><?xml version="1.0" encoding="utf-8"?>
 <Control xmlns="http://schemas.microsoft.com/VisualStudio/2011/storyboarding/control">
   <Id Name="System.Storyboarding.Common.TextInput" Revision="1" Stencil="System.Storyboarding.Common" StencilVersion="0.1"/>
-</Control>
-</file>
-
-<file path=customXml/item289.xml><?xml version="1.0" encoding="utf-8"?>
-<Control xmlns="http://schemas.microsoft.com/VisualStudio/2011/storyboarding/control">
-  <Id Name="System.Storyboarding.Common.TextInput" Revision="1" Stencil="System.Storyboarding.Common" StencilVersion="0.1"/>
-</Control>
-</file>
-
-<file path=customXml/item29.xml><?xml version="1.0" encoding="utf-8"?>
-<Control xmlns="http://schemas.microsoft.com/VisualStudio/2011/storyboarding/control">
-  <Id Name="System.Storyboarding.Common.Button" Revision="1" Stencil="System.Storyboarding.Common" StencilVersion="0.1"/>
 </Control>
 </file>
 
@@ -50507,25 +50504,25 @@
 
 <file path=customXml/item291.xml><?xml version="1.0" encoding="utf-8"?>
 <Control xmlns="http://schemas.microsoft.com/VisualStudio/2011/storyboarding/control">
-  <Id Name="System.Storyboarding.Common.Button" Revision="1" Stencil="System.Storyboarding.Common" StencilVersion="0.1"/>
+  <Id Name="System.Storyboarding.Common.TextInput" Revision="1" Stencil="System.Storyboarding.Common" StencilVersion="0.1"/>
 </Control>
 </file>
 
 <file path=customXml/item292.xml><?xml version="1.0" encoding="utf-8"?>
+<Control xmlns="http://schemas.microsoft.com/VisualStudio/2011/storyboarding/control">
+  <Id Name="System.Storyboarding.Common.TextInput" Revision="1" Stencil="System.Storyboarding.Common" StencilVersion="0.1"/>
+</Control>
+</file>
+
+<file path=customXml/item293.xml><?xml version="1.0" encoding="utf-8"?>
 <Control xmlns="http://schemas.microsoft.com/VisualStudio/2011/storyboarding/control">
   <Id Name="System.Storyboarding.Common.Button" Revision="1" Stencil="System.Storyboarding.Common" StencilVersion="0.1"/>
 </Control>
 </file>
 
-<file path=customXml/item293.xml><?xml version="1.0" encoding="utf-8"?>
+<file path=customXml/item294.xml><?xml version="1.0" encoding="utf-8"?>
 <Control xmlns="http://schemas.microsoft.com/VisualStudio/2011/storyboarding/control">
   <Id Name="System.Storyboarding.Common.TextInput" Revision="1" Stencil="System.Storyboarding.Common" StencilVersion="0.1"/>
-</Control>
-</file>
-
-<file path=customXml/item294.xml><?xml version="1.0" encoding="utf-8"?>
-<Control xmlns="http://schemas.microsoft.com/VisualStudio/2011/storyboarding/control">
-  <Id Name="System.Storyboarding.Common.Button" Revision="1" Stencil="System.Storyboarding.Common" StencilVersion="0.1"/>
 </Control>
 </file>
 
@@ -50543,7 +50540,7 @@
 
 <file path=customXml/item297.xml><?xml version="1.0" encoding="utf-8"?>
 <Control xmlns="http://schemas.microsoft.com/VisualStudio/2011/storyboarding/control">
-  <Id Name="System.Storyboarding.Common.Button" Revision="1" Stencil="System.Storyboarding.Common" StencilVersion="0.1"/>
+  <Id Name="System.Storyboarding.Icons.Warning" Revision="1" Stencil="System.Storyboarding.Icons" StencilVersion="0.1"/>
 </Control>
 </file>
 
@@ -50591,19 +50588,19 @@
 
 <file path=customXml/item303.xml><?xml version="1.0" encoding="utf-8"?>
 <Control xmlns="http://schemas.microsoft.com/VisualStudio/2011/storyboarding/control">
-  <Id Name="System.Storyboarding.Common.TextInput" Revision="1" Stencil="System.Storyboarding.Common" StencilVersion="0.1"/>
+  <Id Name="System.Storyboarding.Common.Button" Revision="1" Stencil="System.Storyboarding.Common" StencilVersion="0.1"/>
 </Control>
 </file>
 
 <file path=customXml/item304.xml><?xml version="1.0" encoding="utf-8"?>
 <Control xmlns="http://schemas.microsoft.com/VisualStudio/2011/storyboarding/control">
-  <Id Name="System.Storyboarding.Common.TextInput" Revision="1" Stencil="System.Storyboarding.Common" StencilVersion="0.1"/>
+  <Id Name="System.Storyboarding.Common.Button" Revision="1" Stencil="System.Storyboarding.Common" StencilVersion="0.1"/>
 </Control>
 </file>
 
 <file path=customXml/item305.xml><?xml version="1.0" encoding="utf-8"?>
 <Control xmlns="http://schemas.microsoft.com/VisualStudio/2011/storyboarding/control">
-  <Id Name="System.Storyboarding.Common.Button" Revision="1" Stencil="System.Storyboarding.Common" StencilVersion="0.1"/>
+  <Id Name="System.Storyboarding.Common.TextInput" Revision="1" Stencil="System.Storyboarding.Common" StencilVersion="0.1"/>
 </Control>
 </file>
 
@@ -50645,7 +50642,7 @@
 
 <file path=customXml/item311.xml><?xml version="1.0" encoding="utf-8"?>
 <Control xmlns="http://schemas.microsoft.com/VisualStudio/2011/storyboarding/control">
-  <Id Name="System.Storyboarding.Common.TextInput" Revision="1" Stencil="System.Storyboarding.Common" StencilVersion="0.1"/>
+  <Id Name="System.Storyboarding.Common.Button" Revision="1" Stencil="System.Storyboarding.Common" StencilVersion="0.1"/>
 </Control>
 </file>
 
@@ -50663,13 +50660,13 @@
 
 <file path=customXml/item314.xml><?xml version="1.0" encoding="utf-8"?>
 <Control xmlns="http://schemas.microsoft.com/VisualStudio/2011/storyboarding/control">
-  <Id Name="System.Storyboarding.Common.TextInput" Revision="1" Stencil="System.Storyboarding.Common" StencilVersion="0.1"/>
+  <Id Name="System.Storyboarding.Common.Button" Revision="1" Stencil="System.Storyboarding.Common" StencilVersion="0.1"/>
 </Control>
 </file>
 
 <file path=customXml/item315.xml><?xml version="1.0" encoding="utf-8"?>
 <Control xmlns="http://schemas.microsoft.com/VisualStudio/2011/storyboarding/control">
-  <Id Name="System.Storyboarding.Common.Button" Revision="1" Stencil="System.Storyboarding.Common" StencilVersion="0.1"/>
+  <Id Name="System.Storyboarding.Common.TextInput" Revision="1" Stencil="System.Storyboarding.Common" StencilVersion="0.1"/>
 </Control>
 </file>
 
@@ -50687,13 +50684,13 @@
 
 <file path=customXml/item318.xml><?xml version="1.0" encoding="utf-8"?>
 <Control xmlns="http://schemas.microsoft.com/VisualStudio/2011/storyboarding/control">
-  <Id Name="System.Storyboarding.Common.TextInput" Revision="1" Stencil="System.Storyboarding.Common" StencilVersion="0.1"/>
+  <Id Name="System.Storyboarding.Common.Button" Revision="1" Stencil="System.Storyboarding.Common" StencilVersion="0.1"/>
 </Control>
 </file>
 
 <file path=customXml/item319.xml><?xml version="1.0" encoding="utf-8"?>
 <Control xmlns="http://schemas.microsoft.com/VisualStudio/2011/storyboarding/control">
-  <Id Name="System.Storyboarding.Common.TextInput" Revision="1" Stencil="System.Storyboarding.Common" StencilVersion="0.1"/>
+  <Id Name="System.Storyboarding.Common.Button" Revision="1" Stencil="System.Storyboarding.Common" StencilVersion="0.1"/>
 </Control>
 </file>
 
@@ -50705,43 +50702,43 @@
 
 <file path=customXml/item320.xml><?xml version="1.0" encoding="utf-8"?>
 <Control xmlns="http://schemas.microsoft.com/VisualStudio/2011/storyboarding/control">
+  <Id Name="System.Storyboarding.Common.Button" Revision="1" Stencil="System.Storyboarding.Common" StencilVersion="0.1"/>
+</Control>
+</file>
+
+<file path=customXml/item321.xml><?xml version="1.0" encoding="utf-8"?>
+<Control xmlns="http://schemas.microsoft.com/VisualStudio/2011/storyboarding/control">
   <Id Name="System.Storyboarding.Common.TextInput" Revision="1" Stencil="System.Storyboarding.Common" StencilVersion="0.1"/>
 </Control>
 </file>
 
-<file path=customXml/item321.xml><?xml version="1.0" encoding="utf-8"?>
+<file path=customXml/item322.xml><?xml version="1.0" encoding="utf-8"?>
 <Control xmlns="http://schemas.microsoft.com/VisualStudio/2011/storyboarding/control">
   <Id Name="System.Storyboarding.Common.Button" Revision="1" Stencil="System.Storyboarding.Common" StencilVersion="0.1"/>
 </Control>
 </file>
 
-<file path=customXml/item322.xml><?xml version="1.0" encoding="utf-8"?>
+<file path=customXml/item323.xml><?xml version="1.0" encoding="utf-8"?>
+<Control xmlns="http://schemas.microsoft.com/VisualStudio/2011/storyboarding/control">
+  <Id Name="System.Storyboarding.Common.Button" Revision="1" Stencil="System.Storyboarding.Common" StencilVersion="0.1"/>
+</Control>
+</file>
+
+<file path=customXml/item324.xml><?xml version="1.0" encoding="utf-8"?>
 <Control xmlns="http://schemas.microsoft.com/VisualStudio/2011/storyboarding/control">
   <Id Name="System.Storyboarding.Common.TextInput" Revision="1" Stencil="System.Storyboarding.Common" StencilVersion="0.1"/>
 </Control>
 </file>
 
-<file path=customXml/item323.xml><?xml version="1.0" encoding="utf-8"?>
-<Control xmlns="http://schemas.microsoft.com/VisualStudio/2011/storyboarding/control">
-  <Id Name="System.Storyboarding.Common.TextInput" Revision="1" Stencil="System.Storyboarding.Common" StencilVersion="0.1"/>
-</Control>
-</file>
-
-<file path=customXml/item324.xml><?xml version="1.0" encoding="utf-8"?>
+<file path=customXml/item325.xml><?xml version="1.0" encoding="utf-8"?>
 <Control xmlns="http://schemas.microsoft.com/VisualStudio/2011/storyboarding/control">
   <Id Name="System.Storyboarding.Common.Button" Revision="1" Stencil="System.Storyboarding.Common" StencilVersion="0.1"/>
 </Control>
 </file>
 
-<file path=customXml/item325.xml><?xml version="1.0" encoding="utf-8"?>
-<Control xmlns="http://schemas.microsoft.com/VisualStudio/2011/storyboarding/control">
-  <Id Name="System.Storyboarding.Common.TextInput" Revision="1" Stencil="System.Storyboarding.Common" StencilVersion="0.1"/>
-</Control>
-</file>
-
 <file path=customXml/item326.xml><?xml version="1.0" encoding="utf-8"?>
 <Control xmlns="http://schemas.microsoft.com/VisualStudio/2011/storyboarding/control">
-  <Id Name="System.Storyboarding.Common.TextInput" Revision="1" Stencil="System.Storyboarding.Common" StencilVersion="0.1"/>
+  <Id Name="System.Storyboarding.Common.Button" Revision="1" Stencil="System.Storyboarding.Common" StencilVersion="0.1"/>
 </Control>
 </file>
 
@@ -50753,19 +50750,19 @@
 
 <file path=customXml/item328.xml><?xml version="1.0" encoding="utf-8"?>
 <Control xmlns="http://schemas.microsoft.com/VisualStudio/2011/storyboarding/control">
-  <Id Name="System.Storyboarding.Common.TextInput" Revision="1" Stencil="System.Storyboarding.Common" StencilVersion="0.1"/>
+  <Id Name="System.Storyboarding.Common.Button" Revision="1" Stencil="System.Storyboarding.Common" StencilVersion="0.1"/>
 </Control>
 </file>
 
 <file path=customXml/item329.xml><?xml version="1.0" encoding="utf-8"?>
 <Control xmlns="http://schemas.microsoft.com/VisualStudio/2011/storyboarding/control">
-  <Id Name="System.Storyboarding.Common.TextInput" Revision="1" Stencil="System.Storyboarding.Common" StencilVersion="0.1"/>
+  <Id Name="System.Storyboarding.Common.Button" Revision="1" Stencil="System.Storyboarding.Common" StencilVersion="0.1"/>
 </Control>
 </file>
 
 <file path=customXml/item33.xml><?xml version="1.0" encoding="utf-8"?>
 <Control xmlns="http://schemas.microsoft.com/VisualStudio/2011/storyboarding/control">
-  <Id Name="System.Storyboarding.Common.TextInput" Revision="1" Stencil="System.Storyboarding.Common" StencilVersion="0.1"/>
+  <Id Name="System.Storyboarding.Common.Button" Revision="1" Stencil="System.Storyboarding.Common" StencilVersion="0.1"/>
 </Control>
 </file>
 
@@ -50777,31 +50774,31 @@
 
 <file path=customXml/item331.xml><?xml version="1.0" encoding="utf-8"?>
 <Control xmlns="http://schemas.microsoft.com/VisualStudio/2011/storyboarding/control">
-  <Id Name="System.Storyboarding.Common.TextInput" Revision="1" Stencil="System.Storyboarding.Common" StencilVersion="0.1"/>
+  <Id Name="System.Storyboarding.Common.Button" Revision="1" Stencil="System.Storyboarding.Common" StencilVersion="0.1"/>
 </Control>
 </file>
 
 <file path=customXml/item332.xml><?xml version="1.0" encoding="utf-8"?>
+<Control xmlns="http://schemas.microsoft.com/VisualStudio/2011/storyboarding/control">
+  <Id Name="System.Storyboarding.Common.Button" Revision="1" Stencil="System.Storyboarding.Common" StencilVersion="0.1"/>
+</Control>
+</file>
+
+<file path=customXml/item333.xml><?xml version="1.0" encoding="utf-8"?>
 <Control xmlns="http://schemas.microsoft.com/VisualStudio/2011/storyboarding/control">
   <Id Name="System.Storyboarding.Common.TextInput" Revision="1" Stencil="System.Storyboarding.Common" StencilVersion="0.1"/>
 </Control>
 </file>
 
-<file path=customXml/item333.xml><?xml version="1.0" encoding="utf-8"?>
-<Control xmlns="http://schemas.microsoft.com/VisualStudio/2011/storyboarding/control">
-  <Id Name="System.Storyboarding.Common.Button" Revision="1" Stencil="System.Storyboarding.Common" StencilVersion="0.1"/>
-</Control>
-</file>
-
 <file path=customXml/item334.xml><?xml version="1.0" encoding="utf-8"?>
 <Control xmlns="http://schemas.microsoft.com/VisualStudio/2011/storyboarding/control">
-  <Id Name="System.Storyboarding.Common.Button" Revision="1" Stencil="System.Storyboarding.Common" StencilVersion="0.1"/>
+  <Id Name="System.Storyboarding.Common.TextInput" Revision="1" Stencil="System.Storyboarding.Common" StencilVersion="0.1"/>
 </Control>
 </file>
 
 <file path=customXml/item335.xml><?xml version="1.0" encoding="utf-8"?>
 <Control xmlns="http://schemas.microsoft.com/VisualStudio/2011/storyboarding/control">
-  <Id Name="System.Storyboarding.Common.Button" Revision="1" Stencil="System.Storyboarding.Common" StencilVersion="0.1"/>
+  <Id Name="System.Storyboarding.Common.TextInput" Revision="1" Stencil="System.Storyboarding.Common" StencilVersion="0.1"/>
 </Control>
 </file>
 
@@ -50825,7 +50822,7 @@
 
 <file path=customXml/item339.xml><?xml version="1.0" encoding="utf-8"?>
 <Control xmlns="http://schemas.microsoft.com/VisualStudio/2011/storyboarding/control">
-  <Id Name="System.Storyboarding.Common.Button" Revision="1" Stencil="System.Storyboarding.Common" StencilVersion="0.1"/>
+  <Id Name="System.Storyboarding.Common.TextInput" Revision="1" Stencil="System.Storyboarding.Common" StencilVersion="0.1"/>
 </Control>
 </file>
 
@@ -50837,7 +50834,7 @@
 
 <file path=customXml/item340.xml><?xml version="1.0" encoding="utf-8"?>
 <Control xmlns="http://schemas.microsoft.com/VisualStudio/2011/storyboarding/control">
-  <Id Name="System.Storyboarding.Common.TextInput" Revision="1" Stencil="System.Storyboarding.Common" StencilVersion="0.1"/>
+  <Id Name="System.Storyboarding.Icons.Warning" Revision="1" Stencil="System.Storyboarding.Icons" StencilVersion="0.1"/>
 </Control>
 </file>
 
@@ -50849,7 +50846,7 @@
 
 <file path=customXml/item342.xml><?xml version="1.0" encoding="utf-8"?>
 <Control xmlns="http://schemas.microsoft.com/VisualStudio/2011/storyboarding/control">
-  <Id Name="System.Storyboarding.Common.Button" Revision="1" Stencil="System.Storyboarding.Common" StencilVersion="0.1"/>
+  <Id Name="System.Storyboarding.Common.TextInput" Revision="1" Stencil="System.Storyboarding.Common" StencilVersion="0.1"/>
 </Control>
 </file>
 
@@ -50861,25 +50858,25 @@
 
 <file path=customXml/item344.xml><?xml version="1.0" encoding="utf-8"?>
 <Control xmlns="http://schemas.microsoft.com/VisualStudio/2011/storyboarding/control">
-  <Id Name="System.Storyboarding.Icons.Warning" Revision="1" Stencil="System.Storyboarding.Icons" StencilVersion="0.1"/>
+  <Id Name="System.Storyboarding.Common.Button" Revision="1" Stencil="System.Storyboarding.Common" StencilVersion="0.1"/>
 </Control>
 </file>
 
 <file path=customXml/item345.xml><?xml version="1.0" encoding="utf-8"?>
 <Control xmlns="http://schemas.microsoft.com/VisualStudio/2011/storyboarding/control">
-  <Id Name="System.Storyboarding.Common.TextInput" Revision="1" Stencil="System.Storyboarding.Common" StencilVersion="0.1"/>
+  <Id Name="System.Storyboarding.Common.Button" Revision="1" Stencil="System.Storyboarding.Common" StencilVersion="0.1"/>
 </Control>
 </file>
 
 <file path=customXml/item346.xml><?xml version="1.0" encoding="utf-8"?>
 <Control xmlns="http://schemas.microsoft.com/VisualStudio/2011/storyboarding/control">
-  <Id Name="System.Storyboarding.Common.TextInput" Revision="1" Stencil="System.Storyboarding.Common" StencilVersion="0.1"/>
+  <Id Name="System.Storyboarding.Common.Button" Revision="1" Stencil="System.Storyboarding.Common" StencilVersion="0.1"/>
 </Control>
 </file>
 
 <file path=customXml/item347.xml><?xml version="1.0" encoding="utf-8"?>
 <Control xmlns="http://schemas.microsoft.com/VisualStudio/2011/storyboarding/control">
-  <Id Name="System.Storyboarding.Common.TextInput" Revision="1" Stencil="System.Storyboarding.Common" StencilVersion="0.1"/>
+  <Id Name="System.Storyboarding.Common.Button" Revision="1" Stencil="System.Storyboarding.Common" StencilVersion="0.1"/>
 </Control>
 </file>
 
@@ -50891,55 +50888,55 @@
 
 <file path=customXml/item349.xml><?xml version="1.0" encoding="utf-8"?>
 <Control xmlns="http://schemas.microsoft.com/VisualStudio/2011/storyboarding/control">
+  <Id Name="System.Storyboarding.Common.TextInput" Revision="1" Stencil="System.Storyboarding.Common" StencilVersion="0.1"/>
+</Control>
+</file>
+
+<file path=customXml/item35.xml><?xml version="1.0" encoding="utf-8"?>
+<Control xmlns="http://schemas.microsoft.com/VisualStudio/2011/storyboarding/control">
   <Id Name="System.Storyboarding.Common.Button" Revision="1" Stencil="System.Storyboarding.Common" StencilVersion="0.1"/>
 </Control>
 </file>
 
-<file path=customXml/item35.xml><?xml version="1.0" encoding="utf-8"?>
+<file path=customXml/item350.xml><?xml version="1.0" encoding="utf-8"?>
 <Control xmlns="http://schemas.microsoft.com/VisualStudio/2011/storyboarding/control">
   <Id Name="System.Storyboarding.Common.TextInput" Revision="1" Stencil="System.Storyboarding.Common" StencilVersion="0.1"/>
 </Control>
 </file>
 
-<file path=customXml/item350.xml><?xml version="1.0" encoding="utf-8"?>
+<file path=customXml/item351.xml><?xml version="1.0" encoding="utf-8"?>
+<Control xmlns="http://schemas.microsoft.com/VisualStudio/2011/storyboarding/control">
+  <Id Name="System.Storyboarding.Common.TextInput" Revision="1" Stencil="System.Storyboarding.Common" StencilVersion="0.1"/>
+</Control>
+</file>
+
+<file path=customXml/item352.xml><?xml version="1.0" encoding="utf-8"?>
+<Control xmlns="http://schemas.microsoft.com/VisualStudio/2011/storyboarding/control">
+  <Id Name="System.Storyboarding.Common.TextInput" Revision="1" Stencil="System.Storyboarding.Common" StencilVersion="0.1"/>
+</Control>
+</file>
+
+<file path=customXml/item353.xml><?xml version="1.0" encoding="utf-8"?>
+<Control xmlns="http://schemas.microsoft.com/VisualStudio/2011/storyboarding/control">
+  <Id Name="System.Storyboarding.Common.TextInput" Revision="1" Stencil="System.Storyboarding.Common" StencilVersion="0.1"/>
+</Control>
+</file>
+
+<file path=customXml/item354.xml><?xml version="1.0" encoding="utf-8"?>
 <Control xmlns="http://schemas.microsoft.com/VisualStudio/2011/storyboarding/control">
   <Id Name="System.Storyboarding.Common.Button" Revision="1" Stencil="System.Storyboarding.Common" StencilVersion="0.1"/>
 </Control>
 </file>
 
-<file path=customXml/item351.xml><?xml version="1.0" encoding="utf-8"?>
+<file path=customXml/item355.xml><?xml version="1.0" encoding="utf-8"?>
 <Control xmlns="http://schemas.microsoft.com/VisualStudio/2011/storyboarding/control">
   <Id Name="System.Storyboarding.Common.Button" Revision="1" Stencil="System.Storyboarding.Common" StencilVersion="0.1"/>
 </Control>
 </file>
 
-<file path=customXml/item352.xml><?xml version="1.0" encoding="utf-8"?>
-<Control xmlns="http://schemas.microsoft.com/VisualStudio/2011/storyboarding/control">
-  <Id Name="System.Storyboarding.Common.Button" Revision="1" Stencil="System.Storyboarding.Common" StencilVersion="0.1"/>
-</Control>
-</file>
-
-<file path=customXml/item353.xml><?xml version="1.0" encoding="utf-8"?>
-<Control xmlns="http://schemas.microsoft.com/VisualStudio/2011/storyboarding/control">
-  <Id Name="System.Storyboarding.Common.Button" Revision="1" Stencil="System.Storyboarding.Common" StencilVersion="0.1"/>
-</Control>
-</file>
-
-<file path=customXml/item354.xml><?xml version="1.0" encoding="utf-8"?>
+<file path=customXml/item356.xml><?xml version="1.0" encoding="utf-8"?>
 <Control xmlns="http://schemas.microsoft.com/VisualStudio/2011/storyboarding/control">
   <Id Name="System.Storyboarding.Common.TextInput" Revision="1" Stencil="System.Storyboarding.Common" StencilVersion="0.1"/>
-</Control>
-</file>
-
-<file path=customXml/item355.xml><?xml version="1.0" encoding="utf-8"?>
-<Control xmlns="http://schemas.microsoft.com/VisualStudio/2011/storyboarding/control">
-  <Id Name="System.Storyboarding.Common.TextInput" Revision="1" Stencil="System.Storyboarding.Common" StencilVersion="0.1"/>
-</Control>
-</file>
-
-<file path=customXml/item356.xml><?xml version="1.0" encoding="utf-8"?>
-<Control xmlns="http://schemas.microsoft.com/VisualStudio/2011/storyboarding/control">
-  <Id Name="System.Storyboarding.Common.TextArea" Revision="1" Stencil="System.Storyboarding.Common" StencilVersion="0.1"/>
 </Control>
 </file>
 
@@ -50957,7 +50954,7 @@
 
 <file path=customXml/item359.xml><?xml version="1.0" encoding="utf-8"?>
 <Control xmlns="http://schemas.microsoft.com/VisualStudio/2011/storyboarding/control">
-  <Id Name="System.Storyboarding.Common.Button" Revision="1" Stencil="System.Storyboarding.Common" StencilVersion="0.1"/>
+  <Id Name="System.Storyboarding.Common.TextInput" Revision="1" Stencil="System.Storyboarding.Common" StencilVersion="0.1"/>
 </Control>
 </file>
 
@@ -50981,19 +50978,19 @@
 
 <file path=customXml/item362.xml><?xml version="1.0" encoding="utf-8"?>
 <Control xmlns="http://schemas.microsoft.com/VisualStudio/2011/storyboarding/control">
-  <Id Name="System.Storyboarding.Common.Button" Revision="1" Stencil="System.Storyboarding.Common" StencilVersion="0.1"/>
+  <Id Name="System.Storyboarding.Common.TextInput" Revision="1" Stencil="System.Storyboarding.Common" StencilVersion="0.1"/>
 </Control>
 </file>
 
 <file path=customXml/item363.xml><?xml version="1.0" encoding="utf-8"?>
 <Control xmlns="http://schemas.microsoft.com/VisualStudio/2011/storyboarding/control">
-  <Id Name="System.Storyboarding.Icons.Warning" Revision="1" Stencil="System.Storyboarding.Icons" StencilVersion="0.1"/>
+  <Id Name="System.Storyboarding.Common.TextInput" Revision="1" Stencil="System.Storyboarding.Common" StencilVersion="0.1"/>
 </Control>
 </file>
 
 <file path=customXml/item364.xml><?xml version="1.0" encoding="utf-8"?>
 <Control xmlns="http://schemas.microsoft.com/VisualStudio/2011/storyboarding/control">
-  <Id Name="System.Storyboarding.Common.Button" Revision="1" Stencil="System.Storyboarding.Common" StencilVersion="0.1"/>
+  <Id Name="System.Storyboarding.Common.TextInput" Revision="1" Stencil="System.Storyboarding.Common" StencilVersion="0.1"/>
 </Control>
 </file>
 
@@ -51005,25 +51002,25 @@
 
 <file path=customXml/item366.xml><?xml version="1.0" encoding="utf-8"?>
 <Control xmlns="http://schemas.microsoft.com/VisualStudio/2011/storyboarding/control">
-  <Id Name="System.Storyboarding.Common.Button" Revision="1" Stencil="System.Storyboarding.Common" StencilVersion="0.1"/>
+  <Id Name="System.Storyboarding.Common.TextInput" Revision="1" Stencil="System.Storyboarding.Common" StencilVersion="0.1"/>
 </Control>
 </file>
 
 <file path=customXml/item367.xml><?xml version="1.0" encoding="utf-8"?>
+<Control xmlns="http://schemas.microsoft.com/VisualStudio/2011/storyboarding/control">
+  <Id Name="System.Storyboarding.Common.TextInput" Revision="1" Stencil="System.Storyboarding.Common" StencilVersion="0.1"/>
+</Control>
+</file>
+
+<file path=customXml/item368.xml><?xml version="1.0" encoding="utf-8"?>
 <Control xmlns="http://schemas.microsoft.com/VisualStudio/2011/storyboarding/control">
   <Id Name="System.Storyboarding.Common.Button" Revision="1" Stencil="System.Storyboarding.Common" StencilVersion="0.1"/>
 </Control>
 </file>
 
-<file path=customXml/item368.xml><?xml version="1.0" encoding="utf-8"?>
+<file path=customXml/item369.xml><?xml version="1.0" encoding="utf-8"?>
 <Control xmlns="http://schemas.microsoft.com/VisualStudio/2011/storyboarding/control">
   <Id Name="System.Storyboarding.Common.TextInput" Revision="1" Stencil="System.Storyboarding.Common" StencilVersion="0.1"/>
-</Control>
-</file>
-
-<file path=customXml/item369.xml><?xml version="1.0" encoding="utf-8"?>
-<Control xmlns="http://schemas.microsoft.com/VisualStudio/2011/storyboarding/control">
-  <Id Name="System.Storyboarding.Common.Button" Revision="1" Stencil="System.Storyboarding.Common" StencilVersion="0.1"/>
 </Control>
 </file>
 
@@ -51047,25 +51044,25 @@
 
 <file path=customXml/item372.xml><?xml version="1.0" encoding="utf-8"?>
 <Control xmlns="http://schemas.microsoft.com/VisualStudio/2011/storyboarding/control">
+  <Id Name="System.Storyboarding.Common.Button" Revision="1" Stencil="System.Storyboarding.Common" StencilVersion="0.1"/>
+</Control>
+</file>
+
+<file path=customXml/item373.xml><?xml version="1.0" encoding="utf-8"?>
+<Control xmlns="http://schemas.microsoft.com/VisualStudio/2011/storyboarding/control">
   <Id Name="System.Storyboarding.Common.TextInput" Revision="1" Stencil="System.Storyboarding.Common" StencilVersion="0.1"/>
 </Control>
 </file>
 
-<file path=customXml/item373.xml><?xml version="1.0" encoding="utf-8"?>
-<Control xmlns="http://schemas.microsoft.com/VisualStudio/2011/storyboarding/control">
-  <Id Name="System.Storyboarding.Icons.Warning" Revision="1" Stencil="System.Storyboarding.Icons" StencilVersion="0.1"/>
-</Control>
-</file>
-
 <file path=customXml/item374.xml><?xml version="1.0" encoding="utf-8"?>
 <Control xmlns="http://schemas.microsoft.com/VisualStudio/2011/storyboarding/control">
-  <Id Name="System.Storyboarding.Common.Button" Revision="1" Stencil="System.Storyboarding.Common" StencilVersion="0.1"/>
+  <Id Name="System.Storyboarding.Common.TextInput" Revision="1" Stencil="System.Storyboarding.Common" StencilVersion="0.1"/>
 </Control>
 </file>
 
 <file path=customXml/item375.xml><?xml version="1.0" encoding="utf-8"?>
 <Control xmlns="http://schemas.microsoft.com/VisualStudio/2011/storyboarding/control">
-  <Id Name="System.Storyboarding.Common.Button" Revision="1" Stencil="System.Storyboarding.Common" StencilVersion="0.1"/>
+  <Id Name="System.Storyboarding.Common.TextInput" Revision="1" Stencil="System.Storyboarding.Common" StencilVersion="0.1"/>
 </Control>
 </file>
 
@@ -51089,13 +51086,13 @@
 
 <file path=customXml/item379.xml><?xml version="1.0" encoding="utf-8"?>
 <Control xmlns="http://schemas.microsoft.com/VisualStudio/2011/storyboarding/control">
-  <Id Name="System.Storyboarding.Common.TextInput" Revision="1" Stencil="System.Storyboarding.Common" StencilVersion="0.1"/>
+  <Id Name="System.Storyboarding.Common.Button" Revision="1" Stencil="System.Storyboarding.Common" StencilVersion="0.1"/>
 </Control>
 </file>
 
 <file path=customXml/item38.xml><?xml version="1.0" encoding="utf-8"?>
 <Control xmlns="http://schemas.microsoft.com/VisualStudio/2011/storyboarding/control">
-  <Id Name="System.Storyboarding.Common.TextInput" Revision="1" Stencil="System.Storyboarding.Common" StencilVersion="0.1"/>
+  <Id Name="System.Storyboarding.Common.Button" Revision="1" Stencil="System.Storyboarding.Common" StencilVersion="0.1"/>
 </Control>
 </file>
 
@@ -51119,7 +51116,7 @@
 
 <file path=customXml/item383.xml><?xml version="1.0" encoding="utf-8"?>
 <Control xmlns="http://schemas.microsoft.com/VisualStudio/2011/storyboarding/control">
-  <Id Name="System.Storyboarding.Common.Button" Revision="1" Stencil="System.Storyboarding.Common" StencilVersion="0.1"/>
+  <Id Name="System.Storyboarding.Common.TextInput" Revision="1" Stencil="System.Storyboarding.Common" StencilVersion="0.1"/>
 </Control>
 </file>
 
@@ -51131,7 +51128,7 @@
 
 <file path=customXml/item385.xml><?xml version="1.0" encoding="utf-8"?>
 <Control xmlns="http://schemas.microsoft.com/VisualStudio/2011/storyboarding/control">
-  <Id Name="System.Storyboarding.Common.Button" Revision="1" Stencil="System.Storyboarding.Common" StencilVersion="0.1"/>
+  <Id Name="System.Storyboarding.Common.TextInput" Revision="1" Stencil="System.Storyboarding.Common" StencilVersion="0.1"/>
 </Control>
 </file>
 
@@ -51143,13 +51140,13 @@
 
 <file path=customXml/item387.xml><?xml version="1.0" encoding="utf-8"?>
 <Control xmlns="http://schemas.microsoft.com/VisualStudio/2011/storyboarding/control">
-  <Id Name="System.Storyboarding.Common.Button" Revision="1" Stencil="System.Storyboarding.Common" StencilVersion="0.1"/>
+  <Id Name="System.Storyboarding.Common.TextInput" Revision="1" Stencil="System.Storyboarding.Common" StencilVersion="0.1"/>
 </Control>
 </file>
 
 <file path=customXml/item388.xml><?xml version="1.0" encoding="utf-8"?>
 <Control xmlns="http://schemas.microsoft.com/VisualStudio/2011/storyboarding/control">
-  <Id Name="System.Storyboarding.Common.Button" Revision="1" Stencil="System.Storyboarding.Common" StencilVersion="0.1"/>
+  <Id Name="System.Storyboarding.Common.TextInput" Revision="1" Stencil="System.Storyboarding.Common" StencilVersion="0.1"/>
 </Control>
 </file>
 
@@ -51161,7 +51158,7 @@
 
 <file path=customXml/item39.xml><?xml version="1.0" encoding="utf-8"?>
 <Control xmlns="http://schemas.microsoft.com/VisualStudio/2011/storyboarding/control">
-  <Id Name="System.Storyboarding.Common.TextInput" Revision="1" Stencil="System.Storyboarding.Common" StencilVersion="0.1"/>
+  <Id Name="System.Storyboarding.Common.Button" Revision="1" Stencil="System.Storyboarding.Common" StencilVersion="0.1"/>
 </Control>
 </file>
 
@@ -51179,7 +51176,7 @@
 
 <file path=customXml/item392.xml><?xml version="1.0" encoding="utf-8"?>
 <Control xmlns="http://schemas.microsoft.com/VisualStudio/2011/storyboarding/control">
-  <Id Name="System.Storyboarding.Common.TextInput" Revision="1" Stencil="System.Storyboarding.Common" StencilVersion="0.1"/>
+  <Id Name="System.Storyboarding.Common.TextArea" Revision="1" Stencil="System.Storyboarding.Common" StencilVersion="0.1"/>
 </Control>
 </file>
 
@@ -51215,7 +51212,7 @@
 
 <file path=customXml/item398.xml><?xml version="1.0" encoding="utf-8"?>
 <Control xmlns="http://schemas.microsoft.com/VisualStudio/2011/storyboarding/control">
-  <Id Name="System.Storyboarding.Common.TextInput" Revision="1" Stencil="System.Storyboarding.Common" StencilVersion="0.1"/>
+  <Id Name="System.Storyboarding.Common.Button" Revision="1" Stencil="System.Storyboarding.Common" StencilVersion="0.1"/>
 </Control>
 </file>
 
@@ -51227,7 +51224,7 @@
 
 <file path=customXml/item4.xml><?xml version="1.0" encoding="utf-8"?>
 <Control xmlns="http://schemas.microsoft.com/VisualStudio/2011/storyboarding/control">
-  <Id Name="System.Storyboarding.Common.TextInput" Revision="1" Stencil="System.Storyboarding.Common" StencilVersion="0.1"/>
+  <Id Name="System.Storyboarding.Common.Button" Revision="1" Stencil="System.Storyboarding.Common" StencilVersion="0.1"/>
 </Control>
 </file>
 
@@ -51239,7 +51236,7 @@
 
 <file path=customXml/item400.xml><?xml version="1.0" encoding="utf-8"?>
 <Control xmlns="http://schemas.microsoft.com/VisualStudio/2011/storyboarding/control">
-  <Id Name="System.Storyboarding.Common.TextInput" Revision="1" Stencil="System.Storyboarding.Common" StencilVersion="0.1"/>
+  <Id Name="System.Storyboarding.Common.Button" Revision="1" Stencil="System.Storyboarding.Common" StencilVersion="0.1"/>
 </Control>
 </file>
 
@@ -51251,13 +51248,13 @@
 
 <file path=customXml/item402.xml><?xml version="1.0" encoding="utf-8"?>
 <Control xmlns="http://schemas.microsoft.com/VisualStudio/2011/storyboarding/control">
-  <Id Name="System.Storyboarding.Icons.Warning" Revision="1" Stencil="System.Storyboarding.Icons" StencilVersion="0.1"/>
+  <Id Name="System.Storyboarding.Common.Button" Revision="1" Stencil="System.Storyboarding.Common" StencilVersion="0.1"/>
 </Control>
 </file>
 
 <file path=customXml/item403.xml><?xml version="1.0" encoding="utf-8"?>
 <Control xmlns="http://schemas.microsoft.com/VisualStudio/2011/storyboarding/control">
-  <Id Name="System.Storyboarding.Common.Button" Revision="1" Stencil="System.Storyboarding.Common" StencilVersion="0.1"/>
+  <Id Name="System.Storyboarding.Common.TextInput" Revision="1" Stencil="System.Storyboarding.Common" StencilVersion="0.1"/>
 </Control>
 </file>
 
@@ -51269,13 +51266,13 @@
 
 <file path=customXml/item405.xml><?xml version="1.0" encoding="utf-8"?>
 <Control xmlns="http://schemas.microsoft.com/VisualStudio/2011/storyboarding/control">
-  <Id Name="System.Storyboarding.Common.Button" Revision="1" Stencil="System.Storyboarding.Common" StencilVersion="0.1"/>
+  <Id Name="System.Storyboarding.Icons.Warning" Revision="1" Stencil="System.Storyboarding.Icons" StencilVersion="0.1"/>
 </Control>
 </file>
 
 <file path=customXml/item406.xml><?xml version="1.0" encoding="utf-8"?>
 <Control xmlns="http://schemas.microsoft.com/VisualStudio/2011/storyboarding/control">
-  <Id Name="System.Storyboarding.Common.Button" Revision="1" Stencil="System.Storyboarding.Common" StencilVersion="0.1"/>
+  <Id Name="System.Storyboarding.Common.TextInput" Revision="1" Stencil="System.Storyboarding.Common" StencilVersion="0.1"/>
 </Control>
 </file>
 
@@ -51299,13 +51296,13 @@
 
 <file path=customXml/item41.xml><?xml version="1.0" encoding="utf-8"?>
 <Control xmlns="http://schemas.microsoft.com/VisualStudio/2011/storyboarding/control">
-  <Id Name="System.Storyboarding.Common.TextInput" Revision="1" Stencil="System.Storyboarding.Common" StencilVersion="0.1"/>
+  <Id Name="System.Storyboarding.Common.Button" Revision="1" Stencil="System.Storyboarding.Common" StencilVersion="0.1"/>
 </Control>
 </file>
 
 <file path=customXml/item410.xml><?xml version="1.0" encoding="utf-8"?>
 <Control xmlns="http://schemas.microsoft.com/VisualStudio/2011/storyboarding/control">
-  <Id Name="System.Storyboarding.Common.Button" Revision="1" Stencil="System.Storyboarding.Common" StencilVersion="0.1"/>
+  <Id Name="System.Storyboarding.Common.TextInput" Revision="1" Stencil="System.Storyboarding.Common" StencilVersion="0.1"/>
 </Control>
 </file>
 
@@ -51317,13 +51314,13 @@
 
 <file path=customXml/item412.xml><?xml version="1.0" encoding="utf-8"?>
 <Control xmlns="http://schemas.microsoft.com/VisualStudio/2011/storyboarding/control">
-  <Id Name="System.Storyboarding.Common.TextInput" Revision="1" Stencil="System.Storyboarding.Common" StencilVersion="0.1"/>
+  <Id Name="System.Storyboarding.Common.Button" Revision="1" Stencil="System.Storyboarding.Common" StencilVersion="0.1"/>
 </Control>
 </file>
 
 <file path=customXml/item413.xml><?xml version="1.0" encoding="utf-8"?>
 <Control xmlns="http://schemas.microsoft.com/VisualStudio/2011/storyboarding/control">
-  <Id Name="System.Storyboarding.Common.Button" Revision="1" Stencil="System.Storyboarding.Common" StencilVersion="0.1"/>
+  <Id Name="System.Storyboarding.Common.TextInput" Revision="1" Stencil="System.Storyboarding.Common" StencilVersion="0.1"/>
 </Control>
 </file>
 
@@ -51335,7 +51332,7 @@
 
 <file path=customXml/item415.xml><?xml version="1.0" encoding="utf-8"?>
 <Control xmlns="http://schemas.microsoft.com/VisualStudio/2011/storyboarding/control">
-  <Id Name="System.Storyboarding.Common.TextInput" Revision="1" Stencil="System.Storyboarding.Common" StencilVersion="0.1"/>
+  <Id Name="System.Storyboarding.Common.Button" Revision="1" Stencil="System.Storyboarding.Common" StencilVersion="0.1"/>
 </Control>
 </file>
 
@@ -51359,13 +51356,13 @@
 
 <file path=customXml/item42.xml><?xml version="1.0" encoding="utf-8"?>
 <Control xmlns="http://schemas.microsoft.com/VisualStudio/2011/storyboarding/control">
-  <Id Name="System.Storyboarding.Common.Button" Revision="1" Stencil="System.Storyboarding.Common" StencilVersion="0.1"/>
+  <Id Name="System.Storyboarding.Common.TextInput" Revision="1" Stencil="System.Storyboarding.Common" StencilVersion="0.1"/>
 </Control>
 </file>
 
 <file path=customXml/item43.xml><?xml version="1.0" encoding="utf-8"?>
 <Control xmlns="http://schemas.microsoft.com/VisualStudio/2011/storyboarding/control">
-  <Id Name="System.Storyboarding.Common.TextInput" Revision="1" Stencil="System.Storyboarding.Common" StencilVersion="0.1"/>
+  <Id Name="System.Storyboarding.Common.Button" Revision="1" Stencil="System.Storyboarding.Common" StencilVersion="0.1"/>
 </Control>
 </file>
 
@@ -51383,43 +51380,43 @@
 
 <file path=customXml/item46.xml><?xml version="1.0" encoding="utf-8"?>
 <Control xmlns="http://schemas.microsoft.com/VisualStudio/2011/storyboarding/control">
-  <Id Name="System.Storyboarding.Common.Button" Revision="1" Stencil="System.Storyboarding.Common" StencilVersion="0.1"/>
+  <Id Name="System.Storyboarding.Common.TextInput" Revision="1" Stencil="System.Storyboarding.Common" StencilVersion="0.1"/>
 </Control>
 </file>
 
 <file path=customXml/item47.xml><?xml version="1.0" encoding="utf-8"?>
+<Control xmlns="http://schemas.microsoft.com/VisualStudio/2011/storyboarding/control">
+  <Id Name="System.Storyboarding.Common.TextInput" Revision="1" Stencil="System.Storyboarding.Common" StencilVersion="0.1"/>
+</Control>
+</file>
+
+<file path=customXml/item48.xml><?xml version="1.0" encoding="utf-8"?>
 <Control xmlns="http://schemas.microsoft.com/VisualStudio/2011/storyboarding/control">
   <Id Name="System.Storyboarding.Common.Button" Revision="1" Stencil="System.Storyboarding.Common" StencilVersion="0.1"/>
 </Control>
 </file>
 
-<file path=customXml/item48.xml><?xml version="1.0" encoding="utf-8"?>
+<file path=customXml/item49.xml><?xml version="1.0" encoding="utf-8"?>
 <Control xmlns="http://schemas.microsoft.com/VisualStudio/2011/storyboarding/control">
   <Id Name="System.Storyboarding.Common.TextInput" Revision="1" Stencil="System.Storyboarding.Common" StencilVersion="0.1"/>
 </Control>
 </file>
 
-<file path=customXml/item49.xml><?xml version="1.0" encoding="utf-8"?>
+<file path=customXml/item5.xml><?xml version="1.0" encoding="utf-8"?>
 <Control xmlns="http://schemas.microsoft.com/VisualStudio/2011/storyboarding/control">
   <Id Name="System.Storyboarding.Common.Button" Revision="1" Stencil="System.Storyboarding.Common" StencilVersion="0.1"/>
 </Control>
 </file>
 
-<file path=customXml/item5.xml><?xml version="1.0" encoding="utf-8"?>
+<file path=customXml/item50.xml><?xml version="1.0" encoding="utf-8"?>
+<Control xmlns="http://schemas.microsoft.com/VisualStudio/2011/storyboarding/control">
+  <Id Name="System.Storyboarding.Common.Button" Revision="1" Stencil="System.Storyboarding.Common" StencilVersion="0.1"/>
+</Control>
+</file>
+
+<file path=customXml/item51.xml><?xml version="1.0" encoding="utf-8"?>
 <Control xmlns="http://schemas.microsoft.com/VisualStudio/2011/storyboarding/control">
   <Id Name="System.Storyboarding.Common.TextInput" Revision="1" Stencil="System.Storyboarding.Common" StencilVersion="0.1"/>
-</Control>
-</file>
-
-<file path=customXml/item50.xml><?xml version="1.0" encoding="utf-8"?>
-<Control xmlns="http://schemas.microsoft.com/VisualStudio/2011/storyboarding/control">
-  <Id Name="System.Storyboarding.Common.TextInput" Revision="1" Stencil="System.Storyboarding.Common" StencilVersion="0.1"/>
-</Control>
-</file>
-
-<file path=customXml/item51.xml><?xml version="1.0" encoding="utf-8"?>
-<Control xmlns="http://schemas.microsoft.com/VisualStudio/2011/storyboarding/control">
-  <Id Name="System.Storyboarding.Common.Button" Revision="1" Stencil="System.Storyboarding.Common" StencilVersion="0.1"/>
 </Control>
 </file>
 
@@ -51443,13 +51440,13 @@
 
 <file path=customXml/item55.xml><?xml version="1.0" encoding="utf-8"?>
 <Control xmlns="http://schemas.microsoft.com/VisualStudio/2011/storyboarding/control">
-  <Id Name="System.Storyboarding.Common.TextInput" Revision="1" Stencil="System.Storyboarding.Common" StencilVersion="0.1"/>
+  <Id Name="System.Storyboarding.Common.Button" Revision="1" Stencil="System.Storyboarding.Common" StencilVersion="0.1"/>
 </Control>
 </file>
 
 <file path=customXml/item56.xml><?xml version="1.0" encoding="utf-8"?>
 <Control xmlns="http://schemas.microsoft.com/VisualStudio/2011/storyboarding/control">
-  <Id Name="System.Storyboarding.Common.TextInput" Revision="1" Stencil="System.Storyboarding.Common" StencilVersion="0.1"/>
+  <Id Name="System.Storyboarding.Common.Button" Revision="1" Stencil="System.Storyboarding.Common" StencilVersion="0.1"/>
 </Control>
 </file>
 
@@ -51461,7 +51458,7 @@
 
 <file path=customXml/item58.xml><?xml version="1.0" encoding="utf-8"?>
 <Control xmlns="http://schemas.microsoft.com/VisualStudio/2011/storyboarding/control">
-  <Id Name="System.Storyboarding.Common.Button" Revision="1" Stencil="System.Storyboarding.Common" StencilVersion="0.1"/>
+  <Id Name="System.Storyboarding.Common.CheckBoxUnchecked" Revision="1" Stencil="System.Storyboarding.Common" StencilVersion="0.1"/>
 </Control>
 </file>
 
@@ -51491,7 +51488,7 @@
 
 <file path=customXml/item62.xml><?xml version="1.0" encoding="utf-8"?>
 <Control xmlns="http://schemas.microsoft.com/VisualStudio/2011/storyboarding/control">
-  <Id Name="System.Storyboarding.Common.Button" Revision="1" Stencil="System.Storyboarding.Common" StencilVersion="0.1"/>
+  <Id Name="System.Storyboarding.Common.TextInput" Revision="1" Stencil="System.Storyboarding.Common" StencilVersion="0.1"/>
 </Control>
 </file>
 
@@ -51515,7 +51512,7 @@
 
 <file path=customXml/item66.xml><?xml version="1.0" encoding="utf-8"?>
 <Control xmlns="http://schemas.microsoft.com/VisualStudio/2011/storyboarding/control">
-  <Id Name="System.Storyboarding.Common.Button" Revision="1" Stencil="System.Storyboarding.Common" StencilVersion="0.1"/>
+  <Id Name="System.Storyboarding.Common.TextInput" Revision="1" Stencil="System.Storyboarding.Common" StencilVersion="0.1"/>
 </Control>
 </file>
 
@@ -51527,13 +51524,13 @@
 
 <file path=customXml/item68.xml><?xml version="1.0" encoding="utf-8"?>
 <Control xmlns="http://schemas.microsoft.com/VisualStudio/2011/storyboarding/control">
-  <Id Name="System.Storyboarding.Common.Button" Revision="1" Stencil="System.Storyboarding.Common" StencilVersion="0.1"/>
+  <Id Name="System.Storyboarding.Common.TextInput" Revision="1" Stencil="System.Storyboarding.Common" StencilVersion="0.1"/>
 </Control>
 </file>
 
 <file path=customXml/item69.xml><?xml version="1.0" encoding="utf-8"?>
 <Control xmlns="http://schemas.microsoft.com/VisualStudio/2011/storyboarding/control">
-  <Id Name="System.Storyboarding.Common.Button" Revision="1" Stencil="System.Storyboarding.Common" StencilVersion="0.1"/>
+  <Id Name="System.Storyboarding.Common.TextInput" Revision="1" Stencil="System.Storyboarding.Common" StencilVersion="0.1"/>
 </Control>
 </file>
 
@@ -51545,7 +51542,7 @@
 
 <file path=customXml/item70.xml><?xml version="1.0" encoding="utf-8"?>
 <Control xmlns="http://schemas.microsoft.com/VisualStudio/2011/storyboarding/control">
-  <Id Name="System.Storyboarding.Common.TextInput" Revision="1" Stencil="System.Storyboarding.Common" StencilVersion="0.1"/>
+  <Id Name="System.Storyboarding.Common.Button" Revision="1" Stencil="System.Storyboarding.Common" StencilVersion="0.1"/>
 </Control>
 </file>
 
@@ -51557,7 +51554,7 @@
 
 <file path=customXml/item72.xml><?xml version="1.0" encoding="utf-8"?>
 <Control xmlns="http://schemas.microsoft.com/VisualStudio/2011/storyboarding/control">
-  <Id Name="System.Storyboarding.Common.Button" Revision="1" Stencil="System.Storyboarding.Common" StencilVersion="0.1"/>
+  <Id Name="System.Storyboarding.Common.TextInput" Revision="1" Stencil="System.Storyboarding.Common" StencilVersion="0.1"/>
 </Control>
 </file>
 
@@ -51569,7 +51566,7 @@
 
 <file path=customXml/item74.xml><?xml version="1.0" encoding="utf-8"?>
 <Control xmlns="http://schemas.microsoft.com/VisualStudio/2011/storyboarding/control">
-  <Id Name="System.Storyboarding.Common.Button" Revision="1" Stencil="System.Storyboarding.Common" StencilVersion="0.1"/>
+  <Id Name="System.Storyboarding.Common.TextInput" Revision="1" Stencil="System.Storyboarding.Common" StencilVersion="0.1"/>
 </Control>
 </file>
 
@@ -51605,7 +51602,7 @@
 
 <file path=customXml/item8.xml><?xml version="1.0" encoding="utf-8"?>
 <Control xmlns="http://schemas.microsoft.com/VisualStudio/2011/storyboarding/control">
-  <Id Name="System.Storyboarding.Common.TextInput" Revision="1" Stencil="System.Storyboarding.Common" StencilVersion="0.1"/>
+  <Id Name="System.Storyboarding.Common.Button" Revision="1" Stencil="System.Storyboarding.Common" StencilVersion="0.1"/>
 </Control>
 </file>
 
@@ -51617,7 +51614,7 @@
 
 <file path=customXml/item81.xml><?xml version="1.0" encoding="utf-8"?>
 <Control xmlns="http://schemas.microsoft.com/VisualStudio/2011/storyboarding/control">
-  <Id Name="System.Storyboarding.Common.Button" Revision="1" Stencil="System.Storyboarding.Common" StencilVersion="0.1"/>
+  <Id Name="System.Storyboarding.Common.TextInput" Revision="1" Stencil="System.Storyboarding.Common" StencilVersion="0.1"/>
 </Control>
 </file>
 
@@ -51641,13 +51638,13 @@
 
 <file path=customXml/item85.xml><?xml version="1.0" encoding="utf-8"?>
 <Control xmlns="http://schemas.microsoft.com/VisualStudio/2011/storyboarding/control">
-  <Id Name="System.Storyboarding.Common.TextInput" Revision="1" Stencil="System.Storyboarding.Common" StencilVersion="0.1"/>
+  <Id Name="System.Storyboarding.Common.Button" Revision="1" Stencil="System.Storyboarding.Common" StencilVersion="0.1"/>
 </Control>
 </file>
 
 <file path=customXml/item86.xml><?xml version="1.0" encoding="utf-8"?>
 <Control xmlns="http://schemas.microsoft.com/VisualStudio/2011/storyboarding/control">
-  <Id Name="System.Storyboarding.Common.Button" Revision="1" Stencil="System.Storyboarding.Common" StencilVersion="0.1"/>
+  <Id Name="System.Storyboarding.Common.TextInput" Revision="1" Stencil="System.Storyboarding.Common" StencilVersion="0.1"/>
 </Control>
 </file>
 
@@ -51659,13 +51656,13 @@
 
 <file path=customXml/item88.xml><?xml version="1.0" encoding="utf-8"?>
 <Control xmlns="http://schemas.microsoft.com/VisualStudio/2011/storyboarding/control">
-  <Id Name="System.Storyboarding.Common.CheckBoxUnchecked" Revision="1" Stencil="System.Storyboarding.Common" StencilVersion="0.1"/>
+  <Id Name="System.Storyboarding.Common.Button" Revision="1" Stencil="System.Storyboarding.Common" StencilVersion="0.1"/>
 </Control>
 </file>
 
 <file path=customXml/item89.xml><?xml version="1.0" encoding="utf-8"?>
 <Control xmlns="http://schemas.microsoft.com/VisualStudio/2011/storyboarding/control">
-  <Id Name="System.Storyboarding.Common.TextInput" Revision="1" Stencil="System.Storyboarding.Common" StencilVersion="0.1"/>
+  <Id Name="System.Storyboarding.Common.Button" Revision="1" Stencil="System.Storyboarding.Common" StencilVersion="0.1"/>
 </Control>
 </file>
 
@@ -51677,13 +51674,13 @@
 
 <file path=customXml/item90.xml><?xml version="1.0" encoding="utf-8"?>
 <Control xmlns="http://schemas.microsoft.com/VisualStudio/2011/storyboarding/control">
-  <Id Name="System.Storyboarding.Common.Button" Revision="1" Stencil="System.Storyboarding.Common" StencilVersion="0.1"/>
+  <Id Name="System.Storyboarding.Common.TextInput" Revision="1" Stencil="System.Storyboarding.Common" StencilVersion="0.1"/>
 </Control>
 </file>
 
 <file path=customXml/item91.xml><?xml version="1.0" encoding="utf-8"?>
 <Control xmlns="http://schemas.microsoft.com/VisualStudio/2011/storyboarding/control">
-  <Id Name="System.Storyboarding.Common.TextInput" Revision="1" Stencil="System.Storyboarding.Common" StencilVersion="0.1"/>
+  <Id Name="System.Storyboarding.Common.Button" Revision="1" Stencil="System.Storyboarding.Common" StencilVersion="0.1"/>
 </Control>
 </file>
 
@@ -51695,19 +51692,19 @@
 
 <file path=customXml/item93.xml><?xml version="1.0" encoding="utf-8"?>
 <Control xmlns="http://schemas.microsoft.com/VisualStudio/2011/storyboarding/control">
-  <Id Name="System.Storyboarding.Common.TextInput" Revision="1" Stencil="System.Storyboarding.Common" StencilVersion="0.1"/>
+  <Id Name="System.Storyboarding.Common.Button" Revision="1" Stencil="System.Storyboarding.Common" StencilVersion="0.1"/>
 </Control>
 </file>
 
 <file path=customXml/item94.xml><?xml version="1.0" encoding="utf-8"?>
 <Control xmlns="http://schemas.microsoft.com/VisualStudio/2011/storyboarding/control">
-  <Id Name="System.Storyboarding.Common.TextInput" Revision="1" Stencil="System.Storyboarding.Common" StencilVersion="0.1"/>
+  <Id Name="System.Storyboarding.Common.Button" Revision="1" Stencil="System.Storyboarding.Common" StencilVersion="0.1"/>
 </Control>
 </file>
 
 <file path=customXml/item95.xml><?xml version="1.0" encoding="utf-8"?>
 <Control xmlns="http://schemas.microsoft.com/VisualStudio/2011/storyboarding/control">
-  <Id Name="System.Storyboarding.Common.Button" Revision="1" Stencil="System.Storyboarding.Common" StencilVersion="0.1"/>
+  <Id Name="System.Storyboarding.Common.TextInput" Revision="1" Stencil="System.Storyboarding.Common" StencilVersion="0.1"/>
 </Control>
 </file>
 
@@ -51731,11 +51728,1315 @@
 
 <file path=customXml/item99.xml><?xml version="1.0" encoding="utf-8"?>
 <Control xmlns="http://schemas.microsoft.com/VisualStudio/2011/storyboarding/control">
-  <Id Name="System.Storyboarding.Common.TextInput" Revision="1" Stencil="System.Storyboarding.Common" StencilVersion="0.1"/>
+  <Id Name="System.Storyboarding.Common.Button" Revision="1" Stencil="System.Storyboarding.Common" StencilVersion="0.1"/>
 </Control>
 </file>
 
 <file path=customXml/itemProps1.xml><?xml version="1.0" encoding="utf-8"?>
+<ds:datastoreItem xmlns:ds="http://schemas.openxmlformats.org/officeDocument/2006/customXml" ds:itemID="{BF5EF936-99A9-4C7F-AD7C-B4BBA5EDAAB3}">
+  <ds:schemaRefs>
+    <ds:schemaRef ds:uri="http://schemas.microsoft.com/VisualStudio/2011/storyboarding/control"/>
+  </ds:schemaRefs>
+</ds:datastoreItem>
+</file>
+
+<file path=customXml/itemProps10.xml><?xml version="1.0" encoding="utf-8"?>
+<ds:datastoreItem xmlns:ds="http://schemas.openxmlformats.org/officeDocument/2006/customXml" ds:itemID="{4A8B204A-9CA8-416C-87C3-B62049FB2581}">
+  <ds:schemaRefs>
+    <ds:schemaRef ds:uri="http://schemas.microsoft.com/VisualStudio/2011/storyboarding/control"/>
+  </ds:schemaRefs>
+</ds:datastoreItem>
+</file>
+
+<file path=customXml/itemProps100.xml><?xml version="1.0" encoding="utf-8"?>
+<ds:datastoreItem xmlns:ds="http://schemas.openxmlformats.org/officeDocument/2006/customXml" ds:itemID="{42953A3E-EA41-4CC7-AF57-A6F452D223BC}">
+  <ds:schemaRefs>
+    <ds:schemaRef ds:uri="http://schemas.microsoft.com/VisualStudio/2011/storyboarding/control"/>
+  </ds:schemaRefs>
+</ds:datastoreItem>
+</file>
+
+<file path=customXml/itemProps101.xml><?xml version="1.0" encoding="utf-8"?>
+<ds:datastoreItem xmlns:ds="http://schemas.openxmlformats.org/officeDocument/2006/customXml" ds:itemID="{B9615B9B-0D88-4FE7-A8A1-23F69DC8043E}">
+  <ds:schemaRefs>
+    <ds:schemaRef ds:uri="http://schemas.microsoft.com/VisualStudio/2011/storyboarding/control"/>
+  </ds:schemaRefs>
+</ds:datastoreItem>
+</file>
+
+<file path=customXml/itemProps102.xml><?xml version="1.0" encoding="utf-8"?>
+<ds:datastoreItem xmlns:ds="http://schemas.openxmlformats.org/officeDocument/2006/customXml" ds:itemID="{3F03EE14-3DE1-476F-8F91-DAAB435FD4DE}">
+  <ds:schemaRefs>
+    <ds:schemaRef ds:uri="http://schemas.microsoft.com/VisualStudio/2011/storyboarding/control"/>
+  </ds:schemaRefs>
+</ds:datastoreItem>
+</file>
+
+<file path=customXml/itemProps103.xml><?xml version="1.0" encoding="utf-8"?>
+<ds:datastoreItem xmlns:ds="http://schemas.openxmlformats.org/officeDocument/2006/customXml" ds:itemID="{CDC052B0-D896-49DC-B064-C88B5A07046B}">
+  <ds:schemaRefs>
+    <ds:schemaRef ds:uri="http://schemas.microsoft.com/VisualStudio/2011/storyboarding/control"/>
+  </ds:schemaRefs>
+</ds:datastoreItem>
+</file>
+
+<file path=customXml/itemProps104.xml><?xml version="1.0" encoding="utf-8"?>
+<ds:datastoreItem xmlns:ds="http://schemas.openxmlformats.org/officeDocument/2006/customXml" ds:itemID="{427ED9FC-5CA7-4AB4-8B46-85D17C0344D8}">
+  <ds:schemaRefs>
+    <ds:schemaRef ds:uri="http://schemas.microsoft.com/VisualStudio/2011/storyboarding/control"/>
+  </ds:schemaRefs>
+</ds:datastoreItem>
+</file>
+
+<file path=customXml/itemProps105.xml><?xml version="1.0" encoding="utf-8"?>
+<ds:datastoreItem xmlns:ds="http://schemas.openxmlformats.org/officeDocument/2006/customXml" ds:itemID="{AFC8C9F0-6377-4C9A-B6DD-944F29A4793F}">
+  <ds:schemaRefs>
+    <ds:schemaRef ds:uri="http://schemas.microsoft.com/VisualStudio/2011/storyboarding/control"/>
+  </ds:schemaRefs>
+</ds:datastoreItem>
+</file>
+
+<file path=customXml/itemProps106.xml><?xml version="1.0" encoding="utf-8"?>
+<ds:datastoreItem xmlns:ds="http://schemas.openxmlformats.org/officeDocument/2006/customXml" ds:itemID="{B4A5F6B3-9783-4A02-A2A8-8A89BE7D1ED5}">
+  <ds:schemaRefs>
+    <ds:schemaRef ds:uri="http://schemas.microsoft.com/VisualStudio/2011/storyboarding/control"/>
+  </ds:schemaRefs>
+</ds:datastoreItem>
+</file>
+
+<file path=customXml/itemProps107.xml><?xml version="1.0" encoding="utf-8"?>
+<ds:datastoreItem xmlns:ds="http://schemas.openxmlformats.org/officeDocument/2006/customXml" ds:itemID="{46867D45-882A-43C4-B92B-CBE66A621901}">
+  <ds:schemaRefs>
+    <ds:schemaRef ds:uri="http://schemas.microsoft.com/VisualStudio/2011/storyboarding/control"/>
+  </ds:schemaRefs>
+</ds:datastoreItem>
+</file>
+
+<file path=customXml/itemProps108.xml><?xml version="1.0" encoding="utf-8"?>
+<ds:datastoreItem xmlns:ds="http://schemas.openxmlformats.org/officeDocument/2006/customXml" ds:itemID="{FF486511-5BF6-4E14-BC12-9AB64A939366}">
+  <ds:schemaRefs>
+    <ds:schemaRef ds:uri="http://schemas.microsoft.com/VisualStudio/2011/storyboarding/control"/>
+  </ds:schemaRefs>
+</ds:datastoreItem>
+</file>
+
+<file path=customXml/itemProps109.xml><?xml version="1.0" encoding="utf-8"?>
+<ds:datastoreItem xmlns:ds="http://schemas.openxmlformats.org/officeDocument/2006/customXml" ds:itemID="{F93B8E6E-30BF-4283-9D90-B34AD2F7E9B8}">
+  <ds:schemaRefs>
+    <ds:schemaRef ds:uri="http://schemas.microsoft.com/VisualStudio/2011/storyboarding/control"/>
+  </ds:schemaRefs>
+</ds:datastoreItem>
+</file>
+
+<file path=customXml/itemProps11.xml><?xml version="1.0" encoding="utf-8"?>
+<ds:datastoreItem xmlns:ds="http://schemas.openxmlformats.org/officeDocument/2006/customXml" ds:itemID="{E68A883A-BE53-4126-A917-6A8773322FC1}">
+  <ds:schemaRefs>
+    <ds:schemaRef ds:uri="http://schemas.microsoft.com/VisualStudio/2011/storyboarding/control"/>
+  </ds:schemaRefs>
+</ds:datastoreItem>
+</file>
+
+<file path=customXml/itemProps110.xml><?xml version="1.0" encoding="utf-8"?>
+<ds:datastoreItem xmlns:ds="http://schemas.openxmlformats.org/officeDocument/2006/customXml" ds:itemID="{8FACE5F0-B168-405F-AF8C-70D181584E79}">
+  <ds:schemaRefs>
+    <ds:schemaRef ds:uri="http://schemas.microsoft.com/VisualStudio/2011/storyboarding/control"/>
+  </ds:schemaRefs>
+</ds:datastoreItem>
+</file>
+
+<file path=customXml/itemProps111.xml><?xml version="1.0" encoding="utf-8"?>
+<ds:datastoreItem xmlns:ds="http://schemas.openxmlformats.org/officeDocument/2006/customXml" ds:itemID="{907F2140-DE32-46B5-9821-19C5D20389DC}">
+  <ds:schemaRefs>
+    <ds:schemaRef ds:uri="http://schemas.microsoft.com/VisualStudio/2011/storyboarding/control"/>
+  </ds:schemaRefs>
+</ds:datastoreItem>
+</file>
+
+<file path=customXml/itemProps112.xml><?xml version="1.0" encoding="utf-8"?>
+<ds:datastoreItem xmlns:ds="http://schemas.openxmlformats.org/officeDocument/2006/customXml" ds:itemID="{72940E18-39D5-4C2E-836B-6CC314289351}">
+  <ds:schemaRefs>
+    <ds:schemaRef ds:uri="http://schemas.microsoft.com/VisualStudio/2011/storyboarding/control"/>
+  </ds:schemaRefs>
+</ds:datastoreItem>
+</file>
+
+<file path=customXml/itemProps113.xml><?xml version="1.0" encoding="utf-8"?>
+<ds:datastoreItem xmlns:ds="http://schemas.openxmlformats.org/officeDocument/2006/customXml" ds:itemID="{F3E27545-75AE-4129-B37B-DCEDA06FE3F5}">
+  <ds:schemaRefs>
+    <ds:schemaRef ds:uri="http://schemas.microsoft.com/VisualStudio/2011/storyboarding/control"/>
+  </ds:schemaRefs>
+</ds:datastoreItem>
+</file>
+
+<file path=customXml/itemProps114.xml><?xml version="1.0" encoding="utf-8"?>
+<ds:datastoreItem xmlns:ds="http://schemas.openxmlformats.org/officeDocument/2006/customXml" ds:itemID="{18B78A2F-285D-46A4-AEAB-2D6B42FFEC57}">
+  <ds:schemaRefs>
+    <ds:schemaRef ds:uri="http://schemas.microsoft.com/VisualStudio/2011/storyboarding/control"/>
+  </ds:schemaRefs>
+</ds:datastoreItem>
+</file>
+
+<file path=customXml/itemProps115.xml><?xml version="1.0" encoding="utf-8"?>
+<ds:datastoreItem xmlns:ds="http://schemas.openxmlformats.org/officeDocument/2006/customXml" ds:itemID="{99D8C946-98CC-47CF-8213-D88C7F8BDD42}">
+  <ds:schemaRefs>
+    <ds:schemaRef ds:uri="http://schemas.microsoft.com/VisualStudio/2011/storyboarding/control"/>
+  </ds:schemaRefs>
+</ds:datastoreItem>
+</file>
+
+<file path=customXml/itemProps116.xml><?xml version="1.0" encoding="utf-8"?>
+<ds:datastoreItem xmlns:ds="http://schemas.openxmlformats.org/officeDocument/2006/customXml" ds:itemID="{69BFF86F-06A7-4D48-8771-1DAE4A03E31B}">
+  <ds:schemaRefs>
+    <ds:schemaRef ds:uri="http://schemas.microsoft.com/VisualStudio/2011/storyboarding/control"/>
+  </ds:schemaRefs>
+</ds:datastoreItem>
+</file>
+
+<file path=customXml/itemProps117.xml><?xml version="1.0" encoding="utf-8"?>
+<ds:datastoreItem xmlns:ds="http://schemas.openxmlformats.org/officeDocument/2006/customXml" ds:itemID="{941802C7-C3BA-4624-AFA0-971FBF103A94}">
+  <ds:schemaRefs>
+    <ds:schemaRef ds:uri="http://schemas.microsoft.com/VisualStudio/2011/storyboarding/control"/>
+  </ds:schemaRefs>
+</ds:datastoreItem>
+</file>
+
+<file path=customXml/itemProps118.xml><?xml version="1.0" encoding="utf-8"?>
+<ds:datastoreItem xmlns:ds="http://schemas.openxmlformats.org/officeDocument/2006/customXml" ds:itemID="{DBF401CB-7280-4B4A-8251-BC51EE155C54}">
+  <ds:schemaRefs>
+    <ds:schemaRef ds:uri="http://schemas.microsoft.com/VisualStudio/2011/storyboarding/control"/>
+  </ds:schemaRefs>
+</ds:datastoreItem>
+</file>
+
+<file path=customXml/itemProps119.xml><?xml version="1.0" encoding="utf-8"?>
+<ds:datastoreItem xmlns:ds="http://schemas.openxmlformats.org/officeDocument/2006/customXml" ds:itemID="{5E418C61-86CC-4F3B-A0A1-8359375420BB}">
+  <ds:schemaRefs>
+    <ds:schemaRef ds:uri="http://schemas.microsoft.com/VisualStudio/2011/storyboarding/control"/>
+  </ds:schemaRefs>
+</ds:datastoreItem>
+</file>
+
+<file path=customXml/itemProps12.xml><?xml version="1.0" encoding="utf-8"?>
+<ds:datastoreItem xmlns:ds="http://schemas.openxmlformats.org/officeDocument/2006/customXml" ds:itemID="{2EF3A3A9-3321-4802-8B5F-B519335129BA}">
+  <ds:schemaRefs>
+    <ds:schemaRef ds:uri="http://schemas.microsoft.com/VisualStudio/2011/storyboarding/control"/>
+  </ds:schemaRefs>
+</ds:datastoreItem>
+</file>
+
+<file path=customXml/itemProps120.xml><?xml version="1.0" encoding="utf-8"?>
+<ds:datastoreItem xmlns:ds="http://schemas.openxmlformats.org/officeDocument/2006/customXml" ds:itemID="{CAD20111-EE59-4EEA-8980-08D21606CC23}">
+  <ds:schemaRefs>
+    <ds:schemaRef ds:uri="http://schemas.microsoft.com/VisualStudio/2011/storyboarding/control"/>
+  </ds:schemaRefs>
+</ds:datastoreItem>
+</file>
+
+<file path=customXml/itemProps121.xml><?xml version="1.0" encoding="utf-8"?>
+<ds:datastoreItem xmlns:ds="http://schemas.openxmlformats.org/officeDocument/2006/customXml" ds:itemID="{A22EFC2A-528F-45A0-AA1F-DA1562892795}">
+  <ds:schemaRefs>
+    <ds:schemaRef ds:uri="http://schemas.microsoft.com/VisualStudio/2011/storyboarding/control"/>
+  </ds:schemaRefs>
+</ds:datastoreItem>
+</file>
+
+<file path=customXml/itemProps122.xml><?xml version="1.0" encoding="utf-8"?>
+<ds:datastoreItem xmlns:ds="http://schemas.openxmlformats.org/officeDocument/2006/customXml" ds:itemID="{7EE96A55-E3FC-4A9A-B5FA-3900E5BA0AFC}">
+  <ds:schemaRefs>
+    <ds:schemaRef ds:uri="http://schemas.microsoft.com/VisualStudio/2011/storyboarding/control"/>
+  </ds:schemaRefs>
+</ds:datastoreItem>
+</file>
+
+<file path=customXml/itemProps123.xml><?xml version="1.0" encoding="utf-8"?>
+<ds:datastoreItem xmlns:ds="http://schemas.openxmlformats.org/officeDocument/2006/customXml" ds:itemID="{E591C048-0E07-4085-ACB8-B2AA40ED6281}">
+  <ds:schemaRefs>
+    <ds:schemaRef ds:uri="http://schemas.microsoft.com/VisualStudio/2011/storyboarding/control"/>
+  </ds:schemaRefs>
+</ds:datastoreItem>
+</file>
+
+<file path=customXml/itemProps124.xml><?xml version="1.0" encoding="utf-8"?>
+<ds:datastoreItem xmlns:ds="http://schemas.openxmlformats.org/officeDocument/2006/customXml" ds:itemID="{52F4F04A-DEFF-4D7E-9A07-AF2F824ECCAC}">
+  <ds:schemaRefs>
+    <ds:schemaRef ds:uri="http://schemas.microsoft.com/VisualStudio/2011/storyboarding/control"/>
+  </ds:schemaRefs>
+</ds:datastoreItem>
+</file>
+
+<file path=customXml/itemProps125.xml><?xml version="1.0" encoding="utf-8"?>
+<ds:datastoreItem xmlns:ds="http://schemas.openxmlformats.org/officeDocument/2006/customXml" ds:itemID="{F63EC60C-A662-4ABD-8414-1A4F84A316F0}">
+  <ds:schemaRefs>
+    <ds:schemaRef ds:uri="http://schemas.microsoft.com/VisualStudio/2011/storyboarding/control"/>
+  </ds:schemaRefs>
+</ds:datastoreItem>
+</file>
+
+<file path=customXml/itemProps126.xml><?xml version="1.0" encoding="utf-8"?>
+<ds:datastoreItem xmlns:ds="http://schemas.openxmlformats.org/officeDocument/2006/customXml" ds:itemID="{F79E062F-B177-4A6F-8B46-21BC8B8FBA9E}">
+  <ds:schemaRefs>
+    <ds:schemaRef ds:uri="http://schemas.microsoft.com/VisualStudio/2011/storyboarding/control"/>
+  </ds:schemaRefs>
+</ds:datastoreItem>
+</file>
+
+<file path=customXml/itemProps127.xml><?xml version="1.0" encoding="utf-8"?>
+<ds:datastoreItem xmlns:ds="http://schemas.openxmlformats.org/officeDocument/2006/customXml" ds:itemID="{8244B591-5D32-4A05-BA31-BC819616DFB7}">
+  <ds:schemaRefs>
+    <ds:schemaRef ds:uri="http://schemas.microsoft.com/VisualStudio/2011/storyboarding/control"/>
+  </ds:schemaRefs>
+</ds:datastoreItem>
+</file>
+
+<file path=customXml/itemProps128.xml><?xml version="1.0" encoding="utf-8"?>
+<ds:datastoreItem xmlns:ds="http://schemas.openxmlformats.org/officeDocument/2006/customXml" ds:itemID="{22298047-2860-4124-9ABE-0B6EAD3B2EE5}">
+  <ds:schemaRefs>
+    <ds:schemaRef ds:uri="http://schemas.microsoft.com/VisualStudio/2011/storyboarding/control"/>
+  </ds:schemaRefs>
+</ds:datastoreItem>
+</file>
+
+<file path=customXml/itemProps129.xml><?xml version="1.0" encoding="utf-8"?>
+<ds:datastoreItem xmlns:ds="http://schemas.openxmlformats.org/officeDocument/2006/customXml" ds:itemID="{E122DFB9-543A-4200-A2BA-1912699A7065}">
+  <ds:schemaRefs>
+    <ds:schemaRef ds:uri="http://schemas.microsoft.com/VisualStudio/2011/storyboarding/control"/>
+  </ds:schemaRefs>
+</ds:datastoreItem>
+</file>
+
+<file path=customXml/itemProps13.xml><?xml version="1.0" encoding="utf-8"?>
+<ds:datastoreItem xmlns:ds="http://schemas.openxmlformats.org/officeDocument/2006/customXml" ds:itemID="{685244DA-C368-418D-A32C-F9A453A7D4FE}">
+  <ds:schemaRefs>
+    <ds:schemaRef ds:uri="http://schemas.microsoft.com/VisualStudio/2011/storyboarding/control"/>
+  </ds:schemaRefs>
+</ds:datastoreItem>
+</file>
+
+<file path=customXml/itemProps130.xml><?xml version="1.0" encoding="utf-8"?>
+<ds:datastoreItem xmlns:ds="http://schemas.openxmlformats.org/officeDocument/2006/customXml" ds:itemID="{3DF2B7D0-7790-4931-856C-0052A3987677}">
+  <ds:schemaRefs>
+    <ds:schemaRef ds:uri="http://schemas.microsoft.com/VisualStudio/2011/storyboarding/control"/>
+  </ds:schemaRefs>
+</ds:datastoreItem>
+</file>
+
+<file path=customXml/itemProps131.xml><?xml version="1.0" encoding="utf-8"?>
+<ds:datastoreItem xmlns:ds="http://schemas.openxmlformats.org/officeDocument/2006/customXml" ds:itemID="{0A248982-2D27-415F-82A9-7D157D116772}">
+  <ds:schemaRefs>
+    <ds:schemaRef ds:uri="http://schemas.microsoft.com/VisualStudio/2011/storyboarding/control"/>
+  </ds:schemaRefs>
+</ds:datastoreItem>
+</file>
+
+<file path=customXml/itemProps132.xml><?xml version="1.0" encoding="utf-8"?>
+<ds:datastoreItem xmlns:ds="http://schemas.openxmlformats.org/officeDocument/2006/customXml" ds:itemID="{BFFBFCF5-31FB-417E-87BB-79121180283E}">
+  <ds:schemaRefs>
+    <ds:schemaRef ds:uri="http://schemas.microsoft.com/VisualStudio/2011/storyboarding/control"/>
+  </ds:schemaRefs>
+</ds:datastoreItem>
+</file>
+
+<file path=customXml/itemProps133.xml><?xml version="1.0" encoding="utf-8"?>
+<ds:datastoreItem xmlns:ds="http://schemas.openxmlformats.org/officeDocument/2006/customXml" ds:itemID="{7FB06168-5510-4F1E-A95A-0BC019A40066}">
+  <ds:schemaRefs>
+    <ds:schemaRef ds:uri="http://schemas.microsoft.com/VisualStudio/2011/storyboarding/control"/>
+  </ds:schemaRefs>
+</ds:datastoreItem>
+</file>
+
+<file path=customXml/itemProps134.xml><?xml version="1.0" encoding="utf-8"?>
+<ds:datastoreItem xmlns:ds="http://schemas.openxmlformats.org/officeDocument/2006/customXml" ds:itemID="{A4A084FE-200F-4432-B959-208AE0B5A953}">
+  <ds:schemaRefs>
+    <ds:schemaRef ds:uri="http://schemas.microsoft.com/VisualStudio/2011/storyboarding/control"/>
+  </ds:schemaRefs>
+</ds:datastoreItem>
+</file>
+
+<file path=customXml/itemProps135.xml><?xml version="1.0" encoding="utf-8"?>
+<ds:datastoreItem xmlns:ds="http://schemas.openxmlformats.org/officeDocument/2006/customXml" ds:itemID="{858A8F0A-E74E-4E53-8F83-32A58F62D951}">
+  <ds:schemaRefs>
+    <ds:schemaRef ds:uri="http://schemas.microsoft.com/VisualStudio/2011/storyboarding/control"/>
+  </ds:schemaRefs>
+</ds:datastoreItem>
+</file>
+
+<file path=customXml/itemProps136.xml><?xml version="1.0" encoding="utf-8"?>
+<ds:datastoreItem xmlns:ds="http://schemas.openxmlformats.org/officeDocument/2006/customXml" ds:itemID="{A2A45F7D-E94E-4416-805D-F9FE9026D0C1}">
+  <ds:schemaRefs>
+    <ds:schemaRef ds:uri="http://schemas.microsoft.com/VisualStudio/2011/storyboarding/control"/>
+  </ds:schemaRefs>
+</ds:datastoreItem>
+</file>
+
+<file path=customXml/itemProps137.xml><?xml version="1.0" encoding="utf-8"?>
+<ds:datastoreItem xmlns:ds="http://schemas.openxmlformats.org/officeDocument/2006/customXml" ds:itemID="{695CA034-6E0A-4179-8E5E-5D940F76B689}">
+  <ds:schemaRefs>
+    <ds:schemaRef ds:uri="http://schemas.microsoft.com/VisualStudio/2011/storyboarding/control"/>
+  </ds:schemaRefs>
+</ds:datastoreItem>
+</file>
+
+<file path=customXml/itemProps138.xml><?xml version="1.0" encoding="utf-8"?>
+<ds:datastoreItem xmlns:ds="http://schemas.openxmlformats.org/officeDocument/2006/customXml" ds:itemID="{0BCD61E9-5120-4E54-9BD8-022EF3C58F3B}">
+  <ds:schemaRefs>
+    <ds:schemaRef ds:uri="http://schemas.microsoft.com/VisualStudio/2011/storyboarding/control"/>
+  </ds:schemaRefs>
+</ds:datastoreItem>
+</file>
+
+<file path=customXml/itemProps139.xml><?xml version="1.0" encoding="utf-8"?>
+<ds:datastoreItem xmlns:ds="http://schemas.openxmlformats.org/officeDocument/2006/customXml" ds:itemID="{657EAD29-4F6F-4638-BAD8-5DFE7421E00C}">
+  <ds:schemaRefs>
+    <ds:schemaRef ds:uri="http://schemas.microsoft.com/VisualStudio/2011/storyboarding/control"/>
+  </ds:schemaRefs>
+</ds:datastoreItem>
+</file>
+
+<file path=customXml/itemProps14.xml><?xml version="1.0" encoding="utf-8"?>
+<ds:datastoreItem xmlns:ds="http://schemas.openxmlformats.org/officeDocument/2006/customXml" ds:itemID="{A846728F-361C-42B5-A68F-6243A03724F7}">
+  <ds:schemaRefs>
+    <ds:schemaRef ds:uri="http://schemas.microsoft.com/VisualStudio/2011/storyboarding/control"/>
+  </ds:schemaRefs>
+</ds:datastoreItem>
+</file>
+
+<file path=customXml/itemProps140.xml><?xml version="1.0" encoding="utf-8"?>
+<ds:datastoreItem xmlns:ds="http://schemas.openxmlformats.org/officeDocument/2006/customXml" ds:itemID="{451BA158-56CC-46C7-A9AB-D749552AC8EA}">
+  <ds:schemaRefs>
+    <ds:schemaRef ds:uri="http://schemas.microsoft.com/VisualStudio/2011/storyboarding/control"/>
+  </ds:schemaRefs>
+</ds:datastoreItem>
+</file>
+
+<file path=customXml/itemProps141.xml><?xml version="1.0" encoding="utf-8"?>
+<ds:datastoreItem xmlns:ds="http://schemas.openxmlformats.org/officeDocument/2006/customXml" ds:itemID="{0CC44683-A1C2-44FE-951F-245A953DDDD1}">
+  <ds:schemaRefs>
+    <ds:schemaRef ds:uri="http://schemas.microsoft.com/VisualStudio/2011/storyboarding/control"/>
+  </ds:schemaRefs>
+</ds:datastoreItem>
+</file>
+
+<file path=customXml/itemProps142.xml><?xml version="1.0" encoding="utf-8"?>
+<ds:datastoreItem xmlns:ds="http://schemas.openxmlformats.org/officeDocument/2006/customXml" ds:itemID="{00FD17D8-DCFB-4DA1-830A-305D393415B3}">
+  <ds:schemaRefs>
+    <ds:schemaRef ds:uri="http://schemas.microsoft.com/VisualStudio/2011/storyboarding/control"/>
+  </ds:schemaRefs>
+</ds:datastoreItem>
+</file>
+
+<file path=customXml/itemProps143.xml><?xml version="1.0" encoding="utf-8"?>
+<ds:datastoreItem xmlns:ds="http://schemas.openxmlformats.org/officeDocument/2006/customXml" ds:itemID="{DA46D564-7D5C-4E8B-AF27-67C8B8FB20FA}">
+  <ds:schemaRefs>
+    <ds:schemaRef ds:uri="http://schemas.microsoft.com/VisualStudio/2011/storyboarding/control"/>
+  </ds:schemaRefs>
+</ds:datastoreItem>
+</file>
+
+<file path=customXml/itemProps144.xml><?xml version="1.0" encoding="utf-8"?>
+<ds:datastoreItem xmlns:ds="http://schemas.openxmlformats.org/officeDocument/2006/customXml" ds:itemID="{EC8E0E27-E550-4261-A865-DBA6BEAD946B}">
+  <ds:schemaRefs>
+    <ds:schemaRef ds:uri="http://schemas.microsoft.com/VisualStudio/2011/storyboarding/control"/>
+  </ds:schemaRefs>
+</ds:datastoreItem>
+</file>
+
+<file path=customXml/itemProps145.xml><?xml version="1.0" encoding="utf-8"?>
+<ds:datastoreItem xmlns:ds="http://schemas.openxmlformats.org/officeDocument/2006/customXml" ds:itemID="{130B0D62-A038-42FA-9EC7-A683DBD51592}">
+  <ds:schemaRefs>
+    <ds:schemaRef ds:uri="http://schemas.microsoft.com/VisualStudio/2011/storyboarding/control"/>
+  </ds:schemaRefs>
+</ds:datastoreItem>
+</file>
+
+<file path=customXml/itemProps146.xml><?xml version="1.0" encoding="utf-8"?>
+<ds:datastoreItem xmlns:ds="http://schemas.openxmlformats.org/officeDocument/2006/customXml" ds:itemID="{A87ABC7A-6C65-4575-BD30-A7693FA18B1E}">
+  <ds:schemaRefs>
+    <ds:schemaRef ds:uri="http://schemas.microsoft.com/VisualStudio/2011/storyboarding/control"/>
+  </ds:schemaRefs>
+</ds:datastoreItem>
+</file>
+
+<file path=customXml/itemProps147.xml><?xml version="1.0" encoding="utf-8"?>
+<ds:datastoreItem xmlns:ds="http://schemas.openxmlformats.org/officeDocument/2006/customXml" ds:itemID="{2EDBFF63-93EC-4BCF-B5D0-4EFA2D6866A7}">
+  <ds:schemaRefs>
+    <ds:schemaRef ds:uri="http://schemas.microsoft.com/VisualStudio/2011/storyboarding/control"/>
+  </ds:schemaRefs>
+</ds:datastoreItem>
+</file>
+
+<file path=customXml/itemProps148.xml><?xml version="1.0" encoding="utf-8"?>
+<ds:datastoreItem xmlns:ds="http://schemas.openxmlformats.org/officeDocument/2006/customXml" ds:itemID="{03E30F20-F868-4C32-B991-CDCD8323EB0C}">
+  <ds:schemaRefs>
+    <ds:schemaRef ds:uri="http://schemas.microsoft.com/VisualStudio/2011/storyboarding/control"/>
+  </ds:schemaRefs>
+</ds:datastoreItem>
+</file>
+
+<file path=customXml/itemProps149.xml><?xml version="1.0" encoding="utf-8"?>
+<ds:datastoreItem xmlns:ds="http://schemas.openxmlformats.org/officeDocument/2006/customXml" ds:itemID="{02E01893-8D39-4111-A2D3-E0F163968A1D}">
+  <ds:schemaRefs>
+    <ds:schemaRef ds:uri="http://schemas.microsoft.com/VisualStudio/2011/storyboarding/control"/>
+  </ds:schemaRefs>
+</ds:datastoreItem>
+</file>
+
+<file path=customXml/itemProps15.xml><?xml version="1.0" encoding="utf-8"?>
+<ds:datastoreItem xmlns:ds="http://schemas.openxmlformats.org/officeDocument/2006/customXml" ds:itemID="{BF2BF6A4-4EC3-4DB6-B461-51BD5F86F3E4}">
+  <ds:schemaRefs>
+    <ds:schemaRef ds:uri="http://schemas.microsoft.com/VisualStudio/2011/storyboarding/control"/>
+  </ds:schemaRefs>
+</ds:datastoreItem>
+</file>
+
+<file path=customXml/itemProps150.xml><?xml version="1.0" encoding="utf-8"?>
+<ds:datastoreItem xmlns:ds="http://schemas.openxmlformats.org/officeDocument/2006/customXml" ds:itemID="{3C0EEA6E-C87B-4447-BE3E-43DAC0D0FCD4}">
+  <ds:schemaRefs>
+    <ds:schemaRef ds:uri="http://schemas.microsoft.com/VisualStudio/2011/storyboarding/control"/>
+  </ds:schemaRefs>
+</ds:datastoreItem>
+</file>
+
+<file path=customXml/itemProps151.xml><?xml version="1.0" encoding="utf-8"?>
+<ds:datastoreItem xmlns:ds="http://schemas.openxmlformats.org/officeDocument/2006/customXml" ds:itemID="{05863F5F-9837-4646-90D1-D287455017FC}">
+  <ds:schemaRefs>
+    <ds:schemaRef ds:uri="http://schemas.microsoft.com/VisualStudio/2011/storyboarding/control"/>
+  </ds:schemaRefs>
+</ds:datastoreItem>
+</file>
+
+<file path=customXml/itemProps152.xml><?xml version="1.0" encoding="utf-8"?>
+<ds:datastoreItem xmlns:ds="http://schemas.openxmlformats.org/officeDocument/2006/customXml" ds:itemID="{D7877BD0-59F5-4FAD-B239-BDE864724FE0}">
+  <ds:schemaRefs>
+    <ds:schemaRef ds:uri="http://schemas.microsoft.com/VisualStudio/2011/storyboarding/control"/>
+  </ds:schemaRefs>
+</ds:datastoreItem>
+</file>
+
+<file path=customXml/itemProps153.xml><?xml version="1.0" encoding="utf-8"?>
+<ds:datastoreItem xmlns:ds="http://schemas.openxmlformats.org/officeDocument/2006/customXml" ds:itemID="{A6A46914-DB08-472D-B8E5-F4163E582125}">
+  <ds:schemaRefs>
+    <ds:schemaRef ds:uri="http://schemas.microsoft.com/VisualStudio/2011/storyboarding/control"/>
+  </ds:schemaRefs>
+</ds:datastoreItem>
+</file>
+
+<file path=customXml/itemProps154.xml><?xml version="1.0" encoding="utf-8"?>
+<ds:datastoreItem xmlns:ds="http://schemas.openxmlformats.org/officeDocument/2006/customXml" ds:itemID="{FE38110B-75C1-4526-B407-10088BE5AA45}">
+  <ds:schemaRefs>
+    <ds:schemaRef ds:uri="http://schemas.microsoft.com/VisualStudio/2011/storyboarding/control"/>
+  </ds:schemaRefs>
+</ds:datastoreItem>
+</file>
+
+<file path=customXml/itemProps155.xml><?xml version="1.0" encoding="utf-8"?>
+<ds:datastoreItem xmlns:ds="http://schemas.openxmlformats.org/officeDocument/2006/customXml" ds:itemID="{B1084A88-2E95-49D1-8BE0-399B2641C01F}">
+  <ds:schemaRefs>
+    <ds:schemaRef ds:uri="http://schemas.microsoft.com/VisualStudio/2011/storyboarding/control"/>
+  </ds:schemaRefs>
+</ds:datastoreItem>
+</file>
+
+<file path=customXml/itemProps156.xml><?xml version="1.0" encoding="utf-8"?>
+<ds:datastoreItem xmlns:ds="http://schemas.openxmlformats.org/officeDocument/2006/customXml" ds:itemID="{0AB873FC-AD1A-4205-9A0B-AAA1E4E7C39C}">
+  <ds:schemaRefs>
+    <ds:schemaRef ds:uri="http://schemas.microsoft.com/VisualStudio/2011/storyboarding/control"/>
+  </ds:schemaRefs>
+</ds:datastoreItem>
+</file>
+
+<file path=customXml/itemProps157.xml><?xml version="1.0" encoding="utf-8"?>
+<ds:datastoreItem xmlns:ds="http://schemas.openxmlformats.org/officeDocument/2006/customXml" ds:itemID="{0A4B8756-51F0-4FE1-9825-67DD5C08C03B}">
+  <ds:schemaRefs>
+    <ds:schemaRef ds:uri="http://schemas.microsoft.com/VisualStudio/2011/storyboarding/control"/>
+  </ds:schemaRefs>
+</ds:datastoreItem>
+</file>
+
+<file path=customXml/itemProps158.xml><?xml version="1.0" encoding="utf-8"?>
+<ds:datastoreItem xmlns:ds="http://schemas.openxmlformats.org/officeDocument/2006/customXml" ds:itemID="{35B708DB-DBE3-4181-956B-FDF64CB3A734}">
+  <ds:schemaRefs>
+    <ds:schemaRef ds:uri="http://schemas.microsoft.com/VisualStudio/2011/storyboarding/control"/>
+  </ds:schemaRefs>
+</ds:datastoreItem>
+</file>
+
+<file path=customXml/itemProps159.xml><?xml version="1.0" encoding="utf-8"?>
+<ds:datastoreItem xmlns:ds="http://schemas.openxmlformats.org/officeDocument/2006/customXml" ds:itemID="{3D8B9A4A-447D-43BA-A01C-CC7B373F7666}">
+  <ds:schemaRefs>
+    <ds:schemaRef ds:uri="http://schemas.microsoft.com/VisualStudio/2011/storyboarding/control"/>
+  </ds:schemaRefs>
+</ds:datastoreItem>
+</file>
+
+<file path=customXml/itemProps16.xml><?xml version="1.0" encoding="utf-8"?>
+<ds:datastoreItem xmlns:ds="http://schemas.openxmlformats.org/officeDocument/2006/customXml" ds:itemID="{5D814732-67D5-4A14-A5D6-326249B978DE}">
+  <ds:schemaRefs>
+    <ds:schemaRef ds:uri="http://schemas.microsoft.com/VisualStudio/2011/storyboarding/control"/>
+  </ds:schemaRefs>
+</ds:datastoreItem>
+</file>
+
+<file path=customXml/itemProps160.xml><?xml version="1.0" encoding="utf-8"?>
+<ds:datastoreItem xmlns:ds="http://schemas.openxmlformats.org/officeDocument/2006/customXml" ds:itemID="{CD643074-7DC0-4B56-B3AC-E9E8A2DE7352}">
+  <ds:schemaRefs>
+    <ds:schemaRef ds:uri="http://schemas.microsoft.com/VisualStudio/2011/storyboarding/control"/>
+  </ds:schemaRefs>
+</ds:datastoreItem>
+</file>
+
+<file path=customXml/itemProps161.xml><?xml version="1.0" encoding="utf-8"?>
+<ds:datastoreItem xmlns:ds="http://schemas.openxmlformats.org/officeDocument/2006/customXml" ds:itemID="{39041638-3627-44B4-B050-43013556DE97}">
+  <ds:schemaRefs>
+    <ds:schemaRef ds:uri="http://schemas.microsoft.com/VisualStudio/2011/storyboarding/control"/>
+  </ds:schemaRefs>
+</ds:datastoreItem>
+</file>
+
+<file path=customXml/itemProps162.xml><?xml version="1.0" encoding="utf-8"?>
+<ds:datastoreItem xmlns:ds="http://schemas.openxmlformats.org/officeDocument/2006/customXml" ds:itemID="{3FBFA4EC-17C5-4248-A71C-7ADBE94391F0}">
+  <ds:schemaRefs>
+    <ds:schemaRef ds:uri="http://schemas.microsoft.com/VisualStudio/2011/storyboarding/control"/>
+  </ds:schemaRefs>
+</ds:datastoreItem>
+</file>
+
+<file path=customXml/itemProps163.xml><?xml version="1.0" encoding="utf-8"?>
+<ds:datastoreItem xmlns:ds="http://schemas.openxmlformats.org/officeDocument/2006/customXml" ds:itemID="{A0FD5420-DDFF-4FB8-9077-E7F3FC176A89}">
+  <ds:schemaRefs>
+    <ds:schemaRef ds:uri="http://schemas.microsoft.com/VisualStudio/2011/storyboarding/control"/>
+  </ds:schemaRefs>
+</ds:datastoreItem>
+</file>
+
+<file path=customXml/itemProps164.xml><?xml version="1.0" encoding="utf-8"?>
+<ds:datastoreItem xmlns:ds="http://schemas.openxmlformats.org/officeDocument/2006/customXml" ds:itemID="{55399AF1-A6FB-4AD6-BFBD-3CAB1D44C75B}">
+  <ds:schemaRefs>
+    <ds:schemaRef ds:uri="http://schemas.microsoft.com/VisualStudio/2011/storyboarding/control"/>
+  </ds:schemaRefs>
+</ds:datastoreItem>
+</file>
+
+<file path=customXml/itemProps165.xml><?xml version="1.0" encoding="utf-8"?>
+<ds:datastoreItem xmlns:ds="http://schemas.openxmlformats.org/officeDocument/2006/customXml" ds:itemID="{72DABB7C-7EA3-49D3-968A-F1001C125308}">
+  <ds:schemaRefs>
+    <ds:schemaRef ds:uri="http://schemas.microsoft.com/VisualStudio/2011/storyboarding/control"/>
+  </ds:schemaRefs>
+</ds:datastoreItem>
+</file>
+
+<file path=customXml/itemProps166.xml><?xml version="1.0" encoding="utf-8"?>
+<ds:datastoreItem xmlns:ds="http://schemas.openxmlformats.org/officeDocument/2006/customXml" ds:itemID="{8198DF2F-BA14-418D-BE50-56C57A195466}">
+  <ds:schemaRefs>
+    <ds:schemaRef ds:uri="http://schemas.microsoft.com/VisualStudio/2011/storyboarding/control"/>
+  </ds:schemaRefs>
+</ds:datastoreItem>
+</file>
+
+<file path=customXml/itemProps167.xml><?xml version="1.0" encoding="utf-8"?>
+<ds:datastoreItem xmlns:ds="http://schemas.openxmlformats.org/officeDocument/2006/customXml" ds:itemID="{BFA47375-8608-44ED-BCCB-8CB81C7A9D52}">
+  <ds:schemaRefs>
+    <ds:schemaRef ds:uri="http://schemas.microsoft.com/VisualStudio/2011/storyboarding/control"/>
+  </ds:schemaRefs>
+</ds:datastoreItem>
+</file>
+
+<file path=customXml/itemProps168.xml><?xml version="1.0" encoding="utf-8"?>
+<ds:datastoreItem xmlns:ds="http://schemas.openxmlformats.org/officeDocument/2006/customXml" ds:itemID="{DACF65FA-EFDA-4966-84D3-E77BB6011A0E}">
+  <ds:schemaRefs>
+    <ds:schemaRef ds:uri="http://schemas.microsoft.com/VisualStudio/2011/storyboarding/control"/>
+  </ds:schemaRefs>
+</ds:datastoreItem>
+</file>
+
+<file path=customXml/itemProps169.xml><?xml version="1.0" encoding="utf-8"?>
+<ds:datastoreItem xmlns:ds="http://schemas.openxmlformats.org/officeDocument/2006/customXml" ds:itemID="{DFC4BA27-EE3A-4A28-A4A7-7B1E76E7DBB3}">
+  <ds:schemaRefs>
+    <ds:schemaRef ds:uri="http://schemas.microsoft.com/VisualStudio/2011/storyboarding/control"/>
+  </ds:schemaRefs>
+</ds:datastoreItem>
+</file>
+
+<file path=customXml/itemProps17.xml><?xml version="1.0" encoding="utf-8"?>
+<ds:datastoreItem xmlns:ds="http://schemas.openxmlformats.org/officeDocument/2006/customXml" ds:itemID="{4C8D55FE-281B-4548-9875-3AFF51AE3F97}">
+  <ds:schemaRefs>
+    <ds:schemaRef ds:uri="http://schemas.microsoft.com/VisualStudio/2011/storyboarding/control"/>
+  </ds:schemaRefs>
+</ds:datastoreItem>
+</file>
+
+<file path=customXml/itemProps170.xml><?xml version="1.0" encoding="utf-8"?>
+<ds:datastoreItem xmlns:ds="http://schemas.openxmlformats.org/officeDocument/2006/customXml" ds:itemID="{D2F41456-B3D8-454F-B1D9-7549C0A00CD6}">
+  <ds:schemaRefs>
+    <ds:schemaRef ds:uri="http://schemas.microsoft.com/VisualStudio/2011/storyboarding/control"/>
+  </ds:schemaRefs>
+</ds:datastoreItem>
+</file>
+
+<file path=customXml/itemProps171.xml><?xml version="1.0" encoding="utf-8"?>
+<ds:datastoreItem xmlns:ds="http://schemas.openxmlformats.org/officeDocument/2006/customXml" ds:itemID="{53106773-D6F2-41AD-9860-407045754501}">
+  <ds:schemaRefs>
+    <ds:schemaRef ds:uri="http://schemas.microsoft.com/VisualStudio/2011/storyboarding/control"/>
+  </ds:schemaRefs>
+</ds:datastoreItem>
+</file>
+
+<file path=customXml/itemProps172.xml><?xml version="1.0" encoding="utf-8"?>
+<ds:datastoreItem xmlns:ds="http://schemas.openxmlformats.org/officeDocument/2006/customXml" ds:itemID="{1385A12B-3268-439F-9072-3675960722A0}">
+  <ds:schemaRefs>
+    <ds:schemaRef ds:uri="http://schemas.microsoft.com/VisualStudio/2011/storyboarding/control"/>
+  </ds:schemaRefs>
+</ds:datastoreItem>
+</file>
+
+<file path=customXml/itemProps173.xml><?xml version="1.0" encoding="utf-8"?>
+<ds:datastoreItem xmlns:ds="http://schemas.openxmlformats.org/officeDocument/2006/customXml" ds:itemID="{D3BE89F4-E0C7-4D85-85D3-23022A5254BE}">
+  <ds:schemaRefs>
+    <ds:schemaRef ds:uri="http://schemas.microsoft.com/VisualStudio/2011/storyboarding/control"/>
+  </ds:schemaRefs>
+</ds:datastoreItem>
+</file>
+
+<file path=customXml/itemProps174.xml><?xml version="1.0" encoding="utf-8"?>
+<ds:datastoreItem xmlns:ds="http://schemas.openxmlformats.org/officeDocument/2006/customXml" ds:itemID="{7FF5E720-32FD-43B4-93F3-28521A9DC605}">
+  <ds:schemaRefs>
+    <ds:schemaRef ds:uri="http://schemas.microsoft.com/VisualStudio/2011/storyboarding/control"/>
+  </ds:schemaRefs>
+</ds:datastoreItem>
+</file>
+
+<file path=customXml/itemProps175.xml><?xml version="1.0" encoding="utf-8"?>
+<ds:datastoreItem xmlns:ds="http://schemas.openxmlformats.org/officeDocument/2006/customXml" ds:itemID="{426A4743-E70C-4953-AEAD-F53DDB87C3BF}">
+  <ds:schemaRefs>
+    <ds:schemaRef ds:uri="http://schemas.microsoft.com/VisualStudio/2011/storyboarding/control"/>
+  </ds:schemaRefs>
+</ds:datastoreItem>
+</file>
+
+<file path=customXml/itemProps176.xml><?xml version="1.0" encoding="utf-8"?>
+<ds:datastoreItem xmlns:ds="http://schemas.openxmlformats.org/officeDocument/2006/customXml" ds:itemID="{7AADA535-DF55-4FC4-8642-B7AFB22C838D}">
+  <ds:schemaRefs>
+    <ds:schemaRef ds:uri="http://schemas.microsoft.com/VisualStudio/2011/storyboarding/control"/>
+  </ds:schemaRefs>
+</ds:datastoreItem>
+</file>
+
+<file path=customXml/itemProps177.xml><?xml version="1.0" encoding="utf-8"?>
+<ds:datastoreItem xmlns:ds="http://schemas.openxmlformats.org/officeDocument/2006/customXml" ds:itemID="{610B635F-8480-423C-AA0A-1992CCE886DC}">
+  <ds:schemaRefs>
+    <ds:schemaRef ds:uri="http://schemas.microsoft.com/VisualStudio/2011/storyboarding/control"/>
+  </ds:schemaRefs>
+</ds:datastoreItem>
+</file>
+
+<file path=customXml/itemProps178.xml><?xml version="1.0" encoding="utf-8"?>
+<ds:datastoreItem xmlns:ds="http://schemas.openxmlformats.org/officeDocument/2006/customXml" ds:itemID="{7114499D-C6C8-49E5-98F0-5AB28D2481ED}">
+  <ds:schemaRefs>
+    <ds:schemaRef ds:uri="http://schemas.microsoft.com/VisualStudio/2011/storyboarding/control"/>
+  </ds:schemaRefs>
+</ds:datastoreItem>
+</file>
+
+<file path=customXml/itemProps179.xml><?xml version="1.0" encoding="utf-8"?>
+<ds:datastoreItem xmlns:ds="http://schemas.openxmlformats.org/officeDocument/2006/customXml" ds:itemID="{56C8B13E-4F0E-47AE-B6E1-90A2DD7D6C49}">
+  <ds:schemaRefs>
+    <ds:schemaRef ds:uri="http://schemas.microsoft.com/VisualStudio/2011/storyboarding/control"/>
+  </ds:schemaRefs>
+</ds:datastoreItem>
+</file>
+
+<file path=customXml/itemProps18.xml><?xml version="1.0" encoding="utf-8"?>
+<ds:datastoreItem xmlns:ds="http://schemas.openxmlformats.org/officeDocument/2006/customXml" ds:itemID="{BDA3FAF5-0FB5-4DF9-A72F-837BC34B2223}">
+  <ds:schemaRefs>
+    <ds:schemaRef ds:uri="http://schemas.microsoft.com/VisualStudio/2011/storyboarding/control"/>
+  </ds:schemaRefs>
+</ds:datastoreItem>
+</file>
+
+<file path=customXml/itemProps180.xml><?xml version="1.0" encoding="utf-8"?>
+<ds:datastoreItem xmlns:ds="http://schemas.openxmlformats.org/officeDocument/2006/customXml" ds:itemID="{BC888C1F-21BB-41B1-A05C-9A9E8EB5C798}">
+  <ds:schemaRefs>
+    <ds:schemaRef ds:uri="http://schemas.microsoft.com/VisualStudio/2011/storyboarding/control"/>
+  </ds:schemaRefs>
+</ds:datastoreItem>
+</file>
+
+<file path=customXml/itemProps181.xml><?xml version="1.0" encoding="utf-8"?>
+<ds:datastoreItem xmlns:ds="http://schemas.openxmlformats.org/officeDocument/2006/customXml" ds:itemID="{BCBB37D8-FBA9-4E37-824E-007AD64F96EA}">
+  <ds:schemaRefs>
+    <ds:schemaRef ds:uri="http://schemas.microsoft.com/VisualStudio/2011/storyboarding/control"/>
+  </ds:schemaRefs>
+</ds:datastoreItem>
+</file>
+
+<file path=customXml/itemProps182.xml><?xml version="1.0" encoding="utf-8"?>
+<ds:datastoreItem xmlns:ds="http://schemas.openxmlformats.org/officeDocument/2006/customXml" ds:itemID="{5D5EA1DB-182D-4A67-8487-E9AD9DFFACC5}">
+  <ds:schemaRefs>
+    <ds:schemaRef ds:uri="http://schemas.microsoft.com/VisualStudio/2011/storyboarding/control"/>
+  </ds:schemaRefs>
+</ds:datastoreItem>
+</file>
+
+<file path=customXml/itemProps183.xml><?xml version="1.0" encoding="utf-8"?>
+<ds:datastoreItem xmlns:ds="http://schemas.openxmlformats.org/officeDocument/2006/customXml" ds:itemID="{5416930E-C32B-4786-8045-5CA4C058F078}">
+  <ds:schemaRefs>
+    <ds:schemaRef ds:uri="http://schemas.microsoft.com/VisualStudio/2011/storyboarding/control"/>
+  </ds:schemaRefs>
+</ds:datastoreItem>
+</file>
+
+<file path=customXml/itemProps184.xml><?xml version="1.0" encoding="utf-8"?>
+<ds:datastoreItem xmlns:ds="http://schemas.openxmlformats.org/officeDocument/2006/customXml" ds:itemID="{07257D67-96B9-4E98-9931-7E719CD1E459}">
+  <ds:schemaRefs>
+    <ds:schemaRef ds:uri="http://schemas.microsoft.com/VisualStudio/2011/storyboarding/control"/>
+  </ds:schemaRefs>
+</ds:datastoreItem>
+</file>
+
+<file path=customXml/itemProps185.xml><?xml version="1.0" encoding="utf-8"?>
+<ds:datastoreItem xmlns:ds="http://schemas.openxmlformats.org/officeDocument/2006/customXml" ds:itemID="{000F894D-E16E-4805-9F87-22AD59B8ABD4}">
+  <ds:schemaRefs>
+    <ds:schemaRef ds:uri="http://schemas.microsoft.com/VisualStudio/2011/storyboarding/control"/>
+  </ds:schemaRefs>
+</ds:datastoreItem>
+</file>
+
+<file path=customXml/itemProps186.xml><?xml version="1.0" encoding="utf-8"?>
+<ds:datastoreItem xmlns:ds="http://schemas.openxmlformats.org/officeDocument/2006/customXml" ds:itemID="{81690581-EDFD-49BF-86DB-DE01BB18B210}">
+  <ds:schemaRefs>
+    <ds:schemaRef ds:uri="http://schemas.microsoft.com/VisualStudio/2011/storyboarding/control"/>
+  </ds:schemaRefs>
+</ds:datastoreItem>
+</file>
+
+<file path=customXml/itemProps187.xml><?xml version="1.0" encoding="utf-8"?>
+<ds:datastoreItem xmlns:ds="http://schemas.openxmlformats.org/officeDocument/2006/customXml" ds:itemID="{7BD1F015-0356-4A9A-BC1B-B374010395E1}">
+  <ds:schemaRefs>
+    <ds:schemaRef ds:uri="http://schemas.microsoft.com/VisualStudio/2011/storyboarding/control"/>
+  </ds:schemaRefs>
+</ds:datastoreItem>
+</file>
+
+<file path=customXml/itemProps188.xml><?xml version="1.0" encoding="utf-8"?>
+<ds:datastoreItem xmlns:ds="http://schemas.openxmlformats.org/officeDocument/2006/customXml" ds:itemID="{9450BFFB-AEAE-49FD-87A6-34E338CFE526}">
+  <ds:schemaRefs>
+    <ds:schemaRef ds:uri="http://schemas.microsoft.com/VisualStudio/2011/storyboarding/control"/>
+  </ds:schemaRefs>
+</ds:datastoreItem>
+</file>
+
+<file path=customXml/itemProps189.xml><?xml version="1.0" encoding="utf-8"?>
+<ds:datastoreItem xmlns:ds="http://schemas.openxmlformats.org/officeDocument/2006/customXml" ds:itemID="{8FAA362E-168D-4E9C-A7A3-3697BCAC82F9}">
+  <ds:schemaRefs>
+    <ds:schemaRef ds:uri="http://schemas.microsoft.com/VisualStudio/2011/storyboarding/control"/>
+  </ds:schemaRefs>
+</ds:datastoreItem>
+</file>
+
+<file path=customXml/itemProps19.xml><?xml version="1.0" encoding="utf-8"?>
+<ds:datastoreItem xmlns:ds="http://schemas.openxmlformats.org/officeDocument/2006/customXml" ds:itemID="{9BE44C23-4C8D-48E8-9A5B-EB6D7F66928E}">
+  <ds:schemaRefs>
+    <ds:schemaRef ds:uri="http://schemas.microsoft.com/VisualStudio/2011/storyboarding/control"/>
+  </ds:schemaRefs>
+</ds:datastoreItem>
+</file>
+
+<file path=customXml/itemProps190.xml><?xml version="1.0" encoding="utf-8"?>
+<ds:datastoreItem xmlns:ds="http://schemas.openxmlformats.org/officeDocument/2006/customXml" ds:itemID="{122AF3B9-9E19-47E8-BB26-5FC85688BA5A}">
+  <ds:schemaRefs>
+    <ds:schemaRef ds:uri="http://schemas.microsoft.com/VisualStudio/2011/storyboarding/control"/>
+  </ds:schemaRefs>
+</ds:datastoreItem>
+</file>
+
+<file path=customXml/itemProps191.xml><?xml version="1.0" encoding="utf-8"?>
+<ds:datastoreItem xmlns:ds="http://schemas.openxmlformats.org/officeDocument/2006/customXml" ds:itemID="{3090B25A-B777-4B83-BF30-0498ED3E4774}">
+  <ds:schemaRefs>
+    <ds:schemaRef ds:uri="http://schemas.microsoft.com/VisualStudio/2011/storyboarding/control"/>
+  </ds:schemaRefs>
+</ds:datastoreItem>
+</file>
+
+<file path=customXml/itemProps192.xml><?xml version="1.0" encoding="utf-8"?>
+<ds:datastoreItem xmlns:ds="http://schemas.openxmlformats.org/officeDocument/2006/customXml" ds:itemID="{EBE21AF8-D789-4FA2-BB2A-9182E7DD0EDF}">
+  <ds:schemaRefs>
+    <ds:schemaRef ds:uri="http://schemas.microsoft.com/VisualStudio/2011/storyboarding/control"/>
+  </ds:schemaRefs>
+</ds:datastoreItem>
+</file>
+
+<file path=customXml/itemProps193.xml><?xml version="1.0" encoding="utf-8"?>
+<ds:datastoreItem xmlns:ds="http://schemas.openxmlformats.org/officeDocument/2006/customXml" ds:itemID="{08A9803F-CFDA-42A3-9744-0E011C269932}">
+  <ds:schemaRefs>
+    <ds:schemaRef ds:uri="http://schemas.microsoft.com/VisualStudio/2011/storyboarding/control"/>
+  </ds:schemaRefs>
+</ds:datastoreItem>
+</file>
+
+<file path=customXml/itemProps194.xml><?xml version="1.0" encoding="utf-8"?>
+<ds:datastoreItem xmlns:ds="http://schemas.openxmlformats.org/officeDocument/2006/customXml" ds:itemID="{2AC86A44-86DE-437C-AC10-E334DC919211}">
+  <ds:schemaRefs>
+    <ds:schemaRef ds:uri="http://schemas.microsoft.com/VisualStudio/2011/storyboarding/control"/>
+  </ds:schemaRefs>
+</ds:datastoreItem>
+</file>
+
+<file path=customXml/itemProps195.xml><?xml version="1.0" encoding="utf-8"?>
+<ds:datastoreItem xmlns:ds="http://schemas.openxmlformats.org/officeDocument/2006/customXml" ds:itemID="{CD65E51E-616C-494D-AFDC-C440B93A86EC}">
+  <ds:schemaRefs>
+    <ds:schemaRef ds:uri="http://schemas.microsoft.com/VisualStudio/2011/storyboarding/control"/>
+  </ds:schemaRefs>
+</ds:datastoreItem>
+</file>
+
+<file path=customXml/itemProps196.xml><?xml version="1.0" encoding="utf-8"?>
+<ds:datastoreItem xmlns:ds="http://schemas.openxmlformats.org/officeDocument/2006/customXml" ds:itemID="{ACB067FF-DDF3-4872-9681-101A6334ED46}">
+  <ds:schemaRefs>
+    <ds:schemaRef ds:uri="http://schemas.microsoft.com/VisualStudio/2011/storyboarding/control"/>
+  </ds:schemaRefs>
+</ds:datastoreItem>
+</file>
+
+<file path=customXml/itemProps197.xml><?xml version="1.0" encoding="utf-8"?>
+<ds:datastoreItem xmlns:ds="http://schemas.openxmlformats.org/officeDocument/2006/customXml" ds:itemID="{F1ECC984-C114-4A79-B5B6-12711CAF99BF}">
+  <ds:schemaRefs>
+    <ds:schemaRef ds:uri="http://schemas.microsoft.com/VisualStudio/2011/storyboarding/control"/>
+  </ds:schemaRefs>
+</ds:datastoreItem>
+</file>
+
+<file path=customXml/itemProps198.xml><?xml version="1.0" encoding="utf-8"?>
+<ds:datastoreItem xmlns:ds="http://schemas.openxmlformats.org/officeDocument/2006/customXml" ds:itemID="{C43B4C94-3FEE-4641-AAEF-DDB851AEBDD6}">
+  <ds:schemaRefs>
+    <ds:schemaRef ds:uri="http://schemas.microsoft.com/VisualStudio/2011/storyboarding/control"/>
+  </ds:schemaRefs>
+</ds:datastoreItem>
+</file>
+
+<file path=customXml/itemProps199.xml><?xml version="1.0" encoding="utf-8"?>
+<ds:datastoreItem xmlns:ds="http://schemas.openxmlformats.org/officeDocument/2006/customXml" ds:itemID="{D1E1932A-A453-4E26-A6D2-CC36EEC91325}">
+  <ds:schemaRefs>
+    <ds:schemaRef ds:uri="http://schemas.microsoft.com/VisualStudio/2011/storyboarding/control"/>
+  </ds:schemaRefs>
+</ds:datastoreItem>
+</file>
+
+<file path=customXml/itemProps2.xml><?xml version="1.0" encoding="utf-8"?>
+<ds:datastoreItem xmlns:ds="http://schemas.openxmlformats.org/officeDocument/2006/customXml" ds:itemID="{83C93A91-E87D-4C18-B0C5-D1ADC1FF6218}">
+  <ds:schemaRefs>
+    <ds:schemaRef ds:uri="http://schemas.microsoft.com/VisualStudio/2011/storyboarding/control"/>
+  </ds:schemaRefs>
+</ds:datastoreItem>
+</file>
+
+<file path=customXml/itemProps20.xml><?xml version="1.0" encoding="utf-8"?>
+<ds:datastoreItem xmlns:ds="http://schemas.openxmlformats.org/officeDocument/2006/customXml" ds:itemID="{3B07C21B-B896-4441-A0BB-886607473D80}">
+  <ds:schemaRefs>
+    <ds:schemaRef ds:uri="http://schemas.microsoft.com/VisualStudio/2011/storyboarding/control"/>
+  </ds:schemaRefs>
+</ds:datastoreItem>
+</file>
+
+<file path=customXml/itemProps200.xml><?xml version="1.0" encoding="utf-8"?>
+<ds:datastoreItem xmlns:ds="http://schemas.openxmlformats.org/officeDocument/2006/customXml" ds:itemID="{B45CE39A-A97E-4581-BA41-14D5858B243F}">
+  <ds:schemaRefs>
+    <ds:schemaRef ds:uri="http://schemas.microsoft.com/VisualStudio/2011/storyboarding/control"/>
+  </ds:schemaRefs>
+</ds:datastoreItem>
+</file>
+
+<file path=customXml/itemProps201.xml><?xml version="1.0" encoding="utf-8"?>
+<ds:datastoreItem xmlns:ds="http://schemas.openxmlformats.org/officeDocument/2006/customXml" ds:itemID="{9732FB50-344B-4D86-86A2-5027AFEA0420}">
+  <ds:schemaRefs>
+    <ds:schemaRef ds:uri="http://schemas.microsoft.com/VisualStudio/2011/storyboarding/control"/>
+  </ds:schemaRefs>
+</ds:datastoreItem>
+</file>
+
+<file path=customXml/itemProps202.xml><?xml version="1.0" encoding="utf-8"?>
+<ds:datastoreItem xmlns:ds="http://schemas.openxmlformats.org/officeDocument/2006/customXml" ds:itemID="{46265094-0D36-46EF-92A3-629D19F3DFE8}">
+  <ds:schemaRefs>
+    <ds:schemaRef ds:uri="http://schemas.microsoft.com/VisualStudio/2011/storyboarding/control"/>
+  </ds:schemaRefs>
+</ds:datastoreItem>
+</file>
+
+<file path=customXml/itemProps203.xml><?xml version="1.0" encoding="utf-8"?>
+<ds:datastoreItem xmlns:ds="http://schemas.openxmlformats.org/officeDocument/2006/customXml" ds:itemID="{0B402B8B-5A56-4849-992D-9D3AB7C837D7}">
+  <ds:schemaRefs>
+    <ds:schemaRef ds:uri="http://schemas.microsoft.com/VisualStudio/2011/storyboarding/control"/>
+  </ds:schemaRefs>
+</ds:datastoreItem>
+</file>
+
+<file path=customXml/itemProps204.xml><?xml version="1.0" encoding="utf-8"?>
+<ds:datastoreItem xmlns:ds="http://schemas.openxmlformats.org/officeDocument/2006/customXml" ds:itemID="{E4701A60-2A9D-4752-9866-0062466F370C}">
+  <ds:schemaRefs>
+    <ds:schemaRef ds:uri="http://schemas.microsoft.com/VisualStudio/2011/storyboarding/control"/>
+  </ds:schemaRefs>
+</ds:datastoreItem>
+</file>
+
+<file path=customXml/itemProps205.xml><?xml version="1.0" encoding="utf-8"?>
+<ds:datastoreItem xmlns:ds="http://schemas.openxmlformats.org/officeDocument/2006/customXml" ds:itemID="{9776D11D-1935-4F96-BDED-3EC4CB27B12D}">
+  <ds:schemaRefs>
+    <ds:schemaRef ds:uri="http://schemas.microsoft.com/VisualStudio/2011/storyboarding/control"/>
+  </ds:schemaRefs>
+</ds:datastoreItem>
+</file>
+
+<file path=customXml/itemProps206.xml><?xml version="1.0" encoding="utf-8"?>
+<ds:datastoreItem xmlns:ds="http://schemas.openxmlformats.org/officeDocument/2006/customXml" ds:itemID="{9B397375-C9A0-47C4-A9E7-D5AC8693798A}">
+  <ds:schemaRefs>
+    <ds:schemaRef ds:uri="http://schemas.microsoft.com/VisualStudio/2011/storyboarding/control"/>
+  </ds:schemaRefs>
+</ds:datastoreItem>
+</file>
+
+<file path=customXml/itemProps207.xml><?xml version="1.0" encoding="utf-8"?>
+<ds:datastoreItem xmlns:ds="http://schemas.openxmlformats.org/officeDocument/2006/customXml" ds:itemID="{28D1A277-7982-45B6-81B3-65B63D8EE9CD}">
+  <ds:schemaRefs>
+    <ds:schemaRef ds:uri="http://schemas.microsoft.com/VisualStudio/2011/storyboarding/control"/>
+  </ds:schemaRefs>
+</ds:datastoreItem>
+</file>
+
+<file path=customXml/itemProps208.xml><?xml version="1.0" encoding="utf-8"?>
+<ds:datastoreItem xmlns:ds="http://schemas.openxmlformats.org/officeDocument/2006/customXml" ds:itemID="{D69CFD16-B2BA-45BF-B7EE-A6D183D6613E}">
+  <ds:schemaRefs>
+    <ds:schemaRef ds:uri="http://schemas.microsoft.com/VisualStudio/2011/storyboarding/control"/>
+  </ds:schemaRefs>
+</ds:datastoreItem>
+</file>
+
+<file path=customXml/itemProps209.xml><?xml version="1.0" encoding="utf-8"?>
+<ds:datastoreItem xmlns:ds="http://schemas.openxmlformats.org/officeDocument/2006/customXml" ds:itemID="{8D3B4A51-C576-49D2-A996-985DC68FA7D2}">
+  <ds:schemaRefs>
+    <ds:schemaRef ds:uri="http://schemas.microsoft.com/VisualStudio/2011/storyboarding/control"/>
+  </ds:schemaRefs>
+</ds:datastoreItem>
+</file>
+
+<file path=customXml/itemProps21.xml><?xml version="1.0" encoding="utf-8"?>
+<ds:datastoreItem xmlns:ds="http://schemas.openxmlformats.org/officeDocument/2006/customXml" ds:itemID="{907CE7C4-B00C-4941-8E91-087C727CD618}">
+  <ds:schemaRefs>
+    <ds:schemaRef ds:uri="http://schemas.microsoft.com/VisualStudio/2011/storyboarding/control"/>
+  </ds:schemaRefs>
+</ds:datastoreItem>
+</file>
+
+<file path=customXml/itemProps210.xml><?xml version="1.0" encoding="utf-8"?>
+<ds:datastoreItem xmlns:ds="http://schemas.openxmlformats.org/officeDocument/2006/customXml" ds:itemID="{7463D96E-2ECA-410B-91BB-BA2264EF8B9B}">
+  <ds:schemaRefs>
+    <ds:schemaRef ds:uri="http://schemas.microsoft.com/VisualStudio/2011/storyboarding/control"/>
+  </ds:schemaRefs>
+</ds:datastoreItem>
+</file>
+
+<file path=customXml/itemProps211.xml><?xml version="1.0" encoding="utf-8"?>
+<ds:datastoreItem xmlns:ds="http://schemas.openxmlformats.org/officeDocument/2006/customXml" ds:itemID="{5B4DEEEF-56CD-4567-970F-294D256A0B52}">
+  <ds:schemaRefs>
+    <ds:schemaRef ds:uri="http://schemas.microsoft.com/VisualStudio/2011/storyboarding/control"/>
+  </ds:schemaRefs>
+</ds:datastoreItem>
+</file>
+
+<file path=customXml/itemProps212.xml><?xml version="1.0" encoding="utf-8"?>
+<ds:datastoreItem xmlns:ds="http://schemas.openxmlformats.org/officeDocument/2006/customXml" ds:itemID="{1B687C08-E08C-4CAB-9785-B89C7C9939B3}">
+  <ds:schemaRefs>
+    <ds:schemaRef ds:uri="http://schemas.microsoft.com/VisualStudio/2011/storyboarding/control"/>
+  </ds:schemaRefs>
+</ds:datastoreItem>
+</file>
+
+<file path=customXml/itemProps213.xml><?xml version="1.0" encoding="utf-8"?>
+<ds:datastoreItem xmlns:ds="http://schemas.openxmlformats.org/officeDocument/2006/customXml" ds:itemID="{4AF09C12-A1A4-4428-8CE4-3008874B209D}">
+  <ds:schemaRefs>
+    <ds:schemaRef ds:uri="http://schemas.microsoft.com/VisualStudio/2011/storyboarding/control"/>
+  </ds:schemaRefs>
+</ds:datastoreItem>
+</file>
+
+<file path=customXml/itemProps214.xml><?xml version="1.0" encoding="utf-8"?>
+<ds:datastoreItem xmlns:ds="http://schemas.openxmlformats.org/officeDocument/2006/customXml" ds:itemID="{C904A63E-B4F8-4F66-AAA5-D77CB9D7C19B}">
+  <ds:schemaRefs>
+    <ds:schemaRef ds:uri="http://schemas.microsoft.com/VisualStudio/2011/storyboarding/control"/>
+  </ds:schemaRefs>
+</ds:datastoreItem>
+</file>
+
+<file path=customXml/itemProps215.xml><?xml version="1.0" encoding="utf-8"?>
+<ds:datastoreItem xmlns:ds="http://schemas.openxmlformats.org/officeDocument/2006/customXml" ds:itemID="{890DEF80-FFA1-43E9-8719-E41CB579575B}">
+  <ds:schemaRefs>
+    <ds:schemaRef ds:uri="http://schemas.microsoft.com/VisualStudio/2011/storyboarding/control"/>
+  </ds:schemaRefs>
+</ds:datastoreItem>
+</file>
+
+<file path=customXml/itemProps216.xml><?xml version="1.0" encoding="utf-8"?>
+<ds:datastoreItem xmlns:ds="http://schemas.openxmlformats.org/officeDocument/2006/customXml" ds:itemID="{1A5396DD-9080-4B99-95D8-64D9A83F183E}">
+  <ds:schemaRefs>
+    <ds:schemaRef ds:uri="http://schemas.microsoft.com/VisualStudio/2011/storyboarding/control"/>
+  </ds:schemaRefs>
+</ds:datastoreItem>
+</file>
+
+<file path=customXml/itemProps217.xml><?xml version="1.0" encoding="utf-8"?>
+<ds:datastoreItem xmlns:ds="http://schemas.openxmlformats.org/officeDocument/2006/customXml" ds:itemID="{EE54E899-0F8C-459F-AA25-691F8C5375AF}">
+  <ds:schemaRefs>
+    <ds:schemaRef ds:uri="http://schemas.microsoft.com/VisualStudio/2011/storyboarding/control"/>
+  </ds:schemaRefs>
+</ds:datastoreItem>
+</file>
+
+<file path=customXml/itemProps218.xml><?xml version="1.0" encoding="utf-8"?>
+<ds:datastoreItem xmlns:ds="http://schemas.openxmlformats.org/officeDocument/2006/customXml" ds:itemID="{036A8109-61D9-4038-A0A5-52AECAB01D5B}">
+  <ds:schemaRefs>
+    <ds:schemaRef ds:uri="http://schemas.microsoft.com/VisualStudio/2011/storyboarding/control"/>
+  </ds:schemaRefs>
+</ds:datastoreItem>
+</file>
+
+<file path=customXml/itemProps219.xml><?xml version="1.0" encoding="utf-8"?>
+<ds:datastoreItem xmlns:ds="http://schemas.openxmlformats.org/officeDocument/2006/customXml" ds:itemID="{D7733675-9C66-4C42-AB09-9C406E41D2B8}">
+  <ds:schemaRefs>
+    <ds:schemaRef ds:uri="http://schemas.microsoft.com/VisualStudio/2011/storyboarding/control"/>
+  </ds:schemaRefs>
+</ds:datastoreItem>
+</file>
+
+<file path=customXml/itemProps22.xml><?xml version="1.0" encoding="utf-8"?>
+<ds:datastoreItem xmlns:ds="http://schemas.openxmlformats.org/officeDocument/2006/customXml" ds:itemID="{8957563C-A84F-4BA7-AFEE-91A0901E3070}">
+  <ds:schemaRefs>
+    <ds:schemaRef ds:uri="http://schemas.microsoft.com/VisualStudio/2011/storyboarding/control"/>
+  </ds:schemaRefs>
+</ds:datastoreItem>
+</file>
+
+<file path=customXml/itemProps220.xml><?xml version="1.0" encoding="utf-8"?>
+<ds:datastoreItem xmlns:ds="http://schemas.openxmlformats.org/officeDocument/2006/customXml" ds:itemID="{F6871986-158F-4AFD-8563-24EEC93B23F2}">
+  <ds:schemaRefs>
+    <ds:schemaRef ds:uri="http://schemas.microsoft.com/VisualStudio/2011/storyboarding/control"/>
+  </ds:schemaRefs>
+</ds:datastoreItem>
+</file>
+
+<file path=customXml/itemProps221.xml><?xml version="1.0" encoding="utf-8"?>
+<ds:datastoreItem xmlns:ds="http://schemas.openxmlformats.org/officeDocument/2006/customXml" ds:itemID="{2CB7863B-20F4-462E-98FA-2839183EF78E}">
+  <ds:schemaRefs>
+    <ds:schemaRef ds:uri="http://schemas.microsoft.com/VisualStudio/2011/storyboarding/control"/>
+  </ds:schemaRefs>
+</ds:datastoreItem>
+</file>
+
+<file path=customXml/itemProps222.xml><?xml version="1.0" encoding="utf-8"?>
+<ds:datastoreItem xmlns:ds="http://schemas.openxmlformats.org/officeDocument/2006/customXml" ds:itemID="{DDEB8723-48E7-42AD-ADEC-364D9C531975}">
+  <ds:schemaRefs>
+    <ds:schemaRef ds:uri="http://schemas.microsoft.com/VisualStudio/2011/storyboarding/control"/>
+  </ds:schemaRefs>
+</ds:datastoreItem>
+</file>
+
+<file path=customXml/itemProps223.xml><?xml version="1.0" encoding="utf-8"?>
+<ds:datastoreItem xmlns:ds="http://schemas.openxmlformats.org/officeDocument/2006/customXml" ds:itemID="{999F4DDD-AF4B-4571-BC01-A685F937498E}">
+  <ds:schemaRefs>
+    <ds:schemaRef ds:uri="http://schemas.microsoft.com/VisualStudio/2011/storyboarding/control"/>
+  </ds:schemaRefs>
+</ds:datastoreItem>
+</file>
+
+<file path=customXml/itemProps224.xml><?xml version="1.0" encoding="utf-8"?>
+<ds:datastoreItem xmlns:ds="http://schemas.openxmlformats.org/officeDocument/2006/customXml" ds:itemID="{4CC19E68-B883-48B9-8CA0-046516B7B59B}">
+  <ds:schemaRefs>
+    <ds:schemaRef ds:uri="http://schemas.microsoft.com/VisualStudio/2011/storyboarding/control"/>
+  </ds:schemaRefs>
+</ds:datastoreItem>
+</file>
+
+<file path=customXml/itemProps225.xml><?xml version="1.0" encoding="utf-8"?>
+<ds:datastoreItem xmlns:ds="http://schemas.openxmlformats.org/officeDocument/2006/customXml" ds:itemID="{1AA638C0-9380-47E6-AADE-5B2C40250DA2}">
+  <ds:schemaRefs>
+    <ds:schemaRef ds:uri="http://schemas.microsoft.com/VisualStudio/2011/storyboarding/control"/>
+  </ds:schemaRefs>
+</ds:datastoreItem>
+</file>
+
+<file path=customXml/itemProps226.xml><?xml version="1.0" encoding="utf-8"?>
+<ds:datastoreItem xmlns:ds="http://schemas.openxmlformats.org/officeDocument/2006/customXml" ds:itemID="{8D5E1E51-E066-4DA4-984C-86E4E7BEEB04}">
+  <ds:schemaRefs>
+    <ds:schemaRef ds:uri="http://schemas.microsoft.com/VisualStudio/2011/storyboarding/control"/>
+  </ds:schemaRefs>
+</ds:datastoreItem>
+</file>
+
+<file path=customXml/itemProps227.xml><?xml version="1.0" encoding="utf-8"?>
+<ds:datastoreItem xmlns:ds="http://schemas.openxmlformats.org/officeDocument/2006/customXml" ds:itemID="{7FF91253-6D0C-4811-B4EB-99B1BADA74F1}">
+  <ds:schemaRefs>
+    <ds:schemaRef ds:uri="http://schemas.microsoft.com/VisualStudio/2011/storyboarding/control"/>
+  </ds:schemaRefs>
+</ds:datastoreItem>
+</file>
+
+<file path=customXml/itemProps228.xml><?xml version="1.0" encoding="utf-8"?>
+<ds:datastoreItem xmlns:ds="http://schemas.openxmlformats.org/officeDocument/2006/customXml" ds:itemID="{AD6C7A00-DCA8-46C5-A458-17FE22EFEE37}">
+  <ds:schemaRefs>
+    <ds:schemaRef ds:uri="http://schemas.microsoft.com/VisualStudio/2011/storyboarding/control"/>
+  </ds:schemaRefs>
+</ds:datastoreItem>
+</file>
+
+<file path=customXml/itemProps229.xml><?xml version="1.0" encoding="utf-8"?>
+<ds:datastoreItem xmlns:ds="http://schemas.openxmlformats.org/officeDocument/2006/customXml" ds:itemID="{8A82294C-5C1E-4DB4-9A53-E8A0F1373D33}">
+  <ds:schemaRefs>
+    <ds:schemaRef ds:uri="http://schemas.microsoft.com/VisualStudio/2011/storyboarding/control"/>
+  </ds:schemaRefs>
+</ds:datastoreItem>
+</file>
+
+<file path=customXml/itemProps23.xml><?xml version="1.0" encoding="utf-8"?>
+<ds:datastoreItem xmlns:ds="http://schemas.openxmlformats.org/officeDocument/2006/customXml" ds:itemID="{F17CEBBA-724F-44A3-9AB2-67A69A938E9E}">
+  <ds:schemaRefs>
+    <ds:schemaRef ds:uri="http://schemas.microsoft.com/VisualStudio/2011/storyboarding/control"/>
+  </ds:schemaRefs>
+</ds:datastoreItem>
+</file>
+
+<file path=customXml/itemProps230.xml><?xml version="1.0" encoding="utf-8"?>
+<ds:datastoreItem xmlns:ds="http://schemas.openxmlformats.org/officeDocument/2006/customXml" ds:itemID="{53091692-30A5-4A55-BED0-76183EA12C30}">
+  <ds:schemaRefs>
+    <ds:schemaRef ds:uri="http://schemas.microsoft.com/VisualStudio/2011/storyboarding/control"/>
+  </ds:schemaRefs>
+</ds:datastoreItem>
+</file>
+
+<file path=customXml/itemProps231.xml><?xml version="1.0" encoding="utf-8"?>
+<ds:datastoreItem xmlns:ds="http://schemas.openxmlformats.org/officeDocument/2006/customXml" ds:itemID="{FDF52D47-7467-43F5-AC96-EFB9057C92A3}">
+  <ds:schemaRefs>
+    <ds:schemaRef ds:uri="http://schemas.microsoft.com/VisualStudio/2011/storyboarding/control"/>
+  </ds:schemaRefs>
+</ds:datastoreItem>
+</file>
+
+<file path=customXml/itemProps232.xml><?xml version="1.0" encoding="utf-8"?>
+<ds:datastoreItem xmlns:ds="http://schemas.openxmlformats.org/officeDocument/2006/customXml" ds:itemID="{F108CEF5-F86C-4329-BCC8-A365BCF806C5}">
+  <ds:schemaRefs>
+    <ds:schemaRef ds:uri="http://schemas.microsoft.com/VisualStudio/2011/storyboarding/control"/>
+  </ds:schemaRefs>
+</ds:datastoreItem>
+</file>
+
+<file path=customXml/itemProps233.xml><?xml version="1.0" encoding="utf-8"?>
+<ds:datastoreItem xmlns:ds="http://schemas.openxmlformats.org/officeDocument/2006/customXml" ds:itemID="{C800B568-4C6F-4D10-AD7A-100A4336547B}">
+  <ds:schemaRefs>
+    <ds:schemaRef ds:uri="http://schemas.microsoft.com/VisualStudio/2011/storyboarding/control"/>
+  </ds:schemaRefs>
+</ds:datastoreItem>
+</file>
+
+<file path=customXml/itemProps234.xml><?xml version="1.0" encoding="utf-8"?>
+<ds:datastoreItem xmlns:ds="http://schemas.openxmlformats.org/officeDocument/2006/customXml" ds:itemID="{D8FC25D1-9E29-4ABF-802B-E0E3FDD0D25E}">
+  <ds:schemaRefs>
+    <ds:schemaRef ds:uri="http://schemas.microsoft.com/VisualStudio/2011/storyboarding/control"/>
+  </ds:schemaRefs>
+</ds:datastoreItem>
+</file>
+
+<file path=customXml/itemProps235.xml><?xml version="1.0" encoding="utf-8"?>
+<ds:datastoreItem xmlns:ds="http://schemas.openxmlformats.org/officeDocument/2006/customXml" ds:itemID="{258917D9-A883-4696-8858-4D509FD5F52B}">
+  <ds:schemaRefs>
+    <ds:schemaRef ds:uri="http://schemas.microsoft.com/VisualStudio/2011/storyboarding/control"/>
+  </ds:schemaRefs>
+</ds:datastoreItem>
+</file>
+
+<file path=customXml/itemProps236.xml><?xml version="1.0" encoding="utf-8"?>
+<ds:datastoreItem xmlns:ds="http://schemas.openxmlformats.org/officeDocument/2006/customXml" ds:itemID="{4C5D9824-13D5-40B2-9C2C-5E7454B4313E}">
+  <ds:schemaRefs>
+    <ds:schemaRef ds:uri="http://schemas.microsoft.com/VisualStudio/2011/storyboarding/control"/>
+  </ds:schemaRefs>
+</ds:datastoreItem>
+</file>
+
+<file path=customXml/itemProps237.xml><?xml version="1.0" encoding="utf-8"?>
+<ds:datastoreItem xmlns:ds="http://schemas.openxmlformats.org/officeDocument/2006/customXml" ds:itemID="{C47073DF-7B9E-4360-9DB2-AC4CED95D923}">
+  <ds:schemaRefs>
+    <ds:schemaRef ds:uri="http://schemas.microsoft.com/VisualStudio/2011/storyboarding/control"/>
+  </ds:schemaRefs>
+</ds:datastoreItem>
+</file>
+
+<file path=customXml/itemProps238.xml><?xml version="1.0" encoding="utf-8"?>
+<ds:datastoreItem xmlns:ds="http://schemas.openxmlformats.org/officeDocument/2006/customXml" ds:itemID="{F8E37B11-D718-4A09-9C63-9146C6580532}">
+  <ds:schemaRefs>
+    <ds:schemaRef ds:uri="http://schemas.microsoft.com/VisualStudio/2011/storyboarding/control"/>
+  </ds:schemaRefs>
+</ds:datastoreItem>
+</file>
+
+<file path=customXml/itemProps239.xml><?xml version="1.0" encoding="utf-8"?>
+<ds:datastoreItem xmlns:ds="http://schemas.openxmlformats.org/officeDocument/2006/customXml" ds:itemID="{7B12DBBD-A17E-4491-989E-5B0EA56962FD}">
+  <ds:schemaRefs>
+    <ds:schemaRef ds:uri="http://schemas.microsoft.com/VisualStudio/2011/storyboarding/control"/>
+  </ds:schemaRefs>
+</ds:datastoreItem>
+</file>
+
+<file path=customXml/itemProps24.xml><?xml version="1.0" encoding="utf-8"?>
+<ds:datastoreItem xmlns:ds="http://schemas.openxmlformats.org/officeDocument/2006/customXml" ds:itemID="{F90C152D-3CAA-46C5-B86F-62096595E648}">
+  <ds:schemaRefs>
+    <ds:schemaRef ds:uri="http://schemas.microsoft.com/VisualStudio/2011/storyboarding/control"/>
+  </ds:schemaRefs>
+</ds:datastoreItem>
+</file>
+
+<file path=customXml/itemProps240.xml><?xml version="1.0" encoding="utf-8"?>
+<ds:datastoreItem xmlns:ds="http://schemas.openxmlformats.org/officeDocument/2006/customXml" ds:itemID="{91B55C73-E3F8-4143-AF80-9B73A068DF7E}">
+  <ds:schemaRefs>
+    <ds:schemaRef ds:uri="http://schemas.microsoft.com/VisualStudio/2011/storyboarding/control"/>
+  </ds:schemaRefs>
+</ds:datastoreItem>
+</file>
+
+<file path=customXml/itemProps241.xml><?xml version="1.0" encoding="utf-8"?>
+<ds:datastoreItem xmlns:ds="http://schemas.openxmlformats.org/officeDocument/2006/customXml" ds:itemID="{4F214AE2-92D0-4CA1-90F2-CFEEEDA42A43}">
+  <ds:schemaRefs>
+    <ds:schemaRef ds:uri="http://schemas.microsoft.com/VisualStudio/2011/storyboarding/control"/>
+  </ds:schemaRefs>
+</ds:datastoreItem>
+</file>
+
+<file path=customXml/itemProps242.xml><?xml version="1.0" encoding="utf-8"?>
+<ds:datastoreItem xmlns:ds="http://schemas.openxmlformats.org/officeDocument/2006/customXml" ds:itemID="{EFFB93B5-B0D0-477D-8AE8-DE814E5FD371}">
+  <ds:schemaRefs>
+    <ds:schemaRef ds:uri="http://schemas.microsoft.com/VisualStudio/2011/storyboarding/control"/>
+  </ds:schemaRefs>
+</ds:datastoreItem>
+</file>
+
+<file path=customXml/itemProps243.xml><?xml version="1.0" encoding="utf-8"?>
+<ds:datastoreItem xmlns:ds="http://schemas.openxmlformats.org/officeDocument/2006/customXml" ds:itemID="{61EAF057-07FE-41B4-B311-8AF2CF527713}">
+  <ds:schemaRefs>
+    <ds:schemaRef ds:uri="http://schemas.microsoft.com/VisualStudio/2011/storyboarding/control"/>
+  </ds:schemaRefs>
+</ds:datastoreItem>
+</file>
+
+<file path=customXml/itemProps244.xml><?xml version="1.0" encoding="utf-8"?>
+<ds:datastoreItem xmlns:ds="http://schemas.openxmlformats.org/officeDocument/2006/customXml" ds:itemID="{ADB7817C-77F6-4E90-9D15-3C5E13FBE9EC}">
+  <ds:schemaRefs>
+    <ds:schemaRef ds:uri="http://schemas.microsoft.com/VisualStudio/2011/storyboarding/control"/>
+  </ds:schemaRefs>
+</ds:datastoreItem>
+</file>
+
+<file path=customXml/itemProps245.xml><?xml version="1.0" encoding="utf-8"?>
+<ds:datastoreItem xmlns:ds="http://schemas.openxmlformats.org/officeDocument/2006/customXml" ds:itemID="{10389AA7-5BC9-4B8F-916E-A3C9B45BA420}">
+  <ds:schemaRefs>
+    <ds:schemaRef ds:uri="http://schemas.microsoft.com/VisualStudio/2011/storyboarding/control"/>
+  </ds:schemaRefs>
+</ds:datastoreItem>
+</file>
+
+<file path=customXml/itemProps246.xml><?xml version="1.0" encoding="utf-8"?>
 <ds:datastoreItem xmlns:ds="http://schemas.openxmlformats.org/officeDocument/2006/customXml" ds:itemID="{6CBBEBEE-8FE2-464F-A807-63ABD5DF1B65}">
   <ds:schemaRefs>
     <ds:schemaRef ds:uri="http://schemas.microsoft.com/VisualStudio/2011/storyboarding/control"/>
@@ -51743,7 +53044,991 @@
 </ds:datastoreItem>
 </file>
 
-<file path=customXml/itemProps10.xml><?xml version="1.0" encoding="utf-8"?>
+<file path=customXml/itemProps247.xml><?xml version="1.0" encoding="utf-8"?>
+<ds:datastoreItem xmlns:ds="http://schemas.openxmlformats.org/officeDocument/2006/customXml" ds:itemID="{0BA93A88-FD9D-4409-98F6-AB9884772835}">
+  <ds:schemaRefs>
+    <ds:schemaRef ds:uri="http://schemas.microsoft.com/VisualStudio/2011/storyboarding/control"/>
+  </ds:schemaRefs>
+</ds:datastoreItem>
+</file>
+
+<file path=customXml/itemProps248.xml><?xml version="1.0" encoding="utf-8"?>
+<ds:datastoreItem xmlns:ds="http://schemas.openxmlformats.org/officeDocument/2006/customXml" ds:itemID="{8745EA7D-AC2F-4F27-89BC-9F24B3534029}">
+  <ds:schemaRefs>
+    <ds:schemaRef ds:uri="http://schemas.microsoft.com/VisualStudio/2011/storyboarding/control"/>
+  </ds:schemaRefs>
+</ds:datastoreItem>
+</file>
+
+<file path=customXml/itemProps249.xml><?xml version="1.0" encoding="utf-8"?>
+<ds:datastoreItem xmlns:ds="http://schemas.openxmlformats.org/officeDocument/2006/customXml" ds:itemID="{2FCAF674-159C-4149-8B61-9EFD16DB2D60}">
+  <ds:schemaRefs>
+    <ds:schemaRef ds:uri="http://schemas.microsoft.com/VisualStudio/2011/storyboarding/control"/>
+  </ds:schemaRefs>
+</ds:datastoreItem>
+</file>
+
+<file path=customXml/itemProps25.xml><?xml version="1.0" encoding="utf-8"?>
+<ds:datastoreItem xmlns:ds="http://schemas.openxmlformats.org/officeDocument/2006/customXml" ds:itemID="{72415AEB-F98D-422C-8C79-713DC542C351}">
+  <ds:schemaRefs>
+    <ds:schemaRef ds:uri="http://schemas.microsoft.com/VisualStudio/2011/storyboarding/control"/>
+  </ds:schemaRefs>
+</ds:datastoreItem>
+</file>
+
+<file path=customXml/itemProps250.xml><?xml version="1.0" encoding="utf-8"?>
+<ds:datastoreItem xmlns:ds="http://schemas.openxmlformats.org/officeDocument/2006/customXml" ds:itemID="{C525BE8E-83E6-45C6-AFBC-894F7F4709C9}">
+  <ds:schemaRefs>
+    <ds:schemaRef ds:uri="http://schemas.microsoft.com/VisualStudio/2011/storyboarding/control"/>
+  </ds:schemaRefs>
+</ds:datastoreItem>
+</file>
+
+<file path=customXml/itemProps251.xml><?xml version="1.0" encoding="utf-8"?>
+<ds:datastoreItem xmlns:ds="http://schemas.openxmlformats.org/officeDocument/2006/customXml" ds:itemID="{2D56DA33-76AB-4E77-8ADC-569F2EF7D484}">
+  <ds:schemaRefs>
+    <ds:schemaRef ds:uri="http://schemas.microsoft.com/VisualStudio/2011/storyboarding/control"/>
+  </ds:schemaRefs>
+</ds:datastoreItem>
+</file>
+
+<file path=customXml/itemProps252.xml><?xml version="1.0" encoding="utf-8"?>
+<ds:datastoreItem xmlns:ds="http://schemas.openxmlformats.org/officeDocument/2006/customXml" ds:itemID="{67E3185C-0A09-41B8-B3E1-C164556F673F}">
+  <ds:schemaRefs>
+    <ds:schemaRef ds:uri="http://schemas.microsoft.com/VisualStudio/2011/storyboarding/control"/>
+  </ds:schemaRefs>
+</ds:datastoreItem>
+</file>
+
+<file path=customXml/itemProps253.xml><?xml version="1.0" encoding="utf-8"?>
+<ds:datastoreItem xmlns:ds="http://schemas.openxmlformats.org/officeDocument/2006/customXml" ds:itemID="{FE02890D-64A9-4CF8-A33A-28C5FBDDBA8F}">
+  <ds:schemaRefs>
+    <ds:schemaRef ds:uri="http://schemas.microsoft.com/VisualStudio/2011/storyboarding/control"/>
+  </ds:schemaRefs>
+</ds:datastoreItem>
+</file>
+
+<file path=customXml/itemProps254.xml><?xml version="1.0" encoding="utf-8"?>
+<ds:datastoreItem xmlns:ds="http://schemas.openxmlformats.org/officeDocument/2006/customXml" ds:itemID="{11E4110D-CF95-4EEA-8FFB-9C414F62C357}">
+  <ds:schemaRefs>
+    <ds:schemaRef ds:uri="http://schemas.microsoft.com/VisualStudio/2011/storyboarding/control"/>
+  </ds:schemaRefs>
+</ds:datastoreItem>
+</file>
+
+<file path=customXml/itemProps255.xml><?xml version="1.0" encoding="utf-8"?>
+<ds:datastoreItem xmlns:ds="http://schemas.openxmlformats.org/officeDocument/2006/customXml" ds:itemID="{1E0749F9-F6FF-42FB-A9D7-C3E5ECDEE0F1}">
+  <ds:schemaRefs>
+    <ds:schemaRef ds:uri="http://schemas.microsoft.com/VisualStudio/2011/storyboarding/control"/>
+  </ds:schemaRefs>
+</ds:datastoreItem>
+</file>
+
+<file path=customXml/itemProps256.xml><?xml version="1.0" encoding="utf-8"?>
+<ds:datastoreItem xmlns:ds="http://schemas.openxmlformats.org/officeDocument/2006/customXml" ds:itemID="{CAEDEF08-E671-488C-AACA-77AF8F686CCE}">
+  <ds:schemaRefs>
+    <ds:schemaRef ds:uri="http://schemas.microsoft.com/VisualStudio/2011/storyboarding/control"/>
+  </ds:schemaRefs>
+</ds:datastoreItem>
+</file>
+
+<file path=customXml/itemProps257.xml><?xml version="1.0" encoding="utf-8"?>
+<ds:datastoreItem xmlns:ds="http://schemas.openxmlformats.org/officeDocument/2006/customXml" ds:itemID="{61F08E8D-0E41-4EAA-A8D9-2F9318B9D11D}">
+  <ds:schemaRefs>
+    <ds:schemaRef ds:uri="http://schemas.microsoft.com/VisualStudio/2011/storyboarding/control"/>
+  </ds:schemaRefs>
+</ds:datastoreItem>
+</file>
+
+<file path=customXml/itemProps258.xml><?xml version="1.0" encoding="utf-8"?>
+<ds:datastoreItem xmlns:ds="http://schemas.openxmlformats.org/officeDocument/2006/customXml" ds:itemID="{72890A5B-CB5B-4F90-8F7B-4606BE9BD67D}">
+  <ds:schemaRefs>
+    <ds:schemaRef ds:uri="http://schemas.microsoft.com/VisualStudio/2011/storyboarding/control"/>
+  </ds:schemaRefs>
+</ds:datastoreItem>
+</file>
+
+<file path=customXml/itemProps259.xml><?xml version="1.0" encoding="utf-8"?>
+<ds:datastoreItem xmlns:ds="http://schemas.openxmlformats.org/officeDocument/2006/customXml" ds:itemID="{9E1A3BE5-5171-4489-BCAE-D50E4242518F}">
+  <ds:schemaRefs>
+    <ds:schemaRef ds:uri="http://schemas.microsoft.com/VisualStudio/2011/storyboarding/control"/>
+  </ds:schemaRefs>
+</ds:datastoreItem>
+</file>
+
+<file path=customXml/itemProps26.xml><?xml version="1.0" encoding="utf-8"?>
+<ds:datastoreItem xmlns:ds="http://schemas.openxmlformats.org/officeDocument/2006/customXml" ds:itemID="{45DD395C-B308-4B96-87E1-914FD6E40852}">
+  <ds:schemaRefs>
+    <ds:schemaRef ds:uri="http://schemas.microsoft.com/VisualStudio/2011/storyboarding/control"/>
+  </ds:schemaRefs>
+</ds:datastoreItem>
+</file>
+
+<file path=customXml/itemProps260.xml><?xml version="1.0" encoding="utf-8"?>
+<ds:datastoreItem xmlns:ds="http://schemas.openxmlformats.org/officeDocument/2006/customXml" ds:itemID="{679EFB83-5280-41EB-8DEE-A59AC012CD33}">
+  <ds:schemaRefs>
+    <ds:schemaRef ds:uri="http://schemas.microsoft.com/VisualStudio/2011/storyboarding/control"/>
+  </ds:schemaRefs>
+</ds:datastoreItem>
+</file>
+
+<file path=customXml/itemProps261.xml><?xml version="1.0" encoding="utf-8"?>
+<ds:datastoreItem xmlns:ds="http://schemas.openxmlformats.org/officeDocument/2006/customXml" ds:itemID="{F3260EEF-3ED9-40A9-88F8-60D4DB295524}">
+  <ds:schemaRefs>
+    <ds:schemaRef ds:uri="http://schemas.microsoft.com/VisualStudio/2011/storyboarding/control"/>
+  </ds:schemaRefs>
+</ds:datastoreItem>
+</file>
+
+<file path=customXml/itemProps262.xml><?xml version="1.0" encoding="utf-8"?>
+<ds:datastoreItem xmlns:ds="http://schemas.openxmlformats.org/officeDocument/2006/customXml" ds:itemID="{D6494453-72AC-4CA0-8B11-435228DCD29A}">
+  <ds:schemaRefs>
+    <ds:schemaRef ds:uri="http://schemas.microsoft.com/VisualStudio/2011/storyboarding/control"/>
+  </ds:schemaRefs>
+</ds:datastoreItem>
+</file>
+
+<file path=customXml/itemProps263.xml><?xml version="1.0" encoding="utf-8"?>
+<ds:datastoreItem xmlns:ds="http://schemas.openxmlformats.org/officeDocument/2006/customXml" ds:itemID="{4C39ED51-B84D-419E-8011-AAC229344880}">
+  <ds:schemaRefs>
+    <ds:schemaRef ds:uri="http://schemas.microsoft.com/VisualStudio/2011/storyboarding/control"/>
+  </ds:schemaRefs>
+</ds:datastoreItem>
+</file>
+
+<file path=customXml/itemProps264.xml><?xml version="1.0" encoding="utf-8"?>
+<ds:datastoreItem xmlns:ds="http://schemas.openxmlformats.org/officeDocument/2006/customXml" ds:itemID="{744D2C46-D497-4128-9A9E-62AEF32F8697}">
+  <ds:schemaRefs>
+    <ds:schemaRef ds:uri="http://schemas.microsoft.com/VisualStudio/2011/storyboarding/control"/>
+  </ds:schemaRefs>
+</ds:datastoreItem>
+</file>
+
+<file path=customXml/itemProps265.xml><?xml version="1.0" encoding="utf-8"?>
+<ds:datastoreItem xmlns:ds="http://schemas.openxmlformats.org/officeDocument/2006/customXml" ds:itemID="{D4FEFABD-7E83-4044-A675-0AD69B9B20D9}">
+  <ds:schemaRefs>
+    <ds:schemaRef ds:uri="http://schemas.microsoft.com/VisualStudio/2011/storyboarding/control"/>
+  </ds:schemaRefs>
+</ds:datastoreItem>
+</file>
+
+<file path=customXml/itemProps266.xml><?xml version="1.0" encoding="utf-8"?>
+<ds:datastoreItem xmlns:ds="http://schemas.openxmlformats.org/officeDocument/2006/customXml" ds:itemID="{CD2C207E-92A2-4AAD-AA93-EC90C37B5A00}">
+  <ds:schemaRefs>
+    <ds:schemaRef ds:uri="http://schemas.microsoft.com/VisualStudio/2011/storyboarding/control"/>
+  </ds:schemaRefs>
+</ds:datastoreItem>
+</file>
+
+<file path=customXml/itemProps267.xml><?xml version="1.0" encoding="utf-8"?>
+<ds:datastoreItem xmlns:ds="http://schemas.openxmlformats.org/officeDocument/2006/customXml" ds:itemID="{53F66FDE-6582-4A7F-9E61-EF3EA60145BA}">
+  <ds:schemaRefs>
+    <ds:schemaRef ds:uri="http://schemas.microsoft.com/VisualStudio/2011/storyboarding/control"/>
+  </ds:schemaRefs>
+</ds:datastoreItem>
+</file>
+
+<file path=customXml/itemProps268.xml><?xml version="1.0" encoding="utf-8"?>
+<ds:datastoreItem xmlns:ds="http://schemas.openxmlformats.org/officeDocument/2006/customXml" ds:itemID="{C2283421-3CF6-41B5-9FAC-261D44009E6E}">
+  <ds:schemaRefs>
+    <ds:schemaRef ds:uri="http://schemas.microsoft.com/VisualStudio/2011/storyboarding/control"/>
+  </ds:schemaRefs>
+</ds:datastoreItem>
+</file>
+
+<file path=customXml/itemProps269.xml><?xml version="1.0" encoding="utf-8"?>
+<ds:datastoreItem xmlns:ds="http://schemas.openxmlformats.org/officeDocument/2006/customXml" ds:itemID="{229B418C-5028-4B48-880C-106578AB489C}">
+  <ds:schemaRefs>
+    <ds:schemaRef ds:uri="http://schemas.microsoft.com/VisualStudio/2011/storyboarding/control"/>
+  </ds:schemaRefs>
+</ds:datastoreItem>
+</file>
+
+<file path=customXml/itemProps27.xml><?xml version="1.0" encoding="utf-8"?>
+<ds:datastoreItem xmlns:ds="http://schemas.openxmlformats.org/officeDocument/2006/customXml" ds:itemID="{5470FCF2-255A-44B5-B4A3-BD5FA830FF06}">
+  <ds:schemaRefs>
+    <ds:schemaRef ds:uri="http://schemas.microsoft.com/VisualStudio/2011/storyboarding/control"/>
+  </ds:schemaRefs>
+</ds:datastoreItem>
+</file>
+
+<file path=customXml/itemProps270.xml><?xml version="1.0" encoding="utf-8"?>
+<ds:datastoreItem xmlns:ds="http://schemas.openxmlformats.org/officeDocument/2006/customXml" ds:itemID="{403C0D24-4ADF-4995-AE62-B57504569F7B}">
+  <ds:schemaRefs>
+    <ds:schemaRef ds:uri="http://schemas.microsoft.com/VisualStudio/2011/storyboarding/control"/>
+  </ds:schemaRefs>
+</ds:datastoreItem>
+</file>
+
+<file path=customXml/itemProps271.xml><?xml version="1.0" encoding="utf-8"?>
+<ds:datastoreItem xmlns:ds="http://schemas.openxmlformats.org/officeDocument/2006/customXml" ds:itemID="{2417F5AB-8E36-4910-8200-16B9DF9D2259}">
+  <ds:schemaRefs>
+    <ds:schemaRef ds:uri="http://schemas.microsoft.com/VisualStudio/2011/storyboarding/control"/>
+  </ds:schemaRefs>
+</ds:datastoreItem>
+</file>
+
+<file path=customXml/itemProps272.xml><?xml version="1.0" encoding="utf-8"?>
+<ds:datastoreItem xmlns:ds="http://schemas.openxmlformats.org/officeDocument/2006/customXml" ds:itemID="{E98BB9AA-0D65-484B-9086-12797246EAA1}">
+  <ds:schemaRefs>
+    <ds:schemaRef ds:uri="http://schemas.microsoft.com/VisualStudio/2011/storyboarding/control"/>
+  </ds:schemaRefs>
+</ds:datastoreItem>
+</file>
+
+<file path=customXml/itemProps273.xml><?xml version="1.0" encoding="utf-8"?>
+<ds:datastoreItem xmlns:ds="http://schemas.openxmlformats.org/officeDocument/2006/customXml" ds:itemID="{B0E5A7BA-D627-4755-B41A-B26E079892DE}">
+  <ds:schemaRefs>
+    <ds:schemaRef ds:uri="http://schemas.microsoft.com/VisualStudio/2011/storyboarding/control"/>
+  </ds:schemaRefs>
+</ds:datastoreItem>
+</file>
+
+<file path=customXml/itemProps274.xml><?xml version="1.0" encoding="utf-8"?>
+<ds:datastoreItem xmlns:ds="http://schemas.openxmlformats.org/officeDocument/2006/customXml" ds:itemID="{DF2EA208-98A8-45AB-95A1-95B7D29D18AA}">
+  <ds:schemaRefs>
+    <ds:schemaRef ds:uri="http://schemas.microsoft.com/VisualStudio/2011/storyboarding/control"/>
+  </ds:schemaRefs>
+</ds:datastoreItem>
+</file>
+
+<file path=customXml/itemProps275.xml><?xml version="1.0" encoding="utf-8"?>
+<ds:datastoreItem xmlns:ds="http://schemas.openxmlformats.org/officeDocument/2006/customXml" ds:itemID="{C0F76D57-1A50-48D3-9D0C-8A76E643D004}">
+  <ds:schemaRefs>
+    <ds:schemaRef ds:uri="http://schemas.microsoft.com/VisualStudio/2011/storyboarding/control"/>
+  </ds:schemaRefs>
+</ds:datastoreItem>
+</file>
+
+<file path=customXml/itemProps276.xml><?xml version="1.0" encoding="utf-8"?>
+<ds:datastoreItem xmlns:ds="http://schemas.openxmlformats.org/officeDocument/2006/customXml" ds:itemID="{DBD59AB3-A581-480E-AC75-78A50BD8D635}">
+  <ds:schemaRefs>
+    <ds:schemaRef ds:uri="http://schemas.microsoft.com/VisualStudio/2011/storyboarding/control"/>
+  </ds:schemaRefs>
+</ds:datastoreItem>
+</file>
+
+<file path=customXml/itemProps277.xml><?xml version="1.0" encoding="utf-8"?>
+<ds:datastoreItem xmlns:ds="http://schemas.openxmlformats.org/officeDocument/2006/customXml" ds:itemID="{429C143E-6D80-45C3-8D80-5B5F552A727F}">
+  <ds:schemaRefs>
+    <ds:schemaRef ds:uri="http://schemas.microsoft.com/VisualStudio/2011/storyboarding/control"/>
+  </ds:schemaRefs>
+</ds:datastoreItem>
+</file>
+
+<file path=customXml/itemProps278.xml><?xml version="1.0" encoding="utf-8"?>
+<ds:datastoreItem xmlns:ds="http://schemas.openxmlformats.org/officeDocument/2006/customXml" ds:itemID="{0F924959-0FC0-4A8B-9D3A-C19CD3F22766}">
+  <ds:schemaRefs>
+    <ds:schemaRef ds:uri="http://schemas.microsoft.com/VisualStudio/2011/storyboarding/control"/>
+  </ds:schemaRefs>
+</ds:datastoreItem>
+</file>
+
+<file path=customXml/itemProps279.xml><?xml version="1.0" encoding="utf-8"?>
+<ds:datastoreItem xmlns:ds="http://schemas.openxmlformats.org/officeDocument/2006/customXml" ds:itemID="{FFDC57D8-70E8-4A78-A544-39E269362B77}">
+  <ds:schemaRefs>
+    <ds:schemaRef ds:uri="http://schemas.microsoft.com/VisualStudio/2011/storyboarding/control"/>
+  </ds:schemaRefs>
+</ds:datastoreItem>
+</file>
+
+<file path=customXml/itemProps28.xml><?xml version="1.0" encoding="utf-8"?>
+<ds:datastoreItem xmlns:ds="http://schemas.openxmlformats.org/officeDocument/2006/customXml" ds:itemID="{D8722A0A-C00E-4E67-A932-E9DFCE0C5F5E}">
+  <ds:schemaRefs>
+    <ds:schemaRef ds:uri="http://schemas.microsoft.com/VisualStudio/2011/storyboarding/control"/>
+  </ds:schemaRefs>
+</ds:datastoreItem>
+</file>
+
+<file path=customXml/itemProps280.xml><?xml version="1.0" encoding="utf-8"?>
+<ds:datastoreItem xmlns:ds="http://schemas.openxmlformats.org/officeDocument/2006/customXml" ds:itemID="{52A63756-CF17-41B8-A031-BAA923C95F8F}">
+  <ds:schemaRefs>
+    <ds:schemaRef ds:uri="http://schemas.microsoft.com/VisualStudio/2011/storyboarding/control"/>
+  </ds:schemaRefs>
+</ds:datastoreItem>
+</file>
+
+<file path=customXml/itemProps281.xml><?xml version="1.0" encoding="utf-8"?>
+<ds:datastoreItem xmlns:ds="http://schemas.openxmlformats.org/officeDocument/2006/customXml" ds:itemID="{3B670321-FF43-42C8-9B46-9CBEDCF3DC7D}">
+  <ds:schemaRefs>
+    <ds:schemaRef ds:uri="http://schemas.microsoft.com/VisualStudio/2011/storyboarding/control"/>
+  </ds:schemaRefs>
+</ds:datastoreItem>
+</file>
+
+<file path=customXml/itemProps282.xml><?xml version="1.0" encoding="utf-8"?>
+<ds:datastoreItem xmlns:ds="http://schemas.openxmlformats.org/officeDocument/2006/customXml" ds:itemID="{BB33B489-F6A0-4837-B5B7-B51CB973ADDA}">
+  <ds:schemaRefs>
+    <ds:schemaRef ds:uri="http://schemas.microsoft.com/VisualStudio/2011/storyboarding/control"/>
+  </ds:schemaRefs>
+</ds:datastoreItem>
+</file>
+
+<file path=customXml/itemProps283.xml><?xml version="1.0" encoding="utf-8"?>
+<ds:datastoreItem xmlns:ds="http://schemas.openxmlformats.org/officeDocument/2006/customXml" ds:itemID="{E0F4F731-3697-42EC-ADC1-3746287E88BC}">
+  <ds:schemaRefs>
+    <ds:schemaRef ds:uri="http://schemas.microsoft.com/VisualStudio/2011/storyboarding/control"/>
+  </ds:schemaRefs>
+</ds:datastoreItem>
+</file>
+
+<file path=customXml/itemProps284.xml><?xml version="1.0" encoding="utf-8"?>
+<ds:datastoreItem xmlns:ds="http://schemas.openxmlformats.org/officeDocument/2006/customXml" ds:itemID="{072EB726-885C-43C4-A156-0DEDDD30F194}">
+  <ds:schemaRefs>
+    <ds:schemaRef ds:uri="http://schemas.microsoft.com/VisualStudio/2011/storyboarding/control"/>
+  </ds:schemaRefs>
+</ds:datastoreItem>
+</file>
+
+<file path=customXml/itemProps285.xml><?xml version="1.0" encoding="utf-8"?>
+<ds:datastoreItem xmlns:ds="http://schemas.openxmlformats.org/officeDocument/2006/customXml" ds:itemID="{F67EE1E4-BC28-4470-B24B-70B2735E9CC5}">
+  <ds:schemaRefs>
+    <ds:schemaRef ds:uri="http://schemas.microsoft.com/VisualStudio/2011/storyboarding/control"/>
+  </ds:schemaRefs>
+</ds:datastoreItem>
+</file>
+
+<file path=customXml/itemProps286.xml><?xml version="1.0" encoding="utf-8"?>
+<ds:datastoreItem xmlns:ds="http://schemas.openxmlformats.org/officeDocument/2006/customXml" ds:itemID="{570D2175-1F71-485A-B816-2BE874FDACEB}">
+  <ds:schemaRefs>
+    <ds:schemaRef ds:uri="http://schemas.microsoft.com/VisualStudio/2011/storyboarding/control"/>
+  </ds:schemaRefs>
+</ds:datastoreItem>
+</file>
+
+<file path=customXml/itemProps287.xml><?xml version="1.0" encoding="utf-8"?>
+<ds:datastoreItem xmlns:ds="http://schemas.openxmlformats.org/officeDocument/2006/customXml" ds:itemID="{4BC4DEEB-1EC0-4E4A-B2D1-73CBA7826D17}">
+  <ds:schemaRefs>
+    <ds:schemaRef ds:uri="http://schemas.microsoft.com/VisualStudio/2011/storyboarding/control"/>
+  </ds:schemaRefs>
+</ds:datastoreItem>
+</file>
+
+<file path=customXml/itemProps288.xml><?xml version="1.0" encoding="utf-8"?>
+<ds:datastoreItem xmlns:ds="http://schemas.openxmlformats.org/officeDocument/2006/customXml" ds:itemID="{937FB4FC-C9EB-4D9C-9F32-E96E7F3B1C4B}">
+  <ds:schemaRefs>
+    <ds:schemaRef ds:uri="http://schemas.microsoft.com/VisualStudio/2011/storyboarding/control"/>
+  </ds:schemaRefs>
+</ds:datastoreItem>
+</file>
+
+<file path=customXml/itemProps289.xml><?xml version="1.0" encoding="utf-8"?>
+<ds:datastoreItem xmlns:ds="http://schemas.openxmlformats.org/officeDocument/2006/customXml" ds:itemID="{0A56BFE2-87DA-446C-BA1F-F6FEDB88F0F6}">
+  <ds:schemaRefs>
+    <ds:schemaRef ds:uri="http://schemas.microsoft.com/VisualStudio/2011/storyboarding/control"/>
+  </ds:schemaRefs>
+</ds:datastoreItem>
+</file>
+
+<file path=customXml/itemProps29.xml><?xml version="1.0" encoding="utf-8"?>
+<ds:datastoreItem xmlns:ds="http://schemas.openxmlformats.org/officeDocument/2006/customXml" ds:itemID="{8CE92875-5137-4108-A885-ABA70713AECC}">
+  <ds:schemaRefs>
+    <ds:schemaRef ds:uri="http://schemas.microsoft.com/VisualStudio/2011/storyboarding/control"/>
+  </ds:schemaRefs>
+</ds:datastoreItem>
+</file>
+
+<file path=customXml/itemProps290.xml><?xml version="1.0" encoding="utf-8"?>
+<ds:datastoreItem xmlns:ds="http://schemas.openxmlformats.org/officeDocument/2006/customXml" ds:itemID="{90EAA474-3AB7-487A-9079-9B0AE873626F}">
+  <ds:schemaRefs>
+    <ds:schemaRef ds:uri="http://schemas.microsoft.com/VisualStudio/2011/storyboarding/control"/>
+  </ds:schemaRefs>
+</ds:datastoreItem>
+</file>
+
+<file path=customXml/itemProps291.xml><?xml version="1.0" encoding="utf-8"?>
+<ds:datastoreItem xmlns:ds="http://schemas.openxmlformats.org/officeDocument/2006/customXml" ds:itemID="{F9339B3B-2530-471C-B406-992C70D9BD34}">
+  <ds:schemaRefs>
+    <ds:schemaRef ds:uri="http://schemas.microsoft.com/VisualStudio/2011/storyboarding/control"/>
+  </ds:schemaRefs>
+</ds:datastoreItem>
+</file>
+
+<file path=customXml/itemProps292.xml><?xml version="1.0" encoding="utf-8"?>
+<ds:datastoreItem xmlns:ds="http://schemas.openxmlformats.org/officeDocument/2006/customXml" ds:itemID="{F8F939D1-6E97-4AA6-8C60-E62D52C6A98E}">
+  <ds:schemaRefs>
+    <ds:schemaRef ds:uri="http://schemas.microsoft.com/VisualStudio/2011/storyboarding/control"/>
+  </ds:schemaRefs>
+</ds:datastoreItem>
+</file>
+
+<file path=customXml/itemProps293.xml><?xml version="1.0" encoding="utf-8"?>
+<ds:datastoreItem xmlns:ds="http://schemas.openxmlformats.org/officeDocument/2006/customXml" ds:itemID="{CBFD31DF-E513-42F0-BFDE-A451DB4DBA4C}">
+  <ds:schemaRefs>
+    <ds:schemaRef ds:uri="http://schemas.microsoft.com/VisualStudio/2011/storyboarding/control"/>
+  </ds:schemaRefs>
+</ds:datastoreItem>
+</file>
+
+<file path=customXml/itemProps294.xml><?xml version="1.0" encoding="utf-8"?>
+<ds:datastoreItem xmlns:ds="http://schemas.openxmlformats.org/officeDocument/2006/customXml" ds:itemID="{B3FF45D1-FD87-4308-BAF2-66389E394117}">
+  <ds:schemaRefs>
+    <ds:schemaRef ds:uri="http://schemas.microsoft.com/VisualStudio/2011/storyboarding/control"/>
+  </ds:schemaRefs>
+</ds:datastoreItem>
+</file>
+
+<file path=customXml/itemProps295.xml><?xml version="1.0" encoding="utf-8"?>
+<ds:datastoreItem xmlns:ds="http://schemas.openxmlformats.org/officeDocument/2006/customXml" ds:itemID="{CB55EF8A-E797-485E-BD8D-F4D9DDDD5F46}">
+  <ds:schemaRefs>
+    <ds:schemaRef ds:uri="http://schemas.microsoft.com/VisualStudio/2011/storyboarding/control"/>
+  </ds:schemaRefs>
+</ds:datastoreItem>
+</file>
+
+<file path=customXml/itemProps296.xml><?xml version="1.0" encoding="utf-8"?>
+<ds:datastoreItem xmlns:ds="http://schemas.openxmlformats.org/officeDocument/2006/customXml" ds:itemID="{1EFFFE18-CDC2-4555-8551-DFE0773DD365}">
+  <ds:schemaRefs>
+    <ds:schemaRef ds:uri="http://schemas.microsoft.com/VisualStudio/2011/storyboarding/control"/>
+  </ds:schemaRefs>
+</ds:datastoreItem>
+</file>
+
+<file path=customXml/itemProps297.xml><?xml version="1.0" encoding="utf-8"?>
+<ds:datastoreItem xmlns:ds="http://schemas.openxmlformats.org/officeDocument/2006/customXml" ds:itemID="{5BB68A2C-F94D-41D8-A0F2-E69D9D86C058}">
+  <ds:schemaRefs>
+    <ds:schemaRef ds:uri="http://schemas.microsoft.com/VisualStudio/2011/storyboarding/control"/>
+  </ds:schemaRefs>
+</ds:datastoreItem>
+</file>
+
+<file path=customXml/itemProps298.xml><?xml version="1.0" encoding="utf-8"?>
+<ds:datastoreItem xmlns:ds="http://schemas.openxmlformats.org/officeDocument/2006/customXml" ds:itemID="{D4F8C631-0D70-488F-BA4D-5FE212D67E7D}">
+  <ds:schemaRefs>
+    <ds:schemaRef ds:uri="http://schemas.microsoft.com/VisualStudio/2011/storyboarding/control"/>
+  </ds:schemaRefs>
+</ds:datastoreItem>
+</file>
+
+<file path=customXml/itemProps299.xml><?xml version="1.0" encoding="utf-8"?>
+<ds:datastoreItem xmlns:ds="http://schemas.openxmlformats.org/officeDocument/2006/customXml" ds:itemID="{CB095636-C5CB-4BEF-A40F-C5E8671592D1}">
+  <ds:schemaRefs>
+    <ds:schemaRef ds:uri="http://schemas.microsoft.com/VisualStudio/2011/storyboarding/control"/>
+  </ds:schemaRefs>
+</ds:datastoreItem>
+</file>
+
+<file path=customXml/itemProps3.xml><?xml version="1.0" encoding="utf-8"?>
+<ds:datastoreItem xmlns:ds="http://schemas.openxmlformats.org/officeDocument/2006/customXml" ds:itemID="{4562ED85-5F5B-4C80-9052-1F6BF16EED89}">
+  <ds:schemaRefs>
+    <ds:schemaRef ds:uri="http://schemas.microsoft.com/VisualStudio/2011/storyboarding/control"/>
+  </ds:schemaRefs>
+</ds:datastoreItem>
+</file>
+
+<file path=customXml/itemProps30.xml><?xml version="1.0" encoding="utf-8"?>
+<ds:datastoreItem xmlns:ds="http://schemas.openxmlformats.org/officeDocument/2006/customXml" ds:itemID="{9ABCD897-7CB0-4F79-845F-5CCBD48F3D7A}">
+  <ds:schemaRefs>
+    <ds:schemaRef ds:uri="http://schemas.microsoft.com/VisualStudio/2011/storyboarding/control"/>
+  </ds:schemaRefs>
+</ds:datastoreItem>
+</file>
+
+<file path=customXml/itemProps300.xml><?xml version="1.0" encoding="utf-8"?>
+<ds:datastoreItem xmlns:ds="http://schemas.openxmlformats.org/officeDocument/2006/customXml" ds:itemID="{C7E374A0-5595-4F3D-A445-F45CA2D87AE7}">
+  <ds:schemaRefs>
+    <ds:schemaRef ds:uri="http://schemas.microsoft.com/VisualStudio/2011/storyboarding/control"/>
+  </ds:schemaRefs>
+</ds:datastoreItem>
+</file>
+
+<file path=customXml/itemProps301.xml><?xml version="1.0" encoding="utf-8"?>
+<ds:datastoreItem xmlns:ds="http://schemas.openxmlformats.org/officeDocument/2006/customXml" ds:itemID="{010BDB96-5D8F-41E4-AC2C-9C9F3A2E3BFC}">
+  <ds:schemaRefs>
+    <ds:schemaRef ds:uri="http://schemas.microsoft.com/VisualStudio/2011/storyboarding/control"/>
+  </ds:schemaRefs>
+</ds:datastoreItem>
+</file>
+
+<file path=customXml/itemProps302.xml><?xml version="1.0" encoding="utf-8"?>
+<ds:datastoreItem xmlns:ds="http://schemas.openxmlformats.org/officeDocument/2006/customXml" ds:itemID="{024E8FD5-3E04-490F-AA3E-8D2180355BD3}">
+  <ds:schemaRefs>
+    <ds:schemaRef ds:uri="http://schemas.microsoft.com/VisualStudio/2011/storyboarding/control"/>
+  </ds:schemaRefs>
+</ds:datastoreItem>
+</file>
+
+<file path=customXml/itemProps303.xml><?xml version="1.0" encoding="utf-8"?>
+<ds:datastoreItem xmlns:ds="http://schemas.openxmlformats.org/officeDocument/2006/customXml" ds:itemID="{E8FC4FC7-63B4-45D7-8E10-182B7AD2B934}">
+  <ds:schemaRefs>
+    <ds:schemaRef ds:uri="http://schemas.microsoft.com/VisualStudio/2011/storyboarding/control"/>
+  </ds:schemaRefs>
+</ds:datastoreItem>
+</file>
+
+<file path=customXml/itemProps304.xml><?xml version="1.0" encoding="utf-8"?>
+<ds:datastoreItem xmlns:ds="http://schemas.openxmlformats.org/officeDocument/2006/customXml" ds:itemID="{FD27E29D-B16F-4EF0-809F-0B6BCB63526B}">
+  <ds:schemaRefs>
+    <ds:schemaRef ds:uri="http://schemas.microsoft.com/VisualStudio/2011/storyboarding/control"/>
+  </ds:schemaRefs>
+</ds:datastoreItem>
+</file>
+
+<file path=customXml/itemProps305.xml><?xml version="1.0" encoding="utf-8"?>
+<ds:datastoreItem xmlns:ds="http://schemas.openxmlformats.org/officeDocument/2006/customXml" ds:itemID="{F4F9D414-AE4E-4BA2-BDC2-6F33F5D21536}">
+  <ds:schemaRefs>
+    <ds:schemaRef ds:uri="http://schemas.microsoft.com/VisualStudio/2011/storyboarding/control"/>
+  </ds:schemaRefs>
+</ds:datastoreItem>
+</file>
+
+<file path=customXml/itemProps306.xml><?xml version="1.0" encoding="utf-8"?>
+<ds:datastoreItem xmlns:ds="http://schemas.openxmlformats.org/officeDocument/2006/customXml" ds:itemID="{CFF9CF07-44DB-477F-837F-E71E1AB13222}">
+  <ds:schemaRefs>
+    <ds:schemaRef ds:uri="http://schemas.microsoft.com/VisualStudio/2011/storyboarding/control"/>
+  </ds:schemaRefs>
+</ds:datastoreItem>
+</file>
+
+<file path=customXml/itemProps307.xml><?xml version="1.0" encoding="utf-8"?>
+<ds:datastoreItem xmlns:ds="http://schemas.openxmlformats.org/officeDocument/2006/customXml" ds:itemID="{F742BCF6-665E-4062-A261-C16C9A1DB854}">
+  <ds:schemaRefs>
+    <ds:schemaRef ds:uri="http://schemas.microsoft.com/VisualStudio/2011/storyboarding/control"/>
+  </ds:schemaRefs>
+</ds:datastoreItem>
+</file>
+
+<file path=customXml/itemProps308.xml><?xml version="1.0" encoding="utf-8"?>
+<ds:datastoreItem xmlns:ds="http://schemas.openxmlformats.org/officeDocument/2006/customXml" ds:itemID="{BB425446-B172-4B88-8FAF-AFD97B30FC45}">
+  <ds:schemaRefs>
+    <ds:schemaRef ds:uri="http://schemas.microsoft.com/VisualStudio/2011/storyboarding/control"/>
+  </ds:schemaRefs>
+</ds:datastoreItem>
+</file>
+
+<file path=customXml/itemProps309.xml><?xml version="1.0" encoding="utf-8"?>
+<ds:datastoreItem xmlns:ds="http://schemas.openxmlformats.org/officeDocument/2006/customXml" ds:itemID="{11A56B87-83AA-4F88-84AB-A004E3CAE6C1}">
+  <ds:schemaRefs>
+    <ds:schemaRef ds:uri="http://schemas.microsoft.com/VisualStudio/2011/storyboarding/control"/>
+  </ds:schemaRefs>
+</ds:datastoreItem>
+</file>
+
+<file path=customXml/itemProps31.xml><?xml version="1.0" encoding="utf-8"?>
+<ds:datastoreItem xmlns:ds="http://schemas.openxmlformats.org/officeDocument/2006/customXml" ds:itemID="{8E138269-CA7A-4937-9FB2-0BC225AA59B4}">
+  <ds:schemaRefs>
+    <ds:schemaRef ds:uri="http://schemas.microsoft.com/VisualStudio/2011/storyboarding/control"/>
+  </ds:schemaRefs>
+</ds:datastoreItem>
+</file>
+
+<file path=customXml/itemProps310.xml><?xml version="1.0" encoding="utf-8"?>
+<ds:datastoreItem xmlns:ds="http://schemas.openxmlformats.org/officeDocument/2006/customXml" ds:itemID="{9CEE4515-A009-4D94-A230-7B8AAF5028D4}">
+  <ds:schemaRefs>
+    <ds:schemaRef ds:uri="http://schemas.microsoft.com/VisualStudio/2011/storyboarding/control"/>
+  </ds:schemaRefs>
+</ds:datastoreItem>
+</file>
+
+<file path=customXml/itemProps311.xml><?xml version="1.0" encoding="utf-8"?>
+<ds:datastoreItem xmlns:ds="http://schemas.openxmlformats.org/officeDocument/2006/customXml" ds:itemID="{66B7EE03-8EE2-4E09-8BB6-1055479AD8B1}">
+  <ds:schemaRefs>
+    <ds:schemaRef ds:uri="http://schemas.microsoft.com/VisualStudio/2011/storyboarding/control"/>
+  </ds:schemaRefs>
+</ds:datastoreItem>
+</file>
+
+<file path=customXml/itemProps312.xml><?xml version="1.0" encoding="utf-8"?>
+<ds:datastoreItem xmlns:ds="http://schemas.openxmlformats.org/officeDocument/2006/customXml" ds:itemID="{0F3775A4-7680-414F-9B44-53B991F3AA41}">
+  <ds:schemaRefs>
+    <ds:schemaRef ds:uri="http://schemas.microsoft.com/VisualStudio/2011/storyboarding/control"/>
+  </ds:schemaRefs>
+</ds:datastoreItem>
+</file>
+
+<file path=customXml/itemProps313.xml><?xml version="1.0" encoding="utf-8"?>
+<ds:datastoreItem xmlns:ds="http://schemas.openxmlformats.org/officeDocument/2006/customXml" ds:itemID="{6E7891D5-59BF-412C-AF40-475723B049F7}">
+  <ds:schemaRefs>
+    <ds:schemaRef ds:uri="http://schemas.microsoft.com/VisualStudio/2011/storyboarding/control"/>
+  </ds:schemaRefs>
+</ds:datastoreItem>
+</file>
+
+<file path=customXml/itemProps314.xml><?xml version="1.0" encoding="utf-8"?>
+<ds:datastoreItem xmlns:ds="http://schemas.openxmlformats.org/officeDocument/2006/customXml" ds:itemID="{996D0C3E-9689-4071-989C-AE850CF7FDD0}">
+  <ds:schemaRefs>
+    <ds:schemaRef ds:uri="http://schemas.microsoft.com/VisualStudio/2011/storyboarding/control"/>
+  </ds:schemaRefs>
+</ds:datastoreItem>
+</file>
+
+<file path=customXml/itemProps315.xml><?xml version="1.0" encoding="utf-8"?>
+<ds:datastoreItem xmlns:ds="http://schemas.openxmlformats.org/officeDocument/2006/customXml" ds:itemID="{5805AF6F-28D1-42A0-9075-14FCB49758BF}">
+  <ds:schemaRefs>
+    <ds:schemaRef ds:uri="http://schemas.microsoft.com/VisualStudio/2011/storyboarding/control"/>
+  </ds:schemaRefs>
+</ds:datastoreItem>
+</file>
+
+<file path=customXml/itemProps316.xml><?xml version="1.0" encoding="utf-8"?>
+<ds:datastoreItem xmlns:ds="http://schemas.openxmlformats.org/officeDocument/2006/customXml" ds:itemID="{D4F5461E-0C05-4D87-A41F-5658373F644E}">
+  <ds:schemaRefs>
+    <ds:schemaRef ds:uri="http://schemas.microsoft.com/VisualStudio/2011/storyboarding/control"/>
+  </ds:schemaRefs>
+</ds:datastoreItem>
+</file>
+
+<file path=customXml/itemProps317.xml><?xml version="1.0" encoding="utf-8"?>
+<ds:datastoreItem xmlns:ds="http://schemas.openxmlformats.org/officeDocument/2006/customXml" ds:itemID="{7B7B41A2-0EFC-49A6-9B0C-0A4A02550E75}">
+  <ds:schemaRefs>
+    <ds:schemaRef ds:uri="http://schemas.microsoft.com/VisualStudio/2011/storyboarding/control"/>
+  </ds:schemaRefs>
+</ds:datastoreItem>
+</file>
+
+<file path=customXml/itemProps318.xml><?xml version="1.0" encoding="utf-8"?>
+<ds:datastoreItem xmlns:ds="http://schemas.openxmlformats.org/officeDocument/2006/customXml" ds:itemID="{ACC69CC3-ECDE-45B0-9C4D-9D41099E10AB}">
+  <ds:schemaRefs>
+    <ds:schemaRef ds:uri="http://schemas.microsoft.com/VisualStudio/2011/storyboarding/control"/>
+  </ds:schemaRefs>
+</ds:datastoreItem>
+</file>
+
+<file path=customXml/itemProps319.xml><?xml version="1.0" encoding="utf-8"?>
+<ds:datastoreItem xmlns:ds="http://schemas.openxmlformats.org/officeDocument/2006/customXml" ds:itemID="{B4942043-A538-454C-BD77-9CAD6710E195}">
+  <ds:schemaRefs>
+    <ds:schemaRef ds:uri="http://schemas.microsoft.com/VisualStudio/2011/storyboarding/control"/>
+  </ds:schemaRefs>
+</ds:datastoreItem>
+</file>
+
+<file path=customXml/itemProps32.xml><?xml version="1.0" encoding="utf-8"?>
+<ds:datastoreItem xmlns:ds="http://schemas.openxmlformats.org/officeDocument/2006/customXml" ds:itemID="{CC857A17-0BE5-4DD7-9114-92BA1AD28C99}">
+  <ds:schemaRefs>
+    <ds:schemaRef ds:uri="http://schemas.microsoft.com/VisualStudio/2011/storyboarding/control"/>
+  </ds:schemaRefs>
+</ds:datastoreItem>
+</file>
+
+<file path=customXml/itemProps320.xml><?xml version="1.0" encoding="utf-8"?>
+<ds:datastoreItem xmlns:ds="http://schemas.openxmlformats.org/officeDocument/2006/customXml" ds:itemID="{EF0E9FE0-6566-49BC-A80B-F3C0C6151F37}">
+  <ds:schemaRefs>
+    <ds:schemaRef ds:uri="http://schemas.microsoft.com/VisualStudio/2011/storyboarding/control"/>
+  </ds:schemaRefs>
+</ds:datastoreItem>
+</file>
+
+<file path=customXml/itemProps321.xml><?xml version="1.0" encoding="utf-8"?>
+<ds:datastoreItem xmlns:ds="http://schemas.openxmlformats.org/officeDocument/2006/customXml" ds:itemID="{F8D831ED-3961-452C-9368-626AEA884430}">
+  <ds:schemaRefs>
+    <ds:schemaRef ds:uri="http://schemas.microsoft.com/VisualStudio/2011/storyboarding/control"/>
+  </ds:schemaRefs>
+</ds:datastoreItem>
+</file>
+
+<file path=customXml/itemProps322.xml><?xml version="1.0" encoding="utf-8"?>
+<ds:datastoreItem xmlns:ds="http://schemas.openxmlformats.org/officeDocument/2006/customXml" ds:itemID="{562CCEA4-86D0-40CF-971B-E185833AF173}">
+  <ds:schemaRefs>
+    <ds:schemaRef ds:uri="http://schemas.microsoft.com/VisualStudio/2011/storyboarding/control"/>
+  </ds:schemaRefs>
+</ds:datastoreItem>
+</file>
+
+<file path=customXml/itemProps323.xml><?xml version="1.0" encoding="utf-8"?>
+<ds:datastoreItem xmlns:ds="http://schemas.openxmlformats.org/officeDocument/2006/customXml" ds:itemID="{E1788570-76EA-4BE9-BE13-E0A6126D67EC}">
+  <ds:schemaRefs>
+    <ds:schemaRef ds:uri="http://schemas.microsoft.com/VisualStudio/2011/storyboarding/control"/>
+  </ds:schemaRefs>
+</ds:datastoreItem>
+</file>
+
+<file path=customXml/itemProps324.xml><?xml version="1.0" encoding="utf-8"?>
+<ds:datastoreItem xmlns:ds="http://schemas.openxmlformats.org/officeDocument/2006/customXml" ds:itemID="{CDDFBF7F-A654-4DF2-8FEA-7444B97DE8ED}">
+  <ds:schemaRefs>
+    <ds:schemaRef ds:uri="http://schemas.microsoft.com/VisualStudio/2011/storyboarding/control"/>
+  </ds:schemaRefs>
+</ds:datastoreItem>
+</file>
+
+<file path=customXml/itemProps325.xml><?xml version="1.0" encoding="utf-8"?>
+<ds:datastoreItem xmlns:ds="http://schemas.openxmlformats.org/officeDocument/2006/customXml" ds:itemID="{65D13D13-096C-403A-8B23-6DD4FFF0FDC2}">
+  <ds:schemaRefs>
+    <ds:schemaRef ds:uri="http://schemas.microsoft.com/VisualStudio/2011/storyboarding/control"/>
+  </ds:schemaRefs>
+</ds:datastoreItem>
+</file>
+
+<file path=customXml/itemProps326.xml><?xml version="1.0" encoding="utf-8"?>
+<ds:datastoreItem xmlns:ds="http://schemas.openxmlformats.org/officeDocument/2006/customXml" ds:itemID="{9DA90A84-6B8B-4DBB-8E6D-6BF082493584}">
+  <ds:schemaRefs>
+    <ds:schemaRef ds:uri="http://schemas.microsoft.com/VisualStudio/2011/storyboarding/control"/>
+  </ds:schemaRefs>
+</ds:datastoreItem>
+</file>
+
+<file path=customXml/itemProps327.xml><?xml version="1.0" encoding="utf-8"?>
+<ds:datastoreItem xmlns:ds="http://schemas.openxmlformats.org/officeDocument/2006/customXml" ds:itemID="{BEC7945B-E51B-43D9-80C7-D9FF30A85421}">
+  <ds:schemaRefs>
+    <ds:schemaRef ds:uri="http://schemas.microsoft.com/VisualStudio/2011/storyboarding/control"/>
+  </ds:schemaRefs>
+</ds:datastoreItem>
+</file>
+
+<file path=customXml/itemProps328.xml><?xml version="1.0" encoding="utf-8"?>
+<ds:datastoreItem xmlns:ds="http://schemas.openxmlformats.org/officeDocument/2006/customXml" ds:itemID="{78E3DC21-8D2E-45DA-8933-EA7651D2BD80}">
+  <ds:schemaRefs>
+    <ds:schemaRef ds:uri="http://schemas.microsoft.com/VisualStudio/2011/storyboarding/control"/>
+  </ds:schemaRefs>
+</ds:datastoreItem>
+</file>
+
+<file path=customXml/itemProps329.xml><?xml version="1.0" encoding="utf-8"?>
+<ds:datastoreItem xmlns:ds="http://schemas.openxmlformats.org/officeDocument/2006/customXml" ds:itemID="{1C2BC509-D0F4-4258-A32C-94CD1A9F09CD}">
+  <ds:schemaRefs>
+    <ds:schemaRef ds:uri="http://schemas.microsoft.com/VisualStudio/2011/storyboarding/control"/>
+  </ds:schemaRefs>
+</ds:datastoreItem>
+</file>
+
+<file path=customXml/itemProps33.xml><?xml version="1.0" encoding="utf-8"?>
+<ds:datastoreItem xmlns:ds="http://schemas.openxmlformats.org/officeDocument/2006/customXml" ds:itemID="{88126D4B-13D1-4C6C-9BFD-97F950142FCF}">
+  <ds:schemaRefs>
+    <ds:schemaRef ds:uri="http://schemas.microsoft.com/VisualStudio/2011/storyboarding/control"/>
+  </ds:schemaRefs>
+</ds:datastoreItem>
+</file>
+
+<file path=customXml/itemProps330.xml><?xml version="1.0" encoding="utf-8"?>
+<ds:datastoreItem xmlns:ds="http://schemas.openxmlformats.org/officeDocument/2006/customXml" ds:itemID="{96CF5F03-DBCA-4C9E-BD76-BE444136E2F8}">
+  <ds:schemaRefs>
+    <ds:schemaRef ds:uri="http://schemas.microsoft.com/VisualStudio/2011/storyboarding/control"/>
+  </ds:schemaRefs>
+</ds:datastoreItem>
+</file>
+
+<file path=customXml/itemProps331.xml><?xml version="1.0" encoding="utf-8"?>
+<ds:datastoreItem xmlns:ds="http://schemas.openxmlformats.org/officeDocument/2006/customXml" ds:itemID="{B9ACC237-3BC2-4960-A01D-293ACA3FE023}">
+  <ds:schemaRefs>
+    <ds:schemaRef ds:uri="http://schemas.microsoft.com/VisualStudio/2011/storyboarding/control"/>
+  </ds:schemaRefs>
+</ds:datastoreItem>
+</file>
+
+<file path=customXml/itemProps332.xml><?xml version="1.0" encoding="utf-8"?>
+<ds:datastoreItem xmlns:ds="http://schemas.openxmlformats.org/officeDocument/2006/customXml" ds:itemID="{72885D4F-C623-4A99-A153-5085063EB054}">
+  <ds:schemaRefs>
+    <ds:schemaRef ds:uri="http://schemas.microsoft.com/VisualStudio/2011/storyboarding/control"/>
+  </ds:schemaRefs>
+</ds:datastoreItem>
+</file>
+
+<file path=customXml/itemProps333.xml><?xml version="1.0" encoding="utf-8"?>
+<ds:datastoreItem xmlns:ds="http://schemas.openxmlformats.org/officeDocument/2006/customXml" ds:itemID="{B6677859-B177-4B7B-AC70-C6080008691A}">
+  <ds:schemaRefs>
+    <ds:schemaRef ds:uri="http://schemas.microsoft.com/VisualStudio/2011/storyboarding/control"/>
+  </ds:schemaRefs>
+</ds:datastoreItem>
+</file>
+
+<file path=customXml/itemProps334.xml><?xml version="1.0" encoding="utf-8"?>
+<ds:datastoreItem xmlns:ds="http://schemas.openxmlformats.org/officeDocument/2006/customXml" ds:itemID="{F24CD4CB-4377-413A-B218-C3FA90968990}">
+  <ds:schemaRefs>
+    <ds:schemaRef ds:uri="http://schemas.microsoft.com/VisualStudio/2011/storyboarding/control"/>
+  </ds:schemaRefs>
+</ds:datastoreItem>
+</file>
+
+<file path=customXml/itemProps335.xml><?xml version="1.0" encoding="utf-8"?>
+<ds:datastoreItem xmlns:ds="http://schemas.openxmlformats.org/officeDocument/2006/customXml" ds:itemID="{ABFF9767-43A0-4973-8588-41724C56A0CE}">
+  <ds:schemaRefs>
+    <ds:schemaRef ds:uri="http://schemas.microsoft.com/VisualStudio/2011/storyboarding/control"/>
+  </ds:schemaRefs>
+</ds:datastoreItem>
+</file>
+
+<file path=customXml/itemProps336.xml><?xml version="1.0" encoding="utf-8"?>
+<ds:datastoreItem xmlns:ds="http://schemas.openxmlformats.org/officeDocument/2006/customXml" ds:itemID="{EABB9B20-7E23-4F69-8ED5-EFF65F622C70}">
+  <ds:schemaRefs>
+    <ds:schemaRef ds:uri="http://schemas.microsoft.com/VisualStudio/2011/storyboarding/control"/>
+  </ds:schemaRefs>
+</ds:datastoreItem>
+</file>
+
+<file path=customXml/itemProps337.xml><?xml version="1.0" encoding="utf-8"?>
+<ds:datastoreItem xmlns:ds="http://schemas.openxmlformats.org/officeDocument/2006/customXml" ds:itemID="{84384FBA-7E29-41FC-B430-1BB08FE5D226}">
+  <ds:schemaRefs>
+    <ds:schemaRef ds:uri="http://schemas.microsoft.com/VisualStudio/2011/storyboarding/control"/>
+  </ds:schemaRefs>
+</ds:datastoreItem>
+</file>
+
+<file path=customXml/itemProps338.xml><?xml version="1.0" encoding="utf-8"?>
+<ds:datastoreItem xmlns:ds="http://schemas.openxmlformats.org/officeDocument/2006/customXml" ds:itemID="{8AF431A9-BF08-4BD0-A780-EC38485A3187}">
+  <ds:schemaRefs>
+    <ds:schemaRef ds:uri="http://schemas.microsoft.com/VisualStudio/2011/storyboarding/control"/>
+  </ds:schemaRefs>
+</ds:datastoreItem>
+</file>
+
+<file path=customXml/itemProps339.xml><?xml version="1.0" encoding="utf-8"?>
+<ds:datastoreItem xmlns:ds="http://schemas.openxmlformats.org/officeDocument/2006/customXml" ds:itemID="{8B83EB0A-FD15-4E1B-98B9-271FD78B4A8D}">
+  <ds:schemaRefs>
+    <ds:schemaRef ds:uri="http://schemas.microsoft.com/VisualStudio/2011/storyboarding/control"/>
+  </ds:schemaRefs>
+</ds:datastoreItem>
+</file>
+
+<file path=customXml/itemProps34.xml><?xml version="1.0" encoding="utf-8"?>
+<ds:datastoreItem xmlns:ds="http://schemas.openxmlformats.org/officeDocument/2006/customXml" ds:itemID="{2236CDEC-0756-4174-834C-35150FF5ED1F}">
+  <ds:schemaRefs>
+    <ds:schemaRef ds:uri="http://schemas.microsoft.com/VisualStudio/2011/storyboarding/control"/>
+  </ds:schemaRefs>
+</ds:datastoreItem>
+</file>
+
+<file path=customXml/itemProps340.xml><?xml version="1.0" encoding="utf-8"?>
+<ds:datastoreItem xmlns:ds="http://schemas.openxmlformats.org/officeDocument/2006/customXml" ds:itemID="{31D05E97-816A-4979-8EA8-34B6BB18A5F9}">
+  <ds:schemaRefs>
+    <ds:schemaRef ds:uri="http://schemas.microsoft.com/VisualStudio/2011/storyboarding/control"/>
+  </ds:schemaRefs>
+</ds:datastoreItem>
+</file>
+
+<file path=customXml/itemProps341.xml><?xml version="1.0" encoding="utf-8"?>
+<ds:datastoreItem xmlns:ds="http://schemas.openxmlformats.org/officeDocument/2006/customXml" ds:itemID="{66D5FD27-6B21-48CC-84DF-CD8F56ED9577}">
+  <ds:schemaRefs>
+    <ds:schemaRef ds:uri="http://schemas.microsoft.com/VisualStudio/2011/storyboarding/control"/>
+  </ds:schemaRefs>
+</ds:datastoreItem>
+</file>
+
+<file path=customXml/itemProps342.xml><?xml version="1.0" encoding="utf-8"?>
+<ds:datastoreItem xmlns:ds="http://schemas.openxmlformats.org/officeDocument/2006/customXml" ds:itemID="{C053DD15-18F9-4E55-968F-CA5FF4E301BA}">
+  <ds:schemaRefs>
+    <ds:schemaRef ds:uri="http://schemas.microsoft.com/VisualStudio/2011/storyboarding/control"/>
+  </ds:schemaRefs>
+</ds:datastoreItem>
+</file>
+
+<file path=customXml/itemProps343.xml><?xml version="1.0" encoding="utf-8"?>
+<ds:datastoreItem xmlns:ds="http://schemas.openxmlformats.org/officeDocument/2006/customXml" ds:itemID="{00A68A96-B372-4228-ACF7-91F982E1AB5F}">
+  <ds:schemaRefs>
+    <ds:schemaRef ds:uri="http://schemas.microsoft.com/VisualStudio/2011/storyboarding/control"/>
+  </ds:schemaRefs>
+</ds:datastoreItem>
+</file>
+
+<file path=customXml/itemProps344.xml><?xml version="1.0" encoding="utf-8"?>
+<ds:datastoreItem xmlns:ds="http://schemas.openxmlformats.org/officeDocument/2006/customXml" ds:itemID="{97F37CC2-EB76-4D0B-986B-225F403279E8}">
+  <ds:schemaRefs>
+    <ds:schemaRef ds:uri="http://schemas.microsoft.com/VisualStudio/2011/storyboarding/control"/>
+  </ds:schemaRefs>
+</ds:datastoreItem>
+</file>
+
+<file path=customXml/itemProps345.xml><?xml version="1.0" encoding="utf-8"?>
+<ds:datastoreItem xmlns:ds="http://schemas.openxmlformats.org/officeDocument/2006/customXml" ds:itemID="{419E774B-6B87-416F-B97C-FA251F0271C6}">
+  <ds:schemaRefs>
+    <ds:schemaRef ds:uri="http://schemas.microsoft.com/VisualStudio/2011/storyboarding/control"/>
+  </ds:schemaRefs>
+</ds:datastoreItem>
+</file>
+
+<file path=customXml/itemProps346.xml><?xml version="1.0" encoding="utf-8"?>
+<ds:datastoreItem xmlns:ds="http://schemas.openxmlformats.org/officeDocument/2006/customXml" ds:itemID="{837B0389-256A-41AA-858A-09C137ADF190}">
+  <ds:schemaRefs>
+    <ds:schemaRef ds:uri="http://schemas.microsoft.com/VisualStudio/2011/storyboarding/control"/>
+  </ds:schemaRefs>
+</ds:datastoreItem>
+</file>
+
+<file path=customXml/itemProps347.xml><?xml version="1.0" encoding="utf-8"?>
+<ds:datastoreItem xmlns:ds="http://schemas.openxmlformats.org/officeDocument/2006/customXml" ds:itemID="{7E14DD76-D1A5-4BC7-AEDA-46E2A806FEA4}">
+  <ds:schemaRefs>
+    <ds:schemaRef ds:uri="http://schemas.microsoft.com/VisualStudio/2011/storyboarding/control"/>
+  </ds:schemaRefs>
+</ds:datastoreItem>
+</file>
+
+<file path=customXml/itemProps348.xml><?xml version="1.0" encoding="utf-8"?>
+<ds:datastoreItem xmlns:ds="http://schemas.openxmlformats.org/officeDocument/2006/customXml" ds:itemID="{C51E87C8-D293-4769-B466-FFDAE873EA55}">
+  <ds:schemaRefs>
+    <ds:schemaRef ds:uri="http://schemas.microsoft.com/VisualStudio/2011/storyboarding/control"/>
+  </ds:schemaRefs>
+</ds:datastoreItem>
+</file>
+
+<file path=customXml/itemProps349.xml><?xml version="1.0" encoding="utf-8"?>
+<ds:datastoreItem xmlns:ds="http://schemas.openxmlformats.org/officeDocument/2006/customXml" ds:itemID="{C90FBB37-6B62-4DF6-A3FB-014796F79DBD}">
+  <ds:schemaRefs>
+    <ds:schemaRef ds:uri="http://schemas.microsoft.com/VisualStudio/2011/storyboarding/control"/>
+  </ds:schemaRefs>
+</ds:datastoreItem>
+</file>
+
+<file path=customXml/itemProps35.xml><?xml version="1.0" encoding="utf-8"?>
+<ds:datastoreItem xmlns:ds="http://schemas.openxmlformats.org/officeDocument/2006/customXml" ds:itemID="{ACB79B4E-0861-4279-80D3-7A316F66F48B}">
+  <ds:schemaRefs>
+    <ds:schemaRef ds:uri="http://schemas.microsoft.com/VisualStudio/2011/storyboarding/control"/>
+  </ds:schemaRefs>
+</ds:datastoreItem>
+</file>
+
+<file path=customXml/itemProps350.xml><?xml version="1.0" encoding="utf-8"?>
+<ds:datastoreItem xmlns:ds="http://schemas.openxmlformats.org/officeDocument/2006/customXml" ds:itemID="{861B10E4-50DF-4116-B64C-775770A90466}">
+  <ds:schemaRefs>
+    <ds:schemaRef ds:uri="http://schemas.microsoft.com/VisualStudio/2011/storyboarding/control"/>
+  </ds:schemaRefs>
+</ds:datastoreItem>
+</file>
+
+<file path=customXml/itemProps351.xml><?xml version="1.0" encoding="utf-8"?>
+<ds:datastoreItem xmlns:ds="http://schemas.openxmlformats.org/officeDocument/2006/customXml" ds:itemID="{58D168B7-D5D8-4D4E-A6F5-79173EB8E842}">
+  <ds:schemaRefs>
+    <ds:schemaRef ds:uri="http://schemas.microsoft.com/VisualStudio/2011/storyboarding/control"/>
+  </ds:schemaRefs>
+</ds:datastoreItem>
+</file>
+
+<file path=customXml/itemProps352.xml><?xml version="1.0" encoding="utf-8"?>
+<ds:datastoreItem xmlns:ds="http://schemas.openxmlformats.org/officeDocument/2006/customXml" ds:itemID="{908A9238-C4BB-415A-8362-2CB84E7C1448}">
+  <ds:schemaRefs>
+    <ds:schemaRef ds:uri="http://schemas.microsoft.com/VisualStudio/2011/storyboarding/control"/>
+  </ds:schemaRefs>
+</ds:datastoreItem>
+</file>
+
+<file path=customXml/itemProps353.xml><?xml version="1.0" encoding="utf-8"?>
+<ds:datastoreItem xmlns:ds="http://schemas.openxmlformats.org/officeDocument/2006/customXml" ds:itemID="{11B5B85D-5047-4624-8DFA-E3DDF7583D1C}">
+  <ds:schemaRefs>
+    <ds:schemaRef ds:uri="http://schemas.microsoft.com/VisualStudio/2011/storyboarding/control"/>
+  </ds:schemaRefs>
+</ds:datastoreItem>
+</file>
+
+<file path=customXml/itemProps354.xml><?xml version="1.0" encoding="utf-8"?>
+<ds:datastoreItem xmlns:ds="http://schemas.openxmlformats.org/officeDocument/2006/customXml" ds:itemID="{8A59CCF0-E160-4F82-8A0B-2DF6BFC64177}">
+  <ds:schemaRefs>
+    <ds:schemaRef ds:uri="http://schemas.microsoft.com/VisualStudio/2011/storyboarding/control"/>
+  </ds:schemaRefs>
+</ds:datastoreItem>
+</file>
+
+<file path=customXml/itemProps355.xml><?xml version="1.0" encoding="utf-8"?>
+<ds:datastoreItem xmlns:ds="http://schemas.openxmlformats.org/officeDocument/2006/customXml" ds:itemID="{AB19B258-FD6E-4FDD-A6F2-14607A5CC818}">
+  <ds:schemaRefs>
+    <ds:schemaRef ds:uri="http://schemas.microsoft.com/VisualStudio/2011/storyboarding/control"/>
+  </ds:schemaRefs>
+</ds:datastoreItem>
+</file>
+
+<file path=customXml/itemProps356.xml><?xml version="1.0" encoding="utf-8"?>
+<ds:datastoreItem xmlns:ds="http://schemas.openxmlformats.org/officeDocument/2006/customXml" ds:itemID="{9FC6ABBD-61AF-438B-BF23-C0892232075D}">
+  <ds:schemaRefs>
+    <ds:schemaRef ds:uri="http://schemas.microsoft.com/VisualStudio/2011/storyboarding/control"/>
+  </ds:schemaRefs>
+</ds:datastoreItem>
+</file>
+
+<file path=customXml/itemProps357.xml><?xml version="1.0" encoding="utf-8"?>
+<ds:datastoreItem xmlns:ds="http://schemas.openxmlformats.org/officeDocument/2006/customXml" ds:itemID="{5FFF9015-846B-44AB-BE62-1ABB7B095C16}">
+  <ds:schemaRefs>
+    <ds:schemaRef ds:uri="http://schemas.microsoft.com/VisualStudio/2011/storyboarding/control"/>
+  </ds:schemaRefs>
+</ds:datastoreItem>
+</file>
+
+<file path=customXml/itemProps358.xml><?xml version="1.0" encoding="utf-8"?>
 <ds:datastoreItem xmlns:ds="http://schemas.openxmlformats.org/officeDocument/2006/customXml" ds:itemID="{CD6634DE-230E-40BB-80A1-D5194032F61F}">
   <ds:schemaRefs>
     <ds:schemaRef ds:uri="http://schemas.microsoft.com/VisualStudio/2011/storyboarding/control"/>
@@ -51751,63 +54036,247 @@
 </ds:datastoreItem>
 </file>
 
-<file path=customXml/itemProps100.xml><?xml version="1.0" encoding="utf-8"?>
-<ds:datastoreItem xmlns:ds="http://schemas.openxmlformats.org/officeDocument/2006/customXml" ds:itemID="{FF486511-5BF6-4E14-BC12-9AB64A939366}">
+<file path=customXml/itemProps359.xml><?xml version="1.0" encoding="utf-8"?>
+<ds:datastoreItem xmlns:ds="http://schemas.openxmlformats.org/officeDocument/2006/customXml" ds:itemID="{A312B8E6-1370-44D7-BD1F-51828CABC0C4}">
   <ds:schemaRefs>
     <ds:schemaRef ds:uri="http://schemas.microsoft.com/VisualStudio/2011/storyboarding/control"/>
   </ds:schemaRefs>
 </ds:datastoreItem>
 </file>
 
-<file path=customXml/itemProps101.xml><?xml version="1.0" encoding="utf-8"?>
-<ds:datastoreItem xmlns:ds="http://schemas.openxmlformats.org/officeDocument/2006/customXml" ds:itemID="{FE38110B-75C1-4526-B407-10088BE5AA45}">
+<file path=customXml/itemProps36.xml><?xml version="1.0" encoding="utf-8"?>
+<ds:datastoreItem xmlns:ds="http://schemas.openxmlformats.org/officeDocument/2006/customXml" ds:itemID="{0BDD3596-9D4A-4A76-975D-8B5039638C38}">
   <ds:schemaRefs>
     <ds:schemaRef ds:uri="http://schemas.microsoft.com/VisualStudio/2011/storyboarding/control"/>
   </ds:schemaRefs>
 </ds:datastoreItem>
 </file>
 
-<file path=customXml/itemProps102.xml><?xml version="1.0" encoding="utf-8"?>
-<ds:datastoreItem xmlns:ds="http://schemas.openxmlformats.org/officeDocument/2006/customXml" ds:itemID="{2AC86A44-86DE-437C-AC10-E334DC919211}">
+<file path=customXml/itemProps360.xml><?xml version="1.0" encoding="utf-8"?>
+<ds:datastoreItem xmlns:ds="http://schemas.openxmlformats.org/officeDocument/2006/customXml" ds:itemID="{E49F3E23-75BF-41A9-9FE9-F2E48E23F0AA}">
   <ds:schemaRefs>
     <ds:schemaRef ds:uri="http://schemas.microsoft.com/VisualStudio/2011/storyboarding/control"/>
   </ds:schemaRefs>
 </ds:datastoreItem>
 </file>
 
-<file path=customXml/itemProps103.xml><?xml version="1.0" encoding="utf-8"?>
-<ds:datastoreItem xmlns:ds="http://schemas.openxmlformats.org/officeDocument/2006/customXml" ds:itemID="{C800B568-4C6F-4D10-AD7A-100A4336547B}">
+<file path=customXml/itemProps361.xml><?xml version="1.0" encoding="utf-8"?>
+<ds:datastoreItem xmlns:ds="http://schemas.openxmlformats.org/officeDocument/2006/customXml" ds:itemID="{2BFF45F9-38F3-46D7-AE6B-1A4D08A6B0E5}">
   <ds:schemaRefs>
     <ds:schemaRef ds:uri="http://schemas.microsoft.com/VisualStudio/2011/storyboarding/control"/>
   </ds:schemaRefs>
 </ds:datastoreItem>
 </file>
 
-<file path=customXml/itemProps104.xml><?xml version="1.0" encoding="utf-8"?>
-<ds:datastoreItem xmlns:ds="http://schemas.openxmlformats.org/officeDocument/2006/customXml" ds:itemID="{DF2EA208-98A8-45AB-95A1-95B7D29D18AA}">
+<file path=customXml/itemProps362.xml><?xml version="1.0" encoding="utf-8"?>
+<ds:datastoreItem xmlns:ds="http://schemas.openxmlformats.org/officeDocument/2006/customXml" ds:itemID="{3B2B1BF2-846E-41FE-9CD7-2F1CC352791C}">
   <ds:schemaRefs>
     <ds:schemaRef ds:uri="http://schemas.microsoft.com/VisualStudio/2011/storyboarding/control"/>
   </ds:schemaRefs>
 </ds:datastoreItem>
 </file>
 
-<file path=customXml/itemProps105.xml><?xml version="1.0" encoding="utf-8"?>
-<ds:datastoreItem xmlns:ds="http://schemas.openxmlformats.org/officeDocument/2006/customXml" ds:itemID="{5805AF6F-28D1-42A0-9075-14FCB49758BF}">
+<file path=customXml/itemProps363.xml><?xml version="1.0" encoding="utf-8"?>
+<ds:datastoreItem xmlns:ds="http://schemas.openxmlformats.org/officeDocument/2006/customXml" ds:itemID="{05D254E5-C733-4F26-B7D0-3470DDF138B2}">
   <ds:schemaRefs>
     <ds:schemaRef ds:uri="http://schemas.microsoft.com/VisualStudio/2011/storyboarding/control"/>
   </ds:schemaRefs>
 </ds:datastoreItem>
 </file>
 
-<file path=customXml/itemProps106.xml><?xml version="1.0" encoding="utf-8"?>
-<ds:datastoreItem xmlns:ds="http://schemas.openxmlformats.org/officeDocument/2006/customXml" ds:itemID="{AB19B258-FD6E-4FDD-A6F2-14607A5CC818}">
+<file path=customXml/itemProps364.xml><?xml version="1.0" encoding="utf-8"?>
+<ds:datastoreItem xmlns:ds="http://schemas.openxmlformats.org/officeDocument/2006/customXml" ds:itemID="{C4D9031B-8825-425E-990A-D7D6281027CA}">
   <ds:schemaRefs>
     <ds:schemaRef ds:uri="http://schemas.microsoft.com/VisualStudio/2011/storyboarding/control"/>
   </ds:schemaRefs>
 </ds:datastoreItem>
 </file>
 
-<file path=customXml/itemProps107.xml><?xml version="1.0" encoding="utf-8"?>
+<file path=customXml/itemProps365.xml><?xml version="1.0" encoding="utf-8"?>
+<ds:datastoreItem xmlns:ds="http://schemas.openxmlformats.org/officeDocument/2006/customXml" ds:itemID="{ACAC4340-9ABF-4D69-B98A-AE03B48E083A}">
+  <ds:schemaRefs>
+    <ds:schemaRef ds:uri="http://schemas.microsoft.com/VisualStudio/2011/storyboarding/control"/>
+  </ds:schemaRefs>
+</ds:datastoreItem>
+</file>
+
+<file path=customXml/itemProps366.xml><?xml version="1.0" encoding="utf-8"?>
+<ds:datastoreItem xmlns:ds="http://schemas.openxmlformats.org/officeDocument/2006/customXml" ds:itemID="{45C4B72E-3C3A-4CDB-8A3A-826BBA769048}">
+  <ds:schemaRefs>
+    <ds:schemaRef ds:uri="http://schemas.microsoft.com/VisualStudio/2011/storyboarding/control"/>
+  </ds:schemaRefs>
+</ds:datastoreItem>
+</file>
+
+<file path=customXml/itemProps367.xml><?xml version="1.0" encoding="utf-8"?>
+<ds:datastoreItem xmlns:ds="http://schemas.openxmlformats.org/officeDocument/2006/customXml" ds:itemID="{869663FB-CA04-4AEA-AF91-E2F1F2552613}">
+  <ds:schemaRefs>
+    <ds:schemaRef ds:uri="http://schemas.microsoft.com/VisualStudio/2011/storyboarding/control"/>
+  </ds:schemaRefs>
+</ds:datastoreItem>
+</file>
+
+<file path=customXml/itemProps368.xml><?xml version="1.0" encoding="utf-8"?>
+<ds:datastoreItem xmlns:ds="http://schemas.openxmlformats.org/officeDocument/2006/customXml" ds:itemID="{9275AEDA-72AE-4A4E-9EB6-579F20517407}">
+  <ds:schemaRefs>
+    <ds:schemaRef ds:uri="http://schemas.microsoft.com/VisualStudio/2011/storyboarding/control"/>
+  </ds:schemaRefs>
+</ds:datastoreItem>
+</file>
+
+<file path=customXml/itemProps369.xml><?xml version="1.0" encoding="utf-8"?>
+<ds:datastoreItem xmlns:ds="http://schemas.openxmlformats.org/officeDocument/2006/customXml" ds:itemID="{DD973A4C-3C54-45F6-AD32-0AB5C970526B}">
+  <ds:schemaRefs>
+    <ds:schemaRef ds:uri="http://schemas.microsoft.com/VisualStudio/2011/storyboarding/control"/>
+  </ds:schemaRefs>
+</ds:datastoreItem>
+</file>
+
+<file path=customXml/itemProps37.xml><?xml version="1.0" encoding="utf-8"?>
+<ds:datastoreItem xmlns:ds="http://schemas.openxmlformats.org/officeDocument/2006/customXml" ds:itemID="{3C766D46-D436-4EC1-9F5B-18C6D6FF644D}">
+  <ds:schemaRefs>
+    <ds:schemaRef ds:uri="http://schemas.microsoft.com/VisualStudio/2011/storyboarding/control"/>
+  </ds:schemaRefs>
+</ds:datastoreItem>
+</file>
+
+<file path=customXml/itemProps370.xml><?xml version="1.0" encoding="utf-8"?>
+<ds:datastoreItem xmlns:ds="http://schemas.openxmlformats.org/officeDocument/2006/customXml" ds:itemID="{FB443102-2E29-40D2-97E0-AB9A9726587D}">
+  <ds:schemaRefs>
+    <ds:schemaRef ds:uri="http://schemas.microsoft.com/VisualStudio/2011/storyboarding/control"/>
+  </ds:schemaRefs>
+</ds:datastoreItem>
+</file>
+
+<file path=customXml/itemProps371.xml><?xml version="1.0" encoding="utf-8"?>
+<ds:datastoreItem xmlns:ds="http://schemas.openxmlformats.org/officeDocument/2006/customXml" ds:itemID="{37A16EBE-AACB-481D-9E94-9F2642B15CAD}">
+  <ds:schemaRefs>
+    <ds:schemaRef ds:uri="http://schemas.microsoft.com/VisualStudio/2011/storyboarding/control"/>
+  </ds:schemaRefs>
+</ds:datastoreItem>
+</file>
+
+<file path=customXml/itemProps372.xml><?xml version="1.0" encoding="utf-8"?>
+<ds:datastoreItem xmlns:ds="http://schemas.openxmlformats.org/officeDocument/2006/customXml" ds:itemID="{3B61FE01-3F67-4162-AE59-1E0D35F4D1FA}">
+  <ds:schemaRefs>
+    <ds:schemaRef ds:uri="http://schemas.microsoft.com/VisualStudio/2011/storyboarding/control"/>
+  </ds:schemaRefs>
+</ds:datastoreItem>
+</file>
+
+<file path=customXml/itemProps373.xml><?xml version="1.0" encoding="utf-8"?>
+<ds:datastoreItem xmlns:ds="http://schemas.openxmlformats.org/officeDocument/2006/customXml" ds:itemID="{C22DC2B0-5A56-4A11-9D56-C685DE29915C}">
+  <ds:schemaRefs>
+    <ds:schemaRef ds:uri="http://schemas.microsoft.com/VisualStudio/2011/storyboarding/control"/>
+  </ds:schemaRefs>
+</ds:datastoreItem>
+</file>
+
+<file path=customXml/itemProps374.xml><?xml version="1.0" encoding="utf-8"?>
+<ds:datastoreItem xmlns:ds="http://schemas.openxmlformats.org/officeDocument/2006/customXml" ds:itemID="{DC463221-36EF-45FA-B905-473D557D5CB2}">
+  <ds:schemaRefs>
+    <ds:schemaRef ds:uri="http://schemas.microsoft.com/VisualStudio/2011/storyboarding/control"/>
+  </ds:schemaRefs>
+</ds:datastoreItem>
+</file>
+
+<file path=customXml/itemProps375.xml><?xml version="1.0" encoding="utf-8"?>
+<ds:datastoreItem xmlns:ds="http://schemas.openxmlformats.org/officeDocument/2006/customXml" ds:itemID="{0196C5EB-6400-4120-8E56-73F977C5C861}">
+  <ds:schemaRefs>
+    <ds:schemaRef ds:uri="http://schemas.microsoft.com/VisualStudio/2011/storyboarding/control"/>
+  </ds:schemaRefs>
+</ds:datastoreItem>
+</file>
+
+<file path=customXml/itemProps376.xml><?xml version="1.0" encoding="utf-8"?>
+<ds:datastoreItem xmlns:ds="http://schemas.openxmlformats.org/officeDocument/2006/customXml" ds:itemID="{C69B6E2F-C3BC-461E-B8E6-DCFFBFA5EBE0}">
+  <ds:schemaRefs>
+    <ds:schemaRef ds:uri="http://schemas.microsoft.com/VisualStudio/2011/storyboarding/control"/>
+  </ds:schemaRefs>
+</ds:datastoreItem>
+</file>
+
+<file path=customXml/itemProps377.xml><?xml version="1.0" encoding="utf-8"?>
+<ds:datastoreItem xmlns:ds="http://schemas.openxmlformats.org/officeDocument/2006/customXml" ds:itemID="{64A2D392-7EA2-49D9-AF87-085C1CAB4BA4}">
+  <ds:schemaRefs>
+    <ds:schemaRef ds:uri="http://schemas.microsoft.com/VisualStudio/2011/storyboarding/control"/>
+  </ds:schemaRefs>
+</ds:datastoreItem>
+</file>
+
+<file path=customXml/itemProps378.xml><?xml version="1.0" encoding="utf-8"?>
+<ds:datastoreItem xmlns:ds="http://schemas.openxmlformats.org/officeDocument/2006/customXml" ds:itemID="{7D59CDC6-58DF-4A64-958A-225FD347A928}">
+  <ds:schemaRefs>
+    <ds:schemaRef ds:uri="http://schemas.microsoft.com/VisualStudio/2011/storyboarding/control"/>
+  </ds:schemaRefs>
+</ds:datastoreItem>
+</file>
+
+<file path=customXml/itemProps379.xml><?xml version="1.0" encoding="utf-8"?>
+<ds:datastoreItem xmlns:ds="http://schemas.openxmlformats.org/officeDocument/2006/customXml" ds:itemID="{A7EE2A77-BAEB-49E0-9EFD-6E89E7BF81F3}">
+  <ds:schemaRefs>
+    <ds:schemaRef ds:uri="http://schemas.microsoft.com/VisualStudio/2011/storyboarding/control"/>
+  </ds:schemaRefs>
+</ds:datastoreItem>
+</file>
+
+<file path=customXml/itemProps38.xml><?xml version="1.0" encoding="utf-8"?>
+<ds:datastoreItem xmlns:ds="http://schemas.openxmlformats.org/officeDocument/2006/customXml" ds:itemID="{19EE3147-B5A6-4BC2-9C63-6F3D880274C5}">
+  <ds:schemaRefs>
+    <ds:schemaRef ds:uri="http://schemas.microsoft.com/VisualStudio/2011/storyboarding/control"/>
+  </ds:schemaRefs>
+</ds:datastoreItem>
+</file>
+
+<file path=customXml/itemProps380.xml><?xml version="1.0" encoding="utf-8"?>
+<ds:datastoreItem xmlns:ds="http://schemas.openxmlformats.org/officeDocument/2006/customXml" ds:itemID="{7EFB7A73-F17F-426F-BDF1-964909CB2213}">
+  <ds:schemaRefs>
+    <ds:schemaRef ds:uri="http://schemas.microsoft.com/VisualStudio/2011/storyboarding/control"/>
+  </ds:schemaRefs>
+</ds:datastoreItem>
+</file>
+
+<file path=customXml/itemProps381.xml><?xml version="1.0" encoding="utf-8"?>
+<ds:datastoreItem xmlns:ds="http://schemas.openxmlformats.org/officeDocument/2006/customXml" ds:itemID="{2ABA8A7A-A184-4293-9C51-794EA370955F}">
+  <ds:schemaRefs>
+    <ds:schemaRef ds:uri="http://schemas.microsoft.com/VisualStudio/2011/storyboarding/control"/>
+  </ds:schemaRefs>
+</ds:datastoreItem>
+</file>
+
+<file path=customXml/itemProps382.xml><?xml version="1.0" encoding="utf-8"?>
+<ds:datastoreItem xmlns:ds="http://schemas.openxmlformats.org/officeDocument/2006/customXml" ds:itemID="{BDE8F8A8-1904-4B0E-8744-036C974BB0D3}">
+  <ds:schemaRefs>
+    <ds:schemaRef ds:uri="http://schemas.microsoft.com/VisualStudio/2011/storyboarding/control"/>
+  </ds:schemaRefs>
+</ds:datastoreItem>
+</file>
+
+<file path=customXml/itemProps383.xml><?xml version="1.0" encoding="utf-8"?>
+<ds:datastoreItem xmlns:ds="http://schemas.openxmlformats.org/officeDocument/2006/customXml" ds:itemID="{BF08D3AC-2433-49A2-A7C1-0C91775D70BA}">
+  <ds:schemaRefs>
+    <ds:schemaRef ds:uri="http://schemas.microsoft.com/VisualStudio/2011/storyboarding/control"/>
+  </ds:schemaRefs>
+</ds:datastoreItem>
+</file>
+
+<file path=customXml/itemProps384.xml><?xml version="1.0" encoding="utf-8"?>
+<ds:datastoreItem xmlns:ds="http://schemas.openxmlformats.org/officeDocument/2006/customXml" ds:itemID="{63D62BCE-C907-4E34-8F90-9023B1F22D67}">
+  <ds:schemaRefs>
+    <ds:schemaRef ds:uri="http://schemas.microsoft.com/VisualStudio/2011/storyboarding/control"/>
+  </ds:schemaRefs>
+</ds:datastoreItem>
+</file>
+
+<file path=customXml/itemProps385.xml><?xml version="1.0" encoding="utf-8"?>
+<ds:datastoreItem xmlns:ds="http://schemas.openxmlformats.org/officeDocument/2006/customXml" ds:itemID="{5743B0D9-3E78-4D12-B905-5E233C2F9010}">
+  <ds:schemaRefs>
+    <ds:schemaRef ds:uri="http://schemas.microsoft.com/VisualStudio/2011/storyboarding/control"/>
+  </ds:schemaRefs>
+</ds:datastoreItem>
+</file>
+
+<file path=customXml/itemProps386.xml><?xml version="1.0" encoding="utf-8"?>
 <ds:datastoreItem xmlns:ds="http://schemas.openxmlformats.org/officeDocument/2006/customXml" ds:itemID="{9117D3D4-A08A-4E78-8FE7-742A64EE8216}">
   <ds:schemaRefs>
     <ds:schemaRef ds:uri="http://schemas.microsoft.com/VisualStudio/2011/storyboarding/control"/>
@@ -51815,15 +54284,471 @@
 </ds:datastoreItem>
 </file>
 
-<file path=customXml/itemProps108.xml><?xml version="1.0" encoding="utf-8"?>
-<ds:datastoreItem xmlns:ds="http://schemas.openxmlformats.org/officeDocument/2006/customXml" ds:itemID="{72415AEB-F98D-422C-8C79-713DC542C351}">
+<file path=customXml/itemProps387.xml><?xml version="1.0" encoding="utf-8"?>
+<ds:datastoreItem xmlns:ds="http://schemas.openxmlformats.org/officeDocument/2006/customXml" ds:itemID="{FE86B839-7668-43C5-82C0-CC854DC0472B}">
   <ds:schemaRefs>
     <ds:schemaRef ds:uri="http://schemas.microsoft.com/VisualStudio/2011/storyboarding/control"/>
   </ds:schemaRefs>
 </ds:datastoreItem>
 </file>
 
-<file path=customXml/itemProps109.xml><?xml version="1.0" encoding="utf-8"?>
+<file path=customXml/itemProps388.xml><?xml version="1.0" encoding="utf-8"?>
+<ds:datastoreItem xmlns:ds="http://schemas.openxmlformats.org/officeDocument/2006/customXml" ds:itemID="{04512026-5CE2-44C7-892F-C238A9AC8AB3}">
+  <ds:schemaRefs>
+    <ds:schemaRef ds:uri="http://schemas.microsoft.com/VisualStudio/2011/storyboarding/control"/>
+  </ds:schemaRefs>
+</ds:datastoreItem>
+</file>
+
+<file path=customXml/itemProps389.xml><?xml version="1.0" encoding="utf-8"?>
+<ds:datastoreItem xmlns:ds="http://schemas.openxmlformats.org/officeDocument/2006/customXml" ds:itemID="{DDDAD383-E3D8-47A5-852F-FBADCFF3238E}">
+  <ds:schemaRefs>
+    <ds:schemaRef ds:uri="http://schemas.microsoft.com/VisualStudio/2011/storyboarding/control"/>
+  </ds:schemaRefs>
+</ds:datastoreItem>
+</file>
+
+<file path=customXml/itemProps39.xml><?xml version="1.0" encoding="utf-8"?>
+<ds:datastoreItem xmlns:ds="http://schemas.openxmlformats.org/officeDocument/2006/customXml" ds:itemID="{8CAD66DC-DE24-4162-8149-30A85BCD2403}">
+  <ds:schemaRefs>
+    <ds:schemaRef ds:uri="http://schemas.microsoft.com/VisualStudio/2011/storyboarding/control"/>
+  </ds:schemaRefs>
+</ds:datastoreItem>
+</file>
+
+<file path=customXml/itemProps390.xml><?xml version="1.0" encoding="utf-8"?>
+<ds:datastoreItem xmlns:ds="http://schemas.openxmlformats.org/officeDocument/2006/customXml" ds:itemID="{7C878703-4097-4DF2-9C1B-901EACC2FEA7}">
+  <ds:schemaRefs>
+    <ds:schemaRef ds:uri="http://schemas.microsoft.com/VisualStudio/2011/storyboarding/control"/>
+  </ds:schemaRefs>
+</ds:datastoreItem>
+</file>
+
+<file path=customXml/itemProps391.xml><?xml version="1.0" encoding="utf-8"?>
+<ds:datastoreItem xmlns:ds="http://schemas.openxmlformats.org/officeDocument/2006/customXml" ds:itemID="{8657ADC1-E960-48DC-919F-B8C8C0DE04B6}">
+  <ds:schemaRefs>
+    <ds:schemaRef ds:uri="http://schemas.microsoft.com/VisualStudio/2011/storyboarding/control"/>
+  </ds:schemaRefs>
+</ds:datastoreItem>
+</file>
+
+<file path=customXml/itemProps392.xml><?xml version="1.0" encoding="utf-8"?>
+<ds:datastoreItem xmlns:ds="http://schemas.openxmlformats.org/officeDocument/2006/customXml" ds:itemID="{D572D03A-A07D-4798-B4DF-E8D874619C3A}">
+  <ds:schemaRefs>
+    <ds:schemaRef ds:uri="http://schemas.microsoft.com/VisualStudio/2011/storyboarding/control"/>
+  </ds:schemaRefs>
+</ds:datastoreItem>
+</file>
+
+<file path=customXml/itemProps393.xml><?xml version="1.0" encoding="utf-8"?>
+<ds:datastoreItem xmlns:ds="http://schemas.openxmlformats.org/officeDocument/2006/customXml" ds:itemID="{28E9737F-B639-4C11-ABA3-F3FB8DC85519}">
+  <ds:schemaRefs>
+    <ds:schemaRef ds:uri="http://schemas.microsoft.com/VisualStudio/2011/storyboarding/control"/>
+  </ds:schemaRefs>
+</ds:datastoreItem>
+</file>
+
+<file path=customXml/itemProps394.xml><?xml version="1.0" encoding="utf-8"?>
+<ds:datastoreItem xmlns:ds="http://schemas.openxmlformats.org/officeDocument/2006/customXml" ds:itemID="{3FA2755B-750E-4415-86FD-A9A920B38FE2}">
+  <ds:schemaRefs>
+    <ds:schemaRef ds:uri="http://schemas.microsoft.com/VisualStudio/2011/storyboarding/control"/>
+  </ds:schemaRefs>
+</ds:datastoreItem>
+</file>
+
+<file path=customXml/itemProps395.xml><?xml version="1.0" encoding="utf-8"?>
+<ds:datastoreItem xmlns:ds="http://schemas.openxmlformats.org/officeDocument/2006/customXml" ds:itemID="{1D374821-B26D-474F-AAAC-8B2753C3C543}">
+  <ds:schemaRefs>
+    <ds:schemaRef ds:uri="http://schemas.microsoft.com/VisualStudio/2011/storyboarding/control"/>
+  </ds:schemaRefs>
+</ds:datastoreItem>
+</file>
+
+<file path=customXml/itemProps396.xml><?xml version="1.0" encoding="utf-8"?>
+<ds:datastoreItem xmlns:ds="http://schemas.openxmlformats.org/officeDocument/2006/customXml" ds:itemID="{553BCA97-92F8-4379-AE8D-22AE007D3AD9}">
+  <ds:schemaRefs>
+    <ds:schemaRef ds:uri="http://schemas.microsoft.com/VisualStudio/2011/storyboarding/control"/>
+  </ds:schemaRefs>
+</ds:datastoreItem>
+</file>
+
+<file path=customXml/itemProps397.xml><?xml version="1.0" encoding="utf-8"?>
+<ds:datastoreItem xmlns:ds="http://schemas.openxmlformats.org/officeDocument/2006/customXml" ds:itemID="{3BDC9059-48A0-4806-8BEB-23814E7D3566}">
+  <ds:schemaRefs>
+    <ds:schemaRef ds:uri="http://schemas.microsoft.com/VisualStudio/2011/storyboarding/control"/>
+  </ds:schemaRefs>
+</ds:datastoreItem>
+</file>
+
+<file path=customXml/itemProps398.xml><?xml version="1.0" encoding="utf-8"?>
+<ds:datastoreItem xmlns:ds="http://schemas.openxmlformats.org/officeDocument/2006/customXml" ds:itemID="{6060C689-D6DA-4ED0-9505-C2A1B1A2CDA3}">
+  <ds:schemaRefs>
+    <ds:schemaRef ds:uri="http://schemas.microsoft.com/VisualStudio/2011/storyboarding/control"/>
+  </ds:schemaRefs>
+</ds:datastoreItem>
+</file>
+
+<file path=customXml/itemProps399.xml><?xml version="1.0" encoding="utf-8"?>
+<ds:datastoreItem xmlns:ds="http://schemas.openxmlformats.org/officeDocument/2006/customXml" ds:itemID="{3E386A23-59AC-45EA-8134-F61DB5C01BDA}">
+  <ds:schemaRefs>
+    <ds:schemaRef ds:uri="http://schemas.microsoft.com/VisualStudio/2011/storyboarding/control"/>
+  </ds:schemaRefs>
+</ds:datastoreItem>
+</file>
+
+<file path=customXml/itemProps4.xml><?xml version="1.0" encoding="utf-8"?>
+<ds:datastoreItem xmlns:ds="http://schemas.openxmlformats.org/officeDocument/2006/customXml" ds:itemID="{53E93DA6-4726-432A-BA8C-D27BFB19AC3B}">
+  <ds:schemaRefs>
+    <ds:schemaRef ds:uri="http://schemas.microsoft.com/VisualStudio/2011/storyboarding/control"/>
+  </ds:schemaRefs>
+</ds:datastoreItem>
+</file>
+
+<file path=customXml/itemProps40.xml><?xml version="1.0" encoding="utf-8"?>
+<ds:datastoreItem xmlns:ds="http://schemas.openxmlformats.org/officeDocument/2006/customXml" ds:itemID="{194EFFBD-7D54-4DE8-89F9-D3627AECCA6D}">
+  <ds:schemaRefs>
+    <ds:schemaRef ds:uri="http://schemas.microsoft.com/VisualStudio/2011/storyboarding/control"/>
+  </ds:schemaRefs>
+</ds:datastoreItem>
+</file>
+
+<file path=customXml/itemProps400.xml><?xml version="1.0" encoding="utf-8"?>
+<ds:datastoreItem xmlns:ds="http://schemas.openxmlformats.org/officeDocument/2006/customXml" ds:itemID="{B485D22B-2566-4D7E-BB28-6E30163C20B3}">
+  <ds:schemaRefs>
+    <ds:schemaRef ds:uri="http://schemas.microsoft.com/VisualStudio/2011/storyboarding/control"/>
+  </ds:schemaRefs>
+</ds:datastoreItem>
+</file>
+
+<file path=customXml/itemProps401.xml><?xml version="1.0" encoding="utf-8"?>
+<ds:datastoreItem xmlns:ds="http://schemas.openxmlformats.org/officeDocument/2006/customXml" ds:itemID="{A436C3F9-C01E-421A-AA53-0686B1804868}">
+  <ds:schemaRefs>
+    <ds:schemaRef ds:uri="http://schemas.microsoft.com/VisualStudio/2011/storyboarding/control"/>
+  </ds:schemaRefs>
+</ds:datastoreItem>
+</file>
+
+<file path=customXml/itemProps402.xml><?xml version="1.0" encoding="utf-8"?>
+<ds:datastoreItem xmlns:ds="http://schemas.openxmlformats.org/officeDocument/2006/customXml" ds:itemID="{AB573194-FA79-4A13-8B09-548B6F0FC5A5}">
+  <ds:schemaRefs>
+    <ds:schemaRef ds:uri="http://schemas.microsoft.com/VisualStudio/2011/storyboarding/control"/>
+  </ds:schemaRefs>
+</ds:datastoreItem>
+</file>
+
+<file path=customXml/itemProps403.xml><?xml version="1.0" encoding="utf-8"?>
+<ds:datastoreItem xmlns:ds="http://schemas.openxmlformats.org/officeDocument/2006/customXml" ds:itemID="{60CD00D4-06F4-4726-B57E-7BCF272D766B}">
+  <ds:schemaRefs>
+    <ds:schemaRef ds:uri="http://schemas.microsoft.com/VisualStudio/2011/storyboarding/control"/>
+  </ds:schemaRefs>
+</ds:datastoreItem>
+</file>
+
+<file path=customXml/itemProps404.xml><?xml version="1.0" encoding="utf-8"?>
+<ds:datastoreItem xmlns:ds="http://schemas.openxmlformats.org/officeDocument/2006/customXml" ds:itemID="{5EEDCA40-D052-47B3-8EE2-4B54E4C90F0C}">
+  <ds:schemaRefs>
+    <ds:schemaRef ds:uri="http://schemas.microsoft.com/VisualStudio/2011/storyboarding/control"/>
+  </ds:schemaRefs>
+</ds:datastoreItem>
+</file>
+
+<file path=customXml/itemProps405.xml><?xml version="1.0" encoding="utf-8"?>
+<ds:datastoreItem xmlns:ds="http://schemas.openxmlformats.org/officeDocument/2006/customXml" ds:itemID="{220DCEE2-6B38-480F-B53D-84C6A51947D4}">
+  <ds:schemaRefs>
+    <ds:schemaRef ds:uri="http://schemas.microsoft.com/VisualStudio/2011/storyboarding/control"/>
+  </ds:schemaRefs>
+</ds:datastoreItem>
+</file>
+
+<file path=customXml/itemProps406.xml><?xml version="1.0" encoding="utf-8"?>
+<ds:datastoreItem xmlns:ds="http://schemas.openxmlformats.org/officeDocument/2006/customXml" ds:itemID="{009DA1A9-4EDC-4475-A44D-605F6441F2B4}">
+  <ds:schemaRefs>
+    <ds:schemaRef ds:uri="http://schemas.microsoft.com/VisualStudio/2011/storyboarding/control"/>
+  </ds:schemaRefs>
+</ds:datastoreItem>
+</file>
+
+<file path=customXml/itemProps407.xml><?xml version="1.0" encoding="utf-8"?>
+<ds:datastoreItem xmlns:ds="http://schemas.openxmlformats.org/officeDocument/2006/customXml" ds:itemID="{723CA5A4-F50C-449F-B692-264A87FE2637}">
+  <ds:schemaRefs>
+    <ds:schemaRef ds:uri="http://schemas.microsoft.com/VisualStudio/2011/storyboarding/control"/>
+  </ds:schemaRefs>
+</ds:datastoreItem>
+</file>
+
+<file path=customXml/itemProps408.xml><?xml version="1.0" encoding="utf-8"?>
+<ds:datastoreItem xmlns:ds="http://schemas.openxmlformats.org/officeDocument/2006/customXml" ds:itemID="{E865EDF1-3988-4CC1-989C-8004E81819F1}">
+  <ds:schemaRefs>
+    <ds:schemaRef ds:uri="http://schemas.microsoft.com/VisualStudio/2011/storyboarding/control"/>
+  </ds:schemaRefs>
+</ds:datastoreItem>
+</file>
+
+<file path=customXml/itemProps409.xml><?xml version="1.0" encoding="utf-8"?>
+<ds:datastoreItem xmlns:ds="http://schemas.openxmlformats.org/officeDocument/2006/customXml" ds:itemID="{640C65F3-119C-4E3B-91A4-28D3D9CB3363}">
+  <ds:schemaRefs>
+    <ds:schemaRef ds:uri="http://schemas.microsoft.com/VisualStudio/2011/storyboarding/control"/>
+  </ds:schemaRefs>
+</ds:datastoreItem>
+</file>
+
+<file path=customXml/itemProps41.xml><?xml version="1.0" encoding="utf-8"?>
+<ds:datastoreItem xmlns:ds="http://schemas.openxmlformats.org/officeDocument/2006/customXml" ds:itemID="{D9778692-B57D-4B05-BB3D-D41AD33BB70E}">
+  <ds:schemaRefs>
+    <ds:schemaRef ds:uri="http://schemas.microsoft.com/VisualStudio/2011/storyboarding/control"/>
+  </ds:schemaRefs>
+</ds:datastoreItem>
+</file>
+
+<file path=customXml/itemProps410.xml><?xml version="1.0" encoding="utf-8"?>
+<ds:datastoreItem xmlns:ds="http://schemas.openxmlformats.org/officeDocument/2006/customXml" ds:itemID="{76F94818-85D5-4449-B635-10FE912BBD39}">
+  <ds:schemaRefs>
+    <ds:schemaRef ds:uri="http://schemas.microsoft.com/VisualStudio/2011/storyboarding/control"/>
+  </ds:schemaRefs>
+</ds:datastoreItem>
+</file>
+
+<file path=customXml/itemProps411.xml><?xml version="1.0" encoding="utf-8"?>
+<ds:datastoreItem xmlns:ds="http://schemas.openxmlformats.org/officeDocument/2006/customXml" ds:itemID="{643CC93A-F61B-4C55-9BA1-1D0256240388}">
+  <ds:schemaRefs>
+    <ds:schemaRef ds:uri="http://schemas.microsoft.com/VisualStudio/2011/storyboarding/control"/>
+  </ds:schemaRefs>
+</ds:datastoreItem>
+</file>
+
+<file path=customXml/itemProps412.xml><?xml version="1.0" encoding="utf-8"?>
+<ds:datastoreItem xmlns:ds="http://schemas.openxmlformats.org/officeDocument/2006/customXml" ds:itemID="{57170B4E-9583-4966-9469-6481EBAB8126}">
+  <ds:schemaRefs>
+    <ds:schemaRef ds:uri="http://schemas.microsoft.com/VisualStudio/2011/storyboarding/control"/>
+  </ds:schemaRefs>
+</ds:datastoreItem>
+</file>
+
+<file path=customXml/itemProps413.xml><?xml version="1.0" encoding="utf-8"?>
+<ds:datastoreItem xmlns:ds="http://schemas.openxmlformats.org/officeDocument/2006/customXml" ds:itemID="{AAD9A196-2A5D-42E5-82F2-268CB023F952}">
+  <ds:schemaRefs>
+    <ds:schemaRef ds:uri="http://schemas.microsoft.com/VisualStudio/2011/storyboarding/control"/>
+  </ds:schemaRefs>
+</ds:datastoreItem>
+</file>
+
+<file path=customXml/itemProps414.xml><?xml version="1.0" encoding="utf-8"?>
+<ds:datastoreItem xmlns:ds="http://schemas.openxmlformats.org/officeDocument/2006/customXml" ds:itemID="{D245BE53-4D17-4313-9C28-1F775C81FB78}">
+  <ds:schemaRefs>
+    <ds:schemaRef ds:uri="http://schemas.microsoft.com/VisualStudio/2011/storyboarding/control"/>
+  </ds:schemaRefs>
+</ds:datastoreItem>
+</file>
+
+<file path=customXml/itemProps415.xml><?xml version="1.0" encoding="utf-8"?>
+<ds:datastoreItem xmlns:ds="http://schemas.openxmlformats.org/officeDocument/2006/customXml" ds:itemID="{87B3B4CD-0E68-44A0-9D24-6E79DEC855D9}">
+  <ds:schemaRefs>
+    <ds:schemaRef ds:uri="http://schemas.microsoft.com/VisualStudio/2011/storyboarding/control"/>
+  </ds:schemaRefs>
+</ds:datastoreItem>
+</file>
+
+<file path=customXml/itemProps416.xml><?xml version="1.0" encoding="utf-8"?>
+<ds:datastoreItem xmlns:ds="http://schemas.openxmlformats.org/officeDocument/2006/customXml" ds:itemID="{94C2D345-A1A3-41D1-8252-D91A2709EDBB}">
+  <ds:schemaRefs>
+    <ds:schemaRef ds:uri="http://schemas.microsoft.com/VisualStudio/2011/storyboarding/control"/>
+  </ds:schemaRefs>
+</ds:datastoreItem>
+</file>
+
+<file path=customXml/itemProps417.xml><?xml version="1.0" encoding="utf-8"?>
+<ds:datastoreItem xmlns:ds="http://schemas.openxmlformats.org/officeDocument/2006/customXml" ds:itemID="{067DF90F-FC50-447F-B7A2-972F6FB2AA3D}">
+  <ds:schemaRefs>
+    <ds:schemaRef ds:uri="http://schemas.microsoft.com/VisualStudio/2011/storyboarding/control"/>
+  </ds:schemaRefs>
+</ds:datastoreItem>
+</file>
+
+<file path=customXml/itemProps418.xml><?xml version="1.0" encoding="utf-8"?>
+<ds:datastoreItem xmlns:ds="http://schemas.openxmlformats.org/officeDocument/2006/customXml" ds:itemID="{D4486BB5-2756-4168-9CCC-6231B98B7B4E}">
+  <ds:schemaRefs>
+    <ds:schemaRef ds:uri="http://schemas.microsoft.com/VisualStudio/2011/storyboarding/control"/>
+  </ds:schemaRefs>
+</ds:datastoreItem>
+</file>
+
+<file path=customXml/itemProps42.xml><?xml version="1.0" encoding="utf-8"?>
+<ds:datastoreItem xmlns:ds="http://schemas.openxmlformats.org/officeDocument/2006/customXml" ds:itemID="{7335903A-55F5-4CB7-9C2D-1E5B9D1BBD02}">
+  <ds:schemaRefs>
+    <ds:schemaRef ds:uri="http://schemas.microsoft.com/VisualStudio/2011/storyboarding/control"/>
+  </ds:schemaRefs>
+</ds:datastoreItem>
+</file>
+
+<file path=customXml/itemProps43.xml><?xml version="1.0" encoding="utf-8"?>
+<ds:datastoreItem xmlns:ds="http://schemas.openxmlformats.org/officeDocument/2006/customXml" ds:itemID="{A861CB65-74F7-4C03-A4CB-038D1D5EACBA}">
+  <ds:schemaRefs>
+    <ds:schemaRef ds:uri="http://schemas.microsoft.com/VisualStudio/2011/storyboarding/control"/>
+  </ds:schemaRefs>
+</ds:datastoreItem>
+</file>
+
+<file path=customXml/itemProps44.xml><?xml version="1.0" encoding="utf-8"?>
+<ds:datastoreItem xmlns:ds="http://schemas.openxmlformats.org/officeDocument/2006/customXml" ds:itemID="{5802AE79-1D4B-481F-AE9F-031D546FD7CE}">
+  <ds:schemaRefs>
+    <ds:schemaRef ds:uri="http://schemas.microsoft.com/VisualStudio/2011/storyboarding/control"/>
+  </ds:schemaRefs>
+</ds:datastoreItem>
+</file>
+
+<file path=customXml/itemProps45.xml><?xml version="1.0" encoding="utf-8"?>
+<ds:datastoreItem xmlns:ds="http://schemas.openxmlformats.org/officeDocument/2006/customXml" ds:itemID="{0512EDEA-3EA1-4527-9B17-E618A3C1B5E2}">
+  <ds:schemaRefs>
+    <ds:schemaRef ds:uri="http://schemas.microsoft.com/VisualStudio/2011/storyboarding/control"/>
+  </ds:schemaRefs>
+</ds:datastoreItem>
+</file>
+
+<file path=customXml/itemProps46.xml><?xml version="1.0" encoding="utf-8"?>
+<ds:datastoreItem xmlns:ds="http://schemas.openxmlformats.org/officeDocument/2006/customXml" ds:itemID="{A34CB06E-319F-4F5D-84F2-B6726A106FF1}">
+  <ds:schemaRefs>
+    <ds:schemaRef ds:uri="http://schemas.microsoft.com/VisualStudio/2011/storyboarding/control"/>
+  </ds:schemaRefs>
+</ds:datastoreItem>
+</file>
+
+<file path=customXml/itemProps47.xml><?xml version="1.0" encoding="utf-8"?>
+<ds:datastoreItem xmlns:ds="http://schemas.openxmlformats.org/officeDocument/2006/customXml" ds:itemID="{6A6DEB17-F166-42A7-ACE5-734B9AF98B31}">
+  <ds:schemaRefs>
+    <ds:schemaRef ds:uri="http://schemas.microsoft.com/VisualStudio/2011/storyboarding/control"/>
+  </ds:schemaRefs>
+</ds:datastoreItem>
+</file>
+
+<file path=customXml/itemProps48.xml><?xml version="1.0" encoding="utf-8"?>
+<ds:datastoreItem xmlns:ds="http://schemas.openxmlformats.org/officeDocument/2006/customXml" ds:itemID="{451EDEA7-6959-470B-933B-7A75D7CEAB07}">
+  <ds:schemaRefs>
+    <ds:schemaRef ds:uri="http://schemas.microsoft.com/VisualStudio/2011/storyboarding/control"/>
+  </ds:schemaRefs>
+</ds:datastoreItem>
+</file>
+
+<file path=customXml/itemProps49.xml><?xml version="1.0" encoding="utf-8"?>
+<ds:datastoreItem xmlns:ds="http://schemas.openxmlformats.org/officeDocument/2006/customXml" ds:itemID="{238E4091-6AA0-4D5F-A464-23255C220A2B}">
+  <ds:schemaRefs>
+    <ds:schemaRef ds:uri="http://schemas.microsoft.com/VisualStudio/2011/storyboarding/control"/>
+  </ds:schemaRefs>
+</ds:datastoreItem>
+</file>
+
+<file path=customXml/itemProps5.xml><?xml version="1.0" encoding="utf-8"?>
+<ds:datastoreItem xmlns:ds="http://schemas.openxmlformats.org/officeDocument/2006/customXml" ds:itemID="{EAB4794E-8C10-4B92-ACA3-FB387A84B934}">
+  <ds:schemaRefs>
+    <ds:schemaRef ds:uri="http://schemas.microsoft.com/VisualStudio/2011/storyboarding/control"/>
+  </ds:schemaRefs>
+</ds:datastoreItem>
+</file>
+
+<file path=customXml/itemProps50.xml><?xml version="1.0" encoding="utf-8"?>
+<ds:datastoreItem xmlns:ds="http://schemas.openxmlformats.org/officeDocument/2006/customXml" ds:itemID="{27F36B52-6CF6-4397-BA43-A73A144A114D}">
+  <ds:schemaRefs>
+    <ds:schemaRef ds:uri="http://schemas.microsoft.com/VisualStudio/2011/storyboarding/control"/>
+  </ds:schemaRefs>
+</ds:datastoreItem>
+</file>
+
+<file path=customXml/itemProps51.xml><?xml version="1.0" encoding="utf-8"?>
+<ds:datastoreItem xmlns:ds="http://schemas.openxmlformats.org/officeDocument/2006/customXml" ds:itemID="{3B662B4F-B2FC-4E6D-8431-BEA711EB6822}">
+  <ds:schemaRefs>
+    <ds:schemaRef ds:uri="http://schemas.microsoft.com/VisualStudio/2011/storyboarding/control"/>
+  </ds:schemaRefs>
+</ds:datastoreItem>
+</file>
+
+<file path=customXml/itemProps52.xml><?xml version="1.0" encoding="utf-8"?>
+<ds:datastoreItem xmlns:ds="http://schemas.openxmlformats.org/officeDocument/2006/customXml" ds:itemID="{B0E5354C-A49C-4922-86D1-4AEAB0AB2035}">
+  <ds:schemaRefs>
+    <ds:schemaRef ds:uri="http://schemas.microsoft.com/VisualStudio/2011/storyboarding/control"/>
+  </ds:schemaRefs>
+</ds:datastoreItem>
+</file>
+
+<file path=customXml/itemProps53.xml><?xml version="1.0" encoding="utf-8"?>
+<ds:datastoreItem xmlns:ds="http://schemas.openxmlformats.org/officeDocument/2006/customXml" ds:itemID="{17050325-C71D-472B-95DC-A77A3F745B9E}">
+  <ds:schemaRefs>
+    <ds:schemaRef ds:uri="http://schemas.microsoft.com/VisualStudio/2011/storyboarding/control"/>
+  </ds:schemaRefs>
+</ds:datastoreItem>
+</file>
+
+<file path=customXml/itemProps54.xml><?xml version="1.0" encoding="utf-8"?>
+<ds:datastoreItem xmlns:ds="http://schemas.openxmlformats.org/officeDocument/2006/customXml" ds:itemID="{27233982-8EA5-4E42-BEF4-342DEFC4F55C}">
+  <ds:schemaRefs>
+    <ds:schemaRef ds:uri="http://schemas.microsoft.com/VisualStudio/2011/storyboarding/control"/>
+  </ds:schemaRefs>
+</ds:datastoreItem>
+</file>
+
+<file path=customXml/itemProps55.xml><?xml version="1.0" encoding="utf-8"?>
+<ds:datastoreItem xmlns:ds="http://schemas.openxmlformats.org/officeDocument/2006/customXml" ds:itemID="{F03E6151-DFC5-424F-B7C7-7EE059820854}">
+  <ds:schemaRefs>
+    <ds:schemaRef ds:uri="http://schemas.microsoft.com/VisualStudio/2011/storyboarding/control"/>
+  </ds:schemaRefs>
+</ds:datastoreItem>
+</file>
+
+<file path=customXml/itemProps56.xml><?xml version="1.0" encoding="utf-8"?>
+<ds:datastoreItem xmlns:ds="http://schemas.openxmlformats.org/officeDocument/2006/customXml" ds:itemID="{7CECF6CE-60F8-4CD3-A042-C3FBF6B1CD82}">
+  <ds:schemaRefs>
+    <ds:schemaRef ds:uri="http://schemas.microsoft.com/VisualStudio/2011/storyboarding/control"/>
+  </ds:schemaRefs>
+</ds:datastoreItem>
+</file>
+
+<file path=customXml/itemProps57.xml><?xml version="1.0" encoding="utf-8"?>
+<ds:datastoreItem xmlns:ds="http://schemas.openxmlformats.org/officeDocument/2006/customXml" ds:itemID="{C5C2071C-38B3-4E05-B279-361E52B7C892}">
+  <ds:schemaRefs>
+    <ds:schemaRef ds:uri="http://schemas.microsoft.com/VisualStudio/2011/storyboarding/control"/>
+  </ds:schemaRefs>
+</ds:datastoreItem>
+</file>
+
+<file path=customXml/itemProps58.xml><?xml version="1.0" encoding="utf-8"?>
+<ds:datastoreItem xmlns:ds="http://schemas.openxmlformats.org/officeDocument/2006/customXml" ds:itemID="{DA651C0F-EF7C-4E40-B970-0ED847B261CD}">
+  <ds:schemaRefs>
+    <ds:schemaRef ds:uri="http://schemas.microsoft.com/VisualStudio/2011/storyboarding/control"/>
+  </ds:schemaRefs>
+</ds:datastoreItem>
+</file>
+
+<file path=customXml/itemProps59.xml><?xml version="1.0" encoding="utf-8"?>
+<ds:datastoreItem xmlns:ds="http://schemas.openxmlformats.org/officeDocument/2006/customXml" ds:itemID="{4005C7AB-FD00-4948-A862-EE198884C46B}">
+  <ds:schemaRefs>
+    <ds:schemaRef ds:uri="http://schemas.microsoft.com/VisualStudio/2011/storyboarding/control"/>
+  </ds:schemaRefs>
+</ds:datastoreItem>
+</file>
+
+<file path=customXml/itemProps6.xml><?xml version="1.0" encoding="utf-8"?>
+<ds:datastoreItem xmlns:ds="http://schemas.openxmlformats.org/officeDocument/2006/customXml" ds:itemID="{6465B1AA-E3DA-4CEF-8793-C9B7F8F93352}">
+  <ds:schemaRefs>
+    <ds:schemaRef ds:uri="http://schemas.microsoft.com/VisualStudio/2011/storyboarding/control"/>
+  </ds:schemaRefs>
+</ds:datastoreItem>
+</file>
+
+<file path=customXml/itemProps60.xml><?xml version="1.0" encoding="utf-8"?>
+<ds:datastoreItem xmlns:ds="http://schemas.openxmlformats.org/officeDocument/2006/customXml" ds:itemID="{EF2782F1-8DA9-457B-9282-CA44A5EC7893}">
+  <ds:schemaRefs>
+    <ds:schemaRef ds:uri="http://schemas.microsoft.com/VisualStudio/2011/storyboarding/control"/>
+  </ds:schemaRefs>
+</ds:datastoreItem>
+</file>
+
+<file path=customXml/itemProps61.xml><?xml version="1.0" encoding="utf-8"?>
+<ds:datastoreItem xmlns:ds="http://schemas.openxmlformats.org/officeDocument/2006/customXml" ds:itemID="{C5117839-F4A7-4B82-A856-D0521B8F12E0}">
+  <ds:schemaRefs>
+    <ds:schemaRef ds:uri="http://schemas.microsoft.com/VisualStudio/2011/storyboarding/control"/>
+  </ds:schemaRefs>
+</ds:datastoreItem>
+</file>
+
+<file path=customXml/itemProps62.xml><?xml version="1.0" encoding="utf-8"?>
 <ds:datastoreItem xmlns:ds="http://schemas.openxmlformats.org/officeDocument/2006/customXml" ds:itemID="{21CB815E-7124-4A3B-99AB-1DAEE578DA1E}">
   <ds:schemaRefs>
     <ds:schemaRef ds:uri="http://schemas.microsoft.com/VisualStudio/2011/storyboarding/control"/>
@@ -51831,15 +54756,247 @@
 </ds:datastoreItem>
 </file>
 
-<file path=customXml/itemProps11.xml><?xml version="1.0" encoding="utf-8"?>
-<ds:datastoreItem xmlns:ds="http://schemas.openxmlformats.org/officeDocument/2006/customXml" ds:itemID="{04512026-5CE2-44C7-892F-C238A9AC8AB3}">
+<file path=customXml/itemProps63.xml><?xml version="1.0" encoding="utf-8"?>
+<ds:datastoreItem xmlns:ds="http://schemas.openxmlformats.org/officeDocument/2006/customXml" ds:itemID="{1BAA46D1-81FF-47AD-8391-15DD1941445D}">
   <ds:schemaRefs>
     <ds:schemaRef ds:uri="http://schemas.microsoft.com/VisualStudio/2011/storyboarding/control"/>
   </ds:schemaRefs>
 </ds:datastoreItem>
 </file>
 
-<file path=customXml/itemProps110.xml><?xml version="1.0" encoding="utf-8"?>
+<file path=customXml/itemProps64.xml><?xml version="1.0" encoding="utf-8"?>
+<ds:datastoreItem xmlns:ds="http://schemas.openxmlformats.org/officeDocument/2006/customXml" ds:itemID="{5B72F3A7-2F70-4317-B3BA-28245E6D839E}">
+  <ds:schemaRefs>
+    <ds:schemaRef ds:uri="http://schemas.microsoft.com/VisualStudio/2011/storyboarding/control"/>
+  </ds:schemaRefs>
+</ds:datastoreItem>
+</file>
+
+<file path=customXml/itemProps65.xml><?xml version="1.0" encoding="utf-8"?>
+<ds:datastoreItem xmlns:ds="http://schemas.openxmlformats.org/officeDocument/2006/customXml" ds:itemID="{65614E93-2C50-42A4-9EB7-366D9C102A55}">
+  <ds:schemaRefs>
+    <ds:schemaRef ds:uri="http://schemas.microsoft.com/VisualStudio/2011/storyboarding/control"/>
+  </ds:schemaRefs>
+</ds:datastoreItem>
+</file>
+
+<file path=customXml/itemProps66.xml><?xml version="1.0" encoding="utf-8"?>
+<ds:datastoreItem xmlns:ds="http://schemas.openxmlformats.org/officeDocument/2006/customXml" ds:itemID="{A7FB4AC3-2841-4AA1-9049-865B37478516}">
+  <ds:schemaRefs>
+    <ds:schemaRef ds:uri="http://schemas.microsoft.com/VisualStudio/2011/storyboarding/control"/>
+  </ds:schemaRefs>
+</ds:datastoreItem>
+</file>
+
+<file path=customXml/itemProps67.xml><?xml version="1.0" encoding="utf-8"?>
+<ds:datastoreItem xmlns:ds="http://schemas.openxmlformats.org/officeDocument/2006/customXml" ds:itemID="{8DC627A3-C11E-481E-90BC-D2158B5B3F88}">
+  <ds:schemaRefs>
+    <ds:schemaRef ds:uri="http://schemas.microsoft.com/VisualStudio/2011/storyboarding/control"/>
+  </ds:schemaRefs>
+</ds:datastoreItem>
+</file>
+
+<file path=customXml/itemProps68.xml><?xml version="1.0" encoding="utf-8"?>
+<ds:datastoreItem xmlns:ds="http://schemas.openxmlformats.org/officeDocument/2006/customXml" ds:itemID="{24C64F7D-04D9-44E6-BCA7-F0DAAB072939}">
+  <ds:schemaRefs>
+    <ds:schemaRef ds:uri="http://schemas.microsoft.com/VisualStudio/2011/storyboarding/control"/>
+  </ds:schemaRefs>
+</ds:datastoreItem>
+</file>
+
+<file path=customXml/itemProps69.xml><?xml version="1.0" encoding="utf-8"?>
+<ds:datastoreItem xmlns:ds="http://schemas.openxmlformats.org/officeDocument/2006/customXml" ds:itemID="{2767950D-6E56-4D24-8265-C134BDA8FE55}">
+  <ds:schemaRefs>
+    <ds:schemaRef ds:uri="http://schemas.microsoft.com/VisualStudio/2011/storyboarding/control"/>
+  </ds:schemaRefs>
+</ds:datastoreItem>
+</file>
+
+<file path=customXml/itemProps7.xml><?xml version="1.0" encoding="utf-8"?>
+<ds:datastoreItem xmlns:ds="http://schemas.openxmlformats.org/officeDocument/2006/customXml" ds:itemID="{96288CD3-9C50-4B2F-A457-0271DBDAB309}">
+  <ds:schemaRefs>
+    <ds:schemaRef ds:uri="http://schemas.microsoft.com/VisualStudio/2011/storyboarding/control"/>
+  </ds:schemaRefs>
+</ds:datastoreItem>
+</file>
+
+<file path=customXml/itemProps70.xml><?xml version="1.0" encoding="utf-8"?>
+<ds:datastoreItem xmlns:ds="http://schemas.openxmlformats.org/officeDocument/2006/customXml" ds:itemID="{F1DD14E0-424F-4FF5-B74E-19AA22245CA2}">
+  <ds:schemaRefs>
+    <ds:schemaRef ds:uri="http://schemas.microsoft.com/VisualStudio/2011/storyboarding/control"/>
+  </ds:schemaRefs>
+</ds:datastoreItem>
+</file>
+
+<file path=customXml/itemProps71.xml><?xml version="1.0" encoding="utf-8"?>
+<ds:datastoreItem xmlns:ds="http://schemas.openxmlformats.org/officeDocument/2006/customXml" ds:itemID="{587246EE-B1EB-4D8A-AA57-6F634C7F9AA8}">
+  <ds:schemaRefs>
+    <ds:schemaRef ds:uri="http://schemas.microsoft.com/VisualStudio/2011/storyboarding/control"/>
+  </ds:schemaRefs>
+</ds:datastoreItem>
+</file>
+
+<file path=customXml/itemProps72.xml><?xml version="1.0" encoding="utf-8"?>
+<ds:datastoreItem xmlns:ds="http://schemas.openxmlformats.org/officeDocument/2006/customXml" ds:itemID="{747F2B94-BD0E-4A90-8769-1D673480235D}">
+  <ds:schemaRefs>
+    <ds:schemaRef ds:uri="http://schemas.microsoft.com/VisualStudio/2011/storyboarding/control"/>
+  </ds:schemaRefs>
+</ds:datastoreItem>
+</file>
+
+<file path=customXml/itemProps73.xml><?xml version="1.0" encoding="utf-8"?>
+<ds:datastoreItem xmlns:ds="http://schemas.openxmlformats.org/officeDocument/2006/customXml" ds:itemID="{4E3E6D78-285E-4369-914E-55538596C674}">
+  <ds:schemaRefs>
+    <ds:schemaRef ds:uri="http://schemas.microsoft.com/VisualStudio/2011/storyboarding/control"/>
+  </ds:schemaRefs>
+</ds:datastoreItem>
+</file>
+
+<file path=customXml/itemProps74.xml><?xml version="1.0" encoding="utf-8"?>
+<ds:datastoreItem xmlns:ds="http://schemas.openxmlformats.org/officeDocument/2006/customXml" ds:itemID="{77AFBE6A-D80B-4EC6-8D4C-D874F3C53CA7}">
+  <ds:schemaRefs>
+    <ds:schemaRef ds:uri="http://schemas.microsoft.com/VisualStudio/2011/storyboarding/control"/>
+  </ds:schemaRefs>
+</ds:datastoreItem>
+</file>
+
+<file path=customXml/itemProps75.xml><?xml version="1.0" encoding="utf-8"?>
+<ds:datastoreItem xmlns:ds="http://schemas.openxmlformats.org/officeDocument/2006/customXml" ds:itemID="{2FEAA353-AC29-4963-8C5E-B73D44C5881B}">
+  <ds:schemaRefs>
+    <ds:schemaRef ds:uri="http://schemas.microsoft.com/VisualStudio/2011/storyboarding/control"/>
+  </ds:schemaRefs>
+</ds:datastoreItem>
+</file>
+
+<file path=customXml/itemProps76.xml><?xml version="1.0" encoding="utf-8"?>
+<ds:datastoreItem xmlns:ds="http://schemas.openxmlformats.org/officeDocument/2006/customXml" ds:itemID="{36019CF9-0543-44E1-8B18-E31FF66414A5}">
+  <ds:schemaRefs>
+    <ds:schemaRef ds:uri="http://schemas.microsoft.com/VisualStudio/2011/storyboarding/control"/>
+  </ds:schemaRefs>
+</ds:datastoreItem>
+</file>
+
+<file path=customXml/itemProps77.xml><?xml version="1.0" encoding="utf-8"?>
+<ds:datastoreItem xmlns:ds="http://schemas.openxmlformats.org/officeDocument/2006/customXml" ds:itemID="{16B492A5-FE3D-43FE-9CF8-E46854E4176F}">
+  <ds:schemaRefs>
+    <ds:schemaRef ds:uri="http://schemas.microsoft.com/VisualStudio/2011/storyboarding/control"/>
+  </ds:schemaRefs>
+</ds:datastoreItem>
+</file>
+
+<file path=customXml/itemProps78.xml><?xml version="1.0" encoding="utf-8"?>
+<ds:datastoreItem xmlns:ds="http://schemas.openxmlformats.org/officeDocument/2006/customXml" ds:itemID="{38358E66-4F64-4B41-931B-EB4D7544ABA8}">
+  <ds:schemaRefs>
+    <ds:schemaRef ds:uri="http://schemas.microsoft.com/VisualStudio/2011/storyboarding/control"/>
+  </ds:schemaRefs>
+</ds:datastoreItem>
+</file>
+
+<file path=customXml/itemProps79.xml><?xml version="1.0" encoding="utf-8"?>
+<ds:datastoreItem xmlns:ds="http://schemas.openxmlformats.org/officeDocument/2006/customXml" ds:itemID="{9BFE7170-92E1-43AA-BFB8-FB20A5E2DB38}">
+  <ds:schemaRefs>
+    <ds:schemaRef ds:uri="http://schemas.microsoft.com/VisualStudio/2011/storyboarding/control"/>
+  </ds:schemaRefs>
+</ds:datastoreItem>
+</file>
+
+<file path=customXml/itemProps8.xml><?xml version="1.0" encoding="utf-8"?>
+<ds:datastoreItem xmlns:ds="http://schemas.openxmlformats.org/officeDocument/2006/customXml" ds:itemID="{38708E37-23DD-4A44-8BA9-F39AE97429E0}">
+  <ds:schemaRefs>
+    <ds:schemaRef ds:uri="http://schemas.microsoft.com/VisualStudio/2011/storyboarding/control"/>
+  </ds:schemaRefs>
+</ds:datastoreItem>
+</file>
+
+<file path=customXml/itemProps80.xml><?xml version="1.0" encoding="utf-8"?>
+<ds:datastoreItem xmlns:ds="http://schemas.openxmlformats.org/officeDocument/2006/customXml" ds:itemID="{82BAD687-6146-45CA-951B-F626FCAEDCAF}">
+  <ds:schemaRefs>
+    <ds:schemaRef ds:uri="http://schemas.microsoft.com/VisualStudio/2011/storyboarding/control"/>
+  </ds:schemaRefs>
+</ds:datastoreItem>
+</file>
+
+<file path=customXml/itemProps81.xml><?xml version="1.0" encoding="utf-8"?>
+<ds:datastoreItem xmlns:ds="http://schemas.openxmlformats.org/officeDocument/2006/customXml" ds:itemID="{74AFC24B-C7D7-48F6-96FB-A3CC80EDD2EA}">
+  <ds:schemaRefs>
+    <ds:schemaRef ds:uri="http://schemas.microsoft.com/VisualStudio/2011/storyboarding/control"/>
+  </ds:schemaRefs>
+</ds:datastoreItem>
+</file>
+
+<file path=customXml/itemProps82.xml><?xml version="1.0" encoding="utf-8"?>
+<ds:datastoreItem xmlns:ds="http://schemas.openxmlformats.org/officeDocument/2006/customXml" ds:itemID="{3549025A-6CD1-40A9-92D8-3BBBF3AA295A}">
+  <ds:schemaRefs>
+    <ds:schemaRef ds:uri="http://schemas.microsoft.com/VisualStudio/2011/storyboarding/control"/>
+  </ds:schemaRefs>
+</ds:datastoreItem>
+</file>
+
+<file path=customXml/itemProps83.xml><?xml version="1.0" encoding="utf-8"?>
+<ds:datastoreItem xmlns:ds="http://schemas.openxmlformats.org/officeDocument/2006/customXml" ds:itemID="{64EC0383-9E6B-45A0-94E8-38FA095CA4EA}">
+  <ds:schemaRefs>
+    <ds:schemaRef ds:uri="http://schemas.microsoft.com/VisualStudio/2011/storyboarding/control"/>
+  </ds:schemaRefs>
+</ds:datastoreItem>
+</file>
+
+<file path=customXml/itemProps84.xml><?xml version="1.0" encoding="utf-8"?>
+<ds:datastoreItem xmlns:ds="http://schemas.openxmlformats.org/officeDocument/2006/customXml" ds:itemID="{5D2143CA-34F9-4969-9FE0-572B1C1A3C44}">
+  <ds:schemaRefs>
+    <ds:schemaRef ds:uri="http://schemas.microsoft.com/VisualStudio/2011/storyboarding/control"/>
+  </ds:schemaRefs>
+</ds:datastoreItem>
+</file>
+
+<file path=customXml/itemProps85.xml><?xml version="1.0" encoding="utf-8"?>
+<ds:datastoreItem xmlns:ds="http://schemas.openxmlformats.org/officeDocument/2006/customXml" ds:itemID="{0B3DDA0A-E490-4707-A3B7-C61C97D6EB56}">
+  <ds:schemaRefs>
+    <ds:schemaRef ds:uri="http://schemas.microsoft.com/VisualStudio/2011/storyboarding/control"/>
+  </ds:schemaRefs>
+</ds:datastoreItem>
+</file>
+
+<file path=customXml/itemProps86.xml><?xml version="1.0" encoding="utf-8"?>
+<ds:datastoreItem xmlns:ds="http://schemas.openxmlformats.org/officeDocument/2006/customXml" ds:itemID="{12892A08-F8BF-4D81-8105-A8150CA9AFCA}">
+  <ds:schemaRefs>
+    <ds:schemaRef ds:uri="http://schemas.microsoft.com/VisualStudio/2011/storyboarding/control"/>
+  </ds:schemaRefs>
+</ds:datastoreItem>
+</file>
+
+<file path=customXml/itemProps87.xml><?xml version="1.0" encoding="utf-8"?>
+<ds:datastoreItem xmlns:ds="http://schemas.openxmlformats.org/officeDocument/2006/customXml" ds:itemID="{0D31A47D-A302-4589-8FE7-C4D3FFA46168}">
+  <ds:schemaRefs>
+    <ds:schemaRef ds:uri="http://schemas.microsoft.com/VisualStudio/2011/storyboarding/control"/>
+  </ds:schemaRefs>
+</ds:datastoreItem>
+</file>
+
+<file path=customXml/itemProps88.xml><?xml version="1.0" encoding="utf-8"?>
+<ds:datastoreItem xmlns:ds="http://schemas.openxmlformats.org/officeDocument/2006/customXml" ds:itemID="{059A00BC-7922-4E2D-8274-177A38C42E03}">
+  <ds:schemaRefs>
+    <ds:schemaRef ds:uri="http://schemas.microsoft.com/VisualStudio/2011/storyboarding/control"/>
+  </ds:schemaRefs>
+</ds:datastoreItem>
+</file>
+
+<file path=customXml/itemProps89.xml><?xml version="1.0" encoding="utf-8"?>
+<ds:datastoreItem xmlns:ds="http://schemas.openxmlformats.org/officeDocument/2006/customXml" ds:itemID="{2E12C7FD-ADB9-4E02-88AD-8997CE61C2D4}">
+  <ds:schemaRefs>
+    <ds:schemaRef ds:uri="http://schemas.microsoft.com/VisualStudio/2011/storyboarding/control"/>
+  </ds:schemaRefs>
+</ds:datastoreItem>
+</file>
+
+<file path=customXml/itemProps9.xml><?xml version="1.0" encoding="utf-8"?>
+<ds:datastoreItem xmlns:ds="http://schemas.openxmlformats.org/officeDocument/2006/customXml" ds:itemID="{C0218BAC-4DA3-4EEB-9E69-50B84364552B}">
+  <ds:schemaRefs>
+    <ds:schemaRef ds:uri="http://schemas.microsoft.com/VisualStudio/2011/storyboarding/control"/>
+  </ds:schemaRefs>
+</ds:datastoreItem>
+</file>
+
+<file path=customXml/itemProps90.xml><?xml version="1.0" encoding="utf-8"?>
 <ds:datastoreItem xmlns:ds="http://schemas.openxmlformats.org/officeDocument/2006/customXml" ds:itemID="{8EEB2059-6AA6-43B3-A531-158E0BB40274}">
   <ds:schemaRefs>
     <ds:schemaRef ds:uri="http://schemas.microsoft.com/VisualStudio/2011/storyboarding/control"/>
@@ -51847,183 +55004,7 @@
 </ds:datastoreItem>
 </file>
 
-<file path=customXml/itemProps111.xml><?xml version="1.0" encoding="utf-8"?>
-<ds:datastoreItem xmlns:ds="http://schemas.openxmlformats.org/officeDocument/2006/customXml" ds:itemID="{A4A084FE-200F-4432-B959-208AE0B5A953}">
-  <ds:schemaRefs>
-    <ds:schemaRef ds:uri="http://schemas.microsoft.com/VisualStudio/2011/storyboarding/control"/>
-  </ds:schemaRefs>
-</ds:datastoreItem>
-</file>
-
-<file path=customXml/itemProps112.xml><?xml version="1.0" encoding="utf-8"?>
-<ds:datastoreItem xmlns:ds="http://schemas.openxmlformats.org/officeDocument/2006/customXml" ds:itemID="{426A4743-E70C-4953-AEAD-F53DDB87C3BF}">
-  <ds:schemaRefs>
-    <ds:schemaRef ds:uri="http://schemas.microsoft.com/VisualStudio/2011/storyboarding/control"/>
-  </ds:schemaRefs>
-</ds:datastoreItem>
-</file>
-
-<file path=customXml/itemProps113.xml><?xml version="1.0" encoding="utf-8"?>
-<ds:datastoreItem xmlns:ds="http://schemas.openxmlformats.org/officeDocument/2006/customXml" ds:itemID="{C904A63E-B4F8-4F66-AAA5-D77CB9D7C19B}">
-  <ds:schemaRefs>
-    <ds:schemaRef ds:uri="http://schemas.microsoft.com/VisualStudio/2011/storyboarding/control"/>
-  </ds:schemaRefs>
-</ds:datastoreItem>
-</file>
-
-<file path=customXml/itemProps114.xml><?xml version="1.0" encoding="utf-8"?>
-<ds:datastoreItem xmlns:ds="http://schemas.openxmlformats.org/officeDocument/2006/customXml" ds:itemID="{67E3185C-0A09-41B8-B3E1-C164556F673F}">
-  <ds:schemaRefs>
-    <ds:schemaRef ds:uri="http://schemas.microsoft.com/VisualStudio/2011/storyboarding/control"/>
-  </ds:schemaRefs>
-</ds:datastoreItem>
-</file>
-
-<file path=customXml/itemProps115.xml><?xml version="1.0" encoding="utf-8"?>
-<ds:datastoreItem xmlns:ds="http://schemas.openxmlformats.org/officeDocument/2006/customXml" ds:itemID="{CB55EF8A-E797-485E-BD8D-F4D9DDDD5F46}">
-  <ds:schemaRefs>
-    <ds:schemaRef ds:uri="http://schemas.microsoft.com/VisualStudio/2011/storyboarding/control"/>
-  </ds:schemaRefs>
-</ds:datastoreItem>
-</file>
-
-<file path=customXml/itemProps116.xml><?xml version="1.0" encoding="utf-8"?>
-<ds:datastoreItem xmlns:ds="http://schemas.openxmlformats.org/officeDocument/2006/customXml" ds:itemID="{ABFF9767-43A0-4973-8588-41724C56A0CE}">
-  <ds:schemaRefs>
-    <ds:schemaRef ds:uri="http://schemas.microsoft.com/VisualStudio/2011/storyboarding/control"/>
-  </ds:schemaRefs>
-</ds:datastoreItem>
-</file>
-
-<file path=customXml/itemProps117.xml><?xml version="1.0" encoding="utf-8"?>
-<ds:datastoreItem xmlns:ds="http://schemas.openxmlformats.org/officeDocument/2006/customXml" ds:itemID="{76F94818-85D5-4449-B635-10FE912BBD39}">
-  <ds:schemaRefs>
-    <ds:schemaRef ds:uri="http://schemas.microsoft.com/VisualStudio/2011/storyboarding/control"/>
-  </ds:schemaRefs>
-</ds:datastoreItem>
-</file>
-
-<file path=customXml/itemProps118.xml><?xml version="1.0" encoding="utf-8"?>
-<ds:datastoreItem xmlns:ds="http://schemas.openxmlformats.org/officeDocument/2006/customXml" ds:itemID="{B485D22B-2566-4D7E-BB28-6E30163C20B3}">
-  <ds:schemaRefs>
-    <ds:schemaRef ds:uri="http://schemas.microsoft.com/VisualStudio/2011/storyboarding/control"/>
-  </ds:schemaRefs>
-</ds:datastoreItem>
-</file>
-
-<file path=customXml/itemProps119.xml><?xml version="1.0" encoding="utf-8"?>
-<ds:datastoreItem xmlns:ds="http://schemas.openxmlformats.org/officeDocument/2006/customXml" ds:itemID="{7335903A-55F5-4CB7-9C2D-1E5B9D1BBD02}">
-  <ds:schemaRefs>
-    <ds:schemaRef ds:uri="http://schemas.microsoft.com/VisualStudio/2011/storyboarding/control"/>
-  </ds:schemaRefs>
-</ds:datastoreItem>
-</file>
-
-<file path=customXml/itemProps12.xml><?xml version="1.0" encoding="utf-8"?>
-<ds:datastoreItem xmlns:ds="http://schemas.openxmlformats.org/officeDocument/2006/customXml" ds:itemID="{F90C152D-3CAA-46C5-B86F-62096595E648}">
-  <ds:schemaRefs>
-    <ds:schemaRef ds:uri="http://schemas.microsoft.com/VisualStudio/2011/storyboarding/control"/>
-  </ds:schemaRefs>
-</ds:datastoreItem>
-</file>
-
-<file path=customXml/itemProps120.xml><?xml version="1.0" encoding="utf-8"?>
-<ds:datastoreItem xmlns:ds="http://schemas.openxmlformats.org/officeDocument/2006/customXml" ds:itemID="{587246EE-B1EB-4D8A-AA57-6F634C7F9AA8}">
-  <ds:schemaRefs>
-    <ds:schemaRef ds:uri="http://schemas.microsoft.com/VisualStudio/2011/storyboarding/control"/>
-  </ds:schemaRefs>
-</ds:datastoreItem>
-</file>
-
-<file path=customXml/itemProps121.xml><?xml version="1.0" encoding="utf-8"?>
-<ds:datastoreItem xmlns:ds="http://schemas.openxmlformats.org/officeDocument/2006/customXml" ds:itemID="{99D8C946-98CC-47CF-8213-D88C7F8BDD42}">
-  <ds:schemaRefs>
-    <ds:schemaRef ds:uri="http://schemas.microsoft.com/VisualStudio/2011/storyboarding/control"/>
-  </ds:schemaRefs>
-</ds:datastoreItem>
-</file>
-
-<file path=customXml/itemProps122.xml><?xml version="1.0" encoding="utf-8"?>
-<ds:datastoreItem xmlns:ds="http://schemas.openxmlformats.org/officeDocument/2006/customXml" ds:itemID="{B1084A88-2E95-49D1-8BE0-399B2641C01F}">
-  <ds:schemaRefs>
-    <ds:schemaRef ds:uri="http://schemas.microsoft.com/VisualStudio/2011/storyboarding/control"/>
-  </ds:schemaRefs>
-</ds:datastoreItem>
-</file>
-
-<file path=customXml/itemProps123.xml><?xml version="1.0" encoding="utf-8"?>
-<ds:datastoreItem xmlns:ds="http://schemas.openxmlformats.org/officeDocument/2006/customXml" ds:itemID="{CD65E51E-616C-494D-AFDC-C440B93A86EC}">
-  <ds:schemaRefs>
-    <ds:schemaRef ds:uri="http://schemas.microsoft.com/VisualStudio/2011/storyboarding/control"/>
-  </ds:schemaRefs>
-</ds:datastoreItem>
-</file>
-
-<file path=customXml/itemProps124.xml><?xml version="1.0" encoding="utf-8"?>
-<ds:datastoreItem xmlns:ds="http://schemas.openxmlformats.org/officeDocument/2006/customXml" ds:itemID="{D8FC25D1-9E29-4ABF-802B-E0E3FDD0D25E}">
-  <ds:schemaRefs>
-    <ds:schemaRef ds:uri="http://schemas.microsoft.com/VisualStudio/2011/storyboarding/control"/>
-  </ds:schemaRefs>
-</ds:datastoreItem>
-</file>
-
-<file path=customXml/itemProps125.xml><?xml version="1.0" encoding="utf-8"?>
-<ds:datastoreItem xmlns:ds="http://schemas.openxmlformats.org/officeDocument/2006/customXml" ds:itemID="{C0F76D57-1A50-48D3-9D0C-8A76E643D004}">
-  <ds:schemaRefs>
-    <ds:schemaRef ds:uri="http://schemas.microsoft.com/VisualStudio/2011/storyboarding/control"/>
-  </ds:schemaRefs>
-</ds:datastoreItem>
-</file>
-
-<file path=customXml/itemProps126.xml><?xml version="1.0" encoding="utf-8"?>
-<ds:datastoreItem xmlns:ds="http://schemas.openxmlformats.org/officeDocument/2006/customXml" ds:itemID="{D4F5461E-0C05-4D87-A41F-5658373F644E}">
-  <ds:schemaRefs>
-    <ds:schemaRef ds:uri="http://schemas.microsoft.com/VisualStudio/2011/storyboarding/control"/>
-  </ds:schemaRefs>
-</ds:datastoreItem>
-</file>
-
-<file path=customXml/itemProps127.xml><?xml version="1.0" encoding="utf-8"?>
-<ds:datastoreItem xmlns:ds="http://schemas.openxmlformats.org/officeDocument/2006/customXml" ds:itemID="{9FC6ABBD-61AF-438B-BF23-C0892232075D}">
-  <ds:schemaRefs>
-    <ds:schemaRef ds:uri="http://schemas.microsoft.com/VisualStudio/2011/storyboarding/control"/>
-  </ds:schemaRefs>
-</ds:datastoreItem>
-</file>
-
-<file path=customXml/itemProps128.xml><?xml version="1.0" encoding="utf-8"?>
-<ds:datastoreItem xmlns:ds="http://schemas.openxmlformats.org/officeDocument/2006/customXml" ds:itemID="{53E93DA6-4726-432A-BA8C-D27BFB19AC3B}">
-  <ds:schemaRefs>
-    <ds:schemaRef ds:uri="http://schemas.microsoft.com/VisualStudio/2011/storyboarding/control"/>
-  </ds:schemaRefs>
-</ds:datastoreItem>
-</file>
-
-<file path=customXml/itemProps129.xml><?xml version="1.0" encoding="utf-8"?>
-<ds:datastoreItem xmlns:ds="http://schemas.openxmlformats.org/officeDocument/2006/customXml" ds:itemID="{723CA5A4-F50C-449F-B692-264A87FE2637}">
-  <ds:schemaRefs>
-    <ds:schemaRef ds:uri="http://schemas.microsoft.com/VisualStudio/2011/storyboarding/control"/>
-  </ds:schemaRefs>
-</ds:datastoreItem>
-</file>
-
-<file path=customXml/itemProps13.xml><?xml version="1.0" encoding="utf-8"?>
-<ds:datastoreItem xmlns:ds="http://schemas.openxmlformats.org/officeDocument/2006/customXml" ds:itemID="{C5117839-F4A7-4B82-A856-D0521B8F12E0}">
-  <ds:schemaRefs>
-    <ds:schemaRef ds:uri="http://schemas.microsoft.com/VisualStudio/2011/storyboarding/control"/>
-  </ds:schemaRefs>
-</ds:datastoreItem>
-</file>
-
-<file path=customXml/itemProps130.xml><?xml version="1.0" encoding="utf-8"?>
-<ds:datastoreItem xmlns:ds="http://schemas.openxmlformats.org/officeDocument/2006/customXml" ds:itemID="{3B662B4F-B2FC-4E6D-8431-BEA711EB6822}">
-  <ds:schemaRefs>
-    <ds:schemaRef ds:uri="http://schemas.microsoft.com/VisualStudio/2011/storyboarding/control"/>
-  </ds:schemaRefs>
-</ds:datastoreItem>
-</file>
-
-<file path=customXml/itemProps131.xml><?xml version="1.0" encoding="utf-8"?>
+<file path=customXml/itemProps91.xml><?xml version="1.0" encoding="utf-8"?>
 <ds:datastoreItem xmlns:ds="http://schemas.openxmlformats.org/officeDocument/2006/customXml" ds:itemID="{595E8778-D3AF-40BF-B92E-8A7A7200877C}">
   <ds:schemaRefs>
     <ds:schemaRef ds:uri="http://schemas.microsoft.com/VisualStudio/2011/storyboarding/control"/>
@@ -52031,183 +55012,31 @@
 </ds:datastoreItem>
 </file>
 
-<file path=customXml/itemProps132.xml><?xml version="1.0" encoding="utf-8"?>
-<ds:datastoreItem xmlns:ds="http://schemas.openxmlformats.org/officeDocument/2006/customXml" ds:itemID="{858A8F0A-E74E-4E53-8F83-32A58F62D951}">
+<file path=customXml/itemProps92.xml><?xml version="1.0" encoding="utf-8"?>
+<ds:datastoreItem xmlns:ds="http://schemas.openxmlformats.org/officeDocument/2006/customXml" ds:itemID="{6A810CBD-B6A2-401B-A9BC-DABB4BC4F334}">
   <ds:schemaRefs>
     <ds:schemaRef ds:uri="http://schemas.microsoft.com/VisualStudio/2011/storyboarding/control"/>
   </ds:schemaRefs>
 </ds:datastoreItem>
 </file>
 
-<file path=customXml/itemProps133.xml><?xml version="1.0" encoding="utf-8"?>
-<ds:datastoreItem xmlns:ds="http://schemas.openxmlformats.org/officeDocument/2006/customXml" ds:itemID="{7AADA535-DF55-4FC4-8642-B7AFB22C838D}">
+<file path=customXml/itemProps93.xml><?xml version="1.0" encoding="utf-8"?>
+<ds:datastoreItem xmlns:ds="http://schemas.openxmlformats.org/officeDocument/2006/customXml" ds:itemID="{85E99725-0099-485A-A834-071AD18207F2}">
   <ds:schemaRefs>
     <ds:schemaRef ds:uri="http://schemas.microsoft.com/VisualStudio/2011/storyboarding/control"/>
   </ds:schemaRefs>
 </ds:datastoreItem>
 </file>
 
-<file path=customXml/itemProps134.xml><?xml version="1.0" encoding="utf-8"?>
-<ds:datastoreItem xmlns:ds="http://schemas.openxmlformats.org/officeDocument/2006/customXml" ds:itemID="{890DEF80-FFA1-43E9-8719-E41CB579575B}">
+<file path=customXml/itemProps94.xml><?xml version="1.0" encoding="utf-8"?>
+<ds:datastoreItem xmlns:ds="http://schemas.openxmlformats.org/officeDocument/2006/customXml" ds:itemID="{77BD90F5-F028-4B75-9BD9-6C76C3F72E12}">
   <ds:schemaRefs>
     <ds:schemaRef ds:uri="http://schemas.microsoft.com/VisualStudio/2011/storyboarding/control"/>
   </ds:schemaRefs>
 </ds:datastoreItem>
 </file>
 
-<file path=customXml/itemProps135.xml><?xml version="1.0" encoding="utf-8"?>
-<ds:datastoreItem xmlns:ds="http://schemas.openxmlformats.org/officeDocument/2006/customXml" ds:itemID="{72890A5B-CB5B-4F90-8F7B-4606BE9BD67D}">
-  <ds:schemaRefs>
-    <ds:schemaRef ds:uri="http://schemas.microsoft.com/VisualStudio/2011/storyboarding/control"/>
-  </ds:schemaRefs>
-</ds:datastoreItem>
-</file>
-
-<file path=customXml/itemProps136.xml><?xml version="1.0" encoding="utf-8"?>
-<ds:datastoreItem xmlns:ds="http://schemas.openxmlformats.org/officeDocument/2006/customXml" ds:itemID="{1EFFFE18-CDC2-4555-8551-DFE0773DD365}">
-  <ds:schemaRefs>
-    <ds:schemaRef ds:uri="http://schemas.microsoft.com/VisualStudio/2011/storyboarding/control"/>
-  </ds:schemaRefs>
-</ds:datastoreItem>
-</file>
-
-<file path=customXml/itemProps137.xml><?xml version="1.0" encoding="utf-8"?>
-<ds:datastoreItem xmlns:ds="http://schemas.openxmlformats.org/officeDocument/2006/customXml" ds:itemID="{EABB9B20-7E23-4F69-8ED5-EFF65F622C70}">
-  <ds:schemaRefs>
-    <ds:schemaRef ds:uri="http://schemas.microsoft.com/VisualStudio/2011/storyboarding/control"/>
-  </ds:schemaRefs>
-</ds:datastoreItem>
-</file>
-
-<file path=customXml/itemProps138.xml><?xml version="1.0" encoding="utf-8"?>
-<ds:datastoreItem xmlns:ds="http://schemas.openxmlformats.org/officeDocument/2006/customXml" ds:itemID="{A7EE2A77-BAEB-49E0-9EFD-6E89E7BF81F3}">
-  <ds:schemaRefs>
-    <ds:schemaRef ds:uri="http://schemas.microsoft.com/VisualStudio/2011/storyboarding/control"/>
-  </ds:schemaRefs>
-</ds:datastoreItem>
-</file>
-
-<file path=customXml/itemProps139.xml><?xml version="1.0" encoding="utf-8"?>
-<ds:datastoreItem xmlns:ds="http://schemas.openxmlformats.org/officeDocument/2006/customXml" ds:itemID="{685244DA-C368-418D-A32C-F9A453A7D4FE}">
-  <ds:schemaRefs>
-    <ds:schemaRef ds:uri="http://schemas.microsoft.com/VisualStudio/2011/storyboarding/control"/>
-  </ds:schemaRefs>
-</ds:datastoreItem>
-</file>
-
-<file path=customXml/itemProps14.xml><?xml version="1.0" encoding="utf-8"?>
-<ds:datastoreItem xmlns:ds="http://schemas.openxmlformats.org/officeDocument/2006/customXml" ds:itemID="{427ED9FC-5CA7-4AB4-8B46-85D17C0344D8}">
-  <ds:schemaRefs>
-    <ds:schemaRef ds:uri="http://schemas.microsoft.com/VisualStudio/2011/storyboarding/control"/>
-  </ds:schemaRefs>
-</ds:datastoreItem>
-</file>
-
-<file path=customXml/itemProps140.xml><?xml version="1.0" encoding="utf-8"?>
-<ds:datastoreItem xmlns:ds="http://schemas.openxmlformats.org/officeDocument/2006/customXml" ds:itemID="{8E138269-CA7A-4937-9FB2-0BC225AA59B4}">
-  <ds:schemaRefs>
-    <ds:schemaRef ds:uri="http://schemas.microsoft.com/VisualStudio/2011/storyboarding/control"/>
-  </ds:schemaRefs>
-</ds:datastoreItem>
-</file>
-
-<file path=customXml/itemProps141.xml><?xml version="1.0" encoding="utf-8"?>
-<ds:datastoreItem xmlns:ds="http://schemas.openxmlformats.org/officeDocument/2006/customXml" ds:itemID="{747F2B94-BD0E-4A90-8769-1D673480235D}">
-  <ds:schemaRefs>
-    <ds:schemaRef ds:uri="http://schemas.microsoft.com/VisualStudio/2011/storyboarding/control"/>
-  </ds:schemaRefs>
-</ds:datastoreItem>
-</file>
-
-<file path=customXml/itemProps142.xml><?xml version="1.0" encoding="utf-8"?>
-<ds:datastoreItem xmlns:ds="http://schemas.openxmlformats.org/officeDocument/2006/customXml" ds:itemID="{69BFF86F-06A7-4D48-8771-1DAE4A03E31B}">
-  <ds:schemaRefs>
-    <ds:schemaRef ds:uri="http://schemas.microsoft.com/VisualStudio/2011/storyboarding/control"/>
-  </ds:schemaRefs>
-</ds:datastoreItem>
-</file>
-
-<file path=customXml/itemProps143.xml><?xml version="1.0" encoding="utf-8"?>
-<ds:datastoreItem xmlns:ds="http://schemas.openxmlformats.org/officeDocument/2006/customXml" ds:itemID="{0AB873FC-AD1A-4205-9A0B-AAA1E4E7C39C}">
-  <ds:schemaRefs>
-    <ds:schemaRef ds:uri="http://schemas.microsoft.com/VisualStudio/2011/storyboarding/control"/>
-  </ds:schemaRefs>
-</ds:datastoreItem>
-</file>
-
-<file path=customXml/itemProps144.xml><?xml version="1.0" encoding="utf-8"?>
-<ds:datastoreItem xmlns:ds="http://schemas.openxmlformats.org/officeDocument/2006/customXml" ds:itemID="{ACB067FF-DDF3-4872-9681-101A6334ED46}">
-  <ds:schemaRefs>
-    <ds:schemaRef ds:uri="http://schemas.microsoft.com/VisualStudio/2011/storyboarding/control"/>
-  </ds:schemaRefs>
-</ds:datastoreItem>
-</file>
-
-<file path=customXml/itemProps145.xml><?xml version="1.0" encoding="utf-8"?>
-<ds:datastoreItem xmlns:ds="http://schemas.openxmlformats.org/officeDocument/2006/customXml" ds:itemID="{F8E37B11-D718-4A09-9C63-9146C6580532}">
-  <ds:schemaRefs>
-    <ds:schemaRef ds:uri="http://schemas.microsoft.com/VisualStudio/2011/storyboarding/control"/>
-  </ds:schemaRefs>
-</ds:datastoreItem>
-</file>
-
-<file path=customXml/itemProps146.xml><?xml version="1.0" encoding="utf-8"?>
-<ds:datastoreItem xmlns:ds="http://schemas.openxmlformats.org/officeDocument/2006/customXml" ds:itemID="{DBD59AB3-A581-480E-AC75-78A50BD8D635}">
-  <ds:schemaRefs>
-    <ds:schemaRef ds:uri="http://schemas.microsoft.com/VisualStudio/2011/storyboarding/control"/>
-  </ds:schemaRefs>
-</ds:datastoreItem>
-</file>
-
-<file path=customXml/itemProps147.xml><?xml version="1.0" encoding="utf-8"?>
-<ds:datastoreItem xmlns:ds="http://schemas.openxmlformats.org/officeDocument/2006/customXml" ds:itemID="{7B7B41A2-0EFC-49A6-9B0C-0A4A02550E75}">
-  <ds:schemaRefs>
-    <ds:schemaRef ds:uri="http://schemas.microsoft.com/VisualStudio/2011/storyboarding/control"/>
-  </ds:schemaRefs>
-</ds:datastoreItem>
-</file>
-
-<file path=customXml/itemProps148.xml><?xml version="1.0" encoding="utf-8"?>
-<ds:datastoreItem xmlns:ds="http://schemas.openxmlformats.org/officeDocument/2006/customXml" ds:itemID="{05D254E5-C733-4F26-B7D0-3470DDF138B2}">
-  <ds:schemaRefs>
-    <ds:schemaRef ds:uri="http://schemas.microsoft.com/VisualStudio/2011/storyboarding/control"/>
-  </ds:schemaRefs>
-</ds:datastoreItem>
-</file>
-
-<file path=customXml/itemProps149.xml><?xml version="1.0" encoding="utf-8"?>
-<ds:datastoreItem xmlns:ds="http://schemas.openxmlformats.org/officeDocument/2006/customXml" ds:itemID="{7C878703-4097-4DF2-9C1B-901EACC2FEA7}">
-  <ds:schemaRefs>
-    <ds:schemaRef ds:uri="http://schemas.microsoft.com/VisualStudio/2011/storyboarding/control"/>
-  </ds:schemaRefs>
-</ds:datastoreItem>
-</file>
-
-<file path=customXml/itemProps15.xml><?xml version="1.0" encoding="utf-8"?>
-<ds:datastoreItem xmlns:ds="http://schemas.openxmlformats.org/officeDocument/2006/customXml" ds:itemID="{130B0D62-A038-42FA-9EC7-A683DBD51592}">
-  <ds:schemaRefs>
-    <ds:schemaRef ds:uri="http://schemas.microsoft.com/VisualStudio/2011/storyboarding/control"/>
-  </ds:schemaRefs>
-</ds:datastoreItem>
-</file>
-
-<file path=customXml/itemProps150.xml><?xml version="1.0" encoding="utf-8"?>
-<ds:datastoreItem xmlns:ds="http://schemas.openxmlformats.org/officeDocument/2006/customXml" ds:itemID="{9BE44C23-4C8D-48E8-9A5B-EB6D7F66928E}">
-  <ds:schemaRefs>
-    <ds:schemaRef ds:uri="http://schemas.microsoft.com/VisualStudio/2011/storyboarding/control"/>
-  </ds:schemaRefs>
-</ds:datastoreItem>
-</file>
-
-<file path=customXml/itemProps151.xml><?xml version="1.0" encoding="utf-8"?>
-<ds:datastoreItem xmlns:ds="http://schemas.openxmlformats.org/officeDocument/2006/customXml" ds:itemID="{B0E5354C-A49C-4922-86D1-4AEAB0AB2035}">
-  <ds:schemaRefs>
-    <ds:schemaRef ds:uri="http://schemas.microsoft.com/VisualStudio/2011/storyboarding/control"/>
-  </ds:schemaRefs>
-</ds:datastoreItem>
-</file>
-
-<file path=customXml/itemProps152.xml><?xml version="1.0" encoding="utf-8"?>
+<file path=customXml/itemProps95.xml><?xml version="1.0" encoding="utf-8"?>
 <ds:datastoreItem xmlns:ds="http://schemas.openxmlformats.org/officeDocument/2006/customXml" ds:itemID="{BC8B6607-4705-4D34-89B0-6B167C78D3EE}">
   <ds:schemaRefs>
     <ds:schemaRef ds:uri="http://schemas.microsoft.com/VisualStudio/2011/storyboarding/control"/>
@@ -52215,183 +55044,7 @@
 </ds:datastoreItem>
 </file>
 
-<file path=customXml/itemProps153.xml><?xml version="1.0" encoding="utf-8"?>
-<ds:datastoreItem xmlns:ds="http://schemas.openxmlformats.org/officeDocument/2006/customXml" ds:itemID="{A2A45F7D-E94E-4416-805D-F9FE9026D0C1}">
-  <ds:schemaRefs>
-    <ds:schemaRef ds:uri="http://schemas.microsoft.com/VisualStudio/2011/storyboarding/control"/>
-  </ds:schemaRefs>
-</ds:datastoreItem>
-</file>
-
-<file path=customXml/itemProps154.xml><?xml version="1.0" encoding="utf-8"?>
-<ds:datastoreItem xmlns:ds="http://schemas.openxmlformats.org/officeDocument/2006/customXml" ds:itemID="{610B635F-8480-423C-AA0A-1992CCE886DC}">
-  <ds:schemaRefs>
-    <ds:schemaRef ds:uri="http://schemas.microsoft.com/VisualStudio/2011/storyboarding/control"/>
-  </ds:schemaRefs>
-</ds:datastoreItem>
-</file>
-
-<file path=customXml/itemProps155.xml><?xml version="1.0" encoding="utf-8"?>
-<ds:datastoreItem xmlns:ds="http://schemas.openxmlformats.org/officeDocument/2006/customXml" ds:itemID="{036A8109-61D9-4038-A0A5-52AECAB01D5B}">
-  <ds:schemaRefs>
-    <ds:schemaRef ds:uri="http://schemas.microsoft.com/VisualStudio/2011/storyboarding/control"/>
-  </ds:schemaRefs>
-</ds:datastoreItem>
-</file>
-
-<file path=customXml/itemProps156.xml><?xml version="1.0" encoding="utf-8"?>
-<ds:datastoreItem xmlns:ds="http://schemas.openxmlformats.org/officeDocument/2006/customXml" ds:itemID="{9E1A3BE5-5171-4489-BCAE-D50E4242518F}">
-  <ds:schemaRefs>
-    <ds:schemaRef ds:uri="http://schemas.microsoft.com/VisualStudio/2011/storyboarding/control"/>
-  </ds:schemaRefs>
-</ds:datastoreItem>
-</file>
-
-<file path=customXml/itemProps157.xml><?xml version="1.0" encoding="utf-8"?>
-<ds:datastoreItem xmlns:ds="http://schemas.openxmlformats.org/officeDocument/2006/customXml" ds:itemID="{5BB68A2C-F94D-41D8-A0F2-E69D9D86C058}">
-  <ds:schemaRefs>
-    <ds:schemaRef ds:uri="http://schemas.microsoft.com/VisualStudio/2011/storyboarding/control"/>
-  </ds:schemaRefs>
-</ds:datastoreItem>
-</file>
-
-<file path=customXml/itemProps158.xml><?xml version="1.0" encoding="utf-8"?>
-<ds:datastoreItem xmlns:ds="http://schemas.openxmlformats.org/officeDocument/2006/customXml" ds:itemID="{84384FBA-7E29-41FC-B430-1BB08FE5D226}">
-  <ds:schemaRefs>
-    <ds:schemaRef ds:uri="http://schemas.microsoft.com/VisualStudio/2011/storyboarding/control"/>
-  </ds:schemaRefs>
-</ds:datastoreItem>
-</file>
-
-<file path=customXml/itemProps159.xml><?xml version="1.0" encoding="utf-8"?>
-<ds:datastoreItem xmlns:ds="http://schemas.openxmlformats.org/officeDocument/2006/customXml" ds:itemID="{D245BE53-4D17-4313-9C28-1F775C81FB78}">
-  <ds:schemaRefs>
-    <ds:schemaRef ds:uri="http://schemas.microsoft.com/VisualStudio/2011/storyboarding/control"/>
-  </ds:schemaRefs>
-</ds:datastoreItem>
-</file>
-
-<file path=customXml/itemProps16.xml><?xml version="1.0" encoding="utf-8"?>
-<ds:datastoreItem xmlns:ds="http://schemas.openxmlformats.org/officeDocument/2006/customXml" ds:itemID="{000F894D-E16E-4805-9F87-22AD59B8ABD4}">
-  <ds:schemaRefs>
-    <ds:schemaRef ds:uri="http://schemas.microsoft.com/VisualStudio/2011/storyboarding/control"/>
-  </ds:schemaRefs>
-</ds:datastoreItem>
-</file>
-
-<file path=customXml/itemProps160.xml><?xml version="1.0" encoding="utf-8"?>
-<ds:datastoreItem xmlns:ds="http://schemas.openxmlformats.org/officeDocument/2006/customXml" ds:itemID="{1D374821-B26D-474F-AAAC-8B2753C3C543}">
-  <ds:schemaRefs>
-    <ds:schemaRef ds:uri="http://schemas.microsoft.com/VisualStudio/2011/storyboarding/control"/>
-  </ds:schemaRefs>
-</ds:datastoreItem>
-</file>
-
-<file path=customXml/itemProps161.xml><?xml version="1.0" encoding="utf-8"?>
-<ds:datastoreItem xmlns:ds="http://schemas.openxmlformats.org/officeDocument/2006/customXml" ds:itemID="{CC857A17-0BE5-4DD7-9114-92BA1AD28C99}">
-  <ds:schemaRefs>
-    <ds:schemaRef ds:uri="http://schemas.microsoft.com/VisualStudio/2011/storyboarding/control"/>
-  </ds:schemaRefs>
-</ds:datastoreItem>
-</file>
-
-<file path=customXml/itemProps162.xml><?xml version="1.0" encoding="utf-8"?>
-<ds:datastoreItem xmlns:ds="http://schemas.openxmlformats.org/officeDocument/2006/customXml" ds:itemID="{36019CF9-0543-44E1-8B18-E31FF66414A5}">
-  <ds:schemaRefs>
-    <ds:schemaRef ds:uri="http://schemas.microsoft.com/VisualStudio/2011/storyboarding/control"/>
-  </ds:schemaRefs>
-</ds:datastoreItem>
-</file>
-
-<file path=customXml/itemProps163.xml><?xml version="1.0" encoding="utf-8"?>
-<ds:datastoreItem xmlns:ds="http://schemas.openxmlformats.org/officeDocument/2006/customXml" ds:itemID="{941802C7-C3BA-4624-AFA0-971FBF103A94}">
-  <ds:schemaRefs>
-    <ds:schemaRef ds:uri="http://schemas.microsoft.com/VisualStudio/2011/storyboarding/control"/>
-  </ds:schemaRefs>
-</ds:datastoreItem>
-</file>
-
-<file path=customXml/itemProps164.xml><?xml version="1.0" encoding="utf-8"?>
-<ds:datastoreItem xmlns:ds="http://schemas.openxmlformats.org/officeDocument/2006/customXml" ds:itemID="{0A4B8756-51F0-4FE1-9825-67DD5C08C03B}">
-  <ds:schemaRefs>
-    <ds:schemaRef ds:uri="http://schemas.microsoft.com/VisualStudio/2011/storyboarding/control"/>
-  </ds:schemaRefs>
-</ds:datastoreItem>
-</file>
-
-<file path=customXml/itemProps165.xml><?xml version="1.0" encoding="utf-8"?>
-<ds:datastoreItem xmlns:ds="http://schemas.openxmlformats.org/officeDocument/2006/customXml" ds:itemID="{D1E1932A-A453-4E26-A6D2-CC36EEC91325}">
-  <ds:schemaRefs>
-    <ds:schemaRef ds:uri="http://schemas.microsoft.com/VisualStudio/2011/storyboarding/control"/>
-  </ds:schemaRefs>
-</ds:datastoreItem>
-</file>
-
-<file path=customXml/itemProps166.xml><?xml version="1.0" encoding="utf-8"?>
-<ds:datastoreItem xmlns:ds="http://schemas.openxmlformats.org/officeDocument/2006/customXml" ds:itemID="{7B12DBBD-A17E-4491-989E-5B0EA56962FD}">
-  <ds:schemaRefs>
-    <ds:schemaRef ds:uri="http://schemas.microsoft.com/VisualStudio/2011/storyboarding/control"/>
-  </ds:schemaRefs>
-</ds:datastoreItem>
-</file>
-
-<file path=customXml/itemProps167.xml><?xml version="1.0" encoding="utf-8"?>
-<ds:datastoreItem xmlns:ds="http://schemas.openxmlformats.org/officeDocument/2006/customXml" ds:itemID="{429C143E-6D80-45C3-8D80-5B5F552A727F}">
-  <ds:schemaRefs>
-    <ds:schemaRef ds:uri="http://schemas.microsoft.com/VisualStudio/2011/storyboarding/control"/>
-  </ds:schemaRefs>
-</ds:datastoreItem>
-</file>
-
-<file path=customXml/itemProps168.xml><?xml version="1.0" encoding="utf-8"?>
-<ds:datastoreItem xmlns:ds="http://schemas.openxmlformats.org/officeDocument/2006/customXml" ds:itemID="{ACC69CC3-ECDE-45B0-9C4D-9D41099E10AB}">
-  <ds:schemaRefs>
-    <ds:schemaRef ds:uri="http://schemas.microsoft.com/VisualStudio/2011/storyboarding/control"/>
-  </ds:schemaRefs>
-</ds:datastoreItem>
-</file>
-
-<file path=customXml/itemProps169.xml><?xml version="1.0" encoding="utf-8"?>
-<ds:datastoreItem xmlns:ds="http://schemas.openxmlformats.org/officeDocument/2006/customXml" ds:itemID="{C4D9031B-8825-425E-990A-D7D6281027CA}">
-  <ds:schemaRefs>
-    <ds:schemaRef ds:uri="http://schemas.microsoft.com/VisualStudio/2011/storyboarding/control"/>
-  </ds:schemaRefs>
-</ds:datastoreItem>
-</file>
-
-<file path=customXml/itemProps17.xml><?xml version="1.0" encoding="utf-8"?>
-<ds:datastoreItem xmlns:ds="http://schemas.openxmlformats.org/officeDocument/2006/customXml" ds:itemID="{53091692-30A5-4A55-BED0-76183EA12C30}">
-  <ds:schemaRefs>
-    <ds:schemaRef ds:uri="http://schemas.microsoft.com/VisualStudio/2011/storyboarding/control"/>
-  </ds:schemaRefs>
-</ds:datastoreItem>
-</file>
-
-<file path=customXml/itemProps170.xml><?xml version="1.0" encoding="utf-8"?>
-<ds:datastoreItem xmlns:ds="http://schemas.openxmlformats.org/officeDocument/2006/customXml" ds:itemID="{067DF90F-FC50-447F-B7A2-972F6FB2AA3D}">
-  <ds:schemaRefs>
-    <ds:schemaRef ds:uri="http://schemas.microsoft.com/VisualStudio/2011/storyboarding/control"/>
-  </ds:schemaRefs>
-</ds:datastoreItem>
-</file>
-
-<file path=customXml/itemProps171.xml><?xml version="1.0" encoding="utf-8"?>
-<ds:datastoreItem xmlns:ds="http://schemas.openxmlformats.org/officeDocument/2006/customXml" ds:itemID="{60CD00D4-06F4-4726-B57E-7BCF272D766B}">
-  <ds:schemaRefs>
-    <ds:schemaRef ds:uri="http://schemas.microsoft.com/VisualStudio/2011/storyboarding/control"/>
-  </ds:schemaRefs>
-</ds:datastoreItem>
-</file>
-
-<file path=customXml/itemProps172.xml><?xml version="1.0" encoding="utf-8"?>
-<ds:datastoreItem xmlns:ds="http://schemas.openxmlformats.org/officeDocument/2006/customXml" ds:itemID="{F03E6151-DFC5-424F-B7C7-7EE059820854}">
-  <ds:schemaRefs>
-    <ds:schemaRef ds:uri="http://schemas.microsoft.com/VisualStudio/2011/storyboarding/control"/>
-  </ds:schemaRefs>
-</ds:datastoreItem>
-</file>
-
-<file path=customXml/itemProps173.xml><?xml version="1.0" encoding="utf-8"?>
+<file path=customXml/itemProps96.xml><?xml version="1.0" encoding="utf-8"?>
 <ds:datastoreItem xmlns:ds="http://schemas.openxmlformats.org/officeDocument/2006/customXml" ds:itemID="{0B5C82AE-F11F-4A8B-937E-571E25B77282}">
   <ds:schemaRefs>
     <ds:schemaRef ds:uri="http://schemas.microsoft.com/VisualStudio/2011/storyboarding/control"/>
@@ -52399,183 +55052,7 @@
 </ds:datastoreItem>
 </file>
 
-<file path=customXml/itemProps174.xml><?xml version="1.0" encoding="utf-8"?>
-<ds:datastoreItem xmlns:ds="http://schemas.openxmlformats.org/officeDocument/2006/customXml" ds:itemID="{695CA034-6E0A-4179-8E5E-5D940F76B689}">
-  <ds:schemaRefs>
-    <ds:schemaRef ds:uri="http://schemas.microsoft.com/VisualStudio/2011/storyboarding/control"/>
-  </ds:schemaRefs>
-</ds:datastoreItem>
-</file>
-
-<file path=customXml/itemProps175.xml><?xml version="1.0" encoding="utf-8"?>
-<ds:datastoreItem xmlns:ds="http://schemas.openxmlformats.org/officeDocument/2006/customXml" ds:itemID="{7114499D-C6C8-49E5-98F0-5AB28D2481ED}">
-  <ds:schemaRefs>
-    <ds:schemaRef ds:uri="http://schemas.microsoft.com/VisualStudio/2011/storyboarding/control"/>
-  </ds:schemaRefs>
-</ds:datastoreItem>
-</file>
-
-<file path=customXml/itemProps176.xml><?xml version="1.0" encoding="utf-8"?>
-<ds:datastoreItem xmlns:ds="http://schemas.openxmlformats.org/officeDocument/2006/customXml" ds:itemID="{D7733675-9C66-4C42-AB09-9C406E41D2B8}">
-  <ds:schemaRefs>
-    <ds:schemaRef ds:uri="http://schemas.microsoft.com/VisualStudio/2011/storyboarding/control"/>
-  </ds:schemaRefs>
-</ds:datastoreItem>
-</file>
-
-<file path=customXml/itemProps177.xml><?xml version="1.0" encoding="utf-8"?>
-<ds:datastoreItem xmlns:ds="http://schemas.openxmlformats.org/officeDocument/2006/customXml" ds:itemID="{679EFB83-5280-41EB-8DEE-A59AC012CD33}">
-  <ds:schemaRefs>
-    <ds:schemaRef ds:uri="http://schemas.microsoft.com/VisualStudio/2011/storyboarding/control"/>
-  </ds:schemaRefs>
-</ds:datastoreItem>
-</file>
-
-<file path=customXml/itemProps178.xml><?xml version="1.0" encoding="utf-8"?>
-<ds:datastoreItem xmlns:ds="http://schemas.openxmlformats.org/officeDocument/2006/customXml" ds:itemID="{D4F8C631-0D70-488F-BA4D-5FE212D67E7D}">
-  <ds:schemaRefs>
-    <ds:schemaRef ds:uri="http://schemas.microsoft.com/VisualStudio/2011/storyboarding/control"/>
-  </ds:schemaRefs>
-</ds:datastoreItem>
-</file>
-
-<file path=customXml/itemProps179.xml><?xml version="1.0" encoding="utf-8"?>
-<ds:datastoreItem xmlns:ds="http://schemas.openxmlformats.org/officeDocument/2006/customXml" ds:itemID="{419E774B-6B87-416F-B97C-FA251F0271C6}">
-  <ds:schemaRefs>
-    <ds:schemaRef ds:uri="http://schemas.microsoft.com/VisualStudio/2011/storyboarding/control"/>
-  </ds:schemaRefs>
-</ds:datastoreItem>
-</file>
-
-<file path=customXml/itemProps18.xml><?xml version="1.0" encoding="utf-8"?>
-<ds:datastoreItem xmlns:ds="http://schemas.openxmlformats.org/officeDocument/2006/customXml" ds:itemID="{229B418C-5028-4B48-880C-106578AB489C}">
-  <ds:schemaRefs>
-    <ds:schemaRef ds:uri="http://schemas.microsoft.com/VisualStudio/2011/storyboarding/control"/>
-  </ds:schemaRefs>
-</ds:datastoreItem>
-</file>
-
-<file path=customXml/itemProps180.xml><?xml version="1.0" encoding="utf-8"?>
-<ds:datastoreItem xmlns:ds="http://schemas.openxmlformats.org/officeDocument/2006/customXml" ds:itemID="{FB443102-2E29-40D2-97E0-AB9A9726587D}">
-  <ds:schemaRefs>
-    <ds:schemaRef ds:uri="http://schemas.microsoft.com/VisualStudio/2011/storyboarding/control"/>
-  </ds:schemaRefs>
-</ds:datastoreItem>
-</file>
-
-<file path=customXml/itemProps181.xml><?xml version="1.0" encoding="utf-8"?>
-<ds:datastoreItem xmlns:ds="http://schemas.openxmlformats.org/officeDocument/2006/customXml" ds:itemID="{38708E37-23DD-4A44-8BA9-F39AE97429E0}">
-  <ds:schemaRefs>
-    <ds:schemaRef ds:uri="http://schemas.microsoft.com/VisualStudio/2011/storyboarding/control"/>
-  </ds:schemaRefs>
-</ds:datastoreItem>
-</file>
-
-<file path=customXml/itemProps182.xml><?xml version="1.0" encoding="utf-8"?>
-<ds:datastoreItem xmlns:ds="http://schemas.openxmlformats.org/officeDocument/2006/customXml" ds:itemID="{88126D4B-13D1-4C6C-9BFD-97F950142FCF}">
-  <ds:schemaRefs>
-    <ds:schemaRef ds:uri="http://schemas.microsoft.com/VisualStudio/2011/storyboarding/control"/>
-  </ds:schemaRefs>
-</ds:datastoreItem>
-</file>
-
-<file path=customXml/itemProps183.xml><?xml version="1.0" encoding="utf-8"?>
-<ds:datastoreItem xmlns:ds="http://schemas.openxmlformats.org/officeDocument/2006/customXml" ds:itemID="{16B492A5-FE3D-43FE-9CF8-E46854E4176F}">
-  <ds:schemaRefs>
-    <ds:schemaRef ds:uri="http://schemas.microsoft.com/VisualStudio/2011/storyboarding/control"/>
-  </ds:schemaRefs>
-</ds:datastoreItem>
-</file>
-
-<file path=customXml/itemProps184.xml><?xml version="1.0" encoding="utf-8"?>
-<ds:datastoreItem xmlns:ds="http://schemas.openxmlformats.org/officeDocument/2006/customXml" ds:itemID="{DBF401CB-7280-4B4A-8251-BC51EE155C54}">
-  <ds:schemaRefs>
-    <ds:schemaRef ds:uri="http://schemas.microsoft.com/VisualStudio/2011/storyboarding/control"/>
-  </ds:schemaRefs>
-</ds:datastoreItem>
-</file>
-
-<file path=customXml/itemProps185.xml><?xml version="1.0" encoding="utf-8"?>
-<ds:datastoreItem xmlns:ds="http://schemas.openxmlformats.org/officeDocument/2006/customXml" ds:itemID="{35B708DB-DBE3-4181-956B-FDF64CB3A734}">
-  <ds:schemaRefs>
-    <ds:schemaRef ds:uri="http://schemas.microsoft.com/VisualStudio/2011/storyboarding/control"/>
-  </ds:schemaRefs>
-</ds:datastoreItem>
-</file>
-
-<file path=customXml/itemProps186.xml><?xml version="1.0" encoding="utf-8"?>
-<ds:datastoreItem xmlns:ds="http://schemas.openxmlformats.org/officeDocument/2006/customXml" ds:itemID="{B45CE39A-A97E-4581-BA41-14D5858B243F}">
-  <ds:schemaRefs>
-    <ds:schemaRef ds:uri="http://schemas.microsoft.com/VisualStudio/2011/storyboarding/control"/>
-  </ds:schemaRefs>
-</ds:datastoreItem>
-</file>
-
-<file path=customXml/itemProps187.xml><?xml version="1.0" encoding="utf-8"?>
-<ds:datastoreItem xmlns:ds="http://schemas.openxmlformats.org/officeDocument/2006/customXml" ds:itemID="{91B55C73-E3F8-4143-AF80-9B73A068DF7E}">
-  <ds:schemaRefs>
-    <ds:schemaRef ds:uri="http://schemas.microsoft.com/VisualStudio/2011/storyboarding/control"/>
-  </ds:schemaRefs>
-</ds:datastoreItem>
-</file>
-
-<file path=customXml/itemProps188.xml><?xml version="1.0" encoding="utf-8"?>
-<ds:datastoreItem xmlns:ds="http://schemas.openxmlformats.org/officeDocument/2006/customXml" ds:itemID="{0F924959-0FC0-4A8B-9D3A-C19CD3F22766}">
-  <ds:schemaRefs>
-    <ds:schemaRef ds:uri="http://schemas.microsoft.com/VisualStudio/2011/storyboarding/control"/>
-  </ds:schemaRefs>
-</ds:datastoreItem>
-</file>
-
-<file path=customXml/itemProps189.xml><?xml version="1.0" encoding="utf-8"?>
-<ds:datastoreItem xmlns:ds="http://schemas.openxmlformats.org/officeDocument/2006/customXml" ds:itemID="{65D13D13-096C-403A-8B23-6DD4FFF0FDC2}">
-  <ds:schemaRefs>
-    <ds:schemaRef ds:uri="http://schemas.microsoft.com/VisualStudio/2011/storyboarding/control"/>
-  </ds:schemaRefs>
-</ds:datastoreItem>
-</file>
-
-<file path=customXml/itemProps19.xml><?xml version="1.0" encoding="utf-8"?>
-<ds:datastoreItem xmlns:ds="http://schemas.openxmlformats.org/officeDocument/2006/customXml" ds:itemID="{BB425446-B172-4B88-8FAF-AFD97B30FC45}">
-  <ds:schemaRefs>
-    <ds:schemaRef ds:uri="http://schemas.microsoft.com/VisualStudio/2011/storyboarding/control"/>
-  </ds:schemaRefs>
-</ds:datastoreItem>
-</file>
-
-<file path=customXml/itemProps190.xml><?xml version="1.0" encoding="utf-8"?>
-<ds:datastoreItem xmlns:ds="http://schemas.openxmlformats.org/officeDocument/2006/customXml" ds:itemID="{C51E87C8-D293-4769-B466-FFDAE873EA55}">
-  <ds:schemaRefs>
-    <ds:schemaRef ds:uri="http://schemas.microsoft.com/VisualStudio/2011/storyboarding/control"/>
-  </ds:schemaRefs>
-</ds:datastoreItem>
-</file>
-
-<file path=customXml/itemProps191.xml><?xml version="1.0" encoding="utf-8"?>
-<ds:datastoreItem xmlns:ds="http://schemas.openxmlformats.org/officeDocument/2006/customXml" ds:itemID="{BDE8F8A8-1904-4B0E-8744-036C974BB0D3}">
-  <ds:schemaRefs>
-    <ds:schemaRef ds:uri="http://schemas.microsoft.com/VisualStudio/2011/storyboarding/control"/>
-  </ds:schemaRefs>
-</ds:datastoreItem>
-</file>
-
-<file path=customXml/itemProps192.xml><?xml version="1.0" encoding="utf-8"?>
-<ds:datastoreItem xmlns:ds="http://schemas.openxmlformats.org/officeDocument/2006/customXml" ds:itemID="{3B07C21B-B896-4441-A0BB-886607473D80}">
-  <ds:schemaRefs>
-    <ds:schemaRef ds:uri="http://schemas.microsoft.com/VisualStudio/2011/storyboarding/control"/>
-  </ds:schemaRefs>
-</ds:datastoreItem>
-</file>
-
-<file path=customXml/itemProps193.xml><?xml version="1.0" encoding="utf-8"?>
-<ds:datastoreItem xmlns:ds="http://schemas.openxmlformats.org/officeDocument/2006/customXml" ds:itemID="{7CECF6CE-60F8-4CD3-A042-C3FBF6B1CD82}">
-  <ds:schemaRefs>
-    <ds:schemaRef ds:uri="http://schemas.microsoft.com/VisualStudio/2011/storyboarding/control"/>
-  </ds:schemaRefs>
-</ds:datastoreItem>
-</file>
-
-<file path=customXml/itemProps194.xml><?xml version="1.0" encoding="utf-8"?>
+<file path=customXml/itemProps97.xml><?xml version="1.0" encoding="utf-8"?>
 <ds:datastoreItem xmlns:ds="http://schemas.openxmlformats.org/officeDocument/2006/customXml" ds:itemID="{B903C70D-7337-4EBE-AD86-153A945508E2}">
   <ds:schemaRefs>
     <ds:schemaRef ds:uri="http://schemas.microsoft.com/VisualStudio/2011/storyboarding/control"/>
@@ -52583,127 +55060,7 @@
 </ds:datastoreItem>
 </file>
 
-<file path=customXml/itemProps195.xml><?xml version="1.0" encoding="utf-8"?>
-<ds:datastoreItem xmlns:ds="http://schemas.openxmlformats.org/officeDocument/2006/customXml" ds:itemID="{0BCD61E9-5120-4E54-9BD8-022EF3C58F3B}">
-  <ds:schemaRefs>
-    <ds:schemaRef ds:uri="http://schemas.microsoft.com/VisualStudio/2011/storyboarding/control"/>
-  </ds:schemaRefs>
-</ds:datastoreItem>
-</file>
-
-<file path=customXml/itemProps196.xml><?xml version="1.0" encoding="utf-8"?>
-<ds:datastoreItem xmlns:ds="http://schemas.openxmlformats.org/officeDocument/2006/customXml" ds:itemID="{BCBB37D8-FBA9-4E37-824E-007AD64F96EA}">
-  <ds:schemaRefs>
-    <ds:schemaRef ds:uri="http://schemas.microsoft.com/VisualStudio/2011/storyboarding/control"/>
-  </ds:schemaRefs>
-</ds:datastoreItem>
-</file>
-
-<file path=customXml/itemProps197.xml><?xml version="1.0" encoding="utf-8"?>
-<ds:datastoreItem xmlns:ds="http://schemas.openxmlformats.org/officeDocument/2006/customXml" ds:itemID="{F6871986-158F-4AFD-8563-24EEC93B23F2}">
-  <ds:schemaRefs>
-    <ds:schemaRef ds:uri="http://schemas.microsoft.com/VisualStudio/2011/storyboarding/control"/>
-  </ds:schemaRefs>
-</ds:datastoreItem>
-</file>
-
-<file path=customXml/itemProps198.xml><?xml version="1.0" encoding="utf-8"?>
-<ds:datastoreItem xmlns:ds="http://schemas.openxmlformats.org/officeDocument/2006/customXml" ds:itemID="{F3260EEF-3ED9-40A9-88F8-60D4DB295524}">
-  <ds:schemaRefs>
-    <ds:schemaRef ds:uri="http://schemas.microsoft.com/VisualStudio/2011/storyboarding/control"/>
-  </ds:schemaRefs>
-</ds:datastoreItem>
-</file>
-
-<file path=customXml/itemProps199.xml><?xml version="1.0" encoding="utf-8"?>
-<ds:datastoreItem xmlns:ds="http://schemas.openxmlformats.org/officeDocument/2006/customXml" ds:itemID="{F4F9D414-AE4E-4BA2-BDC2-6F33F5D21536}">
-  <ds:schemaRefs>
-    <ds:schemaRef ds:uri="http://schemas.microsoft.com/VisualStudio/2011/storyboarding/control"/>
-  </ds:schemaRefs>
-</ds:datastoreItem>
-</file>
-
-<file path=customXml/itemProps2.xml><?xml version="1.0" encoding="utf-8"?>
-<ds:datastoreItem xmlns:ds="http://schemas.openxmlformats.org/officeDocument/2006/customXml" ds:itemID="{0A56BFE2-87DA-446C-BA1F-F6FEDB88F0F6}">
-  <ds:schemaRefs>
-    <ds:schemaRef ds:uri="http://schemas.microsoft.com/VisualStudio/2011/storyboarding/control"/>
-  </ds:schemaRefs>
-</ds:datastoreItem>
-</file>
-
-<file path=customXml/itemProps20.xml><?xml version="1.0" encoding="utf-8"?>
-<ds:datastoreItem xmlns:ds="http://schemas.openxmlformats.org/officeDocument/2006/customXml" ds:itemID="{66D5FD27-6B21-48CC-84DF-CD8F56ED9577}">
-  <ds:schemaRefs>
-    <ds:schemaRef ds:uri="http://schemas.microsoft.com/VisualStudio/2011/storyboarding/control"/>
-  </ds:schemaRefs>
-</ds:datastoreItem>
-</file>
-
-<file path=customXml/itemProps200.xml><?xml version="1.0" encoding="utf-8"?>
-<ds:datastoreItem xmlns:ds="http://schemas.openxmlformats.org/officeDocument/2006/customXml" ds:itemID="{5D5EA1DB-182D-4A67-8487-E9AD9DFFACC5}">
-  <ds:schemaRefs>
-    <ds:schemaRef ds:uri="http://schemas.microsoft.com/VisualStudio/2011/storyboarding/control"/>
-  </ds:schemaRefs>
-</ds:datastoreItem>
-</file>
-
-<file path=customXml/itemProps201.xml><?xml version="1.0" encoding="utf-8"?>
-<ds:datastoreItem xmlns:ds="http://schemas.openxmlformats.org/officeDocument/2006/customXml" ds:itemID="{1AA638C0-9380-47E6-AADE-5B2C40250DA2}">
-  <ds:schemaRefs>
-    <ds:schemaRef ds:uri="http://schemas.microsoft.com/VisualStudio/2011/storyboarding/control"/>
-  </ds:schemaRefs>
-</ds:datastoreItem>
-</file>
-
-<file path=customXml/itemProps202.xml><?xml version="1.0" encoding="utf-8"?>
-<ds:datastoreItem xmlns:ds="http://schemas.openxmlformats.org/officeDocument/2006/customXml" ds:itemID="{CD2C207E-92A2-4AAD-AA93-EC90C37B5A00}">
-  <ds:schemaRefs>
-    <ds:schemaRef ds:uri="http://schemas.microsoft.com/VisualStudio/2011/storyboarding/control"/>
-  </ds:schemaRefs>
-</ds:datastoreItem>
-</file>
-
-<file path=customXml/itemProps203.xml><?xml version="1.0" encoding="utf-8"?>
-<ds:datastoreItem xmlns:ds="http://schemas.openxmlformats.org/officeDocument/2006/customXml" ds:itemID="{CFF9CF07-44DB-477F-837F-E71E1AB13222}">
-  <ds:schemaRefs>
-    <ds:schemaRef ds:uri="http://schemas.microsoft.com/VisualStudio/2011/storyboarding/control"/>
-  </ds:schemaRefs>
-</ds:datastoreItem>
-</file>
-
-<file path=customXml/itemProps204.xml><?xml version="1.0" encoding="utf-8"?>
-<ds:datastoreItem xmlns:ds="http://schemas.openxmlformats.org/officeDocument/2006/customXml" ds:itemID="{C90FBB37-6B62-4DF6-A3FB-014796F79DBD}">
-  <ds:schemaRefs>
-    <ds:schemaRef ds:uri="http://schemas.microsoft.com/VisualStudio/2011/storyboarding/control"/>
-  </ds:schemaRefs>
-</ds:datastoreItem>
-</file>
-
-<file path=customXml/itemProps205.xml><?xml version="1.0" encoding="utf-8"?>
-<ds:datastoreItem xmlns:ds="http://schemas.openxmlformats.org/officeDocument/2006/customXml" ds:itemID="{BF08D3AC-2433-49A2-A7C1-0C91775D70BA}">
-  <ds:schemaRefs>
-    <ds:schemaRef ds:uri="http://schemas.microsoft.com/VisualStudio/2011/storyboarding/control"/>
-  </ds:schemaRefs>
-</ds:datastoreItem>
-</file>
-
-<file path=customXml/itemProps206.xml><?xml version="1.0" encoding="utf-8"?>
-<ds:datastoreItem xmlns:ds="http://schemas.openxmlformats.org/officeDocument/2006/customXml" ds:itemID="{907CE7C4-B00C-4941-8E91-087C727CD618}">
-  <ds:schemaRefs>
-    <ds:schemaRef ds:uri="http://schemas.microsoft.com/VisualStudio/2011/storyboarding/control"/>
-  </ds:schemaRefs>
-</ds:datastoreItem>
-</file>
-
-<file path=customXml/itemProps207.xml><?xml version="1.0" encoding="utf-8"?>
-<ds:datastoreItem xmlns:ds="http://schemas.openxmlformats.org/officeDocument/2006/customXml" ds:itemID="{C5C2071C-38B3-4E05-B279-361E52B7C892}">
-  <ds:schemaRefs>
-    <ds:schemaRef ds:uri="http://schemas.microsoft.com/VisualStudio/2011/storyboarding/control"/>
-  </ds:schemaRefs>
-</ds:datastoreItem>
-</file>
-
-<file path=customXml/itemProps208.xml><?xml version="1.0" encoding="utf-8"?>
+<file path=customXml/itemProps98.xml><?xml version="1.0" encoding="utf-8"?>
 <ds:datastoreItem xmlns:ds="http://schemas.openxmlformats.org/officeDocument/2006/customXml" ds:itemID="{81F2B4AF-DFBE-4441-8E0F-0DF4B88AB785}">
   <ds:schemaRefs>
     <ds:schemaRef ds:uri="http://schemas.microsoft.com/VisualStudio/2011/storyboarding/control"/>
@@ -52711,2370 +55068,10 @@
 </ds:datastoreItem>
 </file>
 
-<file path=customXml/itemProps209.xml><?xml version="1.0" encoding="utf-8"?>
-<ds:datastoreItem xmlns:ds="http://schemas.openxmlformats.org/officeDocument/2006/customXml" ds:itemID="{657EAD29-4F6F-4638-BAD8-5DFE7421E00C}">
-  <ds:schemaRefs>
-    <ds:schemaRef ds:uri="http://schemas.microsoft.com/VisualStudio/2011/storyboarding/control"/>
-  </ds:schemaRefs>
-</ds:datastoreItem>
-</file>
-
-<file path=customXml/itemProps21.xml><?xml version="1.0" encoding="utf-8"?>
-<ds:datastoreItem xmlns:ds="http://schemas.openxmlformats.org/officeDocument/2006/customXml" ds:itemID="{57170B4E-9583-4966-9469-6481EBAB8126}">
-  <ds:schemaRefs>
-    <ds:schemaRef ds:uri="http://schemas.microsoft.com/VisualStudio/2011/storyboarding/control"/>
-  </ds:schemaRefs>
-</ds:datastoreItem>
-</file>
-
-<file path=customXml/itemProps210.xml><?xml version="1.0" encoding="utf-8"?>
-<ds:datastoreItem xmlns:ds="http://schemas.openxmlformats.org/officeDocument/2006/customXml" ds:itemID="{A0FD5420-DDFF-4FB8-9077-E7F3FC176A89}">
-  <ds:schemaRefs>
-    <ds:schemaRef ds:uri="http://schemas.microsoft.com/VisualStudio/2011/storyboarding/control"/>
-  </ds:schemaRefs>
-</ds:datastoreItem>
-</file>
-
-<file path=customXml/itemProps211.xml><?xml version="1.0" encoding="utf-8"?>
-<ds:datastoreItem xmlns:ds="http://schemas.openxmlformats.org/officeDocument/2006/customXml" ds:itemID="{9776D11D-1935-4F96-BDED-3EC4CB27B12D}">
-  <ds:schemaRefs>
-    <ds:schemaRef ds:uri="http://schemas.microsoft.com/VisualStudio/2011/storyboarding/control"/>
-  </ds:schemaRefs>
-</ds:datastoreItem>
-</file>
-
-<file path=customXml/itemProps212.xml><?xml version="1.0" encoding="utf-8"?>
-<ds:datastoreItem xmlns:ds="http://schemas.openxmlformats.org/officeDocument/2006/customXml" ds:itemID="{0BA93A88-FD9D-4409-98F6-AB9884772835}">
-  <ds:schemaRefs>
-    <ds:schemaRef ds:uri="http://schemas.microsoft.com/VisualStudio/2011/storyboarding/control"/>
-  </ds:schemaRefs>
-</ds:datastoreItem>
-</file>
-
-<file path=customXml/itemProps213.xml><?xml version="1.0" encoding="utf-8"?>
-<ds:datastoreItem xmlns:ds="http://schemas.openxmlformats.org/officeDocument/2006/customXml" ds:itemID="{4BC4DEEB-1EC0-4E4A-B2D1-73CBA7826D17}">
-  <ds:schemaRefs>
-    <ds:schemaRef ds:uri="http://schemas.microsoft.com/VisualStudio/2011/storyboarding/control"/>
-  </ds:schemaRefs>
-</ds:datastoreItem>
-</file>
-
-<file path=customXml/itemProps214.xml><?xml version="1.0" encoding="utf-8"?>
-<ds:datastoreItem xmlns:ds="http://schemas.openxmlformats.org/officeDocument/2006/customXml" ds:itemID="{1C2BC509-D0F4-4258-A32C-94CD1A9F09CD}">
-  <ds:schemaRefs>
-    <ds:schemaRef ds:uri="http://schemas.microsoft.com/VisualStudio/2011/storyboarding/control"/>
-  </ds:schemaRefs>
-</ds:datastoreItem>
-</file>
-
-<file path=customXml/itemProps215.xml><?xml version="1.0" encoding="utf-8"?>
-<ds:datastoreItem xmlns:ds="http://schemas.openxmlformats.org/officeDocument/2006/customXml" ds:itemID="{37A16EBE-AACB-481D-9E94-9F2642B15CAD}">
-  <ds:schemaRefs>
-    <ds:schemaRef ds:uri="http://schemas.microsoft.com/VisualStudio/2011/storyboarding/control"/>
-  </ds:schemaRefs>
-</ds:datastoreItem>
-</file>
-
-<file path=customXml/itemProps216.xml><?xml version="1.0" encoding="utf-8"?>
-<ds:datastoreItem xmlns:ds="http://schemas.openxmlformats.org/officeDocument/2006/customXml" ds:itemID="{553BCA97-92F8-4379-AE8D-22AE007D3AD9}">
-  <ds:schemaRefs>
-    <ds:schemaRef ds:uri="http://schemas.microsoft.com/VisualStudio/2011/storyboarding/control"/>
-  </ds:schemaRefs>
-</ds:datastoreItem>
-</file>
-
-<file path=customXml/itemProps217.xml><?xml version="1.0" encoding="utf-8"?>
-<ds:datastoreItem xmlns:ds="http://schemas.openxmlformats.org/officeDocument/2006/customXml" ds:itemID="{2236CDEC-0756-4174-834C-35150FF5ED1F}">
-  <ds:schemaRefs>
-    <ds:schemaRef ds:uri="http://schemas.microsoft.com/VisualStudio/2011/storyboarding/control"/>
-  </ds:schemaRefs>
-</ds:datastoreItem>
-</file>
-
-<file path=customXml/itemProps218.xml><?xml version="1.0" encoding="utf-8"?>
-<ds:datastoreItem xmlns:ds="http://schemas.openxmlformats.org/officeDocument/2006/customXml" ds:itemID="{38358E66-4F64-4B41-931B-EB4D7544ABA8}">
-  <ds:schemaRefs>
-    <ds:schemaRef ds:uri="http://schemas.microsoft.com/VisualStudio/2011/storyboarding/control"/>
-  </ds:schemaRefs>
-</ds:datastoreItem>
-</file>
-
-<file path=customXml/itemProps219.xml><?xml version="1.0" encoding="utf-8"?>
-<ds:datastoreItem xmlns:ds="http://schemas.openxmlformats.org/officeDocument/2006/customXml" ds:itemID="{5E418C61-86CC-4F3B-A0A1-8359375420BB}">
-  <ds:schemaRefs>
-    <ds:schemaRef ds:uri="http://schemas.microsoft.com/VisualStudio/2011/storyboarding/control"/>
-  </ds:schemaRefs>
-</ds:datastoreItem>
-</file>
-
-<file path=customXml/itemProps22.xml><?xml version="1.0" encoding="utf-8"?>
-<ds:datastoreItem xmlns:ds="http://schemas.openxmlformats.org/officeDocument/2006/customXml" ds:itemID="{6060C689-D6DA-4ED0-9505-C2A1B1A2CDA3}">
-  <ds:schemaRefs>
-    <ds:schemaRef ds:uri="http://schemas.microsoft.com/VisualStudio/2011/storyboarding/control"/>
-  </ds:schemaRefs>
-</ds:datastoreItem>
-</file>
-
-<file path=customXml/itemProps220.xml><?xml version="1.0" encoding="utf-8"?>
-<ds:datastoreItem xmlns:ds="http://schemas.openxmlformats.org/officeDocument/2006/customXml" ds:itemID="{DA46D564-7D5C-4E8B-AF27-67C8B8FB20FA}">
-  <ds:schemaRefs>
-    <ds:schemaRef ds:uri="http://schemas.microsoft.com/VisualStudio/2011/storyboarding/control"/>
-  </ds:schemaRefs>
-</ds:datastoreItem>
-</file>
-
-<file path=customXml/itemProps221.xml><?xml version="1.0" encoding="utf-8"?>
-<ds:datastoreItem xmlns:ds="http://schemas.openxmlformats.org/officeDocument/2006/customXml" ds:itemID="{81690581-EDFD-49BF-86DB-DE01BB18B210}">
-  <ds:schemaRefs>
-    <ds:schemaRef ds:uri="http://schemas.microsoft.com/VisualStudio/2011/storyboarding/control"/>
-  </ds:schemaRefs>
-</ds:datastoreItem>
-</file>
-
-<file path=customXml/itemProps222.xml><?xml version="1.0" encoding="utf-8"?>
-<ds:datastoreItem xmlns:ds="http://schemas.openxmlformats.org/officeDocument/2006/customXml" ds:itemID="{8D5E1E51-E066-4DA4-984C-86E4E7BEEB04}">
-  <ds:schemaRefs>
-    <ds:schemaRef ds:uri="http://schemas.microsoft.com/VisualStudio/2011/storyboarding/control"/>
-  </ds:schemaRefs>
-</ds:datastoreItem>
-</file>
-
-<file path=customXml/itemProps223.xml><?xml version="1.0" encoding="utf-8"?>
-<ds:datastoreItem xmlns:ds="http://schemas.openxmlformats.org/officeDocument/2006/customXml" ds:itemID="{53F66FDE-6582-4A7F-9E61-EF3EA60145BA}">
-  <ds:schemaRefs>
-    <ds:schemaRef ds:uri="http://schemas.microsoft.com/VisualStudio/2011/storyboarding/control"/>
-  </ds:schemaRefs>
-</ds:datastoreItem>
-</file>
-
-<file path=customXml/itemProps224.xml><?xml version="1.0" encoding="utf-8"?>
-<ds:datastoreItem xmlns:ds="http://schemas.openxmlformats.org/officeDocument/2006/customXml" ds:itemID="{11A56B87-83AA-4F88-84AB-A004E3CAE6C1}">
-  <ds:schemaRefs>
-    <ds:schemaRef ds:uri="http://schemas.microsoft.com/VisualStudio/2011/storyboarding/control"/>
-  </ds:schemaRefs>
-</ds:datastoreItem>
-</file>
-
-<file path=customXml/itemProps225.xml><?xml version="1.0" encoding="utf-8"?>
-<ds:datastoreItem xmlns:ds="http://schemas.openxmlformats.org/officeDocument/2006/customXml" ds:itemID="{861B10E4-50DF-4116-B64C-775770A90466}">
-  <ds:schemaRefs>
-    <ds:schemaRef ds:uri="http://schemas.microsoft.com/VisualStudio/2011/storyboarding/control"/>
-  </ds:schemaRefs>
-</ds:datastoreItem>
-</file>
-
-<file path=customXml/itemProps226.xml><?xml version="1.0" encoding="utf-8"?>
-<ds:datastoreItem xmlns:ds="http://schemas.openxmlformats.org/officeDocument/2006/customXml" ds:itemID="{D4486BB5-2756-4168-9CCC-6231B98B7B4E}">
-  <ds:schemaRefs>
-    <ds:schemaRef ds:uri="http://schemas.microsoft.com/VisualStudio/2011/storyboarding/control"/>
-  </ds:schemaRefs>
-</ds:datastoreItem>
-</file>
-
-<file path=customXml/itemProps227.xml><?xml version="1.0" encoding="utf-8"?>
-<ds:datastoreItem xmlns:ds="http://schemas.openxmlformats.org/officeDocument/2006/customXml" ds:itemID="{5EEDCA40-D052-47B3-8EE2-4B54E4C90F0C}">
-  <ds:schemaRefs>
-    <ds:schemaRef ds:uri="http://schemas.microsoft.com/VisualStudio/2011/storyboarding/control"/>
-  </ds:schemaRefs>
-</ds:datastoreItem>
-</file>
-
-<file path=customXml/itemProps228.xml><?xml version="1.0" encoding="utf-8"?>
-<ds:datastoreItem xmlns:ds="http://schemas.openxmlformats.org/officeDocument/2006/customXml" ds:itemID="{DA651C0F-EF7C-4E40-B970-0ED847B261CD}">
-  <ds:schemaRefs>
-    <ds:schemaRef ds:uri="http://schemas.microsoft.com/VisualStudio/2011/storyboarding/control"/>
-  </ds:schemaRefs>
-</ds:datastoreItem>
-</file>
-
-<file path=customXml/itemProps229.xml><?xml version="1.0" encoding="utf-8"?>
+<file path=customXml/itemProps99.xml><?xml version="1.0" encoding="utf-8"?>
 <ds:datastoreItem xmlns:ds="http://schemas.openxmlformats.org/officeDocument/2006/customXml" ds:itemID="{FE106B9D-ED11-49A6-8F85-2A077687FAB6}">
   <ds:schemaRefs>
     <ds:schemaRef ds:uri="http://schemas.microsoft.com/VisualStudio/2011/storyboarding/control"/>
   </ds:schemaRefs>
 </ds:datastoreItem>
-</file>
-
-<file path=customXml/itemProps23.xml><?xml version="1.0" encoding="utf-8"?>
-<ds:datastoreItem xmlns:ds="http://schemas.openxmlformats.org/officeDocument/2006/customXml" ds:itemID="{D9778692-B57D-4B05-BB3D-D41AD33BB70E}">
-  <ds:schemaRefs>
-    <ds:schemaRef ds:uri="http://schemas.microsoft.com/VisualStudio/2011/storyboarding/control"/>
-  </ds:schemaRefs>
-</ds:datastoreItem>
-</file>
-
-<file path=customXml/itemProps230.xml><?xml version="1.0" encoding="utf-8"?>
-<ds:datastoreItem xmlns:ds="http://schemas.openxmlformats.org/officeDocument/2006/customXml" ds:itemID="{E591C048-0E07-4085-ACB8-B2AA40ED6281}">
-  <ds:schemaRefs>
-    <ds:schemaRef ds:uri="http://schemas.microsoft.com/VisualStudio/2011/storyboarding/control"/>
-  </ds:schemaRefs>
-</ds:datastoreItem>
-</file>
-
-<file path=customXml/itemProps231.xml><?xml version="1.0" encoding="utf-8"?>
-<ds:datastoreItem xmlns:ds="http://schemas.openxmlformats.org/officeDocument/2006/customXml" ds:itemID="{8198DF2F-BA14-418D-BE50-56C57A195466}">
-  <ds:schemaRefs>
-    <ds:schemaRef ds:uri="http://schemas.microsoft.com/VisualStudio/2011/storyboarding/control"/>
-  </ds:schemaRefs>
-</ds:datastoreItem>
-</file>
-
-<file path=customXml/itemProps232.xml><?xml version="1.0" encoding="utf-8"?>
-<ds:datastoreItem xmlns:ds="http://schemas.openxmlformats.org/officeDocument/2006/customXml" ds:itemID="{9B397375-C9A0-47C4-A9E7-D5AC8693798A}">
-  <ds:schemaRefs>
-    <ds:schemaRef ds:uri="http://schemas.microsoft.com/VisualStudio/2011/storyboarding/control"/>
-  </ds:schemaRefs>
-</ds:datastoreItem>
-</file>
-
-<file path=customXml/itemProps233.xml><?xml version="1.0" encoding="utf-8"?>
-<ds:datastoreItem xmlns:ds="http://schemas.openxmlformats.org/officeDocument/2006/customXml" ds:itemID="{8745EA7D-AC2F-4F27-89BC-9F24B3534029}">
-  <ds:schemaRefs>
-    <ds:schemaRef ds:uri="http://schemas.microsoft.com/VisualStudio/2011/storyboarding/control"/>
-  </ds:schemaRefs>
-</ds:datastoreItem>
-</file>
-
-<file path=customXml/itemProps234.xml><?xml version="1.0" encoding="utf-8"?>
-<ds:datastoreItem xmlns:ds="http://schemas.openxmlformats.org/officeDocument/2006/customXml" ds:itemID="{937FB4FC-C9EB-4D9C-9F32-E96E7F3B1C4B}">
-  <ds:schemaRefs>
-    <ds:schemaRef ds:uri="http://schemas.microsoft.com/VisualStudio/2011/storyboarding/control"/>
-  </ds:schemaRefs>
-</ds:datastoreItem>
-</file>
-
-<file path=customXml/itemProps235.xml><?xml version="1.0" encoding="utf-8"?>
-<ds:datastoreItem xmlns:ds="http://schemas.openxmlformats.org/officeDocument/2006/customXml" ds:itemID="{96CF5F03-DBCA-4C9E-BD76-BE444136E2F8}">
-  <ds:schemaRefs>
-    <ds:schemaRef ds:uri="http://schemas.microsoft.com/VisualStudio/2011/storyboarding/control"/>
-  </ds:schemaRefs>
-</ds:datastoreItem>
-</file>
-
-<file path=customXml/itemProps236.xml><?xml version="1.0" encoding="utf-8"?>
-<ds:datastoreItem xmlns:ds="http://schemas.openxmlformats.org/officeDocument/2006/customXml" ds:itemID="{3B61FE01-3F67-4162-AE59-1E0D35F4D1FA}">
-  <ds:schemaRefs>
-    <ds:schemaRef ds:uri="http://schemas.microsoft.com/VisualStudio/2011/storyboarding/control"/>
-  </ds:schemaRefs>
-</ds:datastoreItem>
-</file>
-
-<file path=customXml/itemProps237.xml><?xml version="1.0" encoding="utf-8"?>
-<ds:datastoreItem xmlns:ds="http://schemas.openxmlformats.org/officeDocument/2006/customXml" ds:itemID="{C0218BAC-4DA3-4EEB-9E69-50B84364552B}">
-  <ds:schemaRefs>
-    <ds:schemaRef ds:uri="http://schemas.microsoft.com/VisualStudio/2011/storyboarding/control"/>
-  </ds:schemaRefs>
-</ds:datastoreItem>
-</file>
-
-<file path=customXml/itemProps238.xml><?xml version="1.0" encoding="utf-8"?>
-<ds:datastoreItem xmlns:ds="http://schemas.openxmlformats.org/officeDocument/2006/customXml" ds:itemID="{8CAD66DC-DE24-4162-8149-30A85BCD2403}">
-  <ds:schemaRefs>
-    <ds:schemaRef ds:uri="http://schemas.microsoft.com/VisualStudio/2011/storyboarding/control"/>
-  </ds:schemaRefs>
-</ds:datastoreItem>
-</file>
-
-<file path=customXml/itemProps239.xml><?xml version="1.0" encoding="utf-8"?>
-<ds:datastoreItem xmlns:ds="http://schemas.openxmlformats.org/officeDocument/2006/customXml" ds:itemID="{9BFE7170-92E1-43AA-BFB8-FB20A5E2DB38}">
-  <ds:schemaRefs>
-    <ds:schemaRef ds:uri="http://schemas.microsoft.com/VisualStudio/2011/storyboarding/control"/>
-  </ds:schemaRefs>
-</ds:datastoreItem>
-</file>
-
-<file path=customXml/itemProps24.xml><?xml version="1.0" encoding="utf-8"?>
-<ds:datastoreItem xmlns:ds="http://schemas.openxmlformats.org/officeDocument/2006/customXml" ds:itemID="{12892A08-F8BF-4D81-8105-A8150CA9AFCA}">
-  <ds:schemaRefs>
-    <ds:schemaRef ds:uri="http://schemas.microsoft.com/VisualStudio/2011/storyboarding/control"/>
-  </ds:schemaRefs>
-</ds:datastoreItem>
-</file>
-
-<file path=customXml/itemProps240.xml><?xml version="1.0" encoding="utf-8"?>
-<ds:datastoreItem xmlns:ds="http://schemas.openxmlformats.org/officeDocument/2006/customXml" ds:itemID="{3F03EE14-3DE1-476F-8F91-DAAB435FD4DE}">
-  <ds:schemaRefs>
-    <ds:schemaRef ds:uri="http://schemas.microsoft.com/VisualStudio/2011/storyboarding/control"/>
-  </ds:schemaRefs>
-</ds:datastoreItem>
-</file>
-
-<file path=customXml/itemProps241.xml><?xml version="1.0" encoding="utf-8"?>
-<ds:datastoreItem xmlns:ds="http://schemas.openxmlformats.org/officeDocument/2006/customXml" ds:itemID="{EC8E0E27-E550-4261-A865-DBA6BEAD946B}">
-  <ds:schemaRefs>
-    <ds:schemaRef ds:uri="http://schemas.microsoft.com/VisualStudio/2011/storyboarding/control"/>
-  </ds:schemaRefs>
-</ds:datastoreItem>
-</file>
-
-<file path=customXml/itemProps242.xml><?xml version="1.0" encoding="utf-8"?>
-<ds:datastoreItem xmlns:ds="http://schemas.openxmlformats.org/officeDocument/2006/customXml" ds:itemID="{7BD1F015-0356-4A9A-BC1B-B374010395E1}">
-  <ds:schemaRefs>
-    <ds:schemaRef ds:uri="http://schemas.microsoft.com/VisualStudio/2011/storyboarding/control"/>
-  </ds:schemaRefs>
-</ds:datastoreItem>
-</file>
-
-<file path=customXml/itemProps243.xml><?xml version="1.0" encoding="utf-8"?>
-<ds:datastoreItem xmlns:ds="http://schemas.openxmlformats.org/officeDocument/2006/customXml" ds:itemID="{7FF91253-6D0C-4811-B4EB-99B1BADA74F1}">
-  <ds:schemaRefs>
-    <ds:schemaRef ds:uri="http://schemas.microsoft.com/VisualStudio/2011/storyboarding/control"/>
-  </ds:schemaRefs>
-</ds:datastoreItem>
-</file>
-
-<file path=customXml/itemProps244.xml><?xml version="1.0" encoding="utf-8"?>
-<ds:datastoreItem xmlns:ds="http://schemas.openxmlformats.org/officeDocument/2006/customXml" ds:itemID="{C2283421-3CF6-41B5-9FAC-261D44009E6E}">
-  <ds:schemaRefs>
-    <ds:schemaRef ds:uri="http://schemas.microsoft.com/VisualStudio/2011/storyboarding/control"/>
-  </ds:schemaRefs>
-</ds:datastoreItem>
-</file>
-
-<file path=customXml/itemProps245.xml><?xml version="1.0" encoding="utf-8"?>
-<ds:datastoreItem xmlns:ds="http://schemas.openxmlformats.org/officeDocument/2006/customXml" ds:itemID="{9CEE4515-A009-4D94-A230-7B8AAF5028D4}">
-  <ds:schemaRefs>
-    <ds:schemaRef ds:uri="http://schemas.microsoft.com/VisualStudio/2011/storyboarding/control"/>
-  </ds:schemaRefs>
-</ds:datastoreItem>
-</file>
-
-<file path=customXml/itemProps246.xml><?xml version="1.0" encoding="utf-8"?>
-<ds:datastoreItem xmlns:ds="http://schemas.openxmlformats.org/officeDocument/2006/customXml" ds:itemID="{58D168B7-D5D8-4D4E-A6F5-79173EB8E842}">
-  <ds:schemaRefs>
-    <ds:schemaRef ds:uri="http://schemas.microsoft.com/VisualStudio/2011/storyboarding/control"/>
-  </ds:schemaRefs>
-</ds:datastoreItem>
-</file>
-
-<file path=customXml/itemProps247.xml><?xml version="1.0" encoding="utf-8"?>
-<ds:datastoreItem xmlns:ds="http://schemas.openxmlformats.org/officeDocument/2006/customXml" ds:itemID="{63D62BCE-C907-4E34-8F90-9023B1F22D67}">
-  <ds:schemaRefs>
-    <ds:schemaRef ds:uri="http://schemas.microsoft.com/VisualStudio/2011/storyboarding/control"/>
-  </ds:schemaRefs>
-</ds:datastoreItem>
-</file>
-
-<file path=customXml/itemProps248.xml><?xml version="1.0" encoding="utf-8"?>
-<ds:datastoreItem xmlns:ds="http://schemas.openxmlformats.org/officeDocument/2006/customXml" ds:itemID="{F17CEBBA-724F-44A3-9AB2-67A69A938E9E}">
-  <ds:schemaRefs>
-    <ds:schemaRef ds:uri="http://schemas.microsoft.com/VisualStudio/2011/storyboarding/control"/>
-  </ds:schemaRefs>
-</ds:datastoreItem>
-</file>
-
-<file path=customXml/itemProps249.xml><?xml version="1.0" encoding="utf-8"?>
-<ds:datastoreItem xmlns:ds="http://schemas.openxmlformats.org/officeDocument/2006/customXml" ds:itemID="{4005C7AB-FD00-4948-A862-EE198884C46B}">
-  <ds:schemaRefs>
-    <ds:schemaRef ds:uri="http://schemas.microsoft.com/VisualStudio/2011/storyboarding/control"/>
-  </ds:schemaRefs>
-</ds:datastoreItem>
-</file>
-
-<file path=customXml/itemProps25.xml><?xml version="1.0" encoding="utf-8"?>
-<ds:datastoreItem xmlns:ds="http://schemas.openxmlformats.org/officeDocument/2006/customXml" ds:itemID="{F63EC60C-A662-4ABD-8414-1A4F84A316F0}">
-  <ds:schemaRefs>
-    <ds:schemaRef ds:uri="http://schemas.microsoft.com/VisualStudio/2011/storyboarding/control"/>
-  </ds:schemaRefs>
-</ds:datastoreItem>
-</file>
-
-<file path=customXml/itemProps250.xml><?xml version="1.0" encoding="utf-8"?>
-<ds:datastoreItem xmlns:ds="http://schemas.openxmlformats.org/officeDocument/2006/customXml" ds:itemID="{3549025A-6CD1-40A9-92D8-3BBBF3AA295A}">
-  <ds:schemaRefs>
-    <ds:schemaRef ds:uri="http://schemas.microsoft.com/VisualStudio/2011/storyboarding/control"/>
-  </ds:schemaRefs>
-</ds:datastoreItem>
-</file>
-
-<file path=customXml/itemProps251.xml><?xml version="1.0" encoding="utf-8"?>
-<ds:datastoreItem xmlns:ds="http://schemas.openxmlformats.org/officeDocument/2006/customXml" ds:itemID="{52F4F04A-DEFF-4D7E-9A07-AF2F824ECCAC}">
-  <ds:schemaRefs>
-    <ds:schemaRef ds:uri="http://schemas.microsoft.com/VisualStudio/2011/storyboarding/control"/>
-  </ds:schemaRefs>
-</ds:datastoreItem>
-</file>
-
-<file path=customXml/itemProps252.xml><?xml version="1.0" encoding="utf-8"?>
-<ds:datastoreItem xmlns:ds="http://schemas.openxmlformats.org/officeDocument/2006/customXml" ds:itemID="{BFA47375-8608-44ED-BCCB-8CB81C7A9D52}">
-  <ds:schemaRefs>
-    <ds:schemaRef ds:uri="http://schemas.microsoft.com/VisualStudio/2011/storyboarding/control"/>
-  </ds:schemaRefs>
-</ds:datastoreItem>
-</file>
-
-<file path=customXml/itemProps253.xml><?xml version="1.0" encoding="utf-8"?>
-<ds:datastoreItem xmlns:ds="http://schemas.openxmlformats.org/officeDocument/2006/customXml" ds:itemID="{28D1A277-7982-45B6-81B3-65B63D8EE9CD}">
-  <ds:schemaRefs>
-    <ds:schemaRef ds:uri="http://schemas.microsoft.com/VisualStudio/2011/storyboarding/control"/>
-  </ds:schemaRefs>
-</ds:datastoreItem>
-</file>
-
-<file path=customXml/itemProps254.xml><?xml version="1.0" encoding="utf-8"?>
-<ds:datastoreItem xmlns:ds="http://schemas.openxmlformats.org/officeDocument/2006/customXml" ds:itemID="{2FCAF674-159C-4149-8B61-9EFD16DB2D60}">
-  <ds:schemaRefs>
-    <ds:schemaRef ds:uri="http://schemas.microsoft.com/VisualStudio/2011/storyboarding/control"/>
-  </ds:schemaRefs>
-</ds:datastoreItem>
-</file>
-
-<file path=customXml/itemProps255.xml><?xml version="1.0" encoding="utf-8"?>
-<ds:datastoreItem xmlns:ds="http://schemas.openxmlformats.org/officeDocument/2006/customXml" ds:itemID="{F9339B3B-2530-471C-B406-992C70D9BD34}">
-  <ds:schemaRefs>
-    <ds:schemaRef ds:uri="http://schemas.microsoft.com/VisualStudio/2011/storyboarding/control"/>
-  </ds:schemaRefs>
-</ds:datastoreItem>
-</file>
-
-<file path=customXml/itemProps256.xml><?xml version="1.0" encoding="utf-8"?>
-<ds:datastoreItem xmlns:ds="http://schemas.openxmlformats.org/officeDocument/2006/customXml" ds:itemID="{B9ACC237-3BC2-4960-A01D-293ACA3FE023}">
-  <ds:schemaRefs>
-    <ds:schemaRef ds:uri="http://schemas.microsoft.com/VisualStudio/2011/storyboarding/control"/>
-  </ds:schemaRefs>
-</ds:datastoreItem>
-</file>
-
-<file path=customXml/itemProps257.xml><?xml version="1.0" encoding="utf-8"?>
-<ds:datastoreItem xmlns:ds="http://schemas.openxmlformats.org/officeDocument/2006/customXml" ds:itemID="{C22DC2B0-5A56-4A11-9D56-C685DE29915C}">
-  <ds:schemaRefs>
-    <ds:schemaRef ds:uri="http://schemas.microsoft.com/VisualStudio/2011/storyboarding/control"/>
-  </ds:schemaRefs>
-</ds:datastoreItem>
-</file>
-
-<file path=customXml/itemProps258.xml><?xml version="1.0" encoding="utf-8"?>
-<ds:datastoreItem xmlns:ds="http://schemas.openxmlformats.org/officeDocument/2006/customXml" ds:itemID="{3BDC9059-48A0-4806-8BEB-23814E7D3566}">
-  <ds:schemaRefs>
-    <ds:schemaRef ds:uri="http://schemas.microsoft.com/VisualStudio/2011/storyboarding/control"/>
-  </ds:schemaRefs>
-</ds:datastoreItem>
-</file>
-
-<file path=customXml/itemProps259.xml><?xml version="1.0" encoding="utf-8"?>
-<ds:datastoreItem xmlns:ds="http://schemas.openxmlformats.org/officeDocument/2006/customXml" ds:itemID="{194EFFBD-7D54-4DE8-89F9-D3627AECCA6D}">
-  <ds:schemaRefs>
-    <ds:schemaRef ds:uri="http://schemas.microsoft.com/VisualStudio/2011/storyboarding/control"/>
-  </ds:schemaRefs>
-</ds:datastoreItem>
-</file>
-
-<file path=customXml/itemProps26.xml><?xml version="1.0" encoding="utf-8"?>
-<ds:datastoreItem xmlns:ds="http://schemas.openxmlformats.org/officeDocument/2006/customXml" ds:itemID="{72DABB7C-7EA3-49D3-968A-F1001C125308}">
-  <ds:schemaRefs>
-    <ds:schemaRef ds:uri="http://schemas.microsoft.com/VisualStudio/2011/storyboarding/control"/>
-  </ds:schemaRefs>
-</ds:datastoreItem>
-</file>
-
-<file path=customXml/itemProps260.xml><?xml version="1.0" encoding="utf-8"?>
-<ds:datastoreItem xmlns:ds="http://schemas.openxmlformats.org/officeDocument/2006/customXml" ds:itemID="{1BAA46D1-81FF-47AD-8391-15DD1941445D}">
-  <ds:schemaRefs>
-    <ds:schemaRef ds:uri="http://schemas.microsoft.com/VisualStudio/2011/storyboarding/control"/>
-  </ds:schemaRefs>
-</ds:datastoreItem>
-</file>
-
-<file path=customXml/itemProps261.xml><?xml version="1.0" encoding="utf-8"?>
-<ds:datastoreItem xmlns:ds="http://schemas.openxmlformats.org/officeDocument/2006/customXml" ds:itemID="{CDC052B0-D896-49DC-B064-C88B5A07046B}">
-  <ds:schemaRefs>
-    <ds:schemaRef ds:uri="http://schemas.microsoft.com/VisualStudio/2011/storyboarding/control"/>
-  </ds:schemaRefs>
-</ds:datastoreItem>
-</file>
-
-<file path=customXml/itemProps262.xml><?xml version="1.0" encoding="utf-8"?>
-<ds:datastoreItem xmlns:ds="http://schemas.openxmlformats.org/officeDocument/2006/customXml" ds:itemID="{03E30F20-F868-4C32-B991-CDCD8323EB0C}">
-  <ds:schemaRefs>
-    <ds:schemaRef ds:uri="http://schemas.microsoft.com/VisualStudio/2011/storyboarding/control"/>
-  </ds:schemaRefs>
-</ds:datastoreItem>
-</file>
-
-<file path=customXml/itemProps263.xml><?xml version="1.0" encoding="utf-8"?>
-<ds:datastoreItem xmlns:ds="http://schemas.openxmlformats.org/officeDocument/2006/customXml" ds:itemID="{9450BFFB-AEAE-49FD-87A6-34E338CFE526}">
-  <ds:schemaRefs>
-    <ds:schemaRef ds:uri="http://schemas.microsoft.com/VisualStudio/2011/storyboarding/control"/>
-  </ds:schemaRefs>
-</ds:datastoreItem>
-</file>
-
-<file path=customXml/itemProps264.xml><?xml version="1.0" encoding="utf-8"?>
-<ds:datastoreItem xmlns:ds="http://schemas.openxmlformats.org/officeDocument/2006/customXml" ds:itemID="{AD6C7A00-DCA8-46C5-A458-17FE22EFEE37}">
-  <ds:schemaRefs>
-    <ds:schemaRef ds:uri="http://schemas.microsoft.com/VisualStudio/2011/storyboarding/control"/>
-  </ds:schemaRefs>
-</ds:datastoreItem>
-</file>
-
-<file path=customXml/itemProps265.xml><?xml version="1.0" encoding="utf-8"?>
-<ds:datastoreItem xmlns:ds="http://schemas.openxmlformats.org/officeDocument/2006/customXml" ds:itemID="{2417F5AB-8E36-4910-8200-16B9DF9D2259}">
-  <ds:schemaRefs>
-    <ds:schemaRef ds:uri="http://schemas.microsoft.com/VisualStudio/2011/storyboarding/control"/>
-  </ds:schemaRefs>
-</ds:datastoreItem>
-</file>
-
-<file path=customXml/itemProps266.xml><?xml version="1.0" encoding="utf-8"?>
-<ds:datastoreItem xmlns:ds="http://schemas.openxmlformats.org/officeDocument/2006/customXml" ds:itemID="{66B7EE03-8EE2-4E09-8BB6-1055479AD8B1}">
-  <ds:schemaRefs>
-    <ds:schemaRef ds:uri="http://schemas.microsoft.com/VisualStudio/2011/storyboarding/control"/>
-  </ds:schemaRefs>
-</ds:datastoreItem>
-</file>
-
-<file path=customXml/itemProps267.xml><?xml version="1.0" encoding="utf-8"?>
-<ds:datastoreItem xmlns:ds="http://schemas.openxmlformats.org/officeDocument/2006/customXml" ds:itemID="{908A9238-C4BB-415A-8362-2CB84E7C1448}">
-  <ds:schemaRefs>
-    <ds:schemaRef ds:uri="http://schemas.microsoft.com/VisualStudio/2011/storyboarding/control"/>
-  </ds:schemaRefs>
-</ds:datastoreItem>
-</file>
-
-<file path=customXml/itemProps268.xml><?xml version="1.0" encoding="utf-8"?>
-<ds:datastoreItem xmlns:ds="http://schemas.openxmlformats.org/officeDocument/2006/customXml" ds:itemID="{BF5EF936-99A9-4C7F-AD7C-B4BBA5EDAAB3}">
-  <ds:schemaRefs>
-    <ds:schemaRef ds:uri="http://schemas.microsoft.com/VisualStudio/2011/storyboarding/control"/>
-  </ds:schemaRefs>
-</ds:datastoreItem>
-</file>
-
-<file path=customXml/itemProps269.xml><?xml version="1.0" encoding="utf-8"?>
-<ds:datastoreItem xmlns:ds="http://schemas.openxmlformats.org/officeDocument/2006/customXml" ds:itemID="{220DCEE2-6B38-480F-B53D-84C6A51947D4}">
-  <ds:schemaRefs>
-    <ds:schemaRef ds:uri="http://schemas.microsoft.com/VisualStudio/2011/storyboarding/control"/>
-  </ds:schemaRefs>
-</ds:datastoreItem>
-</file>
-
-<file path=customXml/itemProps27.xml><?xml version="1.0" encoding="utf-8"?>
-<ds:datastoreItem xmlns:ds="http://schemas.openxmlformats.org/officeDocument/2006/customXml" ds:itemID="{5B4DEEEF-56CD-4567-970F-294D256A0B52}">
-  <ds:schemaRefs>
-    <ds:schemaRef ds:uri="http://schemas.microsoft.com/VisualStudio/2011/storyboarding/control"/>
-  </ds:schemaRefs>
-</ds:datastoreItem>
-</file>
-
-<file path=customXml/itemProps270.xml><?xml version="1.0" encoding="utf-8"?>
-<ds:datastoreItem xmlns:ds="http://schemas.openxmlformats.org/officeDocument/2006/customXml" ds:itemID="{A861CB65-74F7-4C03-A4CB-038D1D5EACBA}">
-  <ds:schemaRefs>
-    <ds:schemaRef ds:uri="http://schemas.microsoft.com/VisualStudio/2011/storyboarding/control"/>
-  </ds:schemaRefs>
-</ds:datastoreItem>
-</file>
-
-<file path=customXml/itemProps271.xml><?xml version="1.0" encoding="utf-8"?>
-<ds:datastoreItem xmlns:ds="http://schemas.openxmlformats.org/officeDocument/2006/customXml" ds:itemID="{64EC0383-9E6B-45A0-94E8-38FA095CA4EA}">
-  <ds:schemaRefs>
-    <ds:schemaRef ds:uri="http://schemas.microsoft.com/VisualStudio/2011/storyboarding/control"/>
-  </ds:schemaRefs>
-</ds:datastoreItem>
-</file>
-
-<file path=customXml/itemProps272.xml><?xml version="1.0" encoding="utf-8"?>
-<ds:datastoreItem xmlns:ds="http://schemas.openxmlformats.org/officeDocument/2006/customXml" ds:itemID="{22298047-2860-4124-9ABE-0B6EAD3B2EE5}">
-  <ds:schemaRefs>
-    <ds:schemaRef ds:uri="http://schemas.microsoft.com/VisualStudio/2011/storyboarding/control"/>
-  </ds:schemaRefs>
-</ds:datastoreItem>
-</file>
-
-<file path=customXml/itemProps273.xml><?xml version="1.0" encoding="utf-8"?>
-<ds:datastoreItem xmlns:ds="http://schemas.openxmlformats.org/officeDocument/2006/customXml" ds:itemID="{DACF65FA-EFDA-4966-84D3-E77BB6011A0E}">
-  <ds:schemaRefs>
-    <ds:schemaRef ds:uri="http://schemas.microsoft.com/VisualStudio/2011/storyboarding/control"/>
-  </ds:schemaRefs>
-</ds:datastoreItem>
-</file>
-
-<file path=customXml/itemProps274.xml><?xml version="1.0" encoding="utf-8"?>
-<ds:datastoreItem xmlns:ds="http://schemas.openxmlformats.org/officeDocument/2006/customXml" ds:itemID="{D69CFD16-B2BA-45BF-B7EE-A6D183D6613E}">
-  <ds:schemaRefs>
-    <ds:schemaRef ds:uri="http://schemas.microsoft.com/VisualStudio/2011/storyboarding/control"/>
-  </ds:schemaRefs>
-</ds:datastoreItem>
-</file>
-
-<file path=customXml/itemProps275.xml><?xml version="1.0" encoding="utf-8"?>
-<ds:datastoreItem xmlns:ds="http://schemas.openxmlformats.org/officeDocument/2006/customXml" ds:itemID="{FE02890D-64A9-4CF8-A33A-28C5FBDDBA8F}">
-  <ds:schemaRefs>
-    <ds:schemaRef ds:uri="http://schemas.microsoft.com/VisualStudio/2011/storyboarding/control"/>
-  </ds:schemaRefs>
-</ds:datastoreItem>
-</file>
-
-<file path=customXml/itemProps276.xml><?xml version="1.0" encoding="utf-8"?>
-<ds:datastoreItem xmlns:ds="http://schemas.openxmlformats.org/officeDocument/2006/customXml" ds:itemID="{F8F939D1-6E97-4AA6-8C60-E62D52C6A98E}">
-  <ds:schemaRefs>
-    <ds:schemaRef ds:uri="http://schemas.microsoft.com/VisualStudio/2011/storyboarding/control"/>
-  </ds:schemaRefs>
-</ds:datastoreItem>
-</file>
-
-<file path=customXml/itemProps277.xml><?xml version="1.0" encoding="utf-8"?>
-<ds:datastoreItem xmlns:ds="http://schemas.openxmlformats.org/officeDocument/2006/customXml" ds:itemID="{72885D4F-C623-4A99-A153-5085063EB054}">
-  <ds:schemaRefs>
-    <ds:schemaRef ds:uri="http://schemas.microsoft.com/VisualStudio/2011/storyboarding/control"/>
-  </ds:schemaRefs>
-</ds:datastoreItem>
-</file>
-
-<file path=customXml/itemProps278.xml><?xml version="1.0" encoding="utf-8"?>
-<ds:datastoreItem xmlns:ds="http://schemas.openxmlformats.org/officeDocument/2006/customXml" ds:itemID="{DC463221-36EF-45FA-B905-473D557D5CB2}">
-  <ds:schemaRefs>
-    <ds:schemaRef ds:uri="http://schemas.microsoft.com/VisualStudio/2011/storyboarding/control"/>
-  </ds:schemaRefs>
-</ds:datastoreItem>
-</file>
-
-<file path=customXml/itemProps279.xml><?xml version="1.0" encoding="utf-8"?>
-<ds:datastoreItem xmlns:ds="http://schemas.openxmlformats.org/officeDocument/2006/customXml" ds:itemID="{E68A883A-BE53-4126-A917-6A8773322FC1}">
-  <ds:schemaRefs>
-    <ds:schemaRef ds:uri="http://schemas.microsoft.com/VisualStudio/2011/storyboarding/control"/>
-  </ds:schemaRefs>
-</ds:datastoreItem>
-</file>
-
-<file path=customXml/itemProps28.xml><?xml version="1.0" encoding="utf-8"?>
-<ds:datastoreItem xmlns:ds="http://schemas.openxmlformats.org/officeDocument/2006/customXml" ds:itemID="{C525BE8E-83E6-45C6-AFBC-894F7F4709C9}">
-  <ds:schemaRefs>
-    <ds:schemaRef ds:uri="http://schemas.microsoft.com/VisualStudio/2011/storyboarding/control"/>
-  </ds:schemaRefs>
-</ds:datastoreItem>
-</file>
-
-<file path=customXml/itemProps280.xml><?xml version="1.0" encoding="utf-8"?>
-<ds:datastoreItem xmlns:ds="http://schemas.openxmlformats.org/officeDocument/2006/customXml" ds:itemID="{E865EDF1-3988-4CC1-989C-8004E81819F1}">
-  <ds:schemaRefs>
-    <ds:schemaRef ds:uri="http://schemas.microsoft.com/VisualStudio/2011/storyboarding/control"/>
-  </ds:schemaRefs>
-</ds:datastoreItem>
-</file>
-
-<file path=customXml/itemProps281.xml><?xml version="1.0" encoding="utf-8"?>
-<ds:datastoreItem xmlns:ds="http://schemas.openxmlformats.org/officeDocument/2006/customXml" ds:itemID="{5B72F3A7-2F70-4317-B3BA-28245E6D839E}">
-  <ds:schemaRefs>
-    <ds:schemaRef ds:uri="http://schemas.microsoft.com/VisualStudio/2011/storyboarding/control"/>
-  </ds:schemaRefs>
-</ds:datastoreItem>
-</file>
-
-<file path=customXml/itemProps282.xml><?xml version="1.0" encoding="utf-8"?>
-<ds:datastoreItem xmlns:ds="http://schemas.openxmlformats.org/officeDocument/2006/customXml" ds:itemID="{F93B8E6E-30BF-4283-9D90-B34AD2F7E9B8}">
-  <ds:schemaRefs>
-    <ds:schemaRef ds:uri="http://schemas.microsoft.com/VisualStudio/2011/storyboarding/control"/>
-  </ds:schemaRefs>
-</ds:datastoreItem>
-</file>
-
-<file path=customXml/itemProps283.xml><?xml version="1.0" encoding="utf-8"?>
-<ds:datastoreItem xmlns:ds="http://schemas.openxmlformats.org/officeDocument/2006/customXml" ds:itemID="{02E01893-8D39-4111-A2D3-E0F163968A1D}">
-  <ds:schemaRefs>
-    <ds:schemaRef ds:uri="http://schemas.microsoft.com/VisualStudio/2011/storyboarding/control"/>
-  </ds:schemaRefs>
-</ds:datastoreItem>
-</file>
-
-<file path=customXml/itemProps284.xml><?xml version="1.0" encoding="utf-8"?>
-<ds:datastoreItem xmlns:ds="http://schemas.openxmlformats.org/officeDocument/2006/customXml" ds:itemID="{8FAA362E-168D-4E9C-A7A3-3697BCAC82F9}">
-  <ds:schemaRefs>
-    <ds:schemaRef ds:uri="http://schemas.microsoft.com/VisualStudio/2011/storyboarding/control"/>
-  </ds:schemaRefs>
-</ds:datastoreItem>
-</file>
-
-<file path=customXml/itemProps285.xml><?xml version="1.0" encoding="utf-8"?>
-<ds:datastoreItem xmlns:ds="http://schemas.openxmlformats.org/officeDocument/2006/customXml" ds:itemID="{8A82294C-5C1E-4DB4-9A53-E8A0F1373D33}">
-  <ds:schemaRefs>
-    <ds:schemaRef ds:uri="http://schemas.microsoft.com/VisualStudio/2011/storyboarding/control"/>
-  </ds:schemaRefs>
-</ds:datastoreItem>
-</file>
-
-<file path=customXml/itemProps286.xml><?xml version="1.0" encoding="utf-8"?>
-<ds:datastoreItem xmlns:ds="http://schemas.openxmlformats.org/officeDocument/2006/customXml" ds:itemID="{E98BB9AA-0D65-484B-9086-12797246EAA1}">
-  <ds:schemaRefs>
-    <ds:schemaRef ds:uri="http://schemas.microsoft.com/VisualStudio/2011/storyboarding/control"/>
-  </ds:schemaRefs>
-</ds:datastoreItem>
-</file>
-
-<file path=customXml/itemProps287.xml><?xml version="1.0" encoding="utf-8"?>
-<ds:datastoreItem xmlns:ds="http://schemas.openxmlformats.org/officeDocument/2006/customXml" ds:itemID="{0F3775A4-7680-414F-9B44-53B991F3AA41}">
-  <ds:schemaRefs>
-    <ds:schemaRef ds:uri="http://schemas.microsoft.com/VisualStudio/2011/storyboarding/control"/>
-  </ds:schemaRefs>
-</ds:datastoreItem>
-</file>
-
-<file path=customXml/itemProps288.xml><?xml version="1.0" encoding="utf-8"?>
-<ds:datastoreItem xmlns:ds="http://schemas.openxmlformats.org/officeDocument/2006/customXml" ds:itemID="{11B5B85D-5047-4624-8DFA-E3DDF7583D1C}">
-  <ds:schemaRefs>
-    <ds:schemaRef ds:uri="http://schemas.microsoft.com/VisualStudio/2011/storyboarding/control"/>
-  </ds:schemaRefs>
-</ds:datastoreItem>
-</file>
-
-<file path=customXml/itemProps289.xml><?xml version="1.0" encoding="utf-8"?>
-<ds:datastoreItem xmlns:ds="http://schemas.openxmlformats.org/officeDocument/2006/customXml" ds:itemID="{FE86B839-7668-43C5-82C0-CC854DC0472B}">
-  <ds:schemaRefs>
-    <ds:schemaRef ds:uri="http://schemas.microsoft.com/VisualStudio/2011/storyboarding/control"/>
-  </ds:schemaRefs>
-</ds:datastoreItem>
-</file>
-
-<file path=customXml/itemProps29.xml><?xml version="1.0" encoding="utf-8"?>
-<ds:datastoreItem xmlns:ds="http://schemas.openxmlformats.org/officeDocument/2006/customXml" ds:itemID="{90EAA474-3AB7-487A-9079-9B0AE873626F}">
-  <ds:schemaRefs>
-    <ds:schemaRef ds:uri="http://schemas.microsoft.com/VisualStudio/2011/storyboarding/control"/>
-  </ds:schemaRefs>
-</ds:datastoreItem>
-</file>
-
-<file path=customXml/itemProps290.xml><?xml version="1.0" encoding="utf-8"?>
-<ds:datastoreItem xmlns:ds="http://schemas.openxmlformats.org/officeDocument/2006/customXml" ds:itemID="{A846728F-361C-42B5-A68F-6243A03724F7}">
-  <ds:schemaRefs>
-    <ds:schemaRef ds:uri="http://schemas.microsoft.com/VisualStudio/2011/storyboarding/control"/>
-  </ds:schemaRefs>
-</ds:datastoreItem>
-</file>
-
-<file path=customXml/itemProps291.xml><?xml version="1.0" encoding="utf-8"?>
-<ds:datastoreItem xmlns:ds="http://schemas.openxmlformats.org/officeDocument/2006/customXml" ds:itemID="{5802AE79-1D4B-481F-AE9F-031D546FD7CE}">
-  <ds:schemaRefs>
-    <ds:schemaRef ds:uri="http://schemas.microsoft.com/VisualStudio/2011/storyboarding/control"/>
-  </ds:schemaRefs>
-</ds:datastoreItem>
-</file>
-
-<file path=customXml/itemProps292.xml><?xml version="1.0" encoding="utf-8"?>
-<ds:datastoreItem xmlns:ds="http://schemas.openxmlformats.org/officeDocument/2006/customXml" ds:itemID="{5D2143CA-34F9-4969-9FE0-572B1C1A3C44}">
-  <ds:schemaRefs>
-    <ds:schemaRef ds:uri="http://schemas.microsoft.com/VisualStudio/2011/storyboarding/control"/>
-  </ds:schemaRefs>
-</ds:datastoreItem>
-</file>
-
-<file path=customXml/itemProps293.xml><?xml version="1.0" encoding="utf-8"?>
-<ds:datastoreItem xmlns:ds="http://schemas.openxmlformats.org/officeDocument/2006/customXml" ds:itemID="{E122DFB9-543A-4200-A2BA-1912699A7065}">
-  <ds:schemaRefs>
-    <ds:schemaRef ds:uri="http://schemas.microsoft.com/VisualStudio/2011/storyboarding/control"/>
-  </ds:schemaRefs>
-</ds:datastoreItem>
-</file>
-
-<file path=customXml/itemProps294.xml><?xml version="1.0" encoding="utf-8"?>
-<ds:datastoreItem xmlns:ds="http://schemas.openxmlformats.org/officeDocument/2006/customXml" ds:itemID="{DFC4BA27-EE3A-4A28-A4A7-7B1E76E7DBB3}">
-  <ds:schemaRefs>
-    <ds:schemaRef ds:uri="http://schemas.microsoft.com/VisualStudio/2011/storyboarding/control"/>
-  </ds:schemaRefs>
-</ds:datastoreItem>
-</file>
-
-<file path=customXml/itemProps295.xml><?xml version="1.0" encoding="utf-8"?>
-<ds:datastoreItem xmlns:ds="http://schemas.openxmlformats.org/officeDocument/2006/customXml" ds:itemID="{8D3B4A51-C576-49D2-A996-985DC68FA7D2}">
-  <ds:schemaRefs>
-    <ds:schemaRef ds:uri="http://schemas.microsoft.com/VisualStudio/2011/storyboarding/control"/>
-  </ds:schemaRefs>
-</ds:datastoreItem>
-</file>
-
-<file path=customXml/itemProps296.xml><?xml version="1.0" encoding="utf-8"?>
-<ds:datastoreItem xmlns:ds="http://schemas.openxmlformats.org/officeDocument/2006/customXml" ds:itemID="{11E4110D-CF95-4EEA-8FFB-9C414F62C357}">
-  <ds:schemaRefs>
-    <ds:schemaRef ds:uri="http://schemas.microsoft.com/VisualStudio/2011/storyboarding/control"/>
-  </ds:schemaRefs>
-</ds:datastoreItem>
-</file>
-
-<file path=customXml/itemProps297.xml><?xml version="1.0" encoding="utf-8"?>
-<ds:datastoreItem xmlns:ds="http://schemas.openxmlformats.org/officeDocument/2006/customXml" ds:itemID="{CBFD31DF-E513-42F0-BFDE-A451DB4DBA4C}">
-  <ds:schemaRefs>
-    <ds:schemaRef ds:uri="http://schemas.microsoft.com/VisualStudio/2011/storyboarding/control"/>
-  </ds:schemaRefs>
-</ds:datastoreItem>
-</file>
-
-<file path=customXml/itemProps298.xml><?xml version="1.0" encoding="utf-8"?>
-<ds:datastoreItem xmlns:ds="http://schemas.openxmlformats.org/officeDocument/2006/customXml" ds:itemID="{B6677859-B177-4B7B-AC70-C6080008691A}">
-  <ds:schemaRefs>
-    <ds:schemaRef ds:uri="http://schemas.microsoft.com/VisualStudio/2011/storyboarding/control"/>
-  </ds:schemaRefs>
-</ds:datastoreItem>
-</file>
-
-<file path=customXml/itemProps299.xml><?xml version="1.0" encoding="utf-8"?>
-<ds:datastoreItem xmlns:ds="http://schemas.openxmlformats.org/officeDocument/2006/customXml" ds:itemID="{643CC93A-F61B-4C55-9BA1-1D0256240388}">
-  <ds:schemaRefs>
-    <ds:schemaRef ds:uri="http://schemas.microsoft.com/VisualStudio/2011/storyboarding/control"/>
-  </ds:schemaRefs>
-</ds:datastoreItem>
-</file>
-
-<file path=customXml/itemProps3.xml><?xml version="1.0" encoding="utf-8"?>
-<ds:datastoreItem xmlns:ds="http://schemas.openxmlformats.org/officeDocument/2006/customXml" ds:itemID="{78E3DC21-8D2E-45DA-8933-EA7651D2BD80}">
-  <ds:schemaRefs>
-    <ds:schemaRef ds:uri="http://schemas.microsoft.com/VisualStudio/2011/storyboarding/control"/>
-  </ds:schemaRefs>
-</ds:datastoreItem>
-</file>
-
-<file path=customXml/itemProps30.xml><?xml version="1.0" encoding="utf-8"?>
-<ds:datastoreItem xmlns:ds="http://schemas.openxmlformats.org/officeDocument/2006/customXml" ds:itemID="{996D0C3E-9689-4071-989C-AE850CF7FDD0}">
-  <ds:schemaRefs>
-    <ds:schemaRef ds:uri="http://schemas.microsoft.com/VisualStudio/2011/storyboarding/control"/>
-  </ds:schemaRefs>
-</ds:datastoreItem>
-</file>
-
-<file path=customXml/itemProps300.xml><?xml version="1.0" encoding="utf-8"?>
-<ds:datastoreItem xmlns:ds="http://schemas.openxmlformats.org/officeDocument/2006/customXml" ds:itemID="{1E0749F9-F6FF-42FB-A9D7-C3E5ECDEE0F1}">
-  <ds:schemaRefs>
-    <ds:schemaRef ds:uri="http://schemas.microsoft.com/VisualStudio/2011/storyboarding/control"/>
-  </ds:schemaRefs>
-</ds:datastoreItem>
-</file>
-
-<file path=customXml/itemProps301.xml><?xml version="1.0" encoding="utf-8"?>
-<ds:datastoreItem xmlns:ds="http://schemas.openxmlformats.org/officeDocument/2006/customXml" ds:itemID="{CB095636-C5CB-4BEF-A40F-C5E8671592D1}">
-  <ds:schemaRefs>
-    <ds:schemaRef ds:uri="http://schemas.microsoft.com/VisualStudio/2011/storyboarding/control"/>
-  </ds:schemaRefs>
-</ds:datastoreItem>
-</file>
-
-<file path=customXml/itemProps302.xml><?xml version="1.0" encoding="utf-8"?>
-<ds:datastoreItem xmlns:ds="http://schemas.openxmlformats.org/officeDocument/2006/customXml" ds:itemID="{8AF431A9-BF08-4BD0-A780-EC38485A3187}">
-  <ds:schemaRefs>
-    <ds:schemaRef ds:uri="http://schemas.microsoft.com/VisualStudio/2011/storyboarding/control"/>
-  </ds:schemaRefs>
-</ds:datastoreItem>
-</file>
-
-<file path=customXml/itemProps303.xml><?xml version="1.0" encoding="utf-8"?>
-<ds:datastoreItem xmlns:ds="http://schemas.openxmlformats.org/officeDocument/2006/customXml" ds:itemID="{C69B6E2F-C3BC-461E-B8E6-DCFFBFA5EBE0}">
-  <ds:schemaRefs>
-    <ds:schemaRef ds:uri="http://schemas.microsoft.com/VisualStudio/2011/storyboarding/control"/>
-  </ds:schemaRefs>
-</ds:datastoreItem>
-</file>
-
-<file path=customXml/itemProps304.xml><?xml version="1.0" encoding="utf-8"?>
-<ds:datastoreItem xmlns:ds="http://schemas.openxmlformats.org/officeDocument/2006/customXml" ds:itemID="{BF2BF6A4-4EC3-4DB6-B461-51BD5F86F3E4}">
-  <ds:schemaRefs>
-    <ds:schemaRef ds:uri="http://schemas.microsoft.com/VisualStudio/2011/storyboarding/control"/>
-  </ds:schemaRefs>
-</ds:datastoreItem>
-</file>
-
-<file path=customXml/itemProps305.xml><?xml version="1.0" encoding="utf-8"?>
-<ds:datastoreItem xmlns:ds="http://schemas.openxmlformats.org/officeDocument/2006/customXml" ds:itemID="{0512EDEA-3EA1-4527-9B17-E618A3C1B5E2}">
-  <ds:schemaRefs>
-    <ds:schemaRef ds:uri="http://schemas.microsoft.com/VisualStudio/2011/storyboarding/control"/>
-  </ds:schemaRefs>
-</ds:datastoreItem>
-</file>
-
-<file path=customXml/itemProps306.xml><?xml version="1.0" encoding="utf-8"?>
-<ds:datastoreItem xmlns:ds="http://schemas.openxmlformats.org/officeDocument/2006/customXml" ds:itemID="{0B3DDA0A-E490-4707-A3B7-C61C97D6EB56}">
-  <ds:schemaRefs>
-    <ds:schemaRef ds:uri="http://schemas.microsoft.com/VisualStudio/2011/storyboarding/control"/>
-  </ds:schemaRefs>
-</ds:datastoreItem>
-</file>
-
-<file path=customXml/itemProps307.xml><?xml version="1.0" encoding="utf-8"?>
-<ds:datastoreItem xmlns:ds="http://schemas.openxmlformats.org/officeDocument/2006/customXml" ds:itemID="{3DF2B7D0-7790-4931-856C-0052A3987677}">
-  <ds:schemaRefs>
-    <ds:schemaRef ds:uri="http://schemas.microsoft.com/VisualStudio/2011/storyboarding/control"/>
-  </ds:schemaRefs>
-</ds:datastoreItem>
-</file>
-
-<file path=customXml/itemProps308.xml><?xml version="1.0" encoding="utf-8"?>
-<ds:datastoreItem xmlns:ds="http://schemas.openxmlformats.org/officeDocument/2006/customXml" ds:itemID="{D2F41456-B3D8-454F-B1D9-7549C0A00CD6}">
-  <ds:schemaRefs>
-    <ds:schemaRef ds:uri="http://schemas.microsoft.com/VisualStudio/2011/storyboarding/control"/>
-  </ds:schemaRefs>
-</ds:datastoreItem>
-</file>
-
-<file path=customXml/itemProps309.xml><?xml version="1.0" encoding="utf-8"?>
-<ds:datastoreItem xmlns:ds="http://schemas.openxmlformats.org/officeDocument/2006/customXml" ds:itemID="{7463D96E-2ECA-410B-91BB-BA2264EF8B9B}">
-  <ds:schemaRefs>
-    <ds:schemaRef ds:uri="http://schemas.microsoft.com/VisualStudio/2011/storyboarding/control"/>
-  </ds:schemaRefs>
-</ds:datastoreItem>
-</file>
-
-<file path=customXml/itemProps31.xml><?xml version="1.0" encoding="utf-8"?>
-<ds:datastoreItem xmlns:ds="http://schemas.openxmlformats.org/officeDocument/2006/customXml" ds:itemID="{A312B8E6-1370-44D7-BD1F-51828CABC0C4}">
-  <ds:schemaRefs>
-    <ds:schemaRef ds:uri="http://schemas.microsoft.com/VisualStudio/2011/storyboarding/control"/>
-  </ds:schemaRefs>
-</ds:datastoreItem>
-</file>
-
-<file path=customXml/itemProps310.xml><?xml version="1.0" encoding="utf-8"?>
-<ds:datastoreItem xmlns:ds="http://schemas.openxmlformats.org/officeDocument/2006/customXml" ds:itemID="{258917D9-A883-4696-8858-4D509FD5F52B}">
-  <ds:schemaRefs>
-    <ds:schemaRef ds:uri="http://schemas.microsoft.com/VisualStudio/2011/storyboarding/control"/>
-  </ds:schemaRefs>
-</ds:datastoreItem>
-</file>
-
-<file path=customXml/itemProps311.xml><?xml version="1.0" encoding="utf-8"?>
-<ds:datastoreItem xmlns:ds="http://schemas.openxmlformats.org/officeDocument/2006/customXml" ds:itemID="{FFDC57D8-70E8-4A78-A544-39E269362B77}">
-  <ds:schemaRefs>
-    <ds:schemaRef ds:uri="http://schemas.microsoft.com/VisualStudio/2011/storyboarding/control"/>
-  </ds:schemaRefs>
-</ds:datastoreItem>
-</file>
-
-<file path=customXml/itemProps312.xml><?xml version="1.0" encoding="utf-8"?>
-<ds:datastoreItem xmlns:ds="http://schemas.openxmlformats.org/officeDocument/2006/customXml" ds:itemID="{B4942043-A538-454C-BD77-9CAD6710E195}">
-  <ds:schemaRefs>
-    <ds:schemaRef ds:uri="http://schemas.microsoft.com/VisualStudio/2011/storyboarding/control"/>
-  </ds:schemaRefs>
-</ds:datastoreItem>
-</file>
-
-<file path=customXml/itemProps313.xml><?xml version="1.0" encoding="utf-8"?>
-<ds:datastoreItem xmlns:ds="http://schemas.openxmlformats.org/officeDocument/2006/customXml" ds:itemID="{5FFF9015-846B-44AB-BE62-1ABB7B095C16}">
-  <ds:schemaRefs>
-    <ds:schemaRef ds:uri="http://schemas.microsoft.com/VisualStudio/2011/storyboarding/control"/>
-  </ds:schemaRefs>
-</ds:datastoreItem>
-</file>
-
-<file path=customXml/itemProps314.xml><?xml version="1.0" encoding="utf-8"?>
-<ds:datastoreItem xmlns:ds="http://schemas.openxmlformats.org/officeDocument/2006/customXml" ds:itemID="{8657ADC1-E960-48DC-919F-B8C8C0DE04B6}">
-  <ds:schemaRefs>
-    <ds:schemaRef ds:uri="http://schemas.microsoft.com/VisualStudio/2011/storyboarding/control"/>
-  </ds:schemaRefs>
-</ds:datastoreItem>
-</file>
-
-<file path=customXml/itemProps315.xml><?xml version="1.0" encoding="utf-8"?>
-<ds:datastoreItem xmlns:ds="http://schemas.openxmlformats.org/officeDocument/2006/customXml" ds:itemID="{45DD395C-B308-4B96-87E1-914FD6E40852}">
-  <ds:schemaRefs>
-    <ds:schemaRef ds:uri="http://schemas.microsoft.com/VisualStudio/2011/storyboarding/control"/>
-  </ds:schemaRefs>
-</ds:datastoreItem>
-</file>
-
-<file path=customXml/itemProps316.xml><?xml version="1.0" encoding="utf-8"?>
-<ds:datastoreItem xmlns:ds="http://schemas.openxmlformats.org/officeDocument/2006/customXml" ds:itemID="{65614E93-2C50-42A4-9EB7-366D9C102A55}">
-  <ds:schemaRefs>
-    <ds:schemaRef ds:uri="http://schemas.microsoft.com/VisualStudio/2011/storyboarding/control"/>
-  </ds:schemaRefs>
-</ds:datastoreItem>
-</file>
-
-<file path=customXml/itemProps317.xml><?xml version="1.0" encoding="utf-8"?>
-<ds:datastoreItem xmlns:ds="http://schemas.openxmlformats.org/officeDocument/2006/customXml" ds:itemID="{8FACE5F0-B168-405F-AF8C-70D181584E79}">
-  <ds:schemaRefs>
-    <ds:schemaRef ds:uri="http://schemas.microsoft.com/VisualStudio/2011/storyboarding/control"/>
-  </ds:schemaRefs>
-</ds:datastoreItem>
-</file>
-
-<file path=customXml/itemProps318.xml><?xml version="1.0" encoding="utf-8"?>
-<ds:datastoreItem xmlns:ds="http://schemas.openxmlformats.org/officeDocument/2006/customXml" ds:itemID="{3C0EEA6E-C87B-4447-BE3E-43DAC0D0FCD4}">
-  <ds:schemaRefs>
-    <ds:schemaRef ds:uri="http://schemas.microsoft.com/VisualStudio/2011/storyboarding/control"/>
-  </ds:schemaRefs>
-</ds:datastoreItem>
-</file>
-
-<file path=customXml/itemProps319.xml><?xml version="1.0" encoding="utf-8"?>
-<ds:datastoreItem xmlns:ds="http://schemas.openxmlformats.org/officeDocument/2006/customXml" ds:itemID="{122AF3B9-9E19-47E8-BB26-5FC85688BA5A}">
-  <ds:schemaRefs>
-    <ds:schemaRef ds:uri="http://schemas.microsoft.com/VisualStudio/2011/storyboarding/control"/>
-  </ds:schemaRefs>
-</ds:datastoreItem>
-</file>
-
-<file path=customXml/itemProps32.xml><?xml version="1.0" encoding="utf-8"?>
-<ds:datastoreItem xmlns:ds="http://schemas.openxmlformats.org/officeDocument/2006/customXml" ds:itemID="{83C93A91-E87D-4C18-B0C5-D1ADC1FF6218}">
-  <ds:schemaRefs>
-    <ds:schemaRef ds:uri="http://schemas.microsoft.com/VisualStudio/2011/storyboarding/control"/>
-  </ds:schemaRefs>
-</ds:datastoreItem>
-</file>
-
-<file path=customXml/itemProps320.xml><?xml version="1.0" encoding="utf-8"?>
-<ds:datastoreItem xmlns:ds="http://schemas.openxmlformats.org/officeDocument/2006/customXml" ds:itemID="{1A5396DD-9080-4B99-95D8-64D9A83F183E}">
-  <ds:schemaRefs>
-    <ds:schemaRef ds:uri="http://schemas.microsoft.com/VisualStudio/2011/storyboarding/control"/>
-  </ds:schemaRefs>
-</ds:datastoreItem>
-</file>
-
-<file path=customXml/itemProps321.xml><?xml version="1.0" encoding="utf-8"?>
-<ds:datastoreItem xmlns:ds="http://schemas.openxmlformats.org/officeDocument/2006/customXml" ds:itemID="{D6494453-72AC-4CA0-8B11-435228DCD29A}">
-  <ds:schemaRefs>
-    <ds:schemaRef ds:uri="http://schemas.microsoft.com/VisualStudio/2011/storyboarding/control"/>
-  </ds:schemaRefs>
-</ds:datastoreItem>
-</file>
-
-<file path=customXml/itemProps322.xml><?xml version="1.0" encoding="utf-8"?>
-<ds:datastoreItem xmlns:ds="http://schemas.openxmlformats.org/officeDocument/2006/customXml" ds:itemID="{C7E374A0-5595-4F3D-A445-F45CA2D87AE7}">
-  <ds:schemaRefs>
-    <ds:schemaRef ds:uri="http://schemas.microsoft.com/VisualStudio/2011/storyboarding/control"/>
-  </ds:schemaRefs>
-</ds:datastoreItem>
-</file>
-
-<file path=customXml/itemProps323.xml><?xml version="1.0" encoding="utf-8"?>
-<ds:datastoreItem xmlns:ds="http://schemas.openxmlformats.org/officeDocument/2006/customXml" ds:itemID="{8B83EB0A-FD15-4E1B-98B9-271FD78B4A8D}">
-  <ds:schemaRefs>
-    <ds:schemaRef ds:uri="http://schemas.microsoft.com/VisualStudio/2011/storyboarding/control"/>
-  </ds:schemaRefs>
-</ds:datastoreItem>
-</file>
-
-<file path=customXml/itemProps324.xml><?xml version="1.0" encoding="utf-8"?>
-<ds:datastoreItem xmlns:ds="http://schemas.openxmlformats.org/officeDocument/2006/customXml" ds:itemID="{87B3B4CD-0E68-44A0-9D24-6E79DEC855D9}">
-  <ds:schemaRefs>
-    <ds:schemaRef ds:uri="http://schemas.microsoft.com/VisualStudio/2011/storyboarding/control"/>
-  </ds:schemaRefs>
-</ds:datastoreItem>
-</file>
-
-<file path=customXml/itemProps325.xml><?xml version="1.0" encoding="utf-8"?>
-<ds:datastoreItem xmlns:ds="http://schemas.openxmlformats.org/officeDocument/2006/customXml" ds:itemID="{A436C3F9-C01E-421A-AA53-0686B1804868}">
-  <ds:schemaRefs>
-    <ds:schemaRef ds:uri="http://schemas.microsoft.com/VisualStudio/2011/storyboarding/control"/>
-  </ds:schemaRefs>
-</ds:datastoreItem>
-</file>
-
-<file path=customXml/itemProps326.xml><?xml version="1.0" encoding="utf-8"?>
-<ds:datastoreItem xmlns:ds="http://schemas.openxmlformats.org/officeDocument/2006/customXml" ds:itemID="{A34CB06E-319F-4F5D-84F2-B6726A106FF1}">
-  <ds:schemaRefs>
-    <ds:schemaRef ds:uri="http://schemas.microsoft.com/VisualStudio/2011/storyboarding/control"/>
-  </ds:schemaRefs>
-</ds:datastoreItem>
-</file>
-
-<file path=customXml/itemProps327.xml><?xml version="1.0" encoding="utf-8"?>
-<ds:datastoreItem xmlns:ds="http://schemas.openxmlformats.org/officeDocument/2006/customXml" ds:itemID="{6A810CBD-B6A2-401B-A9BC-DABB4BC4F334}">
-  <ds:schemaRefs>
-    <ds:schemaRef ds:uri="http://schemas.microsoft.com/VisualStudio/2011/storyboarding/control"/>
-  </ds:schemaRefs>
-</ds:datastoreItem>
-</file>
-
-<file path=customXml/itemProps328.xml><?xml version="1.0" encoding="utf-8"?>
-<ds:datastoreItem xmlns:ds="http://schemas.openxmlformats.org/officeDocument/2006/customXml" ds:itemID="{0A248982-2D27-415F-82A9-7D157D116772}">
-  <ds:schemaRefs>
-    <ds:schemaRef ds:uri="http://schemas.microsoft.com/VisualStudio/2011/storyboarding/control"/>
-  </ds:schemaRefs>
-</ds:datastoreItem>
-</file>
-
-<file path=customXml/itemProps329.xml><?xml version="1.0" encoding="utf-8"?>
-<ds:datastoreItem xmlns:ds="http://schemas.openxmlformats.org/officeDocument/2006/customXml" ds:itemID="{53106773-D6F2-41AD-9860-407045754501}">
-  <ds:schemaRefs>
-    <ds:schemaRef ds:uri="http://schemas.microsoft.com/VisualStudio/2011/storyboarding/control"/>
-  </ds:schemaRefs>
-</ds:datastoreItem>
-</file>
-
-<file path=customXml/itemProps33.xml><?xml version="1.0" encoding="utf-8"?>
-<ds:datastoreItem xmlns:ds="http://schemas.openxmlformats.org/officeDocument/2006/customXml" ds:itemID="{009DA1A9-4EDC-4475-A44D-605F6441F2B4}">
-  <ds:schemaRefs>
-    <ds:schemaRef ds:uri="http://schemas.microsoft.com/VisualStudio/2011/storyboarding/control"/>
-  </ds:schemaRefs>
-</ds:datastoreItem>
-</file>
-
-<file path=customXml/itemProps330.xml><?xml version="1.0" encoding="utf-8"?>
-<ds:datastoreItem xmlns:ds="http://schemas.openxmlformats.org/officeDocument/2006/customXml" ds:itemID="{F1ECC984-C114-4A79-B5B6-12711CAF99BF}">
-  <ds:schemaRefs>
-    <ds:schemaRef ds:uri="http://schemas.microsoft.com/VisualStudio/2011/storyboarding/control"/>
-  </ds:schemaRefs>
-</ds:datastoreItem>
-</file>
-
-<file path=customXml/itemProps331.xml><?xml version="1.0" encoding="utf-8"?>
-<ds:datastoreItem xmlns:ds="http://schemas.openxmlformats.org/officeDocument/2006/customXml" ds:itemID="{4F214AE2-92D0-4CA1-90F2-CFEEEDA42A43}">
-  <ds:schemaRefs>
-    <ds:schemaRef ds:uri="http://schemas.microsoft.com/VisualStudio/2011/storyboarding/control"/>
-  </ds:schemaRefs>
-</ds:datastoreItem>
-</file>
-
-<file path=customXml/itemProps332.xml><?xml version="1.0" encoding="utf-8"?>
-<ds:datastoreItem xmlns:ds="http://schemas.openxmlformats.org/officeDocument/2006/customXml" ds:itemID="{52A63756-CF17-41B8-A031-BAA923C95F8F}">
-  <ds:schemaRefs>
-    <ds:schemaRef ds:uri="http://schemas.microsoft.com/VisualStudio/2011/storyboarding/control"/>
-  </ds:schemaRefs>
-</ds:datastoreItem>
-</file>
-
-<file path=customXml/itemProps333.xml><?xml version="1.0" encoding="utf-8"?>
-<ds:datastoreItem xmlns:ds="http://schemas.openxmlformats.org/officeDocument/2006/customXml" ds:itemID="{EF0E9FE0-6566-49BC-A80B-F3C0C6151F37}">
-  <ds:schemaRefs>
-    <ds:schemaRef ds:uri="http://schemas.microsoft.com/VisualStudio/2011/storyboarding/control"/>
-  </ds:schemaRefs>
-</ds:datastoreItem>
-</file>
-
-<file path=customXml/itemProps334.xml><?xml version="1.0" encoding="utf-8"?>
-<ds:datastoreItem xmlns:ds="http://schemas.openxmlformats.org/officeDocument/2006/customXml" ds:itemID="{ACAC4340-9ABF-4D69-B98A-AE03B48E083A}">
-  <ds:schemaRefs>
-    <ds:schemaRef ds:uri="http://schemas.microsoft.com/VisualStudio/2011/storyboarding/control"/>
-  </ds:schemaRefs>
-</ds:datastoreItem>
-</file>
-
-<file path=customXml/itemProps335.xml><?xml version="1.0" encoding="utf-8"?>
-<ds:datastoreItem xmlns:ds="http://schemas.openxmlformats.org/officeDocument/2006/customXml" ds:itemID="{EAB4794E-8C10-4B92-ACA3-FB387A84B934}">
-  <ds:schemaRefs>
-    <ds:schemaRef ds:uri="http://schemas.microsoft.com/VisualStudio/2011/storyboarding/control"/>
-  </ds:schemaRefs>
-</ds:datastoreItem>
-</file>
-
-<file path=customXml/itemProps336.xml><?xml version="1.0" encoding="utf-8"?>
-<ds:datastoreItem xmlns:ds="http://schemas.openxmlformats.org/officeDocument/2006/customXml" ds:itemID="{640C65F3-119C-4E3B-91A4-28D3D9CB3363}">
-  <ds:schemaRefs>
-    <ds:schemaRef ds:uri="http://schemas.microsoft.com/VisualStudio/2011/storyboarding/control"/>
-  </ds:schemaRefs>
-</ds:datastoreItem>
-</file>
-
-<file path=customXml/itemProps337.xml><?xml version="1.0" encoding="utf-8"?>
-<ds:datastoreItem xmlns:ds="http://schemas.openxmlformats.org/officeDocument/2006/customXml" ds:itemID="{A7FB4AC3-2841-4AA1-9049-865B37478516}">
-  <ds:schemaRefs>
-    <ds:schemaRef ds:uri="http://schemas.microsoft.com/VisualStudio/2011/storyboarding/control"/>
-  </ds:schemaRefs>
-</ds:datastoreItem>
-</file>
-
-<file path=customXml/itemProps338.xml><?xml version="1.0" encoding="utf-8"?>
-<ds:datastoreItem xmlns:ds="http://schemas.openxmlformats.org/officeDocument/2006/customXml" ds:itemID="{907F2140-DE32-46B5-9821-19C5D20389DC}">
-  <ds:schemaRefs>
-    <ds:schemaRef ds:uri="http://schemas.microsoft.com/VisualStudio/2011/storyboarding/control"/>
-  </ds:schemaRefs>
-</ds:datastoreItem>
-</file>
-
-<file path=customXml/itemProps339.xml><?xml version="1.0" encoding="utf-8"?>
-<ds:datastoreItem xmlns:ds="http://schemas.openxmlformats.org/officeDocument/2006/customXml" ds:itemID="{05863F5F-9837-4646-90D1-D287455017FC}">
-  <ds:schemaRefs>
-    <ds:schemaRef ds:uri="http://schemas.microsoft.com/VisualStudio/2011/storyboarding/control"/>
-  </ds:schemaRefs>
-</ds:datastoreItem>
-</file>
-
-<file path=customXml/itemProps34.xml><?xml version="1.0" encoding="utf-8"?>
-<ds:datastoreItem xmlns:ds="http://schemas.openxmlformats.org/officeDocument/2006/customXml" ds:itemID="{8DC627A3-C11E-481E-90BC-D2158B5B3F88}">
-  <ds:schemaRefs>
-    <ds:schemaRef ds:uri="http://schemas.microsoft.com/VisualStudio/2011/storyboarding/control"/>
-  </ds:schemaRefs>
-</ds:datastoreItem>
-</file>
-
-<file path=customXml/itemProps340.xml><?xml version="1.0" encoding="utf-8"?>
-<ds:datastoreItem xmlns:ds="http://schemas.openxmlformats.org/officeDocument/2006/customXml" ds:itemID="{56C8B13E-4F0E-47AE-B6E1-90A2DD7D6C49}">
-  <ds:schemaRefs>
-    <ds:schemaRef ds:uri="http://schemas.microsoft.com/VisualStudio/2011/storyboarding/control"/>
-  </ds:schemaRefs>
-</ds:datastoreItem>
-</file>
-
-<file path=customXml/itemProps341.xml><?xml version="1.0" encoding="utf-8"?>
-<ds:datastoreItem xmlns:ds="http://schemas.openxmlformats.org/officeDocument/2006/customXml" ds:itemID="{2CB7863B-20F4-462E-98FA-2839183EF78E}">
-  <ds:schemaRefs>
-    <ds:schemaRef ds:uri="http://schemas.microsoft.com/VisualStudio/2011/storyboarding/control"/>
-  </ds:schemaRefs>
-</ds:datastoreItem>
-</file>
-
-<file path=customXml/itemProps342.xml><?xml version="1.0" encoding="utf-8"?>
-<ds:datastoreItem xmlns:ds="http://schemas.openxmlformats.org/officeDocument/2006/customXml" ds:itemID="{4C39ED51-B84D-419E-8011-AAC229344880}">
-  <ds:schemaRefs>
-    <ds:schemaRef ds:uri="http://schemas.microsoft.com/VisualStudio/2011/storyboarding/control"/>
-  </ds:schemaRefs>
-</ds:datastoreItem>
-</file>
-
-<file path=customXml/itemProps343.xml><?xml version="1.0" encoding="utf-8"?>
-<ds:datastoreItem xmlns:ds="http://schemas.openxmlformats.org/officeDocument/2006/customXml" ds:itemID="{010BDB96-5D8F-41E4-AC2C-9C9F3A2E3BFC}">
-  <ds:schemaRefs>
-    <ds:schemaRef ds:uri="http://schemas.microsoft.com/VisualStudio/2011/storyboarding/control"/>
-  </ds:schemaRefs>
-</ds:datastoreItem>
-</file>
-
-<file path=customXml/itemProps344.xml><?xml version="1.0" encoding="utf-8"?>
-<ds:datastoreItem xmlns:ds="http://schemas.openxmlformats.org/officeDocument/2006/customXml" ds:itemID="{31D05E97-816A-4979-8EA8-34B6BB18A5F9}">
-  <ds:schemaRefs>
-    <ds:schemaRef ds:uri="http://schemas.microsoft.com/VisualStudio/2011/storyboarding/control"/>
-  </ds:schemaRefs>
-</ds:datastoreItem>
-</file>
-
-<file path=customXml/itemProps345.xml><?xml version="1.0" encoding="utf-8"?>
-<ds:datastoreItem xmlns:ds="http://schemas.openxmlformats.org/officeDocument/2006/customXml" ds:itemID="{7EFB7A73-F17F-426F-BDF1-964909CB2213}">
-  <ds:schemaRefs>
-    <ds:schemaRef ds:uri="http://schemas.microsoft.com/VisualStudio/2011/storyboarding/control"/>
-  </ds:schemaRefs>
-</ds:datastoreItem>
-</file>
-
-<file path=customXml/itemProps346.xml><?xml version="1.0" encoding="utf-8"?>
-<ds:datastoreItem xmlns:ds="http://schemas.openxmlformats.org/officeDocument/2006/customXml" ds:itemID="{5D814732-67D5-4A14-A5D6-326249B978DE}">
-  <ds:schemaRefs>
-    <ds:schemaRef ds:uri="http://schemas.microsoft.com/VisualStudio/2011/storyboarding/control"/>
-  </ds:schemaRefs>
-</ds:datastoreItem>
-</file>
-
-<file path=customXml/itemProps347.xml><?xml version="1.0" encoding="utf-8"?>
-<ds:datastoreItem xmlns:ds="http://schemas.openxmlformats.org/officeDocument/2006/customXml" ds:itemID="{6A6DEB17-F166-42A7-ACE5-734B9AF98B31}">
-  <ds:schemaRefs>
-    <ds:schemaRef ds:uri="http://schemas.microsoft.com/VisualStudio/2011/storyboarding/control"/>
-  </ds:schemaRefs>
-</ds:datastoreItem>
-</file>
-
-<file path=customXml/itemProps348.xml><?xml version="1.0" encoding="utf-8"?>
-<ds:datastoreItem xmlns:ds="http://schemas.openxmlformats.org/officeDocument/2006/customXml" ds:itemID="{85E99725-0099-485A-A834-071AD18207F2}">
-  <ds:schemaRefs>
-    <ds:schemaRef ds:uri="http://schemas.microsoft.com/VisualStudio/2011/storyboarding/control"/>
-  </ds:schemaRefs>
-</ds:datastoreItem>
-</file>
-
-<file path=customXml/itemProps349.xml><?xml version="1.0" encoding="utf-8"?>
-<ds:datastoreItem xmlns:ds="http://schemas.openxmlformats.org/officeDocument/2006/customXml" ds:itemID="{BFFBFCF5-31FB-417E-87BB-79121180283E}">
-  <ds:schemaRefs>
-    <ds:schemaRef ds:uri="http://schemas.microsoft.com/VisualStudio/2011/storyboarding/control"/>
-  </ds:schemaRefs>
-</ds:datastoreItem>
-</file>
-
-<file path=customXml/itemProps35.xml><?xml version="1.0" encoding="utf-8"?>
-<ds:datastoreItem xmlns:ds="http://schemas.openxmlformats.org/officeDocument/2006/customXml" ds:itemID="{AFC8C9F0-6377-4C9A-B6DD-944F29A4793F}">
-  <ds:schemaRefs>
-    <ds:schemaRef ds:uri="http://schemas.microsoft.com/VisualStudio/2011/storyboarding/control"/>
-  </ds:schemaRefs>
-</ds:datastoreItem>
-</file>
-
-<file path=customXml/itemProps350.xml><?xml version="1.0" encoding="utf-8"?>
-<ds:datastoreItem xmlns:ds="http://schemas.openxmlformats.org/officeDocument/2006/customXml" ds:itemID="{3D8B9A4A-447D-43BA-A01C-CC7B373F7666}">
-  <ds:schemaRefs>
-    <ds:schemaRef ds:uri="http://schemas.microsoft.com/VisualStudio/2011/storyboarding/control"/>
-  </ds:schemaRefs>
-</ds:datastoreItem>
-</file>
-
-<file path=customXml/itemProps351.xml><?xml version="1.0" encoding="utf-8"?>
-<ds:datastoreItem xmlns:ds="http://schemas.openxmlformats.org/officeDocument/2006/customXml" ds:itemID="{9732FB50-344B-4D86-86A2-5027AFEA0420}">
-  <ds:schemaRefs>
-    <ds:schemaRef ds:uri="http://schemas.microsoft.com/VisualStudio/2011/storyboarding/control"/>
-  </ds:schemaRefs>
-</ds:datastoreItem>
-</file>
-
-<file path=customXml/itemProps352.xml><?xml version="1.0" encoding="utf-8"?>
-<ds:datastoreItem xmlns:ds="http://schemas.openxmlformats.org/officeDocument/2006/customXml" ds:itemID="{EFFB93B5-B0D0-477D-8AE8-DE814E5FD371}">
-  <ds:schemaRefs>
-    <ds:schemaRef ds:uri="http://schemas.microsoft.com/VisualStudio/2011/storyboarding/control"/>
-  </ds:schemaRefs>
-</ds:datastoreItem>
-</file>
-
-<file path=customXml/itemProps353.xml><?xml version="1.0" encoding="utf-8"?>
-<ds:datastoreItem xmlns:ds="http://schemas.openxmlformats.org/officeDocument/2006/customXml" ds:itemID="{3B670321-FF43-42C8-9B46-9CBEDCF3DC7D}">
-  <ds:schemaRefs>
-    <ds:schemaRef ds:uri="http://schemas.microsoft.com/VisualStudio/2011/storyboarding/control"/>
-  </ds:schemaRefs>
-</ds:datastoreItem>
-</file>
-
-<file path=customXml/itemProps354.xml><?xml version="1.0" encoding="utf-8"?>
-<ds:datastoreItem xmlns:ds="http://schemas.openxmlformats.org/officeDocument/2006/customXml" ds:itemID="{F8D831ED-3961-452C-9368-626AEA884430}">
-  <ds:schemaRefs>
-    <ds:schemaRef ds:uri="http://schemas.microsoft.com/VisualStudio/2011/storyboarding/control"/>
-  </ds:schemaRefs>
-</ds:datastoreItem>
-</file>
-
-<file path=customXml/itemProps355.xml><?xml version="1.0" encoding="utf-8"?>
-<ds:datastoreItem xmlns:ds="http://schemas.openxmlformats.org/officeDocument/2006/customXml" ds:itemID="{45C4B72E-3C3A-4CDB-8A3A-826BBA769048}">
-  <ds:schemaRefs>
-    <ds:schemaRef ds:uri="http://schemas.microsoft.com/VisualStudio/2011/storyboarding/control"/>
-  </ds:schemaRefs>
-</ds:datastoreItem>
-</file>
-
-<file path=customXml/itemProps356.xml><?xml version="1.0" encoding="utf-8"?>
-<ds:datastoreItem xmlns:ds="http://schemas.openxmlformats.org/officeDocument/2006/customXml" ds:itemID="{D572D03A-A07D-4798-B4DF-E8D874619C3A}">
-  <ds:schemaRefs>
-    <ds:schemaRef ds:uri="http://schemas.microsoft.com/VisualStudio/2011/storyboarding/control"/>
-  </ds:schemaRefs>
-</ds:datastoreItem>
-</file>
-
-<file path=customXml/itemProps357.xml><?xml version="1.0" encoding="utf-8"?>
-<ds:datastoreItem xmlns:ds="http://schemas.openxmlformats.org/officeDocument/2006/customXml" ds:itemID="{5470FCF2-255A-44B5-B4A3-BD5FA830FF06}">
-  <ds:schemaRefs>
-    <ds:schemaRef ds:uri="http://schemas.microsoft.com/VisualStudio/2011/storyboarding/control"/>
-  </ds:schemaRefs>
-</ds:datastoreItem>
-</file>
-
-<file path=customXml/itemProps358.xml><?xml version="1.0" encoding="utf-8"?>
-<ds:datastoreItem xmlns:ds="http://schemas.openxmlformats.org/officeDocument/2006/customXml" ds:itemID="{4E3E6D78-285E-4369-914E-55538596C674}">
-  <ds:schemaRefs>
-    <ds:schemaRef ds:uri="http://schemas.microsoft.com/VisualStudio/2011/storyboarding/control"/>
-  </ds:schemaRefs>
-</ds:datastoreItem>
-</file>
-
-<file path=customXml/itemProps359.xml><?xml version="1.0" encoding="utf-8"?>
-<ds:datastoreItem xmlns:ds="http://schemas.openxmlformats.org/officeDocument/2006/customXml" ds:itemID="{72940E18-39D5-4C2E-836B-6CC314289351}">
-  <ds:schemaRefs>
-    <ds:schemaRef ds:uri="http://schemas.microsoft.com/VisualStudio/2011/storyboarding/control"/>
-  </ds:schemaRefs>
-</ds:datastoreItem>
-</file>
-
-<file path=customXml/itemProps36.xml><?xml version="1.0" encoding="utf-8"?>
-<ds:datastoreItem xmlns:ds="http://schemas.openxmlformats.org/officeDocument/2006/customXml" ds:itemID="{A87ABC7A-6C65-4575-BD30-A7693FA18B1E}">
-  <ds:schemaRefs>
-    <ds:schemaRef ds:uri="http://schemas.microsoft.com/VisualStudio/2011/storyboarding/control"/>
-  </ds:schemaRefs>
-</ds:datastoreItem>
-</file>
-
-<file path=customXml/itemProps360.xml><?xml version="1.0" encoding="utf-8"?>
-<ds:datastoreItem xmlns:ds="http://schemas.openxmlformats.org/officeDocument/2006/customXml" ds:itemID="{451BA158-56CC-46C7-A9AB-D749552AC8EA}">
-  <ds:schemaRefs>
-    <ds:schemaRef ds:uri="http://schemas.microsoft.com/VisualStudio/2011/storyboarding/control"/>
-  </ds:schemaRefs>
-</ds:datastoreItem>
-</file>
-
-<file path=customXml/itemProps361.xml><?xml version="1.0" encoding="utf-8"?>
-<ds:datastoreItem xmlns:ds="http://schemas.openxmlformats.org/officeDocument/2006/customXml" ds:itemID="{BC888C1F-21BB-41B1-A05C-9A9E8EB5C798}">
-  <ds:schemaRefs>
-    <ds:schemaRef ds:uri="http://schemas.microsoft.com/VisualStudio/2011/storyboarding/control"/>
-  </ds:schemaRefs>
-</ds:datastoreItem>
-</file>
-
-<file path=customXml/itemProps362.xml><?xml version="1.0" encoding="utf-8"?>
-<ds:datastoreItem xmlns:ds="http://schemas.openxmlformats.org/officeDocument/2006/customXml" ds:itemID="{DDEB8723-48E7-42AD-ADEC-364D9C531975}">
-  <ds:schemaRefs>
-    <ds:schemaRef ds:uri="http://schemas.microsoft.com/VisualStudio/2011/storyboarding/control"/>
-  </ds:schemaRefs>
-</ds:datastoreItem>
-</file>
-
-<file path=customXml/itemProps363.xml><?xml version="1.0" encoding="utf-8"?>
-<ds:datastoreItem xmlns:ds="http://schemas.openxmlformats.org/officeDocument/2006/customXml" ds:itemID="{744D2C46-D497-4128-9A9E-62AEF32F8697}">
-  <ds:schemaRefs>
-    <ds:schemaRef ds:uri="http://schemas.microsoft.com/VisualStudio/2011/storyboarding/control"/>
-  </ds:schemaRefs>
-</ds:datastoreItem>
-</file>
-
-<file path=customXml/itemProps364.xml><?xml version="1.0" encoding="utf-8"?>
-<ds:datastoreItem xmlns:ds="http://schemas.openxmlformats.org/officeDocument/2006/customXml" ds:itemID="{024E8FD5-3E04-490F-AA3E-8D2180355BD3}">
-  <ds:schemaRefs>
-    <ds:schemaRef ds:uri="http://schemas.microsoft.com/VisualStudio/2011/storyboarding/control"/>
-  </ds:schemaRefs>
-</ds:datastoreItem>
-</file>
-
-<file path=customXml/itemProps365.xml><?xml version="1.0" encoding="utf-8"?>
-<ds:datastoreItem xmlns:ds="http://schemas.openxmlformats.org/officeDocument/2006/customXml" ds:itemID="{837B0389-256A-41AA-858A-09C137ADF190}">
-  <ds:schemaRefs>
-    <ds:schemaRef ds:uri="http://schemas.microsoft.com/VisualStudio/2011/storyboarding/control"/>
-  </ds:schemaRefs>
-</ds:datastoreItem>
-</file>
-
-<file path=customXml/itemProps366.xml><?xml version="1.0" encoding="utf-8"?>
-<ds:datastoreItem xmlns:ds="http://schemas.openxmlformats.org/officeDocument/2006/customXml" ds:itemID="{94C2D345-A1A3-41D1-8252-D91A2709EDBB}">
-  <ds:schemaRefs>
-    <ds:schemaRef ds:uri="http://schemas.microsoft.com/VisualStudio/2011/storyboarding/control"/>
-  </ds:schemaRefs>
-</ds:datastoreItem>
-</file>
-
-<file path=customXml/itemProps367.xml><?xml version="1.0" encoding="utf-8"?>
-<ds:datastoreItem xmlns:ds="http://schemas.openxmlformats.org/officeDocument/2006/customXml" ds:itemID="{AB573194-FA79-4A13-8B09-548B6F0FC5A5}">
-  <ds:schemaRefs>
-    <ds:schemaRef ds:uri="http://schemas.microsoft.com/VisualStudio/2011/storyboarding/control"/>
-  </ds:schemaRefs>
-</ds:datastoreItem>
-</file>
-
-<file path=customXml/itemProps368.xml><?xml version="1.0" encoding="utf-8"?>
-<ds:datastoreItem xmlns:ds="http://schemas.openxmlformats.org/officeDocument/2006/customXml" ds:itemID="{17050325-C71D-472B-95DC-A77A3F745B9E}">
-  <ds:schemaRefs>
-    <ds:schemaRef ds:uri="http://schemas.microsoft.com/VisualStudio/2011/storyboarding/control"/>
-  </ds:schemaRefs>
-</ds:datastoreItem>
-</file>
-
-<file path=customXml/itemProps369.xml><?xml version="1.0" encoding="utf-8"?>
-<ds:datastoreItem xmlns:ds="http://schemas.openxmlformats.org/officeDocument/2006/customXml" ds:itemID="{77BD90F5-F028-4B75-9BD9-6C76C3F72E12}">
-  <ds:schemaRefs>
-    <ds:schemaRef ds:uri="http://schemas.microsoft.com/VisualStudio/2011/storyboarding/control"/>
-  </ds:schemaRefs>
-</ds:datastoreItem>
-</file>
-
-<file path=customXml/itemProps37.xml><?xml version="1.0" encoding="utf-8"?>
-<ds:datastoreItem xmlns:ds="http://schemas.openxmlformats.org/officeDocument/2006/customXml" ds:itemID="{3090B25A-B777-4B83-BF30-0498ED3E4774}">
-  <ds:schemaRefs>
-    <ds:schemaRef ds:uri="http://schemas.microsoft.com/VisualStudio/2011/storyboarding/control"/>
-  </ds:schemaRefs>
-</ds:datastoreItem>
-</file>
-
-<file path=customXml/itemProps370.xml><?xml version="1.0" encoding="utf-8"?>
-<ds:datastoreItem xmlns:ds="http://schemas.openxmlformats.org/officeDocument/2006/customXml" ds:itemID="{CAD20111-EE59-4EEA-8980-08D21606CC23}">
-  <ds:schemaRefs>
-    <ds:schemaRef ds:uri="http://schemas.microsoft.com/VisualStudio/2011/storyboarding/control"/>
-  </ds:schemaRefs>
-</ds:datastoreItem>
-</file>
-
-<file path=customXml/itemProps371.xml><?xml version="1.0" encoding="utf-8"?>
-<ds:datastoreItem xmlns:ds="http://schemas.openxmlformats.org/officeDocument/2006/customXml" ds:itemID="{CD643074-7DC0-4B56-B3AC-E9E8A2DE7352}">
-  <ds:schemaRefs>
-    <ds:schemaRef ds:uri="http://schemas.microsoft.com/VisualStudio/2011/storyboarding/control"/>
-  </ds:schemaRefs>
-</ds:datastoreItem>
-</file>
-
-<file path=customXml/itemProps372.xml><?xml version="1.0" encoding="utf-8"?>
-<ds:datastoreItem xmlns:ds="http://schemas.openxmlformats.org/officeDocument/2006/customXml" ds:itemID="{46265094-0D36-46EF-92A3-629D19F3DFE8}">
-  <ds:schemaRefs>
-    <ds:schemaRef ds:uri="http://schemas.microsoft.com/VisualStudio/2011/storyboarding/control"/>
-  </ds:schemaRefs>
-</ds:datastoreItem>
-</file>
-
-<file path=customXml/itemProps373.xml><?xml version="1.0" encoding="utf-8"?>
-<ds:datastoreItem xmlns:ds="http://schemas.openxmlformats.org/officeDocument/2006/customXml" ds:itemID="{61EAF057-07FE-41B4-B311-8AF2CF527713}">
-  <ds:schemaRefs>
-    <ds:schemaRef ds:uri="http://schemas.microsoft.com/VisualStudio/2011/storyboarding/control"/>
-  </ds:schemaRefs>
-</ds:datastoreItem>
-</file>
-
-<file path=customXml/itemProps374.xml><?xml version="1.0" encoding="utf-8"?>
-<ds:datastoreItem xmlns:ds="http://schemas.openxmlformats.org/officeDocument/2006/customXml" ds:itemID="{BB33B489-F6A0-4837-B5B7-B51CB973ADDA}">
-  <ds:schemaRefs>
-    <ds:schemaRef ds:uri="http://schemas.microsoft.com/VisualStudio/2011/storyboarding/control"/>
-  </ds:schemaRefs>
-</ds:datastoreItem>
-</file>
-
-<file path=customXml/itemProps375.xml><?xml version="1.0" encoding="utf-8"?>
-<ds:datastoreItem xmlns:ds="http://schemas.openxmlformats.org/officeDocument/2006/customXml" ds:itemID="{9DA90A84-6B8B-4DBB-8E6D-6BF082493584}">
-  <ds:schemaRefs>
-    <ds:schemaRef ds:uri="http://schemas.microsoft.com/VisualStudio/2011/storyboarding/control"/>
-  </ds:schemaRefs>
-</ds:datastoreItem>
-</file>
-
-<file path=customXml/itemProps376.xml><?xml version="1.0" encoding="utf-8"?>
-<ds:datastoreItem xmlns:ds="http://schemas.openxmlformats.org/officeDocument/2006/customXml" ds:itemID="{869663FB-CA04-4AEA-AF91-E2F1F2552613}">
-  <ds:schemaRefs>
-    <ds:schemaRef ds:uri="http://schemas.microsoft.com/VisualStudio/2011/storyboarding/control"/>
-  </ds:schemaRefs>
-</ds:datastoreItem>
-</file>
-
-<file path=customXml/itemProps377.xml><?xml version="1.0" encoding="utf-8"?>
-<ds:datastoreItem xmlns:ds="http://schemas.openxmlformats.org/officeDocument/2006/customXml" ds:itemID="{6465B1AA-E3DA-4CEF-8793-C9B7F8F93352}">
-  <ds:schemaRefs>
-    <ds:schemaRef ds:uri="http://schemas.microsoft.com/VisualStudio/2011/storyboarding/control"/>
-  </ds:schemaRefs>
-</ds:datastoreItem>
-</file>
-
-<file path=customXml/itemProps378.xml><?xml version="1.0" encoding="utf-8"?>
-<ds:datastoreItem xmlns:ds="http://schemas.openxmlformats.org/officeDocument/2006/customXml" ds:itemID="{ACB79B4E-0861-4279-80D3-7A316F66F48B}">
-  <ds:schemaRefs>
-    <ds:schemaRef ds:uri="http://schemas.microsoft.com/VisualStudio/2011/storyboarding/control"/>
-  </ds:schemaRefs>
-</ds:datastoreItem>
-</file>
-
-<file path=customXml/itemProps379.xml><?xml version="1.0" encoding="utf-8"?>
-<ds:datastoreItem xmlns:ds="http://schemas.openxmlformats.org/officeDocument/2006/customXml" ds:itemID="{77AFBE6A-D80B-4EC6-8D4C-D874F3C53CA7}">
-  <ds:schemaRefs>
-    <ds:schemaRef ds:uri="http://schemas.microsoft.com/VisualStudio/2011/storyboarding/control"/>
-  </ds:schemaRefs>
-</ds:datastoreItem>
-</file>
-
-<file path=customXml/itemProps38.xml><?xml version="1.0" encoding="utf-8"?>
-<ds:datastoreItem xmlns:ds="http://schemas.openxmlformats.org/officeDocument/2006/customXml" ds:itemID="{FDF52D47-7467-43F5-AC96-EFB9057C92A3}">
-  <ds:schemaRefs>
-    <ds:schemaRef ds:uri="http://schemas.microsoft.com/VisualStudio/2011/storyboarding/control"/>
-  </ds:schemaRefs>
-</ds:datastoreItem>
-</file>
-
-<file path=customXml/itemProps380.xml><?xml version="1.0" encoding="utf-8"?>
-<ds:datastoreItem xmlns:ds="http://schemas.openxmlformats.org/officeDocument/2006/customXml" ds:itemID="{42953A3E-EA41-4CC7-AF57-A6F452D223BC}">
-  <ds:schemaRefs>
-    <ds:schemaRef ds:uri="http://schemas.microsoft.com/VisualStudio/2011/storyboarding/control"/>
-  </ds:schemaRefs>
-</ds:datastoreItem>
-</file>
-
-<file path=customXml/itemProps381.xml><?xml version="1.0" encoding="utf-8"?>
-<ds:datastoreItem xmlns:ds="http://schemas.openxmlformats.org/officeDocument/2006/customXml" ds:itemID="{0CC44683-A1C2-44FE-951F-245A953DDDD1}">
-  <ds:schemaRefs>
-    <ds:schemaRef ds:uri="http://schemas.microsoft.com/VisualStudio/2011/storyboarding/control"/>
-  </ds:schemaRefs>
-</ds:datastoreItem>
-</file>
-
-<file path=customXml/itemProps382.xml><?xml version="1.0" encoding="utf-8"?>
-<ds:datastoreItem xmlns:ds="http://schemas.openxmlformats.org/officeDocument/2006/customXml" ds:itemID="{5416930E-C32B-4786-8045-5CA4C058F078}">
-  <ds:schemaRefs>
-    <ds:schemaRef ds:uri="http://schemas.microsoft.com/VisualStudio/2011/storyboarding/control"/>
-  </ds:schemaRefs>
-</ds:datastoreItem>
-</file>
-
-<file path=customXml/itemProps383.xml><?xml version="1.0" encoding="utf-8"?>
-<ds:datastoreItem xmlns:ds="http://schemas.openxmlformats.org/officeDocument/2006/customXml" ds:itemID="{999F4DDD-AF4B-4571-BC01-A685F937498E}">
-  <ds:schemaRefs>
-    <ds:schemaRef ds:uri="http://schemas.microsoft.com/VisualStudio/2011/storyboarding/control"/>
-  </ds:schemaRefs>
-</ds:datastoreItem>
-</file>
-
-<file path=customXml/itemProps384.xml><?xml version="1.0" encoding="utf-8"?>
-<ds:datastoreItem xmlns:ds="http://schemas.openxmlformats.org/officeDocument/2006/customXml" ds:itemID="{D4FEFABD-7E83-4044-A675-0AD69B9B20D9}">
-  <ds:schemaRefs>
-    <ds:schemaRef ds:uri="http://schemas.microsoft.com/VisualStudio/2011/storyboarding/control"/>
-  </ds:schemaRefs>
-</ds:datastoreItem>
-</file>
-
-<file path=customXml/itemProps385.xml><?xml version="1.0" encoding="utf-8"?>
-<ds:datastoreItem xmlns:ds="http://schemas.openxmlformats.org/officeDocument/2006/customXml" ds:itemID="{F742BCF6-665E-4062-A261-C16C9A1DB854}">
-  <ds:schemaRefs>
-    <ds:schemaRef ds:uri="http://schemas.microsoft.com/VisualStudio/2011/storyboarding/control"/>
-  </ds:schemaRefs>
-</ds:datastoreItem>
-</file>
-
-<file path=customXml/itemProps386.xml><?xml version="1.0" encoding="utf-8"?>
-<ds:datastoreItem xmlns:ds="http://schemas.openxmlformats.org/officeDocument/2006/customXml" ds:itemID="{7E14DD76-D1A5-4BC7-AEDA-46E2A806FEA4}">
-  <ds:schemaRefs>
-    <ds:schemaRef ds:uri="http://schemas.microsoft.com/VisualStudio/2011/storyboarding/control"/>
-  </ds:schemaRefs>
-</ds:datastoreItem>
-</file>
-
-<file path=customXml/itemProps387.xml><?xml version="1.0" encoding="utf-8"?>
-<ds:datastoreItem xmlns:ds="http://schemas.openxmlformats.org/officeDocument/2006/customXml" ds:itemID="{2ABA8A7A-A184-4293-9C51-794EA370955F}">
-  <ds:schemaRefs>
-    <ds:schemaRef ds:uri="http://schemas.microsoft.com/VisualStudio/2011/storyboarding/control"/>
-  </ds:schemaRefs>
-</ds:datastoreItem>
-</file>
-
-<file path=customXml/itemProps388.xml><?xml version="1.0" encoding="utf-8"?>
-<ds:datastoreItem xmlns:ds="http://schemas.openxmlformats.org/officeDocument/2006/customXml" ds:itemID="{4C8D55FE-281B-4548-9875-3AFF51AE3F97}">
-  <ds:schemaRefs>
-    <ds:schemaRef ds:uri="http://schemas.microsoft.com/VisualStudio/2011/storyboarding/control"/>
-  </ds:schemaRefs>
-</ds:datastoreItem>
-</file>
-
-<file path=customXml/itemProps389.xml><?xml version="1.0" encoding="utf-8"?>
-<ds:datastoreItem xmlns:ds="http://schemas.openxmlformats.org/officeDocument/2006/customXml" ds:itemID="{27233982-8EA5-4E42-BEF4-342DEFC4F55C}">
-  <ds:schemaRefs>
-    <ds:schemaRef ds:uri="http://schemas.microsoft.com/VisualStudio/2011/storyboarding/control"/>
-  </ds:schemaRefs>
-</ds:datastoreItem>
-</file>
-
-<file path=customXml/itemProps39.xml><?xml version="1.0" encoding="utf-8"?>
-<ds:datastoreItem xmlns:ds="http://schemas.openxmlformats.org/officeDocument/2006/customXml" ds:itemID="{403C0D24-4ADF-4995-AE62-B57504569F7B}">
-  <ds:schemaRefs>
-    <ds:schemaRef ds:uri="http://schemas.microsoft.com/VisualStudio/2011/storyboarding/control"/>
-  </ds:schemaRefs>
-</ds:datastoreItem>
-</file>
-
-<file path=customXml/itemProps390.xml><?xml version="1.0" encoding="utf-8"?>
-<ds:datastoreItem xmlns:ds="http://schemas.openxmlformats.org/officeDocument/2006/customXml" ds:itemID="{82BAD687-6146-45CA-951B-F626FCAEDCAF}">
-  <ds:schemaRefs>
-    <ds:schemaRef ds:uri="http://schemas.microsoft.com/VisualStudio/2011/storyboarding/control"/>
-  </ds:schemaRefs>
-</ds:datastoreItem>
-</file>
-
-<file path=customXml/itemProps391.xml><?xml version="1.0" encoding="utf-8"?>
-<ds:datastoreItem xmlns:ds="http://schemas.openxmlformats.org/officeDocument/2006/customXml" ds:itemID="{A22EFC2A-528F-45A0-AA1F-DA1562892795}">
-  <ds:schemaRefs>
-    <ds:schemaRef ds:uri="http://schemas.microsoft.com/VisualStudio/2011/storyboarding/control"/>
-  </ds:schemaRefs>
-</ds:datastoreItem>
-</file>
-
-<file path=customXml/itemProps392.xml><?xml version="1.0" encoding="utf-8"?>
-<ds:datastoreItem xmlns:ds="http://schemas.openxmlformats.org/officeDocument/2006/customXml" ds:itemID="{55399AF1-A6FB-4AD6-BFBD-3CAB1D44C75B}">
-  <ds:schemaRefs>
-    <ds:schemaRef ds:uri="http://schemas.microsoft.com/VisualStudio/2011/storyboarding/control"/>
-  </ds:schemaRefs>
-</ds:datastoreItem>
-</file>
-
-<file path=customXml/itemProps393.xml><?xml version="1.0" encoding="utf-8"?>
-<ds:datastoreItem xmlns:ds="http://schemas.openxmlformats.org/officeDocument/2006/customXml" ds:itemID="{0B402B8B-5A56-4849-992D-9D3AB7C837D7}">
-  <ds:schemaRefs>
-    <ds:schemaRef ds:uri="http://schemas.microsoft.com/VisualStudio/2011/storyboarding/control"/>
-  </ds:schemaRefs>
-</ds:datastoreItem>
-</file>
-
-<file path=customXml/itemProps394.xml><?xml version="1.0" encoding="utf-8"?>
-<ds:datastoreItem xmlns:ds="http://schemas.openxmlformats.org/officeDocument/2006/customXml" ds:itemID="{ADB7817C-77F6-4E90-9D15-3C5E13FBE9EC}">
-  <ds:schemaRefs>
-    <ds:schemaRef ds:uri="http://schemas.microsoft.com/VisualStudio/2011/storyboarding/control"/>
-  </ds:schemaRefs>
-</ds:datastoreItem>
-</file>
-
-<file path=customXml/itemProps395.xml><?xml version="1.0" encoding="utf-8"?>
-<ds:datastoreItem xmlns:ds="http://schemas.openxmlformats.org/officeDocument/2006/customXml" ds:itemID="{E0F4F731-3697-42EC-ADC1-3746287E88BC}">
-  <ds:schemaRefs>
-    <ds:schemaRef ds:uri="http://schemas.microsoft.com/VisualStudio/2011/storyboarding/control"/>
-  </ds:schemaRefs>
-</ds:datastoreItem>
-</file>
-
-<file path=customXml/itemProps396.xml><?xml version="1.0" encoding="utf-8"?>
-<ds:datastoreItem xmlns:ds="http://schemas.openxmlformats.org/officeDocument/2006/customXml" ds:itemID="{BEC7945B-E51B-43D9-80C7-D9FF30A85421}">
-  <ds:schemaRefs>
-    <ds:schemaRef ds:uri="http://schemas.microsoft.com/VisualStudio/2011/storyboarding/control"/>
-  </ds:schemaRefs>
-</ds:datastoreItem>
-</file>
-
-<file path=customXml/itemProps397.xml><?xml version="1.0" encoding="utf-8"?>
-<ds:datastoreItem xmlns:ds="http://schemas.openxmlformats.org/officeDocument/2006/customXml" ds:itemID="{9275AEDA-72AE-4A4E-9EB6-579F20517407}">
-  <ds:schemaRefs>
-    <ds:schemaRef ds:uri="http://schemas.microsoft.com/VisualStudio/2011/storyboarding/control"/>
-  </ds:schemaRefs>
-</ds:datastoreItem>
-</file>
-
-<file path=customXml/itemProps398.xml><?xml version="1.0" encoding="utf-8"?>
-<ds:datastoreItem xmlns:ds="http://schemas.openxmlformats.org/officeDocument/2006/customXml" ds:itemID="{28E9737F-B639-4C11-ABA3-F3FB8DC85519}">
-  <ds:schemaRefs>
-    <ds:schemaRef ds:uri="http://schemas.microsoft.com/VisualStudio/2011/storyboarding/control"/>
-  </ds:schemaRefs>
-</ds:datastoreItem>
-</file>
-
-<file path=customXml/itemProps399.xml><?xml version="1.0" encoding="utf-8"?>
-<ds:datastoreItem xmlns:ds="http://schemas.openxmlformats.org/officeDocument/2006/customXml" ds:itemID="{0BDD3596-9D4A-4A76-975D-8B5039638C38}">
-  <ds:schemaRefs>
-    <ds:schemaRef ds:uri="http://schemas.microsoft.com/VisualStudio/2011/storyboarding/control"/>
-  </ds:schemaRefs>
-</ds:datastoreItem>
-</file>
-
-<file path=customXml/itemProps4.xml><?xml version="1.0" encoding="utf-8"?>
-<ds:datastoreItem xmlns:ds="http://schemas.openxmlformats.org/officeDocument/2006/customXml" ds:itemID="{DD973A4C-3C54-45F6-AD32-0AB5C970526B}">
-  <ds:schemaRefs>
-    <ds:schemaRef ds:uri="http://schemas.microsoft.com/VisualStudio/2011/storyboarding/control"/>
-  </ds:schemaRefs>
-</ds:datastoreItem>
-</file>
-
-<file path=customXml/itemProps40.xml><?xml version="1.0" encoding="utf-8"?>
-<ds:datastoreItem xmlns:ds="http://schemas.openxmlformats.org/officeDocument/2006/customXml" ds:itemID="{B3FF45D1-FD87-4308-BAF2-66389E394117}">
-  <ds:schemaRefs>
-    <ds:schemaRef ds:uri="http://schemas.microsoft.com/VisualStudio/2011/storyboarding/control"/>
-  </ds:schemaRefs>
-</ds:datastoreItem>
-</file>
-
-<file path=customXml/itemProps400.xml><?xml version="1.0" encoding="utf-8"?>
-<ds:datastoreItem xmlns:ds="http://schemas.openxmlformats.org/officeDocument/2006/customXml" ds:itemID="{F24CD4CB-4377-413A-B218-C3FA90968990}">
-  <ds:schemaRefs>
-    <ds:schemaRef ds:uri="http://schemas.microsoft.com/VisualStudio/2011/storyboarding/control"/>
-  </ds:schemaRefs>
-</ds:datastoreItem>
-</file>
-
-<file path=customXml/itemProps401.xml><?xml version="1.0" encoding="utf-8"?>
-<ds:datastoreItem xmlns:ds="http://schemas.openxmlformats.org/officeDocument/2006/customXml" ds:itemID="{0196C5EB-6400-4120-8E56-73F977C5C861}">
-  <ds:schemaRefs>
-    <ds:schemaRef ds:uri="http://schemas.microsoft.com/VisualStudio/2011/storyboarding/control"/>
-  </ds:schemaRefs>
-</ds:datastoreItem>
-</file>
-
-<file path=customXml/itemProps402.xml><?xml version="1.0" encoding="utf-8"?>
-<ds:datastoreItem xmlns:ds="http://schemas.openxmlformats.org/officeDocument/2006/customXml" ds:itemID="{4A8B204A-9CA8-416C-87C3-B62049FB2581}">
-  <ds:schemaRefs>
-    <ds:schemaRef ds:uri="http://schemas.microsoft.com/VisualStudio/2011/storyboarding/control"/>
-  </ds:schemaRefs>
-</ds:datastoreItem>
-</file>
-
-<file path=customXml/itemProps403.xml><?xml version="1.0" encoding="utf-8"?>
-<ds:datastoreItem xmlns:ds="http://schemas.openxmlformats.org/officeDocument/2006/customXml" ds:itemID="{3C766D46-D436-4EC1-9F5B-18C6D6FF644D}">
-  <ds:schemaRefs>
-    <ds:schemaRef ds:uri="http://schemas.microsoft.com/VisualStudio/2011/storyboarding/control"/>
-  </ds:schemaRefs>
-</ds:datastoreItem>
-</file>
-
-<file path=customXml/itemProps404.xml><?xml version="1.0" encoding="utf-8"?>
-<ds:datastoreItem xmlns:ds="http://schemas.openxmlformats.org/officeDocument/2006/customXml" ds:itemID="{74AFC24B-C7D7-48F6-96FB-A3CC80EDD2EA}">
-  <ds:schemaRefs>
-    <ds:schemaRef ds:uri="http://schemas.microsoft.com/VisualStudio/2011/storyboarding/control"/>
-  </ds:schemaRefs>
-</ds:datastoreItem>
-</file>
-
-<file path=customXml/itemProps405.xml><?xml version="1.0" encoding="utf-8"?>
-<ds:datastoreItem xmlns:ds="http://schemas.openxmlformats.org/officeDocument/2006/customXml" ds:itemID="{7EE96A55-E3FC-4A9A-B5FA-3900E5BA0AFC}">
-  <ds:schemaRefs>
-    <ds:schemaRef ds:uri="http://schemas.microsoft.com/VisualStudio/2011/storyboarding/control"/>
-  </ds:schemaRefs>
-</ds:datastoreItem>
-</file>
-
-<file path=customXml/itemProps406.xml><?xml version="1.0" encoding="utf-8"?>
-<ds:datastoreItem xmlns:ds="http://schemas.openxmlformats.org/officeDocument/2006/customXml" ds:itemID="{39041638-3627-44B4-B050-43013556DE97}">
-  <ds:schemaRefs>
-    <ds:schemaRef ds:uri="http://schemas.microsoft.com/VisualStudio/2011/storyboarding/control"/>
-  </ds:schemaRefs>
-</ds:datastoreItem>
-</file>
-
-<file path=customXml/itemProps407.xml><?xml version="1.0" encoding="utf-8"?>
-<ds:datastoreItem xmlns:ds="http://schemas.openxmlformats.org/officeDocument/2006/customXml" ds:itemID="{E4701A60-2A9D-4752-9866-0062466F370C}">
-  <ds:schemaRefs>
-    <ds:schemaRef ds:uri="http://schemas.microsoft.com/VisualStudio/2011/storyboarding/control"/>
-  </ds:schemaRefs>
-</ds:datastoreItem>
-</file>
-
-<file path=customXml/itemProps408.xml><?xml version="1.0" encoding="utf-8"?>
-<ds:datastoreItem xmlns:ds="http://schemas.openxmlformats.org/officeDocument/2006/customXml" ds:itemID="{10389AA7-5BC9-4B8F-916E-A3C9B45BA420}">
-  <ds:schemaRefs>
-    <ds:schemaRef ds:uri="http://schemas.microsoft.com/VisualStudio/2011/storyboarding/control"/>
-  </ds:schemaRefs>
-</ds:datastoreItem>
-</file>
-
-<file path=customXml/itemProps409.xml><?xml version="1.0" encoding="utf-8"?>
-<ds:datastoreItem xmlns:ds="http://schemas.openxmlformats.org/officeDocument/2006/customXml" ds:itemID="{072EB726-885C-43C4-A156-0DEDDD30F194}">
-  <ds:schemaRefs>
-    <ds:schemaRef ds:uri="http://schemas.microsoft.com/VisualStudio/2011/storyboarding/control"/>
-  </ds:schemaRefs>
-</ds:datastoreItem>
-</file>
-
-<file path=customXml/itemProps41.xml><?xml version="1.0" encoding="utf-8"?>
-<ds:datastoreItem xmlns:ds="http://schemas.openxmlformats.org/officeDocument/2006/customXml" ds:itemID="{C053DD15-18F9-4E55-968F-CA5FF4E301BA}">
-  <ds:schemaRefs>
-    <ds:schemaRef ds:uri="http://schemas.microsoft.com/VisualStudio/2011/storyboarding/control"/>
-  </ds:schemaRefs>
-</ds:datastoreItem>
-</file>
-
-<file path=customXml/itemProps410.xml><?xml version="1.0" encoding="utf-8"?>
-<ds:datastoreItem xmlns:ds="http://schemas.openxmlformats.org/officeDocument/2006/customXml" ds:itemID="{6E7891D5-59BF-412C-AF40-475723B049F7}">
-  <ds:schemaRefs>
-    <ds:schemaRef ds:uri="http://schemas.microsoft.com/VisualStudio/2011/storyboarding/control"/>
-  </ds:schemaRefs>
-</ds:datastoreItem>
-</file>
-
-<file path=customXml/itemProps411.xml><?xml version="1.0" encoding="utf-8"?>
-<ds:datastoreItem xmlns:ds="http://schemas.openxmlformats.org/officeDocument/2006/customXml" ds:itemID="{8A59CCF0-E160-4F82-8A0B-2DF6BFC64177}">
-  <ds:schemaRefs>
-    <ds:schemaRef ds:uri="http://schemas.microsoft.com/VisualStudio/2011/storyboarding/control"/>
-  </ds:schemaRefs>
-</ds:datastoreItem>
-</file>
-
-<file path=customXml/itemProps412.xml><?xml version="1.0" encoding="utf-8"?>
-<ds:datastoreItem xmlns:ds="http://schemas.openxmlformats.org/officeDocument/2006/customXml" ds:itemID="{5743B0D9-3E78-4D12-B905-5E233C2F9010}">
-  <ds:schemaRefs>
-    <ds:schemaRef ds:uri="http://schemas.microsoft.com/VisualStudio/2011/storyboarding/control"/>
-  </ds:schemaRefs>
-</ds:datastoreItem>
-</file>
-
-<file path=customXml/itemProps413.xml><?xml version="1.0" encoding="utf-8"?>
-<ds:datastoreItem xmlns:ds="http://schemas.openxmlformats.org/officeDocument/2006/customXml" ds:itemID="{8957563C-A84F-4BA7-AFEE-91A0901E3070}">
-  <ds:schemaRefs>
-    <ds:schemaRef ds:uri="http://schemas.microsoft.com/VisualStudio/2011/storyboarding/control"/>
-  </ds:schemaRefs>
-</ds:datastoreItem>
-</file>
-
-<file path=customXml/itemProps414.xml><?xml version="1.0" encoding="utf-8"?>
-<ds:datastoreItem xmlns:ds="http://schemas.openxmlformats.org/officeDocument/2006/customXml" ds:itemID="{EF2782F1-8DA9-457B-9282-CA44A5EC7893}">
-  <ds:schemaRefs>
-    <ds:schemaRef ds:uri="http://schemas.microsoft.com/VisualStudio/2011/storyboarding/control"/>
-  </ds:schemaRefs>
-</ds:datastoreItem>
-</file>
-
-<file path=customXml/itemProps415.xml><?xml version="1.0" encoding="utf-8"?>
-<ds:datastoreItem xmlns:ds="http://schemas.openxmlformats.org/officeDocument/2006/customXml" ds:itemID="{B9615B9B-0D88-4FE7-A8A1-23F69DC8043E}">
-  <ds:schemaRefs>
-    <ds:schemaRef ds:uri="http://schemas.microsoft.com/VisualStudio/2011/storyboarding/control"/>
-  </ds:schemaRefs>
-</ds:datastoreItem>
-</file>
-
-<file path=customXml/itemProps416.xml><?xml version="1.0" encoding="utf-8"?>
-<ds:datastoreItem xmlns:ds="http://schemas.openxmlformats.org/officeDocument/2006/customXml" ds:itemID="{00FD17D8-DCFB-4DA1-830A-305D393415B3}">
-  <ds:schemaRefs>
-    <ds:schemaRef ds:uri="http://schemas.microsoft.com/VisualStudio/2011/storyboarding/control"/>
-  </ds:schemaRefs>
-</ds:datastoreItem>
-</file>
-
-<file path=customXml/itemProps417.xml><?xml version="1.0" encoding="utf-8"?>
-<ds:datastoreItem xmlns:ds="http://schemas.openxmlformats.org/officeDocument/2006/customXml" ds:itemID="{07257D67-96B9-4E98-9931-7E719CD1E459}">
-  <ds:schemaRefs>
-    <ds:schemaRef ds:uri="http://schemas.microsoft.com/VisualStudio/2011/storyboarding/control"/>
-  </ds:schemaRefs>
-</ds:datastoreItem>
-</file>
-
-<file path=customXml/itemProps418.xml><?xml version="1.0" encoding="utf-8"?>
-<ds:datastoreItem xmlns:ds="http://schemas.openxmlformats.org/officeDocument/2006/customXml" ds:itemID="{4CC19E68-B883-48B9-8CA0-046516B7B59B}">
-  <ds:schemaRefs>
-    <ds:schemaRef ds:uri="http://schemas.microsoft.com/VisualStudio/2011/storyboarding/control"/>
-  </ds:schemaRefs>
-</ds:datastoreItem>
-</file>
-
-<file path=customXml/itemProps42.xml><?xml version="1.0" encoding="utf-8"?>
-<ds:datastoreItem xmlns:ds="http://schemas.openxmlformats.org/officeDocument/2006/customXml" ds:itemID="{64A2D392-7EA2-49D9-AF87-085C1CAB4BA4}">
-  <ds:schemaRefs>
-    <ds:schemaRef ds:uri="http://schemas.microsoft.com/VisualStudio/2011/storyboarding/control"/>
-  </ds:schemaRefs>
-</ds:datastoreItem>
-</file>
-
-<file path=customXml/itemProps43.xml><?xml version="1.0" encoding="utf-8"?>
-<ds:datastoreItem xmlns:ds="http://schemas.openxmlformats.org/officeDocument/2006/customXml" ds:itemID="{2EF3A3A9-3321-4802-8B5F-B519335129BA}">
-  <ds:schemaRefs>
-    <ds:schemaRef ds:uri="http://schemas.microsoft.com/VisualStudio/2011/storyboarding/control"/>
-  </ds:schemaRefs>
-</ds:datastoreItem>
-</file>
-
-<file path=customXml/itemProps44.xml><?xml version="1.0" encoding="utf-8"?>
-<ds:datastoreItem xmlns:ds="http://schemas.openxmlformats.org/officeDocument/2006/customXml" ds:itemID="{451EDEA7-6959-470B-933B-7A75D7CEAB07}">
-  <ds:schemaRefs>
-    <ds:schemaRef ds:uri="http://schemas.microsoft.com/VisualStudio/2011/storyboarding/control"/>
-  </ds:schemaRefs>
-</ds:datastoreItem>
-</file>
-
-<file path=customXml/itemProps45.xml><?xml version="1.0" encoding="utf-8"?>
-<ds:datastoreItem xmlns:ds="http://schemas.openxmlformats.org/officeDocument/2006/customXml" ds:itemID="{0D31A47D-A302-4589-8FE7-C4D3FFA46168}">
-  <ds:schemaRefs>
-    <ds:schemaRef ds:uri="http://schemas.microsoft.com/VisualStudio/2011/storyboarding/control"/>
-  </ds:schemaRefs>
-</ds:datastoreItem>
-</file>
-
-<file path=customXml/itemProps46.xml><?xml version="1.0" encoding="utf-8"?>
-<ds:datastoreItem xmlns:ds="http://schemas.openxmlformats.org/officeDocument/2006/customXml" ds:itemID="{F79E062F-B177-4A6F-8B46-21BC8B8FBA9E}">
-  <ds:schemaRefs>
-    <ds:schemaRef ds:uri="http://schemas.microsoft.com/VisualStudio/2011/storyboarding/control"/>
-  </ds:schemaRefs>
-</ds:datastoreItem>
-</file>
-
-<file path=customXml/itemProps47.xml><?xml version="1.0" encoding="utf-8"?>
-<ds:datastoreItem xmlns:ds="http://schemas.openxmlformats.org/officeDocument/2006/customXml" ds:itemID="{1385A12B-3268-439F-9072-3675960722A0}">
-  <ds:schemaRefs>
-    <ds:schemaRef ds:uri="http://schemas.microsoft.com/VisualStudio/2011/storyboarding/control"/>
-  </ds:schemaRefs>
-</ds:datastoreItem>
-</file>
-
-<file path=customXml/itemProps48.xml><?xml version="1.0" encoding="utf-8"?>
-<ds:datastoreItem xmlns:ds="http://schemas.openxmlformats.org/officeDocument/2006/customXml" ds:itemID="{1B687C08-E08C-4CAB-9785-B89C7C9939B3}">
-  <ds:schemaRefs>
-    <ds:schemaRef ds:uri="http://schemas.microsoft.com/VisualStudio/2011/storyboarding/control"/>
-  </ds:schemaRefs>
-</ds:datastoreItem>
-</file>
-
-<file path=customXml/itemProps49.xml><?xml version="1.0" encoding="utf-8"?>
-<ds:datastoreItem xmlns:ds="http://schemas.openxmlformats.org/officeDocument/2006/customXml" ds:itemID="{2D56DA33-76AB-4E77-8ADC-569F2EF7D484}">
-  <ds:schemaRefs>
-    <ds:schemaRef ds:uri="http://schemas.microsoft.com/VisualStudio/2011/storyboarding/control"/>
-  </ds:schemaRefs>
-</ds:datastoreItem>
-</file>
-
-<file path=customXml/itemProps5.xml><?xml version="1.0" encoding="utf-8"?>
-<ds:datastoreItem xmlns:ds="http://schemas.openxmlformats.org/officeDocument/2006/customXml" ds:itemID="{96288CD3-9C50-4B2F-A457-0271DBDAB309}">
-  <ds:schemaRefs>
-    <ds:schemaRef ds:uri="http://schemas.microsoft.com/VisualStudio/2011/storyboarding/control"/>
-  </ds:schemaRefs>
-</ds:datastoreItem>
-</file>
-
-<file path=customXml/itemProps50.xml><?xml version="1.0" encoding="utf-8"?>
-<ds:datastoreItem xmlns:ds="http://schemas.openxmlformats.org/officeDocument/2006/customXml" ds:itemID="{B0E5A7BA-D627-4755-B41A-B26E079892DE}">
-  <ds:schemaRefs>
-    <ds:schemaRef ds:uri="http://schemas.microsoft.com/VisualStudio/2011/storyboarding/control"/>
-  </ds:schemaRefs>
-</ds:datastoreItem>
-</file>
-
-<file path=customXml/itemProps51.xml><?xml version="1.0" encoding="utf-8"?>
-<ds:datastoreItem xmlns:ds="http://schemas.openxmlformats.org/officeDocument/2006/customXml" ds:itemID="{562CCEA4-86D0-40CF-971B-E185833AF173}">
-  <ds:schemaRefs>
-    <ds:schemaRef ds:uri="http://schemas.microsoft.com/VisualStudio/2011/storyboarding/control"/>
-  </ds:schemaRefs>
-</ds:datastoreItem>
-</file>
-
-<file path=customXml/itemProps52.xml><?xml version="1.0" encoding="utf-8"?>
-<ds:datastoreItem xmlns:ds="http://schemas.openxmlformats.org/officeDocument/2006/customXml" ds:itemID="{E49F3E23-75BF-41A9-9FE9-F2E48E23F0AA}">
-  <ds:schemaRefs>
-    <ds:schemaRef ds:uri="http://schemas.microsoft.com/VisualStudio/2011/storyboarding/control"/>
-  </ds:schemaRefs>
-</ds:datastoreItem>
-</file>
-
-<file path=customXml/itemProps53.xml><?xml version="1.0" encoding="utf-8"?>
-<ds:datastoreItem xmlns:ds="http://schemas.openxmlformats.org/officeDocument/2006/customXml" ds:itemID="{DDDAD383-E3D8-47A5-852F-FBADCFF3238E}">
-  <ds:schemaRefs>
-    <ds:schemaRef ds:uri="http://schemas.microsoft.com/VisualStudio/2011/storyboarding/control"/>
-  </ds:schemaRefs>
-</ds:datastoreItem>
-</file>
-
-<file path=customXml/itemProps54.xml><?xml version="1.0" encoding="utf-8"?>
-<ds:datastoreItem xmlns:ds="http://schemas.openxmlformats.org/officeDocument/2006/customXml" ds:itemID="{D8722A0A-C00E-4E67-A932-E9DFCE0C5F5E}">
-  <ds:schemaRefs>
-    <ds:schemaRef ds:uri="http://schemas.microsoft.com/VisualStudio/2011/storyboarding/control"/>
-  </ds:schemaRefs>
-</ds:datastoreItem>
-</file>
-
-<file path=customXml/itemProps55.xml><?xml version="1.0" encoding="utf-8"?>
-<ds:datastoreItem xmlns:ds="http://schemas.openxmlformats.org/officeDocument/2006/customXml" ds:itemID="{24C64F7D-04D9-44E6-BCA7-F0DAAB072939}">
-  <ds:schemaRefs>
-    <ds:schemaRef ds:uri="http://schemas.microsoft.com/VisualStudio/2011/storyboarding/control"/>
-  </ds:schemaRefs>
-</ds:datastoreItem>
-</file>
-
-<file path=customXml/itemProps56.xml><?xml version="1.0" encoding="utf-8"?>
-<ds:datastoreItem xmlns:ds="http://schemas.openxmlformats.org/officeDocument/2006/customXml" ds:itemID="{B4A5F6B3-9783-4A02-A2A8-8A89BE7D1ED5}">
-  <ds:schemaRefs>
-    <ds:schemaRef ds:uri="http://schemas.microsoft.com/VisualStudio/2011/storyboarding/control"/>
-  </ds:schemaRefs>
-</ds:datastoreItem>
-</file>
-
-<file path=customXml/itemProps57.xml><?xml version="1.0" encoding="utf-8"?>
-<ds:datastoreItem xmlns:ds="http://schemas.openxmlformats.org/officeDocument/2006/customXml" ds:itemID="{2EDBFF63-93EC-4BCF-B5D0-4EFA2D6866A7}">
-  <ds:schemaRefs>
-    <ds:schemaRef ds:uri="http://schemas.microsoft.com/VisualStudio/2011/storyboarding/control"/>
-  </ds:schemaRefs>
-</ds:datastoreItem>
-</file>
-
-<file path=customXml/itemProps58.xml><?xml version="1.0" encoding="utf-8"?>
-<ds:datastoreItem xmlns:ds="http://schemas.openxmlformats.org/officeDocument/2006/customXml" ds:itemID="{EBE21AF8-D789-4FA2-BB2A-9182E7DD0EDF}">
-  <ds:schemaRefs>
-    <ds:schemaRef ds:uri="http://schemas.microsoft.com/VisualStudio/2011/storyboarding/control"/>
-  </ds:schemaRefs>
-</ds:datastoreItem>
-</file>
-
-<file path=customXml/itemProps59.xml><?xml version="1.0" encoding="utf-8"?>
-<ds:datastoreItem xmlns:ds="http://schemas.openxmlformats.org/officeDocument/2006/customXml" ds:itemID="{F108CEF5-F86C-4329-BCC8-A365BCF806C5}">
-  <ds:schemaRefs>
-    <ds:schemaRef ds:uri="http://schemas.microsoft.com/VisualStudio/2011/storyboarding/control"/>
-  </ds:schemaRefs>
-</ds:datastoreItem>
-</file>
-
-<file path=customXml/itemProps6.xml><?xml version="1.0" encoding="utf-8"?>
-<ds:datastoreItem xmlns:ds="http://schemas.openxmlformats.org/officeDocument/2006/customXml" ds:itemID="{19EE3147-B5A6-4BC2-9C63-6F3D880274C5}">
-  <ds:schemaRefs>
-    <ds:schemaRef ds:uri="http://schemas.microsoft.com/VisualStudio/2011/storyboarding/control"/>
-  </ds:schemaRefs>
-</ds:datastoreItem>
-</file>
-
-<file path=customXml/itemProps60.xml><?xml version="1.0" encoding="utf-8"?>
-<ds:datastoreItem xmlns:ds="http://schemas.openxmlformats.org/officeDocument/2006/customXml" ds:itemID="{CAEDEF08-E671-488C-AACA-77AF8F686CCE}">
-  <ds:schemaRefs>
-    <ds:schemaRef ds:uri="http://schemas.microsoft.com/VisualStudio/2011/storyboarding/control"/>
-  </ds:schemaRefs>
-</ds:datastoreItem>
-</file>
-
-<file path=customXml/itemProps61.xml><?xml version="1.0" encoding="utf-8"?>
-<ds:datastoreItem xmlns:ds="http://schemas.openxmlformats.org/officeDocument/2006/customXml" ds:itemID="{E8FC4FC7-63B4-45D7-8E10-182B7AD2B934}">
-  <ds:schemaRefs>
-    <ds:schemaRef ds:uri="http://schemas.microsoft.com/VisualStudio/2011/storyboarding/control"/>
-  </ds:schemaRefs>
-</ds:datastoreItem>
-</file>
-
-<file path=customXml/itemProps62.xml><?xml version="1.0" encoding="utf-8"?>
-<ds:datastoreItem xmlns:ds="http://schemas.openxmlformats.org/officeDocument/2006/customXml" ds:itemID="{00A68A96-B372-4228-ACF7-91F982E1AB5F}">
-  <ds:schemaRefs>
-    <ds:schemaRef ds:uri="http://schemas.microsoft.com/VisualStudio/2011/storyboarding/control"/>
-  </ds:schemaRefs>
-</ds:datastoreItem>
-</file>
-
-<file path=customXml/itemProps63.xml><?xml version="1.0" encoding="utf-8"?>
-<ds:datastoreItem xmlns:ds="http://schemas.openxmlformats.org/officeDocument/2006/customXml" ds:itemID="{AAD9A196-2A5D-42E5-82F2-268CB023F952}">
-  <ds:schemaRefs>
-    <ds:schemaRef ds:uri="http://schemas.microsoft.com/VisualStudio/2011/storyboarding/control"/>
-  </ds:schemaRefs>
-</ds:datastoreItem>
-</file>
-
-<file path=customXml/itemProps64.xml><?xml version="1.0" encoding="utf-8"?>
-<ds:datastoreItem xmlns:ds="http://schemas.openxmlformats.org/officeDocument/2006/customXml" ds:itemID="{3E386A23-59AC-45EA-8134-F61DB5C01BDA}">
-  <ds:schemaRefs>
-    <ds:schemaRef ds:uri="http://schemas.microsoft.com/VisualStudio/2011/storyboarding/control"/>
-  </ds:schemaRefs>
-</ds:datastoreItem>
-</file>
-
-<file path=customXml/itemProps65.xml><?xml version="1.0" encoding="utf-8"?>
-<ds:datastoreItem xmlns:ds="http://schemas.openxmlformats.org/officeDocument/2006/customXml" ds:itemID="{238E4091-6AA0-4D5F-A464-23255C220A2B}">
-  <ds:schemaRefs>
-    <ds:schemaRef ds:uri="http://schemas.microsoft.com/VisualStudio/2011/storyboarding/control"/>
-  </ds:schemaRefs>
-</ds:datastoreItem>
-</file>
-
-<file path=customXml/itemProps66.xml><?xml version="1.0" encoding="utf-8"?>
-<ds:datastoreItem xmlns:ds="http://schemas.openxmlformats.org/officeDocument/2006/customXml" ds:itemID="{059A00BC-7922-4E2D-8274-177A38C42E03}">
-  <ds:schemaRefs>
-    <ds:schemaRef ds:uri="http://schemas.microsoft.com/VisualStudio/2011/storyboarding/control"/>
-  </ds:schemaRefs>
-</ds:datastoreItem>
-</file>
-
-<file path=customXml/itemProps67.xml><?xml version="1.0" encoding="utf-8"?>
-<ds:datastoreItem xmlns:ds="http://schemas.openxmlformats.org/officeDocument/2006/customXml" ds:itemID="{8244B591-5D32-4A05-BA31-BC819616DFB7}">
-  <ds:schemaRefs>
-    <ds:schemaRef ds:uri="http://schemas.microsoft.com/VisualStudio/2011/storyboarding/control"/>
-  </ds:schemaRefs>
-</ds:datastoreItem>
-</file>
-
-<file path=customXml/itemProps68.xml><?xml version="1.0" encoding="utf-8"?>
-<ds:datastoreItem xmlns:ds="http://schemas.openxmlformats.org/officeDocument/2006/customXml" ds:itemID="{D3BE89F4-E0C7-4D85-85D3-23022A5254BE}">
-  <ds:schemaRefs>
-    <ds:schemaRef ds:uri="http://schemas.microsoft.com/VisualStudio/2011/storyboarding/control"/>
-  </ds:schemaRefs>
-</ds:datastoreItem>
-</file>
-
-<file path=customXml/itemProps69.xml><?xml version="1.0" encoding="utf-8"?>
-<ds:datastoreItem xmlns:ds="http://schemas.openxmlformats.org/officeDocument/2006/customXml" ds:itemID="{4AF09C12-A1A4-4428-8CE4-3008874B209D}">
-  <ds:schemaRefs>
-    <ds:schemaRef ds:uri="http://schemas.microsoft.com/VisualStudio/2011/storyboarding/control"/>
-  </ds:schemaRefs>
-</ds:datastoreItem>
-</file>
-
-<file path=customXml/itemProps7.xml><?xml version="1.0" encoding="utf-8"?>
-<ds:datastoreItem xmlns:ds="http://schemas.openxmlformats.org/officeDocument/2006/customXml" ds:itemID="{2FEAA353-AC29-4963-8C5E-B73D44C5881B}">
-  <ds:schemaRefs>
-    <ds:schemaRef ds:uri="http://schemas.microsoft.com/VisualStudio/2011/storyboarding/control"/>
-  </ds:schemaRefs>
-</ds:datastoreItem>
-</file>
-
-<file path=customXml/itemProps70.xml><?xml version="1.0" encoding="utf-8"?>
-<ds:datastoreItem xmlns:ds="http://schemas.openxmlformats.org/officeDocument/2006/customXml" ds:itemID="{4C5D9824-13D5-40B2-9C2C-5E7454B4313E}">
-  <ds:schemaRefs>
-    <ds:schemaRef ds:uri="http://schemas.microsoft.com/VisualStudio/2011/storyboarding/control"/>
-  </ds:schemaRefs>
-</ds:datastoreItem>
-</file>
-
-<file path=customXml/itemProps71.xml><?xml version="1.0" encoding="utf-8"?>
-<ds:datastoreItem xmlns:ds="http://schemas.openxmlformats.org/officeDocument/2006/customXml" ds:itemID="{F67EE1E4-BC28-4470-B24B-70B2735E9CC5}">
-  <ds:schemaRefs>
-    <ds:schemaRef ds:uri="http://schemas.microsoft.com/VisualStudio/2011/storyboarding/control"/>
-  </ds:schemaRefs>
-</ds:datastoreItem>
-</file>
-
-<file path=customXml/itemProps72.xml><?xml version="1.0" encoding="utf-8"?>
-<ds:datastoreItem xmlns:ds="http://schemas.openxmlformats.org/officeDocument/2006/customXml" ds:itemID="{E1788570-76EA-4BE9-BE13-E0A6126D67EC}">
-  <ds:schemaRefs>
-    <ds:schemaRef ds:uri="http://schemas.microsoft.com/VisualStudio/2011/storyboarding/control"/>
-  </ds:schemaRefs>
-</ds:datastoreItem>
-</file>
-
-<file path=customXml/itemProps73.xml><?xml version="1.0" encoding="utf-8"?>
-<ds:datastoreItem xmlns:ds="http://schemas.openxmlformats.org/officeDocument/2006/customXml" ds:itemID="{2BFF45F9-38F3-46D7-AE6B-1A4D08A6B0E5}">
-  <ds:schemaRefs>
-    <ds:schemaRef ds:uri="http://schemas.microsoft.com/VisualStudio/2011/storyboarding/control"/>
-  </ds:schemaRefs>
-</ds:datastoreItem>
-</file>
-
-<file path=customXml/itemProps74.xml><?xml version="1.0" encoding="utf-8"?>
-<ds:datastoreItem xmlns:ds="http://schemas.openxmlformats.org/officeDocument/2006/customXml" ds:itemID="{4562ED85-5F5B-4C80-9052-1F6BF16EED89}">
-  <ds:schemaRefs>
-    <ds:schemaRef ds:uri="http://schemas.microsoft.com/VisualStudio/2011/storyboarding/control"/>
-  </ds:schemaRefs>
-</ds:datastoreItem>
-</file>
-
-<file path=customXml/itemProps75.xml><?xml version="1.0" encoding="utf-8"?>
-<ds:datastoreItem xmlns:ds="http://schemas.openxmlformats.org/officeDocument/2006/customXml" ds:itemID="{8CE92875-5137-4108-A885-ABA70713AECC}">
-  <ds:schemaRefs>
-    <ds:schemaRef ds:uri="http://schemas.microsoft.com/VisualStudio/2011/storyboarding/control"/>
-  </ds:schemaRefs>
-</ds:datastoreItem>
-</file>
-
-<file path=customXml/itemProps76.xml><?xml version="1.0" encoding="utf-8"?>
-<ds:datastoreItem xmlns:ds="http://schemas.openxmlformats.org/officeDocument/2006/customXml" ds:itemID="{2767950D-6E56-4D24-8265-C134BDA8FE55}">
-  <ds:schemaRefs>
-    <ds:schemaRef ds:uri="http://schemas.microsoft.com/VisualStudio/2011/storyboarding/control"/>
-  </ds:schemaRefs>
-</ds:datastoreItem>
-</file>
-
-<file path=customXml/itemProps77.xml><?xml version="1.0" encoding="utf-8"?>
-<ds:datastoreItem xmlns:ds="http://schemas.openxmlformats.org/officeDocument/2006/customXml" ds:itemID="{46867D45-882A-43C4-B92B-CBE66A621901}">
-  <ds:schemaRefs>
-    <ds:schemaRef ds:uri="http://schemas.microsoft.com/VisualStudio/2011/storyboarding/control"/>
-  </ds:schemaRefs>
-</ds:datastoreItem>
-</file>
-
-<file path=customXml/itemProps78.xml><?xml version="1.0" encoding="utf-8"?>
-<ds:datastoreItem xmlns:ds="http://schemas.openxmlformats.org/officeDocument/2006/customXml" ds:itemID="{D7877BD0-59F5-4FAD-B239-BDE864724FE0}">
-  <ds:schemaRefs>
-    <ds:schemaRef ds:uri="http://schemas.microsoft.com/VisualStudio/2011/storyboarding/control"/>
-  </ds:schemaRefs>
-</ds:datastoreItem>
-</file>
-
-<file path=customXml/itemProps79.xml><?xml version="1.0" encoding="utf-8"?>
-<ds:datastoreItem xmlns:ds="http://schemas.openxmlformats.org/officeDocument/2006/customXml" ds:itemID="{08A9803F-CFDA-42A3-9744-0E011C269932}">
-  <ds:schemaRefs>
-    <ds:schemaRef ds:uri="http://schemas.microsoft.com/VisualStudio/2011/storyboarding/control"/>
-  </ds:schemaRefs>
-</ds:datastoreItem>
-</file>
-
-<file path=customXml/itemProps8.xml><?xml version="1.0" encoding="utf-8"?>
-<ds:datastoreItem xmlns:ds="http://schemas.openxmlformats.org/officeDocument/2006/customXml" ds:itemID="{F3E27545-75AE-4129-B37B-DCEDA06FE3F5}">
-  <ds:schemaRefs>
-    <ds:schemaRef ds:uri="http://schemas.microsoft.com/VisualStudio/2011/storyboarding/control"/>
-  </ds:schemaRefs>
-</ds:datastoreItem>
-</file>
-
-<file path=customXml/itemProps80.xml><?xml version="1.0" encoding="utf-8"?>
-<ds:datastoreItem xmlns:ds="http://schemas.openxmlformats.org/officeDocument/2006/customXml" ds:itemID="{EE54E899-0F8C-459F-AA25-691F8C5375AF}">
-  <ds:schemaRefs>
-    <ds:schemaRef ds:uri="http://schemas.microsoft.com/VisualStudio/2011/storyboarding/control"/>
-  </ds:schemaRefs>
-</ds:datastoreItem>
-</file>
-
-<file path=customXml/itemProps81.xml><?xml version="1.0" encoding="utf-8"?>
-<ds:datastoreItem xmlns:ds="http://schemas.openxmlformats.org/officeDocument/2006/customXml" ds:itemID="{61F08E8D-0E41-4EAA-A8D9-2F9318B9D11D}">
-  <ds:schemaRefs>
-    <ds:schemaRef ds:uri="http://schemas.microsoft.com/VisualStudio/2011/storyboarding/control"/>
-  </ds:schemaRefs>
-</ds:datastoreItem>
-</file>
-
-<file path=customXml/itemProps82.xml><?xml version="1.0" encoding="utf-8"?>
-<ds:datastoreItem xmlns:ds="http://schemas.openxmlformats.org/officeDocument/2006/customXml" ds:itemID="{FD27E29D-B16F-4EF0-809F-0B6BCB63526B}">
-  <ds:schemaRefs>
-    <ds:schemaRef ds:uri="http://schemas.microsoft.com/VisualStudio/2011/storyboarding/control"/>
-  </ds:schemaRefs>
-</ds:datastoreItem>
-</file>
-
-<file path=customXml/itemProps83.xml><?xml version="1.0" encoding="utf-8"?>
-<ds:datastoreItem xmlns:ds="http://schemas.openxmlformats.org/officeDocument/2006/customXml" ds:itemID="{97F37CC2-EB76-4D0B-986B-225F403279E8}">
-  <ds:schemaRefs>
-    <ds:schemaRef ds:uri="http://schemas.microsoft.com/VisualStudio/2011/storyboarding/control"/>
-  </ds:schemaRefs>
-</ds:datastoreItem>
-</file>
-
-<file path=customXml/itemProps84.xml><?xml version="1.0" encoding="utf-8"?>
-<ds:datastoreItem xmlns:ds="http://schemas.openxmlformats.org/officeDocument/2006/customXml" ds:itemID="{7D59CDC6-58DF-4A64-958A-225FD347A928}">
-  <ds:schemaRefs>
-    <ds:schemaRef ds:uri="http://schemas.microsoft.com/VisualStudio/2011/storyboarding/control"/>
-  </ds:schemaRefs>
-</ds:datastoreItem>
-</file>
-
-<file path=customXml/itemProps85.xml><?xml version="1.0" encoding="utf-8"?>
-<ds:datastoreItem xmlns:ds="http://schemas.openxmlformats.org/officeDocument/2006/customXml" ds:itemID="{BDA3FAF5-0FB5-4DF9-A72F-837BC34B2223}">
-  <ds:schemaRefs>
-    <ds:schemaRef ds:uri="http://schemas.microsoft.com/VisualStudio/2011/storyboarding/control"/>
-  </ds:schemaRefs>
-</ds:datastoreItem>
-</file>
-
-<file path=customXml/itemProps86.xml><?xml version="1.0" encoding="utf-8"?>
-<ds:datastoreItem xmlns:ds="http://schemas.openxmlformats.org/officeDocument/2006/customXml" ds:itemID="{27F36B52-6CF6-4397-BA43-A73A144A114D}">
-  <ds:schemaRefs>
-    <ds:schemaRef ds:uri="http://schemas.microsoft.com/VisualStudio/2011/storyboarding/control"/>
-  </ds:schemaRefs>
-</ds:datastoreItem>
-</file>
-
-<file path=customXml/itemProps87.xml><?xml version="1.0" encoding="utf-8"?>
-<ds:datastoreItem xmlns:ds="http://schemas.openxmlformats.org/officeDocument/2006/customXml" ds:itemID="{2E12C7FD-ADB9-4E02-88AD-8997CE61C2D4}">
-  <ds:schemaRefs>
-    <ds:schemaRef ds:uri="http://schemas.microsoft.com/VisualStudio/2011/storyboarding/control"/>
-  </ds:schemaRefs>
-</ds:datastoreItem>
-</file>
-
-<file path=customXml/itemProps88.xml><?xml version="1.0" encoding="utf-8"?>
-<ds:datastoreItem xmlns:ds="http://schemas.openxmlformats.org/officeDocument/2006/customXml" ds:itemID="{7FB06168-5510-4F1E-A95A-0BC019A40066}">
-  <ds:schemaRefs>
-    <ds:schemaRef ds:uri="http://schemas.microsoft.com/VisualStudio/2011/storyboarding/control"/>
-  </ds:schemaRefs>
-</ds:datastoreItem>
-</file>
-
-<file path=customXml/itemProps89.xml><?xml version="1.0" encoding="utf-8"?>
-<ds:datastoreItem xmlns:ds="http://schemas.openxmlformats.org/officeDocument/2006/customXml" ds:itemID="{7FF5E720-32FD-43B4-93F3-28521A9DC605}">
-  <ds:schemaRefs>
-    <ds:schemaRef ds:uri="http://schemas.microsoft.com/VisualStudio/2011/storyboarding/control"/>
-  </ds:schemaRefs>
-</ds:datastoreItem>
-</file>
-
-<file path=customXml/itemProps9.xml><?xml version="1.0" encoding="utf-8"?>
-<ds:datastoreItem xmlns:ds="http://schemas.openxmlformats.org/officeDocument/2006/customXml" ds:itemID="{3FBFA4EC-17C5-4248-A71C-7ADBE94391F0}">
-  <ds:schemaRefs>
-    <ds:schemaRef ds:uri="http://schemas.microsoft.com/VisualStudio/2011/storyboarding/control"/>
-  </ds:schemaRefs>
-</ds:datastoreItem>
-</file>
-
-<file path=customXml/itemProps90.xml><?xml version="1.0" encoding="utf-8"?>
-<ds:datastoreItem xmlns:ds="http://schemas.openxmlformats.org/officeDocument/2006/customXml" ds:itemID="{C43B4C94-3FEE-4641-AAEF-DDB851AEBDD6}">
-  <ds:schemaRefs>
-    <ds:schemaRef ds:uri="http://schemas.microsoft.com/VisualStudio/2011/storyboarding/control"/>
-  </ds:schemaRefs>
-</ds:datastoreItem>
-</file>
-
-<file path=customXml/itemProps91.xml><?xml version="1.0" encoding="utf-8"?>
-<ds:datastoreItem xmlns:ds="http://schemas.openxmlformats.org/officeDocument/2006/customXml" ds:itemID="{C47073DF-7B9E-4360-9DB2-AC4CED95D923}">
-  <ds:schemaRefs>
-    <ds:schemaRef ds:uri="http://schemas.microsoft.com/VisualStudio/2011/storyboarding/control"/>
-  </ds:schemaRefs>
-</ds:datastoreItem>
-</file>
-
-<file path=customXml/itemProps92.xml><?xml version="1.0" encoding="utf-8"?>
-<ds:datastoreItem xmlns:ds="http://schemas.openxmlformats.org/officeDocument/2006/customXml" ds:itemID="{570D2175-1F71-485A-B816-2BE874FDACEB}">
-  <ds:schemaRefs>
-    <ds:schemaRef ds:uri="http://schemas.microsoft.com/VisualStudio/2011/storyboarding/control"/>
-  </ds:schemaRefs>
-</ds:datastoreItem>
-</file>
-
-<file path=customXml/itemProps93.xml><?xml version="1.0" encoding="utf-8"?>
-<ds:datastoreItem xmlns:ds="http://schemas.openxmlformats.org/officeDocument/2006/customXml" ds:itemID="{CDDFBF7F-A654-4DF2-8FEA-7444B97DE8ED}">
-  <ds:schemaRefs>
-    <ds:schemaRef ds:uri="http://schemas.microsoft.com/VisualStudio/2011/storyboarding/control"/>
-  </ds:schemaRefs>
-</ds:datastoreItem>
-</file>
-
-<file path=customXml/itemProps94.xml><?xml version="1.0" encoding="utf-8"?>
-<ds:datastoreItem xmlns:ds="http://schemas.openxmlformats.org/officeDocument/2006/customXml" ds:itemID="{3B2B1BF2-846E-41FE-9CD7-2F1CC352791C}">
-  <ds:schemaRefs>
-    <ds:schemaRef ds:uri="http://schemas.microsoft.com/VisualStudio/2011/storyboarding/control"/>
-  </ds:schemaRefs>
-</ds:datastoreItem>
-</file>
-
-<file path=customXml/itemProps95.xml><?xml version="1.0" encoding="utf-8"?>
-<ds:datastoreItem xmlns:ds="http://schemas.openxmlformats.org/officeDocument/2006/customXml" ds:itemID="{3FA2755B-750E-4415-86FD-A9A920B38FE2}">
-  <ds:schemaRefs>
-    <ds:schemaRef ds:uri="http://schemas.microsoft.com/VisualStudio/2011/storyboarding/control"/>
-  </ds:schemaRefs>
-</ds:datastoreItem>
-</file>
-
-<file path=customXml/itemProps96.xml><?xml version="1.0" encoding="utf-8"?>
-<ds:datastoreItem xmlns:ds="http://schemas.openxmlformats.org/officeDocument/2006/customXml" ds:itemID="{9ABCD897-7CB0-4F79-845F-5CCBD48F3D7A}">
-  <ds:schemaRefs>
-    <ds:schemaRef ds:uri="http://schemas.microsoft.com/VisualStudio/2011/storyboarding/control"/>
-  </ds:schemaRefs>
-</ds:datastoreItem>
-</file>
-
-<file path=customXml/itemProps97.xml><?xml version="1.0" encoding="utf-8"?>
-<ds:datastoreItem xmlns:ds="http://schemas.openxmlformats.org/officeDocument/2006/customXml" ds:itemID="{F1DD14E0-424F-4FF5-B74E-19AA22245CA2}">
-  <ds:schemaRefs>
-    <ds:schemaRef ds:uri="http://schemas.microsoft.com/VisualStudio/2011/storyboarding/control"/>
-  </ds:schemaRefs>
-</ds:datastoreItem>
-</file>
-
-<file path=customXml/itemProps98.xml><?xml version="1.0" encoding="utf-8"?>
-<ds:datastoreItem xmlns:ds="http://schemas.openxmlformats.org/officeDocument/2006/customXml" ds:itemID="{18B78A2F-285D-46A4-AEAB-2D6B42FFEC57}">
-  <ds:schemaRefs>
-    <ds:schemaRef ds:uri="http://schemas.microsoft.com/VisualStudio/2011/storyboarding/control"/>
-  </ds:schemaRefs>
-</ds:datastoreItem>
-</file>
-
-<file path=customXml/itemProps99.xml><?xml version="1.0" encoding="utf-8"?>
-<ds:datastoreItem xmlns:ds="http://schemas.openxmlformats.org/officeDocument/2006/customXml" ds:itemID="{A6A46914-DB08-472D-B8E5-F4163E582125}">
-  <ds:schemaRefs>
-    <ds:schemaRef ds:uri="http://schemas.microsoft.com/VisualStudio/2011/storyboarding/control"/>
-  </ds:schemaRefs>
-</ds:datastoreItem>
 </file>